--- a/CS445 SLIDES.pptx
+++ b/CS445 SLIDES.pptx
@@ -1,47 +1,47 @@
 
 <file path=ppt/presentation.xml><?xml version="1.0" encoding="utf-8"?>
-<p:presentation xmlns:a="http://schemas.openxmlformats.org/drawingml/2006/main" xmlns:r="http://schemas.openxmlformats.org/officeDocument/2006/relationships" xmlns:mc="http://schemas.openxmlformats.org/markup-compatibility/2006" xmlns:mv="urn:schemas-microsoft-com:mac:vml" xmlns:p="http://schemas.openxmlformats.org/presentationml/2006/main" xmlns:c="http://schemas.openxmlformats.org/drawingml/2006/chart" xmlns:dgm="http://schemas.openxmlformats.org/drawingml/2006/diagram" xmlns:o="urn:schemas-microsoft-com:office:office" xmlns:v="urn:schemas-microsoft-com:vml" xmlns:pvml="urn:schemas-microsoft-com:office:powerpoint" xmlns:com="http://schemas.openxmlformats.org/drawingml/2006/compatibility" xmlns:p14="http://schemas.microsoft.com/office/powerpoint/2010/main" xmlns:p15="http://schemas.microsoft.com/office/powerpoint/2012/main" xmlns:ahyp="http://schemas.microsoft.com/office/drawing/2018/hyperlinkcolor" autoCompressPictures="0" embedTrueTypeFonts="1" strictFirstAndLastChars="0" saveSubsetFonts="1">
+<p:presentation xmlns:a="http://schemas.openxmlformats.org/drawingml/2006/main" xmlns:r="http://schemas.openxmlformats.org/officeDocument/2006/relationships" xmlns:p="http://schemas.openxmlformats.org/presentationml/2006/main" strictFirstAndLastChars="0" embedTrueTypeFonts="1" saveSubsetFonts="1" autoCompressPictures="0">
   <p:sldMasterIdLst>
-    <p:sldMasterId id="2147483659" r:id="rId4"/>
+    <p:sldMasterId id="2147483659" r:id="rId1"/>
   </p:sldMasterIdLst>
   <p:notesMasterIdLst>
-    <p:notesMasterId r:id="rId5"/>
+    <p:notesMasterId r:id="rId15"/>
   </p:notesMasterIdLst>
   <p:sldIdLst>
-    <p:sldId id="256" r:id="rId6"/>
-    <p:sldId id="257" r:id="rId7"/>
-    <p:sldId id="258" r:id="rId8"/>
-    <p:sldId id="259" r:id="rId9"/>
-    <p:sldId id="260" r:id="rId10"/>
-    <p:sldId id="261" r:id="rId11"/>
-    <p:sldId id="262" r:id="rId12"/>
-    <p:sldId id="263" r:id="rId13"/>
-    <p:sldId id="264" r:id="rId14"/>
-    <p:sldId id="265" r:id="rId15"/>
-    <p:sldId id="266" r:id="rId16"/>
-    <p:sldId id="267" r:id="rId17"/>
-    <p:sldId id="268" r:id="rId18"/>
+    <p:sldId id="256" r:id="rId2"/>
+    <p:sldId id="257" r:id="rId3"/>
+    <p:sldId id="258" r:id="rId4"/>
+    <p:sldId id="259" r:id="rId5"/>
+    <p:sldId id="260" r:id="rId6"/>
+    <p:sldId id="261" r:id="rId7"/>
+    <p:sldId id="262" r:id="rId8"/>
+    <p:sldId id="263" r:id="rId9"/>
+    <p:sldId id="264" r:id="rId10"/>
+    <p:sldId id="265" r:id="rId11"/>
+    <p:sldId id="266" r:id="rId12"/>
+    <p:sldId id="267" r:id="rId13"/>
+    <p:sldId id="268" r:id="rId14"/>
   </p:sldIdLst>
-  <p:sldSz cy="5143500" cx="9144000"/>
+  <p:sldSz cx="9144000" cy="5143500" type="screen16x9"/>
   <p:notesSz cx="6858000" cy="9144000"/>
   <p:embeddedFontLst>
     <p:embeddedFont>
-      <p:font typeface="Montserrat"/>
-      <p:regular r:id="rId19"/>
-      <p:bold r:id="rId20"/>
-      <p:italic r:id="rId21"/>
-      <p:boldItalic r:id="rId22"/>
+      <p:font typeface="Lato" panose="020F0502020204030203" pitchFamily="34" charset="0"/>
+      <p:regular r:id="rId16"/>
+      <p:bold r:id="rId17"/>
+      <p:italic r:id="rId18"/>
+      <p:boldItalic r:id="rId19"/>
     </p:embeddedFont>
     <p:embeddedFont>
-      <p:font typeface="Lato"/>
-      <p:regular r:id="rId23"/>
-      <p:bold r:id="rId24"/>
-      <p:italic r:id="rId25"/>
-      <p:boldItalic r:id="rId26"/>
+      <p:font typeface="Montserrat" panose="00000500000000000000" pitchFamily="2" charset="0"/>
+      <p:regular r:id="rId20"/>
+      <p:bold r:id="rId21"/>
+      <p:italic r:id="rId22"/>
+      <p:boldItalic r:id="rId23"/>
     </p:embeddedFont>
   </p:embeddedFontLst>
   <p:defaultTextStyle>
-    <a:defPPr lvl="0" marR="0" rtl="0" algn="l">
+    <a:defPPr marR="0" lvl="0" algn="l" rtl="0">
       <a:lnSpc>
         <a:spcPct val="100000"/>
       </a:lnSpc>
@@ -52,7 +52,7 @@
         <a:spcPts val="0"/>
       </a:spcAft>
     </a:defPPr>
-    <a:lvl1pPr lvl="0" marR="0" rtl="0" algn="l">
+    <a:lvl1pPr marR="0" lvl="0" algn="l" rtl="0">
       <a:lnSpc>
         <a:spcPct val="100000"/>
       </a:lnSpc>
@@ -66,7 +66,7 @@
         <a:srgbClr val="000000"/>
       </a:buClr>
       <a:buFont typeface="Arial"/>
-      <a:defRPr b="0" i="0" sz="1400" u="none" cap="none" strike="noStrike">
+      <a:defRPr sz="1400" b="0" i="0" u="none" strike="noStrike" cap="none">
         <a:solidFill>
           <a:srgbClr val="000000"/>
         </a:solidFill>
@@ -76,7 +76,7 @@
         <a:sym typeface="Arial"/>
       </a:defRPr>
     </a:lvl1pPr>
-    <a:lvl2pPr lvl="1" marR="0" rtl="0" algn="l">
+    <a:lvl2pPr marR="0" lvl="1" algn="l" rtl="0">
       <a:lnSpc>
         <a:spcPct val="100000"/>
       </a:lnSpc>
@@ -90,7 +90,7 @@
         <a:srgbClr val="000000"/>
       </a:buClr>
       <a:buFont typeface="Arial"/>
-      <a:defRPr b="0" i="0" sz="1400" u="none" cap="none" strike="noStrike">
+      <a:defRPr sz="1400" b="0" i="0" u="none" strike="noStrike" cap="none">
         <a:solidFill>
           <a:srgbClr val="000000"/>
         </a:solidFill>
@@ -100,7 +100,7 @@
         <a:sym typeface="Arial"/>
       </a:defRPr>
     </a:lvl2pPr>
-    <a:lvl3pPr lvl="2" marR="0" rtl="0" algn="l">
+    <a:lvl3pPr marR="0" lvl="2" algn="l" rtl="0">
       <a:lnSpc>
         <a:spcPct val="100000"/>
       </a:lnSpc>
@@ -114,7 +114,7 @@
         <a:srgbClr val="000000"/>
       </a:buClr>
       <a:buFont typeface="Arial"/>
-      <a:defRPr b="0" i="0" sz="1400" u="none" cap="none" strike="noStrike">
+      <a:defRPr sz="1400" b="0" i="0" u="none" strike="noStrike" cap="none">
         <a:solidFill>
           <a:srgbClr val="000000"/>
         </a:solidFill>
@@ -124,7 +124,7 @@
         <a:sym typeface="Arial"/>
       </a:defRPr>
     </a:lvl3pPr>
-    <a:lvl4pPr lvl="3" marR="0" rtl="0" algn="l">
+    <a:lvl4pPr marR="0" lvl="3" algn="l" rtl="0">
       <a:lnSpc>
         <a:spcPct val="100000"/>
       </a:lnSpc>
@@ -138,7 +138,7 @@
         <a:srgbClr val="000000"/>
       </a:buClr>
       <a:buFont typeface="Arial"/>
-      <a:defRPr b="0" i="0" sz="1400" u="none" cap="none" strike="noStrike">
+      <a:defRPr sz="1400" b="0" i="0" u="none" strike="noStrike" cap="none">
         <a:solidFill>
           <a:srgbClr val="000000"/>
         </a:solidFill>
@@ -148,7 +148,7 @@
         <a:sym typeface="Arial"/>
       </a:defRPr>
     </a:lvl4pPr>
-    <a:lvl5pPr lvl="4" marR="0" rtl="0" algn="l">
+    <a:lvl5pPr marR="0" lvl="4" algn="l" rtl="0">
       <a:lnSpc>
         <a:spcPct val="100000"/>
       </a:lnSpc>
@@ -162,7 +162,7 @@
         <a:srgbClr val="000000"/>
       </a:buClr>
       <a:buFont typeface="Arial"/>
-      <a:defRPr b="0" i="0" sz="1400" u="none" cap="none" strike="noStrike">
+      <a:defRPr sz="1400" b="0" i="0" u="none" strike="noStrike" cap="none">
         <a:solidFill>
           <a:srgbClr val="000000"/>
         </a:solidFill>
@@ -172,7 +172,7 @@
         <a:sym typeface="Arial"/>
       </a:defRPr>
     </a:lvl5pPr>
-    <a:lvl6pPr lvl="5" marR="0" rtl="0" algn="l">
+    <a:lvl6pPr marR="0" lvl="5" algn="l" rtl="0">
       <a:lnSpc>
         <a:spcPct val="100000"/>
       </a:lnSpc>
@@ -186,7 +186,7 @@
         <a:srgbClr val="000000"/>
       </a:buClr>
       <a:buFont typeface="Arial"/>
-      <a:defRPr b="0" i="0" sz="1400" u="none" cap="none" strike="noStrike">
+      <a:defRPr sz="1400" b="0" i="0" u="none" strike="noStrike" cap="none">
         <a:solidFill>
           <a:srgbClr val="000000"/>
         </a:solidFill>
@@ -196,7 +196,7 @@
         <a:sym typeface="Arial"/>
       </a:defRPr>
     </a:lvl6pPr>
-    <a:lvl7pPr lvl="6" marR="0" rtl="0" algn="l">
+    <a:lvl7pPr marR="0" lvl="6" algn="l" rtl="0">
       <a:lnSpc>
         <a:spcPct val="100000"/>
       </a:lnSpc>
@@ -210,7 +210,7 @@
         <a:srgbClr val="000000"/>
       </a:buClr>
       <a:buFont typeface="Arial"/>
-      <a:defRPr b="0" i="0" sz="1400" u="none" cap="none" strike="noStrike">
+      <a:defRPr sz="1400" b="0" i="0" u="none" strike="noStrike" cap="none">
         <a:solidFill>
           <a:srgbClr val="000000"/>
         </a:solidFill>
@@ -220,7 +220,7 @@
         <a:sym typeface="Arial"/>
       </a:defRPr>
     </a:lvl7pPr>
-    <a:lvl8pPr lvl="7" marR="0" rtl="0" algn="l">
+    <a:lvl8pPr marR="0" lvl="7" algn="l" rtl="0">
       <a:lnSpc>
         <a:spcPct val="100000"/>
       </a:lnSpc>
@@ -234,7 +234,7 @@
         <a:srgbClr val="000000"/>
       </a:buClr>
       <a:buFont typeface="Arial"/>
-      <a:defRPr b="0" i="0" sz="1400" u="none" cap="none" strike="noStrike">
+      <a:defRPr sz="1400" b="0" i="0" u="none" strike="noStrike" cap="none">
         <a:solidFill>
           <a:srgbClr val="000000"/>
         </a:solidFill>
@@ -244,7 +244,7 @@
         <a:sym typeface="Arial"/>
       </a:defRPr>
     </a:lvl8pPr>
-    <a:lvl9pPr lvl="8" marR="0" rtl="0" algn="l">
+    <a:lvl9pPr marR="0" lvl="8" algn="l" rtl="0">
       <a:lnSpc>
         <a:spcPct val="100000"/>
       </a:lnSpc>
@@ -258,7 +258,7 @@
         <a:srgbClr val="000000"/>
       </a:buClr>
       <a:buFont typeface="Arial"/>
-      <a:defRPr b="0" i="0" sz="1400" u="none" cap="none" strike="noStrike">
+      <a:defRPr sz="1400" b="0" i="0" u="none" strike="noStrike" cap="none">
         <a:solidFill>
           <a:srgbClr val="000000"/>
         </a:solidFill>
@@ -271,7 +271,7 @@
   </p:defaultTextStyle>
   <p:extLst>
     <p:ext uri="{EFAFB233-063F-42B5-8137-9DF3F51BA10A}">
-      <p15:sldGuideLst>
+      <p15:sldGuideLst xmlns:p15="http://schemas.microsoft.com/office/powerpoint/2012/main">
         <p15:guide id="1" orient="horz" pos="1620">
           <p15:clr>
             <a:srgbClr val="747775"/>
@@ -289,11 +289,16 @@
 </file>
 
 <file path=ppt/notesMasters/notesMaster1.xml><?xml version="1.0" encoding="utf-8"?>
-<p:notesMaster xmlns:a="http://schemas.openxmlformats.org/drawingml/2006/main" xmlns:r="http://schemas.openxmlformats.org/officeDocument/2006/relationships" xmlns:mc="http://schemas.openxmlformats.org/markup-compatibility/2006" xmlns:mv="urn:schemas-microsoft-com:mac:vml" xmlns:p="http://schemas.openxmlformats.org/presentationml/2006/main" xmlns:c="http://schemas.openxmlformats.org/drawingml/2006/chart" xmlns:dgm="http://schemas.openxmlformats.org/drawingml/2006/diagram" xmlns:o="urn:schemas-microsoft-com:office:office" xmlns:v="urn:schemas-microsoft-com:vml" xmlns:pvml="urn:schemas-microsoft-com:office:powerpoint" xmlns:com="http://schemas.openxmlformats.org/drawingml/2006/compatibility" xmlns:p14="http://schemas.microsoft.com/office/powerpoint/2010/main" xmlns:p15="http://schemas.microsoft.com/office/powerpoint/2012/main" xmlns:ahyp="http://schemas.microsoft.com/office/drawing/2018/hyperlinkcolor">
+<p:notesMaster xmlns:a="http://schemas.openxmlformats.org/drawingml/2006/main" xmlns:r="http://schemas.openxmlformats.org/officeDocument/2006/relationships" xmlns:p="http://schemas.openxmlformats.org/presentationml/2006/main">
   <p:cSld>
+    <p:bg>
+      <p:bgRef idx="1001">
+        <a:schemeClr val="bg1"/>
+      </p:bgRef>
+    </p:bg>
     <p:spTree>
       <p:nvGrpSpPr>
-        <p:cNvPr id="2" name="Shape 2"/>
+        <p:cNvPr id="1" name="Shape 2"/>
         <p:cNvGrpSpPr/>
         <p:nvPr/>
       </p:nvGrpSpPr>
@@ -308,9 +313,11 @@
       <p:sp>
         <p:nvSpPr>
           <p:cNvPr id="3" name="Google Shape;3;n"/>
-          <p:cNvSpPr/>
+          <p:cNvSpPr>
+            <a:spLocks noGrp="1" noRot="1" noChangeAspect="1"/>
+          </p:cNvSpPr>
           <p:nvPr>
-            <p:ph idx="2" type="sldImg"/>
+            <p:ph type="sldImg" idx="2"/>
           </p:nvPr>
         </p:nvSpPr>
         <p:spPr>
@@ -319,9 +326,13 @@
             <a:ext cx="6096075" cy="3429000"/>
           </a:xfrm>
           <a:custGeom>
-            <a:rect b="b" l="l" r="r" t="t"/>
+            <a:avLst/>
+            <a:gdLst/>
+            <a:ahLst/>
+            <a:cxnLst/>
+            <a:rect l="l" t="t" r="r" b="b"/>
             <a:pathLst>
-              <a:path extrusionOk="0" h="120000" w="120000">
+              <a:path w="120000" h="120000" extrusionOk="0">
                 <a:moveTo>
                   <a:pt x="0" y="0"/>
                 </a:moveTo>
@@ -339,23 +350,25 @@
             </a:pathLst>
           </a:custGeom>
           <a:noFill/>
-          <a:ln cap="flat" cmpd="sng" w="9525">
+          <a:ln w="9525" cap="flat" cmpd="sng">
             <a:solidFill>
               <a:srgbClr val="000000"/>
             </a:solidFill>
             <a:prstDash val="solid"/>
             <a:round/>
-            <a:headEnd len="sm" w="sm" type="none"/>
-            <a:tailEnd len="sm" w="sm" type="none"/>
+            <a:headEnd type="none" w="sm" len="sm"/>
+            <a:tailEnd type="none" w="sm" len="sm"/>
           </a:ln>
         </p:spPr>
       </p:sp>
       <p:sp>
         <p:nvSpPr>
           <p:cNvPr id="4" name="Google Shape;4;n"/>
-          <p:cNvSpPr txBox="1"/>
+          <p:cNvSpPr txBox="1">
+            <a:spLocks noGrp="1"/>
+          </p:cNvSpPr>
           <p:nvPr>
-            <p:ph idx="1" type="body"/>
+            <p:ph type="body" idx="1"/>
           </p:nvPr>
         </p:nvSpPr>
         <p:spPr>
@@ -372,11 +385,11 @@
           </a:ln>
         </p:spPr>
         <p:txBody>
-          <a:bodyPr anchorCtr="0" anchor="t" bIns="91425" lIns="91425" spcFirstLastPara="1" rIns="91425" wrap="square" tIns="91425">
+          <a:bodyPr spcFirstLastPara="1" wrap="square" lIns="91425" tIns="91425" rIns="91425" bIns="91425" anchor="t" anchorCtr="0">
             <a:noAutofit/>
           </a:bodyPr>
           <a:lstStyle>
-            <a:lvl1pPr indent="-298450" lvl="0" marL="457200">
+            <a:lvl1pPr marL="457200" lvl="0" indent="-298450">
               <a:spcBef>
                 <a:spcPts val="0"/>
               </a:spcBef>
@@ -387,7 +400,7 @@
               <a:buChar char="●"/>
               <a:defRPr sz="1100"/>
             </a:lvl1pPr>
-            <a:lvl2pPr indent="-298450" lvl="1" marL="914400">
+            <a:lvl2pPr marL="914400" lvl="1" indent="-298450">
               <a:spcBef>
                 <a:spcPts val="0"/>
               </a:spcBef>
@@ -398,7 +411,7 @@
               <a:buChar char="○"/>
               <a:defRPr sz="1100"/>
             </a:lvl2pPr>
-            <a:lvl3pPr indent="-298450" lvl="2" marL="1371600">
+            <a:lvl3pPr marL="1371600" lvl="2" indent="-298450">
               <a:spcBef>
                 <a:spcPts val="0"/>
               </a:spcBef>
@@ -409,7 +422,7 @@
               <a:buChar char="■"/>
               <a:defRPr sz="1100"/>
             </a:lvl3pPr>
-            <a:lvl4pPr indent="-298450" lvl="3" marL="1828800">
+            <a:lvl4pPr marL="1828800" lvl="3" indent="-298450">
               <a:spcBef>
                 <a:spcPts val="0"/>
               </a:spcBef>
@@ -420,7 +433,7 @@
               <a:buChar char="●"/>
               <a:defRPr sz="1100"/>
             </a:lvl4pPr>
-            <a:lvl5pPr indent="-298450" lvl="4" marL="2286000">
+            <a:lvl5pPr marL="2286000" lvl="4" indent="-298450">
               <a:spcBef>
                 <a:spcPts val="0"/>
               </a:spcBef>
@@ -431,7 +444,7 @@
               <a:buChar char="○"/>
               <a:defRPr sz="1100"/>
             </a:lvl5pPr>
-            <a:lvl6pPr indent="-298450" lvl="5" marL="2743200">
+            <a:lvl6pPr marL="2743200" lvl="5" indent="-298450">
               <a:spcBef>
                 <a:spcPts val="0"/>
               </a:spcBef>
@@ -442,7 +455,7 @@
               <a:buChar char="■"/>
               <a:defRPr sz="1100"/>
             </a:lvl6pPr>
-            <a:lvl7pPr indent="-298450" lvl="6" marL="3200400">
+            <a:lvl7pPr marL="3200400" lvl="6" indent="-298450">
               <a:spcBef>
                 <a:spcPts val="0"/>
               </a:spcBef>
@@ -453,7 +466,7 @@
               <a:buChar char="●"/>
               <a:defRPr sz="1100"/>
             </a:lvl7pPr>
-            <a:lvl8pPr indent="-298450" lvl="7" marL="3657600">
+            <a:lvl8pPr marL="3657600" lvl="7" indent="-298450">
               <a:spcBef>
                 <a:spcPts val="0"/>
               </a:spcBef>
@@ -464,7 +477,7 @@
               <a:buChar char="○"/>
               <a:defRPr sz="1100"/>
             </a:lvl8pPr>
-            <a:lvl9pPr indent="-298450" lvl="8" marL="4114800">
+            <a:lvl9pPr marL="4114800" lvl="8" indent="-298450">
               <a:spcBef>
                 <a:spcPts val="0"/>
               </a:spcBef>
@@ -476,14 +489,16 @@
               <a:defRPr sz="1100"/>
             </a:lvl9pPr>
           </a:lstStyle>
-          <a:p/>
+          <a:p>
+            <a:endParaRPr/>
+          </a:p>
         </p:txBody>
       </p:sp>
     </p:spTree>
   </p:cSld>
-  <p:clrMap accent1="accent1" accent2="accent2" accent3="accent3" accent4="accent4" accent5="accent5" accent6="accent6" bg1="lt1" bg2="dk2" tx1="dk1" tx2="lt2" folHlink="folHlink" hlink="hlink"/>
+  <p:clrMap bg1="lt1" tx1="dk1" bg2="dk2" tx2="lt2" accent1="accent1" accent2="accent2" accent3="accent3" accent4="accent4" accent5="accent5" accent6="accent6" hlink="hlink" folHlink="folHlink"/>
   <p:notesStyle>
-    <a:defPPr lvl="0" marR="0" rtl="0" algn="l">
+    <a:defPPr marR="0" lvl="0" algn="l" rtl="0">
       <a:lnSpc>
         <a:spcPct val="100000"/>
       </a:lnSpc>
@@ -494,7 +509,7 @@
         <a:spcPts val="0"/>
       </a:spcAft>
     </a:defPPr>
-    <a:lvl1pPr lvl="0" marR="0" rtl="0" algn="l">
+    <a:lvl1pPr marR="0" lvl="0" algn="l" rtl="0">
       <a:lnSpc>
         <a:spcPct val="100000"/>
       </a:lnSpc>
@@ -508,7 +523,7 @@
         <a:srgbClr val="000000"/>
       </a:buClr>
       <a:buFont typeface="Arial"/>
-      <a:defRPr b="0" i="0" sz="1400" u="none" cap="none" strike="noStrike">
+      <a:defRPr sz="1400" b="0" i="0" u="none" strike="noStrike" cap="none">
         <a:solidFill>
           <a:srgbClr val="000000"/>
         </a:solidFill>
@@ -518,7 +533,7 @@
         <a:sym typeface="Arial"/>
       </a:defRPr>
     </a:lvl1pPr>
-    <a:lvl2pPr lvl="1" marR="0" rtl="0" algn="l">
+    <a:lvl2pPr marR="0" lvl="1" algn="l" rtl="0">
       <a:lnSpc>
         <a:spcPct val="100000"/>
       </a:lnSpc>
@@ -532,7 +547,7 @@
         <a:srgbClr val="000000"/>
       </a:buClr>
       <a:buFont typeface="Arial"/>
-      <a:defRPr b="0" i="0" sz="1400" u="none" cap="none" strike="noStrike">
+      <a:defRPr sz="1400" b="0" i="0" u="none" strike="noStrike" cap="none">
         <a:solidFill>
           <a:srgbClr val="000000"/>
         </a:solidFill>
@@ -542,7 +557,7 @@
         <a:sym typeface="Arial"/>
       </a:defRPr>
     </a:lvl2pPr>
-    <a:lvl3pPr lvl="2" marR="0" rtl="0" algn="l">
+    <a:lvl3pPr marR="0" lvl="2" algn="l" rtl="0">
       <a:lnSpc>
         <a:spcPct val="100000"/>
       </a:lnSpc>
@@ -556,7 +571,7 @@
         <a:srgbClr val="000000"/>
       </a:buClr>
       <a:buFont typeface="Arial"/>
-      <a:defRPr b="0" i="0" sz="1400" u="none" cap="none" strike="noStrike">
+      <a:defRPr sz="1400" b="0" i="0" u="none" strike="noStrike" cap="none">
         <a:solidFill>
           <a:srgbClr val="000000"/>
         </a:solidFill>
@@ -566,7 +581,7 @@
         <a:sym typeface="Arial"/>
       </a:defRPr>
     </a:lvl3pPr>
-    <a:lvl4pPr lvl="3" marR="0" rtl="0" algn="l">
+    <a:lvl4pPr marR="0" lvl="3" algn="l" rtl="0">
       <a:lnSpc>
         <a:spcPct val="100000"/>
       </a:lnSpc>
@@ -580,7 +595,7 @@
         <a:srgbClr val="000000"/>
       </a:buClr>
       <a:buFont typeface="Arial"/>
-      <a:defRPr b="0" i="0" sz="1400" u="none" cap="none" strike="noStrike">
+      <a:defRPr sz="1400" b="0" i="0" u="none" strike="noStrike" cap="none">
         <a:solidFill>
           <a:srgbClr val="000000"/>
         </a:solidFill>
@@ -590,7 +605,7 @@
         <a:sym typeface="Arial"/>
       </a:defRPr>
     </a:lvl4pPr>
-    <a:lvl5pPr lvl="4" marR="0" rtl="0" algn="l">
+    <a:lvl5pPr marR="0" lvl="4" algn="l" rtl="0">
       <a:lnSpc>
         <a:spcPct val="100000"/>
       </a:lnSpc>
@@ -604,7 +619,7 @@
         <a:srgbClr val="000000"/>
       </a:buClr>
       <a:buFont typeface="Arial"/>
-      <a:defRPr b="0" i="0" sz="1400" u="none" cap="none" strike="noStrike">
+      <a:defRPr sz="1400" b="0" i="0" u="none" strike="noStrike" cap="none">
         <a:solidFill>
           <a:srgbClr val="000000"/>
         </a:solidFill>
@@ -614,7 +629,7 @@
         <a:sym typeface="Arial"/>
       </a:defRPr>
     </a:lvl5pPr>
-    <a:lvl6pPr lvl="5" marR="0" rtl="0" algn="l">
+    <a:lvl6pPr marR="0" lvl="5" algn="l" rtl="0">
       <a:lnSpc>
         <a:spcPct val="100000"/>
       </a:lnSpc>
@@ -628,7 +643,7 @@
         <a:srgbClr val="000000"/>
       </a:buClr>
       <a:buFont typeface="Arial"/>
-      <a:defRPr b="0" i="0" sz="1400" u="none" cap="none" strike="noStrike">
+      <a:defRPr sz="1400" b="0" i="0" u="none" strike="noStrike" cap="none">
         <a:solidFill>
           <a:srgbClr val="000000"/>
         </a:solidFill>
@@ -638,7 +653,7 @@
         <a:sym typeface="Arial"/>
       </a:defRPr>
     </a:lvl6pPr>
-    <a:lvl7pPr lvl="6" marR="0" rtl="0" algn="l">
+    <a:lvl7pPr marR="0" lvl="6" algn="l" rtl="0">
       <a:lnSpc>
         <a:spcPct val="100000"/>
       </a:lnSpc>
@@ -652,7 +667,7 @@
         <a:srgbClr val="000000"/>
       </a:buClr>
       <a:buFont typeface="Arial"/>
-      <a:defRPr b="0" i="0" sz="1400" u="none" cap="none" strike="noStrike">
+      <a:defRPr sz="1400" b="0" i="0" u="none" strike="noStrike" cap="none">
         <a:solidFill>
           <a:srgbClr val="000000"/>
         </a:solidFill>
@@ -662,7 +677,7 @@
         <a:sym typeface="Arial"/>
       </a:defRPr>
     </a:lvl7pPr>
-    <a:lvl8pPr lvl="7" marR="0" rtl="0" algn="l">
+    <a:lvl8pPr marR="0" lvl="7" algn="l" rtl="0">
       <a:lnSpc>
         <a:spcPct val="100000"/>
       </a:lnSpc>
@@ -676,7 +691,7 @@
         <a:srgbClr val="000000"/>
       </a:buClr>
       <a:buFont typeface="Arial"/>
-      <a:defRPr b="0" i="0" sz="1400" u="none" cap="none" strike="noStrike">
+      <a:defRPr sz="1400" b="0" i="0" u="none" strike="noStrike" cap="none">
         <a:solidFill>
           <a:srgbClr val="000000"/>
         </a:solidFill>
@@ -686,7 +701,7 @@
         <a:sym typeface="Arial"/>
       </a:defRPr>
     </a:lvl8pPr>
-    <a:lvl9pPr lvl="8" marR="0" rtl="0" algn="l">
+    <a:lvl9pPr marR="0" lvl="8" algn="l" rtl="0">
       <a:lnSpc>
         <a:spcPct val="100000"/>
       </a:lnSpc>
@@ -700,7 +715,7 @@
         <a:srgbClr val="000000"/>
       </a:buClr>
       <a:buFont typeface="Arial"/>
-      <a:defRPr b="0" i="0" sz="1400" u="none" cap="none" strike="noStrike">
+      <a:defRPr sz="1400" b="0" i="0" u="none" strike="noStrike" cap="none">
         <a:solidFill>
           <a:srgbClr val="000000"/>
         </a:solidFill>
@@ -715,11 +730,11 @@
 </file>
 
 <file path=ppt/notesSlides/notesSlide1.xml><?xml version="1.0" encoding="utf-8"?>
-<p:notes xmlns:a="http://schemas.openxmlformats.org/drawingml/2006/main" xmlns:r="http://schemas.openxmlformats.org/officeDocument/2006/relationships" xmlns:mc="http://schemas.openxmlformats.org/markup-compatibility/2006" xmlns:mv="urn:schemas-microsoft-com:mac:vml" xmlns:p="http://schemas.openxmlformats.org/presentationml/2006/main" xmlns:c="http://schemas.openxmlformats.org/drawingml/2006/chart" xmlns:dgm="http://schemas.openxmlformats.org/drawingml/2006/diagram" xmlns:o="urn:schemas-microsoft-com:office:office" xmlns:v="urn:schemas-microsoft-com:vml" xmlns:pvml="urn:schemas-microsoft-com:office:powerpoint" xmlns:com="http://schemas.openxmlformats.org/drawingml/2006/compatibility" xmlns:p14="http://schemas.microsoft.com/office/powerpoint/2010/main" xmlns:p15="http://schemas.microsoft.com/office/powerpoint/2012/main" xmlns:ahyp="http://schemas.microsoft.com/office/drawing/2018/hyperlinkcolor" showMasterPhAnim="0" showMasterSp="0">
+<p:notes xmlns:a="http://schemas.openxmlformats.org/drawingml/2006/main" xmlns:r="http://schemas.openxmlformats.org/officeDocument/2006/relationships" xmlns:p="http://schemas.openxmlformats.org/presentationml/2006/main" showMasterSp="0" showMasterPhAnim="0">
   <p:cSld>
     <p:spTree>
       <p:nvGrpSpPr>
-        <p:cNvPr id="130" name="Shape 130"/>
+        <p:cNvPr id="1" name="Shape 130"/>
         <p:cNvGrpSpPr/>
         <p:nvPr/>
       </p:nvGrpSpPr>
@@ -734,9 +749,11 @@
       <p:sp>
         <p:nvSpPr>
           <p:cNvPr id="131" name="Google Shape;131;p:notes"/>
-          <p:cNvSpPr/>
+          <p:cNvSpPr>
+            <a:spLocks noGrp="1" noRot="1" noChangeAspect="1"/>
+          </p:cNvSpPr>
           <p:nvPr>
-            <p:ph idx="2" type="sldImg"/>
+            <p:ph type="sldImg" idx="2"/>
           </p:nvPr>
         </p:nvSpPr>
         <p:spPr>
@@ -745,9 +762,13 @@
             <a:ext cx="6096075" cy="3429000"/>
           </a:xfrm>
           <a:custGeom>
-            <a:rect b="b" l="l" r="r" t="t"/>
+            <a:avLst/>
+            <a:gdLst/>
+            <a:ahLst/>
+            <a:cxnLst/>
+            <a:rect l="l" t="t" r="r" b="b"/>
             <a:pathLst>
-              <a:path extrusionOk="0" h="120000" w="120000">
+              <a:path w="120000" h="120000" extrusionOk="0">
                 <a:moveTo>
                   <a:pt x="0" y="0"/>
                 </a:moveTo>
@@ -769,9 +790,11 @@
       <p:sp>
         <p:nvSpPr>
           <p:cNvPr id="132" name="Google Shape;132;p:notes"/>
-          <p:cNvSpPr txBox="1"/>
+          <p:cNvSpPr txBox="1">
+            <a:spLocks noGrp="1"/>
+          </p:cNvSpPr>
           <p:nvPr>
-            <p:ph idx="1" type="body"/>
+            <p:ph type="body" idx="1"/>
           </p:nvPr>
         </p:nvSpPr>
         <p:spPr>
@@ -784,12 +807,12 @@
           </a:prstGeom>
         </p:spPr>
         <p:txBody>
-          <a:bodyPr anchorCtr="0" anchor="t" bIns="91425" lIns="91425" spcFirstLastPara="1" rIns="91425" wrap="square" tIns="91425">
+          <a:bodyPr spcFirstLastPara="1" wrap="square" lIns="91425" tIns="91425" rIns="91425" bIns="91425" anchor="t" anchorCtr="0">
             <a:noAutofit/>
           </a:bodyPr>
           <a:lstStyle/>
           <a:p>
-            <a:pPr indent="0" lvl="0" marL="0" rtl="0" algn="l">
+            <a:pPr marL="0" lvl="0" indent="0" algn="l" rtl="0">
               <a:spcBef>
                 <a:spcPts val="0"/>
               </a:spcBef>
@@ -798,9 +821,6 @@
               </a:spcAft>
               <a:buNone/>
             </a:pPr>
-            <a:r>
-              <a:t/>
-            </a:r>
             <a:endParaRPr/>
           </a:p>
         </p:txBody>
@@ -814,11 +834,11 @@
 </file>
 
 <file path=ppt/notesSlides/notesSlide10.xml><?xml version="1.0" encoding="utf-8"?>
-<p:notes xmlns:a="http://schemas.openxmlformats.org/drawingml/2006/main" xmlns:r="http://schemas.openxmlformats.org/officeDocument/2006/relationships" xmlns:mc="http://schemas.openxmlformats.org/markup-compatibility/2006" xmlns:mv="urn:schemas-microsoft-com:mac:vml" xmlns:p="http://schemas.openxmlformats.org/presentationml/2006/main" xmlns:c="http://schemas.openxmlformats.org/drawingml/2006/chart" xmlns:dgm="http://schemas.openxmlformats.org/drawingml/2006/diagram" xmlns:o="urn:schemas-microsoft-com:office:office" xmlns:v="urn:schemas-microsoft-com:vml" xmlns:pvml="urn:schemas-microsoft-com:office:powerpoint" xmlns:com="http://schemas.openxmlformats.org/drawingml/2006/compatibility" xmlns:p14="http://schemas.microsoft.com/office/powerpoint/2010/main" xmlns:p15="http://schemas.microsoft.com/office/powerpoint/2012/main" xmlns:ahyp="http://schemas.microsoft.com/office/drawing/2018/hyperlinkcolor" showMasterPhAnim="0" showMasterSp="0">
+<p:notes xmlns:a="http://schemas.openxmlformats.org/drawingml/2006/main" xmlns:r="http://schemas.openxmlformats.org/officeDocument/2006/relationships" xmlns:p="http://schemas.openxmlformats.org/presentationml/2006/main" showMasterSp="0" showMasterPhAnim="0">
   <p:cSld>
     <p:spTree>
       <p:nvGrpSpPr>
-        <p:cNvPr id="192" name="Shape 192"/>
+        <p:cNvPr id="1" name="Shape 192"/>
         <p:cNvGrpSpPr/>
         <p:nvPr/>
       </p:nvGrpSpPr>
@@ -833,20 +853,26 @@
       <p:sp>
         <p:nvSpPr>
           <p:cNvPr id="193" name="Google Shape;193;g35e59576393_0_257:notes"/>
-          <p:cNvSpPr/>
+          <p:cNvSpPr>
+            <a:spLocks noGrp="1" noRot="1" noChangeAspect="1"/>
+          </p:cNvSpPr>
           <p:nvPr>
-            <p:ph idx="2" type="sldImg"/>
+            <p:ph type="sldImg" idx="2"/>
           </p:nvPr>
         </p:nvSpPr>
         <p:spPr>
           <a:xfrm>
-            <a:off x="381300" y="685800"/>
+            <a:off x="381000" y="685800"/>
             <a:ext cx="6096000" cy="3429000"/>
           </a:xfrm>
           <a:custGeom>
-            <a:rect b="b" l="l" r="r" t="t"/>
+            <a:avLst/>
+            <a:gdLst/>
+            <a:ahLst/>
+            <a:cxnLst/>
+            <a:rect l="l" t="t" r="r" b="b"/>
             <a:pathLst>
-              <a:path extrusionOk="0" h="120000" w="120000">
+              <a:path w="120000" h="120000" extrusionOk="0">
                 <a:moveTo>
                   <a:pt x="0" y="0"/>
                 </a:moveTo>
@@ -868,9 +894,11 @@
       <p:sp>
         <p:nvSpPr>
           <p:cNvPr id="194" name="Google Shape;194;g35e59576393_0_257:notes"/>
-          <p:cNvSpPr txBox="1"/>
+          <p:cNvSpPr txBox="1">
+            <a:spLocks noGrp="1"/>
+          </p:cNvSpPr>
           <p:nvPr>
-            <p:ph idx="1" type="body"/>
+            <p:ph type="body" idx="1"/>
           </p:nvPr>
         </p:nvSpPr>
         <p:spPr>
@@ -883,12 +911,12 @@
           </a:prstGeom>
         </p:spPr>
         <p:txBody>
-          <a:bodyPr anchorCtr="0" anchor="t" bIns="91425" lIns="91425" spcFirstLastPara="1" rIns="91425" wrap="square" tIns="91425">
+          <a:bodyPr spcFirstLastPara="1" wrap="square" lIns="91425" tIns="91425" rIns="91425" bIns="91425" anchor="t" anchorCtr="0">
             <a:noAutofit/>
           </a:bodyPr>
           <a:lstStyle/>
           <a:p>
-            <a:pPr indent="0" lvl="0" marL="0" rtl="0" algn="l">
+            <a:pPr marL="0" lvl="0" indent="0" algn="l" rtl="0">
               <a:spcBef>
                 <a:spcPts val="0"/>
               </a:spcBef>
@@ -897,9 +925,6 @@
               </a:spcAft>
               <a:buNone/>
             </a:pPr>
-            <a:r>
-              <a:t/>
-            </a:r>
             <a:endParaRPr/>
           </a:p>
         </p:txBody>
@@ -913,11 +938,11 @@
 </file>
 
 <file path=ppt/notesSlides/notesSlide11.xml><?xml version="1.0" encoding="utf-8"?>
-<p:notes xmlns:a="http://schemas.openxmlformats.org/drawingml/2006/main" xmlns:r="http://schemas.openxmlformats.org/officeDocument/2006/relationships" xmlns:mc="http://schemas.openxmlformats.org/markup-compatibility/2006" xmlns:mv="urn:schemas-microsoft-com:mac:vml" xmlns:p="http://schemas.openxmlformats.org/presentationml/2006/main" xmlns:c="http://schemas.openxmlformats.org/drawingml/2006/chart" xmlns:dgm="http://schemas.openxmlformats.org/drawingml/2006/diagram" xmlns:o="urn:schemas-microsoft-com:office:office" xmlns:v="urn:schemas-microsoft-com:vml" xmlns:pvml="urn:schemas-microsoft-com:office:powerpoint" xmlns:com="http://schemas.openxmlformats.org/drawingml/2006/compatibility" xmlns:p14="http://schemas.microsoft.com/office/powerpoint/2010/main" xmlns:p15="http://schemas.microsoft.com/office/powerpoint/2012/main" xmlns:ahyp="http://schemas.microsoft.com/office/drawing/2018/hyperlinkcolor" showMasterPhAnim="0" showMasterSp="0">
+<p:notes xmlns:a="http://schemas.openxmlformats.org/drawingml/2006/main" xmlns:r="http://schemas.openxmlformats.org/officeDocument/2006/relationships" xmlns:p="http://schemas.openxmlformats.org/presentationml/2006/main" showMasterSp="0" showMasterPhAnim="0">
   <p:cSld>
     <p:spTree>
       <p:nvGrpSpPr>
-        <p:cNvPr id="200" name="Shape 200"/>
+        <p:cNvPr id="1" name="Shape 200"/>
         <p:cNvGrpSpPr/>
         <p:nvPr/>
       </p:nvGrpSpPr>
@@ -932,20 +957,26 @@
       <p:sp>
         <p:nvSpPr>
           <p:cNvPr id="201" name="Google Shape;201;g35e59576393_0_262:notes"/>
-          <p:cNvSpPr/>
+          <p:cNvSpPr>
+            <a:spLocks noGrp="1" noRot="1" noChangeAspect="1"/>
+          </p:cNvSpPr>
           <p:nvPr>
-            <p:ph idx="2" type="sldImg"/>
+            <p:ph type="sldImg" idx="2"/>
           </p:nvPr>
         </p:nvSpPr>
         <p:spPr>
           <a:xfrm>
-            <a:off x="381300" y="685800"/>
+            <a:off x="381000" y="685800"/>
             <a:ext cx="6096000" cy="3429000"/>
           </a:xfrm>
           <a:custGeom>
-            <a:rect b="b" l="l" r="r" t="t"/>
+            <a:avLst/>
+            <a:gdLst/>
+            <a:ahLst/>
+            <a:cxnLst/>
+            <a:rect l="l" t="t" r="r" b="b"/>
             <a:pathLst>
-              <a:path extrusionOk="0" h="120000" w="120000">
+              <a:path w="120000" h="120000" extrusionOk="0">
                 <a:moveTo>
                   <a:pt x="0" y="0"/>
                 </a:moveTo>
@@ -967,9 +998,11 @@
       <p:sp>
         <p:nvSpPr>
           <p:cNvPr id="202" name="Google Shape;202;g35e59576393_0_262:notes"/>
-          <p:cNvSpPr txBox="1"/>
+          <p:cNvSpPr txBox="1">
+            <a:spLocks noGrp="1"/>
+          </p:cNvSpPr>
           <p:nvPr>
-            <p:ph idx="1" type="body"/>
+            <p:ph type="body" idx="1"/>
           </p:nvPr>
         </p:nvSpPr>
         <p:spPr>
@@ -982,12 +1015,12 @@
           </a:prstGeom>
         </p:spPr>
         <p:txBody>
-          <a:bodyPr anchorCtr="0" anchor="t" bIns="91425" lIns="91425" spcFirstLastPara="1" rIns="91425" wrap="square" tIns="91425">
+          <a:bodyPr spcFirstLastPara="1" wrap="square" lIns="91425" tIns="91425" rIns="91425" bIns="91425" anchor="t" anchorCtr="0">
             <a:noAutofit/>
           </a:bodyPr>
           <a:lstStyle/>
           <a:p>
-            <a:pPr indent="0" lvl="0" marL="0" rtl="0" algn="l">
+            <a:pPr marL="0" lvl="0" indent="0" algn="l" rtl="0">
               <a:spcBef>
                 <a:spcPts val="0"/>
               </a:spcBef>
@@ -996,9 +1029,6 @@
               </a:spcAft>
               <a:buNone/>
             </a:pPr>
-            <a:r>
-              <a:t/>
-            </a:r>
             <a:endParaRPr/>
           </a:p>
         </p:txBody>
@@ -1012,11 +1042,11 @@
 </file>
 
 <file path=ppt/notesSlides/notesSlide12.xml><?xml version="1.0" encoding="utf-8"?>
-<p:notes xmlns:a="http://schemas.openxmlformats.org/drawingml/2006/main" xmlns:r="http://schemas.openxmlformats.org/officeDocument/2006/relationships" xmlns:mc="http://schemas.openxmlformats.org/markup-compatibility/2006" xmlns:mv="urn:schemas-microsoft-com:mac:vml" xmlns:p="http://schemas.openxmlformats.org/presentationml/2006/main" xmlns:c="http://schemas.openxmlformats.org/drawingml/2006/chart" xmlns:dgm="http://schemas.openxmlformats.org/drawingml/2006/diagram" xmlns:o="urn:schemas-microsoft-com:office:office" xmlns:v="urn:schemas-microsoft-com:vml" xmlns:pvml="urn:schemas-microsoft-com:office:powerpoint" xmlns:com="http://schemas.openxmlformats.org/drawingml/2006/compatibility" xmlns:p14="http://schemas.microsoft.com/office/powerpoint/2010/main" xmlns:p15="http://schemas.microsoft.com/office/powerpoint/2012/main" xmlns:ahyp="http://schemas.microsoft.com/office/drawing/2018/hyperlinkcolor" showMasterPhAnim="0" showMasterSp="0">
+<p:notes xmlns:a="http://schemas.openxmlformats.org/drawingml/2006/main" xmlns:r="http://schemas.openxmlformats.org/officeDocument/2006/relationships" xmlns:p="http://schemas.openxmlformats.org/presentationml/2006/main" showMasterSp="0" showMasterPhAnim="0">
   <p:cSld>
     <p:spTree>
       <p:nvGrpSpPr>
-        <p:cNvPr id="208" name="Shape 208"/>
+        <p:cNvPr id="1" name="Shape 208"/>
         <p:cNvGrpSpPr/>
         <p:nvPr/>
       </p:nvGrpSpPr>
@@ -1031,9 +1061,11 @@
       <p:sp>
         <p:nvSpPr>
           <p:cNvPr id="209" name="Google Shape;209;g35e53ea0f98_0_15:notes"/>
-          <p:cNvSpPr/>
+          <p:cNvSpPr>
+            <a:spLocks noGrp="1" noRot="1" noChangeAspect="1"/>
+          </p:cNvSpPr>
           <p:nvPr>
-            <p:ph idx="2" type="sldImg"/>
+            <p:ph type="sldImg" idx="2"/>
           </p:nvPr>
         </p:nvSpPr>
         <p:spPr>
@@ -1042,9 +1074,13 @@
             <a:ext cx="6096000" cy="3429000"/>
           </a:xfrm>
           <a:custGeom>
-            <a:rect b="b" l="l" r="r" t="t"/>
+            <a:avLst/>
+            <a:gdLst/>
+            <a:ahLst/>
+            <a:cxnLst/>
+            <a:rect l="l" t="t" r="r" b="b"/>
             <a:pathLst>
-              <a:path extrusionOk="0" h="120000" w="120000">
+              <a:path w="120000" h="120000" extrusionOk="0">
                 <a:moveTo>
                   <a:pt x="0" y="0"/>
                 </a:moveTo>
@@ -1066,9 +1102,11 @@
       <p:sp>
         <p:nvSpPr>
           <p:cNvPr id="210" name="Google Shape;210;g35e53ea0f98_0_15:notes"/>
-          <p:cNvSpPr txBox="1"/>
+          <p:cNvSpPr txBox="1">
+            <a:spLocks noGrp="1"/>
+          </p:cNvSpPr>
           <p:nvPr>
-            <p:ph idx="1" type="body"/>
+            <p:ph type="body" idx="1"/>
           </p:nvPr>
         </p:nvSpPr>
         <p:spPr>
@@ -1081,12 +1119,12 @@
           </a:prstGeom>
         </p:spPr>
         <p:txBody>
-          <a:bodyPr anchorCtr="0" anchor="t" bIns="91425" lIns="91425" spcFirstLastPara="1" rIns="91425" wrap="square" tIns="91425">
+          <a:bodyPr spcFirstLastPara="1" wrap="square" lIns="91425" tIns="91425" rIns="91425" bIns="91425" anchor="t" anchorCtr="0">
             <a:noAutofit/>
           </a:bodyPr>
           <a:lstStyle/>
           <a:p>
-            <a:pPr indent="0" lvl="0" marL="0" rtl="0" algn="l">
+            <a:pPr marL="0" lvl="0" indent="0" algn="l" rtl="0">
               <a:spcBef>
                 <a:spcPts val="0"/>
               </a:spcBef>
@@ -1095,9 +1133,6 @@
               </a:spcAft>
               <a:buNone/>
             </a:pPr>
-            <a:r>
-              <a:t/>
-            </a:r>
             <a:endParaRPr/>
           </a:p>
         </p:txBody>
@@ -1111,11 +1146,11 @@
 </file>
 
 <file path=ppt/notesSlides/notesSlide13.xml><?xml version="1.0" encoding="utf-8"?>
-<p:notes xmlns:a="http://schemas.openxmlformats.org/drawingml/2006/main" xmlns:r="http://schemas.openxmlformats.org/officeDocument/2006/relationships" xmlns:mc="http://schemas.openxmlformats.org/markup-compatibility/2006" xmlns:mv="urn:schemas-microsoft-com:mac:vml" xmlns:p="http://schemas.openxmlformats.org/presentationml/2006/main" xmlns:c="http://schemas.openxmlformats.org/drawingml/2006/chart" xmlns:dgm="http://schemas.openxmlformats.org/drawingml/2006/diagram" xmlns:o="urn:schemas-microsoft-com:office:office" xmlns:v="urn:schemas-microsoft-com:vml" xmlns:pvml="urn:schemas-microsoft-com:office:powerpoint" xmlns:com="http://schemas.openxmlformats.org/drawingml/2006/compatibility" xmlns:p14="http://schemas.microsoft.com/office/powerpoint/2010/main" xmlns:p15="http://schemas.microsoft.com/office/powerpoint/2012/main" xmlns:ahyp="http://schemas.microsoft.com/office/drawing/2018/hyperlinkcolor" showMasterPhAnim="0" showMasterSp="0">
+<p:notes xmlns:a="http://schemas.openxmlformats.org/drawingml/2006/main" xmlns:r="http://schemas.openxmlformats.org/officeDocument/2006/relationships" xmlns:p="http://schemas.openxmlformats.org/presentationml/2006/main" showMasterSp="0" showMasterPhAnim="0">
   <p:cSld>
     <p:spTree>
       <p:nvGrpSpPr>
-        <p:cNvPr id="214" name="Shape 214"/>
+        <p:cNvPr id="1" name="Shape 214"/>
         <p:cNvGrpSpPr/>
         <p:nvPr/>
       </p:nvGrpSpPr>
@@ -1130,9 +1165,11 @@
       <p:sp>
         <p:nvSpPr>
           <p:cNvPr id="215" name="Google Shape;215;g35e54cb6c5d_0_8:notes"/>
-          <p:cNvSpPr/>
+          <p:cNvSpPr>
+            <a:spLocks noGrp="1" noRot="1" noChangeAspect="1"/>
+          </p:cNvSpPr>
           <p:nvPr>
-            <p:ph idx="2" type="sldImg"/>
+            <p:ph type="sldImg" idx="2"/>
           </p:nvPr>
         </p:nvSpPr>
         <p:spPr>
@@ -1141,9 +1178,13 @@
             <a:ext cx="6096000" cy="3429000"/>
           </a:xfrm>
           <a:custGeom>
-            <a:rect b="b" l="l" r="r" t="t"/>
+            <a:avLst/>
+            <a:gdLst/>
+            <a:ahLst/>
+            <a:cxnLst/>
+            <a:rect l="l" t="t" r="r" b="b"/>
             <a:pathLst>
-              <a:path extrusionOk="0" h="120000" w="120000">
+              <a:path w="120000" h="120000" extrusionOk="0">
                 <a:moveTo>
                   <a:pt x="0" y="0"/>
                 </a:moveTo>
@@ -1165,9 +1206,11 @@
       <p:sp>
         <p:nvSpPr>
           <p:cNvPr id="216" name="Google Shape;216;g35e54cb6c5d_0_8:notes"/>
-          <p:cNvSpPr txBox="1"/>
+          <p:cNvSpPr txBox="1">
+            <a:spLocks noGrp="1"/>
+          </p:cNvSpPr>
           <p:nvPr>
-            <p:ph idx="1" type="body"/>
+            <p:ph type="body" idx="1"/>
           </p:nvPr>
         </p:nvSpPr>
         <p:spPr>
@@ -1180,12 +1223,12 @@
           </a:prstGeom>
         </p:spPr>
         <p:txBody>
-          <a:bodyPr anchorCtr="0" anchor="t" bIns="91425" lIns="91425" spcFirstLastPara="1" rIns="91425" wrap="square" tIns="91425">
+          <a:bodyPr spcFirstLastPara="1" wrap="square" lIns="91425" tIns="91425" rIns="91425" bIns="91425" anchor="t" anchorCtr="0">
             <a:noAutofit/>
           </a:bodyPr>
           <a:lstStyle/>
           <a:p>
-            <a:pPr indent="0" lvl="0" marL="0" rtl="0" algn="l">
+            <a:pPr marL="0" lvl="0" indent="0" algn="l" rtl="0">
               <a:spcBef>
                 <a:spcPts val="0"/>
               </a:spcBef>
@@ -1194,9 +1237,6 @@
               </a:spcAft>
               <a:buNone/>
             </a:pPr>
-            <a:r>
-              <a:t/>
-            </a:r>
             <a:endParaRPr/>
           </a:p>
         </p:txBody>
@@ -1210,11 +1250,11 @@
 </file>
 
 <file path=ppt/notesSlides/notesSlide2.xml><?xml version="1.0" encoding="utf-8"?>
-<p:notes xmlns:a="http://schemas.openxmlformats.org/drawingml/2006/main" xmlns:r="http://schemas.openxmlformats.org/officeDocument/2006/relationships" xmlns:mc="http://schemas.openxmlformats.org/markup-compatibility/2006" xmlns:mv="urn:schemas-microsoft-com:mac:vml" xmlns:p="http://schemas.openxmlformats.org/presentationml/2006/main" xmlns:c="http://schemas.openxmlformats.org/drawingml/2006/chart" xmlns:dgm="http://schemas.openxmlformats.org/drawingml/2006/diagram" xmlns:o="urn:schemas-microsoft-com:office:office" xmlns:v="urn:schemas-microsoft-com:vml" xmlns:pvml="urn:schemas-microsoft-com:office:powerpoint" xmlns:com="http://schemas.openxmlformats.org/drawingml/2006/compatibility" xmlns:p14="http://schemas.microsoft.com/office/powerpoint/2010/main" xmlns:p15="http://schemas.microsoft.com/office/powerpoint/2012/main" xmlns:ahyp="http://schemas.microsoft.com/office/drawing/2018/hyperlinkcolor" showMasterPhAnim="0" showMasterSp="0">
+<p:notes xmlns:a="http://schemas.openxmlformats.org/drawingml/2006/main" xmlns:r="http://schemas.openxmlformats.org/officeDocument/2006/relationships" xmlns:p="http://schemas.openxmlformats.org/presentationml/2006/main" showMasterSp="0" showMasterPhAnim="0">
   <p:cSld>
     <p:spTree>
       <p:nvGrpSpPr>
-        <p:cNvPr id="136" name="Shape 136"/>
+        <p:cNvPr id="1" name="Shape 136"/>
         <p:cNvGrpSpPr/>
         <p:nvPr/>
       </p:nvGrpSpPr>
@@ -1229,9 +1269,11 @@
       <p:sp>
         <p:nvSpPr>
           <p:cNvPr id="137" name="Google Shape;137;g35e53ea0f98_0_5:notes"/>
-          <p:cNvSpPr/>
+          <p:cNvSpPr>
+            <a:spLocks noGrp="1" noRot="1" noChangeAspect="1"/>
+          </p:cNvSpPr>
           <p:nvPr>
-            <p:ph idx="2" type="sldImg"/>
+            <p:ph type="sldImg" idx="2"/>
           </p:nvPr>
         </p:nvSpPr>
         <p:spPr>
@@ -1240,9 +1282,13 @@
             <a:ext cx="6096000" cy="3429000"/>
           </a:xfrm>
           <a:custGeom>
-            <a:rect b="b" l="l" r="r" t="t"/>
+            <a:avLst/>
+            <a:gdLst/>
+            <a:ahLst/>
+            <a:cxnLst/>
+            <a:rect l="l" t="t" r="r" b="b"/>
             <a:pathLst>
-              <a:path extrusionOk="0" h="120000" w="120000">
+              <a:path w="120000" h="120000" extrusionOk="0">
                 <a:moveTo>
                   <a:pt x="0" y="0"/>
                 </a:moveTo>
@@ -1264,9 +1310,11 @@
       <p:sp>
         <p:nvSpPr>
           <p:cNvPr id="138" name="Google Shape;138;g35e53ea0f98_0_5:notes"/>
-          <p:cNvSpPr txBox="1"/>
+          <p:cNvSpPr txBox="1">
+            <a:spLocks noGrp="1"/>
+          </p:cNvSpPr>
           <p:nvPr>
-            <p:ph idx="1" type="body"/>
+            <p:ph type="body" idx="1"/>
           </p:nvPr>
         </p:nvSpPr>
         <p:spPr>
@@ -1279,12 +1327,12 @@
           </a:prstGeom>
         </p:spPr>
         <p:txBody>
-          <a:bodyPr anchorCtr="0" anchor="t" bIns="91425" lIns="91425" spcFirstLastPara="1" rIns="91425" wrap="square" tIns="91425">
+          <a:bodyPr spcFirstLastPara="1" wrap="square" lIns="91425" tIns="91425" rIns="91425" bIns="91425" anchor="t" anchorCtr="0">
             <a:noAutofit/>
           </a:bodyPr>
           <a:lstStyle/>
           <a:p>
-            <a:pPr indent="0" lvl="0" marL="0" rtl="0" algn="l">
+            <a:pPr marL="0" lvl="0" indent="0" algn="l" rtl="0">
               <a:spcBef>
                 <a:spcPts val="0"/>
               </a:spcBef>
@@ -1293,9 +1341,6 @@
               </a:spcAft>
               <a:buNone/>
             </a:pPr>
-            <a:r>
-              <a:t/>
-            </a:r>
             <a:endParaRPr/>
           </a:p>
         </p:txBody>
@@ -1309,11 +1354,11 @@
 </file>
 
 <file path=ppt/notesSlides/notesSlide3.xml><?xml version="1.0" encoding="utf-8"?>
-<p:notes xmlns:a="http://schemas.openxmlformats.org/drawingml/2006/main" xmlns:r="http://schemas.openxmlformats.org/officeDocument/2006/relationships" xmlns:mc="http://schemas.openxmlformats.org/markup-compatibility/2006" xmlns:mv="urn:schemas-microsoft-com:mac:vml" xmlns:p="http://schemas.openxmlformats.org/presentationml/2006/main" xmlns:c="http://schemas.openxmlformats.org/drawingml/2006/chart" xmlns:dgm="http://schemas.openxmlformats.org/drawingml/2006/diagram" xmlns:o="urn:schemas-microsoft-com:office:office" xmlns:v="urn:schemas-microsoft-com:vml" xmlns:pvml="urn:schemas-microsoft-com:office:powerpoint" xmlns:com="http://schemas.openxmlformats.org/drawingml/2006/compatibility" xmlns:p14="http://schemas.microsoft.com/office/powerpoint/2010/main" xmlns:p15="http://schemas.microsoft.com/office/powerpoint/2012/main" xmlns:ahyp="http://schemas.microsoft.com/office/drawing/2018/hyperlinkcolor" showMasterPhAnim="0" showMasterSp="0">
+<p:notes xmlns:a="http://schemas.openxmlformats.org/drawingml/2006/main" xmlns:r="http://schemas.openxmlformats.org/officeDocument/2006/relationships" xmlns:p="http://schemas.openxmlformats.org/presentationml/2006/main" showMasterSp="0" showMasterPhAnim="0">
   <p:cSld>
     <p:spTree>
       <p:nvGrpSpPr>
-        <p:cNvPr id="142" name="Shape 142"/>
+        <p:cNvPr id="1" name="Shape 142"/>
         <p:cNvGrpSpPr/>
         <p:nvPr/>
       </p:nvGrpSpPr>
@@ -1328,9 +1373,11 @@
       <p:sp>
         <p:nvSpPr>
           <p:cNvPr id="143" name="Google Shape;143;g35e53ea0f98_0_10:notes"/>
-          <p:cNvSpPr/>
+          <p:cNvSpPr>
+            <a:spLocks noGrp="1" noRot="1" noChangeAspect="1"/>
+          </p:cNvSpPr>
           <p:nvPr>
-            <p:ph idx="2" type="sldImg"/>
+            <p:ph type="sldImg" idx="2"/>
           </p:nvPr>
         </p:nvSpPr>
         <p:spPr>
@@ -1339,9 +1386,13 @@
             <a:ext cx="6096000" cy="3429000"/>
           </a:xfrm>
           <a:custGeom>
-            <a:rect b="b" l="l" r="r" t="t"/>
+            <a:avLst/>
+            <a:gdLst/>
+            <a:ahLst/>
+            <a:cxnLst/>
+            <a:rect l="l" t="t" r="r" b="b"/>
             <a:pathLst>
-              <a:path extrusionOk="0" h="120000" w="120000">
+              <a:path w="120000" h="120000" extrusionOk="0">
                 <a:moveTo>
                   <a:pt x="0" y="0"/>
                 </a:moveTo>
@@ -1363,9 +1414,11 @@
       <p:sp>
         <p:nvSpPr>
           <p:cNvPr id="144" name="Google Shape;144;g35e53ea0f98_0_10:notes"/>
-          <p:cNvSpPr txBox="1"/>
+          <p:cNvSpPr txBox="1">
+            <a:spLocks noGrp="1"/>
+          </p:cNvSpPr>
           <p:nvPr>
-            <p:ph idx="1" type="body"/>
+            <p:ph type="body" idx="1"/>
           </p:nvPr>
         </p:nvSpPr>
         <p:spPr>
@@ -1378,12 +1431,12 @@
           </a:prstGeom>
         </p:spPr>
         <p:txBody>
-          <a:bodyPr anchorCtr="0" anchor="t" bIns="91425" lIns="91425" spcFirstLastPara="1" rIns="91425" wrap="square" tIns="91425">
+          <a:bodyPr spcFirstLastPara="1" wrap="square" lIns="91425" tIns="91425" rIns="91425" bIns="91425" anchor="t" anchorCtr="0">
             <a:noAutofit/>
           </a:bodyPr>
           <a:lstStyle/>
           <a:p>
-            <a:pPr indent="0" lvl="0" marL="0" rtl="0" algn="l">
+            <a:pPr marL="0" lvl="0" indent="0" algn="l" rtl="0">
               <a:spcBef>
                 <a:spcPts val="0"/>
               </a:spcBef>
@@ -1392,9 +1445,6 @@
               </a:spcAft>
               <a:buNone/>
             </a:pPr>
-            <a:r>
-              <a:t/>
-            </a:r>
             <a:endParaRPr/>
           </a:p>
         </p:txBody>
@@ -1408,11 +1458,11 @@
 </file>
 
 <file path=ppt/notesSlides/notesSlide4.xml><?xml version="1.0" encoding="utf-8"?>
-<p:notes xmlns:a="http://schemas.openxmlformats.org/drawingml/2006/main" xmlns:r="http://schemas.openxmlformats.org/officeDocument/2006/relationships" xmlns:mc="http://schemas.openxmlformats.org/markup-compatibility/2006" xmlns:mv="urn:schemas-microsoft-com:mac:vml" xmlns:p="http://schemas.openxmlformats.org/presentationml/2006/main" xmlns:c="http://schemas.openxmlformats.org/drawingml/2006/chart" xmlns:dgm="http://schemas.openxmlformats.org/drawingml/2006/diagram" xmlns:o="urn:schemas-microsoft-com:office:office" xmlns:v="urn:schemas-microsoft-com:vml" xmlns:pvml="urn:schemas-microsoft-com:office:powerpoint" xmlns:com="http://schemas.openxmlformats.org/drawingml/2006/compatibility" xmlns:p14="http://schemas.microsoft.com/office/powerpoint/2010/main" xmlns:p15="http://schemas.microsoft.com/office/powerpoint/2012/main" xmlns:ahyp="http://schemas.microsoft.com/office/drawing/2018/hyperlinkcolor" showMasterPhAnim="0" showMasterSp="0">
+<p:notes xmlns:a="http://schemas.openxmlformats.org/drawingml/2006/main" xmlns:r="http://schemas.openxmlformats.org/officeDocument/2006/relationships" xmlns:p="http://schemas.openxmlformats.org/presentationml/2006/main" showMasterSp="0" showMasterPhAnim="0">
   <p:cSld>
     <p:spTree>
       <p:nvGrpSpPr>
-        <p:cNvPr id="150" name="Shape 150"/>
+        <p:cNvPr id="1" name="Shape 150"/>
         <p:cNvGrpSpPr/>
         <p:nvPr/>
       </p:nvGrpSpPr>
@@ -1427,9 +1477,11 @@
       <p:sp>
         <p:nvSpPr>
           <p:cNvPr id="151" name="Google Shape;151;g35e53ea0f98_0_20:notes"/>
-          <p:cNvSpPr/>
+          <p:cNvSpPr>
+            <a:spLocks noGrp="1" noRot="1" noChangeAspect="1"/>
+          </p:cNvSpPr>
           <p:nvPr>
-            <p:ph idx="2" type="sldImg"/>
+            <p:ph type="sldImg" idx="2"/>
           </p:nvPr>
         </p:nvSpPr>
         <p:spPr>
@@ -1438,9 +1490,13 @@
             <a:ext cx="6096000" cy="3429000"/>
           </a:xfrm>
           <a:custGeom>
-            <a:rect b="b" l="l" r="r" t="t"/>
+            <a:avLst/>
+            <a:gdLst/>
+            <a:ahLst/>
+            <a:cxnLst/>
+            <a:rect l="l" t="t" r="r" b="b"/>
             <a:pathLst>
-              <a:path extrusionOk="0" h="120000" w="120000">
+              <a:path w="120000" h="120000" extrusionOk="0">
                 <a:moveTo>
                   <a:pt x="0" y="0"/>
                 </a:moveTo>
@@ -1462,9 +1518,11 @@
       <p:sp>
         <p:nvSpPr>
           <p:cNvPr id="152" name="Google Shape;152;g35e53ea0f98_0_20:notes"/>
-          <p:cNvSpPr txBox="1"/>
+          <p:cNvSpPr txBox="1">
+            <a:spLocks noGrp="1"/>
+          </p:cNvSpPr>
           <p:nvPr>
-            <p:ph idx="1" type="body"/>
+            <p:ph type="body" idx="1"/>
           </p:nvPr>
         </p:nvSpPr>
         <p:spPr>
@@ -1477,12 +1535,12 @@
           </a:prstGeom>
         </p:spPr>
         <p:txBody>
-          <a:bodyPr anchorCtr="0" anchor="t" bIns="91425" lIns="91425" spcFirstLastPara="1" rIns="91425" wrap="square" tIns="91425">
+          <a:bodyPr spcFirstLastPara="1" wrap="square" lIns="91425" tIns="91425" rIns="91425" bIns="91425" anchor="t" anchorCtr="0">
             <a:noAutofit/>
           </a:bodyPr>
           <a:lstStyle/>
           <a:p>
-            <a:pPr indent="0" lvl="0" marL="0" rtl="0" algn="l">
+            <a:pPr marL="0" lvl="0" indent="0" algn="l" rtl="0">
               <a:spcBef>
                 <a:spcPts val="0"/>
               </a:spcBef>
@@ -1491,9 +1549,6 @@
               </a:spcAft>
               <a:buNone/>
             </a:pPr>
-            <a:r>
-              <a:t/>
-            </a:r>
             <a:endParaRPr/>
           </a:p>
         </p:txBody>
@@ -1507,11 +1562,11 @@
 </file>
 
 <file path=ppt/notesSlides/notesSlide5.xml><?xml version="1.0" encoding="utf-8"?>
-<p:notes xmlns:a="http://schemas.openxmlformats.org/drawingml/2006/main" xmlns:r="http://schemas.openxmlformats.org/officeDocument/2006/relationships" xmlns:mc="http://schemas.openxmlformats.org/markup-compatibility/2006" xmlns:mv="urn:schemas-microsoft-com:mac:vml" xmlns:p="http://schemas.openxmlformats.org/presentationml/2006/main" xmlns:c="http://schemas.openxmlformats.org/drawingml/2006/chart" xmlns:dgm="http://schemas.openxmlformats.org/drawingml/2006/diagram" xmlns:o="urn:schemas-microsoft-com:office:office" xmlns:v="urn:schemas-microsoft-com:vml" xmlns:pvml="urn:schemas-microsoft-com:office:powerpoint" xmlns:com="http://schemas.openxmlformats.org/drawingml/2006/compatibility" xmlns:p14="http://schemas.microsoft.com/office/powerpoint/2010/main" xmlns:p15="http://schemas.microsoft.com/office/powerpoint/2012/main" xmlns:ahyp="http://schemas.microsoft.com/office/drawing/2018/hyperlinkcolor" showMasterPhAnim="0" showMasterSp="0">
+<p:notes xmlns:a="http://schemas.openxmlformats.org/drawingml/2006/main" xmlns:r="http://schemas.openxmlformats.org/officeDocument/2006/relationships" xmlns:p="http://schemas.openxmlformats.org/presentationml/2006/main" showMasterSp="0" showMasterPhAnim="0">
   <p:cSld>
     <p:spTree>
       <p:nvGrpSpPr>
-        <p:cNvPr id="157" name="Shape 157"/>
+        <p:cNvPr id="1" name="Shape 157"/>
         <p:cNvGrpSpPr/>
         <p:nvPr/>
       </p:nvGrpSpPr>
@@ -1526,9 +1581,11 @@
       <p:sp>
         <p:nvSpPr>
           <p:cNvPr id="158" name="Google Shape;158;g35e53ea0f98_0_25:notes"/>
-          <p:cNvSpPr/>
+          <p:cNvSpPr>
+            <a:spLocks noGrp="1" noRot="1" noChangeAspect="1"/>
+          </p:cNvSpPr>
           <p:nvPr>
-            <p:ph idx="2" type="sldImg"/>
+            <p:ph type="sldImg" idx="2"/>
           </p:nvPr>
         </p:nvSpPr>
         <p:spPr>
@@ -1537,9 +1594,13 @@
             <a:ext cx="6096000" cy="3429000"/>
           </a:xfrm>
           <a:custGeom>
-            <a:rect b="b" l="l" r="r" t="t"/>
+            <a:avLst/>
+            <a:gdLst/>
+            <a:ahLst/>
+            <a:cxnLst/>
+            <a:rect l="l" t="t" r="r" b="b"/>
             <a:pathLst>
-              <a:path extrusionOk="0" h="120000" w="120000">
+              <a:path w="120000" h="120000" extrusionOk="0">
                 <a:moveTo>
                   <a:pt x="0" y="0"/>
                 </a:moveTo>
@@ -1561,9 +1622,11 @@
       <p:sp>
         <p:nvSpPr>
           <p:cNvPr id="159" name="Google Shape;159;g35e53ea0f98_0_25:notes"/>
-          <p:cNvSpPr txBox="1"/>
+          <p:cNvSpPr txBox="1">
+            <a:spLocks noGrp="1"/>
+          </p:cNvSpPr>
           <p:nvPr>
-            <p:ph idx="1" type="body"/>
+            <p:ph type="body" idx="1"/>
           </p:nvPr>
         </p:nvSpPr>
         <p:spPr>
@@ -1576,12 +1639,12 @@
           </a:prstGeom>
         </p:spPr>
         <p:txBody>
-          <a:bodyPr anchorCtr="0" anchor="t" bIns="91425" lIns="91425" spcFirstLastPara="1" rIns="91425" wrap="square" tIns="91425">
+          <a:bodyPr spcFirstLastPara="1" wrap="square" lIns="91425" tIns="91425" rIns="91425" bIns="91425" anchor="t" anchorCtr="0">
             <a:noAutofit/>
           </a:bodyPr>
           <a:lstStyle/>
           <a:p>
-            <a:pPr indent="0" lvl="0" marL="0" rtl="0" algn="l">
+            <a:pPr marL="0" lvl="0" indent="0" algn="l" rtl="0">
               <a:spcBef>
                 <a:spcPts val="0"/>
               </a:spcBef>
@@ -1590,9 +1653,6 @@
               </a:spcAft>
               <a:buNone/>
             </a:pPr>
-            <a:r>
-              <a:t/>
-            </a:r>
             <a:endParaRPr/>
           </a:p>
         </p:txBody>
@@ -1606,11 +1666,11 @@
 </file>
 
 <file path=ppt/notesSlides/notesSlide6.xml><?xml version="1.0" encoding="utf-8"?>
-<p:notes xmlns:a="http://schemas.openxmlformats.org/drawingml/2006/main" xmlns:r="http://schemas.openxmlformats.org/officeDocument/2006/relationships" xmlns:mc="http://schemas.openxmlformats.org/markup-compatibility/2006" xmlns:mv="urn:schemas-microsoft-com:mac:vml" xmlns:p="http://schemas.openxmlformats.org/presentationml/2006/main" xmlns:c="http://schemas.openxmlformats.org/drawingml/2006/chart" xmlns:dgm="http://schemas.openxmlformats.org/drawingml/2006/diagram" xmlns:o="urn:schemas-microsoft-com:office:office" xmlns:v="urn:schemas-microsoft-com:vml" xmlns:pvml="urn:schemas-microsoft-com:office:powerpoint" xmlns:com="http://schemas.openxmlformats.org/drawingml/2006/compatibility" xmlns:p14="http://schemas.microsoft.com/office/powerpoint/2010/main" xmlns:p15="http://schemas.microsoft.com/office/powerpoint/2012/main" xmlns:ahyp="http://schemas.microsoft.com/office/drawing/2018/hyperlinkcolor" showMasterPhAnim="0" showMasterSp="0">
+<p:notes xmlns:a="http://schemas.openxmlformats.org/drawingml/2006/main" xmlns:r="http://schemas.openxmlformats.org/officeDocument/2006/relationships" xmlns:p="http://schemas.openxmlformats.org/presentationml/2006/main" showMasterSp="0" showMasterPhAnim="0">
   <p:cSld>
     <p:spTree>
       <p:nvGrpSpPr>
-        <p:cNvPr id="164" name="Shape 164"/>
+        <p:cNvPr id="1" name="Shape 164"/>
         <p:cNvGrpSpPr/>
         <p:nvPr/>
       </p:nvGrpSpPr>
@@ -1625,20 +1685,26 @@
       <p:sp>
         <p:nvSpPr>
           <p:cNvPr id="165" name="Google Shape;165;g35e53ea0f98_0_60:notes"/>
-          <p:cNvSpPr/>
+          <p:cNvSpPr>
+            <a:spLocks noGrp="1" noRot="1" noChangeAspect="1"/>
+          </p:cNvSpPr>
           <p:nvPr>
-            <p:ph idx="2" type="sldImg"/>
+            <p:ph type="sldImg" idx="2"/>
           </p:nvPr>
         </p:nvSpPr>
         <p:spPr>
           <a:xfrm>
-            <a:off x="381300" y="685800"/>
+            <a:off x="381000" y="685800"/>
             <a:ext cx="6096000" cy="3429000"/>
           </a:xfrm>
           <a:custGeom>
-            <a:rect b="b" l="l" r="r" t="t"/>
+            <a:avLst/>
+            <a:gdLst/>
+            <a:ahLst/>
+            <a:cxnLst/>
+            <a:rect l="l" t="t" r="r" b="b"/>
             <a:pathLst>
-              <a:path extrusionOk="0" h="120000" w="120000">
+              <a:path w="120000" h="120000" extrusionOk="0">
                 <a:moveTo>
                   <a:pt x="0" y="0"/>
                 </a:moveTo>
@@ -1660,9 +1726,11 @@
       <p:sp>
         <p:nvSpPr>
           <p:cNvPr id="166" name="Google Shape;166;g35e53ea0f98_0_60:notes"/>
-          <p:cNvSpPr txBox="1"/>
+          <p:cNvSpPr txBox="1">
+            <a:spLocks noGrp="1"/>
+          </p:cNvSpPr>
           <p:nvPr>
-            <p:ph idx="1" type="body"/>
+            <p:ph type="body" idx="1"/>
           </p:nvPr>
         </p:nvSpPr>
         <p:spPr>
@@ -1675,12 +1743,12 @@
           </a:prstGeom>
         </p:spPr>
         <p:txBody>
-          <a:bodyPr anchorCtr="0" anchor="t" bIns="91425" lIns="91425" spcFirstLastPara="1" rIns="91425" wrap="square" tIns="91425">
+          <a:bodyPr spcFirstLastPara="1" wrap="square" lIns="91425" tIns="91425" rIns="91425" bIns="91425" anchor="t" anchorCtr="0">
             <a:noAutofit/>
           </a:bodyPr>
           <a:lstStyle/>
           <a:p>
-            <a:pPr indent="0" lvl="0" marL="0" rtl="0" algn="l">
+            <a:pPr marL="0" lvl="0" indent="0" algn="l" rtl="0">
               <a:spcBef>
                 <a:spcPts val="0"/>
               </a:spcBef>
@@ -1689,9 +1757,6 @@
               </a:spcAft>
               <a:buNone/>
             </a:pPr>
-            <a:r>
-              <a:t/>
-            </a:r>
             <a:endParaRPr/>
           </a:p>
         </p:txBody>
@@ -1705,11 +1770,11 @@
 </file>
 
 <file path=ppt/notesSlides/notesSlide7.xml><?xml version="1.0" encoding="utf-8"?>
-<p:notes xmlns:a="http://schemas.openxmlformats.org/drawingml/2006/main" xmlns:r="http://schemas.openxmlformats.org/officeDocument/2006/relationships" xmlns:mc="http://schemas.openxmlformats.org/markup-compatibility/2006" xmlns:mv="urn:schemas-microsoft-com:mac:vml" xmlns:p="http://schemas.openxmlformats.org/presentationml/2006/main" xmlns:c="http://schemas.openxmlformats.org/drawingml/2006/chart" xmlns:dgm="http://schemas.openxmlformats.org/drawingml/2006/diagram" xmlns:o="urn:schemas-microsoft-com:office:office" xmlns:v="urn:schemas-microsoft-com:vml" xmlns:pvml="urn:schemas-microsoft-com:office:powerpoint" xmlns:com="http://schemas.openxmlformats.org/drawingml/2006/compatibility" xmlns:p14="http://schemas.microsoft.com/office/powerpoint/2010/main" xmlns:p15="http://schemas.microsoft.com/office/powerpoint/2012/main" xmlns:ahyp="http://schemas.microsoft.com/office/drawing/2018/hyperlinkcolor" showMasterPhAnim="0" showMasterSp="0">
+<p:notes xmlns:a="http://schemas.openxmlformats.org/drawingml/2006/main" xmlns:r="http://schemas.openxmlformats.org/officeDocument/2006/relationships" xmlns:p="http://schemas.openxmlformats.org/presentationml/2006/main" showMasterSp="0" showMasterPhAnim="0">
   <p:cSld>
     <p:spTree>
       <p:nvGrpSpPr>
-        <p:cNvPr id="171" name="Shape 171"/>
+        <p:cNvPr id="1" name="Shape 171"/>
         <p:cNvGrpSpPr/>
         <p:nvPr/>
       </p:nvGrpSpPr>
@@ -1724,20 +1789,26 @@
       <p:sp>
         <p:nvSpPr>
           <p:cNvPr id="172" name="Google Shape;172;g35e53ea0f98_0_65:notes"/>
-          <p:cNvSpPr/>
+          <p:cNvSpPr>
+            <a:spLocks noGrp="1" noRot="1" noChangeAspect="1"/>
+          </p:cNvSpPr>
           <p:nvPr>
-            <p:ph idx="2" type="sldImg"/>
+            <p:ph type="sldImg" idx="2"/>
           </p:nvPr>
         </p:nvSpPr>
         <p:spPr>
           <a:xfrm>
-            <a:off x="381300" y="685800"/>
+            <a:off x="381000" y="685800"/>
             <a:ext cx="6096000" cy="3429000"/>
           </a:xfrm>
           <a:custGeom>
-            <a:rect b="b" l="l" r="r" t="t"/>
+            <a:avLst/>
+            <a:gdLst/>
+            <a:ahLst/>
+            <a:cxnLst/>
+            <a:rect l="l" t="t" r="r" b="b"/>
             <a:pathLst>
-              <a:path extrusionOk="0" h="120000" w="120000">
+              <a:path w="120000" h="120000" extrusionOk="0">
                 <a:moveTo>
                   <a:pt x="0" y="0"/>
                 </a:moveTo>
@@ -1759,9 +1830,11 @@
       <p:sp>
         <p:nvSpPr>
           <p:cNvPr id="173" name="Google Shape;173;g35e53ea0f98_0_65:notes"/>
-          <p:cNvSpPr txBox="1"/>
+          <p:cNvSpPr txBox="1">
+            <a:spLocks noGrp="1"/>
+          </p:cNvSpPr>
           <p:nvPr>
-            <p:ph idx="1" type="body"/>
+            <p:ph type="body" idx="1"/>
           </p:nvPr>
         </p:nvSpPr>
         <p:spPr>
@@ -1774,12 +1847,12 @@
           </a:prstGeom>
         </p:spPr>
         <p:txBody>
-          <a:bodyPr anchorCtr="0" anchor="t" bIns="91425" lIns="91425" spcFirstLastPara="1" rIns="91425" wrap="square" tIns="91425">
+          <a:bodyPr spcFirstLastPara="1" wrap="square" lIns="91425" tIns="91425" rIns="91425" bIns="91425" anchor="t" anchorCtr="0">
             <a:noAutofit/>
           </a:bodyPr>
           <a:lstStyle/>
           <a:p>
-            <a:pPr indent="0" lvl="0" marL="0" rtl="0" algn="l">
+            <a:pPr marL="0" lvl="0" indent="0" algn="l" rtl="0">
               <a:spcBef>
                 <a:spcPts val="0"/>
               </a:spcBef>
@@ -1788,9 +1861,6 @@
               </a:spcAft>
               <a:buNone/>
             </a:pPr>
-            <a:r>
-              <a:t/>
-            </a:r>
             <a:endParaRPr/>
           </a:p>
         </p:txBody>
@@ -1804,11 +1874,11 @@
 </file>
 
 <file path=ppt/notesSlides/notesSlide8.xml><?xml version="1.0" encoding="utf-8"?>
-<p:notes xmlns:a="http://schemas.openxmlformats.org/drawingml/2006/main" xmlns:r="http://schemas.openxmlformats.org/officeDocument/2006/relationships" xmlns:mc="http://schemas.openxmlformats.org/markup-compatibility/2006" xmlns:mv="urn:schemas-microsoft-com:mac:vml" xmlns:p="http://schemas.openxmlformats.org/presentationml/2006/main" xmlns:c="http://schemas.openxmlformats.org/drawingml/2006/chart" xmlns:dgm="http://schemas.openxmlformats.org/drawingml/2006/diagram" xmlns:o="urn:schemas-microsoft-com:office:office" xmlns:v="urn:schemas-microsoft-com:vml" xmlns:pvml="urn:schemas-microsoft-com:office:powerpoint" xmlns:com="http://schemas.openxmlformats.org/drawingml/2006/compatibility" xmlns:p14="http://schemas.microsoft.com/office/powerpoint/2010/main" xmlns:p15="http://schemas.microsoft.com/office/powerpoint/2012/main" xmlns:ahyp="http://schemas.microsoft.com/office/drawing/2018/hyperlinkcolor" showMasterPhAnim="0" showMasterSp="0">
+<p:notes xmlns:a="http://schemas.openxmlformats.org/drawingml/2006/main" xmlns:r="http://schemas.openxmlformats.org/officeDocument/2006/relationships" xmlns:p="http://schemas.openxmlformats.org/presentationml/2006/main" showMasterSp="0" showMasterPhAnim="0">
   <p:cSld>
     <p:spTree>
       <p:nvGrpSpPr>
-        <p:cNvPr id="178" name="Shape 178"/>
+        <p:cNvPr id="1" name="Shape 178"/>
         <p:cNvGrpSpPr/>
         <p:nvPr/>
       </p:nvGrpSpPr>
@@ -1823,20 +1893,26 @@
       <p:sp>
         <p:nvSpPr>
           <p:cNvPr id="179" name="Google Shape;179;g35e53ea0f98_0_70:notes"/>
-          <p:cNvSpPr/>
+          <p:cNvSpPr>
+            <a:spLocks noGrp="1" noRot="1" noChangeAspect="1"/>
+          </p:cNvSpPr>
           <p:nvPr>
-            <p:ph idx="2" type="sldImg"/>
+            <p:ph type="sldImg" idx="2"/>
           </p:nvPr>
         </p:nvSpPr>
         <p:spPr>
           <a:xfrm>
-            <a:off x="381300" y="685800"/>
+            <a:off x="381000" y="685800"/>
             <a:ext cx="6096000" cy="3429000"/>
           </a:xfrm>
           <a:custGeom>
-            <a:rect b="b" l="l" r="r" t="t"/>
+            <a:avLst/>
+            <a:gdLst/>
+            <a:ahLst/>
+            <a:cxnLst/>
+            <a:rect l="l" t="t" r="r" b="b"/>
             <a:pathLst>
-              <a:path extrusionOk="0" h="120000" w="120000">
+              <a:path w="120000" h="120000" extrusionOk="0">
                 <a:moveTo>
                   <a:pt x="0" y="0"/>
                 </a:moveTo>
@@ -1858,9 +1934,11 @@
       <p:sp>
         <p:nvSpPr>
           <p:cNvPr id="180" name="Google Shape;180;g35e53ea0f98_0_70:notes"/>
-          <p:cNvSpPr txBox="1"/>
+          <p:cNvSpPr txBox="1">
+            <a:spLocks noGrp="1"/>
+          </p:cNvSpPr>
           <p:nvPr>
-            <p:ph idx="1" type="body"/>
+            <p:ph type="body" idx="1"/>
           </p:nvPr>
         </p:nvSpPr>
         <p:spPr>
@@ -1873,12 +1951,12 @@
           </a:prstGeom>
         </p:spPr>
         <p:txBody>
-          <a:bodyPr anchorCtr="0" anchor="t" bIns="91425" lIns="91425" spcFirstLastPara="1" rIns="91425" wrap="square" tIns="91425">
+          <a:bodyPr spcFirstLastPara="1" wrap="square" lIns="91425" tIns="91425" rIns="91425" bIns="91425" anchor="t" anchorCtr="0">
             <a:noAutofit/>
           </a:bodyPr>
           <a:lstStyle/>
           <a:p>
-            <a:pPr indent="0" lvl="0" marL="0" rtl="0" algn="l">
+            <a:pPr marL="0" lvl="0" indent="0" algn="l" rtl="0">
               <a:spcBef>
                 <a:spcPts val="0"/>
               </a:spcBef>
@@ -1887,9 +1965,6 @@
               </a:spcAft>
               <a:buNone/>
             </a:pPr>
-            <a:r>
-              <a:t/>
-            </a:r>
             <a:endParaRPr/>
           </a:p>
         </p:txBody>
@@ -1903,11 +1978,11 @@
 </file>
 
 <file path=ppt/notesSlides/notesSlide9.xml><?xml version="1.0" encoding="utf-8"?>
-<p:notes xmlns:a="http://schemas.openxmlformats.org/drawingml/2006/main" xmlns:r="http://schemas.openxmlformats.org/officeDocument/2006/relationships" xmlns:mc="http://schemas.openxmlformats.org/markup-compatibility/2006" xmlns:mv="urn:schemas-microsoft-com:mac:vml" xmlns:p="http://schemas.openxmlformats.org/presentationml/2006/main" xmlns:c="http://schemas.openxmlformats.org/drawingml/2006/chart" xmlns:dgm="http://schemas.openxmlformats.org/drawingml/2006/diagram" xmlns:o="urn:schemas-microsoft-com:office:office" xmlns:v="urn:schemas-microsoft-com:vml" xmlns:pvml="urn:schemas-microsoft-com:office:powerpoint" xmlns:com="http://schemas.openxmlformats.org/drawingml/2006/compatibility" xmlns:p14="http://schemas.microsoft.com/office/powerpoint/2010/main" xmlns:p15="http://schemas.microsoft.com/office/powerpoint/2012/main" xmlns:ahyp="http://schemas.microsoft.com/office/drawing/2018/hyperlinkcolor" showMasterPhAnim="0" showMasterSp="0">
+<p:notes xmlns:a="http://schemas.openxmlformats.org/drawingml/2006/main" xmlns:r="http://schemas.openxmlformats.org/officeDocument/2006/relationships" xmlns:p="http://schemas.openxmlformats.org/presentationml/2006/main" showMasterSp="0" showMasterPhAnim="0">
   <p:cSld>
     <p:spTree>
       <p:nvGrpSpPr>
-        <p:cNvPr id="185" name="Shape 185"/>
+        <p:cNvPr id="1" name="Shape 185"/>
         <p:cNvGrpSpPr/>
         <p:nvPr/>
       </p:nvGrpSpPr>
@@ -1922,20 +1997,26 @@
       <p:sp>
         <p:nvSpPr>
           <p:cNvPr id="186" name="Google Shape;186;g35e59576393_0_251:notes"/>
-          <p:cNvSpPr/>
+          <p:cNvSpPr>
+            <a:spLocks noGrp="1" noRot="1" noChangeAspect="1"/>
+          </p:cNvSpPr>
           <p:nvPr>
-            <p:ph idx="2" type="sldImg"/>
+            <p:ph type="sldImg" idx="2"/>
           </p:nvPr>
         </p:nvSpPr>
         <p:spPr>
           <a:xfrm>
-            <a:off x="381300" y="685800"/>
+            <a:off x="381000" y="685800"/>
             <a:ext cx="6096000" cy="3429000"/>
           </a:xfrm>
           <a:custGeom>
-            <a:rect b="b" l="l" r="r" t="t"/>
+            <a:avLst/>
+            <a:gdLst/>
+            <a:ahLst/>
+            <a:cxnLst/>
+            <a:rect l="l" t="t" r="r" b="b"/>
             <a:pathLst>
-              <a:path extrusionOk="0" h="120000" w="120000">
+              <a:path w="120000" h="120000" extrusionOk="0">
                 <a:moveTo>
                   <a:pt x="0" y="0"/>
                 </a:moveTo>
@@ -1957,9 +2038,11 @@
       <p:sp>
         <p:nvSpPr>
           <p:cNvPr id="187" name="Google Shape;187;g35e59576393_0_251:notes"/>
-          <p:cNvSpPr txBox="1"/>
+          <p:cNvSpPr txBox="1">
+            <a:spLocks noGrp="1"/>
+          </p:cNvSpPr>
           <p:nvPr>
-            <p:ph idx="1" type="body"/>
+            <p:ph type="body" idx="1"/>
           </p:nvPr>
         </p:nvSpPr>
         <p:spPr>
@@ -1972,12 +2055,12 @@
           </a:prstGeom>
         </p:spPr>
         <p:txBody>
-          <a:bodyPr anchorCtr="0" anchor="t" bIns="91425" lIns="91425" spcFirstLastPara="1" rIns="91425" wrap="square" tIns="91425">
+          <a:bodyPr spcFirstLastPara="1" wrap="square" lIns="91425" tIns="91425" rIns="91425" bIns="91425" anchor="t" anchorCtr="0">
             <a:noAutofit/>
           </a:bodyPr>
           <a:lstStyle/>
           <a:p>
-            <a:pPr indent="0" lvl="0" marL="0" rtl="0" algn="l">
+            <a:pPr marL="0" lvl="0" indent="0" algn="l" rtl="0">
               <a:spcBef>
                 <a:spcPts val="0"/>
               </a:spcBef>
@@ -1986,9 +2069,6 @@
               </a:spcAft>
               <a:buNone/>
             </a:pPr>
-            <a:r>
-              <a:t/>
-            </a:r>
             <a:endParaRPr/>
           </a:p>
         </p:txBody>
@@ -2002,11 +2082,11 @@
 </file>
 
 <file path=ppt/slideLayouts/slideLayout1.xml><?xml version="1.0" encoding="utf-8"?>
-<p:sldLayout xmlns:a="http://schemas.openxmlformats.org/drawingml/2006/main" xmlns:r="http://schemas.openxmlformats.org/officeDocument/2006/relationships" xmlns:mc="http://schemas.openxmlformats.org/markup-compatibility/2006" xmlns:mv="urn:schemas-microsoft-com:mac:vml" xmlns:p="http://schemas.openxmlformats.org/presentationml/2006/main" xmlns:c="http://schemas.openxmlformats.org/drawingml/2006/chart" xmlns:dgm="http://schemas.openxmlformats.org/drawingml/2006/diagram" xmlns:o="urn:schemas-microsoft-com:office:office" xmlns:v="urn:schemas-microsoft-com:vml" xmlns:pvml="urn:schemas-microsoft-com:office:powerpoint" xmlns:com="http://schemas.openxmlformats.org/drawingml/2006/compatibility" xmlns:p14="http://schemas.microsoft.com/office/powerpoint/2010/main" xmlns:p15="http://schemas.microsoft.com/office/powerpoint/2012/main" xmlns:ahyp="http://schemas.microsoft.com/office/drawing/2018/hyperlinkcolor" matchingName="Title slide" type="title">
+<p:sldLayout xmlns:a="http://schemas.openxmlformats.org/drawingml/2006/main" xmlns:r="http://schemas.openxmlformats.org/officeDocument/2006/relationships" xmlns:p="http://schemas.openxmlformats.org/presentationml/2006/main" matchingName="Title slide" type="title">
   <p:cSld name="TITLE">
     <p:spTree>
       <p:nvGrpSpPr>
-        <p:cNvPr id="9" name="Shape 9"/>
+        <p:cNvPr id="1" name="Shape 9"/>
         <p:cNvGrpSpPr/>
         <p:nvPr/>
       </p:nvGrpSpPr>
@@ -2031,7 +2111,7 @@
           </a:xfrm>
           <a:prstGeom prst="diagStripe">
             <a:avLst>
-              <a:gd fmla="val 0" name="adj"/>
+              <a:gd name="adj" fmla="val 0"/>
             </a:avLst>
           </a:prstGeom>
           <a:solidFill>
@@ -2044,12 +2124,12 @@
           </a:ln>
         </p:spPr>
         <p:txBody>
-          <a:bodyPr anchorCtr="0" anchor="ctr" bIns="91425" lIns="91425" spcFirstLastPara="1" rIns="91425" wrap="square" tIns="91425">
+          <a:bodyPr spcFirstLastPara="1" wrap="square" lIns="91425" tIns="91425" rIns="91425" bIns="91425" anchor="ctr" anchorCtr="0">
             <a:noAutofit/>
           </a:bodyPr>
           <a:lstStyle/>
           <a:p>
-            <a:pPr indent="0" lvl="0" marL="0" rtl="0" algn="l">
+            <a:pPr marL="0" lvl="0" indent="0" algn="l" rtl="0">
               <a:spcBef>
                 <a:spcPts val="0"/>
               </a:spcBef>
@@ -2058,9 +2138,6 @@
               </a:spcAft>
               <a:buNone/>
             </a:pPr>
-            <a:r>
-              <a:t/>
-            </a:r>
             <a:endParaRPr/>
           </a:p>
         </p:txBody>
@@ -2092,7 +2169,7 @@
             </a:xfrm>
             <a:prstGeom prst="diagStripe">
               <a:avLst>
-                <a:gd fmla="val 50000" name="adj"/>
+                <a:gd name="adj" fmla="val 50000"/>
               </a:avLst>
             </a:prstGeom>
             <a:solidFill>
@@ -2105,12 +2182,12 @@
             </a:ln>
           </p:spPr>
           <p:txBody>
-            <a:bodyPr anchorCtr="0" anchor="ctr" bIns="91425" lIns="91425" spcFirstLastPara="1" rIns="91425" wrap="square" tIns="91425">
+            <a:bodyPr spcFirstLastPara="1" wrap="square" lIns="91425" tIns="91425" rIns="91425" bIns="91425" anchor="ctr" anchorCtr="0">
               <a:noAutofit/>
             </a:bodyPr>
             <a:lstStyle/>
             <a:p>
-              <a:pPr indent="0" lvl="0" marL="0" rtl="0" algn="l">
+              <a:pPr marL="0" lvl="0" indent="0" algn="l" rtl="0">
                 <a:spcBef>
                   <a:spcPts val="0"/>
                 </a:spcBef>
@@ -2119,9 +2196,6 @@
                 </a:spcAft>
                 <a:buNone/>
               </a:pPr>
-              <a:r>
-                <a:t/>
-              </a:r>
               <a:endParaRPr/>
             </a:p>
           </p:txBody>
@@ -2139,7 +2213,7 @@
             </a:xfrm>
             <a:prstGeom prst="diagStripe">
               <a:avLst>
-                <a:gd fmla="val 58774" name="adj"/>
+                <a:gd name="adj" fmla="val 58774"/>
               </a:avLst>
             </a:prstGeom>
             <a:solidFill>
@@ -2152,12 +2226,12 @@
             </a:ln>
           </p:spPr>
           <p:txBody>
-            <a:bodyPr anchorCtr="0" anchor="ctr" bIns="91425" lIns="91425" spcFirstLastPara="1" rIns="91425" wrap="square" tIns="91425">
+            <a:bodyPr spcFirstLastPara="1" wrap="square" lIns="91425" tIns="91425" rIns="91425" bIns="91425" anchor="ctr" anchorCtr="0">
               <a:noAutofit/>
             </a:bodyPr>
             <a:lstStyle/>
             <a:p>
-              <a:pPr indent="0" lvl="0" marL="0" rtl="0" algn="l">
+              <a:pPr marL="0" lvl="0" indent="0" algn="l" rtl="0">
                 <a:spcBef>
                   <a:spcPts val="0"/>
                 </a:spcBef>
@@ -2166,9 +2240,6 @@
                 </a:spcAft>
                 <a:buNone/>
               </a:pPr>
-              <a:r>
-                <a:t/>
-              </a:r>
               <a:endParaRPr/>
             </a:p>
           </p:txBody>
@@ -2186,7 +2257,7 @@
             </a:xfrm>
             <a:prstGeom prst="diagStripe">
               <a:avLst>
-                <a:gd fmla="val 50000" name="adj"/>
+                <a:gd name="adj" fmla="val 50000"/>
               </a:avLst>
             </a:prstGeom>
             <a:solidFill>
@@ -2197,12 +2268,12 @@
             </a:ln>
           </p:spPr>
           <p:txBody>
-            <a:bodyPr anchorCtr="0" anchor="ctr" bIns="91425" lIns="91425" spcFirstLastPara="1" rIns="91425" wrap="square" tIns="91425">
+            <a:bodyPr spcFirstLastPara="1" wrap="square" lIns="91425" tIns="91425" rIns="91425" bIns="91425" anchor="ctr" anchorCtr="0">
               <a:noAutofit/>
             </a:bodyPr>
             <a:lstStyle/>
             <a:p>
-              <a:pPr indent="0" lvl="0" marL="0" rtl="0" algn="l">
+              <a:pPr marL="0" lvl="0" indent="0" algn="l" rtl="0">
                 <a:spcBef>
                   <a:spcPts val="0"/>
                 </a:spcBef>
@@ -2211,9 +2282,6 @@
                 </a:spcAft>
                 <a:buNone/>
               </a:pPr>
-              <a:r>
-                <a:t/>
-              </a:r>
               <a:endParaRPr/>
             </a:p>
           </p:txBody>
@@ -2231,7 +2299,7 @@
             </a:xfrm>
             <a:prstGeom prst="diagStripe">
               <a:avLst>
-                <a:gd fmla="val 50000" name="adj"/>
+                <a:gd name="adj" fmla="val 50000"/>
               </a:avLst>
             </a:prstGeom>
             <a:solidFill>
@@ -2242,12 +2310,12 @@
             </a:ln>
           </p:spPr>
           <p:txBody>
-            <a:bodyPr anchorCtr="0" anchor="ctr" bIns="91425" lIns="91425" spcFirstLastPara="1" rIns="91425" wrap="square" tIns="91425">
+            <a:bodyPr spcFirstLastPara="1" wrap="square" lIns="91425" tIns="91425" rIns="91425" bIns="91425" anchor="ctr" anchorCtr="0">
               <a:noAutofit/>
             </a:bodyPr>
             <a:lstStyle/>
             <a:p>
-              <a:pPr indent="0" lvl="0" marL="0" rtl="0" algn="l">
+              <a:pPr marL="0" lvl="0" indent="0" algn="l" rtl="0">
                 <a:spcBef>
                   <a:spcPts val="0"/>
                 </a:spcBef>
@@ -2256,9 +2324,6 @@
                 </a:spcAft>
                 <a:buNone/>
               </a:pPr>
-              <a:r>
-                <a:t/>
-              </a:r>
               <a:endParaRPr/>
             </a:p>
           </p:txBody>
@@ -2267,7 +2332,9 @@
       <p:sp>
         <p:nvSpPr>
           <p:cNvPr id="16" name="Google Shape;16;p2"/>
-          <p:cNvSpPr txBox="1"/>
+          <p:cNvSpPr txBox="1">
+            <a:spLocks noGrp="1"/>
+          </p:cNvSpPr>
           <p:nvPr>
             <p:ph type="ctrTitle"/>
           </p:nvPr>
@@ -2282,7 +2349,7 @@
           </a:prstGeom>
         </p:spPr>
         <p:txBody>
-          <a:bodyPr anchorCtr="0" anchor="t" bIns="91425" lIns="91425" spcFirstLastPara="1" rIns="91425" wrap="square" tIns="91425">
+          <a:bodyPr spcFirstLastPara="1" wrap="square" lIns="91425" tIns="91425" rIns="91425" bIns="91425" anchor="t" anchorCtr="0">
             <a:normAutofit/>
           </a:bodyPr>
           <a:lstStyle>
@@ -2386,15 +2453,19 @@
               <a:defRPr sz="4000"/>
             </a:lvl9pPr>
           </a:lstStyle>
-          <a:p/>
+          <a:p>
+            <a:endParaRPr/>
+          </a:p>
         </p:txBody>
       </p:sp>
       <p:sp>
         <p:nvSpPr>
           <p:cNvPr id="17" name="Google Shape;17;p2"/>
-          <p:cNvSpPr txBox="1"/>
+          <p:cNvSpPr txBox="1">
+            <a:spLocks noGrp="1"/>
+          </p:cNvSpPr>
           <p:nvPr>
-            <p:ph idx="1" type="subTitle"/>
+            <p:ph type="subTitle" idx="1"/>
           </p:nvPr>
         </p:nvSpPr>
         <p:spPr>
@@ -2407,7 +2478,7 @@
           </a:prstGeom>
         </p:spPr>
         <p:txBody>
-          <a:bodyPr anchorCtr="0" anchor="t" bIns="91425" lIns="91425" spcFirstLastPara="1" rIns="91425" wrap="square" tIns="91425">
+          <a:bodyPr spcFirstLastPara="1" wrap="square" lIns="91425" tIns="91425" rIns="91425" bIns="91425" anchor="t" anchorCtr="0">
             <a:normAutofit/>
           </a:bodyPr>
           <a:lstStyle>
@@ -2538,15 +2609,19 @@
               <a:defRPr sz="1300"/>
             </a:lvl9pPr>
           </a:lstStyle>
-          <a:p/>
+          <a:p>
+            <a:endParaRPr/>
+          </a:p>
         </p:txBody>
       </p:sp>
       <p:sp>
         <p:nvSpPr>
           <p:cNvPr id="18" name="Google Shape;18;p2"/>
-          <p:cNvSpPr txBox="1"/>
+          <p:cNvSpPr txBox="1">
+            <a:spLocks noGrp="1"/>
+          </p:cNvSpPr>
           <p:nvPr>
-            <p:ph idx="12" type="sldNum"/>
+            <p:ph type="sldNum" idx="12"/>
           </p:nvPr>
         </p:nvSpPr>
         <p:spPr>
@@ -2559,7 +2634,7 @@
           </a:prstGeom>
         </p:spPr>
         <p:txBody>
-          <a:bodyPr anchorCtr="0" anchor="ctr" bIns="91425" lIns="91425" spcFirstLastPara="1" rIns="91425" wrap="square" tIns="91425">
+          <a:bodyPr spcFirstLastPara="1" wrap="square" lIns="91425" tIns="91425" rIns="91425" bIns="91425" anchor="ctr" anchorCtr="0">
             <a:normAutofit/>
           </a:bodyPr>
           <a:lstStyle>
@@ -2601,7 +2676,7 @@
             </a:lvl9pPr>
           </a:lstStyle>
           <a:p>
-            <a:pPr indent="0" lvl="0" marL="0" rtl="0" algn="r">
+            <a:pPr marL="0" lvl="0" indent="0" algn="r" rtl="0">
               <a:spcBef>
                 <a:spcPts val="0"/>
               </a:spcBef>
@@ -2627,11 +2702,11 @@
 </file>
 
 <file path=ppt/slideLayouts/slideLayout10.xml><?xml version="1.0" encoding="utf-8"?>
-<p:sldLayout xmlns:a="http://schemas.openxmlformats.org/drawingml/2006/main" xmlns:r="http://schemas.openxmlformats.org/officeDocument/2006/relationships" xmlns:mc="http://schemas.openxmlformats.org/markup-compatibility/2006" xmlns:mv="urn:schemas-microsoft-com:mac:vml" xmlns:p="http://schemas.openxmlformats.org/presentationml/2006/main" xmlns:c="http://schemas.openxmlformats.org/drawingml/2006/chart" xmlns:dgm="http://schemas.openxmlformats.org/drawingml/2006/diagram" xmlns:o="urn:schemas-microsoft-com:office:office" xmlns:v="urn:schemas-microsoft-com:vml" xmlns:pvml="urn:schemas-microsoft-com:office:powerpoint" xmlns:com="http://schemas.openxmlformats.org/drawingml/2006/compatibility" xmlns:p14="http://schemas.microsoft.com/office/powerpoint/2010/main" xmlns:p15="http://schemas.microsoft.com/office/powerpoint/2012/main" xmlns:ahyp="http://schemas.microsoft.com/office/drawing/2018/hyperlinkcolor" matchingName="Big number">
+<p:sldLayout xmlns:a="http://schemas.openxmlformats.org/drawingml/2006/main" xmlns:r="http://schemas.openxmlformats.org/officeDocument/2006/relationships" xmlns:p="http://schemas.openxmlformats.org/presentationml/2006/main" matchingName="Big number">
   <p:cSld name="BIG_NUMBER">
     <p:spTree>
       <p:nvGrpSpPr>
-        <p:cNvPr id="105" name="Shape 105"/>
+        <p:cNvPr id="1" name="Shape 105"/>
         <p:cNvGrpSpPr/>
         <p:nvPr/>
       </p:nvGrpSpPr>
@@ -2670,7 +2745,7 @@
             </a:xfrm>
             <a:prstGeom prst="diagStripe">
               <a:avLst>
-                <a:gd fmla="val 49469" name="adj"/>
+                <a:gd name="adj" fmla="val 49469"/>
               </a:avLst>
             </a:prstGeom>
             <a:solidFill>
@@ -2683,12 +2758,12 @@
             </a:ln>
           </p:spPr>
           <p:txBody>
-            <a:bodyPr anchorCtr="0" anchor="ctr" bIns="91425" lIns="91425" spcFirstLastPara="1" rIns="91425" wrap="square" tIns="91425">
+            <a:bodyPr spcFirstLastPara="1" wrap="square" lIns="91425" tIns="91425" rIns="91425" bIns="91425" anchor="ctr" anchorCtr="0">
               <a:noAutofit/>
             </a:bodyPr>
             <a:lstStyle/>
             <a:p>
-              <a:pPr indent="0" lvl="0" marL="0" rtl="0" algn="l">
+              <a:pPr marL="0" lvl="0" indent="0" algn="l" rtl="0">
                 <a:spcBef>
                   <a:spcPts val="0"/>
                 </a:spcBef>
@@ -2697,9 +2772,6 @@
                 </a:spcAft>
                 <a:buNone/>
               </a:pPr>
-              <a:r>
-                <a:t/>
-              </a:r>
               <a:endParaRPr/>
             </a:p>
           </p:txBody>
@@ -2717,7 +2789,7 @@
             </a:xfrm>
             <a:prstGeom prst="diagStripe">
               <a:avLst>
-                <a:gd fmla="val 0" name="adj"/>
+                <a:gd name="adj" fmla="val 0"/>
               </a:avLst>
             </a:prstGeom>
             <a:solidFill>
@@ -2730,12 +2802,12 @@
             </a:ln>
           </p:spPr>
           <p:txBody>
-            <a:bodyPr anchorCtr="0" anchor="ctr" bIns="91425" lIns="91425" spcFirstLastPara="1" rIns="91425" wrap="square" tIns="91425">
+            <a:bodyPr spcFirstLastPara="1" wrap="square" lIns="91425" tIns="91425" rIns="91425" bIns="91425" anchor="ctr" anchorCtr="0">
               <a:noAutofit/>
             </a:bodyPr>
             <a:lstStyle/>
             <a:p>
-              <a:pPr indent="0" lvl="0" marL="0" rtl="0" algn="l">
+              <a:pPr marL="0" lvl="0" indent="0" algn="l" rtl="0">
                 <a:spcBef>
                   <a:spcPts val="0"/>
                 </a:spcBef>
@@ -2744,9 +2816,6 @@
                 </a:spcAft>
                 <a:buNone/>
               </a:pPr>
-              <a:r>
-                <a:t/>
-              </a:r>
               <a:endParaRPr/>
             </a:p>
           </p:txBody>
@@ -2764,7 +2833,7 @@
             </a:xfrm>
             <a:prstGeom prst="diagStripe">
               <a:avLst>
-                <a:gd fmla="val 50000" name="adj"/>
+                <a:gd name="adj" fmla="val 50000"/>
               </a:avLst>
             </a:prstGeom>
             <a:solidFill>
@@ -2777,12 +2846,12 @@
             </a:ln>
           </p:spPr>
           <p:txBody>
-            <a:bodyPr anchorCtr="0" anchor="ctr" bIns="91425" lIns="91425" spcFirstLastPara="1" rIns="91425" wrap="square" tIns="91425">
+            <a:bodyPr spcFirstLastPara="1" wrap="square" lIns="91425" tIns="91425" rIns="91425" bIns="91425" anchor="ctr" anchorCtr="0">
               <a:noAutofit/>
             </a:bodyPr>
             <a:lstStyle/>
             <a:p>
-              <a:pPr indent="0" lvl="0" marL="0" rtl="0" algn="l">
+              <a:pPr marL="0" lvl="0" indent="0" algn="l" rtl="0">
                 <a:spcBef>
                   <a:spcPts val="0"/>
                 </a:spcBef>
@@ -2791,9 +2860,6 @@
                 </a:spcAft>
                 <a:buNone/>
               </a:pPr>
-              <a:r>
-                <a:t/>
-              </a:r>
               <a:endParaRPr/>
             </a:p>
           </p:txBody>
@@ -2811,7 +2877,7 @@
             </a:xfrm>
             <a:prstGeom prst="diagStripe">
               <a:avLst>
-                <a:gd fmla="val 50000" name="adj"/>
+                <a:gd name="adj" fmla="val 50000"/>
               </a:avLst>
             </a:prstGeom>
             <a:solidFill>
@@ -2824,12 +2890,12 @@
             </a:ln>
           </p:spPr>
           <p:txBody>
-            <a:bodyPr anchorCtr="0" anchor="ctr" bIns="91425" lIns="91425" spcFirstLastPara="1" rIns="91425" wrap="square" tIns="91425">
+            <a:bodyPr spcFirstLastPara="1" wrap="square" lIns="91425" tIns="91425" rIns="91425" bIns="91425" anchor="ctr" anchorCtr="0">
               <a:noAutofit/>
             </a:bodyPr>
             <a:lstStyle/>
             <a:p>
-              <a:pPr indent="0" lvl="0" marL="0" rtl="0" algn="l">
+              <a:pPr marL="0" lvl="0" indent="0" algn="l" rtl="0">
                 <a:spcBef>
                   <a:spcPts val="0"/>
                 </a:spcBef>
@@ -2838,9 +2904,6 @@
                 </a:spcAft>
                 <a:buNone/>
               </a:pPr>
-              <a:r>
-                <a:t/>
-              </a:r>
               <a:endParaRPr/>
             </a:p>
           </p:txBody>
@@ -2858,7 +2921,7 @@
             </a:xfrm>
             <a:prstGeom prst="diagStripe">
               <a:avLst>
-                <a:gd fmla="val 50000" name="adj"/>
+                <a:gd name="adj" fmla="val 50000"/>
               </a:avLst>
             </a:prstGeom>
             <a:solidFill>
@@ -2871,12 +2934,12 @@
             </a:ln>
           </p:spPr>
           <p:txBody>
-            <a:bodyPr anchorCtr="0" anchor="ctr" bIns="91425" lIns="91425" spcFirstLastPara="1" rIns="91425" wrap="square" tIns="91425">
+            <a:bodyPr spcFirstLastPara="1" wrap="square" lIns="91425" tIns="91425" rIns="91425" bIns="91425" anchor="ctr" anchorCtr="0">
               <a:noAutofit/>
             </a:bodyPr>
             <a:lstStyle/>
             <a:p>
-              <a:pPr indent="0" lvl="0" marL="0" rtl="0" algn="l">
+              <a:pPr marL="0" lvl="0" indent="0" algn="l" rtl="0">
                 <a:spcBef>
                   <a:spcPts val="0"/>
                 </a:spcBef>
@@ -2885,9 +2948,6 @@
                 </a:spcAft>
                 <a:buNone/>
               </a:pPr>
-              <a:r>
-                <a:t/>
-              </a:r>
               <a:endParaRPr/>
             </a:p>
           </p:txBody>
@@ -2905,7 +2965,7 @@
             </a:xfrm>
             <a:prstGeom prst="diagStripe">
               <a:avLst>
-                <a:gd fmla="val 50000" name="adj"/>
+                <a:gd name="adj" fmla="val 50000"/>
               </a:avLst>
             </a:prstGeom>
             <a:solidFill>
@@ -2918,12 +2978,12 @@
             </a:ln>
           </p:spPr>
           <p:txBody>
-            <a:bodyPr anchorCtr="0" anchor="ctr" bIns="91425" lIns="91425" spcFirstLastPara="1" rIns="91425" wrap="square" tIns="91425">
+            <a:bodyPr spcFirstLastPara="1" wrap="square" lIns="91425" tIns="91425" rIns="91425" bIns="91425" anchor="ctr" anchorCtr="0">
               <a:noAutofit/>
             </a:bodyPr>
             <a:lstStyle/>
             <a:p>
-              <a:pPr indent="0" lvl="0" marL="0" rtl="0" algn="l">
+              <a:pPr marL="0" lvl="0" indent="0" algn="l" rtl="0">
                 <a:spcBef>
                   <a:spcPts val="0"/>
                 </a:spcBef>
@@ -2932,9 +2992,6 @@
                 </a:spcAft>
                 <a:buNone/>
               </a:pPr>
-              <a:r>
-                <a:t/>
-              </a:r>
               <a:endParaRPr/>
             </a:p>
           </p:txBody>
@@ -2952,7 +3009,7 @@
             </a:xfrm>
             <a:prstGeom prst="diagStripe">
               <a:avLst>
-                <a:gd fmla="val 50000" name="adj"/>
+                <a:gd name="adj" fmla="val 50000"/>
               </a:avLst>
             </a:prstGeom>
             <a:solidFill>
@@ -2965,12 +3022,12 @@
             </a:ln>
           </p:spPr>
           <p:txBody>
-            <a:bodyPr anchorCtr="0" anchor="ctr" bIns="91425" lIns="91425" spcFirstLastPara="1" rIns="91425" wrap="square" tIns="91425">
+            <a:bodyPr spcFirstLastPara="1" wrap="square" lIns="91425" tIns="91425" rIns="91425" bIns="91425" anchor="ctr" anchorCtr="0">
               <a:noAutofit/>
             </a:bodyPr>
             <a:lstStyle/>
             <a:p>
-              <a:pPr indent="0" lvl="0" marL="0" rtl="0" algn="l">
+              <a:pPr marL="0" lvl="0" indent="0" algn="l" rtl="0">
                 <a:spcBef>
                   <a:spcPts val="0"/>
                 </a:spcBef>
@@ -2979,9 +3036,6 @@
                 </a:spcAft>
                 <a:buNone/>
               </a:pPr>
-              <a:r>
-                <a:t/>
-              </a:r>
               <a:endParaRPr/>
             </a:p>
           </p:txBody>
@@ -2999,7 +3053,7 @@
             </a:xfrm>
             <a:prstGeom prst="diagStripe">
               <a:avLst>
-                <a:gd fmla="val 50000" name="adj"/>
+                <a:gd name="adj" fmla="val 50000"/>
               </a:avLst>
             </a:prstGeom>
             <a:solidFill>
@@ -3010,12 +3064,12 @@
             </a:ln>
           </p:spPr>
           <p:txBody>
-            <a:bodyPr anchorCtr="0" anchor="ctr" bIns="91425" lIns="91425" spcFirstLastPara="1" rIns="91425" wrap="square" tIns="91425">
+            <a:bodyPr spcFirstLastPara="1" wrap="square" lIns="91425" tIns="91425" rIns="91425" bIns="91425" anchor="ctr" anchorCtr="0">
               <a:noAutofit/>
             </a:bodyPr>
             <a:lstStyle/>
             <a:p>
-              <a:pPr indent="0" lvl="0" marL="0" rtl="0" algn="l">
+              <a:pPr marL="0" lvl="0" indent="0" algn="l" rtl="0">
                 <a:spcBef>
                   <a:spcPts val="0"/>
                 </a:spcBef>
@@ -3024,9 +3078,6 @@
                 </a:spcAft>
                 <a:buNone/>
               </a:pPr>
-              <a:r>
-                <a:t/>
-              </a:r>
               <a:endParaRPr/>
             </a:p>
           </p:txBody>
@@ -3044,7 +3095,7 @@
             </a:xfrm>
             <a:prstGeom prst="diagStripe">
               <a:avLst>
-                <a:gd fmla="val 50000" name="adj"/>
+                <a:gd name="adj" fmla="val 50000"/>
               </a:avLst>
             </a:prstGeom>
             <a:solidFill>
@@ -3057,12 +3108,12 @@
             </a:ln>
           </p:spPr>
           <p:txBody>
-            <a:bodyPr anchorCtr="0" anchor="ctr" bIns="91425" lIns="91425" spcFirstLastPara="1" rIns="91425" wrap="square" tIns="91425">
+            <a:bodyPr spcFirstLastPara="1" wrap="square" lIns="91425" tIns="91425" rIns="91425" bIns="91425" anchor="ctr" anchorCtr="0">
               <a:noAutofit/>
             </a:bodyPr>
             <a:lstStyle/>
             <a:p>
-              <a:pPr indent="0" lvl="0" marL="0" rtl="0" algn="l">
+              <a:pPr marL="0" lvl="0" indent="0" algn="l" rtl="0">
                 <a:spcBef>
                   <a:spcPts val="0"/>
                 </a:spcBef>
@@ -3071,9 +3122,6 @@
                 </a:spcAft>
                 <a:buNone/>
               </a:pPr>
-              <a:r>
-                <a:t/>
-              </a:r>
               <a:endParaRPr/>
             </a:p>
           </p:txBody>
@@ -3091,7 +3139,7 @@
             </a:xfrm>
             <a:prstGeom prst="diagStripe">
               <a:avLst>
-                <a:gd fmla="val 50000" name="adj"/>
+                <a:gd name="adj" fmla="val 50000"/>
               </a:avLst>
             </a:prstGeom>
             <a:solidFill>
@@ -3104,12 +3152,12 @@
             </a:ln>
           </p:spPr>
           <p:txBody>
-            <a:bodyPr anchorCtr="0" anchor="ctr" bIns="91425" lIns="91425" spcFirstLastPara="1" rIns="91425" wrap="square" tIns="91425">
+            <a:bodyPr spcFirstLastPara="1" wrap="square" lIns="91425" tIns="91425" rIns="91425" bIns="91425" anchor="ctr" anchorCtr="0">
               <a:noAutofit/>
             </a:bodyPr>
             <a:lstStyle/>
             <a:p>
-              <a:pPr indent="0" lvl="0" marL="0" rtl="0" algn="l">
+              <a:pPr marL="0" lvl="0" indent="0" algn="l" rtl="0">
                 <a:spcBef>
                   <a:spcPts val="0"/>
                 </a:spcBef>
@@ -3118,9 +3166,6 @@
                 </a:spcAft>
                 <a:buNone/>
               </a:pPr>
-              <a:r>
-                <a:t/>
-              </a:r>
               <a:endParaRPr/>
             </a:p>
           </p:txBody>
@@ -3138,7 +3183,7 @@
             </a:xfrm>
             <a:prstGeom prst="diagStripe">
               <a:avLst>
-                <a:gd fmla="val 50000" name="adj"/>
+                <a:gd name="adj" fmla="val 50000"/>
               </a:avLst>
             </a:prstGeom>
             <a:solidFill>
@@ -3151,12 +3196,12 @@
             </a:ln>
           </p:spPr>
           <p:txBody>
-            <a:bodyPr anchorCtr="0" anchor="ctr" bIns="91425" lIns="91425" spcFirstLastPara="1" rIns="91425" wrap="square" tIns="91425">
+            <a:bodyPr spcFirstLastPara="1" wrap="square" lIns="91425" tIns="91425" rIns="91425" bIns="91425" anchor="ctr" anchorCtr="0">
               <a:noAutofit/>
             </a:bodyPr>
             <a:lstStyle/>
             <a:p>
-              <a:pPr indent="0" lvl="0" marL="0" rtl="0" algn="l">
+              <a:pPr marL="0" lvl="0" indent="0" algn="l" rtl="0">
                 <a:spcBef>
                   <a:spcPts val="0"/>
                 </a:spcBef>
@@ -3165,9 +3210,6 @@
                 </a:spcAft>
                 <a:buNone/>
               </a:pPr>
-              <a:r>
-                <a:t/>
-              </a:r>
               <a:endParaRPr/>
             </a:p>
           </p:txBody>
@@ -3185,7 +3227,7 @@
             </a:xfrm>
             <a:prstGeom prst="diagStripe">
               <a:avLst>
-                <a:gd fmla="val 50000" name="adj"/>
+                <a:gd name="adj" fmla="val 50000"/>
               </a:avLst>
             </a:prstGeom>
             <a:solidFill>
@@ -3198,12 +3240,12 @@
             </a:ln>
           </p:spPr>
           <p:txBody>
-            <a:bodyPr anchorCtr="0" anchor="ctr" bIns="91425" lIns="91425" spcFirstLastPara="1" rIns="91425" wrap="square" tIns="91425">
+            <a:bodyPr spcFirstLastPara="1" wrap="square" lIns="91425" tIns="91425" rIns="91425" bIns="91425" anchor="ctr" anchorCtr="0">
               <a:noAutofit/>
             </a:bodyPr>
             <a:lstStyle/>
             <a:p>
-              <a:pPr indent="0" lvl="0" marL="0" rtl="0" algn="l">
+              <a:pPr marL="0" lvl="0" indent="0" algn="l" rtl="0">
                 <a:spcBef>
                   <a:spcPts val="0"/>
                 </a:spcBef>
@@ -3212,9 +3254,6 @@
                 </a:spcAft>
                 <a:buNone/>
               </a:pPr>
-              <a:r>
-                <a:t/>
-              </a:r>
               <a:endParaRPr/>
             </a:p>
           </p:txBody>
@@ -3232,7 +3271,7 @@
             </a:xfrm>
             <a:prstGeom prst="diagStripe">
               <a:avLst>
-                <a:gd fmla="val 50000" name="adj"/>
+                <a:gd name="adj" fmla="val 50000"/>
               </a:avLst>
             </a:prstGeom>
             <a:solidFill>
@@ -3245,12 +3284,12 @@
             </a:ln>
           </p:spPr>
           <p:txBody>
-            <a:bodyPr anchorCtr="0" anchor="ctr" bIns="91425" lIns="91425" spcFirstLastPara="1" rIns="91425" wrap="square" tIns="91425">
+            <a:bodyPr spcFirstLastPara="1" wrap="square" lIns="91425" tIns="91425" rIns="91425" bIns="91425" anchor="ctr" anchorCtr="0">
               <a:noAutofit/>
             </a:bodyPr>
             <a:lstStyle/>
             <a:p>
-              <a:pPr indent="0" lvl="0" marL="0" rtl="0" algn="l">
+              <a:pPr marL="0" lvl="0" indent="0" algn="l" rtl="0">
                 <a:spcBef>
                   <a:spcPts val="0"/>
                 </a:spcBef>
@@ -3259,9 +3298,6 @@
                 </a:spcAft>
                 <a:buNone/>
               </a:pPr>
-              <a:r>
-                <a:t/>
-              </a:r>
               <a:endParaRPr/>
             </a:p>
           </p:txBody>
@@ -3279,7 +3315,7 @@
             </a:xfrm>
             <a:prstGeom prst="diagStripe">
               <a:avLst>
-                <a:gd fmla="val 50000" name="adj"/>
+                <a:gd name="adj" fmla="val 50000"/>
               </a:avLst>
             </a:prstGeom>
             <a:solidFill>
@@ -3290,12 +3326,12 @@
             </a:ln>
           </p:spPr>
           <p:txBody>
-            <a:bodyPr anchorCtr="0" anchor="ctr" bIns="91425" lIns="91425" spcFirstLastPara="1" rIns="91425" wrap="square" tIns="91425">
+            <a:bodyPr spcFirstLastPara="1" wrap="square" lIns="91425" tIns="91425" rIns="91425" bIns="91425" anchor="ctr" anchorCtr="0">
               <a:noAutofit/>
             </a:bodyPr>
             <a:lstStyle/>
             <a:p>
-              <a:pPr indent="0" lvl="0" marL="0" rtl="0" algn="l">
+              <a:pPr marL="0" lvl="0" indent="0" algn="l" rtl="0">
                 <a:spcBef>
                   <a:spcPts val="0"/>
                 </a:spcBef>
@@ -3304,9 +3340,6 @@
                 </a:spcAft>
                 <a:buNone/>
               </a:pPr>
-              <a:r>
-                <a:t/>
-              </a:r>
               <a:endParaRPr/>
             </a:p>
           </p:txBody>
@@ -3324,7 +3357,7 @@
             </a:xfrm>
             <a:prstGeom prst="diagStripe">
               <a:avLst>
-                <a:gd fmla="val 50000" name="adj"/>
+                <a:gd name="adj" fmla="val 50000"/>
               </a:avLst>
             </a:prstGeom>
             <a:solidFill>
@@ -3337,12 +3370,12 @@
             </a:ln>
           </p:spPr>
           <p:txBody>
-            <a:bodyPr anchorCtr="0" anchor="ctr" bIns="91425" lIns="91425" spcFirstLastPara="1" rIns="91425" wrap="square" tIns="91425">
+            <a:bodyPr spcFirstLastPara="1" wrap="square" lIns="91425" tIns="91425" rIns="91425" bIns="91425" anchor="ctr" anchorCtr="0">
               <a:noAutofit/>
             </a:bodyPr>
             <a:lstStyle/>
             <a:p>
-              <a:pPr indent="0" lvl="0" marL="0" rtl="0" algn="l">
+              <a:pPr marL="0" lvl="0" indent="0" algn="l" rtl="0">
                 <a:spcBef>
                   <a:spcPts val="0"/>
                 </a:spcBef>
@@ -3351,9 +3384,6 @@
                 </a:spcAft>
                 <a:buNone/>
               </a:pPr>
-              <a:r>
-                <a:t/>
-              </a:r>
               <a:endParaRPr/>
             </a:p>
           </p:txBody>
@@ -3371,7 +3401,7 @@
             </a:xfrm>
             <a:prstGeom prst="diagStripe">
               <a:avLst>
-                <a:gd fmla="val 50000" name="adj"/>
+                <a:gd name="adj" fmla="val 50000"/>
               </a:avLst>
             </a:prstGeom>
             <a:solidFill>
@@ -3384,12 +3414,12 @@
             </a:ln>
           </p:spPr>
           <p:txBody>
-            <a:bodyPr anchorCtr="0" anchor="ctr" bIns="91425" lIns="91425" spcFirstLastPara="1" rIns="91425" wrap="square" tIns="91425">
+            <a:bodyPr spcFirstLastPara="1" wrap="square" lIns="91425" tIns="91425" rIns="91425" bIns="91425" anchor="ctr" anchorCtr="0">
               <a:noAutofit/>
             </a:bodyPr>
             <a:lstStyle/>
             <a:p>
-              <a:pPr indent="0" lvl="0" marL="0" rtl="0" algn="l">
+              <a:pPr marL="0" lvl="0" indent="0" algn="l" rtl="0">
                 <a:spcBef>
                   <a:spcPts val="0"/>
                 </a:spcBef>
@@ -3398,9 +3428,6 @@
                 </a:spcAft>
                 <a:buNone/>
               </a:pPr>
-              <a:r>
-                <a:t/>
-              </a:r>
               <a:endParaRPr/>
             </a:p>
           </p:txBody>
@@ -3418,7 +3445,7 @@
             </a:xfrm>
             <a:prstGeom prst="diagStripe">
               <a:avLst>
-                <a:gd fmla="val 50000" name="adj"/>
+                <a:gd name="adj" fmla="val 50000"/>
               </a:avLst>
             </a:prstGeom>
             <a:solidFill>
@@ -3431,12 +3458,12 @@
             </a:ln>
           </p:spPr>
           <p:txBody>
-            <a:bodyPr anchorCtr="0" anchor="ctr" bIns="91425" lIns="91425" spcFirstLastPara="1" rIns="91425" wrap="square" tIns="91425">
+            <a:bodyPr spcFirstLastPara="1" wrap="square" lIns="91425" tIns="91425" rIns="91425" bIns="91425" anchor="ctr" anchorCtr="0">
               <a:noAutofit/>
             </a:bodyPr>
             <a:lstStyle/>
             <a:p>
-              <a:pPr indent="0" lvl="0" marL="0" rtl="0" algn="l">
+              <a:pPr marL="0" lvl="0" indent="0" algn="l" rtl="0">
                 <a:spcBef>
                   <a:spcPts val="0"/>
                 </a:spcBef>
@@ -3445,9 +3472,6 @@
                 </a:spcAft>
                 <a:buNone/>
               </a:pPr>
-              <a:r>
-                <a:t/>
-              </a:r>
               <a:endParaRPr/>
             </a:p>
           </p:txBody>
@@ -3465,7 +3489,7 @@
             </a:xfrm>
             <a:prstGeom prst="diagStripe">
               <a:avLst>
-                <a:gd fmla="val 50000" name="adj"/>
+                <a:gd name="adj" fmla="val 50000"/>
               </a:avLst>
             </a:prstGeom>
             <a:solidFill>
@@ -3478,12 +3502,12 @@
             </a:ln>
           </p:spPr>
           <p:txBody>
-            <a:bodyPr anchorCtr="0" anchor="ctr" bIns="91425" lIns="91425" spcFirstLastPara="1" rIns="91425" wrap="square" tIns="91425">
+            <a:bodyPr spcFirstLastPara="1" wrap="square" lIns="91425" tIns="91425" rIns="91425" bIns="91425" anchor="ctr" anchorCtr="0">
               <a:noAutofit/>
             </a:bodyPr>
             <a:lstStyle/>
             <a:p>
-              <a:pPr indent="0" lvl="0" marL="0" rtl="0" algn="l">
+              <a:pPr marL="0" lvl="0" indent="0" algn="l" rtl="0">
                 <a:spcBef>
                   <a:spcPts val="0"/>
                 </a:spcBef>
@@ -3492,9 +3516,6 @@
                 </a:spcAft>
                 <a:buNone/>
               </a:pPr>
-              <a:r>
-                <a:t/>
-              </a:r>
               <a:endParaRPr/>
             </a:p>
           </p:txBody>
@@ -3503,9 +3524,11 @@
       <p:sp>
         <p:nvSpPr>
           <p:cNvPr id="125" name="Google Shape;125;p11"/>
-          <p:cNvSpPr txBox="1"/>
+          <p:cNvSpPr txBox="1">
+            <a:spLocks noGrp="1"/>
+          </p:cNvSpPr>
           <p:nvPr>
-            <p:ph hasCustomPrompt="1" type="title"/>
+            <p:ph type="title" hasCustomPrompt="1"/>
           </p:nvPr>
         </p:nvSpPr>
         <p:spPr>
@@ -3518,7 +3541,7 @@
           </a:prstGeom>
         </p:spPr>
         <p:txBody>
-          <a:bodyPr anchorCtr="0" anchor="t" bIns="91425" lIns="91425" spcFirstLastPara="1" rIns="91425" wrap="square" tIns="91425">
+          <a:bodyPr spcFirstLastPara="1" wrap="square" lIns="91425" tIns="91425" rIns="91425" bIns="91425" anchor="t" anchorCtr="0">
             <a:normAutofit/>
           </a:bodyPr>
           <a:lstStyle>
@@ -3632,9 +3655,11 @@
       <p:sp>
         <p:nvSpPr>
           <p:cNvPr id="126" name="Google Shape;126;p11"/>
-          <p:cNvSpPr txBox="1"/>
+          <p:cNvSpPr txBox="1">
+            <a:spLocks noGrp="1"/>
+          </p:cNvSpPr>
           <p:nvPr>
-            <p:ph idx="1" type="body"/>
+            <p:ph type="body" idx="1"/>
           </p:nvPr>
         </p:nvSpPr>
         <p:spPr>
@@ -3647,11 +3672,11 @@
           </a:prstGeom>
         </p:spPr>
         <p:txBody>
-          <a:bodyPr anchorCtr="0" anchor="t" bIns="91425" lIns="91425" spcFirstLastPara="1" rIns="91425" wrap="square" tIns="91425">
+          <a:bodyPr spcFirstLastPara="1" wrap="square" lIns="91425" tIns="91425" rIns="91425" bIns="91425" anchor="t" anchorCtr="0">
             <a:normAutofit/>
           </a:bodyPr>
           <a:lstStyle>
-            <a:lvl1pPr indent="-311150" lvl="0" marL="457200">
+            <a:lvl1pPr marL="457200" lvl="0" indent="-311150">
               <a:spcBef>
                 <a:spcPts val="0"/>
               </a:spcBef>
@@ -3662,7 +3687,7 @@
               <a:buChar char="●"/>
               <a:defRPr/>
             </a:lvl1pPr>
-            <a:lvl2pPr indent="-298450" lvl="1" marL="914400">
+            <a:lvl2pPr marL="914400" lvl="1" indent="-298450">
               <a:spcBef>
                 <a:spcPts val="0"/>
               </a:spcBef>
@@ -3673,7 +3698,7 @@
               <a:buChar char="○"/>
               <a:defRPr/>
             </a:lvl2pPr>
-            <a:lvl3pPr indent="-298450" lvl="2" marL="1371600">
+            <a:lvl3pPr marL="1371600" lvl="2" indent="-298450">
               <a:spcBef>
                 <a:spcPts val="0"/>
               </a:spcBef>
@@ -3684,7 +3709,7 @@
               <a:buChar char="■"/>
               <a:defRPr/>
             </a:lvl3pPr>
-            <a:lvl4pPr indent="-298450" lvl="3" marL="1828800">
+            <a:lvl4pPr marL="1828800" lvl="3" indent="-298450">
               <a:spcBef>
                 <a:spcPts val="0"/>
               </a:spcBef>
@@ -3695,7 +3720,7 @@
               <a:buChar char="●"/>
               <a:defRPr/>
             </a:lvl4pPr>
-            <a:lvl5pPr indent="-298450" lvl="4" marL="2286000">
+            <a:lvl5pPr marL="2286000" lvl="4" indent="-298450">
               <a:spcBef>
                 <a:spcPts val="0"/>
               </a:spcBef>
@@ -3706,7 +3731,7 @@
               <a:buChar char="○"/>
               <a:defRPr/>
             </a:lvl5pPr>
-            <a:lvl6pPr indent="-298450" lvl="5" marL="2743200">
+            <a:lvl6pPr marL="2743200" lvl="5" indent="-298450">
               <a:spcBef>
                 <a:spcPts val="0"/>
               </a:spcBef>
@@ -3717,7 +3742,7 @@
               <a:buChar char="■"/>
               <a:defRPr/>
             </a:lvl6pPr>
-            <a:lvl7pPr indent="-298450" lvl="6" marL="3200400">
+            <a:lvl7pPr marL="3200400" lvl="6" indent="-298450">
               <a:spcBef>
                 <a:spcPts val="0"/>
               </a:spcBef>
@@ -3728,7 +3753,7 @@
               <a:buChar char="●"/>
               <a:defRPr/>
             </a:lvl7pPr>
-            <a:lvl8pPr indent="-298450" lvl="7" marL="3657600">
+            <a:lvl8pPr marL="3657600" lvl="7" indent="-298450">
               <a:spcBef>
                 <a:spcPts val="0"/>
               </a:spcBef>
@@ -3739,7 +3764,7 @@
               <a:buChar char="○"/>
               <a:defRPr/>
             </a:lvl8pPr>
-            <a:lvl9pPr indent="-298450" lvl="8" marL="4114800">
+            <a:lvl9pPr marL="4114800" lvl="8" indent="-298450">
               <a:spcBef>
                 <a:spcPts val="0"/>
               </a:spcBef>
@@ -3751,15 +3776,19 @@
               <a:defRPr/>
             </a:lvl9pPr>
           </a:lstStyle>
-          <a:p/>
+          <a:p>
+            <a:endParaRPr/>
+          </a:p>
         </p:txBody>
       </p:sp>
       <p:sp>
         <p:nvSpPr>
           <p:cNvPr id="127" name="Google Shape;127;p11"/>
-          <p:cNvSpPr txBox="1"/>
+          <p:cNvSpPr txBox="1">
+            <a:spLocks noGrp="1"/>
+          </p:cNvSpPr>
           <p:nvPr>
-            <p:ph idx="12" type="sldNum"/>
+            <p:ph type="sldNum" idx="12"/>
           </p:nvPr>
         </p:nvSpPr>
         <p:spPr>
@@ -3772,7 +3801,7 @@
           </a:prstGeom>
         </p:spPr>
         <p:txBody>
-          <a:bodyPr anchorCtr="0" anchor="ctr" bIns="91425" lIns="91425" spcFirstLastPara="1" rIns="91425" wrap="square" tIns="91425">
+          <a:bodyPr spcFirstLastPara="1" wrap="square" lIns="91425" tIns="91425" rIns="91425" bIns="91425" anchor="ctr" anchorCtr="0">
             <a:normAutofit/>
           </a:bodyPr>
           <a:lstStyle>
@@ -3814,7 +3843,7 @@
             </a:lvl9pPr>
           </a:lstStyle>
           <a:p>
-            <a:pPr indent="0" lvl="0" marL="0" rtl="0" algn="r">
+            <a:pPr marL="0" lvl="0" indent="0" algn="r" rtl="0">
               <a:spcBef>
                 <a:spcPts val="0"/>
               </a:spcBef>
@@ -3840,11 +3869,11 @@
 </file>
 
 <file path=ppt/slideLayouts/slideLayout11.xml><?xml version="1.0" encoding="utf-8"?>
-<p:sldLayout xmlns:a="http://schemas.openxmlformats.org/drawingml/2006/main" xmlns:r="http://schemas.openxmlformats.org/officeDocument/2006/relationships" xmlns:mc="http://schemas.openxmlformats.org/markup-compatibility/2006" xmlns:mv="urn:schemas-microsoft-com:mac:vml" xmlns:p="http://schemas.openxmlformats.org/presentationml/2006/main" xmlns:c="http://schemas.openxmlformats.org/drawingml/2006/chart" xmlns:dgm="http://schemas.openxmlformats.org/drawingml/2006/diagram" xmlns:o="urn:schemas-microsoft-com:office:office" xmlns:v="urn:schemas-microsoft-com:vml" xmlns:pvml="urn:schemas-microsoft-com:office:powerpoint" xmlns:com="http://schemas.openxmlformats.org/drawingml/2006/compatibility" xmlns:p14="http://schemas.microsoft.com/office/powerpoint/2010/main" xmlns:p15="http://schemas.microsoft.com/office/powerpoint/2012/main" xmlns:ahyp="http://schemas.microsoft.com/office/drawing/2018/hyperlinkcolor" matchingName="Blank" type="blank">
+<p:sldLayout xmlns:a="http://schemas.openxmlformats.org/drawingml/2006/main" xmlns:r="http://schemas.openxmlformats.org/officeDocument/2006/relationships" xmlns:p="http://schemas.openxmlformats.org/presentationml/2006/main" matchingName="Blank" type="blank">
   <p:cSld name="BLANK">
     <p:spTree>
       <p:nvGrpSpPr>
-        <p:cNvPr id="128" name="Shape 128"/>
+        <p:cNvPr id="1" name="Shape 128"/>
         <p:cNvGrpSpPr/>
         <p:nvPr/>
       </p:nvGrpSpPr>
@@ -3859,9 +3888,11 @@
       <p:sp>
         <p:nvSpPr>
           <p:cNvPr id="129" name="Google Shape;129;p12"/>
-          <p:cNvSpPr txBox="1"/>
+          <p:cNvSpPr txBox="1">
+            <a:spLocks noGrp="1"/>
+          </p:cNvSpPr>
           <p:nvPr>
-            <p:ph idx="12" type="sldNum"/>
+            <p:ph type="sldNum" idx="12"/>
           </p:nvPr>
         </p:nvSpPr>
         <p:spPr>
@@ -3874,7 +3905,7 @@
           </a:prstGeom>
         </p:spPr>
         <p:txBody>
-          <a:bodyPr anchorCtr="0" anchor="ctr" bIns="91425" lIns="91425" spcFirstLastPara="1" rIns="91425" wrap="square" tIns="91425">
+          <a:bodyPr spcFirstLastPara="1" wrap="square" lIns="91425" tIns="91425" rIns="91425" bIns="91425" anchor="ctr" anchorCtr="0">
             <a:normAutofit/>
           </a:bodyPr>
           <a:lstStyle>
@@ -3916,7 +3947,7 @@
             </a:lvl9pPr>
           </a:lstStyle>
           <a:p>
-            <a:pPr indent="0" lvl="0" marL="0" rtl="0" algn="r">
+            <a:pPr marL="0" lvl="0" indent="0" algn="r" rtl="0">
               <a:spcBef>
                 <a:spcPts val="0"/>
               </a:spcBef>
@@ -3942,11 +3973,11 @@
 </file>
 
 <file path=ppt/slideLayouts/slideLayout2.xml><?xml version="1.0" encoding="utf-8"?>
-<p:sldLayout xmlns:a="http://schemas.openxmlformats.org/drawingml/2006/main" xmlns:r="http://schemas.openxmlformats.org/officeDocument/2006/relationships" xmlns:mc="http://schemas.openxmlformats.org/markup-compatibility/2006" xmlns:mv="urn:schemas-microsoft-com:mac:vml" xmlns:p="http://schemas.openxmlformats.org/presentationml/2006/main" xmlns:c="http://schemas.openxmlformats.org/drawingml/2006/chart" xmlns:dgm="http://schemas.openxmlformats.org/drawingml/2006/diagram" xmlns:o="urn:schemas-microsoft-com:office:office" xmlns:v="urn:schemas-microsoft-com:vml" xmlns:pvml="urn:schemas-microsoft-com:office:powerpoint" xmlns:com="http://schemas.openxmlformats.org/drawingml/2006/compatibility" xmlns:p14="http://schemas.microsoft.com/office/powerpoint/2010/main" xmlns:p15="http://schemas.microsoft.com/office/powerpoint/2012/main" xmlns:ahyp="http://schemas.microsoft.com/office/drawing/2018/hyperlinkcolor" matchingName="Section header" type="secHead">
+<p:sldLayout xmlns:a="http://schemas.openxmlformats.org/drawingml/2006/main" xmlns:r="http://schemas.openxmlformats.org/officeDocument/2006/relationships" xmlns:p="http://schemas.openxmlformats.org/presentationml/2006/main" matchingName="Section header" type="secHead">
   <p:cSld name="SECTION_HEADER">
     <p:spTree>
       <p:nvGrpSpPr>
-        <p:cNvPr id="19" name="Shape 19"/>
+        <p:cNvPr id="1" name="Shape 19"/>
         <p:cNvGrpSpPr/>
         <p:nvPr/>
       </p:nvGrpSpPr>
@@ -3985,7 +4016,7 @@
             </a:xfrm>
             <a:prstGeom prst="diagStripe">
               <a:avLst>
-                <a:gd fmla="val 49469" name="adj"/>
+                <a:gd name="adj" fmla="val 49469"/>
               </a:avLst>
             </a:prstGeom>
             <a:solidFill>
@@ -3998,12 +4029,12 @@
             </a:ln>
           </p:spPr>
           <p:txBody>
-            <a:bodyPr anchorCtr="0" anchor="ctr" bIns="91425" lIns="91425" spcFirstLastPara="1" rIns="91425" wrap="square" tIns="91425">
+            <a:bodyPr spcFirstLastPara="1" wrap="square" lIns="91425" tIns="91425" rIns="91425" bIns="91425" anchor="ctr" anchorCtr="0">
               <a:noAutofit/>
             </a:bodyPr>
             <a:lstStyle/>
             <a:p>
-              <a:pPr indent="0" lvl="0" marL="0" rtl="0" algn="l">
+              <a:pPr marL="0" lvl="0" indent="0" algn="l" rtl="0">
                 <a:spcBef>
                   <a:spcPts val="0"/>
                 </a:spcBef>
@@ -4012,9 +4043,6 @@
                 </a:spcAft>
                 <a:buNone/>
               </a:pPr>
-              <a:r>
-                <a:t/>
-              </a:r>
               <a:endParaRPr/>
             </a:p>
           </p:txBody>
@@ -4032,7 +4060,7 @@
             </a:xfrm>
             <a:prstGeom prst="diagStripe">
               <a:avLst>
-                <a:gd fmla="val 0" name="adj"/>
+                <a:gd name="adj" fmla="val 0"/>
               </a:avLst>
             </a:prstGeom>
             <a:solidFill>
@@ -4045,12 +4073,12 @@
             </a:ln>
           </p:spPr>
           <p:txBody>
-            <a:bodyPr anchorCtr="0" anchor="ctr" bIns="91425" lIns="91425" spcFirstLastPara="1" rIns="91425" wrap="square" tIns="91425">
+            <a:bodyPr spcFirstLastPara="1" wrap="square" lIns="91425" tIns="91425" rIns="91425" bIns="91425" anchor="ctr" anchorCtr="0">
               <a:noAutofit/>
             </a:bodyPr>
             <a:lstStyle/>
             <a:p>
-              <a:pPr indent="0" lvl="0" marL="0" rtl="0" algn="l">
+              <a:pPr marL="0" lvl="0" indent="0" algn="l" rtl="0">
                 <a:spcBef>
                   <a:spcPts val="0"/>
                 </a:spcBef>
@@ -4059,9 +4087,6 @@
                 </a:spcAft>
                 <a:buNone/>
               </a:pPr>
-              <a:r>
-                <a:t/>
-              </a:r>
               <a:endParaRPr/>
             </a:p>
           </p:txBody>
@@ -4079,7 +4104,7 @@
             </a:xfrm>
             <a:prstGeom prst="diagStripe">
               <a:avLst>
-                <a:gd fmla="val 50000" name="adj"/>
+                <a:gd name="adj" fmla="val 50000"/>
               </a:avLst>
             </a:prstGeom>
             <a:solidFill>
@@ -4092,12 +4117,12 @@
             </a:ln>
           </p:spPr>
           <p:txBody>
-            <a:bodyPr anchorCtr="0" anchor="ctr" bIns="91425" lIns="91425" spcFirstLastPara="1" rIns="91425" wrap="square" tIns="91425">
+            <a:bodyPr spcFirstLastPara="1" wrap="square" lIns="91425" tIns="91425" rIns="91425" bIns="91425" anchor="ctr" anchorCtr="0">
               <a:noAutofit/>
             </a:bodyPr>
             <a:lstStyle/>
             <a:p>
-              <a:pPr indent="0" lvl="0" marL="0" rtl="0" algn="l">
+              <a:pPr marL="0" lvl="0" indent="0" algn="l" rtl="0">
                 <a:spcBef>
                   <a:spcPts val="0"/>
                 </a:spcBef>
@@ -4106,9 +4131,6 @@
                 </a:spcAft>
                 <a:buNone/>
               </a:pPr>
-              <a:r>
-                <a:t/>
-              </a:r>
               <a:endParaRPr/>
             </a:p>
           </p:txBody>
@@ -4126,7 +4148,7 @@
             </a:xfrm>
             <a:prstGeom prst="diagStripe">
               <a:avLst>
-                <a:gd fmla="val 50000" name="adj"/>
+                <a:gd name="adj" fmla="val 50000"/>
               </a:avLst>
             </a:prstGeom>
             <a:solidFill>
@@ -4139,12 +4161,12 @@
             </a:ln>
           </p:spPr>
           <p:txBody>
-            <a:bodyPr anchorCtr="0" anchor="ctr" bIns="91425" lIns="91425" spcFirstLastPara="1" rIns="91425" wrap="square" tIns="91425">
+            <a:bodyPr spcFirstLastPara="1" wrap="square" lIns="91425" tIns="91425" rIns="91425" bIns="91425" anchor="ctr" anchorCtr="0">
               <a:noAutofit/>
             </a:bodyPr>
             <a:lstStyle/>
             <a:p>
-              <a:pPr indent="0" lvl="0" marL="0" rtl="0" algn="l">
+              <a:pPr marL="0" lvl="0" indent="0" algn="l" rtl="0">
                 <a:spcBef>
                   <a:spcPts val="0"/>
                 </a:spcBef>
@@ -4153,9 +4175,6 @@
                 </a:spcAft>
                 <a:buNone/>
               </a:pPr>
-              <a:r>
-                <a:t/>
-              </a:r>
               <a:endParaRPr/>
             </a:p>
           </p:txBody>
@@ -4173,7 +4192,7 @@
             </a:xfrm>
             <a:prstGeom prst="diagStripe">
               <a:avLst>
-                <a:gd fmla="val 50000" name="adj"/>
+                <a:gd name="adj" fmla="val 50000"/>
               </a:avLst>
             </a:prstGeom>
             <a:solidFill>
@@ -4186,12 +4205,12 @@
             </a:ln>
           </p:spPr>
           <p:txBody>
-            <a:bodyPr anchorCtr="0" anchor="ctr" bIns="91425" lIns="91425" spcFirstLastPara="1" rIns="91425" wrap="square" tIns="91425">
+            <a:bodyPr spcFirstLastPara="1" wrap="square" lIns="91425" tIns="91425" rIns="91425" bIns="91425" anchor="ctr" anchorCtr="0">
               <a:noAutofit/>
             </a:bodyPr>
             <a:lstStyle/>
             <a:p>
-              <a:pPr indent="0" lvl="0" marL="0" rtl="0" algn="l">
+              <a:pPr marL="0" lvl="0" indent="0" algn="l" rtl="0">
                 <a:spcBef>
                   <a:spcPts val="0"/>
                 </a:spcBef>
@@ -4200,9 +4219,6 @@
                 </a:spcAft>
                 <a:buNone/>
               </a:pPr>
-              <a:r>
-                <a:t/>
-              </a:r>
               <a:endParaRPr/>
             </a:p>
           </p:txBody>
@@ -4220,7 +4236,7 @@
             </a:xfrm>
             <a:prstGeom prst="diagStripe">
               <a:avLst>
-                <a:gd fmla="val 50000" name="adj"/>
+                <a:gd name="adj" fmla="val 50000"/>
               </a:avLst>
             </a:prstGeom>
             <a:solidFill>
@@ -4233,12 +4249,12 @@
             </a:ln>
           </p:spPr>
           <p:txBody>
-            <a:bodyPr anchorCtr="0" anchor="ctr" bIns="91425" lIns="91425" spcFirstLastPara="1" rIns="91425" wrap="square" tIns="91425">
+            <a:bodyPr spcFirstLastPara="1" wrap="square" lIns="91425" tIns="91425" rIns="91425" bIns="91425" anchor="ctr" anchorCtr="0">
               <a:noAutofit/>
             </a:bodyPr>
             <a:lstStyle/>
             <a:p>
-              <a:pPr indent="0" lvl="0" marL="0" rtl="0" algn="l">
+              <a:pPr marL="0" lvl="0" indent="0" algn="l" rtl="0">
                 <a:spcBef>
                   <a:spcPts val="0"/>
                 </a:spcBef>
@@ -4247,9 +4263,6 @@
                 </a:spcAft>
                 <a:buNone/>
               </a:pPr>
-              <a:r>
-                <a:t/>
-              </a:r>
               <a:endParaRPr/>
             </a:p>
           </p:txBody>
@@ -4267,7 +4280,7 @@
             </a:xfrm>
             <a:prstGeom prst="diagStripe">
               <a:avLst>
-                <a:gd fmla="val 50000" name="adj"/>
+                <a:gd name="adj" fmla="val 50000"/>
               </a:avLst>
             </a:prstGeom>
             <a:solidFill>
@@ -4280,12 +4293,12 @@
             </a:ln>
           </p:spPr>
           <p:txBody>
-            <a:bodyPr anchorCtr="0" anchor="ctr" bIns="91425" lIns="91425" spcFirstLastPara="1" rIns="91425" wrap="square" tIns="91425">
+            <a:bodyPr spcFirstLastPara="1" wrap="square" lIns="91425" tIns="91425" rIns="91425" bIns="91425" anchor="ctr" anchorCtr="0">
               <a:noAutofit/>
             </a:bodyPr>
             <a:lstStyle/>
             <a:p>
-              <a:pPr indent="0" lvl="0" marL="0" rtl="0" algn="l">
+              <a:pPr marL="0" lvl="0" indent="0" algn="l" rtl="0">
                 <a:spcBef>
                   <a:spcPts val="0"/>
                 </a:spcBef>
@@ -4294,9 +4307,6 @@
                 </a:spcAft>
                 <a:buNone/>
               </a:pPr>
-              <a:r>
-                <a:t/>
-              </a:r>
               <a:endParaRPr/>
             </a:p>
           </p:txBody>
@@ -4314,7 +4324,7 @@
             </a:xfrm>
             <a:prstGeom prst="diagStripe">
               <a:avLst>
-                <a:gd fmla="val 50000" name="adj"/>
+                <a:gd name="adj" fmla="val 50000"/>
               </a:avLst>
             </a:prstGeom>
             <a:solidFill>
@@ -4325,12 +4335,12 @@
             </a:ln>
           </p:spPr>
           <p:txBody>
-            <a:bodyPr anchorCtr="0" anchor="ctr" bIns="91425" lIns="91425" spcFirstLastPara="1" rIns="91425" wrap="square" tIns="91425">
+            <a:bodyPr spcFirstLastPara="1" wrap="square" lIns="91425" tIns="91425" rIns="91425" bIns="91425" anchor="ctr" anchorCtr="0">
               <a:noAutofit/>
             </a:bodyPr>
             <a:lstStyle/>
             <a:p>
-              <a:pPr indent="0" lvl="0" marL="0" rtl="0" algn="l">
+              <a:pPr marL="0" lvl="0" indent="0" algn="l" rtl="0">
                 <a:spcBef>
                   <a:spcPts val="0"/>
                 </a:spcBef>
@@ -4339,9 +4349,6 @@
                 </a:spcAft>
                 <a:buNone/>
               </a:pPr>
-              <a:r>
-                <a:t/>
-              </a:r>
               <a:endParaRPr/>
             </a:p>
           </p:txBody>
@@ -4359,7 +4366,7 @@
             </a:xfrm>
             <a:prstGeom prst="diagStripe">
               <a:avLst>
-                <a:gd fmla="val 50000" name="adj"/>
+                <a:gd name="adj" fmla="val 50000"/>
               </a:avLst>
             </a:prstGeom>
             <a:solidFill>
@@ -4372,12 +4379,12 @@
             </a:ln>
           </p:spPr>
           <p:txBody>
-            <a:bodyPr anchorCtr="0" anchor="ctr" bIns="91425" lIns="91425" spcFirstLastPara="1" rIns="91425" wrap="square" tIns="91425">
+            <a:bodyPr spcFirstLastPara="1" wrap="square" lIns="91425" tIns="91425" rIns="91425" bIns="91425" anchor="ctr" anchorCtr="0">
               <a:noAutofit/>
             </a:bodyPr>
             <a:lstStyle/>
             <a:p>
-              <a:pPr indent="0" lvl="0" marL="0" rtl="0" algn="l">
+              <a:pPr marL="0" lvl="0" indent="0" algn="l" rtl="0">
                 <a:spcBef>
                   <a:spcPts val="0"/>
                 </a:spcBef>
@@ -4386,9 +4393,6 @@
                 </a:spcAft>
                 <a:buNone/>
               </a:pPr>
-              <a:r>
-                <a:t/>
-              </a:r>
               <a:endParaRPr/>
             </a:p>
           </p:txBody>
@@ -4406,7 +4410,7 @@
             </a:xfrm>
             <a:prstGeom prst="diagStripe">
               <a:avLst>
-                <a:gd fmla="val 50000" name="adj"/>
+                <a:gd name="adj" fmla="val 50000"/>
               </a:avLst>
             </a:prstGeom>
             <a:solidFill>
@@ -4419,12 +4423,12 @@
             </a:ln>
           </p:spPr>
           <p:txBody>
-            <a:bodyPr anchorCtr="0" anchor="ctr" bIns="91425" lIns="91425" spcFirstLastPara="1" rIns="91425" wrap="square" tIns="91425">
+            <a:bodyPr spcFirstLastPara="1" wrap="square" lIns="91425" tIns="91425" rIns="91425" bIns="91425" anchor="ctr" anchorCtr="0">
               <a:noAutofit/>
             </a:bodyPr>
             <a:lstStyle/>
             <a:p>
-              <a:pPr indent="0" lvl="0" marL="0" rtl="0" algn="l">
+              <a:pPr marL="0" lvl="0" indent="0" algn="l" rtl="0">
                 <a:spcBef>
                   <a:spcPts val="0"/>
                 </a:spcBef>
@@ -4433,9 +4437,6 @@
                 </a:spcAft>
                 <a:buNone/>
               </a:pPr>
-              <a:r>
-                <a:t/>
-              </a:r>
               <a:endParaRPr/>
             </a:p>
           </p:txBody>
@@ -4453,7 +4454,7 @@
             </a:xfrm>
             <a:prstGeom prst="diagStripe">
               <a:avLst>
-                <a:gd fmla="val 50000" name="adj"/>
+                <a:gd name="adj" fmla="val 50000"/>
               </a:avLst>
             </a:prstGeom>
             <a:solidFill>
@@ -4466,12 +4467,12 @@
             </a:ln>
           </p:spPr>
           <p:txBody>
-            <a:bodyPr anchorCtr="0" anchor="ctr" bIns="91425" lIns="91425" spcFirstLastPara="1" rIns="91425" wrap="square" tIns="91425">
+            <a:bodyPr spcFirstLastPara="1" wrap="square" lIns="91425" tIns="91425" rIns="91425" bIns="91425" anchor="ctr" anchorCtr="0">
               <a:noAutofit/>
             </a:bodyPr>
             <a:lstStyle/>
             <a:p>
-              <a:pPr indent="0" lvl="0" marL="0" rtl="0" algn="l">
+              <a:pPr marL="0" lvl="0" indent="0" algn="l" rtl="0">
                 <a:spcBef>
                   <a:spcPts val="0"/>
                 </a:spcBef>
@@ -4480,9 +4481,6 @@
                 </a:spcAft>
                 <a:buNone/>
               </a:pPr>
-              <a:r>
-                <a:t/>
-              </a:r>
               <a:endParaRPr/>
             </a:p>
           </p:txBody>
@@ -4500,7 +4498,7 @@
             </a:xfrm>
             <a:prstGeom prst="diagStripe">
               <a:avLst>
-                <a:gd fmla="val 50000" name="adj"/>
+                <a:gd name="adj" fmla="val 50000"/>
               </a:avLst>
             </a:prstGeom>
             <a:solidFill>
@@ -4513,12 +4511,12 @@
             </a:ln>
           </p:spPr>
           <p:txBody>
-            <a:bodyPr anchorCtr="0" anchor="ctr" bIns="91425" lIns="91425" spcFirstLastPara="1" rIns="91425" wrap="square" tIns="91425">
+            <a:bodyPr spcFirstLastPara="1" wrap="square" lIns="91425" tIns="91425" rIns="91425" bIns="91425" anchor="ctr" anchorCtr="0">
               <a:noAutofit/>
             </a:bodyPr>
             <a:lstStyle/>
             <a:p>
-              <a:pPr indent="0" lvl="0" marL="0" rtl="0" algn="l">
+              <a:pPr marL="0" lvl="0" indent="0" algn="l" rtl="0">
                 <a:spcBef>
                   <a:spcPts val="0"/>
                 </a:spcBef>
@@ -4527,9 +4525,6 @@
                 </a:spcAft>
                 <a:buNone/>
               </a:pPr>
-              <a:r>
-                <a:t/>
-              </a:r>
               <a:endParaRPr/>
             </a:p>
           </p:txBody>
@@ -4547,7 +4542,7 @@
             </a:xfrm>
             <a:prstGeom prst="diagStripe">
               <a:avLst>
-                <a:gd fmla="val 50000" name="adj"/>
+                <a:gd name="adj" fmla="val 50000"/>
               </a:avLst>
             </a:prstGeom>
             <a:solidFill>
@@ -4560,12 +4555,12 @@
             </a:ln>
           </p:spPr>
           <p:txBody>
-            <a:bodyPr anchorCtr="0" anchor="ctr" bIns="91425" lIns="91425" spcFirstLastPara="1" rIns="91425" wrap="square" tIns="91425">
+            <a:bodyPr spcFirstLastPara="1" wrap="square" lIns="91425" tIns="91425" rIns="91425" bIns="91425" anchor="ctr" anchorCtr="0">
               <a:noAutofit/>
             </a:bodyPr>
             <a:lstStyle/>
             <a:p>
-              <a:pPr indent="0" lvl="0" marL="0" rtl="0" algn="l">
+              <a:pPr marL="0" lvl="0" indent="0" algn="l" rtl="0">
                 <a:spcBef>
                   <a:spcPts val="0"/>
                 </a:spcBef>
@@ -4574,9 +4569,6 @@
                 </a:spcAft>
                 <a:buNone/>
               </a:pPr>
-              <a:r>
-                <a:t/>
-              </a:r>
               <a:endParaRPr/>
             </a:p>
           </p:txBody>
@@ -4594,7 +4586,7 @@
             </a:xfrm>
             <a:prstGeom prst="diagStripe">
               <a:avLst>
-                <a:gd fmla="val 50000" name="adj"/>
+                <a:gd name="adj" fmla="val 50000"/>
               </a:avLst>
             </a:prstGeom>
             <a:solidFill>
@@ -4605,12 +4597,12 @@
             </a:ln>
           </p:spPr>
           <p:txBody>
-            <a:bodyPr anchorCtr="0" anchor="ctr" bIns="91425" lIns="91425" spcFirstLastPara="1" rIns="91425" wrap="square" tIns="91425">
+            <a:bodyPr spcFirstLastPara="1" wrap="square" lIns="91425" tIns="91425" rIns="91425" bIns="91425" anchor="ctr" anchorCtr="0">
               <a:noAutofit/>
             </a:bodyPr>
             <a:lstStyle/>
             <a:p>
-              <a:pPr indent="0" lvl="0" marL="0" rtl="0" algn="l">
+              <a:pPr marL="0" lvl="0" indent="0" algn="l" rtl="0">
                 <a:spcBef>
                   <a:spcPts val="0"/>
                 </a:spcBef>
@@ -4619,9 +4611,6 @@
                 </a:spcAft>
                 <a:buNone/>
               </a:pPr>
-              <a:r>
-                <a:t/>
-              </a:r>
               <a:endParaRPr/>
             </a:p>
           </p:txBody>
@@ -4639,7 +4628,7 @@
             </a:xfrm>
             <a:prstGeom prst="diagStripe">
               <a:avLst>
-                <a:gd fmla="val 50000" name="adj"/>
+                <a:gd name="adj" fmla="val 50000"/>
               </a:avLst>
             </a:prstGeom>
             <a:solidFill>
@@ -4652,12 +4641,12 @@
             </a:ln>
           </p:spPr>
           <p:txBody>
-            <a:bodyPr anchorCtr="0" anchor="ctr" bIns="91425" lIns="91425" spcFirstLastPara="1" rIns="91425" wrap="square" tIns="91425">
+            <a:bodyPr spcFirstLastPara="1" wrap="square" lIns="91425" tIns="91425" rIns="91425" bIns="91425" anchor="ctr" anchorCtr="0">
               <a:noAutofit/>
             </a:bodyPr>
             <a:lstStyle/>
             <a:p>
-              <a:pPr indent="0" lvl="0" marL="0" rtl="0" algn="l">
+              <a:pPr marL="0" lvl="0" indent="0" algn="l" rtl="0">
                 <a:spcBef>
                   <a:spcPts val="0"/>
                 </a:spcBef>
@@ -4666,9 +4655,6 @@
                 </a:spcAft>
                 <a:buNone/>
               </a:pPr>
-              <a:r>
-                <a:t/>
-              </a:r>
               <a:endParaRPr/>
             </a:p>
           </p:txBody>
@@ -4686,7 +4672,7 @@
             </a:xfrm>
             <a:prstGeom prst="diagStripe">
               <a:avLst>
-                <a:gd fmla="val 50000" name="adj"/>
+                <a:gd name="adj" fmla="val 50000"/>
               </a:avLst>
             </a:prstGeom>
             <a:solidFill>
@@ -4699,12 +4685,12 @@
             </a:ln>
           </p:spPr>
           <p:txBody>
-            <a:bodyPr anchorCtr="0" anchor="ctr" bIns="91425" lIns="91425" spcFirstLastPara="1" rIns="91425" wrap="square" tIns="91425">
+            <a:bodyPr spcFirstLastPara="1" wrap="square" lIns="91425" tIns="91425" rIns="91425" bIns="91425" anchor="ctr" anchorCtr="0">
               <a:noAutofit/>
             </a:bodyPr>
             <a:lstStyle/>
             <a:p>
-              <a:pPr indent="0" lvl="0" marL="0" rtl="0" algn="l">
+              <a:pPr marL="0" lvl="0" indent="0" algn="l" rtl="0">
                 <a:spcBef>
                   <a:spcPts val="0"/>
                 </a:spcBef>
@@ -4713,9 +4699,6 @@
                 </a:spcAft>
                 <a:buNone/>
               </a:pPr>
-              <a:r>
-                <a:t/>
-              </a:r>
               <a:endParaRPr/>
             </a:p>
           </p:txBody>
@@ -4733,7 +4716,7 @@
             </a:xfrm>
             <a:prstGeom prst="diagStripe">
               <a:avLst>
-                <a:gd fmla="val 50000" name="adj"/>
+                <a:gd name="adj" fmla="val 50000"/>
               </a:avLst>
             </a:prstGeom>
             <a:solidFill>
@@ -4746,12 +4729,12 @@
             </a:ln>
           </p:spPr>
           <p:txBody>
-            <a:bodyPr anchorCtr="0" anchor="ctr" bIns="91425" lIns="91425" spcFirstLastPara="1" rIns="91425" wrap="square" tIns="91425">
+            <a:bodyPr spcFirstLastPara="1" wrap="square" lIns="91425" tIns="91425" rIns="91425" bIns="91425" anchor="ctr" anchorCtr="0">
               <a:noAutofit/>
             </a:bodyPr>
             <a:lstStyle/>
             <a:p>
-              <a:pPr indent="0" lvl="0" marL="0" rtl="0" algn="l">
+              <a:pPr marL="0" lvl="0" indent="0" algn="l" rtl="0">
                 <a:spcBef>
                   <a:spcPts val="0"/>
                 </a:spcBef>
@@ -4760,9 +4743,6 @@
                 </a:spcAft>
                 <a:buNone/>
               </a:pPr>
-              <a:r>
-                <a:t/>
-              </a:r>
               <a:endParaRPr/>
             </a:p>
           </p:txBody>
@@ -4780,7 +4760,7 @@
             </a:xfrm>
             <a:prstGeom prst="diagStripe">
               <a:avLst>
-                <a:gd fmla="val 50000" name="adj"/>
+                <a:gd name="adj" fmla="val 50000"/>
               </a:avLst>
             </a:prstGeom>
             <a:solidFill>
@@ -4793,12 +4773,12 @@
             </a:ln>
           </p:spPr>
           <p:txBody>
-            <a:bodyPr anchorCtr="0" anchor="ctr" bIns="91425" lIns="91425" spcFirstLastPara="1" rIns="91425" wrap="square" tIns="91425">
+            <a:bodyPr spcFirstLastPara="1" wrap="square" lIns="91425" tIns="91425" rIns="91425" bIns="91425" anchor="ctr" anchorCtr="0">
               <a:noAutofit/>
             </a:bodyPr>
             <a:lstStyle/>
             <a:p>
-              <a:pPr indent="0" lvl="0" marL="0" rtl="0" algn="l">
+              <a:pPr marL="0" lvl="0" indent="0" algn="l" rtl="0">
                 <a:spcBef>
                   <a:spcPts val="0"/>
                 </a:spcBef>
@@ -4807,9 +4787,6 @@
                 </a:spcAft>
                 <a:buNone/>
               </a:pPr>
-              <a:r>
-                <a:t/>
-              </a:r>
               <a:endParaRPr/>
             </a:p>
           </p:txBody>
@@ -4818,7 +4795,9 @@
       <p:sp>
         <p:nvSpPr>
           <p:cNvPr id="39" name="Google Shape;39;p3"/>
-          <p:cNvSpPr txBox="1"/>
+          <p:cNvSpPr txBox="1">
+            <a:spLocks noGrp="1"/>
+          </p:cNvSpPr>
           <p:nvPr>
             <p:ph type="title"/>
           </p:nvPr>
@@ -4833,7 +4812,7 @@
           </a:prstGeom>
         </p:spPr>
         <p:txBody>
-          <a:bodyPr anchorCtr="0" anchor="ctr" bIns="91425" lIns="91425" spcFirstLastPara="1" rIns="91425" wrap="square" tIns="91425">
+          <a:bodyPr spcFirstLastPara="1" wrap="square" lIns="91425" tIns="91425" rIns="91425" bIns="91425" anchor="ctr" anchorCtr="0">
             <a:normAutofit/>
           </a:bodyPr>
           <a:lstStyle>
@@ -4937,15 +4916,19 @@
               <a:defRPr/>
             </a:lvl9pPr>
           </a:lstStyle>
-          <a:p/>
+          <a:p>
+            <a:endParaRPr/>
+          </a:p>
         </p:txBody>
       </p:sp>
       <p:sp>
         <p:nvSpPr>
           <p:cNvPr id="40" name="Google Shape;40;p3"/>
-          <p:cNvSpPr txBox="1"/>
+          <p:cNvSpPr txBox="1">
+            <a:spLocks noGrp="1"/>
+          </p:cNvSpPr>
           <p:nvPr>
-            <p:ph idx="12" type="sldNum"/>
+            <p:ph type="sldNum" idx="12"/>
           </p:nvPr>
         </p:nvSpPr>
         <p:spPr>
@@ -4958,7 +4941,7 @@
           </a:prstGeom>
         </p:spPr>
         <p:txBody>
-          <a:bodyPr anchorCtr="0" anchor="ctr" bIns="91425" lIns="91425" spcFirstLastPara="1" rIns="91425" wrap="square" tIns="91425">
+          <a:bodyPr spcFirstLastPara="1" wrap="square" lIns="91425" tIns="91425" rIns="91425" bIns="91425" anchor="ctr" anchorCtr="0">
             <a:normAutofit/>
           </a:bodyPr>
           <a:lstStyle>
@@ -5000,7 +4983,7 @@
             </a:lvl9pPr>
           </a:lstStyle>
           <a:p>
-            <a:pPr indent="0" lvl="0" marL="0" rtl="0" algn="r">
+            <a:pPr marL="0" lvl="0" indent="0" algn="r" rtl="0">
               <a:spcBef>
                 <a:spcPts val="0"/>
               </a:spcBef>
@@ -5026,11 +5009,11 @@
 </file>
 
 <file path=ppt/slideLayouts/slideLayout3.xml><?xml version="1.0" encoding="utf-8"?>
-<p:sldLayout xmlns:a="http://schemas.openxmlformats.org/drawingml/2006/main" xmlns:r="http://schemas.openxmlformats.org/officeDocument/2006/relationships" xmlns:mc="http://schemas.openxmlformats.org/markup-compatibility/2006" xmlns:mv="urn:schemas-microsoft-com:mac:vml" xmlns:p="http://schemas.openxmlformats.org/presentationml/2006/main" xmlns:c="http://schemas.openxmlformats.org/drawingml/2006/chart" xmlns:dgm="http://schemas.openxmlformats.org/drawingml/2006/diagram" xmlns:o="urn:schemas-microsoft-com:office:office" xmlns:v="urn:schemas-microsoft-com:vml" xmlns:pvml="urn:schemas-microsoft-com:office:powerpoint" xmlns:com="http://schemas.openxmlformats.org/drawingml/2006/compatibility" xmlns:p14="http://schemas.microsoft.com/office/powerpoint/2010/main" xmlns:p15="http://schemas.microsoft.com/office/powerpoint/2012/main" xmlns:ahyp="http://schemas.microsoft.com/office/drawing/2018/hyperlinkcolor" matchingName="Title and body" type="tx">
+<p:sldLayout xmlns:a="http://schemas.openxmlformats.org/drawingml/2006/main" xmlns:r="http://schemas.openxmlformats.org/officeDocument/2006/relationships" xmlns:p="http://schemas.openxmlformats.org/presentationml/2006/main" matchingName="Title and body" type="tx">
   <p:cSld name="TITLE_AND_BODY">
     <p:spTree>
       <p:nvGrpSpPr>
-        <p:cNvPr id="41" name="Shape 41"/>
+        <p:cNvPr id="1" name="Shape 41"/>
         <p:cNvGrpSpPr/>
         <p:nvPr/>
       </p:nvGrpSpPr>
@@ -5069,7 +5052,7 @@
             </a:xfrm>
             <a:prstGeom prst="diagStripe">
               <a:avLst>
-                <a:gd fmla="val 50000" name="adj"/>
+                <a:gd name="adj" fmla="val 50000"/>
               </a:avLst>
             </a:prstGeom>
             <a:solidFill>
@@ -5080,12 +5063,12 @@
             </a:ln>
           </p:spPr>
           <p:txBody>
-            <a:bodyPr anchorCtr="0" anchor="ctr" bIns="91425" lIns="91425" spcFirstLastPara="1" rIns="91425" wrap="square" tIns="91425">
+            <a:bodyPr spcFirstLastPara="1" wrap="square" lIns="91425" tIns="91425" rIns="91425" bIns="91425" anchor="ctr" anchorCtr="0">
               <a:noAutofit/>
             </a:bodyPr>
             <a:lstStyle/>
             <a:p>
-              <a:pPr indent="0" lvl="0" marL="0" rtl="0" algn="l">
+              <a:pPr marL="0" lvl="0" indent="0" algn="l" rtl="0">
                 <a:spcBef>
                   <a:spcPts val="0"/>
                 </a:spcBef>
@@ -5094,9 +5077,6 @@
                 </a:spcAft>
                 <a:buNone/>
               </a:pPr>
-              <a:r>
-                <a:t/>
-              </a:r>
               <a:endParaRPr/>
             </a:p>
           </p:txBody>
@@ -5114,7 +5094,7 @@
             </a:xfrm>
             <a:prstGeom prst="diagStripe">
               <a:avLst>
-                <a:gd fmla="val 50000" name="adj"/>
+                <a:gd name="adj" fmla="val 50000"/>
               </a:avLst>
             </a:prstGeom>
             <a:solidFill>
@@ -5125,12 +5105,12 @@
             </a:ln>
           </p:spPr>
           <p:txBody>
-            <a:bodyPr anchorCtr="0" anchor="ctr" bIns="91425" lIns="91425" spcFirstLastPara="1" rIns="91425" wrap="square" tIns="91425">
+            <a:bodyPr spcFirstLastPara="1" wrap="square" lIns="91425" tIns="91425" rIns="91425" bIns="91425" anchor="ctr" anchorCtr="0">
               <a:noAutofit/>
             </a:bodyPr>
             <a:lstStyle/>
             <a:p>
-              <a:pPr indent="0" lvl="0" marL="0" rtl="0" algn="l">
+              <a:pPr marL="0" lvl="0" indent="0" algn="l" rtl="0">
                 <a:spcBef>
                   <a:spcPts val="0"/>
                 </a:spcBef>
@@ -5139,9 +5119,6 @@
                 </a:spcAft>
                 <a:buNone/>
               </a:pPr>
-              <a:r>
-                <a:t/>
-              </a:r>
               <a:endParaRPr/>
             </a:p>
           </p:txBody>
@@ -5150,7 +5127,9 @@
       <p:sp>
         <p:nvSpPr>
           <p:cNvPr id="45" name="Google Shape;45;p4"/>
-          <p:cNvSpPr txBox="1"/>
+          <p:cNvSpPr txBox="1">
+            <a:spLocks noGrp="1"/>
+          </p:cNvSpPr>
           <p:nvPr>
             <p:ph type="title"/>
           </p:nvPr>
@@ -5165,7 +5144,7 @@
           </a:prstGeom>
         </p:spPr>
         <p:txBody>
-          <a:bodyPr anchorCtr="0" anchor="t" bIns="91425" lIns="91425" spcFirstLastPara="1" rIns="91425" wrap="square" tIns="91425">
+          <a:bodyPr spcFirstLastPara="1" wrap="square" lIns="91425" tIns="91425" rIns="91425" bIns="91425" anchor="t" anchorCtr="0">
             <a:normAutofit/>
           </a:bodyPr>
           <a:lstStyle>
@@ -5269,15 +5248,19 @@
               <a:defRPr sz="2400"/>
             </a:lvl9pPr>
           </a:lstStyle>
-          <a:p/>
+          <a:p>
+            <a:endParaRPr/>
+          </a:p>
         </p:txBody>
       </p:sp>
       <p:sp>
         <p:nvSpPr>
           <p:cNvPr id="46" name="Google Shape;46;p4"/>
-          <p:cNvSpPr txBox="1"/>
+          <p:cNvSpPr txBox="1">
+            <a:spLocks noGrp="1"/>
+          </p:cNvSpPr>
           <p:nvPr>
-            <p:ph idx="1" type="body"/>
+            <p:ph type="body" idx="1"/>
           </p:nvPr>
         </p:nvSpPr>
         <p:spPr>
@@ -5290,11 +5273,11 @@
           </a:prstGeom>
         </p:spPr>
         <p:txBody>
-          <a:bodyPr anchorCtr="0" anchor="t" bIns="91425" lIns="91425" spcFirstLastPara="1" rIns="91425" wrap="square" tIns="91425">
+          <a:bodyPr spcFirstLastPara="1" wrap="square" lIns="91425" tIns="91425" rIns="91425" bIns="91425" anchor="t" anchorCtr="0">
             <a:normAutofit/>
           </a:bodyPr>
           <a:lstStyle>
-            <a:lvl1pPr indent="-311150" lvl="0" marL="457200">
+            <a:lvl1pPr marL="457200" lvl="0" indent="-311150">
               <a:spcBef>
                 <a:spcPts val="0"/>
               </a:spcBef>
@@ -5305,7 +5288,7 @@
               <a:buChar char="●"/>
               <a:defRPr/>
             </a:lvl1pPr>
-            <a:lvl2pPr indent="-298450" lvl="1" marL="914400">
+            <a:lvl2pPr marL="914400" lvl="1" indent="-298450">
               <a:spcBef>
                 <a:spcPts val="0"/>
               </a:spcBef>
@@ -5316,7 +5299,7 @@
               <a:buChar char="○"/>
               <a:defRPr/>
             </a:lvl2pPr>
-            <a:lvl3pPr indent="-298450" lvl="2" marL="1371600">
+            <a:lvl3pPr marL="1371600" lvl="2" indent="-298450">
               <a:spcBef>
                 <a:spcPts val="0"/>
               </a:spcBef>
@@ -5327,7 +5310,7 @@
               <a:buChar char="■"/>
               <a:defRPr/>
             </a:lvl3pPr>
-            <a:lvl4pPr indent="-298450" lvl="3" marL="1828800">
+            <a:lvl4pPr marL="1828800" lvl="3" indent="-298450">
               <a:spcBef>
                 <a:spcPts val="0"/>
               </a:spcBef>
@@ -5338,7 +5321,7 @@
               <a:buChar char="●"/>
               <a:defRPr/>
             </a:lvl4pPr>
-            <a:lvl5pPr indent="-298450" lvl="4" marL="2286000">
+            <a:lvl5pPr marL="2286000" lvl="4" indent="-298450">
               <a:spcBef>
                 <a:spcPts val="0"/>
               </a:spcBef>
@@ -5349,7 +5332,7 @@
               <a:buChar char="○"/>
               <a:defRPr/>
             </a:lvl5pPr>
-            <a:lvl6pPr indent="-298450" lvl="5" marL="2743200">
+            <a:lvl6pPr marL="2743200" lvl="5" indent="-298450">
               <a:spcBef>
                 <a:spcPts val="0"/>
               </a:spcBef>
@@ -5360,7 +5343,7 @@
               <a:buChar char="■"/>
               <a:defRPr/>
             </a:lvl6pPr>
-            <a:lvl7pPr indent="-298450" lvl="6" marL="3200400">
+            <a:lvl7pPr marL="3200400" lvl="6" indent="-298450">
               <a:spcBef>
                 <a:spcPts val="0"/>
               </a:spcBef>
@@ -5371,7 +5354,7 @@
               <a:buChar char="●"/>
               <a:defRPr/>
             </a:lvl7pPr>
-            <a:lvl8pPr indent="-298450" lvl="7" marL="3657600">
+            <a:lvl8pPr marL="3657600" lvl="7" indent="-298450">
               <a:spcBef>
                 <a:spcPts val="0"/>
               </a:spcBef>
@@ -5382,7 +5365,7 @@
               <a:buChar char="○"/>
               <a:defRPr/>
             </a:lvl8pPr>
-            <a:lvl9pPr indent="-298450" lvl="8" marL="4114800">
+            <a:lvl9pPr marL="4114800" lvl="8" indent="-298450">
               <a:spcBef>
                 <a:spcPts val="0"/>
               </a:spcBef>
@@ -5394,15 +5377,19 @@
               <a:defRPr/>
             </a:lvl9pPr>
           </a:lstStyle>
-          <a:p/>
+          <a:p>
+            <a:endParaRPr/>
+          </a:p>
         </p:txBody>
       </p:sp>
       <p:sp>
         <p:nvSpPr>
           <p:cNvPr id="47" name="Google Shape;47;p4"/>
-          <p:cNvSpPr txBox="1"/>
+          <p:cNvSpPr txBox="1">
+            <a:spLocks noGrp="1"/>
+          </p:cNvSpPr>
           <p:nvPr>
-            <p:ph idx="12" type="sldNum"/>
+            <p:ph type="sldNum" idx="12"/>
           </p:nvPr>
         </p:nvSpPr>
         <p:spPr>
@@ -5415,7 +5402,7 @@
           </a:prstGeom>
         </p:spPr>
         <p:txBody>
-          <a:bodyPr anchorCtr="0" anchor="ctr" bIns="91425" lIns="91425" spcFirstLastPara="1" rIns="91425" wrap="square" tIns="91425">
+          <a:bodyPr spcFirstLastPara="1" wrap="square" lIns="91425" tIns="91425" rIns="91425" bIns="91425" anchor="ctr" anchorCtr="0">
             <a:normAutofit/>
           </a:bodyPr>
           <a:lstStyle>
@@ -5457,7 +5444,7 @@
             </a:lvl9pPr>
           </a:lstStyle>
           <a:p>
-            <a:pPr indent="0" lvl="0" marL="0" rtl="0" algn="r">
+            <a:pPr marL="0" lvl="0" indent="0" algn="r" rtl="0">
               <a:spcBef>
                 <a:spcPts val="0"/>
               </a:spcBef>
@@ -5483,11 +5470,11 @@
 </file>
 
 <file path=ppt/slideLayouts/slideLayout4.xml><?xml version="1.0" encoding="utf-8"?>
-<p:sldLayout xmlns:a="http://schemas.openxmlformats.org/drawingml/2006/main" xmlns:r="http://schemas.openxmlformats.org/officeDocument/2006/relationships" xmlns:mc="http://schemas.openxmlformats.org/markup-compatibility/2006" xmlns:mv="urn:schemas-microsoft-com:mac:vml" xmlns:p="http://schemas.openxmlformats.org/presentationml/2006/main" xmlns:c="http://schemas.openxmlformats.org/drawingml/2006/chart" xmlns:dgm="http://schemas.openxmlformats.org/drawingml/2006/diagram" xmlns:o="urn:schemas-microsoft-com:office:office" xmlns:v="urn:schemas-microsoft-com:vml" xmlns:pvml="urn:schemas-microsoft-com:office:powerpoint" xmlns:com="http://schemas.openxmlformats.org/drawingml/2006/compatibility" xmlns:p14="http://schemas.microsoft.com/office/powerpoint/2010/main" xmlns:p15="http://schemas.microsoft.com/office/powerpoint/2012/main" xmlns:ahyp="http://schemas.microsoft.com/office/drawing/2018/hyperlinkcolor" matchingName="Title and two columns" type="twoColTx">
+<p:sldLayout xmlns:a="http://schemas.openxmlformats.org/drawingml/2006/main" xmlns:r="http://schemas.openxmlformats.org/officeDocument/2006/relationships" xmlns:p="http://schemas.openxmlformats.org/presentationml/2006/main" matchingName="Title and two columns" type="twoColTx">
   <p:cSld name="TITLE_AND_TWO_COLUMNS">
     <p:spTree>
       <p:nvGrpSpPr>
-        <p:cNvPr id="48" name="Shape 48"/>
+        <p:cNvPr id="1" name="Shape 48"/>
         <p:cNvGrpSpPr/>
         <p:nvPr/>
       </p:nvGrpSpPr>
@@ -5526,7 +5513,7 @@
             </a:xfrm>
             <a:prstGeom prst="diagStripe">
               <a:avLst>
-                <a:gd fmla="val 50000" name="adj"/>
+                <a:gd name="adj" fmla="val 50000"/>
               </a:avLst>
             </a:prstGeom>
             <a:solidFill>
@@ -5537,12 +5524,12 @@
             </a:ln>
           </p:spPr>
           <p:txBody>
-            <a:bodyPr anchorCtr="0" anchor="ctr" bIns="91425" lIns="91425" spcFirstLastPara="1" rIns="91425" wrap="square" tIns="91425">
+            <a:bodyPr spcFirstLastPara="1" wrap="square" lIns="91425" tIns="91425" rIns="91425" bIns="91425" anchor="ctr" anchorCtr="0">
               <a:noAutofit/>
             </a:bodyPr>
             <a:lstStyle/>
             <a:p>
-              <a:pPr indent="0" lvl="0" marL="0" rtl="0" algn="l">
+              <a:pPr marL="0" lvl="0" indent="0" algn="l" rtl="0">
                 <a:spcBef>
                   <a:spcPts val="0"/>
                 </a:spcBef>
@@ -5551,9 +5538,6 @@
                 </a:spcAft>
                 <a:buNone/>
               </a:pPr>
-              <a:r>
-                <a:t/>
-              </a:r>
               <a:endParaRPr/>
             </a:p>
           </p:txBody>
@@ -5571,7 +5555,7 @@
             </a:xfrm>
             <a:prstGeom prst="diagStripe">
               <a:avLst>
-                <a:gd fmla="val 50000" name="adj"/>
+                <a:gd name="adj" fmla="val 50000"/>
               </a:avLst>
             </a:prstGeom>
             <a:solidFill>
@@ -5582,12 +5566,12 @@
             </a:ln>
           </p:spPr>
           <p:txBody>
-            <a:bodyPr anchorCtr="0" anchor="ctr" bIns="91425" lIns="91425" spcFirstLastPara="1" rIns="91425" wrap="square" tIns="91425">
+            <a:bodyPr spcFirstLastPara="1" wrap="square" lIns="91425" tIns="91425" rIns="91425" bIns="91425" anchor="ctr" anchorCtr="0">
               <a:noAutofit/>
             </a:bodyPr>
             <a:lstStyle/>
             <a:p>
-              <a:pPr indent="0" lvl="0" marL="0" rtl="0" algn="l">
+              <a:pPr marL="0" lvl="0" indent="0" algn="l" rtl="0">
                 <a:spcBef>
                   <a:spcPts val="0"/>
                 </a:spcBef>
@@ -5596,9 +5580,6 @@
                 </a:spcAft>
                 <a:buNone/>
               </a:pPr>
-              <a:r>
-                <a:t/>
-              </a:r>
               <a:endParaRPr/>
             </a:p>
           </p:txBody>
@@ -5607,7 +5588,9 @@
       <p:sp>
         <p:nvSpPr>
           <p:cNvPr id="52" name="Google Shape;52;p5"/>
-          <p:cNvSpPr txBox="1"/>
+          <p:cNvSpPr txBox="1">
+            <a:spLocks noGrp="1"/>
+          </p:cNvSpPr>
           <p:nvPr>
             <p:ph type="title"/>
           </p:nvPr>
@@ -5622,7 +5605,7 @@
           </a:prstGeom>
         </p:spPr>
         <p:txBody>
-          <a:bodyPr anchorCtr="0" anchor="t" bIns="91425" lIns="91425" spcFirstLastPara="1" rIns="91425" wrap="square" tIns="91425">
+          <a:bodyPr spcFirstLastPara="1" wrap="square" lIns="91425" tIns="91425" rIns="91425" bIns="91425" anchor="t" anchorCtr="0">
             <a:normAutofit/>
           </a:bodyPr>
           <a:lstStyle>
@@ -5726,15 +5709,19 @@
               <a:defRPr sz="2400"/>
             </a:lvl9pPr>
           </a:lstStyle>
-          <a:p/>
+          <a:p>
+            <a:endParaRPr/>
+          </a:p>
         </p:txBody>
       </p:sp>
       <p:sp>
         <p:nvSpPr>
           <p:cNvPr id="53" name="Google Shape;53;p5"/>
-          <p:cNvSpPr txBox="1"/>
+          <p:cNvSpPr txBox="1">
+            <a:spLocks noGrp="1"/>
+          </p:cNvSpPr>
           <p:nvPr>
-            <p:ph idx="1" type="body"/>
+            <p:ph type="body" idx="1"/>
           </p:nvPr>
         </p:nvSpPr>
         <p:spPr>
@@ -5747,11 +5734,11 @@
           </a:prstGeom>
         </p:spPr>
         <p:txBody>
-          <a:bodyPr anchorCtr="0" anchor="t" bIns="91425" lIns="91425" spcFirstLastPara="1" rIns="91425" wrap="square" tIns="91425">
+          <a:bodyPr spcFirstLastPara="1" wrap="square" lIns="91425" tIns="91425" rIns="91425" bIns="91425" anchor="t" anchorCtr="0">
             <a:normAutofit/>
           </a:bodyPr>
           <a:lstStyle>
-            <a:lvl1pPr indent="-311150" lvl="0" marL="457200">
+            <a:lvl1pPr marL="457200" lvl="0" indent="-311150">
               <a:spcBef>
                 <a:spcPts val="0"/>
               </a:spcBef>
@@ -5762,7 +5749,7 @@
               <a:buChar char="●"/>
               <a:defRPr/>
             </a:lvl1pPr>
-            <a:lvl2pPr indent="-298450" lvl="1" marL="914400">
+            <a:lvl2pPr marL="914400" lvl="1" indent="-298450">
               <a:spcBef>
                 <a:spcPts val="0"/>
               </a:spcBef>
@@ -5773,7 +5760,7 @@
               <a:buChar char="○"/>
               <a:defRPr/>
             </a:lvl2pPr>
-            <a:lvl3pPr indent="-298450" lvl="2" marL="1371600">
+            <a:lvl3pPr marL="1371600" lvl="2" indent="-298450">
               <a:spcBef>
                 <a:spcPts val="0"/>
               </a:spcBef>
@@ -5784,7 +5771,7 @@
               <a:buChar char="■"/>
               <a:defRPr/>
             </a:lvl3pPr>
-            <a:lvl4pPr indent="-298450" lvl="3" marL="1828800">
+            <a:lvl4pPr marL="1828800" lvl="3" indent="-298450">
               <a:spcBef>
                 <a:spcPts val="0"/>
               </a:spcBef>
@@ -5795,7 +5782,7 @@
               <a:buChar char="●"/>
               <a:defRPr/>
             </a:lvl4pPr>
-            <a:lvl5pPr indent="-298450" lvl="4" marL="2286000">
+            <a:lvl5pPr marL="2286000" lvl="4" indent="-298450">
               <a:spcBef>
                 <a:spcPts val="0"/>
               </a:spcBef>
@@ -5806,7 +5793,7 @@
               <a:buChar char="○"/>
               <a:defRPr/>
             </a:lvl5pPr>
-            <a:lvl6pPr indent="-298450" lvl="5" marL="2743200">
+            <a:lvl6pPr marL="2743200" lvl="5" indent="-298450">
               <a:spcBef>
                 <a:spcPts val="0"/>
               </a:spcBef>
@@ -5817,7 +5804,7 @@
               <a:buChar char="■"/>
               <a:defRPr/>
             </a:lvl6pPr>
-            <a:lvl7pPr indent="-298450" lvl="6" marL="3200400">
+            <a:lvl7pPr marL="3200400" lvl="6" indent="-298450">
               <a:spcBef>
                 <a:spcPts val="0"/>
               </a:spcBef>
@@ -5828,7 +5815,7 @@
               <a:buChar char="●"/>
               <a:defRPr/>
             </a:lvl7pPr>
-            <a:lvl8pPr indent="-298450" lvl="7" marL="3657600">
+            <a:lvl8pPr marL="3657600" lvl="7" indent="-298450">
               <a:spcBef>
                 <a:spcPts val="0"/>
               </a:spcBef>
@@ -5839,7 +5826,7 @@
               <a:buChar char="○"/>
               <a:defRPr/>
             </a:lvl8pPr>
-            <a:lvl9pPr indent="-298450" lvl="8" marL="4114800">
+            <a:lvl9pPr marL="4114800" lvl="8" indent="-298450">
               <a:spcBef>
                 <a:spcPts val="0"/>
               </a:spcBef>
@@ -5851,15 +5838,19 @@
               <a:defRPr/>
             </a:lvl9pPr>
           </a:lstStyle>
-          <a:p/>
+          <a:p>
+            <a:endParaRPr/>
+          </a:p>
         </p:txBody>
       </p:sp>
       <p:sp>
         <p:nvSpPr>
           <p:cNvPr id="54" name="Google Shape;54;p5"/>
-          <p:cNvSpPr txBox="1"/>
+          <p:cNvSpPr txBox="1">
+            <a:spLocks noGrp="1"/>
+          </p:cNvSpPr>
           <p:nvPr>
-            <p:ph idx="2" type="body"/>
+            <p:ph type="body" idx="2"/>
           </p:nvPr>
         </p:nvSpPr>
         <p:spPr>
@@ -5872,11 +5863,11 @@
           </a:prstGeom>
         </p:spPr>
         <p:txBody>
-          <a:bodyPr anchorCtr="0" anchor="t" bIns="91425" lIns="91425" spcFirstLastPara="1" rIns="91425" wrap="square" tIns="91425">
+          <a:bodyPr spcFirstLastPara="1" wrap="square" lIns="91425" tIns="91425" rIns="91425" bIns="91425" anchor="t" anchorCtr="0">
             <a:normAutofit/>
           </a:bodyPr>
           <a:lstStyle>
-            <a:lvl1pPr indent="-311150" lvl="0" marL="457200">
+            <a:lvl1pPr marL="457200" lvl="0" indent="-311150">
               <a:spcBef>
                 <a:spcPts val="0"/>
               </a:spcBef>
@@ -5887,7 +5878,7 @@
               <a:buChar char="●"/>
               <a:defRPr/>
             </a:lvl1pPr>
-            <a:lvl2pPr indent="-298450" lvl="1" marL="914400">
+            <a:lvl2pPr marL="914400" lvl="1" indent="-298450">
               <a:spcBef>
                 <a:spcPts val="0"/>
               </a:spcBef>
@@ -5898,7 +5889,7 @@
               <a:buChar char="○"/>
               <a:defRPr/>
             </a:lvl2pPr>
-            <a:lvl3pPr indent="-298450" lvl="2" marL="1371600">
+            <a:lvl3pPr marL="1371600" lvl="2" indent="-298450">
               <a:spcBef>
                 <a:spcPts val="0"/>
               </a:spcBef>
@@ -5909,7 +5900,7 @@
               <a:buChar char="■"/>
               <a:defRPr/>
             </a:lvl3pPr>
-            <a:lvl4pPr indent="-298450" lvl="3" marL="1828800">
+            <a:lvl4pPr marL="1828800" lvl="3" indent="-298450">
               <a:spcBef>
                 <a:spcPts val="0"/>
               </a:spcBef>
@@ -5920,7 +5911,7 @@
               <a:buChar char="●"/>
               <a:defRPr/>
             </a:lvl4pPr>
-            <a:lvl5pPr indent="-298450" lvl="4" marL="2286000">
+            <a:lvl5pPr marL="2286000" lvl="4" indent="-298450">
               <a:spcBef>
                 <a:spcPts val="0"/>
               </a:spcBef>
@@ -5931,7 +5922,7 @@
               <a:buChar char="○"/>
               <a:defRPr/>
             </a:lvl5pPr>
-            <a:lvl6pPr indent="-298450" lvl="5" marL="2743200">
+            <a:lvl6pPr marL="2743200" lvl="5" indent="-298450">
               <a:spcBef>
                 <a:spcPts val="0"/>
               </a:spcBef>
@@ -5942,7 +5933,7 @@
               <a:buChar char="■"/>
               <a:defRPr/>
             </a:lvl6pPr>
-            <a:lvl7pPr indent="-298450" lvl="6" marL="3200400">
+            <a:lvl7pPr marL="3200400" lvl="6" indent="-298450">
               <a:spcBef>
                 <a:spcPts val="0"/>
               </a:spcBef>
@@ -5953,7 +5944,7 @@
               <a:buChar char="●"/>
               <a:defRPr/>
             </a:lvl7pPr>
-            <a:lvl8pPr indent="-298450" lvl="7" marL="3657600">
+            <a:lvl8pPr marL="3657600" lvl="7" indent="-298450">
               <a:spcBef>
                 <a:spcPts val="0"/>
               </a:spcBef>
@@ -5964,7 +5955,7 @@
               <a:buChar char="○"/>
               <a:defRPr/>
             </a:lvl8pPr>
-            <a:lvl9pPr indent="-298450" lvl="8" marL="4114800">
+            <a:lvl9pPr marL="4114800" lvl="8" indent="-298450">
               <a:spcBef>
                 <a:spcPts val="0"/>
               </a:spcBef>
@@ -5976,15 +5967,19 @@
               <a:defRPr/>
             </a:lvl9pPr>
           </a:lstStyle>
-          <a:p/>
+          <a:p>
+            <a:endParaRPr/>
+          </a:p>
         </p:txBody>
       </p:sp>
       <p:sp>
         <p:nvSpPr>
           <p:cNvPr id="55" name="Google Shape;55;p5"/>
-          <p:cNvSpPr txBox="1"/>
+          <p:cNvSpPr txBox="1">
+            <a:spLocks noGrp="1"/>
+          </p:cNvSpPr>
           <p:nvPr>
-            <p:ph idx="12" type="sldNum"/>
+            <p:ph type="sldNum" idx="12"/>
           </p:nvPr>
         </p:nvSpPr>
         <p:spPr>
@@ -5997,7 +5992,7 @@
           </a:prstGeom>
         </p:spPr>
         <p:txBody>
-          <a:bodyPr anchorCtr="0" anchor="ctr" bIns="91425" lIns="91425" spcFirstLastPara="1" rIns="91425" wrap="square" tIns="91425">
+          <a:bodyPr spcFirstLastPara="1" wrap="square" lIns="91425" tIns="91425" rIns="91425" bIns="91425" anchor="ctr" anchorCtr="0">
             <a:normAutofit/>
           </a:bodyPr>
           <a:lstStyle>
@@ -6039,7 +6034,7 @@
             </a:lvl9pPr>
           </a:lstStyle>
           <a:p>
-            <a:pPr indent="0" lvl="0" marL="0" rtl="0" algn="r">
+            <a:pPr marL="0" lvl="0" indent="0" algn="r" rtl="0">
               <a:spcBef>
                 <a:spcPts val="0"/>
               </a:spcBef>
@@ -6065,11 +6060,11 @@
 </file>
 
 <file path=ppt/slideLayouts/slideLayout5.xml><?xml version="1.0" encoding="utf-8"?>
-<p:sldLayout xmlns:a="http://schemas.openxmlformats.org/drawingml/2006/main" xmlns:r="http://schemas.openxmlformats.org/officeDocument/2006/relationships" xmlns:mc="http://schemas.openxmlformats.org/markup-compatibility/2006" xmlns:mv="urn:schemas-microsoft-com:mac:vml" xmlns:p="http://schemas.openxmlformats.org/presentationml/2006/main" xmlns:c="http://schemas.openxmlformats.org/drawingml/2006/chart" xmlns:dgm="http://schemas.openxmlformats.org/drawingml/2006/diagram" xmlns:o="urn:schemas-microsoft-com:office:office" xmlns:v="urn:schemas-microsoft-com:vml" xmlns:pvml="urn:schemas-microsoft-com:office:powerpoint" xmlns:com="http://schemas.openxmlformats.org/drawingml/2006/compatibility" xmlns:p14="http://schemas.microsoft.com/office/powerpoint/2010/main" xmlns:p15="http://schemas.microsoft.com/office/powerpoint/2012/main" xmlns:ahyp="http://schemas.microsoft.com/office/drawing/2018/hyperlinkcolor" matchingName="Title only" type="titleOnly">
+<p:sldLayout xmlns:a="http://schemas.openxmlformats.org/drawingml/2006/main" xmlns:r="http://schemas.openxmlformats.org/officeDocument/2006/relationships" xmlns:p="http://schemas.openxmlformats.org/presentationml/2006/main" matchingName="Title only" type="titleOnly">
   <p:cSld name="TITLE_ONLY">
     <p:spTree>
       <p:nvGrpSpPr>
-        <p:cNvPr id="56" name="Shape 56"/>
+        <p:cNvPr id="1" name="Shape 56"/>
         <p:cNvGrpSpPr/>
         <p:nvPr/>
       </p:nvGrpSpPr>
@@ -6108,7 +6103,7 @@
             </a:xfrm>
             <a:prstGeom prst="diagStripe">
               <a:avLst>
-                <a:gd fmla="val 50000" name="adj"/>
+                <a:gd name="adj" fmla="val 50000"/>
               </a:avLst>
             </a:prstGeom>
             <a:solidFill>
@@ -6119,12 +6114,12 @@
             </a:ln>
           </p:spPr>
           <p:txBody>
-            <a:bodyPr anchorCtr="0" anchor="ctr" bIns="91425" lIns="91425" spcFirstLastPara="1" rIns="91425" wrap="square" tIns="91425">
+            <a:bodyPr spcFirstLastPara="1" wrap="square" lIns="91425" tIns="91425" rIns="91425" bIns="91425" anchor="ctr" anchorCtr="0">
               <a:noAutofit/>
             </a:bodyPr>
             <a:lstStyle/>
             <a:p>
-              <a:pPr indent="0" lvl="0" marL="0" rtl="0" algn="l">
+              <a:pPr marL="0" lvl="0" indent="0" algn="l" rtl="0">
                 <a:spcBef>
                   <a:spcPts val="0"/>
                 </a:spcBef>
@@ -6133,9 +6128,6 @@
                 </a:spcAft>
                 <a:buNone/>
               </a:pPr>
-              <a:r>
-                <a:t/>
-              </a:r>
               <a:endParaRPr/>
             </a:p>
           </p:txBody>
@@ -6153,7 +6145,7 @@
             </a:xfrm>
             <a:prstGeom prst="diagStripe">
               <a:avLst>
-                <a:gd fmla="val 50000" name="adj"/>
+                <a:gd name="adj" fmla="val 50000"/>
               </a:avLst>
             </a:prstGeom>
             <a:solidFill>
@@ -6164,12 +6156,12 @@
             </a:ln>
           </p:spPr>
           <p:txBody>
-            <a:bodyPr anchorCtr="0" anchor="ctr" bIns="91425" lIns="91425" spcFirstLastPara="1" rIns="91425" wrap="square" tIns="91425">
+            <a:bodyPr spcFirstLastPara="1" wrap="square" lIns="91425" tIns="91425" rIns="91425" bIns="91425" anchor="ctr" anchorCtr="0">
               <a:noAutofit/>
             </a:bodyPr>
             <a:lstStyle/>
             <a:p>
-              <a:pPr indent="0" lvl="0" marL="0" rtl="0" algn="l">
+              <a:pPr marL="0" lvl="0" indent="0" algn="l" rtl="0">
                 <a:spcBef>
                   <a:spcPts val="0"/>
                 </a:spcBef>
@@ -6178,9 +6170,6 @@
                 </a:spcAft>
                 <a:buNone/>
               </a:pPr>
-              <a:r>
-                <a:t/>
-              </a:r>
               <a:endParaRPr/>
             </a:p>
           </p:txBody>
@@ -6189,7 +6178,9 @@
       <p:sp>
         <p:nvSpPr>
           <p:cNvPr id="60" name="Google Shape;60;p6"/>
-          <p:cNvSpPr txBox="1"/>
+          <p:cNvSpPr txBox="1">
+            <a:spLocks noGrp="1"/>
+          </p:cNvSpPr>
           <p:nvPr>
             <p:ph type="title"/>
           </p:nvPr>
@@ -6204,7 +6195,7 @@
           </a:prstGeom>
         </p:spPr>
         <p:txBody>
-          <a:bodyPr anchorCtr="0" anchor="t" bIns="91425" lIns="91425" spcFirstLastPara="1" rIns="91425" wrap="square" tIns="91425">
+          <a:bodyPr spcFirstLastPara="1" wrap="square" lIns="91425" tIns="91425" rIns="91425" bIns="91425" anchor="t" anchorCtr="0">
             <a:normAutofit/>
           </a:bodyPr>
           <a:lstStyle>
@@ -6308,15 +6299,19 @@
               <a:defRPr sz="2400"/>
             </a:lvl9pPr>
           </a:lstStyle>
-          <a:p/>
+          <a:p>
+            <a:endParaRPr/>
+          </a:p>
         </p:txBody>
       </p:sp>
       <p:sp>
         <p:nvSpPr>
           <p:cNvPr id="61" name="Google Shape;61;p6"/>
-          <p:cNvSpPr txBox="1"/>
+          <p:cNvSpPr txBox="1">
+            <a:spLocks noGrp="1"/>
+          </p:cNvSpPr>
           <p:nvPr>
-            <p:ph idx="12" type="sldNum"/>
+            <p:ph type="sldNum" idx="12"/>
           </p:nvPr>
         </p:nvSpPr>
         <p:spPr>
@@ -6329,7 +6324,7 @@
           </a:prstGeom>
         </p:spPr>
         <p:txBody>
-          <a:bodyPr anchorCtr="0" anchor="ctr" bIns="91425" lIns="91425" spcFirstLastPara="1" rIns="91425" wrap="square" tIns="91425">
+          <a:bodyPr spcFirstLastPara="1" wrap="square" lIns="91425" tIns="91425" rIns="91425" bIns="91425" anchor="ctr" anchorCtr="0">
             <a:normAutofit/>
           </a:bodyPr>
           <a:lstStyle>
@@ -6371,7 +6366,7 @@
             </a:lvl9pPr>
           </a:lstStyle>
           <a:p>
-            <a:pPr indent="0" lvl="0" marL="0" rtl="0" algn="r">
+            <a:pPr marL="0" lvl="0" indent="0" algn="r" rtl="0">
               <a:spcBef>
                 <a:spcPts val="0"/>
               </a:spcBef>
@@ -6397,11 +6392,11 @@
 </file>
 
 <file path=ppt/slideLayouts/slideLayout6.xml><?xml version="1.0" encoding="utf-8"?>
-<p:sldLayout xmlns:a="http://schemas.openxmlformats.org/drawingml/2006/main" xmlns:r="http://schemas.openxmlformats.org/officeDocument/2006/relationships" xmlns:mc="http://schemas.openxmlformats.org/markup-compatibility/2006" xmlns:mv="urn:schemas-microsoft-com:mac:vml" xmlns:p="http://schemas.openxmlformats.org/presentationml/2006/main" xmlns:c="http://schemas.openxmlformats.org/drawingml/2006/chart" xmlns:dgm="http://schemas.openxmlformats.org/drawingml/2006/diagram" xmlns:o="urn:schemas-microsoft-com:office:office" xmlns:v="urn:schemas-microsoft-com:vml" xmlns:pvml="urn:schemas-microsoft-com:office:powerpoint" xmlns:com="http://schemas.openxmlformats.org/drawingml/2006/compatibility" xmlns:p14="http://schemas.microsoft.com/office/powerpoint/2010/main" xmlns:p15="http://schemas.microsoft.com/office/powerpoint/2012/main" xmlns:ahyp="http://schemas.microsoft.com/office/drawing/2018/hyperlinkcolor" matchingName="One column text">
+<p:sldLayout xmlns:a="http://schemas.openxmlformats.org/drawingml/2006/main" xmlns:r="http://schemas.openxmlformats.org/officeDocument/2006/relationships" xmlns:p="http://schemas.openxmlformats.org/presentationml/2006/main" matchingName="One column text">
   <p:cSld name="ONE_COLUMN_TEXT">
     <p:spTree>
       <p:nvGrpSpPr>
-        <p:cNvPr id="62" name="Shape 62"/>
+        <p:cNvPr id="1" name="Shape 62"/>
         <p:cNvGrpSpPr/>
         <p:nvPr/>
       </p:nvGrpSpPr>
@@ -6440,7 +6435,7 @@
             </a:xfrm>
             <a:prstGeom prst="diagStripe">
               <a:avLst>
-                <a:gd fmla="val 50000" name="adj"/>
+                <a:gd name="adj" fmla="val 50000"/>
               </a:avLst>
             </a:prstGeom>
             <a:solidFill>
@@ -6451,12 +6446,12 @@
             </a:ln>
           </p:spPr>
           <p:txBody>
-            <a:bodyPr anchorCtr="0" anchor="ctr" bIns="91425" lIns="91425" spcFirstLastPara="1" rIns="91425" wrap="square" tIns="91425">
+            <a:bodyPr spcFirstLastPara="1" wrap="square" lIns="91425" tIns="91425" rIns="91425" bIns="91425" anchor="ctr" anchorCtr="0">
               <a:noAutofit/>
             </a:bodyPr>
             <a:lstStyle/>
             <a:p>
-              <a:pPr indent="0" lvl="0" marL="0" rtl="0" algn="l">
+              <a:pPr marL="0" lvl="0" indent="0" algn="l" rtl="0">
                 <a:spcBef>
                   <a:spcPts val="0"/>
                 </a:spcBef>
@@ -6465,9 +6460,6 @@
                 </a:spcAft>
                 <a:buNone/>
               </a:pPr>
-              <a:r>
-                <a:t/>
-              </a:r>
               <a:endParaRPr/>
             </a:p>
           </p:txBody>
@@ -6485,7 +6477,7 @@
             </a:xfrm>
             <a:prstGeom prst="diagStripe">
               <a:avLst>
-                <a:gd fmla="val 50000" name="adj"/>
+                <a:gd name="adj" fmla="val 50000"/>
               </a:avLst>
             </a:prstGeom>
             <a:solidFill>
@@ -6496,12 +6488,12 @@
             </a:ln>
           </p:spPr>
           <p:txBody>
-            <a:bodyPr anchorCtr="0" anchor="ctr" bIns="91425" lIns="91425" spcFirstLastPara="1" rIns="91425" wrap="square" tIns="91425">
+            <a:bodyPr spcFirstLastPara="1" wrap="square" lIns="91425" tIns="91425" rIns="91425" bIns="91425" anchor="ctr" anchorCtr="0">
               <a:noAutofit/>
             </a:bodyPr>
             <a:lstStyle/>
             <a:p>
-              <a:pPr indent="0" lvl="0" marL="0" rtl="0" algn="l">
+              <a:pPr marL="0" lvl="0" indent="0" algn="l" rtl="0">
                 <a:spcBef>
                   <a:spcPts val="0"/>
                 </a:spcBef>
@@ -6510,9 +6502,6 @@
                 </a:spcAft>
                 <a:buNone/>
               </a:pPr>
-              <a:r>
-                <a:t/>
-              </a:r>
               <a:endParaRPr/>
             </a:p>
           </p:txBody>
@@ -6521,7 +6510,9 @@
       <p:sp>
         <p:nvSpPr>
           <p:cNvPr id="66" name="Google Shape;66;p7"/>
-          <p:cNvSpPr txBox="1"/>
+          <p:cNvSpPr txBox="1">
+            <a:spLocks noGrp="1"/>
+          </p:cNvSpPr>
           <p:nvPr>
             <p:ph type="title"/>
           </p:nvPr>
@@ -6536,7 +6527,7 @@
           </a:prstGeom>
         </p:spPr>
         <p:txBody>
-          <a:bodyPr anchorCtr="0" anchor="t" bIns="91425" lIns="91425" spcFirstLastPara="1" rIns="91425" wrap="square" tIns="91425">
+          <a:bodyPr spcFirstLastPara="1" wrap="square" lIns="91425" tIns="91425" rIns="91425" bIns="91425" anchor="t" anchorCtr="0">
             <a:normAutofit/>
           </a:bodyPr>
           <a:lstStyle>
@@ -6640,15 +6631,19 @@
               <a:defRPr sz="2400"/>
             </a:lvl9pPr>
           </a:lstStyle>
-          <a:p/>
+          <a:p>
+            <a:endParaRPr/>
+          </a:p>
         </p:txBody>
       </p:sp>
       <p:sp>
         <p:nvSpPr>
           <p:cNvPr id="67" name="Google Shape;67;p7"/>
-          <p:cNvSpPr txBox="1"/>
+          <p:cNvSpPr txBox="1">
+            <a:spLocks noGrp="1"/>
+          </p:cNvSpPr>
           <p:nvPr>
-            <p:ph idx="1" type="body"/>
+            <p:ph type="body" idx="1"/>
           </p:nvPr>
         </p:nvSpPr>
         <p:spPr>
@@ -6661,11 +6656,11 @@
           </a:prstGeom>
         </p:spPr>
         <p:txBody>
-          <a:bodyPr anchorCtr="0" anchor="t" bIns="91425" lIns="91425" spcFirstLastPara="1" rIns="91425" wrap="square" tIns="91425">
+          <a:bodyPr spcFirstLastPara="1" wrap="square" lIns="91425" tIns="91425" rIns="91425" bIns="91425" anchor="t" anchorCtr="0">
             <a:normAutofit/>
           </a:bodyPr>
           <a:lstStyle>
-            <a:lvl1pPr indent="-311150" lvl="0" marL="457200">
+            <a:lvl1pPr marL="457200" lvl="0" indent="-311150">
               <a:spcBef>
                 <a:spcPts val="0"/>
               </a:spcBef>
@@ -6676,7 +6671,7 @@
               <a:buChar char="●"/>
               <a:defRPr/>
             </a:lvl1pPr>
-            <a:lvl2pPr indent="-298450" lvl="1" marL="914400">
+            <a:lvl2pPr marL="914400" lvl="1" indent="-298450">
               <a:spcBef>
                 <a:spcPts val="0"/>
               </a:spcBef>
@@ -6687,7 +6682,7 @@
               <a:buChar char="○"/>
               <a:defRPr/>
             </a:lvl2pPr>
-            <a:lvl3pPr indent="-298450" lvl="2" marL="1371600">
+            <a:lvl3pPr marL="1371600" lvl="2" indent="-298450">
               <a:spcBef>
                 <a:spcPts val="0"/>
               </a:spcBef>
@@ -6698,7 +6693,7 @@
               <a:buChar char="■"/>
               <a:defRPr/>
             </a:lvl3pPr>
-            <a:lvl4pPr indent="-298450" lvl="3" marL="1828800">
+            <a:lvl4pPr marL="1828800" lvl="3" indent="-298450">
               <a:spcBef>
                 <a:spcPts val="0"/>
               </a:spcBef>
@@ -6709,7 +6704,7 @@
               <a:buChar char="●"/>
               <a:defRPr/>
             </a:lvl4pPr>
-            <a:lvl5pPr indent="-298450" lvl="4" marL="2286000">
+            <a:lvl5pPr marL="2286000" lvl="4" indent="-298450">
               <a:spcBef>
                 <a:spcPts val="0"/>
               </a:spcBef>
@@ -6720,7 +6715,7 @@
               <a:buChar char="○"/>
               <a:defRPr/>
             </a:lvl5pPr>
-            <a:lvl6pPr indent="-298450" lvl="5" marL="2743200">
+            <a:lvl6pPr marL="2743200" lvl="5" indent="-298450">
               <a:spcBef>
                 <a:spcPts val="0"/>
               </a:spcBef>
@@ -6731,7 +6726,7 @@
               <a:buChar char="■"/>
               <a:defRPr/>
             </a:lvl6pPr>
-            <a:lvl7pPr indent="-298450" lvl="6" marL="3200400">
+            <a:lvl7pPr marL="3200400" lvl="6" indent="-298450">
               <a:spcBef>
                 <a:spcPts val="0"/>
               </a:spcBef>
@@ -6742,7 +6737,7 @@
               <a:buChar char="●"/>
               <a:defRPr/>
             </a:lvl7pPr>
-            <a:lvl8pPr indent="-298450" lvl="7" marL="3657600">
+            <a:lvl8pPr marL="3657600" lvl="7" indent="-298450">
               <a:spcBef>
                 <a:spcPts val="0"/>
               </a:spcBef>
@@ -6753,7 +6748,7 @@
               <a:buChar char="○"/>
               <a:defRPr/>
             </a:lvl8pPr>
-            <a:lvl9pPr indent="-298450" lvl="8" marL="4114800">
+            <a:lvl9pPr marL="4114800" lvl="8" indent="-298450">
               <a:spcBef>
                 <a:spcPts val="0"/>
               </a:spcBef>
@@ -6765,15 +6760,19 @@
               <a:defRPr/>
             </a:lvl9pPr>
           </a:lstStyle>
-          <a:p/>
+          <a:p>
+            <a:endParaRPr/>
+          </a:p>
         </p:txBody>
       </p:sp>
       <p:sp>
         <p:nvSpPr>
           <p:cNvPr id="68" name="Google Shape;68;p7"/>
-          <p:cNvSpPr txBox="1"/>
+          <p:cNvSpPr txBox="1">
+            <a:spLocks noGrp="1"/>
+          </p:cNvSpPr>
           <p:nvPr>
-            <p:ph idx="12" type="sldNum"/>
+            <p:ph type="sldNum" idx="12"/>
           </p:nvPr>
         </p:nvSpPr>
         <p:spPr>
@@ -6786,7 +6785,7 @@
           </a:prstGeom>
         </p:spPr>
         <p:txBody>
-          <a:bodyPr anchorCtr="0" anchor="ctr" bIns="91425" lIns="91425" spcFirstLastPara="1" rIns="91425" wrap="square" tIns="91425">
+          <a:bodyPr spcFirstLastPara="1" wrap="square" lIns="91425" tIns="91425" rIns="91425" bIns="91425" anchor="ctr" anchorCtr="0">
             <a:normAutofit/>
           </a:bodyPr>
           <a:lstStyle>
@@ -6828,7 +6827,7 @@
             </a:lvl9pPr>
           </a:lstStyle>
           <a:p>
-            <a:pPr indent="0" lvl="0" marL="0" rtl="0" algn="r">
+            <a:pPr marL="0" lvl="0" indent="0" algn="r" rtl="0">
               <a:spcBef>
                 <a:spcPts val="0"/>
               </a:spcBef>
@@ -6854,11 +6853,11 @@
 </file>
 
 <file path=ppt/slideLayouts/slideLayout7.xml><?xml version="1.0" encoding="utf-8"?>
-<p:sldLayout xmlns:a="http://schemas.openxmlformats.org/drawingml/2006/main" xmlns:r="http://schemas.openxmlformats.org/officeDocument/2006/relationships" xmlns:mc="http://schemas.openxmlformats.org/markup-compatibility/2006" xmlns:mv="urn:schemas-microsoft-com:mac:vml" xmlns:p="http://schemas.openxmlformats.org/presentationml/2006/main" xmlns:c="http://schemas.openxmlformats.org/drawingml/2006/chart" xmlns:dgm="http://schemas.openxmlformats.org/drawingml/2006/diagram" xmlns:o="urn:schemas-microsoft-com:office:office" xmlns:v="urn:schemas-microsoft-com:vml" xmlns:pvml="urn:schemas-microsoft-com:office:powerpoint" xmlns:com="http://schemas.openxmlformats.org/drawingml/2006/compatibility" xmlns:p14="http://schemas.microsoft.com/office/powerpoint/2010/main" xmlns:p15="http://schemas.microsoft.com/office/powerpoint/2012/main" xmlns:ahyp="http://schemas.microsoft.com/office/drawing/2018/hyperlinkcolor" matchingName="Main point">
+<p:sldLayout xmlns:a="http://schemas.openxmlformats.org/drawingml/2006/main" xmlns:r="http://schemas.openxmlformats.org/officeDocument/2006/relationships" xmlns:p="http://schemas.openxmlformats.org/presentationml/2006/main" matchingName="Main point">
   <p:cSld name="MAIN_POINT">
     <p:spTree>
       <p:nvGrpSpPr>
-        <p:cNvPr id="69" name="Shape 69"/>
+        <p:cNvPr id="1" name="Shape 69"/>
         <p:cNvGrpSpPr/>
         <p:nvPr/>
       </p:nvGrpSpPr>
@@ -6897,7 +6896,7 @@
             </a:xfrm>
             <a:prstGeom prst="diagStripe">
               <a:avLst>
-                <a:gd fmla="val 49469" name="adj"/>
+                <a:gd name="adj" fmla="val 49469"/>
               </a:avLst>
             </a:prstGeom>
             <a:solidFill>
@@ -6910,12 +6909,12 @@
             </a:ln>
           </p:spPr>
           <p:txBody>
-            <a:bodyPr anchorCtr="0" anchor="ctr" bIns="91425" lIns="91425" spcFirstLastPara="1" rIns="91425" wrap="square" tIns="91425">
+            <a:bodyPr spcFirstLastPara="1" wrap="square" lIns="91425" tIns="91425" rIns="91425" bIns="91425" anchor="ctr" anchorCtr="0">
               <a:noAutofit/>
             </a:bodyPr>
             <a:lstStyle/>
             <a:p>
-              <a:pPr indent="0" lvl="0" marL="0" rtl="0" algn="l">
+              <a:pPr marL="0" lvl="0" indent="0" algn="l" rtl="0">
                 <a:spcBef>
                   <a:spcPts val="0"/>
                 </a:spcBef>
@@ -6924,9 +6923,6 @@
                 </a:spcAft>
                 <a:buNone/>
               </a:pPr>
-              <a:r>
-                <a:t/>
-              </a:r>
               <a:endParaRPr/>
             </a:p>
           </p:txBody>
@@ -6944,7 +6940,7 @@
             </a:xfrm>
             <a:prstGeom prst="diagStripe">
               <a:avLst>
-                <a:gd fmla="val 0" name="adj"/>
+                <a:gd name="adj" fmla="val 0"/>
               </a:avLst>
             </a:prstGeom>
             <a:solidFill>
@@ -6957,12 +6953,12 @@
             </a:ln>
           </p:spPr>
           <p:txBody>
-            <a:bodyPr anchorCtr="0" anchor="ctr" bIns="91425" lIns="91425" spcFirstLastPara="1" rIns="91425" wrap="square" tIns="91425">
+            <a:bodyPr spcFirstLastPara="1" wrap="square" lIns="91425" tIns="91425" rIns="91425" bIns="91425" anchor="ctr" anchorCtr="0">
               <a:noAutofit/>
             </a:bodyPr>
             <a:lstStyle/>
             <a:p>
-              <a:pPr indent="0" lvl="0" marL="0" rtl="0" algn="l">
+              <a:pPr marL="0" lvl="0" indent="0" algn="l" rtl="0">
                 <a:spcBef>
                   <a:spcPts val="0"/>
                 </a:spcBef>
@@ -6971,9 +6967,6 @@
                 </a:spcAft>
                 <a:buNone/>
               </a:pPr>
-              <a:r>
-                <a:t/>
-              </a:r>
               <a:endParaRPr/>
             </a:p>
           </p:txBody>
@@ -6991,7 +6984,7 @@
             </a:xfrm>
             <a:prstGeom prst="diagStripe">
               <a:avLst>
-                <a:gd fmla="val 50000" name="adj"/>
+                <a:gd name="adj" fmla="val 50000"/>
               </a:avLst>
             </a:prstGeom>
             <a:solidFill>
@@ -7004,12 +6997,12 @@
             </a:ln>
           </p:spPr>
           <p:txBody>
-            <a:bodyPr anchorCtr="0" anchor="ctr" bIns="91425" lIns="91425" spcFirstLastPara="1" rIns="91425" wrap="square" tIns="91425">
+            <a:bodyPr spcFirstLastPara="1" wrap="square" lIns="91425" tIns="91425" rIns="91425" bIns="91425" anchor="ctr" anchorCtr="0">
               <a:noAutofit/>
             </a:bodyPr>
             <a:lstStyle/>
             <a:p>
-              <a:pPr indent="0" lvl="0" marL="0" rtl="0" algn="l">
+              <a:pPr marL="0" lvl="0" indent="0" algn="l" rtl="0">
                 <a:spcBef>
                   <a:spcPts val="0"/>
                 </a:spcBef>
@@ -7018,9 +7011,6 @@
                 </a:spcAft>
                 <a:buNone/>
               </a:pPr>
-              <a:r>
-                <a:t/>
-              </a:r>
               <a:endParaRPr/>
             </a:p>
           </p:txBody>
@@ -7038,7 +7028,7 @@
             </a:xfrm>
             <a:prstGeom prst="diagStripe">
               <a:avLst>
-                <a:gd fmla="val 50000" name="adj"/>
+                <a:gd name="adj" fmla="val 50000"/>
               </a:avLst>
             </a:prstGeom>
             <a:solidFill>
@@ -7051,12 +7041,12 @@
             </a:ln>
           </p:spPr>
           <p:txBody>
-            <a:bodyPr anchorCtr="0" anchor="ctr" bIns="91425" lIns="91425" spcFirstLastPara="1" rIns="91425" wrap="square" tIns="91425">
+            <a:bodyPr spcFirstLastPara="1" wrap="square" lIns="91425" tIns="91425" rIns="91425" bIns="91425" anchor="ctr" anchorCtr="0">
               <a:noAutofit/>
             </a:bodyPr>
             <a:lstStyle/>
             <a:p>
-              <a:pPr indent="0" lvl="0" marL="0" rtl="0" algn="l">
+              <a:pPr marL="0" lvl="0" indent="0" algn="l" rtl="0">
                 <a:spcBef>
                   <a:spcPts val="0"/>
                 </a:spcBef>
@@ -7065,9 +7055,6 @@
                 </a:spcAft>
                 <a:buNone/>
               </a:pPr>
-              <a:r>
-                <a:t/>
-              </a:r>
               <a:endParaRPr/>
             </a:p>
           </p:txBody>
@@ -7085,7 +7072,7 @@
             </a:xfrm>
             <a:prstGeom prst="diagStripe">
               <a:avLst>
-                <a:gd fmla="val 50000" name="adj"/>
+                <a:gd name="adj" fmla="val 50000"/>
               </a:avLst>
             </a:prstGeom>
             <a:solidFill>
@@ -7098,12 +7085,12 @@
             </a:ln>
           </p:spPr>
           <p:txBody>
-            <a:bodyPr anchorCtr="0" anchor="ctr" bIns="91425" lIns="91425" spcFirstLastPara="1" rIns="91425" wrap="square" tIns="91425">
+            <a:bodyPr spcFirstLastPara="1" wrap="square" lIns="91425" tIns="91425" rIns="91425" bIns="91425" anchor="ctr" anchorCtr="0">
               <a:noAutofit/>
             </a:bodyPr>
             <a:lstStyle/>
             <a:p>
-              <a:pPr indent="0" lvl="0" marL="0" rtl="0" algn="l">
+              <a:pPr marL="0" lvl="0" indent="0" algn="l" rtl="0">
                 <a:spcBef>
                   <a:spcPts val="0"/>
                 </a:spcBef>
@@ -7112,9 +7099,6 @@
                 </a:spcAft>
                 <a:buNone/>
               </a:pPr>
-              <a:r>
-                <a:t/>
-              </a:r>
               <a:endParaRPr/>
             </a:p>
           </p:txBody>
@@ -7132,7 +7116,7 @@
             </a:xfrm>
             <a:prstGeom prst="diagStripe">
               <a:avLst>
-                <a:gd fmla="val 50000" name="adj"/>
+                <a:gd name="adj" fmla="val 50000"/>
               </a:avLst>
             </a:prstGeom>
             <a:solidFill>
@@ -7145,12 +7129,12 @@
             </a:ln>
           </p:spPr>
           <p:txBody>
-            <a:bodyPr anchorCtr="0" anchor="ctr" bIns="91425" lIns="91425" spcFirstLastPara="1" rIns="91425" wrap="square" tIns="91425">
+            <a:bodyPr spcFirstLastPara="1" wrap="square" lIns="91425" tIns="91425" rIns="91425" bIns="91425" anchor="ctr" anchorCtr="0">
               <a:noAutofit/>
             </a:bodyPr>
             <a:lstStyle/>
             <a:p>
-              <a:pPr indent="0" lvl="0" marL="0" rtl="0" algn="l">
+              <a:pPr marL="0" lvl="0" indent="0" algn="l" rtl="0">
                 <a:spcBef>
                   <a:spcPts val="0"/>
                 </a:spcBef>
@@ -7159,9 +7143,6 @@
                 </a:spcAft>
                 <a:buNone/>
               </a:pPr>
-              <a:r>
-                <a:t/>
-              </a:r>
               <a:endParaRPr/>
             </a:p>
           </p:txBody>
@@ -7179,7 +7160,7 @@
             </a:xfrm>
             <a:prstGeom prst="diagStripe">
               <a:avLst>
-                <a:gd fmla="val 50000" name="adj"/>
+                <a:gd name="adj" fmla="val 50000"/>
               </a:avLst>
             </a:prstGeom>
             <a:solidFill>
@@ -7192,12 +7173,12 @@
             </a:ln>
           </p:spPr>
           <p:txBody>
-            <a:bodyPr anchorCtr="0" anchor="ctr" bIns="91425" lIns="91425" spcFirstLastPara="1" rIns="91425" wrap="square" tIns="91425">
+            <a:bodyPr spcFirstLastPara="1" wrap="square" lIns="91425" tIns="91425" rIns="91425" bIns="91425" anchor="ctr" anchorCtr="0">
               <a:noAutofit/>
             </a:bodyPr>
             <a:lstStyle/>
             <a:p>
-              <a:pPr indent="0" lvl="0" marL="0" rtl="0" algn="l">
+              <a:pPr marL="0" lvl="0" indent="0" algn="l" rtl="0">
                 <a:spcBef>
                   <a:spcPts val="0"/>
                 </a:spcBef>
@@ -7206,9 +7187,6 @@
                 </a:spcAft>
                 <a:buNone/>
               </a:pPr>
-              <a:r>
-                <a:t/>
-              </a:r>
               <a:endParaRPr/>
             </a:p>
           </p:txBody>
@@ -7226,7 +7204,7 @@
             </a:xfrm>
             <a:prstGeom prst="diagStripe">
               <a:avLst>
-                <a:gd fmla="val 50000" name="adj"/>
+                <a:gd name="adj" fmla="val 50000"/>
               </a:avLst>
             </a:prstGeom>
             <a:solidFill>
@@ -7237,12 +7215,12 @@
             </a:ln>
           </p:spPr>
           <p:txBody>
-            <a:bodyPr anchorCtr="0" anchor="ctr" bIns="91425" lIns="91425" spcFirstLastPara="1" rIns="91425" wrap="square" tIns="91425">
+            <a:bodyPr spcFirstLastPara="1" wrap="square" lIns="91425" tIns="91425" rIns="91425" bIns="91425" anchor="ctr" anchorCtr="0">
               <a:noAutofit/>
             </a:bodyPr>
             <a:lstStyle/>
             <a:p>
-              <a:pPr indent="0" lvl="0" marL="0" rtl="0" algn="l">
+              <a:pPr marL="0" lvl="0" indent="0" algn="l" rtl="0">
                 <a:spcBef>
                   <a:spcPts val="0"/>
                 </a:spcBef>
@@ -7251,9 +7229,6 @@
                 </a:spcAft>
                 <a:buNone/>
               </a:pPr>
-              <a:r>
-                <a:t/>
-              </a:r>
               <a:endParaRPr/>
             </a:p>
           </p:txBody>
@@ -7271,7 +7246,7 @@
             </a:xfrm>
             <a:prstGeom prst="diagStripe">
               <a:avLst>
-                <a:gd fmla="val 50000" name="adj"/>
+                <a:gd name="adj" fmla="val 50000"/>
               </a:avLst>
             </a:prstGeom>
             <a:solidFill>
@@ -7284,12 +7259,12 @@
             </a:ln>
           </p:spPr>
           <p:txBody>
-            <a:bodyPr anchorCtr="0" anchor="ctr" bIns="91425" lIns="91425" spcFirstLastPara="1" rIns="91425" wrap="square" tIns="91425">
+            <a:bodyPr spcFirstLastPara="1" wrap="square" lIns="91425" tIns="91425" rIns="91425" bIns="91425" anchor="ctr" anchorCtr="0">
               <a:noAutofit/>
             </a:bodyPr>
             <a:lstStyle/>
             <a:p>
-              <a:pPr indent="0" lvl="0" marL="0" rtl="0" algn="l">
+              <a:pPr marL="0" lvl="0" indent="0" algn="l" rtl="0">
                 <a:spcBef>
                   <a:spcPts val="0"/>
                 </a:spcBef>
@@ -7298,9 +7273,6 @@
                 </a:spcAft>
                 <a:buNone/>
               </a:pPr>
-              <a:r>
-                <a:t/>
-              </a:r>
               <a:endParaRPr/>
             </a:p>
           </p:txBody>
@@ -7318,7 +7290,7 @@
             </a:xfrm>
             <a:prstGeom prst="diagStripe">
               <a:avLst>
-                <a:gd fmla="val 50000" name="adj"/>
+                <a:gd name="adj" fmla="val 50000"/>
               </a:avLst>
             </a:prstGeom>
             <a:solidFill>
@@ -7331,12 +7303,12 @@
             </a:ln>
           </p:spPr>
           <p:txBody>
-            <a:bodyPr anchorCtr="0" anchor="ctr" bIns="91425" lIns="91425" spcFirstLastPara="1" rIns="91425" wrap="square" tIns="91425">
+            <a:bodyPr spcFirstLastPara="1" wrap="square" lIns="91425" tIns="91425" rIns="91425" bIns="91425" anchor="ctr" anchorCtr="0">
               <a:noAutofit/>
             </a:bodyPr>
             <a:lstStyle/>
             <a:p>
-              <a:pPr indent="0" lvl="0" marL="0" rtl="0" algn="l">
+              <a:pPr marL="0" lvl="0" indent="0" algn="l" rtl="0">
                 <a:spcBef>
                   <a:spcPts val="0"/>
                 </a:spcBef>
@@ -7345,9 +7317,6 @@
                 </a:spcAft>
                 <a:buNone/>
               </a:pPr>
-              <a:r>
-                <a:t/>
-              </a:r>
               <a:endParaRPr/>
             </a:p>
           </p:txBody>
@@ -7365,7 +7334,7 @@
             </a:xfrm>
             <a:prstGeom prst="diagStripe">
               <a:avLst>
-                <a:gd fmla="val 50000" name="adj"/>
+                <a:gd name="adj" fmla="val 50000"/>
               </a:avLst>
             </a:prstGeom>
             <a:solidFill>
@@ -7378,12 +7347,12 @@
             </a:ln>
           </p:spPr>
           <p:txBody>
-            <a:bodyPr anchorCtr="0" anchor="ctr" bIns="91425" lIns="91425" spcFirstLastPara="1" rIns="91425" wrap="square" tIns="91425">
+            <a:bodyPr spcFirstLastPara="1" wrap="square" lIns="91425" tIns="91425" rIns="91425" bIns="91425" anchor="ctr" anchorCtr="0">
               <a:noAutofit/>
             </a:bodyPr>
             <a:lstStyle/>
             <a:p>
-              <a:pPr indent="0" lvl="0" marL="0" rtl="0" algn="l">
+              <a:pPr marL="0" lvl="0" indent="0" algn="l" rtl="0">
                 <a:spcBef>
                   <a:spcPts val="0"/>
                 </a:spcBef>
@@ -7392,9 +7361,6 @@
                 </a:spcAft>
                 <a:buNone/>
               </a:pPr>
-              <a:r>
-                <a:t/>
-              </a:r>
               <a:endParaRPr/>
             </a:p>
           </p:txBody>
@@ -7412,7 +7378,7 @@
             </a:xfrm>
             <a:prstGeom prst="diagStripe">
               <a:avLst>
-                <a:gd fmla="val 50000" name="adj"/>
+                <a:gd name="adj" fmla="val 50000"/>
               </a:avLst>
             </a:prstGeom>
             <a:solidFill>
@@ -7425,12 +7391,12 @@
             </a:ln>
           </p:spPr>
           <p:txBody>
-            <a:bodyPr anchorCtr="0" anchor="ctr" bIns="91425" lIns="91425" spcFirstLastPara="1" rIns="91425" wrap="square" tIns="91425">
+            <a:bodyPr spcFirstLastPara="1" wrap="square" lIns="91425" tIns="91425" rIns="91425" bIns="91425" anchor="ctr" anchorCtr="0">
               <a:noAutofit/>
             </a:bodyPr>
             <a:lstStyle/>
             <a:p>
-              <a:pPr indent="0" lvl="0" marL="0" rtl="0" algn="l">
+              <a:pPr marL="0" lvl="0" indent="0" algn="l" rtl="0">
                 <a:spcBef>
                   <a:spcPts val="0"/>
                 </a:spcBef>
@@ -7439,9 +7405,6 @@
                 </a:spcAft>
                 <a:buNone/>
               </a:pPr>
-              <a:r>
-                <a:t/>
-              </a:r>
               <a:endParaRPr/>
             </a:p>
           </p:txBody>
@@ -7459,7 +7422,7 @@
             </a:xfrm>
             <a:prstGeom prst="diagStripe">
               <a:avLst>
-                <a:gd fmla="val 50000" name="adj"/>
+                <a:gd name="adj" fmla="val 50000"/>
               </a:avLst>
             </a:prstGeom>
             <a:solidFill>
@@ -7472,12 +7435,12 @@
             </a:ln>
           </p:spPr>
           <p:txBody>
-            <a:bodyPr anchorCtr="0" anchor="ctr" bIns="91425" lIns="91425" spcFirstLastPara="1" rIns="91425" wrap="square" tIns="91425">
+            <a:bodyPr spcFirstLastPara="1" wrap="square" lIns="91425" tIns="91425" rIns="91425" bIns="91425" anchor="ctr" anchorCtr="0">
               <a:noAutofit/>
             </a:bodyPr>
             <a:lstStyle/>
             <a:p>
-              <a:pPr indent="0" lvl="0" marL="0" rtl="0" algn="l">
+              <a:pPr marL="0" lvl="0" indent="0" algn="l" rtl="0">
                 <a:spcBef>
                   <a:spcPts val="0"/>
                 </a:spcBef>
@@ -7486,9 +7449,6 @@
                 </a:spcAft>
                 <a:buNone/>
               </a:pPr>
-              <a:r>
-                <a:t/>
-              </a:r>
               <a:endParaRPr/>
             </a:p>
           </p:txBody>
@@ -7506,7 +7466,7 @@
             </a:xfrm>
             <a:prstGeom prst="diagStripe">
               <a:avLst>
-                <a:gd fmla="val 50000" name="adj"/>
+                <a:gd name="adj" fmla="val 50000"/>
               </a:avLst>
             </a:prstGeom>
             <a:solidFill>
@@ -7517,12 +7477,12 @@
             </a:ln>
           </p:spPr>
           <p:txBody>
-            <a:bodyPr anchorCtr="0" anchor="ctr" bIns="91425" lIns="91425" spcFirstLastPara="1" rIns="91425" wrap="square" tIns="91425">
+            <a:bodyPr spcFirstLastPara="1" wrap="square" lIns="91425" tIns="91425" rIns="91425" bIns="91425" anchor="ctr" anchorCtr="0">
               <a:noAutofit/>
             </a:bodyPr>
             <a:lstStyle/>
             <a:p>
-              <a:pPr indent="0" lvl="0" marL="0" rtl="0" algn="l">
+              <a:pPr marL="0" lvl="0" indent="0" algn="l" rtl="0">
                 <a:spcBef>
                   <a:spcPts val="0"/>
                 </a:spcBef>
@@ -7531,9 +7491,6 @@
                 </a:spcAft>
                 <a:buNone/>
               </a:pPr>
-              <a:r>
-                <a:t/>
-              </a:r>
               <a:endParaRPr/>
             </a:p>
           </p:txBody>
@@ -7551,7 +7508,7 @@
             </a:xfrm>
             <a:prstGeom prst="diagStripe">
               <a:avLst>
-                <a:gd fmla="val 50000" name="adj"/>
+                <a:gd name="adj" fmla="val 50000"/>
               </a:avLst>
             </a:prstGeom>
             <a:solidFill>
@@ -7564,12 +7521,12 @@
             </a:ln>
           </p:spPr>
           <p:txBody>
-            <a:bodyPr anchorCtr="0" anchor="ctr" bIns="91425" lIns="91425" spcFirstLastPara="1" rIns="91425" wrap="square" tIns="91425">
+            <a:bodyPr spcFirstLastPara="1" wrap="square" lIns="91425" tIns="91425" rIns="91425" bIns="91425" anchor="ctr" anchorCtr="0">
               <a:noAutofit/>
             </a:bodyPr>
             <a:lstStyle/>
             <a:p>
-              <a:pPr indent="0" lvl="0" marL="0" rtl="0" algn="l">
+              <a:pPr marL="0" lvl="0" indent="0" algn="l" rtl="0">
                 <a:spcBef>
                   <a:spcPts val="0"/>
                 </a:spcBef>
@@ -7578,9 +7535,6 @@
                 </a:spcAft>
                 <a:buNone/>
               </a:pPr>
-              <a:r>
-                <a:t/>
-              </a:r>
               <a:endParaRPr/>
             </a:p>
           </p:txBody>
@@ -7598,7 +7552,7 @@
             </a:xfrm>
             <a:prstGeom prst="diagStripe">
               <a:avLst>
-                <a:gd fmla="val 50000" name="adj"/>
+                <a:gd name="adj" fmla="val 50000"/>
               </a:avLst>
             </a:prstGeom>
             <a:solidFill>
@@ -7611,12 +7565,12 @@
             </a:ln>
           </p:spPr>
           <p:txBody>
-            <a:bodyPr anchorCtr="0" anchor="ctr" bIns="91425" lIns="91425" spcFirstLastPara="1" rIns="91425" wrap="square" tIns="91425">
+            <a:bodyPr spcFirstLastPara="1" wrap="square" lIns="91425" tIns="91425" rIns="91425" bIns="91425" anchor="ctr" anchorCtr="0">
               <a:noAutofit/>
             </a:bodyPr>
             <a:lstStyle/>
             <a:p>
-              <a:pPr indent="0" lvl="0" marL="0" rtl="0" algn="l">
+              <a:pPr marL="0" lvl="0" indent="0" algn="l" rtl="0">
                 <a:spcBef>
                   <a:spcPts val="0"/>
                 </a:spcBef>
@@ -7625,9 +7579,6 @@
                 </a:spcAft>
                 <a:buNone/>
               </a:pPr>
-              <a:r>
-                <a:t/>
-              </a:r>
               <a:endParaRPr/>
             </a:p>
           </p:txBody>
@@ -7645,7 +7596,7 @@
             </a:xfrm>
             <a:prstGeom prst="diagStripe">
               <a:avLst>
-                <a:gd fmla="val 50000" name="adj"/>
+                <a:gd name="adj" fmla="val 50000"/>
               </a:avLst>
             </a:prstGeom>
             <a:solidFill>
@@ -7658,12 +7609,12 @@
             </a:ln>
           </p:spPr>
           <p:txBody>
-            <a:bodyPr anchorCtr="0" anchor="ctr" bIns="91425" lIns="91425" spcFirstLastPara="1" rIns="91425" wrap="square" tIns="91425">
+            <a:bodyPr spcFirstLastPara="1" wrap="square" lIns="91425" tIns="91425" rIns="91425" bIns="91425" anchor="ctr" anchorCtr="0">
               <a:noAutofit/>
             </a:bodyPr>
             <a:lstStyle/>
             <a:p>
-              <a:pPr indent="0" lvl="0" marL="0" rtl="0" algn="l">
+              <a:pPr marL="0" lvl="0" indent="0" algn="l" rtl="0">
                 <a:spcBef>
                   <a:spcPts val="0"/>
                 </a:spcBef>
@@ -7672,9 +7623,6 @@
                 </a:spcAft>
                 <a:buNone/>
               </a:pPr>
-              <a:r>
-                <a:t/>
-              </a:r>
               <a:endParaRPr/>
             </a:p>
           </p:txBody>
@@ -7692,7 +7640,7 @@
             </a:xfrm>
             <a:prstGeom prst="diagStripe">
               <a:avLst>
-                <a:gd fmla="val 50000" name="adj"/>
+                <a:gd name="adj" fmla="val 50000"/>
               </a:avLst>
             </a:prstGeom>
             <a:solidFill>
@@ -7705,12 +7653,12 @@
             </a:ln>
           </p:spPr>
           <p:txBody>
-            <a:bodyPr anchorCtr="0" anchor="ctr" bIns="91425" lIns="91425" spcFirstLastPara="1" rIns="91425" wrap="square" tIns="91425">
+            <a:bodyPr spcFirstLastPara="1" wrap="square" lIns="91425" tIns="91425" rIns="91425" bIns="91425" anchor="ctr" anchorCtr="0">
               <a:noAutofit/>
             </a:bodyPr>
             <a:lstStyle/>
             <a:p>
-              <a:pPr indent="0" lvl="0" marL="0" rtl="0" algn="l">
+              <a:pPr marL="0" lvl="0" indent="0" algn="l" rtl="0">
                 <a:spcBef>
                   <a:spcPts val="0"/>
                 </a:spcBef>
@@ -7719,9 +7667,6 @@
                 </a:spcAft>
                 <a:buNone/>
               </a:pPr>
-              <a:r>
-                <a:t/>
-              </a:r>
               <a:endParaRPr/>
             </a:p>
           </p:txBody>
@@ -7730,7 +7675,9 @@
       <p:sp>
         <p:nvSpPr>
           <p:cNvPr id="89" name="Google Shape;89;p8"/>
-          <p:cNvSpPr txBox="1"/>
+          <p:cNvSpPr txBox="1">
+            <a:spLocks noGrp="1"/>
+          </p:cNvSpPr>
           <p:nvPr>
             <p:ph type="title"/>
           </p:nvPr>
@@ -7745,7 +7692,7 @@
           </a:prstGeom>
         </p:spPr>
         <p:txBody>
-          <a:bodyPr anchorCtr="0" anchor="ctr" bIns="91425" lIns="91425" spcFirstLastPara="1" rIns="91425" wrap="square" tIns="91425">
+          <a:bodyPr spcFirstLastPara="1" wrap="square" lIns="91425" tIns="91425" rIns="91425" bIns="91425" anchor="ctr" anchorCtr="0">
             <a:normAutofit/>
           </a:bodyPr>
           <a:lstStyle>
@@ -7849,15 +7796,19 @@
               <a:defRPr/>
             </a:lvl9pPr>
           </a:lstStyle>
-          <a:p/>
+          <a:p>
+            <a:endParaRPr/>
+          </a:p>
         </p:txBody>
       </p:sp>
       <p:sp>
         <p:nvSpPr>
           <p:cNvPr id="90" name="Google Shape;90;p8"/>
-          <p:cNvSpPr txBox="1"/>
+          <p:cNvSpPr txBox="1">
+            <a:spLocks noGrp="1"/>
+          </p:cNvSpPr>
           <p:nvPr>
-            <p:ph idx="12" type="sldNum"/>
+            <p:ph type="sldNum" idx="12"/>
           </p:nvPr>
         </p:nvSpPr>
         <p:spPr>
@@ -7870,7 +7821,7 @@
           </a:prstGeom>
         </p:spPr>
         <p:txBody>
-          <a:bodyPr anchorCtr="0" anchor="ctr" bIns="91425" lIns="91425" spcFirstLastPara="1" rIns="91425" wrap="square" tIns="91425">
+          <a:bodyPr spcFirstLastPara="1" wrap="square" lIns="91425" tIns="91425" rIns="91425" bIns="91425" anchor="ctr" anchorCtr="0">
             <a:normAutofit/>
           </a:bodyPr>
           <a:lstStyle>
@@ -7912,7 +7863,7 @@
             </a:lvl9pPr>
           </a:lstStyle>
           <a:p>
-            <a:pPr indent="0" lvl="0" marL="0" rtl="0" algn="r">
+            <a:pPr marL="0" lvl="0" indent="0" algn="r" rtl="0">
               <a:spcBef>
                 <a:spcPts val="0"/>
               </a:spcBef>
@@ -7938,11 +7889,11 @@
 </file>
 
 <file path=ppt/slideLayouts/slideLayout8.xml><?xml version="1.0" encoding="utf-8"?>
-<p:sldLayout xmlns:a="http://schemas.openxmlformats.org/drawingml/2006/main" xmlns:r="http://schemas.openxmlformats.org/officeDocument/2006/relationships" xmlns:mc="http://schemas.openxmlformats.org/markup-compatibility/2006" xmlns:mv="urn:schemas-microsoft-com:mac:vml" xmlns:p="http://schemas.openxmlformats.org/presentationml/2006/main" xmlns:c="http://schemas.openxmlformats.org/drawingml/2006/chart" xmlns:dgm="http://schemas.openxmlformats.org/drawingml/2006/diagram" xmlns:o="urn:schemas-microsoft-com:office:office" xmlns:v="urn:schemas-microsoft-com:vml" xmlns:pvml="urn:schemas-microsoft-com:office:powerpoint" xmlns:com="http://schemas.openxmlformats.org/drawingml/2006/compatibility" xmlns:p14="http://schemas.microsoft.com/office/powerpoint/2010/main" xmlns:p15="http://schemas.microsoft.com/office/powerpoint/2012/main" xmlns:ahyp="http://schemas.microsoft.com/office/drawing/2018/hyperlinkcolor" matchingName="Section title and description">
+<p:sldLayout xmlns:a="http://schemas.openxmlformats.org/drawingml/2006/main" xmlns:r="http://schemas.openxmlformats.org/officeDocument/2006/relationships" xmlns:p="http://schemas.openxmlformats.org/presentationml/2006/main" matchingName="Section title and description">
   <p:cSld name="SECTION_TITLE_AND_DESCRIPTION">
     <p:spTree>
       <p:nvGrpSpPr>
-        <p:cNvPr id="91" name="Shape 91"/>
+        <p:cNvPr id="1" name="Shape 91"/>
         <p:cNvGrpSpPr/>
         <p:nvPr/>
       </p:nvGrpSpPr>
@@ -7981,7 +7932,7 @@
             </a:xfrm>
             <a:prstGeom prst="diagStripe">
               <a:avLst>
-                <a:gd fmla="val 50000" name="adj"/>
+                <a:gd name="adj" fmla="val 50000"/>
               </a:avLst>
             </a:prstGeom>
             <a:solidFill>
@@ -7992,12 +7943,12 @@
             </a:ln>
           </p:spPr>
           <p:txBody>
-            <a:bodyPr anchorCtr="0" anchor="ctr" bIns="91425" lIns="91425" spcFirstLastPara="1" rIns="91425" wrap="square" tIns="91425">
+            <a:bodyPr spcFirstLastPara="1" wrap="square" lIns="91425" tIns="91425" rIns="91425" bIns="91425" anchor="ctr" anchorCtr="0">
               <a:noAutofit/>
             </a:bodyPr>
             <a:lstStyle/>
             <a:p>
-              <a:pPr indent="0" lvl="0" marL="0" rtl="0" algn="l">
+              <a:pPr marL="0" lvl="0" indent="0" algn="l" rtl="0">
                 <a:spcBef>
                   <a:spcPts val="0"/>
                 </a:spcBef>
@@ -8006,9 +7957,6 @@
                 </a:spcAft>
                 <a:buNone/>
               </a:pPr>
-              <a:r>
-                <a:t/>
-              </a:r>
               <a:endParaRPr/>
             </a:p>
           </p:txBody>
@@ -8026,7 +7974,7 @@
             </a:xfrm>
             <a:prstGeom prst="diagStripe">
               <a:avLst>
-                <a:gd fmla="val 50000" name="adj"/>
+                <a:gd name="adj" fmla="val 50000"/>
               </a:avLst>
             </a:prstGeom>
             <a:solidFill>
@@ -8037,12 +7985,12 @@
             </a:ln>
           </p:spPr>
           <p:txBody>
-            <a:bodyPr anchorCtr="0" anchor="ctr" bIns="91425" lIns="91425" spcFirstLastPara="1" rIns="91425" wrap="square" tIns="91425">
+            <a:bodyPr spcFirstLastPara="1" wrap="square" lIns="91425" tIns="91425" rIns="91425" bIns="91425" anchor="ctr" anchorCtr="0">
               <a:noAutofit/>
             </a:bodyPr>
             <a:lstStyle/>
             <a:p>
-              <a:pPr indent="0" lvl="0" marL="0" rtl="0" algn="l">
+              <a:pPr marL="0" lvl="0" indent="0" algn="l" rtl="0">
                 <a:spcBef>
                   <a:spcPts val="0"/>
                 </a:spcBef>
@@ -8051,9 +7999,6 @@
                 </a:spcAft>
                 <a:buNone/>
               </a:pPr>
-              <a:r>
-                <a:t/>
-              </a:r>
               <a:endParaRPr/>
             </a:p>
           </p:txBody>
@@ -8062,7 +8007,9 @@
       <p:sp>
         <p:nvSpPr>
           <p:cNvPr id="95" name="Google Shape;95;p9"/>
-          <p:cNvSpPr txBox="1"/>
+          <p:cNvSpPr txBox="1">
+            <a:spLocks noGrp="1"/>
+          </p:cNvSpPr>
           <p:nvPr>
             <p:ph type="title"/>
           </p:nvPr>
@@ -8077,7 +8024,7 @@
           </a:prstGeom>
         </p:spPr>
         <p:txBody>
-          <a:bodyPr anchorCtr="0" anchor="t" bIns="91425" lIns="91425" spcFirstLastPara="1" rIns="91425" wrap="square" tIns="91425">
+          <a:bodyPr spcFirstLastPara="1" wrap="square" lIns="91425" tIns="91425" rIns="91425" bIns="91425" anchor="t" anchorCtr="0">
             <a:normAutofit/>
           </a:bodyPr>
           <a:lstStyle>
@@ -8181,15 +8128,19 @@
               <a:defRPr sz="2400"/>
             </a:lvl9pPr>
           </a:lstStyle>
-          <a:p/>
+          <a:p>
+            <a:endParaRPr/>
+          </a:p>
         </p:txBody>
       </p:sp>
       <p:sp>
         <p:nvSpPr>
           <p:cNvPr id="96" name="Google Shape;96;p9"/>
-          <p:cNvSpPr txBox="1"/>
+          <p:cNvSpPr txBox="1">
+            <a:spLocks noGrp="1"/>
+          </p:cNvSpPr>
           <p:nvPr>
-            <p:ph idx="1" type="subTitle"/>
+            <p:ph type="subTitle" idx="1"/>
           </p:nvPr>
         </p:nvSpPr>
         <p:spPr>
@@ -8202,7 +8153,7 @@
           </a:prstGeom>
         </p:spPr>
         <p:txBody>
-          <a:bodyPr anchorCtr="0" anchor="t" bIns="91425" lIns="91425" spcFirstLastPara="1" rIns="91425" wrap="square" tIns="91425">
+          <a:bodyPr spcFirstLastPara="1" wrap="square" lIns="91425" tIns="91425" rIns="91425" bIns="91425" anchor="t" anchorCtr="0">
             <a:normAutofit/>
           </a:bodyPr>
           <a:lstStyle>
@@ -8333,15 +8284,19 @@
               <a:defRPr sz="1300"/>
             </a:lvl9pPr>
           </a:lstStyle>
-          <a:p/>
+          <a:p>
+            <a:endParaRPr/>
+          </a:p>
         </p:txBody>
       </p:sp>
       <p:sp>
         <p:nvSpPr>
           <p:cNvPr id="97" name="Google Shape;97;p9"/>
-          <p:cNvSpPr txBox="1"/>
+          <p:cNvSpPr txBox="1">
+            <a:spLocks noGrp="1"/>
+          </p:cNvSpPr>
           <p:nvPr>
-            <p:ph idx="2" type="body"/>
+            <p:ph type="body" idx="2"/>
           </p:nvPr>
         </p:nvSpPr>
         <p:spPr>
@@ -8354,11 +8309,11 @@
           </a:prstGeom>
         </p:spPr>
         <p:txBody>
-          <a:bodyPr anchorCtr="0" anchor="t" bIns="91425" lIns="91425" spcFirstLastPara="1" rIns="91425" wrap="square" tIns="91425">
+          <a:bodyPr spcFirstLastPara="1" wrap="square" lIns="91425" tIns="91425" rIns="91425" bIns="91425" anchor="t" anchorCtr="0">
             <a:normAutofit/>
           </a:bodyPr>
           <a:lstStyle>
-            <a:lvl1pPr indent="-311150" lvl="0" marL="457200">
+            <a:lvl1pPr marL="457200" lvl="0" indent="-311150">
               <a:spcBef>
                 <a:spcPts val="0"/>
               </a:spcBef>
@@ -8369,7 +8324,7 @@
               <a:buChar char="●"/>
               <a:defRPr/>
             </a:lvl1pPr>
-            <a:lvl2pPr indent="-298450" lvl="1" marL="914400">
+            <a:lvl2pPr marL="914400" lvl="1" indent="-298450">
               <a:spcBef>
                 <a:spcPts val="0"/>
               </a:spcBef>
@@ -8380,7 +8335,7 @@
               <a:buChar char="○"/>
               <a:defRPr/>
             </a:lvl2pPr>
-            <a:lvl3pPr indent="-298450" lvl="2" marL="1371600">
+            <a:lvl3pPr marL="1371600" lvl="2" indent="-298450">
               <a:spcBef>
                 <a:spcPts val="0"/>
               </a:spcBef>
@@ -8391,7 +8346,7 @@
               <a:buChar char="■"/>
               <a:defRPr/>
             </a:lvl3pPr>
-            <a:lvl4pPr indent="-298450" lvl="3" marL="1828800">
+            <a:lvl4pPr marL="1828800" lvl="3" indent="-298450">
               <a:spcBef>
                 <a:spcPts val="0"/>
               </a:spcBef>
@@ -8402,7 +8357,7 @@
               <a:buChar char="●"/>
               <a:defRPr/>
             </a:lvl4pPr>
-            <a:lvl5pPr indent="-298450" lvl="4" marL="2286000">
+            <a:lvl5pPr marL="2286000" lvl="4" indent="-298450">
               <a:spcBef>
                 <a:spcPts val="0"/>
               </a:spcBef>
@@ -8413,7 +8368,7 @@
               <a:buChar char="○"/>
               <a:defRPr/>
             </a:lvl5pPr>
-            <a:lvl6pPr indent="-298450" lvl="5" marL="2743200">
+            <a:lvl6pPr marL="2743200" lvl="5" indent="-298450">
               <a:spcBef>
                 <a:spcPts val="0"/>
               </a:spcBef>
@@ -8424,7 +8379,7 @@
               <a:buChar char="■"/>
               <a:defRPr/>
             </a:lvl6pPr>
-            <a:lvl7pPr indent="-298450" lvl="6" marL="3200400">
+            <a:lvl7pPr marL="3200400" lvl="6" indent="-298450">
               <a:spcBef>
                 <a:spcPts val="0"/>
               </a:spcBef>
@@ -8435,7 +8390,7 @@
               <a:buChar char="●"/>
               <a:defRPr/>
             </a:lvl7pPr>
-            <a:lvl8pPr indent="-298450" lvl="7" marL="3657600">
+            <a:lvl8pPr marL="3657600" lvl="7" indent="-298450">
               <a:spcBef>
                 <a:spcPts val="0"/>
               </a:spcBef>
@@ -8446,7 +8401,7 @@
               <a:buChar char="○"/>
               <a:defRPr/>
             </a:lvl8pPr>
-            <a:lvl9pPr indent="-298450" lvl="8" marL="4114800">
+            <a:lvl9pPr marL="4114800" lvl="8" indent="-298450">
               <a:spcBef>
                 <a:spcPts val="0"/>
               </a:spcBef>
@@ -8458,15 +8413,19 @@
               <a:defRPr/>
             </a:lvl9pPr>
           </a:lstStyle>
-          <a:p/>
+          <a:p>
+            <a:endParaRPr/>
+          </a:p>
         </p:txBody>
       </p:sp>
       <p:sp>
         <p:nvSpPr>
           <p:cNvPr id="98" name="Google Shape;98;p9"/>
-          <p:cNvSpPr txBox="1"/>
+          <p:cNvSpPr txBox="1">
+            <a:spLocks noGrp="1"/>
+          </p:cNvSpPr>
           <p:nvPr>
-            <p:ph idx="12" type="sldNum"/>
+            <p:ph type="sldNum" idx="12"/>
           </p:nvPr>
         </p:nvSpPr>
         <p:spPr>
@@ -8479,7 +8438,7 @@
           </a:prstGeom>
         </p:spPr>
         <p:txBody>
-          <a:bodyPr anchorCtr="0" anchor="ctr" bIns="91425" lIns="91425" spcFirstLastPara="1" rIns="91425" wrap="square" tIns="91425">
+          <a:bodyPr spcFirstLastPara="1" wrap="square" lIns="91425" tIns="91425" rIns="91425" bIns="91425" anchor="ctr" anchorCtr="0">
             <a:normAutofit/>
           </a:bodyPr>
           <a:lstStyle>
@@ -8521,7 +8480,7 @@
             </a:lvl9pPr>
           </a:lstStyle>
           <a:p>
-            <a:pPr indent="0" lvl="0" marL="0" rtl="0" algn="r">
+            <a:pPr marL="0" lvl="0" indent="0" algn="r" rtl="0">
               <a:spcBef>
                 <a:spcPts val="0"/>
               </a:spcBef>
@@ -8547,11 +8506,11 @@
 </file>
 
 <file path=ppt/slideLayouts/slideLayout9.xml><?xml version="1.0" encoding="utf-8"?>
-<p:sldLayout xmlns:a="http://schemas.openxmlformats.org/drawingml/2006/main" xmlns:r="http://schemas.openxmlformats.org/officeDocument/2006/relationships" xmlns:mc="http://schemas.openxmlformats.org/markup-compatibility/2006" xmlns:mv="urn:schemas-microsoft-com:mac:vml" xmlns:p="http://schemas.openxmlformats.org/presentationml/2006/main" xmlns:c="http://schemas.openxmlformats.org/drawingml/2006/chart" xmlns:dgm="http://schemas.openxmlformats.org/drawingml/2006/diagram" xmlns:o="urn:schemas-microsoft-com:office:office" xmlns:v="urn:schemas-microsoft-com:vml" xmlns:pvml="urn:schemas-microsoft-com:office:powerpoint" xmlns:com="http://schemas.openxmlformats.org/drawingml/2006/compatibility" xmlns:p14="http://schemas.microsoft.com/office/powerpoint/2010/main" xmlns:p15="http://schemas.microsoft.com/office/powerpoint/2012/main" xmlns:ahyp="http://schemas.microsoft.com/office/drawing/2018/hyperlinkcolor" matchingName="Caption">
+<p:sldLayout xmlns:a="http://schemas.openxmlformats.org/drawingml/2006/main" xmlns:r="http://schemas.openxmlformats.org/officeDocument/2006/relationships" xmlns:p="http://schemas.openxmlformats.org/presentationml/2006/main" matchingName="Caption">
   <p:cSld name="CAPTION_ONLY">
     <p:spTree>
       <p:nvGrpSpPr>
-        <p:cNvPr id="99" name="Shape 99"/>
+        <p:cNvPr id="1" name="Shape 99"/>
         <p:cNvGrpSpPr/>
         <p:nvPr/>
       </p:nvGrpSpPr>
@@ -8590,7 +8549,7 @@
             </a:xfrm>
             <a:prstGeom prst="diagStripe">
               <a:avLst>
-                <a:gd fmla="val 50000" name="adj"/>
+                <a:gd name="adj" fmla="val 50000"/>
               </a:avLst>
             </a:prstGeom>
             <a:solidFill>
@@ -8603,12 +8562,12 @@
             </a:ln>
           </p:spPr>
           <p:txBody>
-            <a:bodyPr anchorCtr="0" anchor="ctr" bIns="91425" lIns="91425" spcFirstLastPara="1" rIns="91425" wrap="square" tIns="91425">
+            <a:bodyPr spcFirstLastPara="1" wrap="square" lIns="91425" tIns="91425" rIns="91425" bIns="91425" anchor="ctr" anchorCtr="0">
               <a:noAutofit/>
             </a:bodyPr>
             <a:lstStyle/>
             <a:p>
-              <a:pPr indent="0" lvl="0" marL="0" rtl="0" algn="l">
+              <a:pPr marL="0" lvl="0" indent="0" algn="l" rtl="0">
                 <a:spcBef>
                   <a:spcPts val="0"/>
                 </a:spcBef>
@@ -8617,9 +8576,6 @@
                 </a:spcAft>
                 <a:buNone/>
               </a:pPr>
-              <a:r>
-                <a:t/>
-              </a:r>
               <a:endParaRPr/>
             </a:p>
           </p:txBody>
@@ -8637,7 +8593,7 @@
             </a:xfrm>
             <a:prstGeom prst="diagStripe">
               <a:avLst>
-                <a:gd fmla="val 50000" name="adj"/>
+                <a:gd name="adj" fmla="val 50000"/>
               </a:avLst>
             </a:prstGeom>
             <a:solidFill>
@@ -8650,12 +8606,12 @@
             </a:ln>
           </p:spPr>
           <p:txBody>
-            <a:bodyPr anchorCtr="0" anchor="ctr" bIns="91425" lIns="91425" spcFirstLastPara="1" rIns="91425" wrap="square" tIns="91425">
+            <a:bodyPr spcFirstLastPara="1" wrap="square" lIns="91425" tIns="91425" rIns="91425" bIns="91425" anchor="ctr" anchorCtr="0">
               <a:noAutofit/>
             </a:bodyPr>
             <a:lstStyle/>
             <a:p>
-              <a:pPr indent="0" lvl="0" marL="0" rtl="0" algn="l">
+              <a:pPr marL="0" lvl="0" indent="0" algn="l" rtl="0">
                 <a:spcBef>
                   <a:spcPts val="0"/>
                 </a:spcBef>
@@ -8664,9 +8620,6 @@
                 </a:spcAft>
                 <a:buNone/>
               </a:pPr>
-              <a:r>
-                <a:t/>
-              </a:r>
               <a:endParaRPr/>
             </a:p>
           </p:txBody>
@@ -8675,9 +8628,11 @@
       <p:sp>
         <p:nvSpPr>
           <p:cNvPr id="103" name="Google Shape;103;p10"/>
-          <p:cNvSpPr txBox="1"/>
+          <p:cNvSpPr txBox="1">
+            <a:spLocks noGrp="1"/>
+          </p:cNvSpPr>
           <p:nvPr>
-            <p:ph idx="1" type="body"/>
+            <p:ph type="body" idx="1"/>
           </p:nvPr>
         </p:nvSpPr>
         <p:spPr>
@@ -8690,11 +8645,11 @@
           </a:prstGeom>
         </p:spPr>
         <p:txBody>
-          <a:bodyPr anchorCtr="0" anchor="ctr" bIns="91425" lIns="91425" spcFirstLastPara="1" rIns="91425" wrap="square" tIns="91425">
+          <a:bodyPr spcFirstLastPara="1" wrap="square" lIns="91425" tIns="91425" rIns="91425" bIns="91425" anchor="ctr" anchorCtr="0">
             <a:normAutofit/>
           </a:bodyPr>
           <a:lstStyle>
-            <a:lvl1pPr indent="-228600" lvl="0" marL="457200">
+            <a:lvl1pPr marL="457200" lvl="0" indent="-228600">
               <a:lnSpc>
                 <a:spcPct val="100000"/>
               </a:lnSpc>
@@ -8709,15 +8664,19 @@
               <a:defRPr/>
             </a:lvl1pPr>
           </a:lstStyle>
-          <a:p/>
+          <a:p>
+            <a:endParaRPr/>
+          </a:p>
         </p:txBody>
       </p:sp>
       <p:sp>
         <p:nvSpPr>
           <p:cNvPr id="104" name="Google Shape;104;p10"/>
-          <p:cNvSpPr txBox="1"/>
+          <p:cNvSpPr txBox="1">
+            <a:spLocks noGrp="1"/>
+          </p:cNvSpPr>
           <p:nvPr>
-            <p:ph idx="12" type="sldNum"/>
+            <p:ph type="sldNum" idx="12"/>
           </p:nvPr>
         </p:nvSpPr>
         <p:spPr>
@@ -8730,7 +8689,7 @@
           </a:prstGeom>
         </p:spPr>
         <p:txBody>
-          <a:bodyPr anchorCtr="0" anchor="ctr" bIns="91425" lIns="91425" spcFirstLastPara="1" rIns="91425" wrap="square" tIns="91425">
+          <a:bodyPr spcFirstLastPara="1" wrap="square" lIns="91425" tIns="91425" rIns="91425" bIns="91425" anchor="ctr" anchorCtr="0">
             <a:normAutofit/>
           </a:bodyPr>
           <a:lstStyle>
@@ -8772,7 +8731,7 @@
             </a:lvl9pPr>
           </a:lstStyle>
           <a:p>
-            <a:pPr indent="0" lvl="0" marL="0" rtl="0" algn="r">
+            <a:pPr marL="0" lvl="0" indent="0" algn="r" rtl="0">
               <a:spcBef>
                 <a:spcPts val="0"/>
               </a:spcBef>
@@ -8798,18 +8757,19 @@
 </file>
 
 <file path=ppt/slideMasters/slideMaster1.xml><?xml version="1.0" encoding="utf-8"?>
-<p:sldMaster xmlns:a="http://schemas.openxmlformats.org/drawingml/2006/main" xmlns:r="http://schemas.openxmlformats.org/officeDocument/2006/relationships" xmlns:mc="http://schemas.openxmlformats.org/markup-compatibility/2006" xmlns:mv="urn:schemas-microsoft-com:mac:vml" xmlns:p="http://schemas.openxmlformats.org/presentationml/2006/main" xmlns:c="http://schemas.openxmlformats.org/drawingml/2006/chart" xmlns:dgm="http://schemas.openxmlformats.org/drawingml/2006/diagram" xmlns:o="urn:schemas-microsoft-com:office:office" xmlns:v="urn:schemas-microsoft-com:vml" xmlns:pvml="urn:schemas-microsoft-com:office:powerpoint" xmlns:com="http://schemas.openxmlformats.org/drawingml/2006/compatibility" xmlns:p14="http://schemas.microsoft.com/office/powerpoint/2010/main" xmlns:p15="http://schemas.microsoft.com/office/powerpoint/2012/main" xmlns:ahyp="http://schemas.microsoft.com/office/drawing/2018/hyperlinkcolor">
+<p:sldMaster xmlns:a="http://schemas.openxmlformats.org/drawingml/2006/main" xmlns:r="http://schemas.openxmlformats.org/officeDocument/2006/relationships" xmlns:p="http://schemas.openxmlformats.org/presentationml/2006/main">
   <p:cSld name="focus">
     <p:bg>
       <p:bgPr>
         <a:solidFill>
           <a:schemeClr val="dk1"/>
         </a:solidFill>
+        <a:effectLst/>
       </p:bgPr>
     </p:bg>
     <p:spTree>
       <p:nvGrpSpPr>
-        <p:cNvPr id="5" name="Shape 5"/>
+        <p:cNvPr id="1" name="Shape 5"/>
         <p:cNvGrpSpPr/>
         <p:nvPr/>
       </p:nvGrpSpPr>
@@ -8824,7 +8784,9 @@
       <p:sp>
         <p:nvSpPr>
           <p:cNvPr id="6" name="Google Shape;6;p1"/>
-          <p:cNvSpPr txBox="1"/>
+          <p:cNvSpPr txBox="1">
+            <a:spLocks noGrp="1"/>
+          </p:cNvSpPr>
           <p:nvPr>
             <p:ph type="title"/>
           </p:nvPr>
@@ -8843,7 +8805,7 @@
           </a:ln>
         </p:spPr>
         <p:txBody>
-          <a:bodyPr anchorCtr="0" anchor="t" bIns="91425" lIns="91425" spcFirstLastPara="1" rIns="91425" wrap="square" tIns="91425">
+          <a:bodyPr spcFirstLastPara="1" wrap="square" lIns="91425" tIns="91425" rIns="91425" bIns="91425" anchor="t" anchorCtr="0">
             <a:normAutofit/>
           </a:bodyPr>
           <a:lstStyle>
@@ -9055,15 +9017,19 @@
               </a:defRPr>
             </a:lvl9pPr>
           </a:lstStyle>
-          <a:p/>
+          <a:p>
+            <a:endParaRPr/>
+          </a:p>
         </p:txBody>
       </p:sp>
       <p:sp>
         <p:nvSpPr>
           <p:cNvPr id="7" name="Google Shape;7;p1"/>
-          <p:cNvSpPr txBox="1"/>
+          <p:cNvSpPr txBox="1">
+            <a:spLocks noGrp="1"/>
+          </p:cNvSpPr>
           <p:nvPr>
-            <p:ph idx="1" type="body"/>
+            <p:ph type="body" idx="1"/>
           </p:nvPr>
         </p:nvSpPr>
         <p:spPr>
@@ -9080,11 +9046,11 @@
           </a:ln>
         </p:spPr>
         <p:txBody>
-          <a:bodyPr anchorCtr="0" anchor="t" bIns="91425" lIns="91425" spcFirstLastPara="1" rIns="91425" wrap="square" tIns="91425">
+          <a:bodyPr spcFirstLastPara="1" wrap="square" lIns="91425" tIns="91425" rIns="91425" bIns="91425" anchor="t" anchorCtr="0">
             <a:normAutofit/>
           </a:bodyPr>
           <a:lstStyle>
-            <a:lvl1pPr indent="-311150" lvl="0" marL="457200">
+            <a:lvl1pPr marL="457200" lvl="0" indent="-311150">
               <a:lnSpc>
                 <a:spcPct val="115000"/>
               </a:lnSpc>
@@ -9110,7 +9076,7 @@
                 <a:sym typeface="Lato"/>
               </a:defRPr>
             </a:lvl1pPr>
-            <a:lvl2pPr indent="-298450" lvl="1" marL="914400">
+            <a:lvl2pPr marL="914400" lvl="1" indent="-298450">
               <a:lnSpc>
                 <a:spcPct val="115000"/>
               </a:lnSpc>
@@ -9136,7 +9102,7 @@
                 <a:sym typeface="Lato"/>
               </a:defRPr>
             </a:lvl2pPr>
-            <a:lvl3pPr indent="-298450" lvl="2" marL="1371600">
+            <a:lvl3pPr marL="1371600" lvl="2" indent="-298450">
               <a:lnSpc>
                 <a:spcPct val="115000"/>
               </a:lnSpc>
@@ -9162,7 +9128,7 @@
                 <a:sym typeface="Lato"/>
               </a:defRPr>
             </a:lvl3pPr>
-            <a:lvl4pPr indent="-298450" lvl="3" marL="1828800">
+            <a:lvl4pPr marL="1828800" lvl="3" indent="-298450">
               <a:lnSpc>
                 <a:spcPct val="115000"/>
               </a:lnSpc>
@@ -9188,7 +9154,7 @@
                 <a:sym typeface="Lato"/>
               </a:defRPr>
             </a:lvl4pPr>
-            <a:lvl5pPr indent="-298450" lvl="4" marL="2286000">
+            <a:lvl5pPr marL="2286000" lvl="4" indent="-298450">
               <a:lnSpc>
                 <a:spcPct val="115000"/>
               </a:lnSpc>
@@ -9214,7 +9180,7 @@
                 <a:sym typeface="Lato"/>
               </a:defRPr>
             </a:lvl5pPr>
-            <a:lvl6pPr indent="-298450" lvl="5" marL="2743200">
+            <a:lvl6pPr marL="2743200" lvl="5" indent="-298450">
               <a:lnSpc>
                 <a:spcPct val="115000"/>
               </a:lnSpc>
@@ -9240,7 +9206,7 @@
                 <a:sym typeface="Lato"/>
               </a:defRPr>
             </a:lvl6pPr>
-            <a:lvl7pPr indent="-298450" lvl="6" marL="3200400">
+            <a:lvl7pPr marL="3200400" lvl="6" indent="-298450">
               <a:lnSpc>
                 <a:spcPct val="115000"/>
               </a:lnSpc>
@@ -9266,7 +9232,7 @@
                 <a:sym typeface="Lato"/>
               </a:defRPr>
             </a:lvl7pPr>
-            <a:lvl8pPr indent="-298450" lvl="7" marL="3657600">
+            <a:lvl8pPr marL="3657600" lvl="7" indent="-298450">
               <a:lnSpc>
                 <a:spcPct val="115000"/>
               </a:lnSpc>
@@ -9292,7 +9258,7 @@
                 <a:sym typeface="Lato"/>
               </a:defRPr>
             </a:lvl8pPr>
-            <a:lvl9pPr indent="-298450" lvl="8" marL="4114800">
+            <a:lvl9pPr marL="4114800" lvl="8" indent="-298450">
               <a:lnSpc>
                 <a:spcPct val="115000"/>
               </a:lnSpc>
@@ -9319,15 +9285,19 @@
               </a:defRPr>
             </a:lvl9pPr>
           </a:lstStyle>
-          <a:p/>
+          <a:p>
+            <a:endParaRPr/>
+          </a:p>
         </p:txBody>
       </p:sp>
       <p:sp>
         <p:nvSpPr>
           <p:cNvPr id="8" name="Google Shape;8;p1"/>
-          <p:cNvSpPr txBox="1"/>
+          <p:cNvSpPr txBox="1">
+            <a:spLocks noGrp="1"/>
+          </p:cNvSpPr>
           <p:nvPr>
-            <p:ph idx="12" type="sldNum"/>
+            <p:ph type="sldNum" idx="12"/>
           </p:nvPr>
         </p:nvSpPr>
         <p:spPr>
@@ -9344,7 +9314,7 @@
           </a:ln>
         </p:spPr>
         <p:txBody>
-          <a:bodyPr anchorCtr="0" anchor="ctr" bIns="91425" lIns="91425" spcFirstLastPara="1" rIns="91425" wrap="square" tIns="91425">
+          <a:bodyPr spcFirstLastPara="1" wrap="square" lIns="91425" tIns="91425" rIns="91425" bIns="91425" anchor="ctr" anchorCtr="0">
             <a:normAutofit/>
           </a:bodyPr>
           <a:lstStyle>
@@ -9458,7 +9428,7 @@
             </a:lvl9pPr>
           </a:lstStyle>
           <a:p>
-            <a:pPr indent="0" lvl="0" marL="0" rtl="0" algn="r">
+            <a:pPr marL="0" lvl="0" indent="0" algn="r" rtl="0">
               <a:spcBef>
                 <a:spcPts val="0"/>
               </a:spcBef>
@@ -9477,7 +9447,7 @@
       </p:sp>
     </p:spTree>
   </p:cSld>
-  <p:clrMap accent1="accent1" accent2="accent2" accent3="accent3" accent4="accent4" accent5="accent5" accent6="accent6" bg1="lt1" bg2="dk2" tx1="dk1" tx2="lt2" folHlink="folHlink" hlink="hlink"/>
+  <p:clrMap bg1="lt1" tx1="dk1" bg2="dk2" tx2="lt2" accent1="accent1" accent2="accent2" accent3="accent3" accent4="accent4" accent5="accent5" accent6="accent6" hlink="hlink" folHlink="folHlink"/>
   <p:sldLayoutIdLst>
     <p:sldLayoutId id="2147483648" r:id="rId1"/>
     <p:sldLayoutId id="2147483649" r:id="rId2"/>
@@ -9491,10 +9461,10 @@
     <p:sldLayoutId id="2147483657" r:id="rId10"/>
     <p:sldLayoutId id="2147483658" r:id="rId11"/>
   </p:sldLayoutIdLst>
-  <p:hf dt="0" ftr="0" hdr="0" sldNum="0"/>
+  <p:hf sldNum="0" hdr="0" ftr="0" dt="0"/>
   <p:txStyles>
     <p:titleStyle>
-      <a:defPPr lvl="0" marR="0" rtl="0" algn="l">
+      <a:defPPr marR="0" lvl="0" algn="l" rtl="0">
         <a:lnSpc>
           <a:spcPct val="100000"/>
         </a:lnSpc>
@@ -9505,7 +9475,7 @@
           <a:spcPts val="0"/>
         </a:spcAft>
       </a:defPPr>
-      <a:lvl1pPr lvl="0" marR="0" rtl="0" algn="l">
+      <a:lvl1pPr marR="0" lvl="0" algn="l" rtl="0">
         <a:lnSpc>
           <a:spcPct val="100000"/>
         </a:lnSpc>
@@ -9519,7 +9489,7 @@
           <a:srgbClr val="000000"/>
         </a:buClr>
         <a:buFont typeface="Arial"/>
-        <a:defRPr b="0" i="0" sz="1400" u="none" cap="none" strike="noStrike">
+        <a:defRPr sz="1400" b="0" i="0" u="none" strike="noStrike" cap="none">
           <a:solidFill>
             <a:srgbClr val="000000"/>
           </a:solidFill>
@@ -9529,7 +9499,7 @@
           <a:sym typeface="Arial"/>
         </a:defRPr>
       </a:lvl1pPr>
-      <a:lvl2pPr lvl="1" marR="0" rtl="0" algn="l">
+      <a:lvl2pPr marR="0" lvl="1" algn="l" rtl="0">
         <a:lnSpc>
           <a:spcPct val="100000"/>
         </a:lnSpc>
@@ -9543,7 +9513,7 @@
           <a:srgbClr val="000000"/>
         </a:buClr>
         <a:buFont typeface="Arial"/>
-        <a:defRPr b="0" i="0" sz="1400" u="none" cap="none" strike="noStrike">
+        <a:defRPr sz="1400" b="0" i="0" u="none" strike="noStrike" cap="none">
           <a:solidFill>
             <a:srgbClr val="000000"/>
           </a:solidFill>
@@ -9553,7 +9523,7 @@
           <a:sym typeface="Arial"/>
         </a:defRPr>
       </a:lvl2pPr>
-      <a:lvl3pPr lvl="2" marR="0" rtl="0" algn="l">
+      <a:lvl3pPr marR="0" lvl="2" algn="l" rtl="0">
         <a:lnSpc>
           <a:spcPct val="100000"/>
         </a:lnSpc>
@@ -9567,7 +9537,7 @@
           <a:srgbClr val="000000"/>
         </a:buClr>
         <a:buFont typeface="Arial"/>
-        <a:defRPr b="0" i="0" sz="1400" u="none" cap="none" strike="noStrike">
+        <a:defRPr sz="1400" b="0" i="0" u="none" strike="noStrike" cap="none">
           <a:solidFill>
             <a:srgbClr val="000000"/>
           </a:solidFill>
@@ -9577,7 +9547,7 @@
           <a:sym typeface="Arial"/>
         </a:defRPr>
       </a:lvl3pPr>
-      <a:lvl4pPr lvl="3" marR="0" rtl="0" algn="l">
+      <a:lvl4pPr marR="0" lvl="3" algn="l" rtl="0">
         <a:lnSpc>
           <a:spcPct val="100000"/>
         </a:lnSpc>
@@ -9591,7 +9561,7 @@
           <a:srgbClr val="000000"/>
         </a:buClr>
         <a:buFont typeface="Arial"/>
-        <a:defRPr b="0" i="0" sz="1400" u="none" cap="none" strike="noStrike">
+        <a:defRPr sz="1400" b="0" i="0" u="none" strike="noStrike" cap="none">
           <a:solidFill>
             <a:srgbClr val="000000"/>
           </a:solidFill>
@@ -9601,7 +9571,7 @@
           <a:sym typeface="Arial"/>
         </a:defRPr>
       </a:lvl4pPr>
-      <a:lvl5pPr lvl="4" marR="0" rtl="0" algn="l">
+      <a:lvl5pPr marR="0" lvl="4" algn="l" rtl="0">
         <a:lnSpc>
           <a:spcPct val="100000"/>
         </a:lnSpc>
@@ -9615,7 +9585,7 @@
           <a:srgbClr val="000000"/>
         </a:buClr>
         <a:buFont typeface="Arial"/>
-        <a:defRPr b="0" i="0" sz="1400" u="none" cap="none" strike="noStrike">
+        <a:defRPr sz="1400" b="0" i="0" u="none" strike="noStrike" cap="none">
           <a:solidFill>
             <a:srgbClr val="000000"/>
           </a:solidFill>
@@ -9625,7 +9595,7 @@
           <a:sym typeface="Arial"/>
         </a:defRPr>
       </a:lvl5pPr>
-      <a:lvl6pPr lvl="5" marR="0" rtl="0" algn="l">
+      <a:lvl6pPr marR="0" lvl="5" algn="l" rtl="0">
         <a:lnSpc>
           <a:spcPct val="100000"/>
         </a:lnSpc>
@@ -9639,7 +9609,7 @@
           <a:srgbClr val="000000"/>
         </a:buClr>
         <a:buFont typeface="Arial"/>
-        <a:defRPr b="0" i="0" sz="1400" u="none" cap="none" strike="noStrike">
+        <a:defRPr sz="1400" b="0" i="0" u="none" strike="noStrike" cap="none">
           <a:solidFill>
             <a:srgbClr val="000000"/>
           </a:solidFill>
@@ -9649,7 +9619,7 @@
           <a:sym typeface="Arial"/>
         </a:defRPr>
       </a:lvl6pPr>
-      <a:lvl7pPr lvl="6" marR="0" rtl="0" algn="l">
+      <a:lvl7pPr marR="0" lvl="6" algn="l" rtl="0">
         <a:lnSpc>
           <a:spcPct val="100000"/>
         </a:lnSpc>
@@ -9663,7 +9633,7 @@
           <a:srgbClr val="000000"/>
         </a:buClr>
         <a:buFont typeface="Arial"/>
-        <a:defRPr b="0" i="0" sz="1400" u="none" cap="none" strike="noStrike">
+        <a:defRPr sz="1400" b="0" i="0" u="none" strike="noStrike" cap="none">
           <a:solidFill>
             <a:srgbClr val="000000"/>
           </a:solidFill>
@@ -9673,7 +9643,7 @@
           <a:sym typeface="Arial"/>
         </a:defRPr>
       </a:lvl7pPr>
-      <a:lvl8pPr lvl="7" marR="0" rtl="0" algn="l">
+      <a:lvl8pPr marR="0" lvl="7" algn="l" rtl="0">
         <a:lnSpc>
           <a:spcPct val="100000"/>
         </a:lnSpc>
@@ -9687,7 +9657,7 @@
           <a:srgbClr val="000000"/>
         </a:buClr>
         <a:buFont typeface="Arial"/>
-        <a:defRPr b="0" i="0" sz="1400" u="none" cap="none" strike="noStrike">
+        <a:defRPr sz="1400" b="0" i="0" u="none" strike="noStrike" cap="none">
           <a:solidFill>
             <a:srgbClr val="000000"/>
           </a:solidFill>
@@ -9697,7 +9667,7 @@
           <a:sym typeface="Arial"/>
         </a:defRPr>
       </a:lvl8pPr>
-      <a:lvl9pPr lvl="8" marR="0" rtl="0" algn="l">
+      <a:lvl9pPr marR="0" lvl="8" algn="l" rtl="0">
         <a:lnSpc>
           <a:spcPct val="100000"/>
         </a:lnSpc>
@@ -9711,7 +9681,7 @@
           <a:srgbClr val="000000"/>
         </a:buClr>
         <a:buFont typeface="Arial"/>
-        <a:defRPr b="0" i="0" sz="1400" u="none" cap="none" strike="noStrike">
+        <a:defRPr sz="1400" b="0" i="0" u="none" strike="noStrike" cap="none">
           <a:solidFill>
             <a:srgbClr val="000000"/>
           </a:solidFill>
@@ -9723,7 +9693,7 @@
       </a:lvl9pPr>
     </p:titleStyle>
     <p:bodyStyle>
-      <a:defPPr lvl="0" marR="0" rtl="0" algn="l">
+      <a:defPPr marR="0" lvl="0" algn="l" rtl="0">
         <a:lnSpc>
           <a:spcPct val="100000"/>
         </a:lnSpc>
@@ -9734,7 +9704,7 @@
           <a:spcPts val="0"/>
         </a:spcAft>
       </a:defPPr>
-      <a:lvl1pPr lvl="0" marR="0" rtl="0" algn="l">
+      <a:lvl1pPr marR="0" lvl="0" algn="l" rtl="0">
         <a:lnSpc>
           <a:spcPct val="100000"/>
         </a:lnSpc>
@@ -9748,7 +9718,7 @@
           <a:srgbClr val="000000"/>
         </a:buClr>
         <a:buFont typeface="Arial"/>
-        <a:defRPr b="0" i="0" sz="1400" u="none" cap="none" strike="noStrike">
+        <a:defRPr sz="1400" b="0" i="0" u="none" strike="noStrike" cap="none">
           <a:solidFill>
             <a:srgbClr val="000000"/>
           </a:solidFill>
@@ -9758,7 +9728,7 @@
           <a:sym typeface="Arial"/>
         </a:defRPr>
       </a:lvl1pPr>
-      <a:lvl2pPr lvl="1" marR="0" rtl="0" algn="l">
+      <a:lvl2pPr marR="0" lvl="1" algn="l" rtl="0">
         <a:lnSpc>
           <a:spcPct val="100000"/>
         </a:lnSpc>
@@ -9772,7 +9742,7 @@
           <a:srgbClr val="000000"/>
         </a:buClr>
         <a:buFont typeface="Arial"/>
-        <a:defRPr b="0" i="0" sz="1400" u="none" cap="none" strike="noStrike">
+        <a:defRPr sz="1400" b="0" i="0" u="none" strike="noStrike" cap="none">
           <a:solidFill>
             <a:srgbClr val="000000"/>
           </a:solidFill>
@@ -9782,7 +9752,7 @@
           <a:sym typeface="Arial"/>
         </a:defRPr>
       </a:lvl2pPr>
-      <a:lvl3pPr lvl="2" marR="0" rtl="0" algn="l">
+      <a:lvl3pPr marR="0" lvl="2" algn="l" rtl="0">
         <a:lnSpc>
           <a:spcPct val="100000"/>
         </a:lnSpc>
@@ -9796,7 +9766,7 @@
           <a:srgbClr val="000000"/>
         </a:buClr>
         <a:buFont typeface="Arial"/>
-        <a:defRPr b="0" i="0" sz="1400" u="none" cap="none" strike="noStrike">
+        <a:defRPr sz="1400" b="0" i="0" u="none" strike="noStrike" cap="none">
           <a:solidFill>
             <a:srgbClr val="000000"/>
           </a:solidFill>
@@ -9806,7 +9776,7 @@
           <a:sym typeface="Arial"/>
         </a:defRPr>
       </a:lvl3pPr>
-      <a:lvl4pPr lvl="3" marR="0" rtl="0" algn="l">
+      <a:lvl4pPr marR="0" lvl="3" algn="l" rtl="0">
         <a:lnSpc>
           <a:spcPct val="100000"/>
         </a:lnSpc>
@@ -9820,7 +9790,7 @@
           <a:srgbClr val="000000"/>
         </a:buClr>
         <a:buFont typeface="Arial"/>
-        <a:defRPr b="0" i="0" sz="1400" u="none" cap="none" strike="noStrike">
+        <a:defRPr sz="1400" b="0" i="0" u="none" strike="noStrike" cap="none">
           <a:solidFill>
             <a:srgbClr val="000000"/>
           </a:solidFill>
@@ -9830,7 +9800,7 @@
           <a:sym typeface="Arial"/>
         </a:defRPr>
       </a:lvl4pPr>
-      <a:lvl5pPr lvl="4" marR="0" rtl="0" algn="l">
+      <a:lvl5pPr marR="0" lvl="4" algn="l" rtl="0">
         <a:lnSpc>
           <a:spcPct val="100000"/>
         </a:lnSpc>
@@ -9844,7 +9814,7 @@
           <a:srgbClr val="000000"/>
         </a:buClr>
         <a:buFont typeface="Arial"/>
-        <a:defRPr b="0" i="0" sz="1400" u="none" cap="none" strike="noStrike">
+        <a:defRPr sz="1400" b="0" i="0" u="none" strike="noStrike" cap="none">
           <a:solidFill>
             <a:srgbClr val="000000"/>
           </a:solidFill>
@@ -9854,7 +9824,7 @@
           <a:sym typeface="Arial"/>
         </a:defRPr>
       </a:lvl5pPr>
-      <a:lvl6pPr lvl="5" marR="0" rtl="0" algn="l">
+      <a:lvl6pPr marR="0" lvl="5" algn="l" rtl="0">
         <a:lnSpc>
           <a:spcPct val="100000"/>
         </a:lnSpc>
@@ -9868,7 +9838,7 @@
           <a:srgbClr val="000000"/>
         </a:buClr>
         <a:buFont typeface="Arial"/>
-        <a:defRPr b="0" i="0" sz="1400" u="none" cap="none" strike="noStrike">
+        <a:defRPr sz="1400" b="0" i="0" u="none" strike="noStrike" cap="none">
           <a:solidFill>
             <a:srgbClr val="000000"/>
           </a:solidFill>
@@ -9878,7 +9848,7 @@
           <a:sym typeface="Arial"/>
         </a:defRPr>
       </a:lvl6pPr>
-      <a:lvl7pPr lvl="6" marR="0" rtl="0" algn="l">
+      <a:lvl7pPr marR="0" lvl="6" algn="l" rtl="0">
         <a:lnSpc>
           <a:spcPct val="100000"/>
         </a:lnSpc>
@@ -9892,7 +9862,7 @@
           <a:srgbClr val="000000"/>
         </a:buClr>
         <a:buFont typeface="Arial"/>
-        <a:defRPr b="0" i="0" sz="1400" u="none" cap="none" strike="noStrike">
+        <a:defRPr sz="1400" b="0" i="0" u="none" strike="noStrike" cap="none">
           <a:solidFill>
             <a:srgbClr val="000000"/>
           </a:solidFill>
@@ -9902,7 +9872,7 @@
           <a:sym typeface="Arial"/>
         </a:defRPr>
       </a:lvl7pPr>
-      <a:lvl8pPr lvl="7" marR="0" rtl="0" algn="l">
+      <a:lvl8pPr marR="0" lvl="7" algn="l" rtl="0">
         <a:lnSpc>
           <a:spcPct val="100000"/>
         </a:lnSpc>
@@ -9916,7 +9886,7 @@
           <a:srgbClr val="000000"/>
         </a:buClr>
         <a:buFont typeface="Arial"/>
-        <a:defRPr b="0" i="0" sz="1400" u="none" cap="none" strike="noStrike">
+        <a:defRPr sz="1400" b="0" i="0" u="none" strike="noStrike" cap="none">
           <a:solidFill>
             <a:srgbClr val="000000"/>
           </a:solidFill>
@@ -9926,7 +9896,7 @@
           <a:sym typeface="Arial"/>
         </a:defRPr>
       </a:lvl8pPr>
-      <a:lvl9pPr lvl="8" marR="0" rtl="0" algn="l">
+      <a:lvl9pPr marR="0" lvl="8" algn="l" rtl="0">
         <a:lnSpc>
           <a:spcPct val="100000"/>
         </a:lnSpc>
@@ -9940,7 +9910,7 @@
           <a:srgbClr val="000000"/>
         </a:buClr>
         <a:buFont typeface="Arial"/>
-        <a:defRPr b="0" i="0" sz="1400" u="none" cap="none" strike="noStrike">
+        <a:defRPr sz="1400" b="0" i="0" u="none" strike="noStrike" cap="none">
           <a:solidFill>
             <a:srgbClr val="000000"/>
           </a:solidFill>
@@ -9952,7 +9922,7 @@
       </a:lvl9pPr>
     </p:bodyStyle>
     <p:otherStyle>
-      <a:defPPr lvl="0" marR="0" rtl="0" algn="l">
+      <a:defPPr marR="0" lvl="0" algn="l" rtl="0">
         <a:lnSpc>
           <a:spcPct val="100000"/>
         </a:lnSpc>
@@ -9963,7 +9933,7 @@
           <a:spcPts val="0"/>
         </a:spcAft>
       </a:defPPr>
-      <a:lvl1pPr lvl="0" marR="0" rtl="0" algn="l">
+      <a:lvl1pPr marR="0" lvl="0" algn="l" rtl="0">
         <a:lnSpc>
           <a:spcPct val="100000"/>
         </a:lnSpc>
@@ -9977,7 +9947,7 @@
           <a:srgbClr val="000000"/>
         </a:buClr>
         <a:buFont typeface="Arial"/>
-        <a:defRPr b="0" i="0" sz="1400" u="none" cap="none" strike="noStrike">
+        <a:defRPr sz="1400" b="0" i="0" u="none" strike="noStrike" cap="none">
           <a:solidFill>
             <a:srgbClr val="000000"/>
           </a:solidFill>
@@ -9987,7 +9957,7 @@
           <a:sym typeface="Arial"/>
         </a:defRPr>
       </a:lvl1pPr>
-      <a:lvl2pPr lvl="1" marR="0" rtl="0" algn="l">
+      <a:lvl2pPr marR="0" lvl="1" algn="l" rtl="0">
         <a:lnSpc>
           <a:spcPct val="100000"/>
         </a:lnSpc>
@@ -10001,7 +9971,7 @@
           <a:srgbClr val="000000"/>
         </a:buClr>
         <a:buFont typeface="Arial"/>
-        <a:defRPr b="0" i="0" sz="1400" u="none" cap="none" strike="noStrike">
+        <a:defRPr sz="1400" b="0" i="0" u="none" strike="noStrike" cap="none">
           <a:solidFill>
             <a:srgbClr val="000000"/>
           </a:solidFill>
@@ -10011,7 +9981,7 @@
           <a:sym typeface="Arial"/>
         </a:defRPr>
       </a:lvl2pPr>
-      <a:lvl3pPr lvl="2" marR="0" rtl="0" algn="l">
+      <a:lvl3pPr marR="0" lvl="2" algn="l" rtl="0">
         <a:lnSpc>
           <a:spcPct val="100000"/>
         </a:lnSpc>
@@ -10025,7 +9995,7 @@
           <a:srgbClr val="000000"/>
         </a:buClr>
         <a:buFont typeface="Arial"/>
-        <a:defRPr b="0" i="0" sz="1400" u="none" cap="none" strike="noStrike">
+        <a:defRPr sz="1400" b="0" i="0" u="none" strike="noStrike" cap="none">
           <a:solidFill>
             <a:srgbClr val="000000"/>
           </a:solidFill>
@@ -10035,7 +10005,7 @@
           <a:sym typeface="Arial"/>
         </a:defRPr>
       </a:lvl3pPr>
-      <a:lvl4pPr lvl="3" marR="0" rtl="0" algn="l">
+      <a:lvl4pPr marR="0" lvl="3" algn="l" rtl="0">
         <a:lnSpc>
           <a:spcPct val="100000"/>
         </a:lnSpc>
@@ -10049,7 +10019,7 @@
           <a:srgbClr val="000000"/>
         </a:buClr>
         <a:buFont typeface="Arial"/>
-        <a:defRPr b="0" i="0" sz="1400" u="none" cap="none" strike="noStrike">
+        <a:defRPr sz="1400" b="0" i="0" u="none" strike="noStrike" cap="none">
           <a:solidFill>
             <a:srgbClr val="000000"/>
           </a:solidFill>
@@ -10059,7 +10029,7 @@
           <a:sym typeface="Arial"/>
         </a:defRPr>
       </a:lvl4pPr>
-      <a:lvl5pPr lvl="4" marR="0" rtl="0" algn="l">
+      <a:lvl5pPr marR="0" lvl="4" algn="l" rtl="0">
         <a:lnSpc>
           <a:spcPct val="100000"/>
         </a:lnSpc>
@@ -10073,7 +10043,7 @@
           <a:srgbClr val="000000"/>
         </a:buClr>
         <a:buFont typeface="Arial"/>
-        <a:defRPr b="0" i="0" sz="1400" u="none" cap="none" strike="noStrike">
+        <a:defRPr sz="1400" b="0" i="0" u="none" strike="noStrike" cap="none">
           <a:solidFill>
             <a:srgbClr val="000000"/>
           </a:solidFill>
@@ -10083,7 +10053,7 @@
           <a:sym typeface="Arial"/>
         </a:defRPr>
       </a:lvl5pPr>
-      <a:lvl6pPr lvl="5" marR="0" rtl="0" algn="l">
+      <a:lvl6pPr marR="0" lvl="5" algn="l" rtl="0">
         <a:lnSpc>
           <a:spcPct val="100000"/>
         </a:lnSpc>
@@ -10097,7 +10067,7 @@
           <a:srgbClr val="000000"/>
         </a:buClr>
         <a:buFont typeface="Arial"/>
-        <a:defRPr b="0" i="0" sz="1400" u="none" cap="none" strike="noStrike">
+        <a:defRPr sz="1400" b="0" i="0" u="none" strike="noStrike" cap="none">
           <a:solidFill>
             <a:srgbClr val="000000"/>
           </a:solidFill>
@@ -10107,7 +10077,7 @@
           <a:sym typeface="Arial"/>
         </a:defRPr>
       </a:lvl6pPr>
-      <a:lvl7pPr lvl="6" marR="0" rtl="0" algn="l">
+      <a:lvl7pPr marR="0" lvl="6" algn="l" rtl="0">
         <a:lnSpc>
           <a:spcPct val="100000"/>
         </a:lnSpc>
@@ -10121,7 +10091,7 @@
           <a:srgbClr val="000000"/>
         </a:buClr>
         <a:buFont typeface="Arial"/>
-        <a:defRPr b="0" i="0" sz="1400" u="none" cap="none" strike="noStrike">
+        <a:defRPr sz="1400" b="0" i="0" u="none" strike="noStrike" cap="none">
           <a:solidFill>
             <a:srgbClr val="000000"/>
           </a:solidFill>
@@ -10131,7 +10101,7 @@
           <a:sym typeface="Arial"/>
         </a:defRPr>
       </a:lvl7pPr>
-      <a:lvl8pPr lvl="7" marR="0" rtl="0" algn="l">
+      <a:lvl8pPr marR="0" lvl="7" algn="l" rtl="0">
         <a:lnSpc>
           <a:spcPct val="100000"/>
         </a:lnSpc>
@@ -10145,7 +10115,7 @@
           <a:srgbClr val="000000"/>
         </a:buClr>
         <a:buFont typeface="Arial"/>
-        <a:defRPr b="0" i="0" sz="1400" u="none" cap="none" strike="noStrike">
+        <a:defRPr sz="1400" b="0" i="0" u="none" strike="noStrike" cap="none">
           <a:solidFill>
             <a:srgbClr val="000000"/>
           </a:solidFill>
@@ -10155,7 +10125,7 @@
           <a:sym typeface="Arial"/>
         </a:defRPr>
       </a:lvl8pPr>
-      <a:lvl9pPr lvl="8" marR="0" rtl="0" algn="l">
+      <a:lvl9pPr marR="0" lvl="8" algn="l" rtl="0">
         <a:lnSpc>
           <a:spcPct val="100000"/>
         </a:lnSpc>
@@ -10169,7 +10139,7 @@
           <a:srgbClr val="000000"/>
         </a:buClr>
         <a:buFont typeface="Arial"/>
-        <a:defRPr b="0" i="0" sz="1400" u="none" cap="none" strike="noStrike">
+        <a:defRPr sz="1400" b="0" i="0" u="none" strike="noStrike" cap="none">
           <a:solidFill>
             <a:srgbClr val="000000"/>
           </a:solidFill>
@@ -10185,11 +10155,11 @@
 </file>
 
 <file path=ppt/slides/slide1.xml><?xml version="1.0" encoding="utf-8"?>
-<p:sld xmlns:a="http://schemas.openxmlformats.org/drawingml/2006/main" xmlns:r="http://schemas.openxmlformats.org/officeDocument/2006/relationships" xmlns:mc="http://schemas.openxmlformats.org/markup-compatibility/2006" xmlns:mv="urn:schemas-microsoft-com:mac:vml" xmlns:p="http://schemas.openxmlformats.org/presentationml/2006/main" xmlns:c="http://schemas.openxmlformats.org/drawingml/2006/chart" xmlns:dgm="http://schemas.openxmlformats.org/drawingml/2006/diagram" xmlns:o="urn:schemas-microsoft-com:office:office" xmlns:v="urn:schemas-microsoft-com:vml" xmlns:pvml="urn:schemas-microsoft-com:office:powerpoint" xmlns:com="http://schemas.openxmlformats.org/drawingml/2006/compatibility" xmlns:p14="http://schemas.microsoft.com/office/powerpoint/2010/main" xmlns:p15="http://schemas.microsoft.com/office/powerpoint/2012/main" xmlns:ahyp="http://schemas.microsoft.com/office/drawing/2018/hyperlinkcolor">
+<p:sld xmlns:a="http://schemas.openxmlformats.org/drawingml/2006/main" xmlns:r="http://schemas.openxmlformats.org/officeDocument/2006/relationships" xmlns:p="http://schemas.openxmlformats.org/presentationml/2006/main">
   <p:cSld>
     <p:spTree>
       <p:nvGrpSpPr>
-        <p:cNvPr id="133" name="Shape 133"/>
+        <p:cNvPr id="1" name="Shape 133"/>
         <p:cNvGrpSpPr/>
         <p:nvPr/>
       </p:nvGrpSpPr>
@@ -10204,7 +10174,9 @@
       <p:sp>
         <p:nvSpPr>
           <p:cNvPr id="134" name="Google Shape;134;p13"/>
-          <p:cNvSpPr txBox="1"/>
+          <p:cNvSpPr txBox="1">
+            <a:spLocks noGrp="1"/>
+          </p:cNvSpPr>
           <p:nvPr>
             <p:ph type="ctrTitle"/>
           </p:nvPr>
@@ -10219,12 +10191,12 @@
           </a:prstGeom>
         </p:spPr>
         <p:txBody>
-          <a:bodyPr anchorCtr="0" anchor="t" bIns="91425" lIns="91425" spcFirstLastPara="1" rIns="91425" wrap="square" tIns="91425">
+          <a:bodyPr spcFirstLastPara="1" wrap="square" lIns="91425" tIns="91425" rIns="91425" bIns="91425" anchor="t" anchorCtr="0">
             <a:normAutofit/>
           </a:bodyPr>
           <a:lstStyle/>
           <a:p>
-            <a:pPr indent="0" lvl="0" marL="0" rtl="0" algn="l">
+            <a:pPr marL="0" lvl="0" indent="0" algn="l" rtl="0">
               <a:spcBef>
                 <a:spcPts val="0"/>
               </a:spcBef>
@@ -10244,9 +10216,11 @@
       <p:sp>
         <p:nvSpPr>
           <p:cNvPr id="135" name="Google Shape;135;p13"/>
-          <p:cNvSpPr txBox="1"/>
+          <p:cNvSpPr txBox="1">
+            <a:spLocks noGrp="1"/>
+          </p:cNvSpPr>
           <p:nvPr>
-            <p:ph idx="1" type="subTitle"/>
+            <p:ph type="subTitle" idx="1"/>
           </p:nvPr>
         </p:nvSpPr>
         <p:spPr>
@@ -10259,12 +10233,12 @@
           </a:prstGeom>
         </p:spPr>
         <p:txBody>
-          <a:bodyPr anchorCtr="0" anchor="t" bIns="91425" lIns="91425" spcFirstLastPara="1" rIns="91425" wrap="square" tIns="91425">
+          <a:bodyPr spcFirstLastPara="1" wrap="square" lIns="91425" tIns="91425" rIns="91425" bIns="91425" anchor="t" anchorCtr="0">
             <a:normAutofit fontScale="70000" lnSpcReduction="20000"/>
           </a:bodyPr>
           <a:lstStyle/>
           <a:p>
-            <a:pPr indent="0" lvl="0" marL="0" rtl="0" algn="l">
+            <a:pPr marL="0" lvl="0" indent="0" algn="l" rtl="0">
               <a:spcBef>
                 <a:spcPts val="0"/>
               </a:spcBef>
@@ -10291,11 +10265,11 @@
 </file>
 
 <file path=ppt/slides/slide10.xml><?xml version="1.0" encoding="utf-8"?>
-<p:sld xmlns:a="http://schemas.openxmlformats.org/drawingml/2006/main" xmlns:r="http://schemas.openxmlformats.org/officeDocument/2006/relationships" xmlns:mc="http://schemas.openxmlformats.org/markup-compatibility/2006" xmlns:mv="urn:schemas-microsoft-com:mac:vml" xmlns:p="http://schemas.openxmlformats.org/presentationml/2006/main" xmlns:c="http://schemas.openxmlformats.org/drawingml/2006/chart" xmlns:dgm="http://schemas.openxmlformats.org/drawingml/2006/diagram" xmlns:o="urn:schemas-microsoft-com:office:office" xmlns:v="urn:schemas-microsoft-com:vml" xmlns:pvml="urn:schemas-microsoft-com:office:powerpoint" xmlns:com="http://schemas.openxmlformats.org/drawingml/2006/compatibility" xmlns:p14="http://schemas.microsoft.com/office/powerpoint/2010/main" xmlns:p15="http://schemas.microsoft.com/office/powerpoint/2012/main" xmlns:ahyp="http://schemas.microsoft.com/office/drawing/2018/hyperlinkcolor">
+<p:sld xmlns:a="http://schemas.openxmlformats.org/drawingml/2006/main" xmlns:r="http://schemas.openxmlformats.org/officeDocument/2006/relationships" xmlns:p="http://schemas.openxmlformats.org/presentationml/2006/main">
   <p:cSld>
     <p:spTree>
       <p:nvGrpSpPr>
-        <p:cNvPr id="195" name="Shape 195"/>
+        <p:cNvPr id="1" name="Shape 195"/>
         <p:cNvGrpSpPr/>
         <p:nvPr/>
       </p:nvGrpSpPr>
@@ -10310,7 +10284,9 @@
       <p:sp>
         <p:nvSpPr>
           <p:cNvPr id="196" name="Google Shape;196;p22"/>
-          <p:cNvSpPr txBox="1"/>
+          <p:cNvSpPr txBox="1">
+            <a:spLocks noGrp="1"/>
+          </p:cNvSpPr>
           <p:nvPr>
             <p:ph type="title"/>
           </p:nvPr>
@@ -10325,12 +10301,12 @@
           </a:prstGeom>
         </p:spPr>
         <p:txBody>
-          <a:bodyPr anchorCtr="0" anchor="t" bIns="91425" lIns="91425" spcFirstLastPara="1" rIns="91425" wrap="square" tIns="91425">
+          <a:bodyPr spcFirstLastPara="1" wrap="square" lIns="91425" tIns="91425" rIns="91425" bIns="91425" anchor="t" anchorCtr="0">
             <a:normAutofit/>
           </a:bodyPr>
           <a:lstStyle/>
           <a:p>
-            <a:pPr indent="0" lvl="0" marL="0" rtl="0" algn="l">
+            <a:pPr marL="0" lvl="0" indent="0" algn="l" rtl="0">
               <a:spcBef>
                 <a:spcPts val="0"/>
               </a:spcBef>
@@ -10339,9 +10315,6 @@
               </a:spcAft>
               <a:buNone/>
             </a:pPr>
-            <a:r>
-              <a:t/>
-            </a:r>
             <a:endParaRPr sz="600"/>
           </a:p>
         </p:txBody>
@@ -10349,9 +10322,11 @@
       <p:sp>
         <p:nvSpPr>
           <p:cNvPr id="197" name="Google Shape;197;p22"/>
-          <p:cNvSpPr txBox="1"/>
+          <p:cNvSpPr txBox="1">
+            <a:spLocks noGrp="1"/>
+          </p:cNvSpPr>
           <p:nvPr>
-            <p:ph idx="1" type="body"/>
+            <p:ph type="body" idx="1"/>
           </p:nvPr>
         </p:nvSpPr>
         <p:spPr>
@@ -10375,12 +10350,12 @@
           </a:gradFill>
         </p:spPr>
         <p:txBody>
-          <a:bodyPr anchorCtr="0" anchor="t" bIns="91425" lIns="91425" spcFirstLastPara="1" rIns="91425" wrap="square" tIns="91425">
-            <a:normAutofit fontScale="92500"/>
+          <a:bodyPr spcFirstLastPara="1" wrap="square" lIns="91425" tIns="91425" rIns="91425" bIns="91425" anchor="t" anchorCtr="0">
+            <a:normAutofit fontScale="92500" lnSpcReduction="10000"/>
           </a:bodyPr>
           <a:lstStyle/>
           <a:p>
-            <a:pPr indent="-304958" lvl="0" marL="457200" rtl="0" algn="l">
+            <a:pPr marL="457200" lvl="0" indent="-304958" algn="l" rtl="0">
               <a:spcBef>
                 <a:spcPts val="1000"/>
               </a:spcBef>
@@ -10392,16 +10367,12 @@
             </a:pPr>
             <a:r>
               <a:rPr lang="en"/>
-              <a:t>Goal: t</a:t>
-            </a:r>
-            <a:r>
-              <a:rPr lang="en"/>
-              <a:t>o compare glacier metrics (mass, volume, area, and length) by century in terms of their relative sizes.</a:t>
+              <a:t>Goal: to compare glacier metrics (mass, volume, area, and length) by century in terms of their relative sizes.</a:t>
             </a:r>
             <a:endParaRPr/>
           </a:p>
           <a:p>
-            <a:pPr indent="-304958" lvl="0" marL="457200" rtl="0" algn="l">
+            <a:pPr marL="457200" lvl="0" indent="-304958" algn="l" rtl="0">
               <a:spcBef>
                 <a:spcPts val="1200"/>
               </a:spcBef>
@@ -10418,7 +10389,7 @@
             <a:endParaRPr/>
           </a:p>
           <a:p>
-            <a:pPr indent="-304958" lvl="0" marL="457200" rtl="0" algn="l">
+            <a:pPr marL="457200" lvl="0" indent="-304958" algn="l" rtl="0">
               <a:spcBef>
                 <a:spcPts val="1000"/>
               </a:spcBef>
@@ -10435,7 +10406,7 @@
             <a:endParaRPr/>
           </a:p>
           <a:p>
-            <a:pPr indent="-304958" lvl="0" marL="457200" rtl="0" algn="l">
+            <a:pPr marL="457200" lvl="0" indent="-304958" algn="l" rtl="0">
               <a:spcBef>
                 <a:spcPts val="1000"/>
               </a:spcBef>
@@ -10452,7 +10423,7 @@
             <a:endParaRPr/>
           </a:p>
           <a:p>
-            <a:pPr indent="-304958" lvl="0" marL="457200" rtl="0" algn="l">
+            <a:pPr marL="457200" lvl="0" indent="-304958" algn="l" rtl="0">
               <a:spcBef>
                 <a:spcPts val="1000"/>
               </a:spcBef>
@@ -10473,7 +10444,9 @@
       <p:sp>
         <p:nvSpPr>
           <p:cNvPr id="198" name="Google Shape;198;p22"/>
-          <p:cNvSpPr txBox="1"/>
+          <p:cNvSpPr txBox="1">
+            <a:spLocks noGrp="1"/>
+          </p:cNvSpPr>
           <p:nvPr>
             <p:ph type="title"/>
           </p:nvPr>
@@ -10488,12 +10461,12 @@
           </a:prstGeom>
         </p:spPr>
         <p:txBody>
-          <a:bodyPr anchorCtr="0" anchor="t" bIns="91425" lIns="91425" spcFirstLastPara="1" rIns="91425" wrap="square" tIns="91425">
+          <a:bodyPr spcFirstLastPara="1" wrap="square" lIns="91425" tIns="91425" rIns="91425" bIns="91425" anchor="t" anchorCtr="0">
             <a:noAutofit/>
           </a:bodyPr>
           <a:lstStyle/>
           <a:p>
-            <a:pPr indent="0" lvl="0" marL="0" rtl="0" algn="l">
+            <a:pPr marL="0" lvl="0" indent="0" algn="l" rtl="0">
               <a:spcBef>
                 <a:spcPts val="0"/>
               </a:spcBef>
@@ -10548,11 +10521,11 @@
 </file>
 
 <file path=ppt/slides/slide11.xml><?xml version="1.0" encoding="utf-8"?>
-<p:sld xmlns:a="http://schemas.openxmlformats.org/drawingml/2006/main" xmlns:r="http://schemas.openxmlformats.org/officeDocument/2006/relationships" xmlns:mc="http://schemas.openxmlformats.org/markup-compatibility/2006" xmlns:mv="urn:schemas-microsoft-com:mac:vml" xmlns:p="http://schemas.openxmlformats.org/presentationml/2006/main" xmlns:c="http://schemas.openxmlformats.org/drawingml/2006/chart" xmlns:dgm="http://schemas.openxmlformats.org/drawingml/2006/diagram" xmlns:o="urn:schemas-microsoft-com:office:office" xmlns:v="urn:schemas-microsoft-com:vml" xmlns:pvml="urn:schemas-microsoft-com:office:powerpoint" xmlns:com="http://schemas.openxmlformats.org/drawingml/2006/compatibility" xmlns:p14="http://schemas.microsoft.com/office/powerpoint/2010/main" xmlns:p15="http://schemas.microsoft.com/office/powerpoint/2012/main" xmlns:ahyp="http://schemas.microsoft.com/office/drawing/2018/hyperlinkcolor">
+<p:sld xmlns:a="http://schemas.openxmlformats.org/drawingml/2006/main" xmlns:r="http://schemas.openxmlformats.org/officeDocument/2006/relationships" xmlns:p="http://schemas.openxmlformats.org/presentationml/2006/main">
   <p:cSld>
     <p:spTree>
       <p:nvGrpSpPr>
-        <p:cNvPr id="203" name="Shape 203"/>
+        <p:cNvPr id="1" name="Shape 203"/>
         <p:cNvGrpSpPr/>
         <p:nvPr/>
       </p:nvGrpSpPr>
@@ -10567,7 +10540,9 @@
       <p:sp>
         <p:nvSpPr>
           <p:cNvPr id="204" name="Google Shape;204;p23"/>
-          <p:cNvSpPr txBox="1"/>
+          <p:cNvSpPr txBox="1">
+            <a:spLocks noGrp="1"/>
+          </p:cNvSpPr>
           <p:nvPr>
             <p:ph type="title"/>
           </p:nvPr>
@@ -10582,12 +10557,12 @@
           </a:prstGeom>
         </p:spPr>
         <p:txBody>
-          <a:bodyPr anchorCtr="0" anchor="t" bIns="91425" lIns="91425" spcFirstLastPara="1" rIns="91425" wrap="square" tIns="91425">
+          <a:bodyPr spcFirstLastPara="1" wrap="square" lIns="91425" tIns="91425" rIns="91425" bIns="91425" anchor="t" anchorCtr="0">
             <a:normAutofit fontScale="90000"/>
           </a:bodyPr>
           <a:lstStyle/>
           <a:p>
-            <a:pPr indent="0" lvl="0" marL="0" rtl="0" algn="l">
+            <a:pPr marL="0" lvl="0" indent="0" algn="l" rtl="0">
               <a:spcBef>
                 <a:spcPts val="0"/>
               </a:spcBef>
@@ -10597,9 +10572,6 @@
               <a:buSzPct val="165000"/>
               <a:buNone/>
             </a:pPr>
-            <a:r>
-              <a:t/>
-            </a:r>
             <a:endParaRPr sz="600"/>
           </a:p>
         </p:txBody>
@@ -10607,9 +10579,11 @@
       <p:sp>
         <p:nvSpPr>
           <p:cNvPr id="205" name="Google Shape;205;p23"/>
-          <p:cNvSpPr txBox="1"/>
+          <p:cNvSpPr txBox="1">
+            <a:spLocks noGrp="1"/>
+          </p:cNvSpPr>
           <p:nvPr>
-            <p:ph idx="1" type="body"/>
+            <p:ph type="body" idx="1"/>
           </p:nvPr>
         </p:nvSpPr>
         <p:spPr>
@@ -10622,12 +10596,12 @@
           </a:prstGeom>
         </p:spPr>
         <p:txBody>
-          <a:bodyPr anchorCtr="0" anchor="t" bIns="91425" lIns="91425" spcFirstLastPara="1" rIns="91425" wrap="square" tIns="91425">
-            <a:normAutofit fontScale="77500" lnSpcReduction="10000"/>
+          <a:bodyPr spcFirstLastPara="1" wrap="square" lIns="91425" tIns="91425" rIns="91425" bIns="91425" anchor="t" anchorCtr="0">
+            <a:normAutofit fontScale="85000" lnSpcReduction="20000"/>
           </a:bodyPr>
           <a:lstStyle/>
           <a:p>
-            <a:pPr indent="-292576" lvl="0" marL="457200" rtl="0" algn="l">
+            <a:pPr marL="457200" lvl="0" indent="-292576" algn="l" rtl="0">
               <a:spcBef>
                 <a:spcPts val="1000"/>
               </a:spcBef>
@@ -10644,7 +10618,7 @@
             <a:endParaRPr/>
           </a:p>
           <a:p>
-            <a:pPr indent="-292576" lvl="0" marL="457200" rtl="0" algn="l">
+            <a:pPr marL="457200" lvl="0" indent="-292576" algn="l" rtl="0">
               <a:spcBef>
                 <a:spcPts val="1200"/>
               </a:spcBef>
@@ -10661,7 +10635,7 @@
             <a:endParaRPr/>
           </a:p>
           <a:p>
-            <a:pPr indent="-292576" lvl="0" marL="457200" rtl="0" algn="l">
+            <a:pPr marL="457200" lvl="0" indent="-292576" algn="l" rtl="0">
               <a:spcBef>
                 <a:spcPts val="1000"/>
               </a:spcBef>
@@ -10678,7 +10652,7 @@
             <a:endParaRPr/>
           </a:p>
           <a:p>
-            <a:pPr indent="-292576" lvl="0" marL="457200" rtl="0" algn="l">
+            <a:pPr marL="457200" lvl="0" indent="-292576" algn="l" rtl="0">
               <a:spcBef>
                 <a:spcPts val="1000"/>
               </a:spcBef>
@@ -10690,16 +10664,12 @@
             </a:pPr>
             <a:r>
               <a:rPr lang="en"/>
-              <a:t>Metrics</a:t>
-            </a:r>
-            <a:r>
-              <a:rPr lang="en"/>
-              <a:t>: Even though different metric scales (such as mass vs. area) exist, normalization allows for fair comparison.</a:t>
+              <a:t>Metrics: Even though different metric scales (such as mass vs. area) exist, normalization allows for fair comparison.</a:t>
             </a:r>
             <a:endParaRPr/>
           </a:p>
           <a:p>
-            <a:pPr indent="-292576" lvl="0" marL="457200" rtl="0" algn="l">
+            <a:pPr marL="457200" lvl="0" indent="-292576" algn="l" rtl="0">
               <a:spcBef>
                 <a:spcPts val="1000"/>
               </a:spcBef>
@@ -10720,7 +10690,9 @@
       <p:sp>
         <p:nvSpPr>
           <p:cNvPr id="206" name="Google Shape;206;p23"/>
-          <p:cNvSpPr txBox="1"/>
+          <p:cNvSpPr txBox="1">
+            <a:spLocks noGrp="1"/>
+          </p:cNvSpPr>
           <p:nvPr>
             <p:ph type="title"/>
           </p:nvPr>
@@ -10735,12 +10707,12 @@
           </a:prstGeom>
         </p:spPr>
         <p:txBody>
-          <a:bodyPr anchorCtr="0" anchor="t" bIns="91425" lIns="91425" spcFirstLastPara="1" rIns="91425" wrap="square" tIns="91425">
+          <a:bodyPr spcFirstLastPara="1" wrap="square" lIns="91425" tIns="91425" rIns="91425" bIns="91425" anchor="t" anchorCtr="0">
             <a:noAutofit/>
           </a:bodyPr>
           <a:lstStyle/>
           <a:p>
-            <a:pPr indent="0" lvl="0" marL="0" rtl="0" algn="l">
+            <a:pPr marL="0" lvl="0" indent="0" algn="l" rtl="0">
               <a:spcBef>
                 <a:spcPts val="0"/>
               </a:spcBef>
@@ -10795,11 +10767,11 @@
 </file>
 
 <file path=ppt/slides/slide12.xml><?xml version="1.0" encoding="utf-8"?>
-<p:sld xmlns:a="http://schemas.openxmlformats.org/drawingml/2006/main" xmlns:r="http://schemas.openxmlformats.org/officeDocument/2006/relationships" xmlns:mc="http://schemas.openxmlformats.org/markup-compatibility/2006" xmlns:mv="urn:schemas-microsoft-com:mac:vml" xmlns:p="http://schemas.openxmlformats.org/presentationml/2006/main" xmlns:c="http://schemas.openxmlformats.org/drawingml/2006/chart" xmlns:dgm="http://schemas.openxmlformats.org/drawingml/2006/diagram" xmlns:o="urn:schemas-microsoft-com:office:office" xmlns:v="urn:schemas-microsoft-com:vml" xmlns:pvml="urn:schemas-microsoft-com:office:powerpoint" xmlns:com="http://schemas.openxmlformats.org/drawingml/2006/compatibility" xmlns:p14="http://schemas.microsoft.com/office/powerpoint/2010/main" xmlns:p15="http://schemas.microsoft.com/office/powerpoint/2012/main" xmlns:ahyp="http://schemas.microsoft.com/office/drawing/2018/hyperlinkcolor">
+<p:sld xmlns:a="http://schemas.openxmlformats.org/drawingml/2006/main" xmlns:r="http://schemas.openxmlformats.org/officeDocument/2006/relationships" xmlns:p="http://schemas.openxmlformats.org/presentationml/2006/main">
   <p:cSld>
     <p:spTree>
       <p:nvGrpSpPr>
-        <p:cNvPr id="211" name="Shape 211"/>
+        <p:cNvPr id="1" name="Shape 211"/>
         <p:cNvGrpSpPr/>
         <p:nvPr/>
       </p:nvGrpSpPr>
@@ -10814,7 +10786,9 @@
       <p:sp>
         <p:nvSpPr>
           <p:cNvPr id="212" name="Google Shape;212;p24"/>
-          <p:cNvSpPr txBox="1"/>
+          <p:cNvSpPr txBox="1">
+            <a:spLocks noGrp="1"/>
+          </p:cNvSpPr>
           <p:nvPr>
             <p:ph type="title"/>
           </p:nvPr>
@@ -10829,12 +10803,12 @@
           </a:prstGeom>
         </p:spPr>
         <p:txBody>
-          <a:bodyPr anchorCtr="0" anchor="t" bIns="91425" lIns="91425" spcFirstLastPara="1" rIns="91425" wrap="square" tIns="91425">
+          <a:bodyPr spcFirstLastPara="1" wrap="square" lIns="91425" tIns="91425" rIns="91425" bIns="91425" anchor="t" anchorCtr="0">
             <a:normAutofit/>
           </a:bodyPr>
           <a:lstStyle/>
           <a:p>
-            <a:pPr indent="0" lvl="0" marL="0" rtl="0" algn="l">
+            <a:pPr marL="0" lvl="0" indent="0" algn="l" rtl="0">
               <a:spcBef>
                 <a:spcPts val="0"/>
               </a:spcBef>
@@ -10854,9 +10828,11 @@
       <p:sp>
         <p:nvSpPr>
           <p:cNvPr id="213" name="Google Shape;213;p24"/>
-          <p:cNvSpPr txBox="1"/>
+          <p:cNvSpPr txBox="1">
+            <a:spLocks noGrp="1"/>
+          </p:cNvSpPr>
           <p:nvPr>
-            <p:ph idx="1" type="body"/>
+            <p:ph type="body" idx="1"/>
           </p:nvPr>
         </p:nvSpPr>
         <p:spPr>
@@ -10869,12 +10845,12 @@
           </a:prstGeom>
         </p:spPr>
         <p:txBody>
-          <a:bodyPr anchorCtr="0" anchor="t" bIns="91425" lIns="91425" spcFirstLastPara="1" rIns="91425" wrap="square" tIns="91425">
+          <a:bodyPr spcFirstLastPara="1" wrap="square" lIns="91425" tIns="91425" rIns="91425" bIns="91425" anchor="t" anchorCtr="0">
             <a:normAutofit/>
           </a:bodyPr>
           <a:lstStyle/>
           <a:p>
-            <a:pPr indent="0" lvl="0" marL="0" rtl="0" algn="l">
+            <a:pPr marL="0" lvl="0" indent="0" algn="l" rtl="0">
               <a:spcBef>
                 <a:spcPts val="0"/>
               </a:spcBef>
@@ -10885,16 +10861,12 @@
             </a:pPr>
             <a:r>
               <a:rPr lang="en"/>
-              <a:t>Overall most glaciers are melting faster than they’re gaining snow/ice, this demonstrates a </a:t>
-            </a:r>
-            <a:r>
-              <a:rPr lang="en"/>
-              <a:t>global glacier retreat</a:t>
+              <a:t>Overall most glaciers are melting faster than they’re gaining snow/ice, this demonstrates a global glacier retreat</a:t>
             </a:r>
             <a:endParaRPr/>
           </a:p>
           <a:p>
-            <a:pPr indent="0" lvl="0" marL="0" rtl="0" algn="l">
+            <a:pPr marL="0" lvl="0" indent="0" algn="l" rtl="0">
               <a:spcBef>
                 <a:spcPts val="1200"/>
               </a:spcBef>
@@ -10910,7 +10882,7 @@
             <a:endParaRPr/>
           </a:p>
           <a:p>
-            <a:pPr indent="0" lvl="0" marL="0" rtl="0" algn="l">
+            <a:pPr marL="0" lvl="0" indent="0" algn="l" rtl="0">
               <a:spcBef>
                 <a:spcPts val="1200"/>
               </a:spcBef>
@@ -10919,9 +10891,6 @@
               </a:spcAft>
               <a:buNone/>
             </a:pPr>
-            <a:r>
-              <a:t/>
-            </a:r>
             <a:endParaRPr/>
           </a:p>
         </p:txBody>
@@ -10935,11 +10904,11 @@
 </file>
 
 <file path=ppt/slides/slide13.xml><?xml version="1.0" encoding="utf-8"?>
-<p:sld xmlns:a="http://schemas.openxmlformats.org/drawingml/2006/main" xmlns:r="http://schemas.openxmlformats.org/officeDocument/2006/relationships" xmlns:mc="http://schemas.openxmlformats.org/markup-compatibility/2006" xmlns:mv="urn:schemas-microsoft-com:mac:vml" xmlns:p="http://schemas.openxmlformats.org/presentationml/2006/main" xmlns:c="http://schemas.openxmlformats.org/drawingml/2006/chart" xmlns:dgm="http://schemas.openxmlformats.org/drawingml/2006/diagram" xmlns:o="urn:schemas-microsoft-com:office:office" xmlns:v="urn:schemas-microsoft-com:vml" xmlns:pvml="urn:schemas-microsoft-com:office:powerpoint" xmlns:com="http://schemas.openxmlformats.org/drawingml/2006/compatibility" xmlns:p14="http://schemas.microsoft.com/office/powerpoint/2010/main" xmlns:p15="http://schemas.microsoft.com/office/powerpoint/2012/main" xmlns:ahyp="http://schemas.microsoft.com/office/drawing/2018/hyperlinkcolor">
+<p:sld xmlns:a="http://schemas.openxmlformats.org/drawingml/2006/main" xmlns:r="http://schemas.openxmlformats.org/officeDocument/2006/relationships" xmlns:p="http://schemas.openxmlformats.org/presentationml/2006/main">
   <p:cSld>
     <p:spTree>
       <p:nvGrpSpPr>
-        <p:cNvPr id="217" name="Shape 217"/>
+        <p:cNvPr id="1" name="Shape 217"/>
         <p:cNvGrpSpPr/>
         <p:nvPr/>
       </p:nvGrpSpPr>
@@ -10954,7 +10923,9 @@
       <p:sp>
         <p:nvSpPr>
           <p:cNvPr id="218" name="Google Shape;218;p25"/>
-          <p:cNvSpPr txBox="1"/>
+          <p:cNvSpPr txBox="1">
+            <a:spLocks noGrp="1"/>
+          </p:cNvSpPr>
           <p:nvPr>
             <p:ph type="title"/>
           </p:nvPr>
@@ -10969,12 +10940,12 @@
           </a:prstGeom>
         </p:spPr>
         <p:txBody>
-          <a:bodyPr anchorCtr="0" anchor="t" bIns="91425" lIns="91425" spcFirstLastPara="1" rIns="91425" wrap="square" tIns="91425">
+          <a:bodyPr spcFirstLastPara="1" wrap="square" lIns="91425" tIns="91425" rIns="91425" bIns="91425" anchor="t" anchorCtr="0">
             <a:normAutofit/>
           </a:bodyPr>
           <a:lstStyle/>
           <a:p>
-            <a:pPr indent="0" lvl="0" marL="0" rtl="0" algn="l">
+            <a:pPr marL="0" lvl="0" indent="0" algn="l" rtl="0">
               <a:spcBef>
                 <a:spcPts val="0"/>
               </a:spcBef>
@@ -10994,9 +10965,11 @@
       <p:sp>
         <p:nvSpPr>
           <p:cNvPr id="219" name="Google Shape;219;p25"/>
-          <p:cNvSpPr txBox="1"/>
+          <p:cNvSpPr txBox="1">
+            <a:spLocks noGrp="1"/>
+          </p:cNvSpPr>
           <p:nvPr>
-            <p:ph idx="1" type="body"/>
+            <p:ph type="body" idx="1"/>
           </p:nvPr>
         </p:nvSpPr>
         <p:spPr>
@@ -11009,12 +10982,12 @@
           </a:prstGeom>
         </p:spPr>
         <p:txBody>
-          <a:bodyPr anchorCtr="0" anchor="t" bIns="91425" lIns="91425" spcFirstLastPara="1" rIns="91425" wrap="square" tIns="91425">
+          <a:bodyPr spcFirstLastPara="1" wrap="square" lIns="91425" tIns="91425" rIns="91425" bIns="91425" anchor="t" anchorCtr="0">
             <a:normAutofit/>
           </a:bodyPr>
           <a:lstStyle/>
           <a:p>
-            <a:pPr indent="0" lvl="0" marL="0" rtl="0" algn="l">
+            <a:pPr marL="0" lvl="0" indent="0" algn="l" rtl="0">
               <a:spcBef>
                 <a:spcPts val="0"/>
               </a:spcBef>
@@ -11045,7 +11018,7 @@
                 <a:hlinkClick r:id="rId3">
                   <a:extLst>
                     <a:ext uri="{A12FA001-AC4F-418D-AE19-62706E023703}">
-                      <ahyp:hlinkClr val="tx"/>
+                      <ahyp:hlinkClr xmlns:ahyp="http://schemas.microsoft.com/office/drawing/2018/hyperlinkcolor" val="tx"/>
                     </a:ext>
                   </a:extLst>
                 </a:hlinkClick>
@@ -11065,11 +11038,11 @@
 </file>
 
 <file path=ppt/slides/slide2.xml><?xml version="1.0" encoding="utf-8"?>
-<p:sld xmlns:a="http://schemas.openxmlformats.org/drawingml/2006/main" xmlns:r="http://schemas.openxmlformats.org/officeDocument/2006/relationships" xmlns:mc="http://schemas.openxmlformats.org/markup-compatibility/2006" xmlns:mv="urn:schemas-microsoft-com:mac:vml" xmlns:p="http://schemas.openxmlformats.org/presentationml/2006/main" xmlns:c="http://schemas.openxmlformats.org/drawingml/2006/chart" xmlns:dgm="http://schemas.openxmlformats.org/drawingml/2006/diagram" xmlns:o="urn:schemas-microsoft-com:office:office" xmlns:v="urn:schemas-microsoft-com:vml" xmlns:pvml="urn:schemas-microsoft-com:office:powerpoint" xmlns:com="http://schemas.openxmlformats.org/drawingml/2006/compatibility" xmlns:p14="http://schemas.microsoft.com/office/powerpoint/2010/main" xmlns:p15="http://schemas.microsoft.com/office/powerpoint/2012/main" xmlns:ahyp="http://schemas.microsoft.com/office/drawing/2018/hyperlinkcolor">
+<p:sld xmlns:a="http://schemas.openxmlformats.org/drawingml/2006/main" xmlns:r="http://schemas.openxmlformats.org/officeDocument/2006/relationships" xmlns:p="http://schemas.openxmlformats.org/presentationml/2006/main">
   <p:cSld>
     <p:spTree>
       <p:nvGrpSpPr>
-        <p:cNvPr id="139" name="Shape 139"/>
+        <p:cNvPr id="1" name="Shape 139"/>
         <p:cNvGrpSpPr/>
         <p:nvPr/>
       </p:nvGrpSpPr>
@@ -11084,7 +11057,9 @@
       <p:sp>
         <p:nvSpPr>
           <p:cNvPr id="140" name="Google Shape;140;p14"/>
-          <p:cNvSpPr txBox="1"/>
+          <p:cNvSpPr txBox="1">
+            <a:spLocks noGrp="1"/>
+          </p:cNvSpPr>
           <p:nvPr>
             <p:ph type="title"/>
           </p:nvPr>
@@ -11099,12 +11074,12 @@
           </a:prstGeom>
         </p:spPr>
         <p:txBody>
-          <a:bodyPr anchorCtr="0" anchor="t" bIns="91425" lIns="91425" spcFirstLastPara="1" rIns="91425" wrap="square" tIns="91425">
+          <a:bodyPr spcFirstLastPara="1" wrap="square" lIns="91425" tIns="91425" rIns="91425" bIns="91425" anchor="t" anchorCtr="0">
             <a:normAutofit/>
           </a:bodyPr>
           <a:lstStyle/>
           <a:p>
-            <a:pPr indent="0" lvl="0" marL="0" rtl="0" algn="l">
+            <a:pPr marL="0" lvl="0" indent="0" algn="l" rtl="0">
               <a:spcBef>
                 <a:spcPts val="0"/>
               </a:spcBef>
@@ -11124,9 +11099,11 @@
       <p:sp>
         <p:nvSpPr>
           <p:cNvPr id="141" name="Google Shape;141;p14"/>
-          <p:cNvSpPr txBox="1"/>
+          <p:cNvSpPr txBox="1">
+            <a:spLocks noGrp="1"/>
+          </p:cNvSpPr>
           <p:nvPr>
-            <p:ph idx="1" type="body"/>
+            <p:ph type="body" idx="1"/>
           </p:nvPr>
         </p:nvSpPr>
         <p:spPr>
@@ -11139,12 +11116,12 @@
           </a:prstGeom>
         </p:spPr>
         <p:txBody>
-          <a:bodyPr anchorCtr="0" anchor="t" bIns="91425" lIns="91425" spcFirstLastPara="1" rIns="91425" wrap="square" tIns="91425">
+          <a:bodyPr spcFirstLastPara="1" wrap="square" lIns="91425" tIns="91425" rIns="91425" bIns="91425" anchor="t" anchorCtr="0">
             <a:normAutofit/>
           </a:bodyPr>
           <a:lstStyle/>
           <a:p>
-            <a:pPr indent="0" lvl="0" marL="0" rtl="0" algn="l">
+            <a:pPr marL="0" lvl="0" indent="0" algn="l" rtl="0">
               <a:spcBef>
                 <a:spcPts val="0"/>
               </a:spcBef>
@@ -11160,7 +11137,7 @@
             <a:endParaRPr/>
           </a:p>
           <a:p>
-            <a:pPr indent="0" lvl="0" marL="0" rtl="0" algn="l">
+            <a:pPr marL="0" lvl="0" indent="0" algn="l" rtl="0">
               <a:spcBef>
                 <a:spcPts val="1200"/>
               </a:spcBef>
@@ -11186,11 +11163,11 @@
 </file>
 
 <file path=ppt/slides/slide3.xml><?xml version="1.0" encoding="utf-8"?>
-<p:sld xmlns:a="http://schemas.openxmlformats.org/drawingml/2006/main" xmlns:r="http://schemas.openxmlformats.org/officeDocument/2006/relationships" xmlns:mc="http://schemas.openxmlformats.org/markup-compatibility/2006" xmlns:mv="urn:schemas-microsoft-com:mac:vml" xmlns:p="http://schemas.openxmlformats.org/presentationml/2006/main" xmlns:c="http://schemas.openxmlformats.org/drawingml/2006/chart" xmlns:dgm="http://schemas.openxmlformats.org/drawingml/2006/diagram" xmlns:o="urn:schemas-microsoft-com:office:office" xmlns:v="urn:schemas-microsoft-com:vml" xmlns:pvml="urn:schemas-microsoft-com:office:powerpoint" xmlns:com="http://schemas.openxmlformats.org/drawingml/2006/compatibility" xmlns:p14="http://schemas.microsoft.com/office/powerpoint/2010/main" xmlns:p15="http://schemas.microsoft.com/office/powerpoint/2012/main" xmlns:ahyp="http://schemas.microsoft.com/office/drawing/2018/hyperlinkcolor">
+<p:sld xmlns:a="http://schemas.openxmlformats.org/drawingml/2006/main" xmlns:r="http://schemas.openxmlformats.org/officeDocument/2006/relationships" xmlns:p="http://schemas.openxmlformats.org/presentationml/2006/main">
   <p:cSld>
     <p:spTree>
       <p:nvGrpSpPr>
-        <p:cNvPr id="145" name="Shape 145"/>
+        <p:cNvPr id="1" name="Shape 145"/>
         <p:cNvGrpSpPr/>
         <p:nvPr/>
       </p:nvGrpSpPr>
@@ -11205,7 +11182,9 @@
       <p:sp>
         <p:nvSpPr>
           <p:cNvPr id="146" name="Google Shape;146;p15"/>
-          <p:cNvSpPr txBox="1"/>
+          <p:cNvSpPr txBox="1">
+            <a:spLocks noGrp="1"/>
+          </p:cNvSpPr>
           <p:nvPr>
             <p:ph type="title"/>
           </p:nvPr>
@@ -11220,12 +11199,12 @@
           </a:prstGeom>
         </p:spPr>
         <p:txBody>
-          <a:bodyPr anchorCtr="0" anchor="t" bIns="91425" lIns="91425" spcFirstLastPara="1" rIns="91425" wrap="square" tIns="91425">
+          <a:bodyPr spcFirstLastPara="1" wrap="square" lIns="91425" tIns="91425" rIns="91425" bIns="91425" anchor="t" anchorCtr="0">
             <a:normAutofit/>
           </a:bodyPr>
           <a:lstStyle/>
           <a:p>
-            <a:pPr indent="0" lvl="0" marL="0" rtl="0" algn="l">
+            <a:pPr marL="0" lvl="0" indent="0" algn="l" rtl="0">
               <a:spcBef>
                 <a:spcPts val="0"/>
               </a:spcBef>
@@ -11245,9 +11224,11 @@
       <p:sp>
         <p:nvSpPr>
           <p:cNvPr id="147" name="Google Shape;147;p15"/>
-          <p:cNvSpPr txBox="1"/>
+          <p:cNvSpPr txBox="1">
+            <a:spLocks noGrp="1"/>
+          </p:cNvSpPr>
           <p:nvPr>
-            <p:ph idx="1" type="body"/>
+            <p:ph type="body" idx="1"/>
           </p:nvPr>
         </p:nvSpPr>
         <p:spPr>
@@ -11260,12 +11241,12 @@
           </a:prstGeom>
         </p:spPr>
         <p:txBody>
-          <a:bodyPr anchorCtr="0" anchor="t" bIns="91425" lIns="91425" spcFirstLastPara="1" rIns="91425" wrap="square" tIns="91425">
+          <a:bodyPr spcFirstLastPara="1" wrap="square" lIns="91425" tIns="91425" rIns="91425" bIns="91425" anchor="t" anchorCtr="0">
             <a:normAutofit/>
           </a:bodyPr>
           <a:lstStyle/>
           <a:p>
-            <a:pPr indent="0" lvl="0" marL="0" rtl="0" algn="l">
+            <a:pPr marL="0" lvl="0" indent="0" algn="l" rtl="0">
               <a:spcBef>
                 <a:spcPts val="0"/>
               </a:spcBef>
@@ -11274,10 +11255,7 @@
               </a:spcAft>
               <a:buNone/>
             </a:pPr>
-            <a:r>
-              <a:t/>
-            </a:r>
-            <a:endParaRPr/>
+            <a:endParaRPr dirty="0"/>
           </a:p>
         </p:txBody>
       </p:sp>
@@ -11346,11 +11324,11 @@
 </file>
 
 <file path=ppt/slides/slide4.xml><?xml version="1.0" encoding="utf-8"?>
-<p:sld xmlns:a="http://schemas.openxmlformats.org/drawingml/2006/main" xmlns:r="http://schemas.openxmlformats.org/officeDocument/2006/relationships" xmlns:mc="http://schemas.openxmlformats.org/markup-compatibility/2006" xmlns:mv="urn:schemas-microsoft-com:mac:vml" xmlns:p="http://schemas.openxmlformats.org/presentationml/2006/main" xmlns:c="http://schemas.openxmlformats.org/drawingml/2006/chart" xmlns:dgm="http://schemas.openxmlformats.org/drawingml/2006/diagram" xmlns:o="urn:schemas-microsoft-com:office:office" xmlns:v="urn:schemas-microsoft-com:vml" xmlns:pvml="urn:schemas-microsoft-com:office:powerpoint" xmlns:com="http://schemas.openxmlformats.org/drawingml/2006/compatibility" xmlns:p14="http://schemas.microsoft.com/office/powerpoint/2010/main" xmlns:p15="http://schemas.microsoft.com/office/powerpoint/2012/main" xmlns:ahyp="http://schemas.microsoft.com/office/drawing/2018/hyperlinkcolor">
+<p:sld xmlns:a="http://schemas.openxmlformats.org/drawingml/2006/main" xmlns:r="http://schemas.openxmlformats.org/officeDocument/2006/relationships" xmlns:p="http://schemas.openxmlformats.org/presentationml/2006/main">
   <p:cSld>
     <p:spTree>
       <p:nvGrpSpPr>
-        <p:cNvPr id="153" name="Shape 153"/>
+        <p:cNvPr id="1" name="Shape 153"/>
         <p:cNvGrpSpPr/>
         <p:nvPr/>
       </p:nvGrpSpPr>
@@ -11365,7 +11343,9 @@
       <p:sp>
         <p:nvSpPr>
           <p:cNvPr id="154" name="Google Shape;154;p16"/>
-          <p:cNvSpPr txBox="1"/>
+          <p:cNvSpPr txBox="1">
+            <a:spLocks noGrp="1"/>
+          </p:cNvSpPr>
           <p:nvPr>
             <p:ph type="title"/>
           </p:nvPr>
@@ -11380,12 +11360,12 @@
           </a:prstGeom>
         </p:spPr>
         <p:txBody>
-          <a:bodyPr anchorCtr="0" anchor="ctr" bIns="91425" lIns="91425" spcFirstLastPara="1" rIns="91425" wrap="square" tIns="91425">
+          <a:bodyPr spcFirstLastPara="1" wrap="square" lIns="91425" tIns="91425" rIns="91425" bIns="91425" anchor="ctr" anchorCtr="0">
             <a:normAutofit/>
           </a:bodyPr>
           <a:lstStyle/>
           <a:p>
-            <a:pPr indent="0" lvl="0" marL="0" rtl="0" algn="l">
+            <a:pPr marL="0" lvl="0" indent="0" algn="l" rtl="0">
               <a:spcBef>
                 <a:spcPts val="0"/>
               </a:spcBef>
@@ -11450,12 +11430,12 @@
           </a:ln>
         </p:spPr>
         <p:txBody>
-          <a:bodyPr anchorCtr="0" anchor="t" bIns="91425" lIns="91425" spcFirstLastPara="1" rIns="91425" wrap="square" tIns="91425">
+          <a:bodyPr spcFirstLastPara="1" wrap="square" lIns="91425" tIns="91425" rIns="91425" bIns="91425" anchor="t" anchorCtr="0">
             <a:noAutofit/>
           </a:bodyPr>
           <a:lstStyle/>
           <a:p>
-            <a:pPr indent="0" lvl="0" marL="0" rtl="0" algn="l">
+            <a:pPr marL="0" lvl="0" indent="0" algn="l" rtl="0">
               <a:spcBef>
                 <a:spcPts val="0"/>
               </a:spcBef>
@@ -11497,11 +11477,11 @@
 </file>
 
 <file path=ppt/slides/slide5.xml><?xml version="1.0" encoding="utf-8"?>
-<p:sld xmlns:a="http://schemas.openxmlformats.org/drawingml/2006/main" xmlns:r="http://schemas.openxmlformats.org/officeDocument/2006/relationships" xmlns:mc="http://schemas.openxmlformats.org/markup-compatibility/2006" xmlns:mv="urn:schemas-microsoft-com:mac:vml" xmlns:p="http://schemas.openxmlformats.org/presentationml/2006/main" xmlns:c="http://schemas.openxmlformats.org/drawingml/2006/chart" xmlns:dgm="http://schemas.openxmlformats.org/drawingml/2006/diagram" xmlns:o="urn:schemas-microsoft-com:office:office" xmlns:v="urn:schemas-microsoft-com:vml" xmlns:pvml="urn:schemas-microsoft-com:office:powerpoint" xmlns:com="http://schemas.openxmlformats.org/drawingml/2006/compatibility" xmlns:p14="http://schemas.microsoft.com/office/powerpoint/2010/main" xmlns:p15="http://schemas.microsoft.com/office/powerpoint/2012/main" xmlns:ahyp="http://schemas.microsoft.com/office/drawing/2018/hyperlinkcolor">
+<p:sld xmlns:a="http://schemas.openxmlformats.org/drawingml/2006/main" xmlns:r="http://schemas.openxmlformats.org/officeDocument/2006/relationships" xmlns:p="http://schemas.openxmlformats.org/presentationml/2006/main">
   <p:cSld>
     <p:spTree>
       <p:nvGrpSpPr>
-        <p:cNvPr id="160" name="Shape 160"/>
+        <p:cNvPr id="1" name="Shape 160"/>
         <p:cNvGrpSpPr/>
         <p:nvPr/>
       </p:nvGrpSpPr>
@@ -11516,7 +11496,9 @@
       <p:sp>
         <p:nvSpPr>
           <p:cNvPr id="161" name="Google Shape;161;p17"/>
-          <p:cNvSpPr txBox="1"/>
+          <p:cNvSpPr txBox="1">
+            <a:spLocks noGrp="1"/>
+          </p:cNvSpPr>
           <p:nvPr>
             <p:ph type="title"/>
           </p:nvPr>
@@ -11531,12 +11513,12 @@
           </a:prstGeom>
         </p:spPr>
         <p:txBody>
-          <a:bodyPr anchorCtr="0" anchor="t" bIns="91425" lIns="91425" spcFirstLastPara="1" rIns="91425" wrap="square" tIns="91425">
+          <a:bodyPr spcFirstLastPara="1" wrap="square" lIns="91425" tIns="91425" rIns="91425" bIns="91425" anchor="t" anchorCtr="0">
             <a:normAutofit/>
           </a:bodyPr>
           <a:lstStyle/>
           <a:p>
-            <a:pPr indent="0" lvl="0" marL="0" rtl="0" algn="l">
+            <a:pPr marL="0" lvl="0" indent="0" algn="l" rtl="0">
               <a:spcBef>
                 <a:spcPts val="0"/>
               </a:spcBef>
@@ -11556,9 +11538,11 @@
       <p:sp>
         <p:nvSpPr>
           <p:cNvPr id="162" name="Google Shape;162;p17"/>
-          <p:cNvSpPr txBox="1"/>
+          <p:cNvSpPr txBox="1">
+            <a:spLocks noGrp="1"/>
+          </p:cNvSpPr>
           <p:nvPr>
-            <p:ph idx="1" type="body"/>
+            <p:ph type="body" idx="1"/>
           </p:nvPr>
         </p:nvSpPr>
         <p:spPr>
@@ -11571,12 +11555,12 @@
           </a:prstGeom>
         </p:spPr>
         <p:txBody>
-          <a:bodyPr anchorCtr="0" anchor="t" bIns="91425" lIns="91425" spcFirstLastPara="1" rIns="91425" wrap="square" tIns="91425">
+          <a:bodyPr spcFirstLastPara="1" wrap="square" lIns="91425" tIns="91425" rIns="91425" bIns="91425" anchor="t" anchorCtr="0">
             <a:normAutofit/>
           </a:bodyPr>
           <a:lstStyle/>
           <a:p>
-            <a:pPr indent="0" lvl="0" marL="0" rtl="0" algn="l">
+            <a:pPr marL="0" lvl="0" indent="0" algn="l" rtl="0">
               <a:spcBef>
                 <a:spcPts val="0"/>
               </a:spcBef>
@@ -11585,9 +11569,6 @@
               </a:spcAft>
               <a:buNone/>
             </a:pPr>
-            <a:r>
-              <a:t/>
-            </a:r>
             <a:endParaRPr/>
           </a:p>
         </p:txBody>
@@ -11629,11 +11610,11 @@
 </file>
 
 <file path=ppt/slides/slide6.xml><?xml version="1.0" encoding="utf-8"?>
-<p:sld xmlns:a="http://schemas.openxmlformats.org/drawingml/2006/main" xmlns:r="http://schemas.openxmlformats.org/officeDocument/2006/relationships" xmlns:mc="http://schemas.openxmlformats.org/markup-compatibility/2006" xmlns:mv="urn:schemas-microsoft-com:mac:vml" xmlns:p="http://schemas.openxmlformats.org/presentationml/2006/main" xmlns:c="http://schemas.openxmlformats.org/drawingml/2006/chart" xmlns:dgm="http://schemas.openxmlformats.org/drawingml/2006/diagram" xmlns:o="urn:schemas-microsoft-com:office:office" xmlns:v="urn:schemas-microsoft-com:vml" xmlns:pvml="urn:schemas-microsoft-com:office:powerpoint" xmlns:com="http://schemas.openxmlformats.org/drawingml/2006/compatibility" xmlns:p14="http://schemas.microsoft.com/office/powerpoint/2010/main" xmlns:p15="http://schemas.microsoft.com/office/powerpoint/2012/main" xmlns:ahyp="http://schemas.microsoft.com/office/drawing/2018/hyperlinkcolor">
+<p:sld xmlns:a="http://schemas.openxmlformats.org/drawingml/2006/main" xmlns:r="http://schemas.openxmlformats.org/officeDocument/2006/relationships" xmlns:p="http://schemas.openxmlformats.org/presentationml/2006/main">
   <p:cSld>
     <p:spTree>
       <p:nvGrpSpPr>
-        <p:cNvPr id="167" name="Shape 167"/>
+        <p:cNvPr id="1" name="Shape 167"/>
         <p:cNvGrpSpPr/>
         <p:nvPr/>
       </p:nvGrpSpPr>
@@ -11648,7 +11629,9 @@
       <p:sp>
         <p:nvSpPr>
           <p:cNvPr id="168" name="Google Shape;168;p18"/>
-          <p:cNvSpPr txBox="1"/>
+          <p:cNvSpPr txBox="1">
+            <a:spLocks noGrp="1"/>
+          </p:cNvSpPr>
           <p:nvPr>
             <p:ph type="title"/>
           </p:nvPr>
@@ -11663,12 +11646,12 @@
           </a:prstGeom>
         </p:spPr>
         <p:txBody>
-          <a:bodyPr anchorCtr="0" anchor="t" bIns="91425" lIns="91425" spcFirstLastPara="1" rIns="91425" wrap="square" tIns="91425">
+          <a:bodyPr spcFirstLastPara="1" wrap="square" lIns="91425" tIns="91425" rIns="91425" bIns="91425" anchor="t" anchorCtr="0">
             <a:normAutofit/>
           </a:bodyPr>
           <a:lstStyle/>
           <a:p>
-            <a:pPr indent="0" lvl="0" marL="0" rtl="0" algn="l">
+            <a:pPr marL="0" lvl="0" indent="0" algn="l" rtl="0">
               <a:spcBef>
                 <a:spcPts val="0"/>
               </a:spcBef>
@@ -11688,39 +11671,101 @@
       <p:sp>
         <p:nvSpPr>
           <p:cNvPr id="169" name="Google Shape;169;p18"/>
-          <p:cNvSpPr txBox="1"/>
+          <p:cNvSpPr txBox="1">
+            <a:spLocks noGrp="1"/>
+          </p:cNvSpPr>
           <p:nvPr>
-            <p:ph idx="1" type="body"/>
+            <p:ph type="body" idx="1"/>
           </p:nvPr>
         </p:nvSpPr>
         <p:spPr>
           <a:xfrm>
-            <a:off x="1297500" y="1567550"/>
-            <a:ext cx="7038900" cy="2911200"/>
+            <a:off x="149726" y="850900"/>
+            <a:ext cx="4085724" cy="4044950"/>
           </a:xfrm>
           <a:prstGeom prst="rect">
             <a:avLst/>
           </a:prstGeom>
         </p:spPr>
         <p:txBody>
-          <a:bodyPr anchorCtr="0" anchor="t" bIns="91425" lIns="91425" spcFirstLastPara="1" rIns="91425" wrap="square" tIns="91425">
+          <a:bodyPr spcFirstLastPara="1" wrap="square" lIns="91425" tIns="91425" rIns="91425" bIns="91425" anchor="t" anchorCtr="0">
             <a:normAutofit/>
           </a:bodyPr>
           <a:lstStyle/>
           <a:p>
-            <a:pPr indent="0" lvl="0" marL="0" rtl="0" algn="l">
-              <a:spcBef>
-                <a:spcPts val="0"/>
-              </a:spcBef>
-              <a:spcAft>
-                <a:spcPts val="1200"/>
-              </a:spcAft>
-              <a:buNone/>
+            <a:pPr lvl="0" indent="-304958">
+              <a:spcBef>
+                <a:spcPts val="1000"/>
+              </a:spcBef>
+              <a:buSzPct val="100000"/>
             </a:pPr>
             <a:r>
-              <a:t/>
+              <a:rPr lang="en-US" dirty="0"/>
+              <a:t>Goal: Understand the average glacier elevation change by each country in the last year.</a:t>
             </a:r>
-            <a:endParaRPr/>
+          </a:p>
+          <a:p>
+            <a:pPr lvl="0" indent="-304958">
+              <a:spcBef>
+                <a:spcPts val="1000"/>
+              </a:spcBef>
+              <a:buSzPct val="100000"/>
+            </a:pPr>
+            <a:r>
+              <a:rPr lang="en-US" dirty="0"/>
+              <a:t>Structure: Horizontal Bar Chart sorted by  change  in elevation, glacier name and country.</a:t>
+            </a:r>
+          </a:p>
+          <a:p>
+            <a:pPr lvl="0" indent="-304958">
+              <a:spcBef>
+                <a:spcPts val="1000"/>
+              </a:spcBef>
+              <a:buSzPct val="100000"/>
+            </a:pPr>
+            <a:r>
+              <a:rPr lang="en-US" dirty="0"/>
+              <a:t>Color mapping: Red indicates a gain in elevation and blue indicated a loss in elevation.</a:t>
+            </a:r>
+          </a:p>
+          <a:p>
+            <a:pPr lvl="0" indent="-304958">
+              <a:spcBef>
+                <a:spcPts val="1000"/>
+              </a:spcBef>
+              <a:buSzPct val="100000"/>
+            </a:pPr>
+            <a:r>
+              <a:rPr lang="en-US" dirty="0"/>
+              <a:t>Insight: Elevation change trends in the past year in different countries.</a:t>
+            </a:r>
+          </a:p>
+          <a:p>
+            <a:pPr lvl="0" indent="-304958">
+              <a:spcBef>
+                <a:spcPts val="1000"/>
+              </a:spcBef>
+              <a:spcAft>
+                <a:spcPts val="1200"/>
+              </a:spcAft>
+              <a:buSzPct val="100000"/>
+            </a:pPr>
+            <a:r>
+              <a:rPr lang="en-US" dirty="0"/>
+              <a:t>Why It Is Important: Allows us to find trends in elevation change and find the factors in the past year that influence the change.</a:t>
+            </a:r>
+          </a:p>
+          <a:p>
+            <a:pPr marL="0" lvl="0" indent="0" algn="l" rtl="0">
+              <a:spcBef>
+                <a:spcPts val="0"/>
+              </a:spcBef>
+              <a:spcAft>
+                <a:spcPts val="1200"/>
+              </a:spcAft>
+              <a:buNone/>
+            </a:pPr>
+            <a:endParaRPr dirty="0"/>
           </a:p>
         </p:txBody>
       </p:sp>
@@ -11740,8 +11785,8 @@
         </p:blipFill>
         <p:spPr>
           <a:xfrm>
-            <a:off x="295775" y="913725"/>
-            <a:ext cx="8552449" cy="4229775"/>
+            <a:off x="4305300" y="139700"/>
+            <a:ext cx="4688974" cy="4756150"/>
           </a:xfrm>
           <a:prstGeom prst="rect">
             <a:avLst/>
@@ -11761,11 +11806,11 @@
 </file>
 
 <file path=ppt/slides/slide7.xml><?xml version="1.0" encoding="utf-8"?>
-<p:sld xmlns:a="http://schemas.openxmlformats.org/drawingml/2006/main" xmlns:r="http://schemas.openxmlformats.org/officeDocument/2006/relationships" xmlns:mc="http://schemas.openxmlformats.org/markup-compatibility/2006" xmlns:mv="urn:schemas-microsoft-com:mac:vml" xmlns:p="http://schemas.openxmlformats.org/presentationml/2006/main" xmlns:c="http://schemas.openxmlformats.org/drawingml/2006/chart" xmlns:dgm="http://schemas.openxmlformats.org/drawingml/2006/diagram" xmlns:o="urn:schemas-microsoft-com:office:office" xmlns:v="urn:schemas-microsoft-com:vml" xmlns:pvml="urn:schemas-microsoft-com:office:powerpoint" xmlns:com="http://schemas.openxmlformats.org/drawingml/2006/compatibility" xmlns:p14="http://schemas.microsoft.com/office/powerpoint/2010/main" xmlns:p15="http://schemas.microsoft.com/office/powerpoint/2012/main" xmlns:ahyp="http://schemas.microsoft.com/office/drawing/2018/hyperlinkcolor">
+<p:sld xmlns:a="http://schemas.openxmlformats.org/drawingml/2006/main" xmlns:r="http://schemas.openxmlformats.org/officeDocument/2006/relationships" xmlns:p="http://schemas.openxmlformats.org/presentationml/2006/main">
   <p:cSld>
     <p:spTree>
       <p:nvGrpSpPr>
-        <p:cNvPr id="174" name="Shape 174"/>
+        <p:cNvPr id="1" name="Shape 174"/>
         <p:cNvGrpSpPr/>
         <p:nvPr/>
       </p:nvGrpSpPr>
@@ -11780,7 +11825,9 @@
       <p:sp>
         <p:nvSpPr>
           <p:cNvPr id="175" name="Google Shape;175;p19"/>
-          <p:cNvSpPr txBox="1"/>
+          <p:cNvSpPr txBox="1">
+            <a:spLocks noGrp="1"/>
+          </p:cNvSpPr>
           <p:nvPr>
             <p:ph type="title"/>
           </p:nvPr>
@@ -11795,12 +11842,12 @@
           </a:prstGeom>
         </p:spPr>
         <p:txBody>
-          <a:bodyPr anchorCtr="0" anchor="t" bIns="91425" lIns="91425" spcFirstLastPara="1" rIns="91425" wrap="square" tIns="91425">
+          <a:bodyPr spcFirstLastPara="1" wrap="square" lIns="91425" tIns="91425" rIns="91425" bIns="91425" anchor="t" anchorCtr="0">
             <a:normAutofit/>
           </a:bodyPr>
           <a:lstStyle/>
           <a:p>
-            <a:pPr indent="0" lvl="0" marL="0" rtl="0" algn="l">
+            <a:pPr marL="0" lvl="0" indent="0" algn="l" rtl="0">
               <a:spcBef>
                 <a:spcPts val="0"/>
               </a:spcBef>
@@ -11820,39 +11867,101 @@
       <p:sp>
         <p:nvSpPr>
           <p:cNvPr id="176" name="Google Shape;176;p19"/>
-          <p:cNvSpPr txBox="1"/>
+          <p:cNvSpPr txBox="1">
+            <a:spLocks noGrp="1"/>
+          </p:cNvSpPr>
           <p:nvPr>
-            <p:ph idx="1" type="body"/>
+            <p:ph type="body" idx="1"/>
           </p:nvPr>
         </p:nvSpPr>
         <p:spPr>
           <a:xfrm>
-            <a:off x="1297500" y="1567550"/>
-            <a:ext cx="7038900" cy="2911200"/>
+            <a:off x="138546" y="852055"/>
+            <a:ext cx="3657599" cy="4204853"/>
           </a:xfrm>
           <a:prstGeom prst="rect">
             <a:avLst/>
           </a:prstGeom>
         </p:spPr>
         <p:txBody>
-          <a:bodyPr anchorCtr="0" anchor="t" bIns="91425" lIns="91425" spcFirstLastPara="1" rIns="91425" wrap="square" tIns="91425">
+          <a:bodyPr spcFirstLastPara="1" wrap="square" lIns="91425" tIns="91425" rIns="91425" bIns="91425" anchor="t" anchorCtr="0">
             <a:normAutofit/>
           </a:bodyPr>
           <a:lstStyle/>
           <a:p>
-            <a:pPr indent="0" lvl="0" marL="0" rtl="0" algn="l">
-              <a:spcBef>
-                <a:spcPts val="0"/>
-              </a:spcBef>
-              <a:spcAft>
-                <a:spcPts val="1200"/>
-              </a:spcAft>
-              <a:buNone/>
+            <a:pPr lvl="0" indent="-304958">
+              <a:spcBef>
+                <a:spcPts val="1000"/>
+              </a:spcBef>
+              <a:buSzPct val="100000"/>
             </a:pPr>
             <a:r>
-              <a:t/>
+              <a:rPr lang="en-US" dirty="0"/>
+              <a:t>Goal: Highlight geographical clusters and trends directly on top of a world map.</a:t>
             </a:r>
-            <a:endParaRPr/>
+          </a:p>
+          <a:p>
+            <a:pPr lvl="0" indent="-304958">
+              <a:spcBef>
+                <a:spcPts val="1000"/>
+              </a:spcBef>
+              <a:buSzPct val="100000"/>
+            </a:pPr>
+            <a:r>
+              <a:rPr lang="en-US" dirty="0"/>
+              <a:t>Structure: A world map with glaciers marked by country on top.</a:t>
+            </a:r>
+          </a:p>
+          <a:p>
+            <a:pPr lvl="0" indent="-304958">
+              <a:spcBef>
+                <a:spcPts val="1000"/>
+              </a:spcBef>
+              <a:buSzPct val="100000"/>
+            </a:pPr>
+            <a:r>
+              <a:rPr lang="en-US" dirty="0"/>
+              <a:t>Color mapping: Each country is assigned a designated color for visual clarity.</a:t>
+            </a:r>
+          </a:p>
+          <a:p>
+            <a:pPr lvl="0" indent="-304958">
+              <a:spcBef>
+                <a:spcPts val="1000"/>
+              </a:spcBef>
+              <a:buSzPct val="100000"/>
+            </a:pPr>
+            <a:r>
+              <a:rPr lang="en-US" dirty="0"/>
+              <a:t>Insight: Reveals clusters on top of world map to better understand geographical trends.</a:t>
+            </a:r>
+          </a:p>
+          <a:p>
+            <a:pPr lvl="0" indent="-304958">
+              <a:spcBef>
+                <a:spcPts val="1000"/>
+              </a:spcBef>
+              <a:spcAft>
+                <a:spcPts val="1200"/>
+              </a:spcAft>
+              <a:buSzPct val="100000"/>
+            </a:pPr>
+            <a:r>
+              <a:rPr lang="en-US" dirty="0"/>
+              <a:t>Why It Is Important: Highlights regions that could have climate and geographical characteristics that could negatively impact glaciers.</a:t>
+            </a:r>
+          </a:p>
+          <a:p>
+            <a:pPr marL="0" lvl="0" indent="0" algn="l" rtl="0">
+              <a:spcBef>
+                <a:spcPts val="0"/>
+              </a:spcBef>
+              <a:spcAft>
+                <a:spcPts val="1200"/>
+              </a:spcAft>
+              <a:buNone/>
+            </a:pPr>
+            <a:endParaRPr dirty="0"/>
           </a:p>
         </p:txBody>
       </p:sp>
@@ -11872,8 +11981,8 @@
         </p:blipFill>
         <p:spPr>
           <a:xfrm>
-            <a:off x="0" y="1017725"/>
-            <a:ext cx="9143999" cy="4125774"/>
+            <a:off x="3920836" y="90055"/>
+            <a:ext cx="5084618" cy="4966853"/>
           </a:xfrm>
           <a:prstGeom prst="rect">
             <a:avLst/>
@@ -11893,11 +12002,11 @@
 </file>
 
 <file path=ppt/slides/slide8.xml><?xml version="1.0" encoding="utf-8"?>
-<p:sld xmlns:a="http://schemas.openxmlformats.org/drawingml/2006/main" xmlns:r="http://schemas.openxmlformats.org/officeDocument/2006/relationships" xmlns:mc="http://schemas.openxmlformats.org/markup-compatibility/2006" xmlns:mv="urn:schemas-microsoft-com:mac:vml" xmlns:p="http://schemas.openxmlformats.org/presentationml/2006/main" xmlns:c="http://schemas.openxmlformats.org/drawingml/2006/chart" xmlns:dgm="http://schemas.openxmlformats.org/drawingml/2006/diagram" xmlns:o="urn:schemas-microsoft-com:office:office" xmlns:v="urn:schemas-microsoft-com:vml" xmlns:pvml="urn:schemas-microsoft-com:office:powerpoint" xmlns:com="http://schemas.openxmlformats.org/drawingml/2006/compatibility" xmlns:p14="http://schemas.microsoft.com/office/powerpoint/2010/main" xmlns:p15="http://schemas.microsoft.com/office/powerpoint/2012/main" xmlns:ahyp="http://schemas.microsoft.com/office/drawing/2018/hyperlinkcolor">
+<p:sld xmlns:a="http://schemas.openxmlformats.org/drawingml/2006/main" xmlns:r="http://schemas.openxmlformats.org/officeDocument/2006/relationships" xmlns:p="http://schemas.openxmlformats.org/presentationml/2006/main">
   <p:cSld>
     <p:spTree>
       <p:nvGrpSpPr>
-        <p:cNvPr id="181" name="Shape 181"/>
+        <p:cNvPr id="1" name="Shape 181"/>
         <p:cNvGrpSpPr/>
         <p:nvPr/>
       </p:nvGrpSpPr>
@@ -11912,7 +12021,9 @@
       <p:sp>
         <p:nvSpPr>
           <p:cNvPr id="182" name="Google Shape;182;p20"/>
-          <p:cNvSpPr txBox="1"/>
+          <p:cNvSpPr txBox="1">
+            <a:spLocks noGrp="1"/>
+          </p:cNvSpPr>
           <p:nvPr>
             <p:ph type="title"/>
           </p:nvPr>
@@ -11927,12 +12038,12 @@
           </a:prstGeom>
         </p:spPr>
         <p:txBody>
-          <a:bodyPr anchorCtr="0" anchor="t" bIns="91425" lIns="91425" spcFirstLastPara="1" rIns="91425" wrap="square" tIns="91425">
+          <a:bodyPr spcFirstLastPara="1" wrap="square" lIns="91425" tIns="91425" rIns="91425" bIns="91425" anchor="t" anchorCtr="0">
             <a:normAutofit/>
           </a:bodyPr>
           <a:lstStyle/>
           <a:p>
-            <a:pPr indent="0" lvl="0" marL="0" rtl="0" algn="l">
+            <a:pPr marL="0" lvl="0" indent="0" algn="l" rtl="0">
               <a:spcBef>
                 <a:spcPts val="0"/>
               </a:spcBef>
@@ -11952,39 +12063,97 @@
       <p:sp>
         <p:nvSpPr>
           <p:cNvPr id="183" name="Google Shape;183;p20"/>
-          <p:cNvSpPr txBox="1"/>
+          <p:cNvSpPr txBox="1">
+            <a:spLocks noGrp="1"/>
+          </p:cNvSpPr>
           <p:nvPr>
-            <p:ph idx="1" type="body"/>
+            <p:ph type="body" idx="1"/>
           </p:nvPr>
         </p:nvSpPr>
         <p:spPr>
           <a:xfrm>
-            <a:off x="1297500" y="1567550"/>
-            <a:ext cx="7038900" cy="2911200"/>
+            <a:off x="152400" y="968798"/>
+            <a:ext cx="3780971" cy="4081184"/>
           </a:xfrm>
           <a:prstGeom prst="rect">
             <a:avLst/>
           </a:prstGeom>
         </p:spPr>
         <p:txBody>
-          <a:bodyPr anchorCtr="0" anchor="t" bIns="91425" lIns="91425" spcFirstLastPara="1" rIns="91425" wrap="square" tIns="91425">
-            <a:normAutofit/>
+          <a:bodyPr spcFirstLastPara="1" wrap="square" lIns="91425" tIns="91425" rIns="91425" bIns="91425" anchor="t" anchorCtr="0">
+            <a:normAutofit fontScale="92500" lnSpcReduction="10000"/>
           </a:bodyPr>
           <a:lstStyle/>
           <a:p>
-            <a:pPr indent="0" lvl="0" marL="0" rtl="0" algn="l">
-              <a:spcBef>
-                <a:spcPts val="0"/>
-              </a:spcBef>
-              <a:spcAft>
-                <a:spcPts val="1200"/>
-              </a:spcAft>
-              <a:buNone/>
+            <a:pPr lvl="0" indent="-304958">
+              <a:spcBef>
+                <a:spcPts val="1000"/>
+              </a:spcBef>
+              <a:buSzPct val="100000"/>
             </a:pPr>
             <a:r>
-              <a:t/>
+              <a:rPr lang="en-US" dirty="0"/>
+              <a:t>Goal: Highlights the distribution of glaciers with clearly outlined outliers in the 5 countries with the most glaciers</a:t>
             </a:r>
-            <a:endParaRPr/>
+          </a:p>
+          <a:p>
+            <a:pPr lvl="0" indent="-304958">
+              <a:spcBef>
+                <a:spcPts val="1200"/>
+              </a:spcBef>
+              <a:buSzPct val="100000"/>
+            </a:pPr>
+            <a:r>
+              <a:rPr lang="en-US" dirty="0"/>
+              <a:t>Structure: The Latitude and Longitude data being separate allows for direct visualization of north-south vs east-west glacier distributions.</a:t>
+            </a:r>
+          </a:p>
+          <a:p>
+            <a:pPr lvl="0" indent="-304958">
+              <a:spcBef>
+                <a:spcPts val="1000"/>
+              </a:spcBef>
+              <a:buSzPct val="100000"/>
+            </a:pPr>
+            <a:r>
+              <a:rPr lang="en-US" dirty="0"/>
+              <a:t>Color mapping: Each country is assigned a designated color for visual clarity.</a:t>
+            </a:r>
+          </a:p>
+          <a:p>
+            <a:pPr lvl="0" indent="-304958">
+              <a:spcBef>
+                <a:spcPts val="1000"/>
+              </a:spcBef>
+              <a:buSzPct val="100000"/>
+            </a:pPr>
+            <a:r>
+              <a:rPr lang="en-US" dirty="0"/>
+              <a:t>Insight: The interquartile range shows the center of glacier clusters in each country.</a:t>
+            </a:r>
+          </a:p>
+          <a:p>
+            <a:pPr lvl="0" indent="-304958">
+              <a:spcBef>
+                <a:spcPts val="1000"/>
+              </a:spcBef>
+              <a:spcAft>
+                <a:spcPts val="1200"/>
+              </a:spcAft>
+              <a:buSzPct val="100000"/>
+            </a:pPr>
+            <a:r>
+              <a:rPr lang="en-US" dirty="0"/>
+              <a:t>Why It Is Important: This visualization is important because it allows for us to understand these distributions to understand geographic patterns and climate influences in each country.</a:t>
+            </a:r>
+          </a:p>
+          <a:p>
+            <a:pPr marL="285750" indent="-285750">
+              <a:spcAft>
+                <a:spcPts val="1200"/>
+              </a:spcAft>
+            </a:pPr>
+            <a:endParaRPr dirty="0"/>
           </a:p>
         </p:txBody>
       </p:sp>
@@ -12004,8 +12173,8 @@
         </p:blipFill>
         <p:spPr>
           <a:xfrm>
-            <a:off x="0" y="1017725"/>
-            <a:ext cx="9144001" cy="4125774"/>
+            <a:off x="4031672" y="131618"/>
+            <a:ext cx="5036127" cy="4918364"/>
           </a:xfrm>
           <a:prstGeom prst="rect">
             <a:avLst/>
@@ -12025,11 +12194,11 @@
 </file>
 
 <file path=ppt/slides/slide9.xml><?xml version="1.0" encoding="utf-8"?>
-<p:sld xmlns:a="http://schemas.openxmlformats.org/drawingml/2006/main" xmlns:r="http://schemas.openxmlformats.org/officeDocument/2006/relationships" xmlns:mc="http://schemas.openxmlformats.org/markup-compatibility/2006" xmlns:mv="urn:schemas-microsoft-com:mac:vml" xmlns:p="http://schemas.openxmlformats.org/presentationml/2006/main" xmlns:c="http://schemas.openxmlformats.org/drawingml/2006/chart" xmlns:dgm="http://schemas.openxmlformats.org/drawingml/2006/diagram" xmlns:o="urn:schemas-microsoft-com:office:office" xmlns:v="urn:schemas-microsoft-com:vml" xmlns:pvml="urn:schemas-microsoft-com:office:powerpoint" xmlns:com="http://schemas.openxmlformats.org/drawingml/2006/compatibility" xmlns:p14="http://schemas.microsoft.com/office/powerpoint/2010/main" xmlns:p15="http://schemas.microsoft.com/office/powerpoint/2012/main" xmlns:ahyp="http://schemas.microsoft.com/office/drawing/2018/hyperlinkcolor">
+<p:sld xmlns:a="http://schemas.openxmlformats.org/drawingml/2006/main" xmlns:r="http://schemas.openxmlformats.org/officeDocument/2006/relationships" xmlns:p="http://schemas.openxmlformats.org/presentationml/2006/main">
   <p:cSld>
     <p:spTree>
       <p:nvGrpSpPr>
-        <p:cNvPr id="188" name="Shape 188"/>
+        <p:cNvPr id="1" name="Shape 188"/>
         <p:cNvGrpSpPr/>
         <p:nvPr/>
       </p:nvGrpSpPr>
@@ -12044,7 +12213,9 @@
       <p:sp>
         <p:nvSpPr>
           <p:cNvPr id="189" name="Google Shape;189;p21"/>
-          <p:cNvSpPr txBox="1"/>
+          <p:cNvSpPr txBox="1">
+            <a:spLocks noGrp="1"/>
+          </p:cNvSpPr>
           <p:nvPr>
             <p:ph type="title"/>
           </p:nvPr>
@@ -12059,12 +12230,12 @@
           </a:prstGeom>
         </p:spPr>
         <p:txBody>
-          <a:bodyPr anchorCtr="0" anchor="t" bIns="91425" lIns="91425" spcFirstLastPara="1" rIns="91425" wrap="square" tIns="91425">
+          <a:bodyPr spcFirstLastPara="1" wrap="square" lIns="91425" tIns="91425" rIns="91425" bIns="91425" anchor="t" anchorCtr="0">
             <a:noAutofit/>
           </a:bodyPr>
           <a:lstStyle/>
           <a:p>
-            <a:pPr indent="0" lvl="0" marL="0" rtl="0" algn="l">
+            <a:pPr marL="0" lvl="0" indent="0" algn="l" rtl="0">
               <a:spcBef>
                 <a:spcPts val="0"/>
               </a:spcBef>
@@ -12081,7 +12252,7 @@
             <a:endParaRPr sz="3000"/>
           </a:p>
           <a:p>
-            <a:pPr indent="0" lvl="0" marL="0" rtl="0" algn="l">
+            <a:pPr marL="0" lvl="0" indent="0" algn="l" rtl="0">
               <a:spcBef>
                 <a:spcPts val="0"/>
               </a:spcBef>
@@ -12102,9 +12273,11 @@
       <p:sp>
         <p:nvSpPr>
           <p:cNvPr id="190" name="Google Shape;190;p21"/>
-          <p:cNvSpPr txBox="1"/>
+          <p:cNvSpPr txBox="1">
+            <a:spLocks noGrp="1"/>
+          </p:cNvSpPr>
           <p:nvPr>
-            <p:ph idx="1" type="body"/>
+            <p:ph type="body" idx="1"/>
           </p:nvPr>
         </p:nvSpPr>
         <p:spPr>
@@ -12117,12 +12290,12 @@
           </a:prstGeom>
         </p:spPr>
         <p:txBody>
-          <a:bodyPr anchorCtr="0" anchor="t" bIns="91425" lIns="91425" spcFirstLastPara="1" rIns="91425" wrap="square" tIns="91425">
-            <a:normAutofit fontScale="92500" lnSpcReduction="20000"/>
+          <a:bodyPr spcFirstLastPara="1" wrap="square" lIns="91425" tIns="91425" rIns="91425" bIns="91425" anchor="t" anchorCtr="0">
+            <a:normAutofit fontScale="85000" lnSpcReduction="10000"/>
           </a:bodyPr>
           <a:lstStyle/>
           <a:p>
-            <a:pPr indent="-304958" lvl="0" marL="457200" rtl="0" algn="l">
+            <a:pPr marL="457200" lvl="0" indent="-304958" algn="l" rtl="0">
               <a:spcBef>
                 <a:spcPts val="1000"/>
               </a:spcBef>
@@ -12133,13 +12306,13 @@
               <a:buChar char="●"/>
             </a:pPr>
             <a:r>
-              <a:rPr lang="en"/>
+              <a:rPr lang="en" dirty="0"/>
               <a:t>Goal: Highlights cyclical or abrupt changes in mass by displaying glacier mass changes over centuries in a circular timeline.</a:t>
             </a:r>
-            <a:endParaRPr/>
+            <a:endParaRPr dirty="0"/>
           </a:p>
           <a:p>
-            <a:pPr indent="-304958" lvl="0" marL="457200" rtl="0" algn="l">
+            <a:pPr marL="457200" lvl="0" indent="-304958" algn="l" rtl="0">
               <a:spcBef>
                 <a:spcPts val="1200"/>
               </a:spcBef>
@@ -12150,13 +12323,13 @@
               <a:buChar char="●"/>
             </a:pPr>
             <a:r>
-              <a:rPr lang="en"/>
+              <a:rPr lang="en" dirty="0"/>
               <a:t>Structure: To illustrate temporal patterns, each bar is positioned radially by time and represents the mass change in a particular year.</a:t>
             </a:r>
-            <a:endParaRPr/>
+            <a:endParaRPr dirty="0"/>
           </a:p>
           <a:p>
-            <a:pPr indent="-304958" lvl="0" marL="457200" rtl="0" algn="l">
+            <a:pPr marL="457200" lvl="0" indent="-304958" algn="l" rtl="0">
               <a:spcBef>
                 <a:spcPts val="1000"/>
               </a:spcBef>
@@ -12167,13 +12340,13 @@
               <a:buChar char="●"/>
             </a:pPr>
             <a:r>
-              <a:rPr lang="en"/>
+              <a:rPr lang="en" dirty="0"/>
               <a:t>Color mapping: The degree of mass gain or loss is conveyed by a cool-to-warm color gradient (red = loss, blue = gain).</a:t>
             </a:r>
-            <a:endParaRPr/>
+            <a:endParaRPr dirty="0"/>
           </a:p>
           <a:p>
-            <a:pPr indent="-304958" lvl="0" marL="457200" rtl="0" algn="l">
+            <a:pPr marL="457200" lvl="0" indent="-304958" algn="l" rtl="0">
               <a:spcBef>
                 <a:spcPts val="1000"/>
               </a:spcBef>
@@ -12184,17 +12357,13 @@
               <a:buChar char="●"/>
             </a:pPr>
             <a:r>
-              <a:rPr lang="en"/>
-              <a:t>I</a:t>
+              <a:rPr lang="en" dirty="0"/>
+              <a:t>Insight: Shows that the glacier mass balance has decreased significantly since the mid-20th century</a:t>
             </a:r>
-            <a:r>
-              <a:rPr lang="en"/>
-              <a:t>nsight: Shows that the glacier mass balance has decreased significantly since the mid-20th century</a:t>
-            </a:r>
-            <a:endParaRPr/>
+            <a:endParaRPr dirty="0"/>
           </a:p>
           <a:p>
-            <a:pPr indent="-304958" lvl="0" marL="457200" rtl="0" algn="l">
+            <a:pPr marL="457200" lvl="0" indent="-304958" algn="l" rtl="0">
               <a:spcBef>
                 <a:spcPts val="1000"/>
               </a:spcBef>
@@ -12205,10 +12374,10 @@
               <a:buChar char="●"/>
             </a:pPr>
             <a:r>
-              <a:rPr lang="en"/>
+              <a:rPr lang="en" dirty="0"/>
               <a:t>Why It Is Important: valuable for pinpointing periods of rapid melting or stabilization, particularly in the context of long-term climate monitoring.</a:t>
             </a:r>
-            <a:endParaRPr/>
+            <a:endParaRPr dirty="0"/>
           </a:p>
         </p:txBody>
       </p:sp>
@@ -12249,7 +12418,7 @@
 </file>
 
 <file path=ppt/theme/theme1.xml><?xml version="1.0" encoding="utf-8"?>
-<a:theme xmlns:a="http://schemas.openxmlformats.org/drawingml/2006/main" xmlns:r="http://schemas.openxmlformats.org/officeDocument/2006/relationships" name="Focus">
+<a:theme xmlns:a="http://schemas.openxmlformats.org/drawingml/2006/main" name="Focus">
   <a:themeElements>
     <a:clrScheme name="Focus">
       <a:dk1>
@@ -12524,11 +12693,13 @@
       </a:bgFillStyleLst>
     </a:fmtScheme>
   </a:themeElements>
+  <a:objectDefaults/>
+  <a:extraClrSchemeLst/>
 </a:theme>
 </file>
 
 <file path=ppt/theme/theme2.xml><?xml version="1.0" encoding="utf-8"?>
-<a:theme xmlns:a="http://schemas.openxmlformats.org/drawingml/2006/main" xmlns:r="http://schemas.openxmlformats.org/officeDocument/2006/relationships">
+<a:theme xmlns:a="http://schemas.openxmlformats.org/drawingml/2006/main">
   <a:themeElements>
     <a:clrScheme name="Default">
       <a:dk1>
@@ -12803,5 +12974,7 @@
       </a:bgFillStyleLst>
     </a:fmtScheme>
   </a:themeElements>
+  <a:objectDefaults/>
+  <a:extraClrSchemeLst/>
 </a:theme>
 </file>
--- a/CS445 SLIDES.pptx
+++ b/CS445 SLIDES.pptx
@@ -1,47 +1,47 @@
 
 <file path=ppt/presentation.xml><?xml version="1.0" encoding="utf-8"?>
-<p:presentation xmlns:a="http://schemas.openxmlformats.org/drawingml/2006/main" xmlns:r="http://schemas.openxmlformats.org/officeDocument/2006/relationships" xmlns:p="http://schemas.openxmlformats.org/presentationml/2006/main" strictFirstAndLastChars="0" embedTrueTypeFonts="1" saveSubsetFonts="1" autoCompressPictures="0">
+<p:presentation xmlns:a="http://schemas.openxmlformats.org/drawingml/2006/main" xmlns:r="http://schemas.openxmlformats.org/officeDocument/2006/relationships" xmlns:mc="http://schemas.openxmlformats.org/markup-compatibility/2006" xmlns:mv="urn:schemas-microsoft-com:mac:vml" xmlns:p="http://schemas.openxmlformats.org/presentationml/2006/main" xmlns:c="http://schemas.openxmlformats.org/drawingml/2006/chart" xmlns:dgm="http://schemas.openxmlformats.org/drawingml/2006/diagram" xmlns:o="urn:schemas-microsoft-com:office:office" xmlns:v="urn:schemas-microsoft-com:vml" xmlns:pvml="urn:schemas-microsoft-com:office:powerpoint" xmlns:com="http://schemas.openxmlformats.org/drawingml/2006/compatibility" xmlns:p14="http://schemas.microsoft.com/office/powerpoint/2010/main" xmlns:p15="http://schemas.microsoft.com/office/powerpoint/2012/main" xmlns:ahyp="http://schemas.microsoft.com/office/drawing/2018/hyperlinkcolor" autoCompressPictures="0" embedTrueTypeFonts="1" strictFirstAndLastChars="0" saveSubsetFonts="1">
   <p:sldMasterIdLst>
-    <p:sldMasterId id="2147483659" r:id="rId1"/>
+    <p:sldMasterId id="2147483659" r:id="rId4"/>
   </p:sldMasterIdLst>
   <p:notesMasterIdLst>
-    <p:notesMasterId r:id="rId15"/>
+    <p:notesMasterId r:id="rId5"/>
   </p:notesMasterIdLst>
   <p:sldIdLst>
-    <p:sldId id="256" r:id="rId2"/>
-    <p:sldId id="257" r:id="rId3"/>
-    <p:sldId id="258" r:id="rId4"/>
-    <p:sldId id="259" r:id="rId5"/>
-    <p:sldId id="260" r:id="rId6"/>
-    <p:sldId id="261" r:id="rId7"/>
-    <p:sldId id="262" r:id="rId8"/>
-    <p:sldId id="263" r:id="rId9"/>
-    <p:sldId id="264" r:id="rId10"/>
-    <p:sldId id="265" r:id="rId11"/>
-    <p:sldId id="266" r:id="rId12"/>
-    <p:sldId id="267" r:id="rId13"/>
-    <p:sldId id="268" r:id="rId14"/>
+    <p:sldId id="256" r:id="rId6"/>
+    <p:sldId id="257" r:id="rId7"/>
+    <p:sldId id="258" r:id="rId8"/>
+    <p:sldId id="259" r:id="rId9"/>
+    <p:sldId id="260" r:id="rId10"/>
+    <p:sldId id="261" r:id="rId11"/>
+    <p:sldId id="262" r:id="rId12"/>
+    <p:sldId id="263" r:id="rId13"/>
+    <p:sldId id="264" r:id="rId14"/>
+    <p:sldId id="265" r:id="rId15"/>
+    <p:sldId id="266" r:id="rId16"/>
+    <p:sldId id="267" r:id="rId17"/>
+    <p:sldId id="268" r:id="rId18"/>
   </p:sldIdLst>
-  <p:sldSz cx="9144000" cy="5143500" type="screen16x9"/>
+  <p:sldSz cy="5143500" cx="9144000"/>
   <p:notesSz cx="6858000" cy="9144000"/>
   <p:embeddedFontLst>
     <p:embeddedFont>
-      <p:font typeface="Lato" panose="020F0502020204030203" pitchFamily="34" charset="0"/>
-      <p:regular r:id="rId16"/>
-      <p:bold r:id="rId17"/>
-      <p:italic r:id="rId18"/>
-      <p:boldItalic r:id="rId19"/>
+      <p:font typeface="Montserrat"/>
+      <p:regular r:id="rId19"/>
+      <p:bold r:id="rId20"/>
+      <p:italic r:id="rId21"/>
+      <p:boldItalic r:id="rId22"/>
     </p:embeddedFont>
     <p:embeddedFont>
-      <p:font typeface="Montserrat" panose="00000500000000000000" pitchFamily="2" charset="0"/>
-      <p:regular r:id="rId20"/>
-      <p:bold r:id="rId21"/>
-      <p:italic r:id="rId22"/>
-      <p:boldItalic r:id="rId23"/>
+      <p:font typeface="Lato"/>
+      <p:regular r:id="rId23"/>
+      <p:bold r:id="rId24"/>
+      <p:italic r:id="rId25"/>
+      <p:boldItalic r:id="rId26"/>
     </p:embeddedFont>
   </p:embeddedFontLst>
   <p:defaultTextStyle>
-    <a:defPPr marR="0" lvl="0" algn="l" rtl="0">
+    <a:defPPr lvl="0" marR="0" rtl="0" algn="l">
       <a:lnSpc>
         <a:spcPct val="100000"/>
       </a:lnSpc>
@@ -52,7 +52,7 @@
         <a:spcPts val="0"/>
       </a:spcAft>
     </a:defPPr>
-    <a:lvl1pPr marR="0" lvl="0" algn="l" rtl="0">
+    <a:lvl1pPr lvl="0" marR="0" rtl="0" algn="l">
       <a:lnSpc>
         <a:spcPct val="100000"/>
       </a:lnSpc>
@@ -66,7 +66,7 @@
         <a:srgbClr val="000000"/>
       </a:buClr>
       <a:buFont typeface="Arial"/>
-      <a:defRPr sz="1400" b="0" i="0" u="none" strike="noStrike" cap="none">
+      <a:defRPr b="0" i="0" sz="1400" u="none" cap="none" strike="noStrike">
         <a:solidFill>
           <a:srgbClr val="000000"/>
         </a:solidFill>
@@ -76,7 +76,7 @@
         <a:sym typeface="Arial"/>
       </a:defRPr>
     </a:lvl1pPr>
-    <a:lvl2pPr marR="0" lvl="1" algn="l" rtl="0">
+    <a:lvl2pPr lvl="1" marR="0" rtl="0" algn="l">
       <a:lnSpc>
         <a:spcPct val="100000"/>
       </a:lnSpc>
@@ -90,7 +90,7 @@
         <a:srgbClr val="000000"/>
       </a:buClr>
       <a:buFont typeface="Arial"/>
-      <a:defRPr sz="1400" b="0" i="0" u="none" strike="noStrike" cap="none">
+      <a:defRPr b="0" i="0" sz="1400" u="none" cap="none" strike="noStrike">
         <a:solidFill>
           <a:srgbClr val="000000"/>
         </a:solidFill>
@@ -100,7 +100,7 @@
         <a:sym typeface="Arial"/>
       </a:defRPr>
     </a:lvl2pPr>
-    <a:lvl3pPr marR="0" lvl="2" algn="l" rtl="0">
+    <a:lvl3pPr lvl="2" marR="0" rtl="0" algn="l">
       <a:lnSpc>
         <a:spcPct val="100000"/>
       </a:lnSpc>
@@ -114,7 +114,7 @@
         <a:srgbClr val="000000"/>
       </a:buClr>
       <a:buFont typeface="Arial"/>
-      <a:defRPr sz="1400" b="0" i="0" u="none" strike="noStrike" cap="none">
+      <a:defRPr b="0" i="0" sz="1400" u="none" cap="none" strike="noStrike">
         <a:solidFill>
           <a:srgbClr val="000000"/>
         </a:solidFill>
@@ -124,7 +124,7 @@
         <a:sym typeface="Arial"/>
       </a:defRPr>
     </a:lvl3pPr>
-    <a:lvl4pPr marR="0" lvl="3" algn="l" rtl="0">
+    <a:lvl4pPr lvl="3" marR="0" rtl="0" algn="l">
       <a:lnSpc>
         <a:spcPct val="100000"/>
       </a:lnSpc>
@@ -138,7 +138,7 @@
         <a:srgbClr val="000000"/>
       </a:buClr>
       <a:buFont typeface="Arial"/>
-      <a:defRPr sz="1400" b="0" i="0" u="none" strike="noStrike" cap="none">
+      <a:defRPr b="0" i="0" sz="1400" u="none" cap="none" strike="noStrike">
         <a:solidFill>
           <a:srgbClr val="000000"/>
         </a:solidFill>
@@ -148,7 +148,7 @@
         <a:sym typeface="Arial"/>
       </a:defRPr>
     </a:lvl4pPr>
-    <a:lvl5pPr marR="0" lvl="4" algn="l" rtl="0">
+    <a:lvl5pPr lvl="4" marR="0" rtl="0" algn="l">
       <a:lnSpc>
         <a:spcPct val="100000"/>
       </a:lnSpc>
@@ -162,7 +162,7 @@
         <a:srgbClr val="000000"/>
       </a:buClr>
       <a:buFont typeface="Arial"/>
-      <a:defRPr sz="1400" b="0" i="0" u="none" strike="noStrike" cap="none">
+      <a:defRPr b="0" i="0" sz="1400" u="none" cap="none" strike="noStrike">
         <a:solidFill>
           <a:srgbClr val="000000"/>
         </a:solidFill>
@@ -172,7 +172,7 @@
         <a:sym typeface="Arial"/>
       </a:defRPr>
     </a:lvl5pPr>
-    <a:lvl6pPr marR="0" lvl="5" algn="l" rtl="0">
+    <a:lvl6pPr lvl="5" marR="0" rtl="0" algn="l">
       <a:lnSpc>
         <a:spcPct val="100000"/>
       </a:lnSpc>
@@ -186,7 +186,7 @@
         <a:srgbClr val="000000"/>
       </a:buClr>
       <a:buFont typeface="Arial"/>
-      <a:defRPr sz="1400" b="0" i="0" u="none" strike="noStrike" cap="none">
+      <a:defRPr b="0" i="0" sz="1400" u="none" cap="none" strike="noStrike">
         <a:solidFill>
           <a:srgbClr val="000000"/>
         </a:solidFill>
@@ -196,7 +196,7 @@
         <a:sym typeface="Arial"/>
       </a:defRPr>
     </a:lvl6pPr>
-    <a:lvl7pPr marR="0" lvl="6" algn="l" rtl="0">
+    <a:lvl7pPr lvl="6" marR="0" rtl="0" algn="l">
       <a:lnSpc>
         <a:spcPct val="100000"/>
       </a:lnSpc>
@@ -210,7 +210,7 @@
         <a:srgbClr val="000000"/>
       </a:buClr>
       <a:buFont typeface="Arial"/>
-      <a:defRPr sz="1400" b="0" i="0" u="none" strike="noStrike" cap="none">
+      <a:defRPr b="0" i="0" sz="1400" u="none" cap="none" strike="noStrike">
         <a:solidFill>
           <a:srgbClr val="000000"/>
         </a:solidFill>
@@ -220,7 +220,7 @@
         <a:sym typeface="Arial"/>
       </a:defRPr>
     </a:lvl7pPr>
-    <a:lvl8pPr marR="0" lvl="7" algn="l" rtl="0">
+    <a:lvl8pPr lvl="7" marR="0" rtl="0" algn="l">
       <a:lnSpc>
         <a:spcPct val="100000"/>
       </a:lnSpc>
@@ -234,7 +234,7 @@
         <a:srgbClr val="000000"/>
       </a:buClr>
       <a:buFont typeface="Arial"/>
-      <a:defRPr sz="1400" b="0" i="0" u="none" strike="noStrike" cap="none">
+      <a:defRPr b="0" i="0" sz="1400" u="none" cap="none" strike="noStrike">
         <a:solidFill>
           <a:srgbClr val="000000"/>
         </a:solidFill>
@@ -244,7 +244,7 @@
         <a:sym typeface="Arial"/>
       </a:defRPr>
     </a:lvl8pPr>
-    <a:lvl9pPr marR="0" lvl="8" algn="l" rtl="0">
+    <a:lvl9pPr lvl="8" marR="0" rtl="0" algn="l">
       <a:lnSpc>
         <a:spcPct val="100000"/>
       </a:lnSpc>
@@ -258,7 +258,7 @@
         <a:srgbClr val="000000"/>
       </a:buClr>
       <a:buFont typeface="Arial"/>
-      <a:defRPr sz="1400" b="0" i="0" u="none" strike="noStrike" cap="none">
+      <a:defRPr b="0" i="0" sz="1400" u="none" cap="none" strike="noStrike">
         <a:solidFill>
           <a:srgbClr val="000000"/>
         </a:solidFill>
@@ -271,7 +271,7 @@
   </p:defaultTextStyle>
   <p:extLst>
     <p:ext uri="{EFAFB233-063F-42B5-8137-9DF3F51BA10A}">
-      <p15:sldGuideLst xmlns:p15="http://schemas.microsoft.com/office/powerpoint/2012/main">
+      <p15:sldGuideLst>
         <p15:guide id="1" orient="horz" pos="1620">
           <p15:clr>
             <a:srgbClr val="747775"/>
@@ -289,16 +289,11 @@
 </file>
 
 <file path=ppt/notesMasters/notesMaster1.xml><?xml version="1.0" encoding="utf-8"?>
-<p:notesMaster xmlns:a="http://schemas.openxmlformats.org/drawingml/2006/main" xmlns:r="http://schemas.openxmlformats.org/officeDocument/2006/relationships" xmlns:p="http://schemas.openxmlformats.org/presentationml/2006/main">
+<p:notesMaster xmlns:a="http://schemas.openxmlformats.org/drawingml/2006/main" xmlns:r="http://schemas.openxmlformats.org/officeDocument/2006/relationships" xmlns:mc="http://schemas.openxmlformats.org/markup-compatibility/2006" xmlns:mv="urn:schemas-microsoft-com:mac:vml" xmlns:p="http://schemas.openxmlformats.org/presentationml/2006/main" xmlns:c="http://schemas.openxmlformats.org/drawingml/2006/chart" xmlns:dgm="http://schemas.openxmlformats.org/drawingml/2006/diagram" xmlns:o="urn:schemas-microsoft-com:office:office" xmlns:v="urn:schemas-microsoft-com:vml" xmlns:pvml="urn:schemas-microsoft-com:office:powerpoint" xmlns:com="http://schemas.openxmlformats.org/drawingml/2006/compatibility" xmlns:p14="http://schemas.microsoft.com/office/powerpoint/2010/main" xmlns:p15="http://schemas.microsoft.com/office/powerpoint/2012/main" xmlns:ahyp="http://schemas.microsoft.com/office/drawing/2018/hyperlinkcolor">
   <p:cSld>
-    <p:bg>
-      <p:bgRef idx="1001">
-        <a:schemeClr val="bg1"/>
-      </p:bgRef>
-    </p:bg>
     <p:spTree>
       <p:nvGrpSpPr>
-        <p:cNvPr id="1" name="Shape 2"/>
+        <p:cNvPr id="2" name="Shape 2"/>
         <p:cNvGrpSpPr/>
         <p:nvPr/>
       </p:nvGrpSpPr>
@@ -313,11 +308,9 @@
       <p:sp>
         <p:nvSpPr>
           <p:cNvPr id="3" name="Google Shape;3;n"/>
-          <p:cNvSpPr>
-            <a:spLocks noGrp="1" noRot="1" noChangeAspect="1"/>
-          </p:cNvSpPr>
+          <p:cNvSpPr/>
           <p:nvPr>
-            <p:ph type="sldImg" idx="2"/>
+            <p:ph idx="2" type="sldImg"/>
           </p:nvPr>
         </p:nvSpPr>
         <p:spPr>
@@ -326,13 +319,9 @@
             <a:ext cx="6096075" cy="3429000"/>
           </a:xfrm>
           <a:custGeom>
-            <a:avLst/>
-            <a:gdLst/>
-            <a:ahLst/>
-            <a:cxnLst/>
-            <a:rect l="l" t="t" r="r" b="b"/>
+            <a:rect b="b" l="l" r="r" t="t"/>
             <a:pathLst>
-              <a:path w="120000" h="120000" extrusionOk="0">
+              <a:path extrusionOk="0" h="120000" w="120000">
                 <a:moveTo>
                   <a:pt x="0" y="0"/>
                 </a:moveTo>
@@ -350,25 +339,23 @@
             </a:pathLst>
           </a:custGeom>
           <a:noFill/>
-          <a:ln w="9525" cap="flat" cmpd="sng">
+          <a:ln cap="flat" cmpd="sng" w="9525">
             <a:solidFill>
               <a:srgbClr val="000000"/>
             </a:solidFill>
             <a:prstDash val="solid"/>
             <a:round/>
-            <a:headEnd type="none" w="sm" len="sm"/>
-            <a:tailEnd type="none" w="sm" len="sm"/>
+            <a:headEnd len="sm" w="sm" type="none"/>
+            <a:tailEnd len="sm" w="sm" type="none"/>
           </a:ln>
         </p:spPr>
       </p:sp>
       <p:sp>
         <p:nvSpPr>
           <p:cNvPr id="4" name="Google Shape;4;n"/>
-          <p:cNvSpPr txBox="1">
-            <a:spLocks noGrp="1"/>
-          </p:cNvSpPr>
+          <p:cNvSpPr txBox="1"/>
           <p:nvPr>
-            <p:ph type="body" idx="1"/>
+            <p:ph idx="1" type="body"/>
           </p:nvPr>
         </p:nvSpPr>
         <p:spPr>
@@ -385,11 +372,11 @@
           </a:ln>
         </p:spPr>
         <p:txBody>
-          <a:bodyPr spcFirstLastPara="1" wrap="square" lIns="91425" tIns="91425" rIns="91425" bIns="91425" anchor="t" anchorCtr="0">
+          <a:bodyPr anchorCtr="0" anchor="t" bIns="91425" lIns="91425" spcFirstLastPara="1" rIns="91425" wrap="square" tIns="91425">
             <a:noAutofit/>
           </a:bodyPr>
           <a:lstStyle>
-            <a:lvl1pPr marL="457200" lvl="0" indent="-298450">
+            <a:lvl1pPr indent="-298450" lvl="0" marL="457200">
               <a:spcBef>
                 <a:spcPts val="0"/>
               </a:spcBef>
@@ -400,7 +387,7 @@
               <a:buChar char="●"/>
               <a:defRPr sz="1100"/>
             </a:lvl1pPr>
-            <a:lvl2pPr marL="914400" lvl="1" indent="-298450">
+            <a:lvl2pPr indent="-298450" lvl="1" marL="914400">
               <a:spcBef>
                 <a:spcPts val="0"/>
               </a:spcBef>
@@ -411,7 +398,7 @@
               <a:buChar char="○"/>
               <a:defRPr sz="1100"/>
             </a:lvl2pPr>
-            <a:lvl3pPr marL="1371600" lvl="2" indent="-298450">
+            <a:lvl3pPr indent="-298450" lvl="2" marL="1371600">
               <a:spcBef>
                 <a:spcPts val="0"/>
               </a:spcBef>
@@ -422,7 +409,7 @@
               <a:buChar char="■"/>
               <a:defRPr sz="1100"/>
             </a:lvl3pPr>
-            <a:lvl4pPr marL="1828800" lvl="3" indent="-298450">
+            <a:lvl4pPr indent="-298450" lvl="3" marL="1828800">
               <a:spcBef>
                 <a:spcPts val="0"/>
               </a:spcBef>
@@ -433,7 +420,7 @@
               <a:buChar char="●"/>
               <a:defRPr sz="1100"/>
             </a:lvl4pPr>
-            <a:lvl5pPr marL="2286000" lvl="4" indent="-298450">
+            <a:lvl5pPr indent="-298450" lvl="4" marL="2286000">
               <a:spcBef>
                 <a:spcPts val="0"/>
               </a:spcBef>
@@ -444,7 +431,7 @@
               <a:buChar char="○"/>
               <a:defRPr sz="1100"/>
             </a:lvl5pPr>
-            <a:lvl6pPr marL="2743200" lvl="5" indent="-298450">
+            <a:lvl6pPr indent="-298450" lvl="5" marL="2743200">
               <a:spcBef>
                 <a:spcPts val="0"/>
               </a:spcBef>
@@ -455,7 +442,7 @@
               <a:buChar char="■"/>
               <a:defRPr sz="1100"/>
             </a:lvl6pPr>
-            <a:lvl7pPr marL="3200400" lvl="6" indent="-298450">
+            <a:lvl7pPr indent="-298450" lvl="6" marL="3200400">
               <a:spcBef>
                 <a:spcPts val="0"/>
               </a:spcBef>
@@ -466,7 +453,7 @@
               <a:buChar char="●"/>
               <a:defRPr sz="1100"/>
             </a:lvl7pPr>
-            <a:lvl8pPr marL="3657600" lvl="7" indent="-298450">
+            <a:lvl8pPr indent="-298450" lvl="7" marL="3657600">
               <a:spcBef>
                 <a:spcPts val="0"/>
               </a:spcBef>
@@ -477,7 +464,7 @@
               <a:buChar char="○"/>
               <a:defRPr sz="1100"/>
             </a:lvl8pPr>
-            <a:lvl9pPr marL="4114800" lvl="8" indent="-298450">
+            <a:lvl9pPr indent="-298450" lvl="8" marL="4114800">
               <a:spcBef>
                 <a:spcPts val="0"/>
               </a:spcBef>
@@ -489,16 +476,14 @@
               <a:defRPr sz="1100"/>
             </a:lvl9pPr>
           </a:lstStyle>
-          <a:p>
-            <a:endParaRPr/>
-          </a:p>
+          <a:p/>
         </p:txBody>
       </p:sp>
     </p:spTree>
   </p:cSld>
-  <p:clrMap bg1="lt1" tx1="dk1" bg2="dk2" tx2="lt2" accent1="accent1" accent2="accent2" accent3="accent3" accent4="accent4" accent5="accent5" accent6="accent6" hlink="hlink" folHlink="folHlink"/>
+  <p:clrMap accent1="accent1" accent2="accent2" accent3="accent3" accent4="accent4" accent5="accent5" accent6="accent6" bg1="lt1" bg2="dk2" tx1="dk1" tx2="lt2" folHlink="folHlink" hlink="hlink"/>
   <p:notesStyle>
-    <a:defPPr marR="0" lvl="0" algn="l" rtl="0">
+    <a:defPPr lvl="0" marR="0" rtl="0" algn="l">
       <a:lnSpc>
         <a:spcPct val="100000"/>
       </a:lnSpc>
@@ -509,7 +494,7 @@
         <a:spcPts val="0"/>
       </a:spcAft>
     </a:defPPr>
-    <a:lvl1pPr marR="0" lvl="0" algn="l" rtl="0">
+    <a:lvl1pPr lvl="0" marR="0" rtl="0" algn="l">
       <a:lnSpc>
         <a:spcPct val="100000"/>
       </a:lnSpc>
@@ -523,7 +508,7 @@
         <a:srgbClr val="000000"/>
       </a:buClr>
       <a:buFont typeface="Arial"/>
-      <a:defRPr sz="1400" b="0" i="0" u="none" strike="noStrike" cap="none">
+      <a:defRPr b="0" i="0" sz="1400" u="none" cap="none" strike="noStrike">
         <a:solidFill>
           <a:srgbClr val="000000"/>
         </a:solidFill>
@@ -533,7 +518,7 @@
         <a:sym typeface="Arial"/>
       </a:defRPr>
     </a:lvl1pPr>
-    <a:lvl2pPr marR="0" lvl="1" algn="l" rtl="0">
+    <a:lvl2pPr lvl="1" marR="0" rtl="0" algn="l">
       <a:lnSpc>
         <a:spcPct val="100000"/>
       </a:lnSpc>
@@ -547,7 +532,7 @@
         <a:srgbClr val="000000"/>
       </a:buClr>
       <a:buFont typeface="Arial"/>
-      <a:defRPr sz="1400" b="0" i="0" u="none" strike="noStrike" cap="none">
+      <a:defRPr b="0" i="0" sz="1400" u="none" cap="none" strike="noStrike">
         <a:solidFill>
           <a:srgbClr val="000000"/>
         </a:solidFill>
@@ -557,7 +542,7 @@
         <a:sym typeface="Arial"/>
       </a:defRPr>
     </a:lvl2pPr>
-    <a:lvl3pPr marR="0" lvl="2" algn="l" rtl="0">
+    <a:lvl3pPr lvl="2" marR="0" rtl="0" algn="l">
       <a:lnSpc>
         <a:spcPct val="100000"/>
       </a:lnSpc>
@@ -571,7 +556,7 @@
         <a:srgbClr val="000000"/>
       </a:buClr>
       <a:buFont typeface="Arial"/>
-      <a:defRPr sz="1400" b="0" i="0" u="none" strike="noStrike" cap="none">
+      <a:defRPr b="0" i="0" sz="1400" u="none" cap="none" strike="noStrike">
         <a:solidFill>
           <a:srgbClr val="000000"/>
         </a:solidFill>
@@ -581,7 +566,7 @@
         <a:sym typeface="Arial"/>
       </a:defRPr>
     </a:lvl3pPr>
-    <a:lvl4pPr marR="0" lvl="3" algn="l" rtl="0">
+    <a:lvl4pPr lvl="3" marR="0" rtl="0" algn="l">
       <a:lnSpc>
         <a:spcPct val="100000"/>
       </a:lnSpc>
@@ -595,7 +580,7 @@
         <a:srgbClr val="000000"/>
       </a:buClr>
       <a:buFont typeface="Arial"/>
-      <a:defRPr sz="1400" b="0" i="0" u="none" strike="noStrike" cap="none">
+      <a:defRPr b="0" i="0" sz="1400" u="none" cap="none" strike="noStrike">
         <a:solidFill>
           <a:srgbClr val="000000"/>
         </a:solidFill>
@@ -605,7 +590,7 @@
         <a:sym typeface="Arial"/>
       </a:defRPr>
     </a:lvl4pPr>
-    <a:lvl5pPr marR="0" lvl="4" algn="l" rtl="0">
+    <a:lvl5pPr lvl="4" marR="0" rtl="0" algn="l">
       <a:lnSpc>
         <a:spcPct val="100000"/>
       </a:lnSpc>
@@ -619,7 +604,7 @@
         <a:srgbClr val="000000"/>
       </a:buClr>
       <a:buFont typeface="Arial"/>
-      <a:defRPr sz="1400" b="0" i="0" u="none" strike="noStrike" cap="none">
+      <a:defRPr b="0" i="0" sz="1400" u="none" cap="none" strike="noStrike">
         <a:solidFill>
           <a:srgbClr val="000000"/>
         </a:solidFill>
@@ -629,7 +614,7 @@
         <a:sym typeface="Arial"/>
       </a:defRPr>
     </a:lvl5pPr>
-    <a:lvl6pPr marR="0" lvl="5" algn="l" rtl="0">
+    <a:lvl6pPr lvl="5" marR="0" rtl="0" algn="l">
       <a:lnSpc>
         <a:spcPct val="100000"/>
       </a:lnSpc>
@@ -643,7 +628,7 @@
         <a:srgbClr val="000000"/>
       </a:buClr>
       <a:buFont typeface="Arial"/>
-      <a:defRPr sz="1400" b="0" i="0" u="none" strike="noStrike" cap="none">
+      <a:defRPr b="0" i="0" sz="1400" u="none" cap="none" strike="noStrike">
         <a:solidFill>
           <a:srgbClr val="000000"/>
         </a:solidFill>
@@ -653,7 +638,7 @@
         <a:sym typeface="Arial"/>
       </a:defRPr>
     </a:lvl6pPr>
-    <a:lvl7pPr marR="0" lvl="6" algn="l" rtl="0">
+    <a:lvl7pPr lvl="6" marR="0" rtl="0" algn="l">
       <a:lnSpc>
         <a:spcPct val="100000"/>
       </a:lnSpc>
@@ -667,7 +652,7 @@
         <a:srgbClr val="000000"/>
       </a:buClr>
       <a:buFont typeface="Arial"/>
-      <a:defRPr sz="1400" b="0" i="0" u="none" strike="noStrike" cap="none">
+      <a:defRPr b="0" i="0" sz="1400" u="none" cap="none" strike="noStrike">
         <a:solidFill>
           <a:srgbClr val="000000"/>
         </a:solidFill>
@@ -677,7 +662,7 @@
         <a:sym typeface="Arial"/>
       </a:defRPr>
     </a:lvl7pPr>
-    <a:lvl8pPr marR="0" lvl="7" algn="l" rtl="0">
+    <a:lvl8pPr lvl="7" marR="0" rtl="0" algn="l">
       <a:lnSpc>
         <a:spcPct val="100000"/>
       </a:lnSpc>
@@ -691,7 +676,7 @@
         <a:srgbClr val="000000"/>
       </a:buClr>
       <a:buFont typeface="Arial"/>
-      <a:defRPr sz="1400" b="0" i="0" u="none" strike="noStrike" cap="none">
+      <a:defRPr b="0" i="0" sz="1400" u="none" cap="none" strike="noStrike">
         <a:solidFill>
           <a:srgbClr val="000000"/>
         </a:solidFill>
@@ -701,7 +686,7 @@
         <a:sym typeface="Arial"/>
       </a:defRPr>
     </a:lvl8pPr>
-    <a:lvl9pPr marR="0" lvl="8" algn="l" rtl="0">
+    <a:lvl9pPr lvl="8" marR="0" rtl="0" algn="l">
       <a:lnSpc>
         <a:spcPct val="100000"/>
       </a:lnSpc>
@@ -715,7 +700,7 @@
         <a:srgbClr val="000000"/>
       </a:buClr>
       <a:buFont typeface="Arial"/>
-      <a:defRPr sz="1400" b="0" i="0" u="none" strike="noStrike" cap="none">
+      <a:defRPr b="0" i="0" sz="1400" u="none" cap="none" strike="noStrike">
         <a:solidFill>
           <a:srgbClr val="000000"/>
         </a:solidFill>
@@ -730,11 +715,11 @@
 </file>
 
 <file path=ppt/notesSlides/notesSlide1.xml><?xml version="1.0" encoding="utf-8"?>
-<p:notes xmlns:a="http://schemas.openxmlformats.org/drawingml/2006/main" xmlns:r="http://schemas.openxmlformats.org/officeDocument/2006/relationships" xmlns:p="http://schemas.openxmlformats.org/presentationml/2006/main" showMasterSp="0" showMasterPhAnim="0">
+<p:notes xmlns:a="http://schemas.openxmlformats.org/drawingml/2006/main" xmlns:r="http://schemas.openxmlformats.org/officeDocument/2006/relationships" xmlns:mc="http://schemas.openxmlformats.org/markup-compatibility/2006" xmlns:mv="urn:schemas-microsoft-com:mac:vml" xmlns:p="http://schemas.openxmlformats.org/presentationml/2006/main" xmlns:c="http://schemas.openxmlformats.org/drawingml/2006/chart" xmlns:dgm="http://schemas.openxmlformats.org/drawingml/2006/diagram" xmlns:o="urn:schemas-microsoft-com:office:office" xmlns:v="urn:schemas-microsoft-com:vml" xmlns:pvml="urn:schemas-microsoft-com:office:powerpoint" xmlns:com="http://schemas.openxmlformats.org/drawingml/2006/compatibility" xmlns:p14="http://schemas.microsoft.com/office/powerpoint/2010/main" xmlns:p15="http://schemas.microsoft.com/office/powerpoint/2012/main" xmlns:ahyp="http://schemas.microsoft.com/office/drawing/2018/hyperlinkcolor" showMasterPhAnim="0" showMasterSp="0">
   <p:cSld>
     <p:spTree>
       <p:nvGrpSpPr>
-        <p:cNvPr id="1" name="Shape 130"/>
+        <p:cNvPr id="130" name="Shape 130"/>
         <p:cNvGrpSpPr/>
         <p:nvPr/>
       </p:nvGrpSpPr>
@@ -749,11 +734,9 @@
       <p:sp>
         <p:nvSpPr>
           <p:cNvPr id="131" name="Google Shape;131;p:notes"/>
-          <p:cNvSpPr>
-            <a:spLocks noGrp="1" noRot="1" noChangeAspect="1"/>
-          </p:cNvSpPr>
+          <p:cNvSpPr/>
           <p:nvPr>
-            <p:ph type="sldImg" idx="2"/>
+            <p:ph idx="2" type="sldImg"/>
           </p:nvPr>
         </p:nvSpPr>
         <p:spPr>
@@ -762,13 +745,9 @@
             <a:ext cx="6096075" cy="3429000"/>
           </a:xfrm>
           <a:custGeom>
-            <a:avLst/>
-            <a:gdLst/>
-            <a:ahLst/>
-            <a:cxnLst/>
-            <a:rect l="l" t="t" r="r" b="b"/>
+            <a:rect b="b" l="l" r="r" t="t"/>
             <a:pathLst>
-              <a:path w="120000" h="120000" extrusionOk="0">
+              <a:path extrusionOk="0" h="120000" w="120000">
                 <a:moveTo>
                   <a:pt x="0" y="0"/>
                 </a:moveTo>
@@ -790,11 +769,9 @@
       <p:sp>
         <p:nvSpPr>
           <p:cNvPr id="132" name="Google Shape;132;p:notes"/>
-          <p:cNvSpPr txBox="1">
-            <a:spLocks noGrp="1"/>
-          </p:cNvSpPr>
+          <p:cNvSpPr txBox="1"/>
           <p:nvPr>
-            <p:ph type="body" idx="1"/>
+            <p:ph idx="1" type="body"/>
           </p:nvPr>
         </p:nvSpPr>
         <p:spPr>
@@ -807,12 +784,12 @@
           </a:prstGeom>
         </p:spPr>
         <p:txBody>
-          <a:bodyPr spcFirstLastPara="1" wrap="square" lIns="91425" tIns="91425" rIns="91425" bIns="91425" anchor="t" anchorCtr="0">
+          <a:bodyPr anchorCtr="0" anchor="t" bIns="91425" lIns="91425" spcFirstLastPara="1" rIns="91425" wrap="square" tIns="91425">
             <a:noAutofit/>
           </a:bodyPr>
           <a:lstStyle/>
           <a:p>
-            <a:pPr marL="0" lvl="0" indent="0" algn="l" rtl="0">
+            <a:pPr indent="0" lvl="0" marL="0" rtl="0" algn="l">
               <a:spcBef>
                 <a:spcPts val="0"/>
               </a:spcBef>
@@ -821,6 +798,9 @@
               </a:spcAft>
               <a:buNone/>
             </a:pPr>
+            <a:r>
+              <a:t/>
+            </a:r>
             <a:endParaRPr/>
           </a:p>
         </p:txBody>
@@ -834,11 +814,11 @@
 </file>
 
 <file path=ppt/notesSlides/notesSlide10.xml><?xml version="1.0" encoding="utf-8"?>
-<p:notes xmlns:a="http://schemas.openxmlformats.org/drawingml/2006/main" xmlns:r="http://schemas.openxmlformats.org/officeDocument/2006/relationships" xmlns:p="http://schemas.openxmlformats.org/presentationml/2006/main" showMasterSp="0" showMasterPhAnim="0">
+<p:notes xmlns:a="http://schemas.openxmlformats.org/drawingml/2006/main" xmlns:r="http://schemas.openxmlformats.org/officeDocument/2006/relationships" xmlns:mc="http://schemas.openxmlformats.org/markup-compatibility/2006" xmlns:mv="urn:schemas-microsoft-com:mac:vml" xmlns:p="http://schemas.openxmlformats.org/presentationml/2006/main" xmlns:c="http://schemas.openxmlformats.org/drawingml/2006/chart" xmlns:dgm="http://schemas.openxmlformats.org/drawingml/2006/diagram" xmlns:o="urn:schemas-microsoft-com:office:office" xmlns:v="urn:schemas-microsoft-com:vml" xmlns:pvml="urn:schemas-microsoft-com:office:powerpoint" xmlns:com="http://schemas.openxmlformats.org/drawingml/2006/compatibility" xmlns:p14="http://schemas.microsoft.com/office/powerpoint/2010/main" xmlns:p15="http://schemas.microsoft.com/office/powerpoint/2012/main" xmlns:ahyp="http://schemas.microsoft.com/office/drawing/2018/hyperlinkcolor" showMasterPhAnim="0" showMasterSp="0">
   <p:cSld>
     <p:spTree>
       <p:nvGrpSpPr>
-        <p:cNvPr id="1" name="Shape 192"/>
+        <p:cNvPr id="194" name="Shape 194"/>
         <p:cNvGrpSpPr/>
         <p:nvPr/>
       </p:nvGrpSpPr>
@@ -852,27 +832,21 @@
       </p:grpSpPr>
       <p:sp>
         <p:nvSpPr>
-          <p:cNvPr id="193" name="Google Shape;193;g35e59576393_0_257:notes"/>
-          <p:cNvSpPr>
-            <a:spLocks noGrp="1" noRot="1" noChangeAspect="1"/>
-          </p:cNvSpPr>
+          <p:cNvPr id="195" name="Google Shape;195;g35e59576393_0_257:notes"/>
+          <p:cNvSpPr/>
           <p:nvPr>
-            <p:ph type="sldImg" idx="2"/>
+            <p:ph idx="2" type="sldImg"/>
           </p:nvPr>
         </p:nvSpPr>
         <p:spPr>
           <a:xfrm>
-            <a:off x="381000" y="685800"/>
+            <a:off x="381300" y="685800"/>
             <a:ext cx="6096000" cy="3429000"/>
           </a:xfrm>
           <a:custGeom>
-            <a:avLst/>
-            <a:gdLst/>
-            <a:ahLst/>
-            <a:cxnLst/>
-            <a:rect l="l" t="t" r="r" b="b"/>
+            <a:rect b="b" l="l" r="r" t="t"/>
             <a:pathLst>
-              <a:path w="120000" h="120000" extrusionOk="0">
+              <a:path extrusionOk="0" h="120000" w="120000">
                 <a:moveTo>
                   <a:pt x="0" y="0"/>
                 </a:moveTo>
@@ -893,12 +867,10 @@
       </p:sp>
       <p:sp>
         <p:nvSpPr>
-          <p:cNvPr id="194" name="Google Shape;194;g35e59576393_0_257:notes"/>
-          <p:cNvSpPr txBox="1">
-            <a:spLocks noGrp="1"/>
-          </p:cNvSpPr>
+          <p:cNvPr id="196" name="Google Shape;196;g35e59576393_0_257:notes"/>
+          <p:cNvSpPr txBox="1"/>
           <p:nvPr>
-            <p:ph type="body" idx="1"/>
+            <p:ph idx="1" type="body"/>
           </p:nvPr>
         </p:nvSpPr>
         <p:spPr>
@@ -911,12 +883,12 @@
           </a:prstGeom>
         </p:spPr>
         <p:txBody>
-          <a:bodyPr spcFirstLastPara="1" wrap="square" lIns="91425" tIns="91425" rIns="91425" bIns="91425" anchor="t" anchorCtr="0">
+          <a:bodyPr anchorCtr="0" anchor="t" bIns="91425" lIns="91425" spcFirstLastPara="1" rIns="91425" wrap="square" tIns="91425">
             <a:noAutofit/>
           </a:bodyPr>
           <a:lstStyle/>
           <a:p>
-            <a:pPr marL="0" lvl="0" indent="0" algn="l" rtl="0">
+            <a:pPr indent="0" lvl="0" marL="0" rtl="0" algn="l">
               <a:spcBef>
                 <a:spcPts val="0"/>
               </a:spcBef>
@@ -925,6 +897,9 @@
               </a:spcAft>
               <a:buNone/>
             </a:pPr>
+            <a:r>
+              <a:t/>
+            </a:r>
             <a:endParaRPr/>
           </a:p>
         </p:txBody>
@@ -938,11 +913,11 @@
 </file>
 
 <file path=ppt/notesSlides/notesSlide11.xml><?xml version="1.0" encoding="utf-8"?>
-<p:notes xmlns:a="http://schemas.openxmlformats.org/drawingml/2006/main" xmlns:r="http://schemas.openxmlformats.org/officeDocument/2006/relationships" xmlns:p="http://schemas.openxmlformats.org/presentationml/2006/main" showMasterSp="0" showMasterPhAnim="0">
+<p:notes xmlns:a="http://schemas.openxmlformats.org/drawingml/2006/main" xmlns:r="http://schemas.openxmlformats.org/officeDocument/2006/relationships" xmlns:mc="http://schemas.openxmlformats.org/markup-compatibility/2006" xmlns:mv="urn:schemas-microsoft-com:mac:vml" xmlns:p="http://schemas.openxmlformats.org/presentationml/2006/main" xmlns:c="http://schemas.openxmlformats.org/drawingml/2006/chart" xmlns:dgm="http://schemas.openxmlformats.org/drawingml/2006/diagram" xmlns:o="urn:schemas-microsoft-com:office:office" xmlns:v="urn:schemas-microsoft-com:vml" xmlns:pvml="urn:schemas-microsoft-com:office:powerpoint" xmlns:com="http://schemas.openxmlformats.org/drawingml/2006/compatibility" xmlns:p14="http://schemas.microsoft.com/office/powerpoint/2010/main" xmlns:p15="http://schemas.microsoft.com/office/powerpoint/2012/main" xmlns:ahyp="http://schemas.microsoft.com/office/drawing/2018/hyperlinkcolor" showMasterPhAnim="0" showMasterSp="0">
   <p:cSld>
     <p:spTree>
       <p:nvGrpSpPr>
-        <p:cNvPr id="1" name="Shape 200"/>
+        <p:cNvPr id="202" name="Shape 202"/>
         <p:cNvGrpSpPr/>
         <p:nvPr/>
       </p:nvGrpSpPr>
@@ -956,27 +931,21 @@
       </p:grpSpPr>
       <p:sp>
         <p:nvSpPr>
-          <p:cNvPr id="201" name="Google Shape;201;g35e59576393_0_262:notes"/>
-          <p:cNvSpPr>
-            <a:spLocks noGrp="1" noRot="1" noChangeAspect="1"/>
-          </p:cNvSpPr>
+          <p:cNvPr id="203" name="Google Shape;203;g35e59576393_0_262:notes"/>
+          <p:cNvSpPr/>
           <p:nvPr>
-            <p:ph type="sldImg" idx="2"/>
+            <p:ph idx="2" type="sldImg"/>
           </p:nvPr>
         </p:nvSpPr>
         <p:spPr>
           <a:xfrm>
-            <a:off x="381000" y="685800"/>
+            <a:off x="381300" y="685800"/>
             <a:ext cx="6096000" cy="3429000"/>
           </a:xfrm>
           <a:custGeom>
-            <a:avLst/>
-            <a:gdLst/>
-            <a:ahLst/>
-            <a:cxnLst/>
-            <a:rect l="l" t="t" r="r" b="b"/>
+            <a:rect b="b" l="l" r="r" t="t"/>
             <a:pathLst>
-              <a:path w="120000" h="120000" extrusionOk="0">
+              <a:path extrusionOk="0" h="120000" w="120000">
                 <a:moveTo>
                   <a:pt x="0" y="0"/>
                 </a:moveTo>
@@ -997,12 +966,10 @@
       </p:sp>
       <p:sp>
         <p:nvSpPr>
-          <p:cNvPr id="202" name="Google Shape;202;g35e59576393_0_262:notes"/>
-          <p:cNvSpPr txBox="1">
-            <a:spLocks noGrp="1"/>
-          </p:cNvSpPr>
+          <p:cNvPr id="204" name="Google Shape;204;g35e59576393_0_262:notes"/>
+          <p:cNvSpPr txBox="1"/>
           <p:nvPr>
-            <p:ph type="body" idx="1"/>
+            <p:ph idx="1" type="body"/>
           </p:nvPr>
         </p:nvSpPr>
         <p:spPr>
@@ -1015,12 +982,12 @@
           </a:prstGeom>
         </p:spPr>
         <p:txBody>
-          <a:bodyPr spcFirstLastPara="1" wrap="square" lIns="91425" tIns="91425" rIns="91425" bIns="91425" anchor="t" anchorCtr="0">
+          <a:bodyPr anchorCtr="0" anchor="t" bIns="91425" lIns="91425" spcFirstLastPara="1" rIns="91425" wrap="square" tIns="91425">
             <a:noAutofit/>
           </a:bodyPr>
           <a:lstStyle/>
           <a:p>
-            <a:pPr marL="0" lvl="0" indent="0" algn="l" rtl="0">
+            <a:pPr indent="0" lvl="0" marL="0" rtl="0" algn="l">
               <a:spcBef>
                 <a:spcPts val="0"/>
               </a:spcBef>
@@ -1029,6 +996,9 @@
               </a:spcAft>
               <a:buNone/>
             </a:pPr>
+            <a:r>
+              <a:t/>
+            </a:r>
             <a:endParaRPr/>
           </a:p>
         </p:txBody>
@@ -1042,11 +1012,11 @@
 </file>
 
 <file path=ppt/notesSlides/notesSlide12.xml><?xml version="1.0" encoding="utf-8"?>
-<p:notes xmlns:a="http://schemas.openxmlformats.org/drawingml/2006/main" xmlns:r="http://schemas.openxmlformats.org/officeDocument/2006/relationships" xmlns:p="http://schemas.openxmlformats.org/presentationml/2006/main" showMasterSp="0" showMasterPhAnim="0">
+<p:notes xmlns:a="http://schemas.openxmlformats.org/drawingml/2006/main" xmlns:r="http://schemas.openxmlformats.org/officeDocument/2006/relationships" xmlns:mc="http://schemas.openxmlformats.org/markup-compatibility/2006" xmlns:mv="urn:schemas-microsoft-com:mac:vml" xmlns:p="http://schemas.openxmlformats.org/presentationml/2006/main" xmlns:c="http://schemas.openxmlformats.org/drawingml/2006/chart" xmlns:dgm="http://schemas.openxmlformats.org/drawingml/2006/diagram" xmlns:o="urn:schemas-microsoft-com:office:office" xmlns:v="urn:schemas-microsoft-com:vml" xmlns:pvml="urn:schemas-microsoft-com:office:powerpoint" xmlns:com="http://schemas.openxmlformats.org/drawingml/2006/compatibility" xmlns:p14="http://schemas.microsoft.com/office/powerpoint/2010/main" xmlns:p15="http://schemas.microsoft.com/office/powerpoint/2012/main" xmlns:ahyp="http://schemas.microsoft.com/office/drawing/2018/hyperlinkcolor" showMasterPhAnim="0" showMasterSp="0">
   <p:cSld>
     <p:spTree>
       <p:nvGrpSpPr>
-        <p:cNvPr id="1" name="Shape 208"/>
+        <p:cNvPr id="210" name="Shape 210"/>
         <p:cNvGrpSpPr/>
         <p:nvPr/>
       </p:nvGrpSpPr>
@@ -1060,12 +1030,10 @@
       </p:grpSpPr>
       <p:sp>
         <p:nvSpPr>
-          <p:cNvPr id="209" name="Google Shape;209;g35e53ea0f98_0_15:notes"/>
-          <p:cNvSpPr>
-            <a:spLocks noGrp="1" noRot="1" noChangeAspect="1"/>
-          </p:cNvSpPr>
+          <p:cNvPr id="211" name="Google Shape;211;g35e53ea0f98_0_15:notes"/>
+          <p:cNvSpPr/>
           <p:nvPr>
-            <p:ph type="sldImg" idx="2"/>
+            <p:ph idx="2" type="sldImg"/>
           </p:nvPr>
         </p:nvSpPr>
         <p:spPr>
@@ -1074,13 +1042,9 @@
             <a:ext cx="6096000" cy="3429000"/>
           </a:xfrm>
           <a:custGeom>
-            <a:avLst/>
-            <a:gdLst/>
-            <a:ahLst/>
-            <a:cxnLst/>
-            <a:rect l="l" t="t" r="r" b="b"/>
+            <a:rect b="b" l="l" r="r" t="t"/>
             <a:pathLst>
-              <a:path w="120000" h="120000" extrusionOk="0">
+              <a:path extrusionOk="0" h="120000" w="120000">
                 <a:moveTo>
                   <a:pt x="0" y="0"/>
                 </a:moveTo>
@@ -1101,12 +1065,10 @@
       </p:sp>
       <p:sp>
         <p:nvSpPr>
-          <p:cNvPr id="210" name="Google Shape;210;g35e53ea0f98_0_15:notes"/>
-          <p:cNvSpPr txBox="1">
-            <a:spLocks noGrp="1"/>
-          </p:cNvSpPr>
+          <p:cNvPr id="212" name="Google Shape;212;g35e53ea0f98_0_15:notes"/>
+          <p:cNvSpPr txBox="1"/>
           <p:nvPr>
-            <p:ph type="body" idx="1"/>
+            <p:ph idx="1" type="body"/>
           </p:nvPr>
         </p:nvSpPr>
         <p:spPr>
@@ -1119,12 +1081,12 @@
           </a:prstGeom>
         </p:spPr>
         <p:txBody>
-          <a:bodyPr spcFirstLastPara="1" wrap="square" lIns="91425" tIns="91425" rIns="91425" bIns="91425" anchor="t" anchorCtr="0">
+          <a:bodyPr anchorCtr="0" anchor="t" bIns="91425" lIns="91425" spcFirstLastPara="1" rIns="91425" wrap="square" tIns="91425">
             <a:noAutofit/>
           </a:bodyPr>
           <a:lstStyle/>
           <a:p>
-            <a:pPr marL="0" lvl="0" indent="0" algn="l" rtl="0">
+            <a:pPr indent="0" lvl="0" marL="0" rtl="0" algn="l">
               <a:spcBef>
                 <a:spcPts val="0"/>
               </a:spcBef>
@@ -1133,6 +1095,9 @@
               </a:spcAft>
               <a:buNone/>
             </a:pPr>
+            <a:r>
+              <a:t/>
+            </a:r>
             <a:endParaRPr/>
           </a:p>
         </p:txBody>
@@ -1146,11 +1111,11 @@
 </file>
 
 <file path=ppt/notesSlides/notesSlide13.xml><?xml version="1.0" encoding="utf-8"?>
-<p:notes xmlns:a="http://schemas.openxmlformats.org/drawingml/2006/main" xmlns:r="http://schemas.openxmlformats.org/officeDocument/2006/relationships" xmlns:p="http://schemas.openxmlformats.org/presentationml/2006/main" showMasterSp="0" showMasterPhAnim="0">
+<p:notes xmlns:a="http://schemas.openxmlformats.org/drawingml/2006/main" xmlns:r="http://schemas.openxmlformats.org/officeDocument/2006/relationships" xmlns:mc="http://schemas.openxmlformats.org/markup-compatibility/2006" xmlns:mv="urn:schemas-microsoft-com:mac:vml" xmlns:p="http://schemas.openxmlformats.org/presentationml/2006/main" xmlns:c="http://schemas.openxmlformats.org/drawingml/2006/chart" xmlns:dgm="http://schemas.openxmlformats.org/drawingml/2006/diagram" xmlns:o="urn:schemas-microsoft-com:office:office" xmlns:v="urn:schemas-microsoft-com:vml" xmlns:pvml="urn:schemas-microsoft-com:office:powerpoint" xmlns:com="http://schemas.openxmlformats.org/drawingml/2006/compatibility" xmlns:p14="http://schemas.microsoft.com/office/powerpoint/2010/main" xmlns:p15="http://schemas.microsoft.com/office/powerpoint/2012/main" xmlns:ahyp="http://schemas.microsoft.com/office/drawing/2018/hyperlinkcolor" showMasterPhAnim="0" showMasterSp="0">
   <p:cSld>
     <p:spTree>
       <p:nvGrpSpPr>
-        <p:cNvPr id="1" name="Shape 214"/>
+        <p:cNvPr id="216" name="Shape 216"/>
         <p:cNvGrpSpPr/>
         <p:nvPr/>
       </p:nvGrpSpPr>
@@ -1164,12 +1129,10 @@
       </p:grpSpPr>
       <p:sp>
         <p:nvSpPr>
-          <p:cNvPr id="215" name="Google Shape;215;g35e54cb6c5d_0_8:notes"/>
-          <p:cNvSpPr>
-            <a:spLocks noGrp="1" noRot="1" noChangeAspect="1"/>
-          </p:cNvSpPr>
+          <p:cNvPr id="217" name="Google Shape;217;g35e54cb6c5d_0_8:notes"/>
+          <p:cNvSpPr/>
           <p:nvPr>
-            <p:ph type="sldImg" idx="2"/>
+            <p:ph idx="2" type="sldImg"/>
           </p:nvPr>
         </p:nvSpPr>
         <p:spPr>
@@ -1178,13 +1141,9 @@
             <a:ext cx="6096000" cy="3429000"/>
           </a:xfrm>
           <a:custGeom>
-            <a:avLst/>
-            <a:gdLst/>
-            <a:ahLst/>
-            <a:cxnLst/>
-            <a:rect l="l" t="t" r="r" b="b"/>
+            <a:rect b="b" l="l" r="r" t="t"/>
             <a:pathLst>
-              <a:path w="120000" h="120000" extrusionOk="0">
+              <a:path extrusionOk="0" h="120000" w="120000">
                 <a:moveTo>
                   <a:pt x="0" y="0"/>
                 </a:moveTo>
@@ -1205,12 +1164,10 @@
       </p:sp>
       <p:sp>
         <p:nvSpPr>
-          <p:cNvPr id="216" name="Google Shape;216;g35e54cb6c5d_0_8:notes"/>
-          <p:cNvSpPr txBox="1">
-            <a:spLocks noGrp="1"/>
-          </p:cNvSpPr>
+          <p:cNvPr id="218" name="Google Shape;218;g35e54cb6c5d_0_8:notes"/>
+          <p:cNvSpPr txBox="1"/>
           <p:nvPr>
-            <p:ph type="body" idx="1"/>
+            <p:ph idx="1" type="body"/>
           </p:nvPr>
         </p:nvSpPr>
         <p:spPr>
@@ -1223,12 +1180,12 @@
           </a:prstGeom>
         </p:spPr>
         <p:txBody>
-          <a:bodyPr spcFirstLastPara="1" wrap="square" lIns="91425" tIns="91425" rIns="91425" bIns="91425" anchor="t" anchorCtr="0">
+          <a:bodyPr anchorCtr="0" anchor="t" bIns="91425" lIns="91425" spcFirstLastPara="1" rIns="91425" wrap="square" tIns="91425">
             <a:noAutofit/>
           </a:bodyPr>
           <a:lstStyle/>
           <a:p>
-            <a:pPr marL="0" lvl="0" indent="0" algn="l" rtl="0">
+            <a:pPr indent="0" lvl="0" marL="0" rtl="0" algn="l">
               <a:spcBef>
                 <a:spcPts val="0"/>
               </a:spcBef>
@@ -1237,6 +1194,9 @@
               </a:spcAft>
               <a:buNone/>
             </a:pPr>
+            <a:r>
+              <a:t/>
+            </a:r>
             <a:endParaRPr/>
           </a:p>
         </p:txBody>
@@ -1250,11 +1210,11 @@
 </file>
 
 <file path=ppt/notesSlides/notesSlide2.xml><?xml version="1.0" encoding="utf-8"?>
-<p:notes xmlns:a="http://schemas.openxmlformats.org/drawingml/2006/main" xmlns:r="http://schemas.openxmlformats.org/officeDocument/2006/relationships" xmlns:p="http://schemas.openxmlformats.org/presentationml/2006/main" showMasterSp="0" showMasterPhAnim="0">
+<p:notes xmlns:a="http://schemas.openxmlformats.org/drawingml/2006/main" xmlns:r="http://schemas.openxmlformats.org/officeDocument/2006/relationships" xmlns:mc="http://schemas.openxmlformats.org/markup-compatibility/2006" xmlns:mv="urn:schemas-microsoft-com:mac:vml" xmlns:p="http://schemas.openxmlformats.org/presentationml/2006/main" xmlns:c="http://schemas.openxmlformats.org/drawingml/2006/chart" xmlns:dgm="http://schemas.openxmlformats.org/drawingml/2006/diagram" xmlns:o="urn:schemas-microsoft-com:office:office" xmlns:v="urn:schemas-microsoft-com:vml" xmlns:pvml="urn:schemas-microsoft-com:office:powerpoint" xmlns:com="http://schemas.openxmlformats.org/drawingml/2006/compatibility" xmlns:p14="http://schemas.microsoft.com/office/powerpoint/2010/main" xmlns:p15="http://schemas.microsoft.com/office/powerpoint/2012/main" xmlns:ahyp="http://schemas.microsoft.com/office/drawing/2018/hyperlinkcolor" showMasterPhAnim="0" showMasterSp="0">
   <p:cSld>
     <p:spTree>
       <p:nvGrpSpPr>
-        <p:cNvPr id="1" name="Shape 136"/>
+        <p:cNvPr id="136" name="Shape 136"/>
         <p:cNvGrpSpPr/>
         <p:nvPr/>
       </p:nvGrpSpPr>
@@ -1269,11 +1229,9 @@
       <p:sp>
         <p:nvSpPr>
           <p:cNvPr id="137" name="Google Shape;137;g35e53ea0f98_0_5:notes"/>
-          <p:cNvSpPr>
-            <a:spLocks noGrp="1" noRot="1" noChangeAspect="1"/>
-          </p:cNvSpPr>
+          <p:cNvSpPr/>
           <p:nvPr>
-            <p:ph type="sldImg" idx="2"/>
+            <p:ph idx="2" type="sldImg"/>
           </p:nvPr>
         </p:nvSpPr>
         <p:spPr>
@@ -1282,13 +1240,9 @@
             <a:ext cx="6096000" cy="3429000"/>
           </a:xfrm>
           <a:custGeom>
-            <a:avLst/>
-            <a:gdLst/>
-            <a:ahLst/>
-            <a:cxnLst/>
-            <a:rect l="l" t="t" r="r" b="b"/>
+            <a:rect b="b" l="l" r="r" t="t"/>
             <a:pathLst>
-              <a:path w="120000" h="120000" extrusionOk="0">
+              <a:path extrusionOk="0" h="120000" w="120000">
                 <a:moveTo>
                   <a:pt x="0" y="0"/>
                 </a:moveTo>
@@ -1310,11 +1264,9 @@
       <p:sp>
         <p:nvSpPr>
           <p:cNvPr id="138" name="Google Shape;138;g35e53ea0f98_0_5:notes"/>
-          <p:cNvSpPr txBox="1">
-            <a:spLocks noGrp="1"/>
-          </p:cNvSpPr>
+          <p:cNvSpPr txBox="1"/>
           <p:nvPr>
-            <p:ph type="body" idx="1"/>
+            <p:ph idx="1" type="body"/>
           </p:nvPr>
         </p:nvSpPr>
         <p:spPr>
@@ -1327,12 +1279,12 @@
           </a:prstGeom>
         </p:spPr>
         <p:txBody>
-          <a:bodyPr spcFirstLastPara="1" wrap="square" lIns="91425" tIns="91425" rIns="91425" bIns="91425" anchor="t" anchorCtr="0">
+          <a:bodyPr anchorCtr="0" anchor="t" bIns="91425" lIns="91425" spcFirstLastPara="1" rIns="91425" wrap="square" tIns="91425">
             <a:noAutofit/>
           </a:bodyPr>
           <a:lstStyle/>
           <a:p>
-            <a:pPr marL="0" lvl="0" indent="0" algn="l" rtl="0">
+            <a:pPr indent="0" lvl="0" marL="0" rtl="0" algn="l">
               <a:spcBef>
                 <a:spcPts val="0"/>
               </a:spcBef>
@@ -1341,6 +1293,9 @@
               </a:spcAft>
               <a:buNone/>
             </a:pPr>
+            <a:r>
+              <a:t/>
+            </a:r>
             <a:endParaRPr/>
           </a:p>
         </p:txBody>
@@ -1354,11 +1309,11 @@
 </file>
 
 <file path=ppt/notesSlides/notesSlide3.xml><?xml version="1.0" encoding="utf-8"?>
-<p:notes xmlns:a="http://schemas.openxmlformats.org/drawingml/2006/main" xmlns:r="http://schemas.openxmlformats.org/officeDocument/2006/relationships" xmlns:p="http://schemas.openxmlformats.org/presentationml/2006/main" showMasterSp="0" showMasterPhAnim="0">
+<p:notes xmlns:a="http://schemas.openxmlformats.org/drawingml/2006/main" xmlns:r="http://schemas.openxmlformats.org/officeDocument/2006/relationships" xmlns:mc="http://schemas.openxmlformats.org/markup-compatibility/2006" xmlns:mv="urn:schemas-microsoft-com:mac:vml" xmlns:p="http://schemas.openxmlformats.org/presentationml/2006/main" xmlns:c="http://schemas.openxmlformats.org/drawingml/2006/chart" xmlns:dgm="http://schemas.openxmlformats.org/drawingml/2006/diagram" xmlns:o="urn:schemas-microsoft-com:office:office" xmlns:v="urn:schemas-microsoft-com:vml" xmlns:pvml="urn:schemas-microsoft-com:office:powerpoint" xmlns:com="http://schemas.openxmlformats.org/drawingml/2006/compatibility" xmlns:p14="http://schemas.microsoft.com/office/powerpoint/2010/main" xmlns:p15="http://schemas.microsoft.com/office/powerpoint/2012/main" xmlns:ahyp="http://schemas.microsoft.com/office/drawing/2018/hyperlinkcolor" showMasterPhAnim="0" showMasterSp="0">
   <p:cSld>
     <p:spTree>
       <p:nvGrpSpPr>
-        <p:cNvPr id="1" name="Shape 142"/>
+        <p:cNvPr id="142" name="Shape 142"/>
         <p:cNvGrpSpPr/>
         <p:nvPr/>
       </p:nvGrpSpPr>
@@ -1373,11 +1328,9 @@
       <p:sp>
         <p:nvSpPr>
           <p:cNvPr id="143" name="Google Shape;143;g35e53ea0f98_0_10:notes"/>
-          <p:cNvSpPr>
-            <a:spLocks noGrp="1" noRot="1" noChangeAspect="1"/>
-          </p:cNvSpPr>
+          <p:cNvSpPr/>
           <p:nvPr>
-            <p:ph type="sldImg" idx="2"/>
+            <p:ph idx="2" type="sldImg"/>
           </p:nvPr>
         </p:nvSpPr>
         <p:spPr>
@@ -1386,13 +1339,9 @@
             <a:ext cx="6096000" cy="3429000"/>
           </a:xfrm>
           <a:custGeom>
-            <a:avLst/>
-            <a:gdLst/>
-            <a:ahLst/>
-            <a:cxnLst/>
-            <a:rect l="l" t="t" r="r" b="b"/>
+            <a:rect b="b" l="l" r="r" t="t"/>
             <a:pathLst>
-              <a:path w="120000" h="120000" extrusionOk="0">
+              <a:path extrusionOk="0" h="120000" w="120000">
                 <a:moveTo>
                   <a:pt x="0" y="0"/>
                 </a:moveTo>
@@ -1414,11 +1363,9 @@
       <p:sp>
         <p:nvSpPr>
           <p:cNvPr id="144" name="Google Shape;144;g35e53ea0f98_0_10:notes"/>
-          <p:cNvSpPr txBox="1">
-            <a:spLocks noGrp="1"/>
-          </p:cNvSpPr>
+          <p:cNvSpPr txBox="1"/>
           <p:nvPr>
-            <p:ph type="body" idx="1"/>
+            <p:ph idx="1" type="body"/>
           </p:nvPr>
         </p:nvSpPr>
         <p:spPr>
@@ -1431,12 +1378,12 @@
           </a:prstGeom>
         </p:spPr>
         <p:txBody>
-          <a:bodyPr spcFirstLastPara="1" wrap="square" lIns="91425" tIns="91425" rIns="91425" bIns="91425" anchor="t" anchorCtr="0">
+          <a:bodyPr anchorCtr="0" anchor="t" bIns="91425" lIns="91425" spcFirstLastPara="1" rIns="91425" wrap="square" tIns="91425">
             <a:noAutofit/>
           </a:bodyPr>
           <a:lstStyle/>
           <a:p>
-            <a:pPr marL="0" lvl="0" indent="0" algn="l" rtl="0">
+            <a:pPr indent="0" lvl="0" marL="0" rtl="0" algn="l">
               <a:spcBef>
                 <a:spcPts val="0"/>
               </a:spcBef>
@@ -1445,6 +1392,9 @@
               </a:spcAft>
               <a:buNone/>
             </a:pPr>
+            <a:r>
+              <a:t/>
+            </a:r>
             <a:endParaRPr/>
           </a:p>
         </p:txBody>
@@ -1458,11 +1408,11 @@
 </file>
 
 <file path=ppt/notesSlides/notesSlide4.xml><?xml version="1.0" encoding="utf-8"?>
-<p:notes xmlns:a="http://schemas.openxmlformats.org/drawingml/2006/main" xmlns:r="http://schemas.openxmlformats.org/officeDocument/2006/relationships" xmlns:p="http://schemas.openxmlformats.org/presentationml/2006/main" showMasterSp="0" showMasterPhAnim="0">
+<p:notes xmlns:a="http://schemas.openxmlformats.org/drawingml/2006/main" xmlns:r="http://schemas.openxmlformats.org/officeDocument/2006/relationships" xmlns:mc="http://schemas.openxmlformats.org/markup-compatibility/2006" xmlns:mv="urn:schemas-microsoft-com:mac:vml" xmlns:p="http://schemas.openxmlformats.org/presentationml/2006/main" xmlns:c="http://schemas.openxmlformats.org/drawingml/2006/chart" xmlns:dgm="http://schemas.openxmlformats.org/drawingml/2006/diagram" xmlns:o="urn:schemas-microsoft-com:office:office" xmlns:v="urn:schemas-microsoft-com:vml" xmlns:pvml="urn:schemas-microsoft-com:office:powerpoint" xmlns:com="http://schemas.openxmlformats.org/drawingml/2006/compatibility" xmlns:p14="http://schemas.microsoft.com/office/powerpoint/2010/main" xmlns:p15="http://schemas.microsoft.com/office/powerpoint/2012/main" xmlns:ahyp="http://schemas.microsoft.com/office/drawing/2018/hyperlinkcolor" showMasterPhAnim="0" showMasterSp="0">
   <p:cSld>
     <p:spTree>
       <p:nvGrpSpPr>
-        <p:cNvPr id="1" name="Shape 150"/>
+        <p:cNvPr id="151" name="Shape 151"/>
         <p:cNvGrpSpPr/>
         <p:nvPr/>
       </p:nvGrpSpPr>
@@ -1476,12 +1426,10 @@
       </p:grpSpPr>
       <p:sp>
         <p:nvSpPr>
-          <p:cNvPr id="151" name="Google Shape;151;g35e53ea0f98_0_20:notes"/>
-          <p:cNvSpPr>
-            <a:spLocks noGrp="1" noRot="1" noChangeAspect="1"/>
-          </p:cNvSpPr>
+          <p:cNvPr id="152" name="Google Shape;152;g35e53ea0f98_0_20:notes"/>
+          <p:cNvSpPr/>
           <p:nvPr>
-            <p:ph type="sldImg" idx="2"/>
+            <p:ph idx="2" type="sldImg"/>
           </p:nvPr>
         </p:nvSpPr>
         <p:spPr>
@@ -1490,13 +1438,9 @@
             <a:ext cx="6096000" cy="3429000"/>
           </a:xfrm>
           <a:custGeom>
-            <a:avLst/>
-            <a:gdLst/>
-            <a:ahLst/>
-            <a:cxnLst/>
-            <a:rect l="l" t="t" r="r" b="b"/>
+            <a:rect b="b" l="l" r="r" t="t"/>
             <a:pathLst>
-              <a:path w="120000" h="120000" extrusionOk="0">
+              <a:path extrusionOk="0" h="120000" w="120000">
                 <a:moveTo>
                   <a:pt x="0" y="0"/>
                 </a:moveTo>
@@ -1517,12 +1461,10 @@
       </p:sp>
       <p:sp>
         <p:nvSpPr>
-          <p:cNvPr id="152" name="Google Shape;152;g35e53ea0f98_0_20:notes"/>
-          <p:cNvSpPr txBox="1">
-            <a:spLocks noGrp="1"/>
-          </p:cNvSpPr>
+          <p:cNvPr id="153" name="Google Shape;153;g35e53ea0f98_0_20:notes"/>
+          <p:cNvSpPr txBox="1"/>
           <p:nvPr>
-            <p:ph type="body" idx="1"/>
+            <p:ph idx="1" type="body"/>
           </p:nvPr>
         </p:nvSpPr>
         <p:spPr>
@@ -1535,12 +1477,12 @@
           </a:prstGeom>
         </p:spPr>
         <p:txBody>
-          <a:bodyPr spcFirstLastPara="1" wrap="square" lIns="91425" tIns="91425" rIns="91425" bIns="91425" anchor="t" anchorCtr="0">
+          <a:bodyPr anchorCtr="0" anchor="t" bIns="91425" lIns="91425" spcFirstLastPara="1" rIns="91425" wrap="square" tIns="91425">
             <a:noAutofit/>
           </a:bodyPr>
           <a:lstStyle/>
           <a:p>
-            <a:pPr marL="0" lvl="0" indent="0" algn="l" rtl="0">
+            <a:pPr indent="0" lvl="0" marL="0" rtl="0" algn="l">
               <a:spcBef>
                 <a:spcPts val="0"/>
               </a:spcBef>
@@ -1549,6 +1491,9 @@
               </a:spcAft>
               <a:buNone/>
             </a:pPr>
+            <a:r>
+              <a:t/>
+            </a:r>
             <a:endParaRPr/>
           </a:p>
         </p:txBody>
@@ -1562,11 +1507,11 @@
 </file>
 
 <file path=ppt/notesSlides/notesSlide5.xml><?xml version="1.0" encoding="utf-8"?>
-<p:notes xmlns:a="http://schemas.openxmlformats.org/drawingml/2006/main" xmlns:r="http://schemas.openxmlformats.org/officeDocument/2006/relationships" xmlns:p="http://schemas.openxmlformats.org/presentationml/2006/main" showMasterSp="0" showMasterPhAnim="0">
+<p:notes xmlns:a="http://schemas.openxmlformats.org/drawingml/2006/main" xmlns:r="http://schemas.openxmlformats.org/officeDocument/2006/relationships" xmlns:mc="http://schemas.openxmlformats.org/markup-compatibility/2006" xmlns:mv="urn:schemas-microsoft-com:mac:vml" xmlns:p="http://schemas.openxmlformats.org/presentationml/2006/main" xmlns:c="http://schemas.openxmlformats.org/drawingml/2006/chart" xmlns:dgm="http://schemas.openxmlformats.org/drawingml/2006/diagram" xmlns:o="urn:schemas-microsoft-com:office:office" xmlns:v="urn:schemas-microsoft-com:vml" xmlns:pvml="urn:schemas-microsoft-com:office:powerpoint" xmlns:com="http://schemas.openxmlformats.org/drawingml/2006/compatibility" xmlns:p14="http://schemas.microsoft.com/office/powerpoint/2010/main" xmlns:p15="http://schemas.microsoft.com/office/powerpoint/2012/main" xmlns:ahyp="http://schemas.microsoft.com/office/drawing/2018/hyperlinkcolor" showMasterPhAnim="0" showMasterSp="0">
   <p:cSld>
     <p:spTree>
       <p:nvGrpSpPr>
-        <p:cNvPr id="1" name="Shape 157"/>
+        <p:cNvPr id="159" name="Shape 159"/>
         <p:cNvGrpSpPr/>
         <p:nvPr/>
       </p:nvGrpSpPr>
@@ -1580,12 +1525,10 @@
       </p:grpSpPr>
       <p:sp>
         <p:nvSpPr>
-          <p:cNvPr id="158" name="Google Shape;158;g35e53ea0f98_0_25:notes"/>
-          <p:cNvSpPr>
-            <a:spLocks noGrp="1" noRot="1" noChangeAspect="1"/>
-          </p:cNvSpPr>
+          <p:cNvPr id="160" name="Google Shape;160;g35e53ea0f98_0_25:notes"/>
+          <p:cNvSpPr/>
           <p:nvPr>
-            <p:ph type="sldImg" idx="2"/>
+            <p:ph idx="2" type="sldImg"/>
           </p:nvPr>
         </p:nvSpPr>
         <p:spPr>
@@ -1594,13 +1537,9 @@
             <a:ext cx="6096000" cy="3429000"/>
           </a:xfrm>
           <a:custGeom>
-            <a:avLst/>
-            <a:gdLst/>
-            <a:ahLst/>
-            <a:cxnLst/>
-            <a:rect l="l" t="t" r="r" b="b"/>
+            <a:rect b="b" l="l" r="r" t="t"/>
             <a:pathLst>
-              <a:path w="120000" h="120000" extrusionOk="0">
+              <a:path extrusionOk="0" h="120000" w="120000">
                 <a:moveTo>
                   <a:pt x="0" y="0"/>
                 </a:moveTo>
@@ -1621,12 +1560,10 @@
       </p:sp>
       <p:sp>
         <p:nvSpPr>
-          <p:cNvPr id="159" name="Google Shape;159;g35e53ea0f98_0_25:notes"/>
-          <p:cNvSpPr txBox="1">
-            <a:spLocks noGrp="1"/>
-          </p:cNvSpPr>
+          <p:cNvPr id="161" name="Google Shape;161;g35e53ea0f98_0_25:notes"/>
+          <p:cNvSpPr txBox="1"/>
           <p:nvPr>
-            <p:ph type="body" idx="1"/>
+            <p:ph idx="1" type="body"/>
           </p:nvPr>
         </p:nvSpPr>
         <p:spPr>
@@ -1639,12 +1576,12 @@
           </a:prstGeom>
         </p:spPr>
         <p:txBody>
-          <a:bodyPr spcFirstLastPara="1" wrap="square" lIns="91425" tIns="91425" rIns="91425" bIns="91425" anchor="t" anchorCtr="0">
+          <a:bodyPr anchorCtr="0" anchor="t" bIns="91425" lIns="91425" spcFirstLastPara="1" rIns="91425" wrap="square" tIns="91425">
             <a:noAutofit/>
           </a:bodyPr>
           <a:lstStyle/>
           <a:p>
-            <a:pPr marL="0" lvl="0" indent="0" algn="l" rtl="0">
+            <a:pPr indent="0" lvl="0" marL="0" rtl="0" algn="l">
               <a:spcBef>
                 <a:spcPts val="0"/>
               </a:spcBef>
@@ -1653,6 +1590,9 @@
               </a:spcAft>
               <a:buNone/>
             </a:pPr>
+            <a:r>
+              <a:t/>
+            </a:r>
             <a:endParaRPr/>
           </a:p>
         </p:txBody>
@@ -1666,11 +1606,11 @@
 </file>
 
 <file path=ppt/notesSlides/notesSlide6.xml><?xml version="1.0" encoding="utf-8"?>
-<p:notes xmlns:a="http://schemas.openxmlformats.org/drawingml/2006/main" xmlns:r="http://schemas.openxmlformats.org/officeDocument/2006/relationships" xmlns:p="http://schemas.openxmlformats.org/presentationml/2006/main" showMasterSp="0" showMasterPhAnim="0">
+<p:notes xmlns:a="http://schemas.openxmlformats.org/drawingml/2006/main" xmlns:r="http://schemas.openxmlformats.org/officeDocument/2006/relationships" xmlns:mc="http://schemas.openxmlformats.org/markup-compatibility/2006" xmlns:mv="urn:schemas-microsoft-com:mac:vml" xmlns:p="http://schemas.openxmlformats.org/presentationml/2006/main" xmlns:c="http://schemas.openxmlformats.org/drawingml/2006/chart" xmlns:dgm="http://schemas.openxmlformats.org/drawingml/2006/diagram" xmlns:o="urn:schemas-microsoft-com:office:office" xmlns:v="urn:schemas-microsoft-com:vml" xmlns:pvml="urn:schemas-microsoft-com:office:powerpoint" xmlns:com="http://schemas.openxmlformats.org/drawingml/2006/compatibility" xmlns:p14="http://schemas.microsoft.com/office/powerpoint/2010/main" xmlns:p15="http://schemas.microsoft.com/office/powerpoint/2012/main" xmlns:ahyp="http://schemas.microsoft.com/office/drawing/2018/hyperlinkcolor" showMasterPhAnim="0" showMasterSp="0">
   <p:cSld>
     <p:spTree>
       <p:nvGrpSpPr>
-        <p:cNvPr id="1" name="Shape 164"/>
+        <p:cNvPr id="166" name="Shape 166"/>
         <p:cNvGrpSpPr/>
         <p:nvPr/>
       </p:nvGrpSpPr>
@@ -1684,27 +1624,21 @@
       </p:grpSpPr>
       <p:sp>
         <p:nvSpPr>
-          <p:cNvPr id="165" name="Google Shape;165;g35e53ea0f98_0_60:notes"/>
-          <p:cNvSpPr>
-            <a:spLocks noGrp="1" noRot="1" noChangeAspect="1"/>
-          </p:cNvSpPr>
+          <p:cNvPr id="167" name="Google Shape;167;g35e53ea0f98_0_60:notes"/>
+          <p:cNvSpPr/>
           <p:nvPr>
-            <p:ph type="sldImg" idx="2"/>
+            <p:ph idx="2" type="sldImg"/>
           </p:nvPr>
         </p:nvSpPr>
         <p:spPr>
           <a:xfrm>
-            <a:off x="381000" y="685800"/>
+            <a:off x="381300" y="685800"/>
             <a:ext cx="6096000" cy="3429000"/>
           </a:xfrm>
           <a:custGeom>
-            <a:avLst/>
-            <a:gdLst/>
-            <a:ahLst/>
-            <a:cxnLst/>
-            <a:rect l="l" t="t" r="r" b="b"/>
+            <a:rect b="b" l="l" r="r" t="t"/>
             <a:pathLst>
-              <a:path w="120000" h="120000" extrusionOk="0">
+              <a:path extrusionOk="0" h="120000" w="120000">
                 <a:moveTo>
                   <a:pt x="0" y="0"/>
                 </a:moveTo>
@@ -1725,12 +1659,10 @@
       </p:sp>
       <p:sp>
         <p:nvSpPr>
-          <p:cNvPr id="166" name="Google Shape;166;g35e53ea0f98_0_60:notes"/>
-          <p:cNvSpPr txBox="1">
-            <a:spLocks noGrp="1"/>
-          </p:cNvSpPr>
+          <p:cNvPr id="168" name="Google Shape;168;g35e53ea0f98_0_60:notes"/>
+          <p:cNvSpPr txBox="1"/>
           <p:nvPr>
-            <p:ph type="body" idx="1"/>
+            <p:ph idx="1" type="body"/>
           </p:nvPr>
         </p:nvSpPr>
         <p:spPr>
@@ -1743,12 +1675,12 @@
           </a:prstGeom>
         </p:spPr>
         <p:txBody>
-          <a:bodyPr spcFirstLastPara="1" wrap="square" lIns="91425" tIns="91425" rIns="91425" bIns="91425" anchor="t" anchorCtr="0">
+          <a:bodyPr anchorCtr="0" anchor="t" bIns="91425" lIns="91425" spcFirstLastPara="1" rIns="91425" wrap="square" tIns="91425">
             <a:noAutofit/>
           </a:bodyPr>
           <a:lstStyle/>
           <a:p>
-            <a:pPr marL="0" lvl="0" indent="0" algn="l" rtl="0">
+            <a:pPr indent="0" lvl="0" marL="0" rtl="0" algn="l">
               <a:spcBef>
                 <a:spcPts val="0"/>
               </a:spcBef>
@@ -1757,6 +1689,9 @@
               </a:spcAft>
               <a:buNone/>
             </a:pPr>
+            <a:r>
+              <a:t/>
+            </a:r>
             <a:endParaRPr/>
           </a:p>
         </p:txBody>
@@ -1770,11 +1705,11 @@
 </file>
 
 <file path=ppt/notesSlides/notesSlide7.xml><?xml version="1.0" encoding="utf-8"?>
-<p:notes xmlns:a="http://schemas.openxmlformats.org/drawingml/2006/main" xmlns:r="http://schemas.openxmlformats.org/officeDocument/2006/relationships" xmlns:p="http://schemas.openxmlformats.org/presentationml/2006/main" showMasterSp="0" showMasterPhAnim="0">
+<p:notes xmlns:a="http://schemas.openxmlformats.org/drawingml/2006/main" xmlns:r="http://schemas.openxmlformats.org/officeDocument/2006/relationships" xmlns:mc="http://schemas.openxmlformats.org/markup-compatibility/2006" xmlns:mv="urn:schemas-microsoft-com:mac:vml" xmlns:p="http://schemas.openxmlformats.org/presentationml/2006/main" xmlns:c="http://schemas.openxmlformats.org/drawingml/2006/chart" xmlns:dgm="http://schemas.openxmlformats.org/drawingml/2006/diagram" xmlns:o="urn:schemas-microsoft-com:office:office" xmlns:v="urn:schemas-microsoft-com:vml" xmlns:pvml="urn:schemas-microsoft-com:office:powerpoint" xmlns:com="http://schemas.openxmlformats.org/drawingml/2006/compatibility" xmlns:p14="http://schemas.microsoft.com/office/powerpoint/2010/main" xmlns:p15="http://schemas.microsoft.com/office/powerpoint/2012/main" xmlns:ahyp="http://schemas.microsoft.com/office/drawing/2018/hyperlinkcolor" showMasterPhAnim="0" showMasterSp="0">
   <p:cSld>
     <p:spTree>
       <p:nvGrpSpPr>
-        <p:cNvPr id="1" name="Shape 171"/>
+        <p:cNvPr id="173" name="Shape 173"/>
         <p:cNvGrpSpPr/>
         <p:nvPr/>
       </p:nvGrpSpPr>
@@ -1788,27 +1723,21 @@
       </p:grpSpPr>
       <p:sp>
         <p:nvSpPr>
-          <p:cNvPr id="172" name="Google Shape;172;g35e53ea0f98_0_65:notes"/>
-          <p:cNvSpPr>
-            <a:spLocks noGrp="1" noRot="1" noChangeAspect="1"/>
-          </p:cNvSpPr>
+          <p:cNvPr id="174" name="Google Shape;174;g35e53ea0f98_0_65:notes"/>
+          <p:cNvSpPr/>
           <p:nvPr>
-            <p:ph type="sldImg" idx="2"/>
+            <p:ph idx="2" type="sldImg"/>
           </p:nvPr>
         </p:nvSpPr>
         <p:spPr>
           <a:xfrm>
-            <a:off x="381000" y="685800"/>
+            <a:off x="381300" y="685800"/>
             <a:ext cx="6096000" cy="3429000"/>
           </a:xfrm>
           <a:custGeom>
-            <a:avLst/>
-            <a:gdLst/>
-            <a:ahLst/>
-            <a:cxnLst/>
-            <a:rect l="l" t="t" r="r" b="b"/>
+            <a:rect b="b" l="l" r="r" t="t"/>
             <a:pathLst>
-              <a:path w="120000" h="120000" extrusionOk="0">
+              <a:path extrusionOk="0" h="120000" w="120000">
                 <a:moveTo>
                   <a:pt x="0" y="0"/>
                 </a:moveTo>
@@ -1829,12 +1758,10 @@
       </p:sp>
       <p:sp>
         <p:nvSpPr>
-          <p:cNvPr id="173" name="Google Shape;173;g35e53ea0f98_0_65:notes"/>
-          <p:cNvSpPr txBox="1">
-            <a:spLocks noGrp="1"/>
-          </p:cNvSpPr>
+          <p:cNvPr id="175" name="Google Shape;175;g35e53ea0f98_0_65:notes"/>
+          <p:cNvSpPr txBox="1"/>
           <p:nvPr>
-            <p:ph type="body" idx="1"/>
+            <p:ph idx="1" type="body"/>
           </p:nvPr>
         </p:nvSpPr>
         <p:spPr>
@@ -1847,12 +1774,12 @@
           </a:prstGeom>
         </p:spPr>
         <p:txBody>
-          <a:bodyPr spcFirstLastPara="1" wrap="square" lIns="91425" tIns="91425" rIns="91425" bIns="91425" anchor="t" anchorCtr="0">
+          <a:bodyPr anchorCtr="0" anchor="t" bIns="91425" lIns="91425" spcFirstLastPara="1" rIns="91425" wrap="square" tIns="91425">
             <a:noAutofit/>
           </a:bodyPr>
           <a:lstStyle/>
           <a:p>
-            <a:pPr marL="0" lvl="0" indent="0" algn="l" rtl="0">
+            <a:pPr indent="0" lvl="0" marL="0" rtl="0" algn="l">
               <a:spcBef>
                 <a:spcPts val="0"/>
               </a:spcBef>
@@ -1861,6 +1788,9 @@
               </a:spcAft>
               <a:buNone/>
             </a:pPr>
+            <a:r>
+              <a:t/>
+            </a:r>
             <a:endParaRPr/>
           </a:p>
         </p:txBody>
@@ -1874,11 +1804,11 @@
 </file>
 
 <file path=ppt/notesSlides/notesSlide8.xml><?xml version="1.0" encoding="utf-8"?>
-<p:notes xmlns:a="http://schemas.openxmlformats.org/drawingml/2006/main" xmlns:r="http://schemas.openxmlformats.org/officeDocument/2006/relationships" xmlns:p="http://schemas.openxmlformats.org/presentationml/2006/main" showMasterSp="0" showMasterPhAnim="0">
+<p:notes xmlns:a="http://schemas.openxmlformats.org/drawingml/2006/main" xmlns:r="http://schemas.openxmlformats.org/officeDocument/2006/relationships" xmlns:mc="http://schemas.openxmlformats.org/markup-compatibility/2006" xmlns:mv="urn:schemas-microsoft-com:mac:vml" xmlns:p="http://schemas.openxmlformats.org/presentationml/2006/main" xmlns:c="http://schemas.openxmlformats.org/drawingml/2006/chart" xmlns:dgm="http://schemas.openxmlformats.org/drawingml/2006/diagram" xmlns:o="urn:schemas-microsoft-com:office:office" xmlns:v="urn:schemas-microsoft-com:vml" xmlns:pvml="urn:schemas-microsoft-com:office:powerpoint" xmlns:com="http://schemas.openxmlformats.org/drawingml/2006/compatibility" xmlns:p14="http://schemas.microsoft.com/office/powerpoint/2010/main" xmlns:p15="http://schemas.microsoft.com/office/powerpoint/2012/main" xmlns:ahyp="http://schemas.microsoft.com/office/drawing/2018/hyperlinkcolor" showMasterPhAnim="0" showMasterSp="0">
   <p:cSld>
     <p:spTree>
       <p:nvGrpSpPr>
-        <p:cNvPr id="1" name="Shape 178"/>
+        <p:cNvPr id="180" name="Shape 180"/>
         <p:cNvGrpSpPr/>
         <p:nvPr/>
       </p:nvGrpSpPr>
@@ -1892,27 +1822,21 @@
       </p:grpSpPr>
       <p:sp>
         <p:nvSpPr>
-          <p:cNvPr id="179" name="Google Shape;179;g35e53ea0f98_0_70:notes"/>
-          <p:cNvSpPr>
-            <a:spLocks noGrp="1" noRot="1" noChangeAspect="1"/>
-          </p:cNvSpPr>
+          <p:cNvPr id="181" name="Google Shape;181;g35e53ea0f98_0_70:notes"/>
+          <p:cNvSpPr/>
           <p:nvPr>
-            <p:ph type="sldImg" idx="2"/>
+            <p:ph idx="2" type="sldImg"/>
           </p:nvPr>
         </p:nvSpPr>
         <p:spPr>
           <a:xfrm>
-            <a:off x="381000" y="685800"/>
+            <a:off x="381300" y="685800"/>
             <a:ext cx="6096000" cy="3429000"/>
           </a:xfrm>
           <a:custGeom>
-            <a:avLst/>
-            <a:gdLst/>
-            <a:ahLst/>
-            <a:cxnLst/>
-            <a:rect l="l" t="t" r="r" b="b"/>
+            <a:rect b="b" l="l" r="r" t="t"/>
             <a:pathLst>
-              <a:path w="120000" h="120000" extrusionOk="0">
+              <a:path extrusionOk="0" h="120000" w="120000">
                 <a:moveTo>
                   <a:pt x="0" y="0"/>
                 </a:moveTo>
@@ -1933,12 +1857,10 @@
       </p:sp>
       <p:sp>
         <p:nvSpPr>
-          <p:cNvPr id="180" name="Google Shape;180;g35e53ea0f98_0_70:notes"/>
-          <p:cNvSpPr txBox="1">
-            <a:spLocks noGrp="1"/>
-          </p:cNvSpPr>
+          <p:cNvPr id="182" name="Google Shape;182;g35e53ea0f98_0_70:notes"/>
+          <p:cNvSpPr txBox="1"/>
           <p:nvPr>
-            <p:ph type="body" idx="1"/>
+            <p:ph idx="1" type="body"/>
           </p:nvPr>
         </p:nvSpPr>
         <p:spPr>
@@ -1951,12 +1873,12 @@
           </a:prstGeom>
         </p:spPr>
         <p:txBody>
-          <a:bodyPr spcFirstLastPara="1" wrap="square" lIns="91425" tIns="91425" rIns="91425" bIns="91425" anchor="t" anchorCtr="0">
+          <a:bodyPr anchorCtr="0" anchor="t" bIns="91425" lIns="91425" spcFirstLastPara="1" rIns="91425" wrap="square" tIns="91425">
             <a:noAutofit/>
           </a:bodyPr>
           <a:lstStyle/>
           <a:p>
-            <a:pPr marL="0" lvl="0" indent="0" algn="l" rtl="0">
+            <a:pPr indent="0" lvl="0" marL="0" rtl="0" algn="l">
               <a:spcBef>
                 <a:spcPts val="0"/>
               </a:spcBef>
@@ -1965,6 +1887,9 @@
               </a:spcAft>
               <a:buNone/>
             </a:pPr>
+            <a:r>
+              <a:t/>
+            </a:r>
             <a:endParaRPr/>
           </a:p>
         </p:txBody>
@@ -1978,11 +1903,11 @@
 </file>
 
 <file path=ppt/notesSlides/notesSlide9.xml><?xml version="1.0" encoding="utf-8"?>
-<p:notes xmlns:a="http://schemas.openxmlformats.org/drawingml/2006/main" xmlns:r="http://schemas.openxmlformats.org/officeDocument/2006/relationships" xmlns:p="http://schemas.openxmlformats.org/presentationml/2006/main" showMasterSp="0" showMasterPhAnim="0">
+<p:notes xmlns:a="http://schemas.openxmlformats.org/drawingml/2006/main" xmlns:r="http://schemas.openxmlformats.org/officeDocument/2006/relationships" xmlns:mc="http://schemas.openxmlformats.org/markup-compatibility/2006" xmlns:mv="urn:schemas-microsoft-com:mac:vml" xmlns:p="http://schemas.openxmlformats.org/presentationml/2006/main" xmlns:c="http://schemas.openxmlformats.org/drawingml/2006/chart" xmlns:dgm="http://schemas.openxmlformats.org/drawingml/2006/diagram" xmlns:o="urn:schemas-microsoft-com:office:office" xmlns:v="urn:schemas-microsoft-com:vml" xmlns:pvml="urn:schemas-microsoft-com:office:powerpoint" xmlns:com="http://schemas.openxmlformats.org/drawingml/2006/compatibility" xmlns:p14="http://schemas.microsoft.com/office/powerpoint/2010/main" xmlns:p15="http://schemas.microsoft.com/office/powerpoint/2012/main" xmlns:ahyp="http://schemas.microsoft.com/office/drawing/2018/hyperlinkcolor" showMasterPhAnim="0" showMasterSp="0">
   <p:cSld>
     <p:spTree>
       <p:nvGrpSpPr>
-        <p:cNvPr id="1" name="Shape 185"/>
+        <p:cNvPr id="187" name="Shape 187"/>
         <p:cNvGrpSpPr/>
         <p:nvPr/>
       </p:nvGrpSpPr>
@@ -1996,27 +1921,21 @@
       </p:grpSpPr>
       <p:sp>
         <p:nvSpPr>
-          <p:cNvPr id="186" name="Google Shape;186;g35e59576393_0_251:notes"/>
-          <p:cNvSpPr>
-            <a:spLocks noGrp="1" noRot="1" noChangeAspect="1"/>
-          </p:cNvSpPr>
+          <p:cNvPr id="188" name="Google Shape;188;g35e59576393_0_251:notes"/>
+          <p:cNvSpPr/>
           <p:nvPr>
-            <p:ph type="sldImg" idx="2"/>
+            <p:ph idx="2" type="sldImg"/>
           </p:nvPr>
         </p:nvSpPr>
         <p:spPr>
           <a:xfrm>
-            <a:off x="381000" y="685800"/>
+            <a:off x="381300" y="685800"/>
             <a:ext cx="6096000" cy="3429000"/>
           </a:xfrm>
           <a:custGeom>
-            <a:avLst/>
-            <a:gdLst/>
-            <a:ahLst/>
-            <a:cxnLst/>
-            <a:rect l="l" t="t" r="r" b="b"/>
+            <a:rect b="b" l="l" r="r" t="t"/>
             <a:pathLst>
-              <a:path w="120000" h="120000" extrusionOk="0">
+              <a:path extrusionOk="0" h="120000" w="120000">
                 <a:moveTo>
                   <a:pt x="0" y="0"/>
                 </a:moveTo>
@@ -2037,12 +1956,10 @@
       </p:sp>
       <p:sp>
         <p:nvSpPr>
-          <p:cNvPr id="187" name="Google Shape;187;g35e59576393_0_251:notes"/>
-          <p:cNvSpPr txBox="1">
-            <a:spLocks noGrp="1"/>
-          </p:cNvSpPr>
+          <p:cNvPr id="189" name="Google Shape;189;g35e59576393_0_251:notes"/>
+          <p:cNvSpPr txBox="1"/>
           <p:nvPr>
-            <p:ph type="body" idx="1"/>
+            <p:ph idx="1" type="body"/>
           </p:nvPr>
         </p:nvSpPr>
         <p:spPr>
@@ -2055,12 +1972,12 @@
           </a:prstGeom>
         </p:spPr>
         <p:txBody>
-          <a:bodyPr spcFirstLastPara="1" wrap="square" lIns="91425" tIns="91425" rIns="91425" bIns="91425" anchor="t" anchorCtr="0">
+          <a:bodyPr anchorCtr="0" anchor="t" bIns="91425" lIns="91425" spcFirstLastPara="1" rIns="91425" wrap="square" tIns="91425">
             <a:noAutofit/>
           </a:bodyPr>
           <a:lstStyle/>
           <a:p>
-            <a:pPr marL="0" lvl="0" indent="0" algn="l" rtl="0">
+            <a:pPr indent="0" lvl="0" marL="0" rtl="0" algn="l">
               <a:spcBef>
                 <a:spcPts val="0"/>
               </a:spcBef>
@@ -2069,6 +1986,9 @@
               </a:spcAft>
               <a:buNone/>
             </a:pPr>
+            <a:r>
+              <a:t/>
+            </a:r>
             <a:endParaRPr/>
           </a:p>
         </p:txBody>
@@ -2082,11 +2002,11 @@
 </file>
 
 <file path=ppt/slideLayouts/slideLayout1.xml><?xml version="1.0" encoding="utf-8"?>
-<p:sldLayout xmlns:a="http://schemas.openxmlformats.org/drawingml/2006/main" xmlns:r="http://schemas.openxmlformats.org/officeDocument/2006/relationships" xmlns:p="http://schemas.openxmlformats.org/presentationml/2006/main" matchingName="Title slide" type="title">
+<p:sldLayout xmlns:a="http://schemas.openxmlformats.org/drawingml/2006/main" xmlns:r="http://schemas.openxmlformats.org/officeDocument/2006/relationships" xmlns:mc="http://schemas.openxmlformats.org/markup-compatibility/2006" xmlns:mv="urn:schemas-microsoft-com:mac:vml" xmlns:p="http://schemas.openxmlformats.org/presentationml/2006/main" xmlns:c="http://schemas.openxmlformats.org/drawingml/2006/chart" xmlns:dgm="http://schemas.openxmlformats.org/drawingml/2006/diagram" xmlns:o="urn:schemas-microsoft-com:office:office" xmlns:v="urn:schemas-microsoft-com:vml" xmlns:pvml="urn:schemas-microsoft-com:office:powerpoint" xmlns:com="http://schemas.openxmlformats.org/drawingml/2006/compatibility" xmlns:p14="http://schemas.microsoft.com/office/powerpoint/2010/main" xmlns:p15="http://schemas.microsoft.com/office/powerpoint/2012/main" xmlns:ahyp="http://schemas.microsoft.com/office/drawing/2018/hyperlinkcolor" matchingName="Title slide" type="title">
   <p:cSld name="TITLE">
     <p:spTree>
       <p:nvGrpSpPr>
-        <p:cNvPr id="1" name="Shape 9"/>
+        <p:cNvPr id="9" name="Shape 9"/>
         <p:cNvGrpSpPr/>
         <p:nvPr/>
       </p:nvGrpSpPr>
@@ -2111,7 +2031,7 @@
           </a:xfrm>
           <a:prstGeom prst="diagStripe">
             <a:avLst>
-              <a:gd name="adj" fmla="val 0"/>
+              <a:gd fmla="val 0" name="adj"/>
             </a:avLst>
           </a:prstGeom>
           <a:solidFill>
@@ -2124,12 +2044,12 @@
           </a:ln>
         </p:spPr>
         <p:txBody>
-          <a:bodyPr spcFirstLastPara="1" wrap="square" lIns="91425" tIns="91425" rIns="91425" bIns="91425" anchor="ctr" anchorCtr="0">
+          <a:bodyPr anchorCtr="0" anchor="ctr" bIns="91425" lIns="91425" spcFirstLastPara="1" rIns="91425" wrap="square" tIns="91425">
             <a:noAutofit/>
           </a:bodyPr>
           <a:lstStyle/>
           <a:p>
-            <a:pPr marL="0" lvl="0" indent="0" algn="l" rtl="0">
+            <a:pPr indent="0" lvl="0" marL="0" rtl="0" algn="l">
               <a:spcBef>
                 <a:spcPts val="0"/>
               </a:spcBef>
@@ -2138,6 +2058,9 @@
               </a:spcAft>
               <a:buNone/>
             </a:pPr>
+            <a:r>
+              <a:t/>
+            </a:r>
             <a:endParaRPr/>
           </a:p>
         </p:txBody>
@@ -2169,7 +2092,7 @@
             </a:xfrm>
             <a:prstGeom prst="diagStripe">
               <a:avLst>
-                <a:gd name="adj" fmla="val 50000"/>
+                <a:gd fmla="val 50000" name="adj"/>
               </a:avLst>
             </a:prstGeom>
             <a:solidFill>
@@ -2182,12 +2105,12 @@
             </a:ln>
           </p:spPr>
           <p:txBody>
-            <a:bodyPr spcFirstLastPara="1" wrap="square" lIns="91425" tIns="91425" rIns="91425" bIns="91425" anchor="ctr" anchorCtr="0">
+            <a:bodyPr anchorCtr="0" anchor="ctr" bIns="91425" lIns="91425" spcFirstLastPara="1" rIns="91425" wrap="square" tIns="91425">
               <a:noAutofit/>
             </a:bodyPr>
             <a:lstStyle/>
             <a:p>
-              <a:pPr marL="0" lvl="0" indent="0" algn="l" rtl="0">
+              <a:pPr indent="0" lvl="0" marL="0" rtl="0" algn="l">
                 <a:spcBef>
                   <a:spcPts val="0"/>
                 </a:spcBef>
@@ -2196,6 +2119,9 @@
                 </a:spcAft>
                 <a:buNone/>
               </a:pPr>
+              <a:r>
+                <a:t/>
+              </a:r>
               <a:endParaRPr/>
             </a:p>
           </p:txBody>
@@ -2213,7 +2139,7 @@
             </a:xfrm>
             <a:prstGeom prst="diagStripe">
               <a:avLst>
-                <a:gd name="adj" fmla="val 58774"/>
+                <a:gd fmla="val 58774" name="adj"/>
               </a:avLst>
             </a:prstGeom>
             <a:solidFill>
@@ -2226,12 +2152,12 @@
             </a:ln>
           </p:spPr>
           <p:txBody>
-            <a:bodyPr spcFirstLastPara="1" wrap="square" lIns="91425" tIns="91425" rIns="91425" bIns="91425" anchor="ctr" anchorCtr="0">
+            <a:bodyPr anchorCtr="0" anchor="ctr" bIns="91425" lIns="91425" spcFirstLastPara="1" rIns="91425" wrap="square" tIns="91425">
               <a:noAutofit/>
             </a:bodyPr>
             <a:lstStyle/>
             <a:p>
-              <a:pPr marL="0" lvl="0" indent="0" algn="l" rtl="0">
+              <a:pPr indent="0" lvl="0" marL="0" rtl="0" algn="l">
                 <a:spcBef>
                   <a:spcPts val="0"/>
                 </a:spcBef>
@@ -2240,6 +2166,9 @@
                 </a:spcAft>
                 <a:buNone/>
               </a:pPr>
+              <a:r>
+                <a:t/>
+              </a:r>
               <a:endParaRPr/>
             </a:p>
           </p:txBody>
@@ -2257,7 +2186,7 @@
             </a:xfrm>
             <a:prstGeom prst="diagStripe">
               <a:avLst>
-                <a:gd name="adj" fmla="val 50000"/>
+                <a:gd fmla="val 50000" name="adj"/>
               </a:avLst>
             </a:prstGeom>
             <a:solidFill>
@@ -2268,12 +2197,12 @@
             </a:ln>
           </p:spPr>
           <p:txBody>
-            <a:bodyPr spcFirstLastPara="1" wrap="square" lIns="91425" tIns="91425" rIns="91425" bIns="91425" anchor="ctr" anchorCtr="0">
+            <a:bodyPr anchorCtr="0" anchor="ctr" bIns="91425" lIns="91425" spcFirstLastPara="1" rIns="91425" wrap="square" tIns="91425">
               <a:noAutofit/>
             </a:bodyPr>
             <a:lstStyle/>
             <a:p>
-              <a:pPr marL="0" lvl="0" indent="0" algn="l" rtl="0">
+              <a:pPr indent="0" lvl="0" marL="0" rtl="0" algn="l">
                 <a:spcBef>
                   <a:spcPts val="0"/>
                 </a:spcBef>
@@ -2282,6 +2211,9 @@
                 </a:spcAft>
                 <a:buNone/>
               </a:pPr>
+              <a:r>
+                <a:t/>
+              </a:r>
               <a:endParaRPr/>
             </a:p>
           </p:txBody>
@@ -2299,7 +2231,7 @@
             </a:xfrm>
             <a:prstGeom prst="diagStripe">
               <a:avLst>
-                <a:gd name="adj" fmla="val 50000"/>
+                <a:gd fmla="val 50000" name="adj"/>
               </a:avLst>
             </a:prstGeom>
             <a:solidFill>
@@ -2310,12 +2242,12 @@
             </a:ln>
           </p:spPr>
           <p:txBody>
-            <a:bodyPr spcFirstLastPara="1" wrap="square" lIns="91425" tIns="91425" rIns="91425" bIns="91425" anchor="ctr" anchorCtr="0">
+            <a:bodyPr anchorCtr="0" anchor="ctr" bIns="91425" lIns="91425" spcFirstLastPara="1" rIns="91425" wrap="square" tIns="91425">
               <a:noAutofit/>
             </a:bodyPr>
             <a:lstStyle/>
             <a:p>
-              <a:pPr marL="0" lvl="0" indent="0" algn="l" rtl="0">
+              <a:pPr indent="0" lvl="0" marL="0" rtl="0" algn="l">
                 <a:spcBef>
                   <a:spcPts val="0"/>
                 </a:spcBef>
@@ -2324,6 +2256,9 @@
                 </a:spcAft>
                 <a:buNone/>
               </a:pPr>
+              <a:r>
+                <a:t/>
+              </a:r>
               <a:endParaRPr/>
             </a:p>
           </p:txBody>
@@ -2332,9 +2267,7 @@
       <p:sp>
         <p:nvSpPr>
           <p:cNvPr id="16" name="Google Shape;16;p2"/>
-          <p:cNvSpPr txBox="1">
-            <a:spLocks noGrp="1"/>
-          </p:cNvSpPr>
+          <p:cNvSpPr txBox="1"/>
           <p:nvPr>
             <p:ph type="ctrTitle"/>
           </p:nvPr>
@@ -2349,7 +2282,7 @@
           </a:prstGeom>
         </p:spPr>
         <p:txBody>
-          <a:bodyPr spcFirstLastPara="1" wrap="square" lIns="91425" tIns="91425" rIns="91425" bIns="91425" anchor="t" anchorCtr="0">
+          <a:bodyPr anchorCtr="0" anchor="t" bIns="91425" lIns="91425" spcFirstLastPara="1" rIns="91425" wrap="square" tIns="91425">
             <a:normAutofit/>
           </a:bodyPr>
           <a:lstStyle>
@@ -2453,19 +2386,15 @@
               <a:defRPr sz="4000"/>
             </a:lvl9pPr>
           </a:lstStyle>
-          <a:p>
-            <a:endParaRPr/>
-          </a:p>
+          <a:p/>
         </p:txBody>
       </p:sp>
       <p:sp>
         <p:nvSpPr>
           <p:cNvPr id="17" name="Google Shape;17;p2"/>
-          <p:cNvSpPr txBox="1">
-            <a:spLocks noGrp="1"/>
-          </p:cNvSpPr>
+          <p:cNvSpPr txBox="1"/>
           <p:nvPr>
-            <p:ph type="subTitle" idx="1"/>
+            <p:ph idx="1" type="subTitle"/>
           </p:nvPr>
         </p:nvSpPr>
         <p:spPr>
@@ -2478,7 +2407,7 @@
           </a:prstGeom>
         </p:spPr>
         <p:txBody>
-          <a:bodyPr spcFirstLastPara="1" wrap="square" lIns="91425" tIns="91425" rIns="91425" bIns="91425" anchor="t" anchorCtr="0">
+          <a:bodyPr anchorCtr="0" anchor="t" bIns="91425" lIns="91425" spcFirstLastPara="1" rIns="91425" wrap="square" tIns="91425">
             <a:normAutofit/>
           </a:bodyPr>
           <a:lstStyle>
@@ -2609,19 +2538,15 @@
               <a:defRPr sz="1300"/>
             </a:lvl9pPr>
           </a:lstStyle>
-          <a:p>
-            <a:endParaRPr/>
-          </a:p>
+          <a:p/>
         </p:txBody>
       </p:sp>
       <p:sp>
         <p:nvSpPr>
           <p:cNvPr id="18" name="Google Shape;18;p2"/>
-          <p:cNvSpPr txBox="1">
-            <a:spLocks noGrp="1"/>
-          </p:cNvSpPr>
+          <p:cNvSpPr txBox="1"/>
           <p:nvPr>
-            <p:ph type="sldNum" idx="12"/>
+            <p:ph idx="12" type="sldNum"/>
           </p:nvPr>
         </p:nvSpPr>
         <p:spPr>
@@ -2634,7 +2559,7 @@
           </a:prstGeom>
         </p:spPr>
         <p:txBody>
-          <a:bodyPr spcFirstLastPara="1" wrap="square" lIns="91425" tIns="91425" rIns="91425" bIns="91425" anchor="ctr" anchorCtr="0">
+          <a:bodyPr anchorCtr="0" anchor="ctr" bIns="91425" lIns="91425" spcFirstLastPara="1" rIns="91425" wrap="square" tIns="91425">
             <a:normAutofit/>
           </a:bodyPr>
           <a:lstStyle>
@@ -2676,7 +2601,7 @@
             </a:lvl9pPr>
           </a:lstStyle>
           <a:p>
-            <a:pPr marL="0" lvl="0" indent="0" algn="r" rtl="0">
+            <a:pPr indent="0" lvl="0" marL="0" rtl="0" algn="r">
               <a:spcBef>
                 <a:spcPts val="0"/>
               </a:spcBef>
@@ -2702,11 +2627,11 @@
 </file>
 
 <file path=ppt/slideLayouts/slideLayout10.xml><?xml version="1.0" encoding="utf-8"?>
-<p:sldLayout xmlns:a="http://schemas.openxmlformats.org/drawingml/2006/main" xmlns:r="http://schemas.openxmlformats.org/officeDocument/2006/relationships" xmlns:p="http://schemas.openxmlformats.org/presentationml/2006/main" matchingName="Big number">
+<p:sldLayout xmlns:a="http://schemas.openxmlformats.org/drawingml/2006/main" xmlns:r="http://schemas.openxmlformats.org/officeDocument/2006/relationships" xmlns:mc="http://schemas.openxmlformats.org/markup-compatibility/2006" xmlns:mv="urn:schemas-microsoft-com:mac:vml" xmlns:p="http://schemas.openxmlformats.org/presentationml/2006/main" xmlns:c="http://schemas.openxmlformats.org/drawingml/2006/chart" xmlns:dgm="http://schemas.openxmlformats.org/drawingml/2006/diagram" xmlns:o="urn:schemas-microsoft-com:office:office" xmlns:v="urn:schemas-microsoft-com:vml" xmlns:pvml="urn:schemas-microsoft-com:office:powerpoint" xmlns:com="http://schemas.openxmlformats.org/drawingml/2006/compatibility" xmlns:p14="http://schemas.microsoft.com/office/powerpoint/2010/main" xmlns:p15="http://schemas.microsoft.com/office/powerpoint/2012/main" xmlns:ahyp="http://schemas.microsoft.com/office/drawing/2018/hyperlinkcolor" matchingName="Big number">
   <p:cSld name="BIG_NUMBER">
     <p:spTree>
       <p:nvGrpSpPr>
-        <p:cNvPr id="1" name="Shape 105"/>
+        <p:cNvPr id="105" name="Shape 105"/>
         <p:cNvGrpSpPr/>
         <p:nvPr/>
       </p:nvGrpSpPr>
@@ -2745,7 +2670,7 @@
             </a:xfrm>
             <a:prstGeom prst="diagStripe">
               <a:avLst>
-                <a:gd name="adj" fmla="val 49469"/>
+                <a:gd fmla="val 49469" name="adj"/>
               </a:avLst>
             </a:prstGeom>
             <a:solidFill>
@@ -2758,12 +2683,12 @@
             </a:ln>
           </p:spPr>
           <p:txBody>
-            <a:bodyPr spcFirstLastPara="1" wrap="square" lIns="91425" tIns="91425" rIns="91425" bIns="91425" anchor="ctr" anchorCtr="0">
+            <a:bodyPr anchorCtr="0" anchor="ctr" bIns="91425" lIns="91425" spcFirstLastPara="1" rIns="91425" wrap="square" tIns="91425">
               <a:noAutofit/>
             </a:bodyPr>
             <a:lstStyle/>
             <a:p>
-              <a:pPr marL="0" lvl="0" indent="0" algn="l" rtl="0">
+              <a:pPr indent="0" lvl="0" marL="0" rtl="0" algn="l">
                 <a:spcBef>
                   <a:spcPts val="0"/>
                 </a:spcBef>
@@ -2772,6 +2697,9 @@
                 </a:spcAft>
                 <a:buNone/>
               </a:pPr>
+              <a:r>
+                <a:t/>
+              </a:r>
               <a:endParaRPr/>
             </a:p>
           </p:txBody>
@@ -2789,7 +2717,7 @@
             </a:xfrm>
             <a:prstGeom prst="diagStripe">
               <a:avLst>
-                <a:gd name="adj" fmla="val 0"/>
+                <a:gd fmla="val 0" name="adj"/>
               </a:avLst>
             </a:prstGeom>
             <a:solidFill>
@@ -2802,12 +2730,12 @@
             </a:ln>
           </p:spPr>
           <p:txBody>
-            <a:bodyPr spcFirstLastPara="1" wrap="square" lIns="91425" tIns="91425" rIns="91425" bIns="91425" anchor="ctr" anchorCtr="0">
+            <a:bodyPr anchorCtr="0" anchor="ctr" bIns="91425" lIns="91425" spcFirstLastPara="1" rIns="91425" wrap="square" tIns="91425">
               <a:noAutofit/>
             </a:bodyPr>
             <a:lstStyle/>
             <a:p>
-              <a:pPr marL="0" lvl="0" indent="0" algn="l" rtl="0">
+              <a:pPr indent="0" lvl="0" marL="0" rtl="0" algn="l">
                 <a:spcBef>
                   <a:spcPts val="0"/>
                 </a:spcBef>
@@ -2816,6 +2744,9 @@
                 </a:spcAft>
                 <a:buNone/>
               </a:pPr>
+              <a:r>
+                <a:t/>
+              </a:r>
               <a:endParaRPr/>
             </a:p>
           </p:txBody>
@@ -2833,7 +2764,7 @@
             </a:xfrm>
             <a:prstGeom prst="diagStripe">
               <a:avLst>
-                <a:gd name="adj" fmla="val 50000"/>
+                <a:gd fmla="val 50000" name="adj"/>
               </a:avLst>
             </a:prstGeom>
             <a:solidFill>
@@ -2846,12 +2777,12 @@
             </a:ln>
           </p:spPr>
           <p:txBody>
-            <a:bodyPr spcFirstLastPara="1" wrap="square" lIns="91425" tIns="91425" rIns="91425" bIns="91425" anchor="ctr" anchorCtr="0">
+            <a:bodyPr anchorCtr="0" anchor="ctr" bIns="91425" lIns="91425" spcFirstLastPara="1" rIns="91425" wrap="square" tIns="91425">
               <a:noAutofit/>
             </a:bodyPr>
             <a:lstStyle/>
             <a:p>
-              <a:pPr marL="0" lvl="0" indent="0" algn="l" rtl="0">
+              <a:pPr indent="0" lvl="0" marL="0" rtl="0" algn="l">
                 <a:spcBef>
                   <a:spcPts val="0"/>
                 </a:spcBef>
@@ -2860,6 +2791,9 @@
                 </a:spcAft>
                 <a:buNone/>
               </a:pPr>
+              <a:r>
+                <a:t/>
+              </a:r>
               <a:endParaRPr/>
             </a:p>
           </p:txBody>
@@ -2877,7 +2811,7 @@
             </a:xfrm>
             <a:prstGeom prst="diagStripe">
               <a:avLst>
-                <a:gd name="adj" fmla="val 50000"/>
+                <a:gd fmla="val 50000" name="adj"/>
               </a:avLst>
             </a:prstGeom>
             <a:solidFill>
@@ -2890,12 +2824,12 @@
             </a:ln>
           </p:spPr>
           <p:txBody>
-            <a:bodyPr spcFirstLastPara="1" wrap="square" lIns="91425" tIns="91425" rIns="91425" bIns="91425" anchor="ctr" anchorCtr="0">
+            <a:bodyPr anchorCtr="0" anchor="ctr" bIns="91425" lIns="91425" spcFirstLastPara="1" rIns="91425" wrap="square" tIns="91425">
               <a:noAutofit/>
             </a:bodyPr>
             <a:lstStyle/>
             <a:p>
-              <a:pPr marL="0" lvl="0" indent="0" algn="l" rtl="0">
+              <a:pPr indent="0" lvl="0" marL="0" rtl="0" algn="l">
                 <a:spcBef>
                   <a:spcPts val="0"/>
                 </a:spcBef>
@@ -2904,6 +2838,9 @@
                 </a:spcAft>
                 <a:buNone/>
               </a:pPr>
+              <a:r>
+                <a:t/>
+              </a:r>
               <a:endParaRPr/>
             </a:p>
           </p:txBody>
@@ -2921,7 +2858,7 @@
             </a:xfrm>
             <a:prstGeom prst="diagStripe">
               <a:avLst>
-                <a:gd name="adj" fmla="val 50000"/>
+                <a:gd fmla="val 50000" name="adj"/>
               </a:avLst>
             </a:prstGeom>
             <a:solidFill>
@@ -2934,12 +2871,12 @@
             </a:ln>
           </p:spPr>
           <p:txBody>
-            <a:bodyPr spcFirstLastPara="1" wrap="square" lIns="91425" tIns="91425" rIns="91425" bIns="91425" anchor="ctr" anchorCtr="0">
+            <a:bodyPr anchorCtr="0" anchor="ctr" bIns="91425" lIns="91425" spcFirstLastPara="1" rIns="91425" wrap="square" tIns="91425">
               <a:noAutofit/>
             </a:bodyPr>
             <a:lstStyle/>
             <a:p>
-              <a:pPr marL="0" lvl="0" indent="0" algn="l" rtl="0">
+              <a:pPr indent="0" lvl="0" marL="0" rtl="0" algn="l">
                 <a:spcBef>
                   <a:spcPts val="0"/>
                 </a:spcBef>
@@ -2948,6 +2885,9 @@
                 </a:spcAft>
                 <a:buNone/>
               </a:pPr>
+              <a:r>
+                <a:t/>
+              </a:r>
               <a:endParaRPr/>
             </a:p>
           </p:txBody>
@@ -2965,7 +2905,7 @@
             </a:xfrm>
             <a:prstGeom prst="diagStripe">
               <a:avLst>
-                <a:gd name="adj" fmla="val 50000"/>
+                <a:gd fmla="val 50000" name="adj"/>
               </a:avLst>
             </a:prstGeom>
             <a:solidFill>
@@ -2978,12 +2918,12 @@
             </a:ln>
           </p:spPr>
           <p:txBody>
-            <a:bodyPr spcFirstLastPara="1" wrap="square" lIns="91425" tIns="91425" rIns="91425" bIns="91425" anchor="ctr" anchorCtr="0">
+            <a:bodyPr anchorCtr="0" anchor="ctr" bIns="91425" lIns="91425" spcFirstLastPara="1" rIns="91425" wrap="square" tIns="91425">
               <a:noAutofit/>
             </a:bodyPr>
             <a:lstStyle/>
             <a:p>
-              <a:pPr marL="0" lvl="0" indent="0" algn="l" rtl="0">
+              <a:pPr indent="0" lvl="0" marL="0" rtl="0" algn="l">
                 <a:spcBef>
                   <a:spcPts val="0"/>
                 </a:spcBef>
@@ -2992,6 +2932,9 @@
                 </a:spcAft>
                 <a:buNone/>
               </a:pPr>
+              <a:r>
+                <a:t/>
+              </a:r>
               <a:endParaRPr/>
             </a:p>
           </p:txBody>
@@ -3009,7 +2952,7 @@
             </a:xfrm>
             <a:prstGeom prst="diagStripe">
               <a:avLst>
-                <a:gd name="adj" fmla="val 50000"/>
+                <a:gd fmla="val 50000" name="adj"/>
               </a:avLst>
             </a:prstGeom>
             <a:solidFill>
@@ -3022,12 +2965,12 @@
             </a:ln>
           </p:spPr>
           <p:txBody>
-            <a:bodyPr spcFirstLastPara="1" wrap="square" lIns="91425" tIns="91425" rIns="91425" bIns="91425" anchor="ctr" anchorCtr="0">
+            <a:bodyPr anchorCtr="0" anchor="ctr" bIns="91425" lIns="91425" spcFirstLastPara="1" rIns="91425" wrap="square" tIns="91425">
               <a:noAutofit/>
             </a:bodyPr>
             <a:lstStyle/>
             <a:p>
-              <a:pPr marL="0" lvl="0" indent="0" algn="l" rtl="0">
+              <a:pPr indent="0" lvl="0" marL="0" rtl="0" algn="l">
                 <a:spcBef>
                   <a:spcPts val="0"/>
                 </a:spcBef>
@@ -3036,6 +2979,9 @@
                 </a:spcAft>
                 <a:buNone/>
               </a:pPr>
+              <a:r>
+                <a:t/>
+              </a:r>
               <a:endParaRPr/>
             </a:p>
           </p:txBody>
@@ -3053,7 +2999,7 @@
             </a:xfrm>
             <a:prstGeom prst="diagStripe">
               <a:avLst>
-                <a:gd name="adj" fmla="val 50000"/>
+                <a:gd fmla="val 50000" name="adj"/>
               </a:avLst>
             </a:prstGeom>
             <a:solidFill>
@@ -3064,12 +3010,12 @@
             </a:ln>
           </p:spPr>
           <p:txBody>
-            <a:bodyPr spcFirstLastPara="1" wrap="square" lIns="91425" tIns="91425" rIns="91425" bIns="91425" anchor="ctr" anchorCtr="0">
+            <a:bodyPr anchorCtr="0" anchor="ctr" bIns="91425" lIns="91425" spcFirstLastPara="1" rIns="91425" wrap="square" tIns="91425">
               <a:noAutofit/>
             </a:bodyPr>
             <a:lstStyle/>
             <a:p>
-              <a:pPr marL="0" lvl="0" indent="0" algn="l" rtl="0">
+              <a:pPr indent="0" lvl="0" marL="0" rtl="0" algn="l">
                 <a:spcBef>
                   <a:spcPts val="0"/>
                 </a:spcBef>
@@ -3078,6 +3024,9 @@
                 </a:spcAft>
                 <a:buNone/>
               </a:pPr>
+              <a:r>
+                <a:t/>
+              </a:r>
               <a:endParaRPr/>
             </a:p>
           </p:txBody>
@@ -3095,7 +3044,7 @@
             </a:xfrm>
             <a:prstGeom prst="diagStripe">
               <a:avLst>
-                <a:gd name="adj" fmla="val 50000"/>
+                <a:gd fmla="val 50000" name="adj"/>
               </a:avLst>
             </a:prstGeom>
             <a:solidFill>
@@ -3108,12 +3057,12 @@
             </a:ln>
           </p:spPr>
           <p:txBody>
-            <a:bodyPr spcFirstLastPara="1" wrap="square" lIns="91425" tIns="91425" rIns="91425" bIns="91425" anchor="ctr" anchorCtr="0">
+            <a:bodyPr anchorCtr="0" anchor="ctr" bIns="91425" lIns="91425" spcFirstLastPara="1" rIns="91425" wrap="square" tIns="91425">
               <a:noAutofit/>
             </a:bodyPr>
             <a:lstStyle/>
             <a:p>
-              <a:pPr marL="0" lvl="0" indent="0" algn="l" rtl="0">
+              <a:pPr indent="0" lvl="0" marL="0" rtl="0" algn="l">
                 <a:spcBef>
                   <a:spcPts val="0"/>
                 </a:spcBef>
@@ -3122,6 +3071,9 @@
                 </a:spcAft>
                 <a:buNone/>
               </a:pPr>
+              <a:r>
+                <a:t/>
+              </a:r>
               <a:endParaRPr/>
             </a:p>
           </p:txBody>
@@ -3139,7 +3091,7 @@
             </a:xfrm>
             <a:prstGeom prst="diagStripe">
               <a:avLst>
-                <a:gd name="adj" fmla="val 50000"/>
+                <a:gd fmla="val 50000" name="adj"/>
               </a:avLst>
             </a:prstGeom>
             <a:solidFill>
@@ -3152,12 +3104,12 @@
             </a:ln>
           </p:spPr>
           <p:txBody>
-            <a:bodyPr spcFirstLastPara="1" wrap="square" lIns="91425" tIns="91425" rIns="91425" bIns="91425" anchor="ctr" anchorCtr="0">
+            <a:bodyPr anchorCtr="0" anchor="ctr" bIns="91425" lIns="91425" spcFirstLastPara="1" rIns="91425" wrap="square" tIns="91425">
               <a:noAutofit/>
             </a:bodyPr>
             <a:lstStyle/>
             <a:p>
-              <a:pPr marL="0" lvl="0" indent="0" algn="l" rtl="0">
+              <a:pPr indent="0" lvl="0" marL="0" rtl="0" algn="l">
                 <a:spcBef>
                   <a:spcPts val="0"/>
                 </a:spcBef>
@@ -3166,6 +3118,9 @@
                 </a:spcAft>
                 <a:buNone/>
               </a:pPr>
+              <a:r>
+                <a:t/>
+              </a:r>
               <a:endParaRPr/>
             </a:p>
           </p:txBody>
@@ -3183,7 +3138,7 @@
             </a:xfrm>
             <a:prstGeom prst="diagStripe">
               <a:avLst>
-                <a:gd name="adj" fmla="val 50000"/>
+                <a:gd fmla="val 50000" name="adj"/>
               </a:avLst>
             </a:prstGeom>
             <a:solidFill>
@@ -3196,12 +3151,12 @@
             </a:ln>
           </p:spPr>
           <p:txBody>
-            <a:bodyPr spcFirstLastPara="1" wrap="square" lIns="91425" tIns="91425" rIns="91425" bIns="91425" anchor="ctr" anchorCtr="0">
+            <a:bodyPr anchorCtr="0" anchor="ctr" bIns="91425" lIns="91425" spcFirstLastPara="1" rIns="91425" wrap="square" tIns="91425">
               <a:noAutofit/>
             </a:bodyPr>
             <a:lstStyle/>
             <a:p>
-              <a:pPr marL="0" lvl="0" indent="0" algn="l" rtl="0">
+              <a:pPr indent="0" lvl="0" marL="0" rtl="0" algn="l">
                 <a:spcBef>
                   <a:spcPts val="0"/>
                 </a:spcBef>
@@ -3210,6 +3165,9 @@
                 </a:spcAft>
                 <a:buNone/>
               </a:pPr>
+              <a:r>
+                <a:t/>
+              </a:r>
               <a:endParaRPr/>
             </a:p>
           </p:txBody>
@@ -3227,7 +3185,7 @@
             </a:xfrm>
             <a:prstGeom prst="diagStripe">
               <a:avLst>
-                <a:gd name="adj" fmla="val 50000"/>
+                <a:gd fmla="val 50000" name="adj"/>
               </a:avLst>
             </a:prstGeom>
             <a:solidFill>
@@ -3240,12 +3198,12 @@
             </a:ln>
           </p:spPr>
           <p:txBody>
-            <a:bodyPr spcFirstLastPara="1" wrap="square" lIns="91425" tIns="91425" rIns="91425" bIns="91425" anchor="ctr" anchorCtr="0">
+            <a:bodyPr anchorCtr="0" anchor="ctr" bIns="91425" lIns="91425" spcFirstLastPara="1" rIns="91425" wrap="square" tIns="91425">
               <a:noAutofit/>
             </a:bodyPr>
             <a:lstStyle/>
             <a:p>
-              <a:pPr marL="0" lvl="0" indent="0" algn="l" rtl="0">
+              <a:pPr indent="0" lvl="0" marL="0" rtl="0" algn="l">
                 <a:spcBef>
                   <a:spcPts val="0"/>
                 </a:spcBef>
@@ -3254,6 +3212,9 @@
                 </a:spcAft>
                 <a:buNone/>
               </a:pPr>
+              <a:r>
+                <a:t/>
+              </a:r>
               <a:endParaRPr/>
             </a:p>
           </p:txBody>
@@ -3271,7 +3232,7 @@
             </a:xfrm>
             <a:prstGeom prst="diagStripe">
               <a:avLst>
-                <a:gd name="adj" fmla="val 50000"/>
+                <a:gd fmla="val 50000" name="adj"/>
               </a:avLst>
             </a:prstGeom>
             <a:solidFill>
@@ -3284,12 +3245,12 @@
             </a:ln>
           </p:spPr>
           <p:txBody>
-            <a:bodyPr spcFirstLastPara="1" wrap="square" lIns="91425" tIns="91425" rIns="91425" bIns="91425" anchor="ctr" anchorCtr="0">
+            <a:bodyPr anchorCtr="0" anchor="ctr" bIns="91425" lIns="91425" spcFirstLastPara="1" rIns="91425" wrap="square" tIns="91425">
               <a:noAutofit/>
             </a:bodyPr>
             <a:lstStyle/>
             <a:p>
-              <a:pPr marL="0" lvl="0" indent="0" algn="l" rtl="0">
+              <a:pPr indent="0" lvl="0" marL="0" rtl="0" algn="l">
                 <a:spcBef>
                   <a:spcPts val="0"/>
                 </a:spcBef>
@@ -3298,6 +3259,9 @@
                 </a:spcAft>
                 <a:buNone/>
               </a:pPr>
+              <a:r>
+                <a:t/>
+              </a:r>
               <a:endParaRPr/>
             </a:p>
           </p:txBody>
@@ -3315,7 +3279,7 @@
             </a:xfrm>
             <a:prstGeom prst="diagStripe">
               <a:avLst>
-                <a:gd name="adj" fmla="val 50000"/>
+                <a:gd fmla="val 50000" name="adj"/>
               </a:avLst>
             </a:prstGeom>
             <a:solidFill>
@@ -3326,12 +3290,12 @@
             </a:ln>
           </p:spPr>
           <p:txBody>
-            <a:bodyPr spcFirstLastPara="1" wrap="square" lIns="91425" tIns="91425" rIns="91425" bIns="91425" anchor="ctr" anchorCtr="0">
+            <a:bodyPr anchorCtr="0" anchor="ctr" bIns="91425" lIns="91425" spcFirstLastPara="1" rIns="91425" wrap="square" tIns="91425">
               <a:noAutofit/>
             </a:bodyPr>
             <a:lstStyle/>
             <a:p>
-              <a:pPr marL="0" lvl="0" indent="0" algn="l" rtl="0">
+              <a:pPr indent="0" lvl="0" marL="0" rtl="0" algn="l">
                 <a:spcBef>
                   <a:spcPts val="0"/>
                 </a:spcBef>
@@ -3340,6 +3304,9 @@
                 </a:spcAft>
                 <a:buNone/>
               </a:pPr>
+              <a:r>
+                <a:t/>
+              </a:r>
               <a:endParaRPr/>
             </a:p>
           </p:txBody>
@@ -3357,7 +3324,7 @@
             </a:xfrm>
             <a:prstGeom prst="diagStripe">
               <a:avLst>
-                <a:gd name="adj" fmla="val 50000"/>
+                <a:gd fmla="val 50000" name="adj"/>
               </a:avLst>
             </a:prstGeom>
             <a:solidFill>
@@ -3370,12 +3337,12 @@
             </a:ln>
           </p:spPr>
           <p:txBody>
-            <a:bodyPr spcFirstLastPara="1" wrap="square" lIns="91425" tIns="91425" rIns="91425" bIns="91425" anchor="ctr" anchorCtr="0">
+            <a:bodyPr anchorCtr="0" anchor="ctr" bIns="91425" lIns="91425" spcFirstLastPara="1" rIns="91425" wrap="square" tIns="91425">
               <a:noAutofit/>
             </a:bodyPr>
             <a:lstStyle/>
             <a:p>
-              <a:pPr marL="0" lvl="0" indent="0" algn="l" rtl="0">
+              <a:pPr indent="0" lvl="0" marL="0" rtl="0" algn="l">
                 <a:spcBef>
                   <a:spcPts val="0"/>
                 </a:spcBef>
@@ -3384,6 +3351,9 @@
                 </a:spcAft>
                 <a:buNone/>
               </a:pPr>
+              <a:r>
+                <a:t/>
+              </a:r>
               <a:endParaRPr/>
             </a:p>
           </p:txBody>
@@ -3401,7 +3371,7 @@
             </a:xfrm>
             <a:prstGeom prst="diagStripe">
               <a:avLst>
-                <a:gd name="adj" fmla="val 50000"/>
+                <a:gd fmla="val 50000" name="adj"/>
               </a:avLst>
             </a:prstGeom>
             <a:solidFill>
@@ -3414,12 +3384,12 @@
             </a:ln>
           </p:spPr>
           <p:txBody>
-            <a:bodyPr spcFirstLastPara="1" wrap="square" lIns="91425" tIns="91425" rIns="91425" bIns="91425" anchor="ctr" anchorCtr="0">
+            <a:bodyPr anchorCtr="0" anchor="ctr" bIns="91425" lIns="91425" spcFirstLastPara="1" rIns="91425" wrap="square" tIns="91425">
               <a:noAutofit/>
             </a:bodyPr>
             <a:lstStyle/>
             <a:p>
-              <a:pPr marL="0" lvl="0" indent="0" algn="l" rtl="0">
+              <a:pPr indent="0" lvl="0" marL="0" rtl="0" algn="l">
                 <a:spcBef>
                   <a:spcPts val="0"/>
                 </a:spcBef>
@@ -3428,6 +3398,9 @@
                 </a:spcAft>
                 <a:buNone/>
               </a:pPr>
+              <a:r>
+                <a:t/>
+              </a:r>
               <a:endParaRPr/>
             </a:p>
           </p:txBody>
@@ -3445,7 +3418,7 @@
             </a:xfrm>
             <a:prstGeom prst="diagStripe">
               <a:avLst>
-                <a:gd name="adj" fmla="val 50000"/>
+                <a:gd fmla="val 50000" name="adj"/>
               </a:avLst>
             </a:prstGeom>
             <a:solidFill>
@@ -3458,12 +3431,12 @@
             </a:ln>
           </p:spPr>
           <p:txBody>
-            <a:bodyPr spcFirstLastPara="1" wrap="square" lIns="91425" tIns="91425" rIns="91425" bIns="91425" anchor="ctr" anchorCtr="0">
+            <a:bodyPr anchorCtr="0" anchor="ctr" bIns="91425" lIns="91425" spcFirstLastPara="1" rIns="91425" wrap="square" tIns="91425">
               <a:noAutofit/>
             </a:bodyPr>
             <a:lstStyle/>
             <a:p>
-              <a:pPr marL="0" lvl="0" indent="0" algn="l" rtl="0">
+              <a:pPr indent="0" lvl="0" marL="0" rtl="0" algn="l">
                 <a:spcBef>
                   <a:spcPts val="0"/>
                 </a:spcBef>
@@ -3472,6 +3445,9 @@
                 </a:spcAft>
                 <a:buNone/>
               </a:pPr>
+              <a:r>
+                <a:t/>
+              </a:r>
               <a:endParaRPr/>
             </a:p>
           </p:txBody>
@@ -3489,7 +3465,7 @@
             </a:xfrm>
             <a:prstGeom prst="diagStripe">
               <a:avLst>
-                <a:gd name="adj" fmla="val 50000"/>
+                <a:gd fmla="val 50000" name="adj"/>
               </a:avLst>
             </a:prstGeom>
             <a:solidFill>
@@ -3502,12 +3478,12 @@
             </a:ln>
           </p:spPr>
           <p:txBody>
-            <a:bodyPr spcFirstLastPara="1" wrap="square" lIns="91425" tIns="91425" rIns="91425" bIns="91425" anchor="ctr" anchorCtr="0">
+            <a:bodyPr anchorCtr="0" anchor="ctr" bIns="91425" lIns="91425" spcFirstLastPara="1" rIns="91425" wrap="square" tIns="91425">
               <a:noAutofit/>
             </a:bodyPr>
             <a:lstStyle/>
             <a:p>
-              <a:pPr marL="0" lvl="0" indent="0" algn="l" rtl="0">
+              <a:pPr indent="0" lvl="0" marL="0" rtl="0" algn="l">
                 <a:spcBef>
                   <a:spcPts val="0"/>
                 </a:spcBef>
@@ -3516,6 +3492,9 @@
                 </a:spcAft>
                 <a:buNone/>
               </a:pPr>
+              <a:r>
+                <a:t/>
+              </a:r>
               <a:endParaRPr/>
             </a:p>
           </p:txBody>
@@ -3524,11 +3503,9 @@
       <p:sp>
         <p:nvSpPr>
           <p:cNvPr id="125" name="Google Shape;125;p11"/>
-          <p:cNvSpPr txBox="1">
-            <a:spLocks noGrp="1"/>
-          </p:cNvSpPr>
+          <p:cNvSpPr txBox="1"/>
           <p:nvPr>
-            <p:ph type="title" hasCustomPrompt="1"/>
+            <p:ph hasCustomPrompt="1" type="title"/>
           </p:nvPr>
         </p:nvSpPr>
         <p:spPr>
@@ -3541,7 +3518,7 @@
           </a:prstGeom>
         </p:spPr>
         <p:txBody>
-          <a:bodyPr spcFirstLastPara="1" wrap="square" lIns="91425" tIns="91425" rIns="91425" bIns="91425" anchor="t" anchorCtr="0">
+          <a:bodyPr anchorCtr="0" anchor="t" bIns="91425" lIns="91425" spcFirstLastPara="1" rIns="91425" wrap="square" tIns="91425">
             <a:normAutofit/>
           </a:bodyPr>
           <a:lstStyle>
@@ -3655,11 +3632,9 @@
       <p:sp>
         <p:nvSpPr>
           <p:cNvPr id="126" name="Google Shape;126;p11"/>
-          <p:cNvSpPr txBox="1">
-            <a:spLocks noGrp="1"/>
-          </p:cNvSpPr>
+          <p:cNvSpPr txBox="1"/>
           <p:nvPr>
-            <p:ph type="body" idx="1"/>
+            <p:ph idx="1" type="body"/>
           </p:nvPr>
         </p:nvSpPr>
         <p:spPr>
@@ -3672,11 +3647,11 @@
           </a:prstGeom>
         </p:spPr>
         <p:txBody>
-          <a:bodyPr spcFirstLastPara="1" wrap="square" lIns="91425" tIns="91425" rIns="91425" bIns="91425" anchor="t" anchorCtr="0">
+          <a:bodyPr anchorCtr="0" anchor="t" bIns="91425" lIns="91425" spcFirstLastPara="1" rIns="91425" wrap="square" tIns="91425">
             <a:normAutofit/>
           </a:bodyPr>
           <a:lstStyle>
-            <a:lvl1pPr marL="457200" lvl="0" indent="-311150">
+            <a:lvl1pPr indent="-311150" lvl="0" marL="457200">
               <a:spcBef>
                 <a:spcPts val="0"/>
               </a:spcBef>
@@ -3687,7 +3662,7 @@
               <a:buChar char="●"/>
               <a:defRPr/>
             </a:lvl1pPr>
-            <a:lvl2pPr marL="914400" lvl="1" indent="-298450">
+            <a:lvl2pPr indent="-298450" lvl="1" marL="914400">
               <a:spcBef>
                 <a:spcPts val="0"/>
               </a:spcBef>
@@ -3698,7 +3673,7 @@
               <a:buChar char="○"/>
               <a:defRPr/>
             </a:lvl2pPr>
-            <a:lvl3pPr marL="1371600" lvl="2" indent="-298450">
+            <a:lvl3pPr indent="-298450" lvl="2" marL="1371600">
               <a:spcBef>
                 <a:spcPts val="0"/>
               </a:spcBef>
@@ -3709,7 +3684,7 @@
               <a:buChar char="■"/>
               <a:defRPr/>
             </a:lvl3pPr>
-            <a:lvl4pPr marL="1828800" lvl="3" indent="-298450">
+            <a:lvl4pPr indent="-298450" lvl="3" marL="1828800">
               <a:spcBef>
                 <a:spcPts val="0"/>
               </a:spcBef>
@@ -3720,7 +3695,7 @@
               <a:buChar char="●"/>
               <a:defRPr/>
             </a:lvl4pPr>
-            <a:lvl5pPr marL="2286000" lvl="4" indent="-298450">
+            <a:lvl5pPr indent="-298450" lvl="4" marL="2286000">
               <a:spcBef>
                 <a:spcPts val="0"/>
               </a:spcBef>
@@ -3731,7 +3706,7 @@
               <a:buChar char="○"/>
               <a:defRPr/>
             </a:lvl5pPr>
-            <a:lvl6pPr marL="2743200" lvl="5" indent="-298450">
+            <a:lvl6pPr indent="-298450" lvl="5" marL="2743200">
               <a:spcBef>
                 <a:spcPts val="0"/>
               </a:spcBef>
@@ -3742,7 +3717,7 @@
               <a:buChar char="■"/>
               <a:defRPr/>
             </a:lvl6pPr>
-            <a:lvl7pPr marL="3200400" lvl="6" indent="-298450">
+            <a:lvl7pPr indent="-298450" lvl="6" marL="3200400">
               <a:spcBef>
                 <a:spcPts val="0"/>
               </a:spcBef>
@@ -3753,7 +3728,7 @@
               <a:buChar char="●"/>
               <a:defRPr/>
             </a:lvl7pPr>
-            <a:lvl8pPr marL="3657600" lvl="7" indent="-298450">
+            <a:lvl8pPr indent="-298450" lvl="7" marL="3657600">
               <a:spcBef>
                 <a:spcPts val="0"/>
               </a:spcBef>
@@ -3764,7 +3739,7 @@
               <a:buChar char="○"/>
               <a:defRPr/>
             </a:lvl8pPr>
-            <a:lvl9pPr marL="4114800" lvl="8" indent="-298450">
+            <a:lvl9pPr indent="-298450" lvl="8" marL="4114800">
               <a:spcBef>
                 <a:spcPts val="0"/>
               </a:spcBef>
@@ -3776,19 +3751,15 @@
               <a:defRPr/>
             </a:lvl9pPr>
           </a:lstStyle>
-          <a:p>
-            <a:endParaRPr/>
-          </a:p>
+          <a:p/>
         </p:txBody>
       </p:sp>
       <p:sp>
         <p:nvSpPr>
           <p:cNvPr id="127" name="Google Shape;127;p11"/>
-          <p:cNvSpPr txBox="1">
-            <a:spLocks noGrp="1"/>
-          </p:cNvSpPr>
+          <p:cNvSpPr txBox="1"/>
           <p:nvPr>
-            <p:ph type="sldNum" idx="12"/>
+            <p:ph idx="12" type="sldNum"/>
           </p:nvPr>
         </p:nvSpPr>
         <p:spPr>
@@ -3801,7 +3772,7 @@
           </a:prstGeom>
         </p:spPr>
         <p:txBody>
-          <a:bodyPr spcFirstLastPara="1" wrap="square" lIns="91425" tIns="91425" rIns="91425" bIns="91425" anchor="ctr" anchorCtr="0">
+          <a:bodyPr anchorCtr="0" anchor="ctr" bIns="91425" lIns="91425" spcFirstLastPara="1" rIns="91425" wrap="square" tIns="91425">
             <a:normAutofit/>
           </a:bodyPr>
           <a:lstStyle>
@@ -3843,7 +3814,7 @@
             </a:lvl9pPr>
           </a:lstStyle>
           <a:p>
-            <a:pPr marL="0" lvl="0" indent="0" algn="r" rtl="0">
+            <a:pPr indent="0" lvl="0" marL="0" rtl="0" algn="r">
               <a:spcBef>
                 <a:spcPts val="0"/>
               </a:spcBef>
@@ -3869,11 +3840,11 @@
 </file>
 
 <file path=ppt/slideLayouts/slideLayout11.xml><?xml version="1.0" encoding="utf-8"?>
-<p:sldLayout xmlns:a="http://schemas.openxmlformats.org/drawingml/2006/main" xmlns:r="http://schemas.openxmlformats.org/officeDocument/2006/relationships" xmlns:p="http://schemas.openxmlformats.org/presentationml/2006/main" matchingName="Blank" type="blank">
+<p:sldLayout xmlns:a="http://schemas.openxmlformats.org/drawingml/2006/main" xmlns:r="http://schemas.openxmlformats.org/officeDocument/2006/relationships" xmlns:mc="http://schemas.openxmlformats.org/markup-compatibility/2006" xmlns:mv="urn:schemas-microsoft-com:mac:vml" xmlns:p="http://schemas.openxmlformats.org/presentationml/2006/main" xmlns:c="http://schemas.openxmlformats.org/drawingml/2006/chart" xmlns:dgm="http://schemas.openxmlformats.org/drawingml/2006/diagram" xmlns:o="urn:schemas-microsoft-com:office:office" xmlns:v="urn:schemas-microsoft-com:vml" xmlns:pvml="urn:schemas-microsoft-com:office:powerpoint" xmlns:com="http://schemas.openxmlformats.org/drawingml/2006/compatibility" xmlns:p14="http://schemas.microsoft.com/office/powerpoint/2010/main" xmlns:p15="http://schemas.microsoft.com/office/powerpoint/2012/main" xmlns:ahyp="http://schemas.microsoft.com/office/drawing/2018/hyperlinkcolor" matchingName="Blank" type="blank">
   <p:cSld name="BLANK">
     <p:spTree>
       <p:nvGrpSpPr>
-        <p:cNvPr id="1" name="Shape 128"/>
+        <p:cNvPr id="128" name="Shape 128"/>
         <p:cNvGrpSpPr/>
         <p:nvPr/>
       </p:nvGrpSpPr>
@@ -3888,11 +3859,9 @@
       <p:sp>
         <p:nvSpPr>
           <p:cNvPr id="129" name="Google Shape;129;p12"/>
-          <p:cNvSpPr txBox="1">
-            <a:spLocks noGrp="1"/>
-          </p:cNvSpPr>
+          <p:cNvSpPr txBox="1"/>
           <p:nvPr>
-            <p:ph type="sldNum" idx="12"/>
+            <p:ph idx="12" type="sldNum"/>
           </p:nvPr>
         </p:nvSpPr>
         <p:spPr>
@@ -3905,7 +3874,7 @@
           </a:prstGeom>
         </p:spPr>
         <p:txBody>
-          <a:bodyPr spcFirstLastPara="1" wrap="square" lIns="91425" tIns="91425" rIns="91425" bIns="91425" anchor="ctr" anchorCtr="0">
+          <a:bodyPr anchorCtr="0" anchor="ctr" bIns="91425" lIns="91425" spcFirstLastPara="1" rIns="91425" wrap="square" tIns="91425">
             <a:normAutofit/>
           </a:bodyPr>
           <a:lstStyle>
@@ -3947,7 +3916,7 @@
             </a:lvl9pPr>
           </a:lstStyle>
           <a:p>
-            <a:pPr marL="0" lvl="0" indent="0" algn="r" rtl="0">
+            <a:pPr indent="0" lvl="0" marL="0" rtl="0" algn="r">
               <a:spcBef>
                 <a:spcPts val="0"/>
               </a:spcBef>
@@ -3973,11 +3942,11 @@
 </file>
 
 <file path=ppt/slideLayouts/slideLayout2.xml><?xml version="1.0" encoding="utf-8"?>
-<p:sldLayout xmlns:a="http://schemas.openxmlformats.org/drawingml/2006/main" xmlns:r="http://schemas.openxmlformats.org/officeDocument/2006/relationships" xmlns:p="http://schemas.openxmlformats.org/presentationml/2006/main" matchingName="Section header" type="secHead">
+<p:sldLayout xmlns:a="http://schemas.openxmlformats.org/drawingml/2006/main" xmlns:r="http://schemas.openxmlformats.org/officeDocument/2006/relationships" xmlns:mc="http://schemas.openxmlformats.org/markup-compatibility/2006" xmlns:mv="urn:schemas-microsoft-com:mac:vml" xmlns:p="http://schemas.openxmlformats.org/presentationml/2006/main" xmlns:c="http://schemas.openxmlformats.org/drawingml/2006/chart" xmlns:dgm="http://schemas.openxmlformats.org/drawingml/2006/diagram" xmlns:o="urn:schemas-microsoft-com:office:office" xmlns:v="urn:schemas-microsoft-com:vml" xmlns:pvml="urn:schemas-microsoft-com:office:powerpoint" xmlns:com="http://schemas.openxmlformats.org/drawingml/2006/compatibility" xmlns:p14="http://schemas.microsoft.com/office/powerpoint/2010/main" xmlns:p15="http://schemas.microsoft.com/office/powerpoint/2012/main" xmlns:ahyp="http://schemas.microsoft.com/office/drawing/2018/hyperlinkcolor" matchingName="Section header" type="secHead">
   <p:cSld name="SECTION_HEADER">
     <p:spTree>
       <p:nvGrpSpPr>
-        <p:cNvPr id="1" name="Shape 19"/>
+        <p:cNvPr id="19" name="Shape 19"/>
         <p:cNvGrpSpPr/>
         <p:nvPr/>
       </p:nvGrpSpPr>
@@ -4016,7 +3985,7 @@
             </a:xfrm>
             <a:prstGeom prst="diagStripe">
               <a:avLst>
-                <a:gd name="adj" fmla="val 49469"/>
+                <a:gd fmla="val 49469" name="adj"/>
               </a:avLst>
             </a:prstGeom>
             <a:solidFill>
@@ -4029,12 +3998,12 @@
             </a:ln>
           </p:spPr>
           <p:txBody>
-            <a:bodyPr spcFirstLastPara="1" wrap="square" lIns="91425" tIns="91425" rIns="91425" bIns="91425" anchor="ctr" anchorCtr="0">
+            <a:bodyPr anchorCtr="0" anchor="ctr" bIns="91425" lIns="91425" spcFirstLastPara="1" rIns="91425" wrap="square" tIns="91425">
               <a:noAutofit/>
             </a:bodyPr>
             <a:lstStyle/>
             <a:p>
-              <a:pPr marL="0" lvl="0" indent="0" algn="l" rtl="0">
+              <a:pPr indent="0" lvl="0" marL="0" rtl="0" algn="l">
                 <a:spcBef>
                   <a:spcPts val="0"/>
                 </a:spcBef>
@@ -4043,6 +4012,9 @@
                 </a:spcAft>
                 <a:buNone/>
               </a:pPr>
+              <a:r>
+                <a:t/>
+              </a:r>
               <a:endParaRPr/>
             </a:p>
           </p:txBody>
@@ -4060,7 +4032,7 @@
             </a:xfrm>
             <a:prstGeom prst="diagStripe">
               <a:avLst>
-                <a:gd name="adj" fmla="val 0"/>
+                <a:gd fmla="val 0" name="adj"/>
               </a:avLst>
             </a:prstGeom>
             <a:solidFill>
@@ -4073,12 +4045,12 @@
             </a:ln>
           </p:spPr>
           <p:txBody>
-            <a:bodyPr spcFirstLastPara="1" wrap="square" lIns="91425" tIns="91425" rIns="91425" bIns="91425" anchor="ctr" anchorCtr="0">
+            <a:bodyPr anchorCtr="0" anchor="ctr" bIns="91425" lIns="91425" spcFirstLastPara="1" rIns="91425" wrap="square" tIns="91425">
               <a:noAutofit/>
             </a:bodyPr>
             <a:lstStyle/>
             <a:p>
-              <a:pPr marL="0" lvl="0" indent="0" algn="l" rtl="0">
+              <a:pPr indent="0" lvl="0" marL="0" rtl="0" algn="l">
                 <a:spcBef>
                   <a:spcPts val="0"/>
                 </a:spcBef>
@@ -4087,6 +4059,9 @@
                 </a:spcAft>
                 <a:buNone/>
               </a:pPr>
+              <a:r>
+                <a:t/>
+              </a:r>
               <a:endParaRPr/>
             </a:p>
           </p:txBody>
@@ -4104,7 +4079,7 @@
             </a:xfrm>
             <a:prstGeom prst="diagStripe">
               <a:avLst>
-                <a:gd name="adj" fmla="val 50000"/>
+                <a:gd fmla="val 50000" name="adj"/>
               </a:avLst>
             </a:prstGeom>
             <a:solidFill>
@@ -4117,12 +4092,12 @@
             </a:ln>
           </p:spPr>
           <p:txBody>
-            <a:bodyPr spcFirstLastPara="1" wrap="square" lIns="91425" tIns="91425" rIns="91425" bIns="91425" anchor="ctr" anchorCtr="0">
+            <a:bodyPr anchorCtr="0" anchor="ctr" bIns="91425" lIns="91425" spcFirstLastPara="1" rIns="91425" wrap="square" tIns="91425">
               <a:noAutofit/>
             </a:bodyPr>
             <a:lstStyle/>
             <a:p>
-              <a:pPr marL="0" lvl="0" indent="0" algn="l" rtl="0">
+              <a:pPr indent="0" lvl="0" marL="0" rtl="0" algn="l">
                 <a:spcBef>
                   <a:spcPts val="0"/>
                 </a:spcBef>
@@ -4131,6 +4106,9 @@
                 </a:spcAft>
                 <a:buNone/>
               </a:pPr>
+              <a:r>
+                <a:t/>
+              </a:r>
               <a:endParaRPr/>
             </a:p>
           </p:txBody>
@@ -4148,7 +4126,7 @@
             </a:xfrm>
             <a:prstGeom prst="diagStripe">
               <a:avLst>
-                <a:gd name="adj" fmla="val 50000"/>
+                <a:gd fmla="val 50000" name="adj"/>
               </a:avLst>
             </a:prstGeom>
             <a:solidFill>
@@ -4161,12 +4139,12 @@
             </a:ln>
           </p:spPr>
           <p:txBody>
-            <a:bodyPr spcFirstLastPara="1" wrap="square" lIns="91425" tIns="91425" rIns="91425" bIns="91425" anchor="ctr" anchorCtr="0">
+            <a:bodyPr anchorCtr="0" anchor="ctr" bIns="91425" lIns="91425" spcFirstLastPara="1" rIns="91425" wrap="square" tIns="91425">
               <a:noAutofit/>
             </a:bodyPr>
             <a:lstStyle/>
             <a:p>
-              <a:pPr marL="0" lvl="0" indent="0" algn="l" rtl="0">
+              <a:pPr indent="0" lvl="0" marL="0" rtl="0" algn="l">
                 <a:spcBef>
                   <a:spcPts val="0"/>
                 </a:spcBef>
@@ -4175,6 +4153,9 @@
                 </a:spcAft>
                 <a:buNone/>
               </a:pPr>
+              <a:r>
+                <a:t/>
+              </a:r>
               <a:endParaRPr/>
             </a:p>
           </p:txBody>
@@ -4192,7 +4173,7 @@
             </a:xfrm>
             <a:prstGeom prst="diagStripe">
               <a:avLst>
-                <a:gd name="adj" fmla="val 50000"/>
+                <a:gd fmla="val 50000" name="adj"/>
               </a:avLst>
             </a:prstGeom>
             <a:solidFill>
@@ -4205,12 +4186,12 @@
             </a:ln>
           </p:spPr>
           <p:txBody>
-            <a:bodyPr spcFirstLastPara="1" wrap="square" lIns="91425" tIns="91425" rIns="91425" bIns="91425" anchor="ctr" anchorCtr="0">
+            <a:bodyPr anchorCtr="0" anchor="ctr" bIns="91425" lIns="91425" spcFirstLastPara="1" rIns="91425" wrap="square" tIns="91425">
               <a:noAutofit/>
             </a:bodyPr>
             <a:lstStyle/>
             <a:p>
-              <a:pPr marL="0" lvl="0" indent="0" algn="l" rtl="0">
+              <a:pPr indent="0" lvl="0" marL="0" rtl="0" algn="l">
                 <a:spcBef>
                   <a:spcPts val="0"/>
                 </a:spcBef>
@@ -4219,6 +4200,9 @@
                 </a:spcAft>
                 <a:buNone/>
               </a:pPr>
+              <a:r>
+                <a:t/>
+              </a:r>
               <a:endParaRPr/>
             </a:p>
           </p:txBody>
@@ -4236,7 +4220,7 @@
             </a:xfrm>
             <a:prstGeom prst="diagStripe">
               <a:avLst>
-                <a:gd name="adj" fmla="val 50000"/>
+                <a:gd fmla="val 50000" name="adj"/>
               </a:avLst>
             </a:prstGeom>
             <a:solidFill>
@@ -4249,12 +4233,12 @@
             </a:ln>
           </p:spPr>
           <p:txBody>
-            <a:bodyPr spcFirstLastPara="1" wrap="square" lIns="91425" tIns="91425" rIns="91425" bIns="91425" anchor="ctr" anchorCtr="0">
+            <a:bodyPr anchorCtr="0" anchor="ctr" bIns="91425" lIns="91425" spcFirstLastPara="1" rIns="91425" wrap="square" tIns="91425">
               <a:noAutofit/>
             </a:bodyPr>
             <a:lstStyle/>
             <a:p>
-              <a:pPr marL="0" lvl="0" indent="0" algn="l" rtl="0">
+              <a:pPr indent="0" lvl="0" marL="0" rtl="0" algn="l">
                 <a:spcBef>
                   <a:spcPts val="0"/>
                 </a:spcBef>
@@ -4263,6 +4247,9 @@
                 </a:spcAft>
                 <a:buNone/>
               </a:pPr>
+              <a:r>
+                <a:t/>
+              </a:r>
               <a:endParaRPr/>
             </a:p>
           </p:txBody>
@@ -4280,7 +4267,7 @@
             </a:xfrm>
             <a:prstGeom prst="diagStripe">
               <a:avLst>
-                <a:gd name="adj" fmla="val 50000"/>
+                <a:gd fmla="val 50000" name="adj"/>
               </a:avLst>
             </a:prstGeom>
             <a:solidFill>
@@ -4293,12 +4280,12 @@
             </a:ln>
           </p:spPr>
           <p:txBody>
-            <a:bodyPr spcFirstLastPara="1" wrap="square" lIns="91425" tIns="91425" rIns="91425" bIns="91425" anchor="ctr" anchorCtr="0">
+            <a:bodyPr anchorCtr="0" anchor="ctr" bIns="91425" lIns="91425" spcFirstLastPara="1" rIns="91425" wrap="square" tIns="91425">
               <a:noAutofit/>
             </a:bodyPr>
             <a:lstStyle/>
             <a:p>
-              <a:pPr marL="0" lvl="0" indent="0" algn="l" rtl="0">
+              <a:pPr indent="0" lvl="0" marL="0" rtl="0" algn="l">
                 <a:spcBef>
                   <a:spcPts val="0"/>
                 </a:spcBef>
@@ -4307,6 +4294,9 @@
                 </a:spcAft>
                 <a:buNone/>
               </a:pPr>
+              <a:r>
+                <a:t/>
+              </a:r>
               <a:endParaRPr/>
             </a:p>
           </p:txBody>
@@ -4324,7 +4314,7 @@
             </a:xfrm>
             <a:prstGeom prst="diagStripe">
               <a:avLst>
-                <a:gd name="adj" fmla="val 50000"/>
+                <a:gd fmla="val 50000" name="adj"/>
               </a:avLst>
             </a:prstGeom>
             <a:solidFill>
@@ -4335,12 +4325,12 @@
             </a:ln>
           </p:spPr>
           <p:txBody>
-            <a:bodyPr spcFirstLastPara="1" wrap="square" lIns="91425" tIns="91425" rIns="91425" bIns="91425" anchor="ctr" anchorCtr="0">
+            <a:bodyPr anchorCtr="0" anchor="ctr" bIns="91425" lIns="91425" spcFirstLastPara="1" rIns="91425" wrap="square" tIns="91425">
               <a:noAutofit/>
             </a:bodyPr>
             <a:lstStyle/>
             <a:p>
-              <a:pPr marL="0" lvl="0" indent="0" algn="l" rtl="0">
+              <a:pPr indent="0" lvl="0" marL="0" rtl="0" algn="l">
                 <a:spcBef>
                   <a:spcPts val="0"/>
                 </a:spcBef>
@@ -4349,6 +4339,9 @@
                 </a:spcAft>
                 <a:buNone/>
               </a:pPr>
+              <a:r>
+                <a:t/>
+              </a:r>
               <a:endParaRPr/>
             </a:p>
           </p:txBody>
@@ -4366,7 +4359,7 @@
             </a:xfrm>
             <a:prstGeom prst="diagStripe">
               <a:avLst>
-                <a:gd name="adj" fmla="val 50000"/>
+                <a:gd fmla="val 50000" name="adj"/>
               </a:avLst>
             </a:prstGeom>
             <a:solidFill>
@@ -4379,12 +4372,12 @@
             </a:ln>
           </p:spPr>
           <p:txBody>
-            <a:bodyPr spcFirstLastPara="1" wrap="square" lIns="91425" tIns="91425" rIns="91425" bIns="91425" anchor="ctr" anchorCtr="0">
+            <a:bodyPr anchorCtr="0" anchor="ctr" bIns="91425" lIns="91425" spcFirstLastPara="1" rIns="91425" wrap="square" tIns="91425">
               <a:noAutofit/>
             </a:bodyPr>
             <a:lstStyle/>
             <a:p>
-              <a:pPr marL="0" lvl="0" indent="0" algn="l" rtl="0">
+              <a:pPr indent="0" lvl="0" marL="0" rtl="0" algn="l">
                 <a:spcBef>
                   <a:spcPts val="0"/>
                 </a:spcBef>
@@ -4393,6 +4386,9 @@
                 </a:spcAft>
                 <a:buNone/>
               </a:pPr>
+              <a:r>
+                <a:t/>
+              </a:r>
               <a:endParaRPr/>
             </a:p>
           </p:txBody>
@@ -4410,7 +4406,7 @@
             </a:xfrm>
             <a:prstGeom prst="diagStripe">
               <a:avLst>
-                <a:gd name="adj" fmla="val 50000"/>
+                <a:gd fmla="val 50000" name="adj"/>
               </a:avLst>
             </a:prstGeom>
             <a:solidFill>
@@ -4423,12 +4419,12 @@
             </a:ln>
           </p:spPr>
           <p:txBody>
-            <a:bodyPr spcFirstLastPara="1" wrap="square" lIns="91425" tIns="91425" rIns="91425" bIns="91425" anchor="ctr" anchorCtr="0">
+            <a:bodyPr anchorCtr="0" anchor="ctr" bIns="91425" lIns="91425" spcFirstLastPara="1" rIns="91425" wrap="square" tIns="91425">
               <a:noAutofit/>
             </a:bodyPr>
             <a:lstStyle/>
             <a:p>
-              <a:pPr marL="0" lvl="0" indent="0" algn="l" rtl="0">
+              <a:pPr indent="0" lvl="0" marL="0" rtl="0" algn="l">
                 <a:spcBef>
                   <a:spcPts val="0"/>
                 </a:spcBef>
@@ -4437,6 +4433,9 @@
                 </a:spcAft>
                 <a:buNone/>
               </a:pPr>
+              <a:r>
+                <a:t/>
+              </a:r>
               <a:endParaRPr/>
             </a:p>
           </p:txBody>
@@ -4454,7 +4453,7 @@
             </a:xfrm>
             <a:prstGeom prst="diagStripe">
               <a:avLst>
-                <a:gd name="adj" fmla="val 50000"/>
+                <a:gd fmla="val 50000" name="adj"/>
               </a:avLst>
             </a:prstGeom>
             <a:solidFill>
@@ -4467,12 +4466,12 @@
             </a:ln>
           </p:spPr>
           <p:txBody>
-            <a:bodyPr spcFirstLastPara="1" wrap="square" lIns="91425" tIns="91425" rIns="91425" bIns="91425" anchor="ctr" anchorCtr="0">
+            <a:bodyPr anchorCtr="0" anchor="ctr" bIns="91425" lIns="91425" spcFirstLastPara="1" rIns="91425" wrap="square" tIns="91425">
               <a:noAutofit/>
             </a:bodyPr>
             <a:lstStyle/>
             <a:p>
-              <a:pPr marL="0" lvl="0" indent="0" algn="l" rtl="0">
+              <a:pPr indent="0" lvl="0" marL="0" rtl="0" algn="l">
                 <a:spcBef>
                   <a:spcPts val="0"/>
                 </a:spcBef>
@@ -4481,6 +4480,9 @@
                 </a:spcAft>
                 <a:buNone/>
               </a:pPr>
+              <a:r>
+                <a:t/>
+              </a:r>
               <a:endParaRPr/>
             </a:p>
           </p:txBody>
@@ -4498,7 +4500,7 @@
             </a:xfrm>
             <a:prstGeom prst="diagStripe">
               <a:avLst>
-                <a:gd name="adj" fmla="val 50000"/>
+                <a:gd fmla="val 50000" name="adj"/>
               </a:avLst>
             </a:prstGeom>
             <a:solidFill>
@@ -4511,12 +4513,12 @@
             </a:ln>
           </p:spPr>
           <p:txBody>
-            <a:bodyPr spcFirstLastPara="1" wrap="square" lIns="91425" tIns="91425" rIns="91425" bIns="91425" anchor="ctr" anchorCtr="0">
+            <a:bodyPr anchorCtr="0" anchor="ctr" bIns="91425" lIns="91425" spcFirstLastPara="1" rIns="91425" wrap="square" tIns="91425">
               <a:noAutofit/>
             </a:bodyPr>
             <a:lstStyle/>
             <a:p>
-              <a:pPr marL="0" lvl="0" indent="0" algn="l" rtl="0">
+              <a:pPr indent="0" lvl="0" marL="0" rtl="0" algn="l">
                 <a:spcBef>
                   <a:spcPts val="0"/>
                 </a:spcBef>
@@ -4525,6 +4527,9 @@
                 </a:spcAft>
                 <a:buNone/>
               </a:pPr>
+              <a:r>
+                <a:t/>
+              </a:r>
               <a:endParaRPr/>
             </a:p>
           </p:txBody>
@@ -4542,7 +4547,7 @@
             </a:xfrm>
             <a:prstGeom prst="diagStripe">
               <a:avLst>
-                <a:gd name="adj" fmla="val 50000"/>
+                <a:gd fmla="val 50000" name="adj"/>
               </a:avLst>
             </a:prstGeom>
             <a:solidFill>
@@ -4555,12 +4560,12 @@
             </a:ln>
           </p:spPr>
           <p:txBody>
-            <a:bodyPr spcFirstLastPara="1" wrap="square" lIns="91425" tIns="91425" rIns="91425" bIns="91425" anchor="ctr" anchorCtr="0">
+            <a:bodyPr anchorCtr="0" anchor="ctr" bIns="91425" lIns="91425" spcFirstLastPara="1" rIns="91425" wrap="square" tIns="91425">
               <a:noAutofit/>
             </a:bodyPr>
             <a:lstStyle/>
             <a:p>
-              <a:pPr marL="0" lvl="0" indent="0" algn="l" rtl="0">
+              <a:pPr indent="0" lvl="0" marL="0" rtl="0" algn="l">
                 <a:spcBef>
                   <a:spcPts val="0"/>
                 </a:spcBef>
@@ -4569,6 +4574,9 @@
                 </a:spcAft>
                 <a:buNone/>
               </a:pPr>
+              <a:r>
+                <a:t/>
+              </a:r>
               <a:endParaRPr/>
             </a:p>
           </p:txBody>
@@ -4586,7 +4594,7 @@
             </a:xfrm>
             <a:prstGeom prst="diagStripe">
               <a:avLst>
-                <a:gd name="adj" fmla="val 50000"/>
+                <a:gd fmla="val 50000" name="adj"/>
               </a:avLst>
             </a:prstGeom>
             <a:solidFill>
@@ -4597,12 +4605,12 @@
             </a:ln>
           </p:spPr>
           <p:txBody>
-            <a:bodyPr spcFirstLastPara="1" wrap="square" lIns="91425" tIns="91425" rIns="91425" bIns="91425" anchor="ctr" anchorCtr="0">
+            <a:bodyPr anchorCtr="0" anchor="ctr" bIns="91425" lIns="91425" spcFirstLastPara="1" rIns="91425" wrap="square" tIns="91425">
               <a:noAutofit/>
             </a:bodyPr>
             <a:lstStyle/>
             <a:p>
-              <a:pPr marL="0" lvl="0" indent="0" algn="l" rtl="0">
+              <a:pPr indent="0" lvl="0" marL="0" rtl="0" algn="l">
                 <a:spcBef>
                   <a:spcPts val="0"/>
                 </a:spcBef>
@@ -4611,6 +4619,9 @@
                 </a:spcAft>
                 <a:buNone/>
               </a:pPr>
+              <a:r>
+                <a:t/>
+              </a:r>
               <a:endParaRPr/>
             </a:p>
           </p:txBody>
@@ -4628,7 +4639,7 @@
             </a:xfrm>
             <a:prstGeom prst="diagStripe">
               <a:avLst>
-                <a:gd name="adj" fmla="val 50000"/>
+                <a:gd fmla="val 50000" name="adj"/>
               </a:avLst>
             </a:prstGeom>
             <a:solidFill>
@@ -4641,12 +4652,12 @@
             </a:ln>
           </p:spPr>
           <p:txBody>
-            <a:bodyPr spcFirstLastPara="1" wrap="square" lIns="91425" tIns="91425" rIns="91425" bIns="91425" anchor="ctr" anchorCtr="0">
+            <a:bodyPr anchorCtr="0" anchor="ctr" bIns="91425" lIns="91425" spcFirstLastPara="1" rIns="91425" wrap="square" tIns="91425">
               <a:noAutofit/>
             </a:bodyPr>
             <a:lstStyle/>
             <a:p>
-              <a:pPr marL="0" lvl="0" indent="0" algn="l" rtl="0">
+              <a:pPr indent="0" lvl="0" marL="0" rtl="0" algn="l">
                 <a:spcBef>
                   <a:spcPts val="0"/>
                 </a:spcBef>
@@ -4655,6 +4666,9 @@
                 </a:spcAft>
                 <a:buNone/>
               </a:pPr>
+              <a:r>
+                <a:t/>
+              </a:r>
               <a:endParaRPr/>
             </a:p>
           </p:txBody>
@@ -4672,7 +4686,7 @@
             </a:xfrm>
             <a:prstGeom prst="diagStripe">
               <a:avLst>
-                <a:gd name="adj" fmla="val 50000"/>
+                <a:gd fmla="val 50000" name="adj"/>
               </a:avLst>
             </a:prstGeom>
             <a:solidFill>
@@ -4685,12 +4699,12 @@
             </a:ln>
           </p:spPr>
           <p:txBody>
-            <a:bodyPr spcFirstLastPara="1" wrap="square" lIns="91425" tIns="91425" rIns="91425" bIns="91425" anchor="ctr" anchorCtr="0">
+            <a:bodyPr anchorCtr="0" anchor="ctr" bIns="91425" lIns="91425" spcFirstLastPara="1" rIns="91425" wrap="square" tIns="91425">
               <a:noAutofit/>
             </a:bodyPr>
             <a:lstStyle/>
             <a:p>
-              <a:pPr marL="0" lvl="0" indent="0" algn="l" rtl="0">
+              <a:pPr indent="0" lvl="0" marL="0" rtl="0" algn="l">
                 <a:spcBef>
                   <a:spcPts val="0"/>
                 </a:spcBef>
@@ -4699,6 +4713,9 @@
                 </a:spcAft>
                 <a:buNone/>
               </a:pPr>
+              <a:r>
+                <a:t/>
+              </a:r>
               <a:endParaRPr/>
             </a:p>
           </p:txBody>
@@ -4716,7 +4733,7 @@
             </a:xfrm>
             <a:prstGeom prst="diagStripe">
               <a:avLst>
-                <a:gd name="adj" fmla="val 50000"/>
+                <a:gd fmla="val 50000" name="adj"/>
               </a:avLst>
             </a:prstGeom>
             <a:solidFill>
@@ -4729,12 +4746,12 @@
             </a:ln>
           </p:spPr>
           <p:txBody>
-            <a:bodyPr spcFirstLastPara="1" wrap="square" lIns="91425" tIns="91425" rIns="91425" bIns="91425" anchor="ctr" anchorCtr="0">
+            <a:bodyPr anchorCtr="0" anchor="ctr" bIns="91425" lIns="91425" spcFirstLastPara="1" rIns="91425" wrap="square" tIns="91425">
               <a:noAutofit/>
             </a:bodyPr>
             <a:lstStyle/>
             <a:p>
-              <a:pPr marL="0" lvl="0" indent="0" algn="l" rtl="0">
+              <a:pPr indent="0" lvl="0" marL="0" rtl="0" algn="l">
                 <a:spcBef>
                   <a:spcPts val="0"/>
                 </a:spcBef>
@@ -4743,6 +4760,9 @@
                 </a:spcAft>
                 <a:buNone/>
               </a:pPr>
+              <a:r>
+                <a:t/>
+              </a:r>
               <a:endParaRPr/>
             </a:p>
           </p:txBody>
@@ -4760,7 +4780,7 @@
             </a:xfrm>
             <a:prstGeom prst="diagStripe">
               <a:avLst>
-                <a:gd name="adj" fmla="val 50000"/>
+                <a:gd fmla="val 50000" name="adj"/>
               </a:avLst>
             </a:prstGeom>
             <a:solidFill>
@@ -4773,12 +4793,12 @@
             </a:ln>
           </p:spPr>
           <p:txBody>
-            <a:bodyPr spcFirstLastPara="1" wrap="square" lIns="91425" tIns="91425" rIns="91425" bIns="91425" anchor="ctr" anchorCtr="0">
+            <a:bodyPr anchorCtr="0" anchor="ctr" bIns="91425" lIns="91425" spcFirstLastPara="1" rIns="91425" wrap="square" tIns="91425">
               <a:noAutofit/>
             </a:bodyPr>
             <a:lstStyle/>
             <a:p>
-              <a:pPr marL="0" lvl="0" indent="0" algn="l" rtl="0">
+              <a:pPr indent="0" lvl="0" marL="0" rtl="0" algn="l">
                 <a:spcBef>
                   <a:spcPts val="0"/>
                 </a:spcBef>
@@ -4787,6 +4807,9 @@
                 </a:spcAft>
                 <a:buNone/>
               </a:pPr>
+              <a:r>
+                <a:t/>
+              </a:r>
               <a:endParaRPr/>
             </a:p>
           </p:txBody>
@@ -4795,9 +4818,7 @@
       <p:sp>
         <p:nvSpPr>
           <p:cNvPr id="39" name="Google Shape;39;p3"/>
-          <p:cNvSpPr txBox="1">
-            <a:spLocks noGrp="1"/>
-          </p:cNvSpPr>
+          <p:cNvSpPr txBox="1"/>
           <p:nvPr>
             <p:ph type="title"/>
           </p:nvPr>
@@ -4812,7 +4833,7 @@
           </a:prstGeom>
         </p:spPr>
         <p:txBody>
-          <a:bodyPr spcFirstLastPara="1" wrap="square" lIns="91425" tIns="91425" rIns="91425" bIns="91425" anchor="ctr" anchorCtr="0">
+          <a:bodyPr anchorCtr="0" anchor="ctr" bIns="91425" lIns="91425" spcFirstLastPara="1" rIns="91425" wrap="square" tIns="91425">
             <a:normAutofit/>
           </a:bodyPr>
           <a:lstStyle>
@@ -4916,19 +4937,15 @@
               <a:defRPr/>
             </a:lvl9pPr>
           </a:lstStyle>
-          <a:p>
-            <a:endParaRPr/>
-          </a:p>
+          <a:p/>
         </p:txBody>
       </p:sp>
       <p:sp>
         <p:nvSpPr>
           <p:cNvPr id="40" name="Google Shape;40;p3"/>
-          <p:cNvSpPr txBox="1">
-            <a:spLocks noGrp="1"/>
-          </p:cNvSpPr>
+          <p:cNvSpPr txBox="1"/>
           <p:nvPr>
-            <p:ph type="sldNum" idx="12"/>
+            <p:ph idx="12" type="sldNum"/>
           </p:nvPr>
         </p:nvSpPr>
         <p:spPr>
@@ -4941,7 +4958,7 @@
           </a:prstGeom>
         </p:spPr>
         <p:txBody>
-          <a:bodyPr spcFirstLastPara="1" wrap="square" lIns="91425" tIns="91425" rIns="91425" bIns="91425" anchor="ctr" anchorCtr="0">
+          <a:bodyPr anchorCtr="0" anchor="ctr" bIns="91425" lIns="91425" spcFirstLastPara="1" rIns="91425" wrap="square" tIns="91425">
             <a:normAutofit/>
           </a:bodyPr>
           <a:lstStyle>
@@ -4983,7 +5000,7 @@
             </a:lvl9pPr>
           </a:lstStyle>
           <a:p>
-            <a:pPr marL="0" lvl="0" indent="0" algn="r" rtl="0">
+            <a:pPr indent="0" lvl="0" marL="0" rtl="0" algn="r">
               <a:spcBef>
                 <a:spcPts val="0"/>
               </a:spcBef>
@@ -5009,11 +5026,11 @@
 </file>
 
 <file path=ppt/slideLayouts/slideLayout3.xml><?xml version="1.0" encoding="utf-8"?>
-<p:sldLayout xmlns:a="http://schemas.openxmlformats.org/drawingml/2006/main" xmlns:r="http://schemas.openxmlformats.org/officeDocument/2006/relationships" xmlns:p="http://schemas.openxmlformats.org/presentationml/2006/main" matchingName="Title and body" type="tx">
+<p:sldLayout xmlns:a="http://schemas.openxmlformats.org/drawingml/2006/main" xmlns:r="http://schemas.openxmlformats.org/officeDocument/2006/relationships" xmlns:mc="http://schemas.openxmlformats.org/markup-compatibility/2006" xmlns:mv="urn:schemas-microsoft-com:mac:vml" xmlns:p="http://schemas.openxmlformats.org/presentationml/2006/main" xmlns:c="http://schemas.openxmlformats.org/drawingml/2006/chart" xmlns:dgm="http://schemas.openxmlformats.org/drawingml/2006/diagram" xmlns:o="urn:schemas-microsoft-com:office:office" xmlns:v="urn:schemas-microsoft-com:vml" xmlns:pvml="urn:schemas-microsoft-com:office:powerpoint" xmlns:com="http://schemas.openxmlformats.org/drawingml/2006/compatibility" xmlns:p14="http://schemas.microsoft.com/office/powerpoint/2010/main" xmlns:p15="http://schemas.microsoft.com/office/powerpoint/2012/main" xmlns:ahyp="http://schemas.microsoft.com/office/drawing/2018/hyperlinkcolor" matchingName="Title and body" type="tx">
   <p:cSld name="TITLE_AND_BODY">
     <p:spTree>
       <p:nvGrpSpPr>
-        <p:cNvPr id="1" name="Shape 41"/>
+        <p:cNvPr id="41" name="Shape 41"/>
         <p:cNvGrpSpPr/>
         <p:nvPr/>
       </p:nvGrpSpPr>
@@ -5052,7 +5069,7 @@
             </a:xfrm>
             <a:prstGeom prst="diagStripe">
               <a:avLst>
-                <a:gd name="adj" fmla="val 50000"/>
+                <a:gd fmla="val 50000" name="adj"/>
               </a:avLst>
             </a:prstGeom>
             <a:solidFill>
@@ -5063,12 +5080,12 @@
             </a:ln>
           </p:spPr>
           <p:txBody>
-            <a:bodyPr spcFirstLastPara="1" wrap="square" lIns="91425" tIns="91425" rIns="91425" bIns="91425" anchor="ctr" anchorCtr="0">
+            <a:bodyPr anchorCtr="0" anchor="ctr" bIns="91425" lIns="91425" spcFirstLastPara="1" rIns="91425" wrap="square" tIns="91425">
               <a:noAutofit/>
             </a:bodyPr>
             <a:lstStyle/>
             <a:p>
-              <a:pPr marL="0" lvl="0" indent="0" algn="l" rtl="0">
+              <a:pPr indent="0" lvl="0" marL="0" rtl="0" algn="l">
                 <a:spcBef>
                   <a:spcPts val="0"/>
                 </a:spcBef>
@@ -5077,6 +5094,9 @@
                 </a:spcAft>
                 <a:buNone/>
               </a:pPr>
+              <a:r>
+                <a:t/>
+              </a:r>
               <a:endParaRPr/>
             </a:p>
           </p:txBody>
@@ -5094,7 +5114,7 @@
             </a:xfrm>
             <a:prstGeom prst="diagStripe">
               <a:avLst>
-                <a:gd name="adj" fmla="val 50000"/>
+                <a:gd fmla="val 50000" name="adj"/>
               </a:avLst>
             </a:prstGeom>
             <a:solidFill>
@@ -5105,12 +5125,12 @@
             </a:ln>
           </p:spPr>
           <p:txBody>
-            <a:bodyPr spcFirstLastPara="1" wrap="square" lIns="91425" tIns="91425" rIns="91425" bIns="91425" anchor="ctr" anchorCtr="0">
+            <a:bodyPr anchorCtr="0" anchor="ctr" bIns="91425" lIns="91425" spcFirstLastPara="1" rIns="91425" wrap="square" tIns="91425">
               <a:noAutofit/>
             </a:bodyPr>
             <a:lstStyle/>
             <a:p>
-              <a:pPr marL="0" lvl="0" indent="0" algn="l" rtl="0">
+              <a:pPr indent="0" lvl="0" marL="0" rtl="0" algn="l">
                 <a:spcBef>
                   <a:spcPts val="0"/>
                 </a:spcBef>
@@ -5119,6 +5139,9 @@
                 </a:spcAft>
                 <a:buNone/>
               </a:pPr>
+              <a:r>
+                <a:t/>
+              </a:r>
               <a:endParaRPr/>
             </a:p>
           </p:txBody>
@@ -5127,9 +5150,7 @@
       <p:sp>
         <p:nvSpPr>
           <p:cNvPr id="45" name="Google Shape;45;p4"/>
-          <p:cNvSpPr txBox="1">
-            <a:spLocks noGrp="1"/>
-          </p:cNvSpPr>
+          <p:cNvSpPr txBox="1"/>
           <p:nvPr>
             <p:ph type="title"/>
           </p:nvPr>
@@ -5144,7 +5165,7 @@
           </a:prstGeom>
         </p:spPr>
         <p:txBody>
-          <a:bodyPr spcFirstLastPara="1" wrap="square" lIns="91425" tIns="91425" rIns="91425" bIns="91425" anchor="t" anchorCtr="0">
+          <a:bodyPr anchorCtr="0" anchor="t" bIns="91425" lIns="91425" spcFirstLastPara="1" rIns="91425" wrap="square" tIns="91425">
             <a:normAutofit/>
           </a:bodyPr>
           <a:lstStyle>
@@ -5248,19 +5269,15 @@
               <a:defRPr sz="2400"/>
             </a:lvl9pPr>
           </a:lstStyle>
-          <a:p>
-            <a:endParaRPr/>
-          </a:p>
+          <a:p/>
         </p:txBody>
       </p:sp>
       <p:sp>
         <p:nvSpPr>
           <p:cNvPr id="46" name="Google Shape;46;p4"/>
-          <p:cNvSpPr txBox="1">
-            <a:spLocks noGrp="1"/>
-          </p:cNvSpPr>
+          <p:cNvSpPr txBox="1"/>
           <p:nvPr>
-            <p:ph type="body" idx="1"/>
+            <p:ph idx="1" type="body"/>
           </p:nvPr>
         </p:nvSpPr>
         <p:spPr>
@@ -5273,11 +5290,11 @@
           </a:prstGeom>
         </p:spPr>
         <p:txBody>
-          <a:bodyPr spcFirstLastPara="1" wrap="square" lIns="91425" tIns="91425" rIns="91425" bIns="91425" anchor="t" anchorCtr="0">
+          <a:bodyPr anchorCtr="0" anchor="t" bIns="91425" lIns="91425" spcFirstLastPara="1" rIns="91425" wrap="square" tIns="91425">
             <a:normAutofit/>
           </a:bodyPr>
           <a:lstStyle>
-            <a:lvl1pPr marL="457200" lvl="0" indent="-311150">
+            <a:lvl1pPr indent="-311150" lvl="0" marL="457200">
               <a:spcBef>
                 <a:spcPts val="0"/>
               </a:spcBef>
@@ -5288,7 +5305,7 @@
               <a:buChar char="●"/>
               <a:defRPr/>
             </a:lvl1pPr>
-            <a:lvl2pPr marL="914400" lvl="1" indent="-298450">
+            <a:lvl2pPr indent="-298450" lvl="1" marL="914400">
               <a:spcBef>
                 <a:spcPts val="0"/>
               </a:spcBef>
@@ -5299,7 +5316,7 @@
               <a:buChar char="○"/>
               <a:defRPr/>
             </a:lvl2pPr>
-            <a:lvl3pPr marL="1371600" lvl="2" indent="-298450">
+            <a:lvl3pPr indent="-298450" lvl="2" marL="1371600">
               <a:spcBef>
                 <a:spcPts val="0"/>
               </a:spcBef>
@@ -5310,7 +5327,7 @@
               <a:buChar char="■"/>
               <a:defRPr/>
             </a:lvl3pPr>
-            <a:lvl4pPr marL="1828800" lvl="3" indent="-298450">
+            <a:lvl4pPr indent="-298450" lvl="3" marL="1828800">
               <a:spcBef>
                 <a:spcPts val="0"/>
               </a:spcBef>
@@ -5321,7 +5338,7 @@
               <a:buChar char="●"/>
               <a:defRPr/>
             </a:lvl4pPr>
-            <a:lvl5pPr marL="2286000" lvl="4" indent="-298450">
+            <a:lvl5pPr indent="-298450" lvl="4" marL="2286000">
               <a:spcBef>
                 <a:spcPts val="0"/>
               </a:spcBef>
@@ -5332,7 +5349,7 @@
               <a:buChar char="○"/>
               <a:defRPr/>
             </a:lvl5pPr>
-            <a:lvl6pPr marL="2743200" lvl="5" indent="-298450">
+            <a:lvl6pPr indent="-298450" lvl="5" marL="2743200">
               <a:spcBef>
                 <a:spcPts val="0"/>
               </a:spcBef>
@@ -5343,7 +5360,7 @@
               <a:buChar char="■"/>
               <a:defRPr/>
             </a:lvl6pPr>
-            <a:lvl7pPr marL="3200400" lvl="6" indent="-298450">
+            <a:lvl7pPr indent="-298450" lvl="6" marL="3200400">
               <a:spcBef>
                 <a:spcPts val="0"/>
               </a:spcBef>
@@ -5354,7 +5371,7 @@
               <a:buChar char="●"/>
               <a:defRPr/>
             </a:lvl7pPr>
-            <a:lvl8pPr marL="3657600" lvl="7" indent="-298450">
+            <a:lvl8pPr indent="-298450" lvl="7" marL="3657600">
               <a:spcBef>
                 <a:spcPts val="0"/>
               </a:spcBef>
@@ -5365,7 +5382,7 @@
               <a:buChar char="○"/>
               <a:defRPr/>
             </a:lvl8pPr>
-            <a:lvl9pPr marL="4114800" lvl="8" indent="-298450">
+            <a:lvl9pPr indent="-298450" lvl="8" marL="4114800">
               <a:spcBef>
                 <a:spcPts val="0"/>
               </a:spcBef>
@@ -5377,19 +5394,15 @@
               <a:defRPr/>
             </a:lvl9pPr>
           </a:lstStyle>
-          <a:p>
-            <a:endParaRPr/>
-          </a:p>
+          <a:p/>
         </p:txBody>
       </p:sp>
       <p:sp>
         <p:nvSpPr>
           <p:cNvPr id="47" name="Google Shape;47;p4"/>
-          <p:cNvSpPr txBox="1">
-            <a:spLocks noGrp="1"/>
-          </p:cNvSpPr>
+          <p:cNvSpPr txBox="1"/>
           <p:nvPr>
-            <p:ph type="sldNum" idx="12"/>
+            <p:ph idx="12" type="sldNum"/>
           </p:nvPr>
         </p:nvSpPr>
         <p:spPr>
@@ -5402,7 +5415,7 @@
           </a:prstGeom>
         </p:spPr>
         <p:txBody>
-          <a:bodyPr spcFirstLastPara="1" wrap="square" lIns="91425" tIns="91425" rIns="91425" bIns="91425" anchor="ctr" anchorCtr="0">
+          <a:bodyPr anchorCtr="0" anchor="ctr" bIns="91425" lIns="91425" spcFirstLastPara="1" rIns="91425" wrap="square" tIns="91425">
             <a:normAutofit/>
           </a:bodyPr>
           <a:lstStyle>
@@ -5444,7 +5457,7 @@
             </a:lvl9pPr>
           </a:lstStyle>
           <a:p>
-            <a:pPr marL="0" lvl="0" indent="0" algn="r" rtl="0">
+            <a:pPr indent="0" lvl="0" marL="0" rtl="0" algn="r">
               <a:spcBef>
                 <a:spcPts val="0"/>
               </a:spcBef>
@@ -5470,11 +5483,11 @@
 </file>
 
 <file path=ppt/slideLayouts/slideLayout4.xml><?xml version="1.0" encoding="utf-8"?>
-<p:sldLayout xmlns:a="http://schemas.openxmlformats.org/drawingml/2006/main" xmlns:r="http://schemas.openxmlformats.org/officeDocument/2006/relationships" xmlns:p="http://schemas.openxmlformats.org/presentationml/2006/main" matchingName="Title and two columns" type="twoColTx">
+<p:sldLayout xmlns:a="http://schemas.openxmlformats.org/drawingml/2006/main" xmlns:r="http://schemas.openxmlformats.org/officeDocument/2006/relationships" xmlns:mc="http://schemas.openxmlformats.org/markup-compatibility/2006" xmlns:mv="urn:schemas-microsoft-com:mac:vml" xmlns:p="http://schemas.openxmlformats.org/presentationml/2006/main" xmlns:c="http://schemas.openxmlformats.org/drawingml/2006/chart" xmlns:dgm="http://schemas.openxmlformats.org/drawingml/2006/diagram" xmlns:o="urn:schemas-microsoft-com:office:office" xmlns:v="urn:schemas-microsoft-com:vml" xmlns:pvml="urn:schemas-microsoft-com:office:powerpoint" xmlns:com="http://schemas.openxmlformats.org/drawingml/2006/compatibility" xmlns:p14="http://schemas.microsoft.com/office/powerpoint/2010/main" xmlns:p15="http://schemas.microsoft.com/office/powerpoint/2012/main" xmlns:ahyp="http://schemas.microsoft.com/office/drawing/2018/hyperlinkcolor" matchingName="Title and two columns" type="twoColTx">
   <p:cSld name="TITLE_AND_TWO_COLUMNS">
     <p:spTree>
       <p:nvGrpSpPr>
-        <p:cNvPr id="1" name="Shape 48"/>
+        <p:cNvPr id="48" name="Shape 48"/>
         <p:cNvGrpSpPr/>
         <p:nvPr/>
       </p:nvGrpSpPr>
@@ -5513,7 +5526,7 @@
             </a:xfrm>
             <a:prstGeom prst="diagStripe">
               <a:avLst>
-                <a:gd name="adj" fmla="val 50000"/>
+                <a:gd fmla="val 50000" name="adj"/>
               </a:avLst>
             </a:prstGeom>
             <a:solidFill>
@@ -5524,12 +5537,12 @@
             </a:ln>
           </p:spPr>
           <p:txBody>
-            <a:bodyPr spcFirstLastPara="1" wrap="square" lIns="91425" tIns="91425" rIns="91425" bIns="91425" anchor="ctr" anchorCtr="0">
+            <a:bodyPr anchorCtr="0" anchor="ctr" bIns="91425" lIns="91425" spcFirstLastPara="1" rIns="91425" wrap="square" tIns="91425">
               <a:noAutofit/>
             </a:bodyPr>
             <a:lstStyle/>
             <a:p>
-              <a:pPr marL="0" lvl="0" indent="0" algn="l" rtl="0">
+              <a:pPr indent="0" lvl="0" marL="0" rtl="0" algn="l">
                 <a:spcBef>
                   <a:spcPts val="0"/>
                 </a:spcBef>
@@ -5538,6 +5551,9 @@
                 </a:spcAft>
                 <a:buNone/>
               </a:pPr>
+              <a:r>
+                <a:t/>
+              </a:r>
               <a:endParaRPr/>
             </a:p>
           </p:txBody>
@@ -5555,7 +5571,7 @@
             </a:xfrm>
             <a:prstGeom prst="diagStripe">
               <a:avLst>
-                <a:gd name="adj" fmla="val 50000"/>
+                <a:gd fmla="val 50000" name="adj"/>
               </a:avLst>
             </a:prstGeom>
             <a:solidFill>
@@ -5566,12 +5582,12 @@
             </a:ln>
           </p:spPr>
           <p:txBody>
-            <a:bodyPr spcFirstLastPara="1" wrap="square" lIns="91425" tIns="91425" rIns="91425" bIns="91425" anchor="ctr" anchorCtr="0">
+            <a:bodyPr anchorCtr="0" anchor="ctr" bIns="91425" lIns="91425" spcFirstLastPara="1" rIns="91425" wrap="square" tIns="91425">
               <a:noAutofit/>
             </a:bodyPr>
             <a:lstStyle/>
             <a:p>
-              <a:pPr marL="0" lvl="0" indent="0" algn="l" rtl="0">
+              <a:pPr indent="0" lvl="0" marL="0" rtl="0" algn="l">
                 <a:spcBef>
                   <a:spcPts val="0"/>
                 </a:spcBef>
@@ -5580,6 +5596,9 @@
                 </a:spcAft>
                 <a:buNone/>
               </a:pPr>
+              <a:r>
+                <a:t/>
+              </a:r>
               <a:endParaRPr/>
             </a:p>
           </p:txBody>
@@ -5588,9 +5607,7 @@
       <p:sp>
         <p:nvSpPr>
           <p:cNvPr id="52" name="Google Shape;52;p5"/>
-          <p:cNvSpPr txBox="1">
-            <a:spLocks noGrp="1"/>
-          </p:cNvSpPr>
+          <p:cNvSpPr txBox="1"/>
           <p:nvPr>
             <p:ph type="title"/>
           </p:nvPr>
@@ -5605,7 +5622,7 @@
           </a:prstGeom>
         </p:spPr>
         <p:txBody>
-          <a:bodyPr spcFirstLastPara="1" wrap="square" lIns="91425" tIns="91425" rIns="91425" bIns="91425" anchor="t" anchorCtr="0">
+          <a:bodyPr anchorCtr="0" anchor="t" bIns="91425" lIns="91425" spcFirstLastPara="1" rIns="91425" wrap="square" tIns="91425">
             <a:normAutofit/>
           </a:bodyPr>
           <a:lstStyle>
@@ -5709,19 +5726,15 @@
               <a:defRPr sz="2400"/>
             </a:lvl9pPr>
           </a:lstStyle>
-          <a:p>
-            <a:endParaRPr/>
-          </a:p>
+          <a:p/>
         </p:txBody>
       </p:sp>
       <p:sp>
         <p:nvSpPr>
           <p:cNvPr id="53" name="Google Shape;53;p5"/>
-          <p:cNvSpPr txBox="1">
-            <a:spLocks noGrp="1"/>
-          </p:cNvSpPr>
+          <p:cNvSpPr txBox="1"/>
           <p:nvPr>
-            <p:ph type="body" idx="1"/>
+            <p:ph idx="1" type="body"/>
           </p:nvPr>
         </p:nvSpPr>
         <p:spPr>
@@ -5734,11 +5747,11 @@
           </a:prstGeom>
         </p:spPr>
         <p:txBody>
-          <a:bodyPr spcFirstLastPara="1" wrap="square" lIns="91425" tIns="91425" rIns="91425" bIns="91425" anchor="t" anchorCtr="0">
+          <a:bodyPr anchorCtr="0" anchor="t" bIns="91425" lIns="91425" spcFirstLastPara="1" rIns="91425" wrap="square" tIns="91425">
             <a:normAutofit/>
           </a:bodyPr>
           <a:lstStyle>
-            <a:lvl1pPr marL="457200" lvl="0" indent="-311150">
+            <a:lvl1pPr indent="-311150" lvl="0" marL="457200">
               <a:spcBef>
                 <a:spcPts val="0"/>
               </a:spcBef>
@@ -5749,7 +5762,7 @@
               <a:buChar char="●"/>
               <a:defRPr/>
             </a:lvl1pPr>
-            <a:lvl2pPr marL="914400" lvl="1" indent="-298450">
+            <a:lvl2pPr indent="-298450" lvl="1" marL="914400">
               <a:spcBef>
                 <a:spcPts val="0"/>
               </a:spcBef>
@@ -5760,7 +5773,7 @@
               <a:buChar char="○"/>
               <a:defRPr/>
             </a:lvl2pPr>
-            <a:lvl3pPr marL="1371600" lvl="2" indent="-298450">
+            <a:lvl3pPr indent="-298450" lvl="2" marL="1371600">
               <a:spcBef>
                 <a:spcPts val="0"/>
               </a:spcBef>
@@ -5771,7 +5784,7 @@
               <a:buChar char="■"/>
               <a:defRPr/>
             </a:lvl3pPr>
-            <a:lvl4pPr marL="1828800" lvl="3" indent="-298450">
+            <a:lvl4pPr indent="-298450" lvl="3" marL="1828800">
               <a:spcBef>
                 <a:spcPts val="0"/>
               </a:spcBef>
@@ -5782,7 +5795,7 @@
               <a:buChar char="●"/>
               <a:defRPr/>
             </a:lvl4pPr>
-            <a:lvl5pPr marL="2286000" lvl="4" indent="-298450">
+            <a:lvl5pPr indent="-298450" lvl="4" marL="2286000">
               <a:spcBef>
                 <a:spcPts val="0"/>
               </a:spcBef>
@@ -5793,7 +5806,7 @@
               <a:buChar char="○"/>
               <a:defRPr/>
             </a:lvl5pPr>
-            <a:lvl6pPr marL="2743200" lvl="5" indent="-298450">
+            <a:lvl6pPr indent="-298450" lvl="5" marL="2743200">
               <a:spcBef>
                 <a:spcPts val="0"/>
               </a:spcBef>
@@ -5804,7 +5817,7 @@
               <a:buChar char="■"/>
               <a:defRPr/>
             </a:lvl6pPr>
-            <a:lvl7pPr marL="3200400" lvl="6" indent="-298450">
+            <a:lvl7pPr indent="-298450" lvl="6" marL="3200400">
               <a:spcBef>
                 <a:spcPts val="0"/>
               </a:spcBef>
@@ -5815,7 +5828,7 @@
               <a:buChar char="●"/>
               <a:defRPr/>
             </a:lvl7pPr>
-            <a:lvl8pPr marL="3657600" lvl="7" indent="-298450">
+            <a:lvl8pPr indent="-298450" lvl="7" marL="3657600">
               <a:spcBef>
                 <a:spcPts val="0"/>
               </a:spcBef>
@@ -5826,7 +5839,7 @@
               <a:buChar char="○"/>
               <a:defRPr/>
             </a:lvl8pPr>
-            <a:lvl9pPr marL="4114800" lvl="8" indent="-298450">
+            <a:lvl9pPr indent="-298450" lvl="8" marL="4114800">
               <a:spcBef>
                 <a:spcPts val="0"/>
               </a:spcBef>
@@ -5838,19 +5851,15 @@
               <a:defRPr/>
             </a:lvl9pPr>
           </a:lstStyle>
-          <a:p>
-            <a:endParaRPr/>
-          </a:p>
+          <a:p/>
         </p:txBody>
       </p:sp>
       <p:sp>
         <p:nvSpPr>
           <p:cNvPr id="54" name="Google Shape;54;p5"/>
-          <p:cNvSpPr txBox="1">
-            <a:spLocks noGrp="1"/>
-          </p:cNvSpPr>
+          <p:cNvSpPr txBox="1"/>
           <p:nvPr>
-            <p:ph type="body" idx="2"/>
+            <p:ph idx="2" type="body"/>
           </p:nvPr>
         </p:nvSpPr>
         <p:spPr>
@@ -5863,11 +5872,11 @@
           </a:prstGeom>
         </p:spPr>
         <p:txBody>
-          <a:bodyPr spcFirstLastPara="1" wrap="square" lIns="91425" tIns="91425" rIns="91425" bIns="91425" anchor="t" anchorCtr="0">
+          <a:bodyPr anchorCtr="0" anchor="t" bIns="91425" lIns="91425" spcFirstLastPara="1" rIns="91425" wrap="square" tIns="91425">
             <a:normAutofit/>
           </a:bodyPr>
           <a:lstStyle>
-            <a:lvl1pPr marL="457200" lvl="0" indent="-311150">
+            <a:lvl1pPr indent="-311150" lvl="0" marL="457200">
               <a:spcBef>
                 <a:spcPts val="0"/>
               </a:spcBef>
@@ -5878,7 +5887,7 @@
               <a:buChar char="●"/>
               <a:defRPr/>
             </a:lvl1pPr>
-            <a:lvl2pPr marL="914400" lvl="1" indent="-298450">
+            <a:lvl2pPr indent="-298450" lvl="1" marL="914400">
               <a:spcBef>
                 <a:spcPts val="0"/>
               </a:spcBef>
@@ -5889,7 +5898,7 @@
               <a:buChar char="○"/>
               <a:defRPr/>
             </a:lvl2pPr>
-            <a:lvl3pPr marL="1371600" lvl="2" indent="-298450">
+            <a:lvl3pPr indent="-298450" lvl="2" marL="1371600">
               <a:spcBef>
                 <a:spcPts val="0"/>
               </a:spcBef>
@@ -5900,7 +5909,7 @@
               <a:buChar char="■"/>
               <a:defRPr/>
             </a:lvl3pPr>
-            <a:lvl4pPr marL="1828800" lvl="3" indent="-298450">
+            <a:lvl4pPr indent="-298450" lvl="3" marL="1828800">
               <a:spcBef>
                 <a:spcPts val="0"/>
               </a:spcBef>
@@ -5911,7 +5920,7 @@
               <a:buChar char="●"/>
               <a:defRPr/>
             </a:lvl4pPr>
-            <a:lvl5pPr marL="2286000" lvl="4" indent="-298450">
+            <a:lvl5pPr indent="-298450" lvl="4" marL="2286000">
               <a:spcBef>
                 <a:spcPts val="0"/>
               </a:spcBef>
@@ -5922,7 +5931,7 @@
               <a:buChar char="○"/>
               <a:defRPr/>
             </a:lvl5pPr>
-            <a:lvl6pPr marL="2743200" lvl="5" indent="-298450">
+            <a:lvl6pPr indent="-298450" lvl="5" marL="2743200">
               <a:spcBef>
                 <a:spcPts val="0"/>
               </a:spcBef>
@@ -5933,7 +5942,7 @@
               <a:buChar char="■"/>
               <a:defRPr/>
             </a:lvl6pPr>
-            <a:lvl7pPr marL="3200400" lvl="6" indent="-298450">
+            <a:lvl7pPr indent="-298450" lvl="6" marL="3200400">
               <a:spcBef>
                 <a:spcPts val="0"/>
               </a:spcBef>
@@ -5944,7 +5953,7 @@
               <a:buChar char="●"/>
               <a:defRPr/>
             </a:lvl7pPr>
-            <a:lvl8pPr marL="3657600" lvl="7" indent="-298450">
+            <a:lvl8pPr indent="-298450" lvl="7" marL="3657600">
               <a:spcBef>
                 <a:spcPts val="0"/>
               </a:spcBef>
@@ -5955,7 +5964,7 @@
               <a:buChar char="○"/>
               <a:defRPr/>
             </a:lvl8pPr>
-            <a:lvl9pPr marL="4114800" lvl="8" indent="-298450">
+            <a:lvl9pPr indent="-298450" lvl="8" marL="4114800">
               <a:spcBef>
                 <a:spcPts val="0"/>
               </a:spcBef>
@@ -5967,19 +5976,15 @@
               <a:defRPr/>
             </a:lvl9pPr>
           </a:lstStyle>
-          <a:p>
-            <a:endParaRPr/>
-          </a:p>
+          <a:p/>
         </p:txBody>
       </p:sp>
       <p:sp>
         <p:nvSpPr>
           <p:cNvPr id="55" name="Google Shape;55;p5"/>
-          <p:cNvSpPr txBox="1">
-            <a:spLocks noGrp="1"/>
-          </p:cNvSpPr>
+          <p:cNvSpPr txBox="1"/>
           <p:nvPr>
-            <p:ph type="sldNum" idx="12"/>
+            <p:ph idx="12" type="sldNum"/>
           </p:nvPr>
         </p:nvSpPr>
         <p:spPr>
@@ -5992,7 +5997,7 @@
           </a:prstGeom>
         </p:spPr>
         <p:txBody>
-          <a:bodyPr spcFirstLastPara="1" wrap="square" lIns="91425" tIns="91425" rIns="91425" bIns="91425" anchor="ctr" anchorCtr="0">
+          <a:bodyPr anchorCtr="0" anchor="ctr" bIns="91425" lIns="91425" spcFirstLastPara="1" rIns="91425" wrap="square" tIns="91425">
             <a:normAutofit/>
           </a:bodyPr>
           <a:lstStyle>
@@ -6034,7 +6039,7 @@
             </a:lvl9pPr>
           </a:lstStyle>
           <a:p>
-            <a:pPr marL="0" lvl="0" indent="0" algn="r" rtl="0">
+            <a:pPr indent="0" lvl="0" marL="0" rtl="0" algn="r">
               <a:spcBef>
                 <a:spcPts val="0"/>
               </a:spcBef>
@@ -6060,11 +6065,11 @@
 </file>
 
 <file path=ppt/slideLayouts/slideLayout5.xml><?xml version="1.0" encoding="utf-8"?>
-<p:sldLayout xmlns:a="http://schemas.openxmlformats.org/drawingml/2006/main" xmlns:r="http://schemas.openxmlformats.org/officeDocument/2006/relationships" xmlns:p="http://schemas.openxmlformats.org/presentationml/2006/main" matchingName="Title only" type="titleOnly">
+<p:sldLayout xmlns:a="http://schemas.openxmlformats.org/drawingml/2006/main" xmlns:r="http://schemas.openxmlformats.org/officeDocument/2006/relationships" xmlns:mc="http://schemas.openxmlformats.org/markup-compatibility/2006" xmlns:mv="urn:schemas-microsoft-com:mac:vml" xmlns:p="http://schemas.openxmlformats.org/presentationml/2006/main" xmlns:c="http://schemas.openxmlformats.org/drawingml/2006/chart" xmlns:dgm="http://schemas.openxmlformats.org/drawingml/2006/diagram" xmlns:o="urn:schemas-microsoft-com:office:office" xmlns:v="urn:schemas-microsoft-com:vml" xmlns:pvml="urn:schemas-microsoft-com:office:powerpoint" xmlns:com="http://schemas.openxmlformats.org/drawingml/2006/compatibility" xmlns:p14="http://schemas.microsoft.com/office/powerpoint/2010/main" xmlns:p15="http://schemas.microsoft.com/office/powerpoint/2012/main" xmlns:ahyp="http://schemas.microsoft.com/office/drawing/2018/hyperlinkcolor" matchingName="Title only" type="titleOnly">
   <p:cSld name="TITLE_ONLY">
     <p:spTree>
       <p:nvGrpSpPr>
-        <p:cNvPr id="1" name="Shape 56"/>
+        <p:cNvPr id="56" name="Shape 56"/>
         <p:cNvGrpSpPr/>
         <p:nvPr/>
       </p:nvGrpSpPr>
@@ -6103,7 +6108,7 @@
             </a:xfrm>
             <a:prstGeom prst="diagStripe">
               <a:avLst>
-                <a:gd name="adj" fmla="val 50000"/>
+                <a:gd fmla="val 50000" name="adj"/>
               </a:avLst>
             </a:prstGeom>
             <a:solidFill>
@@ -6114,12 +6119,12 @@
             </a:ln>
           </p:spPr>
           <p:txBody>
-            <a:bodyPr spcFirstLastPara="1" wrap="square" lIns="91425" tIns="91425" rIns="91425" bIns="91425" anchor="ctr" anchorCtr="0">
+            <a:bodyPr anchorCtr="0" anchor="ctr" bIns="91425" lIns="91425" spcFirstLastPara="1" rIns="91425" wrap="square" tIns="91425">
               <a:noAutofit/>
             </a:bodyPr>
             <a:lstStyle/>
             <a:p>
-              <a:pPr marL="0" lvl="0" indent="0" algn="l" rtl="0">
+              <a:pPr indent="0" lvl="0" marL="0" rtl="0" algn="l">
                 <a:spcBef>
                   <a:spcPts val="0"/>
                 </a:spcBef>
@@ -6128,6 +6133,9 @@
                 </a:spcAft>
                 <a:buNone/>
               </a:pPr>
+              <a:r>
+                <a:t/>
+              </a:r>
               <a:endParaRPr/>
             </a:p>
           </p:txBody>
@@ -6145,7 +6153,7 @@
             </a:xfrm>
             <a:prstGeom prst="diagStripe">
               <a:avLst>
-                <a:gd name="adj" fmla="val 50000"/>
+                <a:gd fmla="val 50000" name="adj"/>
               </a:avLst>
             </a:prstGeom>
             <a:solidFill>
@@ -6156,12 +6164,12 @@
             </a:ln>
           </p:spPr>
           <p:txBody>
-            <a:bodyPr spcFirstLastPara="1" wrap="square" lIns="91425" tIns="91425" rIns="91425" bIns="91425" anchor="ctr" anchorCtr="0">
+            <a:bodyPr anchorCtr="0" anchor="ctr" bIns="91425" lIns="91425" spcFirstLastPara="1" rIns="91425" wrap="square" tIns="91425">
               <a:noAutofit/>
             </a:bodyPr>
             <a:lstStyle/>
             <a:p>
-              <a:pPr marL="0" lvl="0" indent="0" algn="l" rtl="0">
+              <a:pPr indent="0" lvl="0" marL="0" rtl="0" algn="l">
                 <a:spcBef>
                   <a:spcPts val="0"/>
                 </a:spcBef>
@@ -6170,6 +6178,9 @@
                 </a:spcAft>
                 <a:buNone/>
               </a:pPr>
+              <a:r>
+                <a:t/>
+              </a:r>
               <a:endParaRPr/>
             </a:p>
           </p:txBody>
@@ -6178,9 +6189,7 @@
       <p:sp>
         <p:nvSpPr>
           <p:cNvPr id="60" name="Google Shape;60;p6"/>
-          <p:cNvSpPr txBox="1">
-            <a:spLocks noGrp="1"/>
-          </p:cNvSpPr>
+          <p:cNvSpPr txBox="1"/>
           <p:nvPr>
             <p:ph type="title"/>
           </p:nvPr>
@@ -6195,7 +6204,7 @@
           </a:prstGeom>
         </p:spPr>
         <p:txBody>
-          <a:bodyPr spcFirstLastPara="1" wrap="square" lIns="91425" tIns="91425" rIns="91425" bIns="91425" anchor="t" anchorCtr="0">
+          <a:bodyPr anchorCtr="0" anchor="t" bIns="91425" lIns="91425" spcFirstLastPara="1" rIns="91425" wrap="square" tIns="91425">
             <a:normAutofit/>
           </a:bodyPr>
           <a:lstStyle>
@@ -6299,19 +6308,15 @@
               <a:defRPr sz="2400"/>
             </a:lvl9pPr>
           </a:lstStyle>
-          <a:p>
-            <a:endParaRPr/>
-          </a:p>
+          <a:p/>
         </p:txBody>
       </p:sp>
       <p:sp>
         <p:nvSpPr>
           <p:cNvPr id="61" name="Google Shape;61;p6"/>
-          <p:cNvSpPr txBox="1">
-            <a:spLocks noGrp="1"/>
-          </p:cNvSpPr>
+          <p:cNvSpPr txBox="1"/>
           <p:nvPr>
-            <p:ph type="sldNum" idx="12"/>
+            <p:ph idx="12" type="sldNum"/>
           </p:nvPr>
         </p:nvSpPr>
         <p:spPr>
@@ -6324,7 +6329,7 @@
           </a:prstGeom>
         </p:spPr>
         <p:txBody>
-          <a:bodyPr spcFirstLastPara="1" wrap="square" lIns="91425" tIns="91425" rIns="91425" bIns="91425" anchor="ctr" anchorCtr="0">
+          <a:bodyPr anchorCtr="0" anchor="ctr" bIns="91425" lIns="91425" spcFirstLastPara="1" rIns="91425" wrap="square" tIns="91425">
             <a:normAutofit/>
           </a:bodyPr>
           <a:lstStyle>
@@ -6366,7 +6371,7 @@
             </a:lvl9pPr>
           </a:lstStyle>
           <a:p>
-            <a:pPr marL="0" lvl="0" indent="0" algn="r" rtl="0">
+            <a:pPr indent="0" lvl="0" marL="0" rtl="0" algn="r">
               <a:spcBef>
                 <a:spcPts val="0"/>
               </a:spcBef>
@@ -6392,11 +6397,11 @@
 </file>
 
 <file path=ppt/slideLayouts/slideLayout6.xml><?xml version="1.0" encoding="utf-8"?>
-<p:sldLayout xmlns:a="http://schemas.openxmlformats.org/drawingml/2006/main" xmlns:r="http://schemas.openxmlformats.org/officeDocument/2006/relationships" xmlns:p="http://schemas.openxmlformats.org/presentationml/2006/main" matchingName="One column text">
+<p:sldLayout xmlns:a="http://schemas.openxmlformats.org/drawingml/2006/main" xmlns:r="http://schemas.openxmlformats.org/officeDocument/2006/relationships" xmlns:mc="http://schemas.openxmlformats.org/markup-compatibility/2006" xmlns:mv="urn:schemas-microsoft-com:mac:vml" xmlns:p="http://schemas.openxmlformats.org/presentationml/2006/main" xmlns:c="http://schemas.openxmlformats.org/drawingml/2006/chart" xmlns:dgm="http://schemas.openxmlformats.org/drawingml/2006/diagram" xmlns:o="urn:schemas-microsoft-com:office:office" xmlns:v="urn:schemas-microsoft-com:vml" xmlns:pvml="urn:schemas-microsoft-com:office:powerpoint" xmlns:com="http://schemas.openxmlformats.org/drawingml/2006/compatibility" xmlns:p14="http://schemas.microsoft.com/office/powerpoint/2010/main" xmlns:p15="http://schemas.microsoft.com/office/powerpoint/2012/main" xmlns:ahyp="http://schemas.microsoft.com/office/drawing/2018/hyperlinkcolor" matchingName="One column text">
   <p:cSld name="ONE_COLUMN_TEXT">
     <p:spTree>
       <p:nvGrpSpPr>
-        <p:cNvPr id="1" name="Shape 62"/>
+        <p:cNvPr id="62" name="Shape 62"/>
         <p:cNvGrpSpPr/>
         <p:nvPr/>
       </p:nvGrpSpPr>
@@ -6435,7 +6440,7 @@
             </a:xfrm>
             <a:prstGeom prst="diagStripe">
               <a:avLst>
-                <a:gd name="adj" fmla="val 50000"/>
+                <a:gd fmla="val 50000" name="adj"/>
               </a:avLst>
             </a:prstGeom>
             <a:solidFill>
@@ -6446,12 +6451,12 @@
             </a:ln>
           </p:spPr>
           <p:txBody>
-            <a:bodyPr spcFirstLastPara="1" wrap="square" lIns="91425" tIns="91425" rIns="91425" bIns="91425" anchor="ctr" anchorCtr="0">
+            <a:bodyPr anchorCtr="0" anchor="ctr" bIns="91425" lIns="91425" spcFirstLastPara="1" rIns="91425" wrap="square" tIns="91425">
               <a:noAutofit/>
             </a:bodyPr>
             <a:lstStyle/>
             <a:p>
-              <a:pPr marL="0" lvl="0" indent="0" algn="l" rtl="0">
+              <a:pPr indent="0" lvl="0" marL="0" rtl="0" algn="l">
                 <a:spcBef>
                   <a:spcPts val="0"/>
                 </a:spcBef>
@@ -6460,6 +6465,9 @@
                 </a:spcAft>
                 <a:buNone/>
               </a:pPr>
+              <a:r>
+                <a:t/>
+              </a:r>
               <a:endParaRPr/>
             </a:p>
           </p:txBody>
@@ -6477,7 +6485,7 @@
             </a:xfrm>
             <a:prstGeom prst="diagStripe">
               <a:avLst>
-                <a:gd name="adj" fmla="val 50000"/>
+                <a:gd fmla="val 50000" name="adj"/>
               </a:avLst>
             </a:prstGeom>
             <a:solidFill>
@@ -6488,12 +6496,12 @@
             </a:ln>
           </p:spPr>
           <p:txBody>
-            <a:bodyPr spcFirstLastPara="1" wrap="square" lIns="91425" tIns="91425" rIns="91425" bIns="91425" anchor="ctr" anchorCtr="0">
+            <a:bodyPr anchorCtr="0" anchor="ctr" bIns="91425" lIns="91425" spcFirstLastPara="1" rIns="91425" wrap="square" tIns="91425">
               <a:noAutofit/>
             </a:bodyPr>
             <a:lstStyle/>
             <a:p>
-              <a:pPr marL="0" lvl="0" indent="0" algn="l" rtl="0">
+              <a:pPr indent="0" lvl="0" marL="0" rtl="0" algn="l">
                 <a:spcBef>
                   <a:spcPts val="0"/>
                 </a:spcBef>
@@ -6502,6 +6510,9 @@
                 </a:spcAft>
                 <a:buNone/>
               </a:pPr>
+              <a:r>
+                <a:t/>
+              </a:r>
               <a:endParaRPr/>
             </a:p>
           </p:txBody>
@@ -6510,9 +6521,7 @@
       <p:sp>
         <p:nvSpPr>
           <p:cNvPr id="66" name="Google Shape;66;p7"/>
-          <p:cNvSpPr txBox="1">
-            <a:spLocks noGrp="1"/>
-          </p:cNvSpPr>
+          <p:cNvSpPr txBox="1"/>
           <p:nvPr>
             <p:ph type="title"/>
           </p:nvPr>
@@ -6527,7 +6536,7 @@
           </a:prstGeom>
         </p:spPr>
         <p:txBody>
-          <a:bodyPr spcFirstLastPara="1" wrap="square" lIns="91425" tIns="91425" rIns="91425" bIns="91425" anchor="t" anchorCtr="0">
+          <a:bodyPr anchorCtr="0" anchor="t" bIns="91425" lIns="91425" spcFirstLastPara="1" rIns="91425" wrap="square" tIns="91425">
             <a:normAutofit/>
           </a:bodyPr>
           <a:lstStyle>
@@ -6631,19 +6640,15 @@
               <a:defRPr sz="2400"/>
             </a:lvl9pPr>
           </a:lstStyle>
-          <a:p>
-            <a:endParaRPr/>
-          </a:p>
+          <a:p/>
         </p:txBody>
       </p:sp>
       <p:sp>
         <p:nvSpPr>
           <p:cNvPr id="67" name="Google Shape;67;p7"/>
-          <p:cNvSpPr txBox="1">
-            <a:spLocks noGrp="1"/>
-          </p:cNvSpPr>
+          <p:cNvSpPr txBox="1"/>
           <p:nvPr>
-            <p:ph type="body" idx="1"/>
+            <p:ph idx="1" type="body"/>
           </p:nvPr>
         </p:nvSpPr>
         <p:spPr>
@@ -6656,11 +6661,11 @@
           </a:prstGeom>
         </p:spPr>
         <p:txBody>
-          <a:bodyPr spcFirstLastPara="1" wrap="square" lIns="91425" tIns="91425" rIns="91425" bIns="91425" anchor="t" anchorCtr="0">
+          <a:bodyPr anchorCtr="0" anchor="t" bIns="91425" lIns="91425" spcFirstLastPara="1" rIns="91425" wrap="square" tIns="91425">
             <a:normAutofit/>
           </a:bodyPr>
           <a:lstStyle>
-            <a:lvl1pPr marL="457200" lvl="0" indent="-311150">
+            <a:lvl1pPr indent="-311150" lvl="0" marL="457200">
               <a:spcBef>
                 <a:spcPts val="0"/>
               </a:spcBef>
@@ -6671,7 +6676,7 @@
               <a:buChar char="●"/>
               <a:defRPr/>
             </a:lvl1pPr>
-            <a:lvl2pPr marL="914400" lvl="1" indent="-298450">
+            <a:lvl2pPr indent="-298450" lvl="1" marL="914400">
               <a:spcBef>
                 <a:spcPts val="0"/>
               </a:spcBef>
@@ -6682,7 +6687,7 @@
               <a:buChar char="○"/>
               <a:defRPr/>
             </a:lvl2pPr>
-            <a:lvl3pPr marL="1371600" lvl="2" indent="-298450">
+            <a:lvl3pPr indent="-298450" lvl="2" marL="1371600">
               <a:spcBef>
                 <a:spcPts val="0"/>
               </a:spcBef>
@@ -6693,7 +6698,7 @@
               <a:buChar char="■"/>
               <a:defRPr/>
             </a:lvl3pPr>
-            <a:lvl4pPr marL="1828800" lvl="3" indent="-298450">
+            <a:lvl4pPr indent="-298450" lvl="3" marL="1828800">
               <a:spcBef>
                 <a:spcPts val="0"/>
               </a:spcBef>
@@ -6704,7 +6709,7 @@
               <a:buChar char="●"/>
               <a:defRPr/>
             </a:lvl4pPr>
-            <a:lvl5pPr marL="2286000" lvl="4" indent="-298450">
+            <a:lvl5pPr indent="-298450" lvl="4" marL="2286000">
               <a:spcBef>
                 <a:spcPts val="0"/>
               </a:spcBef>
@@ -6715,7 +6720,7 @@
               <a:buChar char="○"/>
               <a:defRPr/>
             </a:lvl5pPr>
-            <a:lvl6pPr marL="2743200" lvl="5" indent="-298450">
+            <a:lvl6pPr indent="-298450" lvl="5" marL="2743200">
               <a:spcBef>
                 <a:spcPts val="0"/>
               </a:spcBef>
@@ -6726,7 +6731,7 @@
               <a:buChar char="■"/>
               <a:defRPr/>
             </a:lvl6pPr>
-            <a:lvl7pPr marL="3200400" lvl="6" indent="-298450">
+            <a:lvl7pPr indent="-298450" lvl="6" marL="3200400">
               <a:spcBef>
                 <a:spcPts val="0"/>
               </a:spcBef>
@@ -6737,7 +6742,7 @@
               <a:buChar char="●"/>
               <a:defRPr/>
             </a:lvl7pPr>
-            <a:lvl8pPr marL="3657600" lvl="7" indent="-298450">
+            <a:lvl8pPr indent="-298450" lvl="7" marL="3657600">
               <a:spcBef>
                 <a:spcPts val="0"/>
               </a:spcBef>
@@ -6748,7 +6753,7 @@
               <a:buChar char="○"/>
               <a:defRPr/>
             </a:lvl8pPr>
-            <a:lvl9pPr marL="4114800" lvl="8" indent="-298450">
+            <a:lvl9pPr indent="-298450" lvl="8" marL="4114800">
               <a:spcBef>
                 <a:spcPts val="0"/>
               </a:spcBef>
@@ -6760,19 +6765,15 @@
               <a:defRPr/>
             </a:lvl9pPr>
           </a:lstStyle>
-          <a:p>
-            <a:endParaRPr/>
-          </a:p>
+          <a:p/>
         </p:txBody>
       </p:sp>
       <p:sp>
         <p:nvSpPr>
           <p:cNvPr id="68" name="Google Shape;68;p7"/>
-          <p:cNvSpPr txBox="1">
-            <a:spLocks noGrp="1"/>
-          </p:cNvSpPr>
+          <p:cNvSpPr txBox="1"/>
           <p:nvPr>
-            <p:ph type="sldNum" idx="12"/>
+            <p:ph idx="12" type="sldNum"/>
           </p:nvPr>
         </p:nvSpPr>
         <p:spPr>
@@ -6785,7 +6786,7 @@
           </a:prstGeom>
         </p:spPr>
         <p:txBody>
-          <a:bodyPr spcFirstLastPara="1" wrap="square" lIns="91425" tIns="91425" rIns="91425" bIns="91425" anchor="ctr" anchorCtr="0">
+          <a:bodyPr anchorCtr="0" anchor="ctr" bIns="91425" lIns="91425" spcFirstLastPara="1" rIns="91425" wrap="square" tIns="91425">
             <a:normAutofit/>
           </a:bodyPr>
           <a:lstStyle>
@@ -6827,7 +6828,7 @@
             </a:lvl9pPr>
           </a:lstStyle>
           <a:p>
-            <a:pPr marL="0" lvl="0" indent="0" algn="r" rtl="0">
+            <a:pPr indent="0" lvl="0" marL="0" rtl="0" algn="r">
               <a:spcBef>
                 <a:spcPts val="0"/>
               </a:spcBef>
@@ -6853,11 +6854,11 @@
 </file>
 
 <file path=ppt/slideLayouts/slideLayout7.xml><?xml version="1.0" encoding="utf-8"?>
-<p:sldLayout xmlns:a="http://schemas.openxmlformats.org/drawingml/2006/main" xmlns:r="http://schemas.openxmlformats.org/officeDocument/2006/relationships" xmlns:p="http://schemas.openxmlformats.org/presentationml/2006/main" matchingName="Main point">
+<p:sldLayout xmlns:a="http://schemas.openxmlformats.org/drawingml/2006/main" xmlns:r="http://schemas.openxmlformats.org/officeDocument/2006/relationships" xmlns:mc="http://schemas.openxmlformats.org/markup-compatibility/2006" xmlns:mv="urn:schemas-microsoft-com:mac:vml" xmlns:p="http://schemas.openxmlformats.org/presentationml/2006/main" xmlns:c="http://schemas.openxmlformats.org/drawingml/2006/chart" xmlns:dgm="http://schemas.openxmlformats.org/drawingml/2006/diagram" xmlns:o="urn:schemas-microsoft-com:office:office" xmlns:v="urn:schemas-microsoft-com:vml" xmlns:pvml="urn:schemas-microsoft-com:office:powerpoint" xmlns:com="http://schemas.openxmlformats.org/drawingml/2006/compatibility" xmlns:p14="http://schemas.microsoft.com/office/powerpoint/2010/main" xmlns:p15="http://schemas.microsoft.com/office/powerpoint/2012/main" xmlns:ahyp="http://schemas.microsoft.com/office/drawing/2018/hyperlinkcolor" matchingName="Main point">
   <p:cSld name="MAIN_POINT">
     <p:spTree>
       <p:nvGrpSpPr>
-        <p:cNvPr id="1" name="Shape 69"/>
+        <p:cNvPr id="69" name="Shape 69"/>
         <p:cNvGrpSpPr/>
         <p:nvPr/>
       </p:nvGrpSpPr>
@@ -6896,7 +6897,7 @@
             </a:xfrm>
             <a:prstGeom prst="diagStripe">
               <a:avLst>
-                <a:gd name="adj" fmla="val 49469"/>
+                <a:gd fmla="val 49469" name="adj"/>
               </a:avLst>
             </a:prstGeom>
             <a:solidFill>
@@ -6909,12 +6910,12 @@
             </a:ln>
           </p:spPr>
           <p:txBody>
-            <a:bodyPr spcFirstLastPara="1" wrap="square" lIns="91425" tIns="91425" rIns="91425" bIns="91425" anchor="ctr" anchorCtr="0">
+            <a:bodyPr anchorCtr="0" anchor="ctr" bIns="91425" lIns="91425" spcFirstLastPara="1" rIns="91425" wrap="square" tIns="91425">
               <a:noAutofit/>
             </a:bodyPr>
             <a:lstStyle/>
             <a:p>
-              <a:pPr marL="0" lvl="0" indent="0" algn="l" rtl="0">
+              <a:pPr indent="0" lvl="0" marL="0" rtl="0" algn="l">
                 <a:spcBef>
                   <a:spcPts val="0"/>
                 </a:spcBef>
@@ -6923,6 +6924,9 @@
                 </a:spcAft>
                 <a:buNone/>
               </a:pPr>
+              <a:r>
+                <a:t/>
+              </a:r>
               <a:endParaRPr/>
             </a:p>
           </p:txBody>
@@ -6940,7 +6944,7 @@
             </a:xfrm>
             <a:prstGeom prst="diagStripe">
               <a:avLst>
-                <a:gd name="adj" fmla="val 0"/>
+                <a:gd fmla="val 0" name="adj"/>
               </a:avLst>
             </a:prstGeom>
             <a:solidFill>
@@ -6953,12 +6957,12 @@
             </a:ln>
           </p:spPr>
           <p:txBody>
-            <a:bodyPr spcFirstLastPara="1" wrap="square" lIns="91425" tIns="91425" rIns="91425" bIns="91425" anchor="ctr" anchorCtr="0">
+            <a:bodyPr anchorCtr="0" anchor="ctr" bIns="91425" lIns="91425" spcFirstLastPara="1" rIns="91425" wrap="square" tIns="91425">
               <a:noAutofit/>
             </a:bodyPr>
             <a:lstStyle/>
             <a:p>
-              <a:pPr marL="0" lvl="0" indent="0" algn="l" rtl="0">
+              <a:pPr indent="0" lvl="0" marL="0" rtl="0" algn="l">
                 <a:spcBef>
                   <a:spcPts val="0"/>
                 </a:spcBef>
@@ -6967,6 +6971,9 @@
                 </a:spcAft>
                 <a:buNone/>
               </a:pPr>
+              <a:r>
+                <a:t/>
+              </a:r>
               <a:endParaRPr/>
             </a:p>
           </p:txBody>
@@ -6984,7 +6991,7 @@
             </a:xfrm>
             <a:prstGeom prst="diagStripe">
               <a:avLst>
-                <a:gd name="adj" fmla="val 50000"/>
+                <a:gd fmla="val 50000" name="adj"/>
               </a:avLst>
             </a:prstGeom>
             <a:solidFill>
@@ -6997,12 +7004,12 @@
             </a:ln>
           </p:spPr>
           <p:txBody>
-            <a:bodyPr spcFirstLastPara="1" wrap="square" lIns="91425" tIns="91425" rIns="91425" bIns="91425" anchor="ctr" anchorCtr="0">
+            <a:bodyPr anchorCtr="0" anchor="ctr" bIns="91425" lIns="91425" spcFirstLastPara="1" rIns="91425" wrap="square" tIns="91425">
               <a:noAutofit/>
             </a:bodyPr>
             <a:lstStyle/>
             <a:p>
-              <a:pPr marL="0" lvl="0" indent="0" algn="l" rtl="0">
+              <a:pPr indent="0" lvl="0" marL="0" rtl="0" algn="l">
                 <a:spcBef>
                   <a:spcPts val="0"/>
                 </a:spcBef>
@@ -7011,6 +7018,9 @@
                 </a:spcAft>
                 <a:buNone/>
               </a:pPr>
+              <a:r>
+                <a:t/>
+              </a:r>
               <a:endParaRPr/>
             </a:p>
           </p:txBody>
@@ -7028,7 +7038,7 @@
             </a:xfrm>
             <a:prstGeom prst="diagStripe">
               <a:avLst>
-                <a:gd name="adj" fmla="val 50000"/>
+                <a:gd fmla="val 50000" name="adj"/>
               </a:avLst>
             </a:prstGeom>
             <a:solidFill>
@@ -7041,12 +7051,12 @@
             </a:ln>
           </p:spPr>
           <p:txBody>
-            <a:bodyPr spcFirstLastPara="1" wrap="square" lIns="91425" tIns="91425" rIns="91425" bIns="91425" anchor="ctr" anchorCtr="0">
+            <a:bodyPr anchorCtr="0" anchor="ctr" bIns="91425" lIns="91425" spcFirstLastPara="1" rIns="91425" wrap="square" tIns="91425">
               <a:noAutofit/>
             </a:bodyPr>
             <a:lstStyle/>
             <a:p>
-              <a:pPr marL="0" lvl="0" indent="0" algn="l" rtl="0">
+              <a:pPr indent="0" lvl="0" marL="0" rtl="0" algn="l">
                 <a:spcBef>
                   <a:spcPts val="0"/>
                 </a:spcBef>
@@ -7055,6 +7065,9 @@
                 </a:spcAft>
                 <a:buNone/>
               </a:pPr>
+              <a:r>
+                <a:t/>
+              </a:r>
               <a:endParaRPr/>
             </a:p>
           </p:txBody>
@@ -7072,7 +7085,7 @@
             </a:xfrm>
             <a:prstGeom prst="diagStripe">
               <a:avLst>
-                <a:gd name="adj" fmla="val 50000"/>
+                <a:gd fmla="val 50000" name="adj"/>
               </a:avLst>
             </a:prstGeom>
             <a:solidFill>
@@ -7085,12 +7098,12 @@
             </a:ln>
           </p:spPr>
           <p:txBody>
-            <a:bodyPr spcFirstLastPara="1" wrap="square" lIns="91425" tIns="91425" rIns="91425" bIns="91425" anchor="ctr" anchorCtr="0">
+            <a:bodyPr anchorCtr="0" anchor="ctr" bIns="91425" lIns="91425" spcFirstLastPara="1" rIns="91425" wrap="square" tIns="91425">
               <a:noAutofit/>
             </a:bodyPr>
             <a:lstStyle/>
             <a:p>
-              <a:pPr marL="0" lvl="0" indent="0" algn="l" rtl="0">
+              <a:pPr indent="0" lvl="0" marL="0" rtl="0" algn="l">
                 <a:spcBef>
                   <a:spcPts val="0"/>
                 </a:spcBef>
@@ -7099,6 +7112,9 @@
                 </a:spcAft>
                 <a:buNone/>
               </a:pPr>
+              <a:r>
+                <a:t/>
+              </a:r>
               <a:endParaRPr/>
             </a:p>
           </p:txBody>
@@ -7116,7 +7132,7 @@
             </a:xfrm>
             <a:prstGeom prst="diagStripe">
               <a:avLst>
-                <a:gd name="adj" fmla="val 50000"/>
+                <a:gd fmla="val 50000" name="adj"/>
               </a:avLst>
             </a:prstGeom>
             <a:solidFill>
@@ -7129,12 +7145,12 @@
             </a:ln>
           </p:spPr>
           <p:txBody>
-            <a:bodyPr spcFirstLastPara="1" wrap="square" lIns="91425" tIns="91425" rIns="91425" bIns="91425" anchor="ctr" anchorCtr="0">
+            <a:bodyPr anchorCtr="0" anchor="ctr" bIns="91425" lIns="91425" spcFirstLastPara="1" rIns="91425" wrap="square" tIns="91425">
               <a:noAutofit/>
             </a:bodyPr>
             <a:lstStyle/>
             <a:p>
-              <a:pPr marL="0" lvl="0" indent="0" algn="l" rtl="0">
+              <a:pPr indent="0" lvl="0" marL="0" rtl="0" algn="l">
                 <a:spcBef>
                   <a:spcPts val="0"/>
                 </a:spcBef>
@@ -7143,6 +7159,9 @@
                 </a:spcAft>
                 <a:buNone/>
               </a:pPr>
+              <a:r>
+                <a:t/>
+              </a:r>
               <a:endParaRPr/>
             </a:p>
           </p:txBody>
@@ -7160,7 +7179,7 @@
             </a:xfrm>
             <a:prstGeom prst="diagStripe">
               <a:avLst>
-                <a:gd name="adj" fmla="val 50000"/>
+                <a:gd fmla="val 50000" name="adj"/>
               </a:avLst>
             </a:prstGeom>
             <a:solidFill>
@@ -7173,12 +7192,12 @@
             </a:ln>
           </p:spPr>
           <p:txBody>
-            <a:bodyPr spcFirstLastPara="1" wrap="square" lIns="91425" tIns="91425" rIns="91425" bIns="91425" anchor="ctr" anchorCtr="0">
+            <a:bodyPr anchorCtr="0" anchor="ctr" bIns="91425" lIns="91425" spcFirstLastPara="1" rIns="91425" wrap="square" tIns="91425">
               <a:noAutofit/>
             </a:bodyPr>
             <a:lstStyle/>
             <a:p>
-              <a:pPr marL="0" lvl="0" indent="0" algn="l" rtl="0">
+              <a:pPr indent="0" lvl="0" marL="0" rtl="0" algn="l">
                 <a:spcBef>
                   <a:spcPts val="0"/>
                 </a:spcBef>
@@ -7187,6 +7206,9 @@
                 </a:spcAft>
                 <a:buNone/>
               </a:pPr>
+              <a:r>
+                <a:t/>
+              </a:r>
               <a:endParaRPr/>
             </a:p>
           </p:txBody>
@@ -7204,7 +7226,7 @@
             </a:xfrm>
             <a:prstGeom prst="diagStripe">
               <a:avLst>
-                <a:gd name="adj" fmla="val 50000"/>
+                <a:gd fmla="val 50000" name="adj"/>
               </a:avLst>
             </a:prstGeom>
             <a:solidFill>
@@ -7215,12 +7237,12 @@
             </a:ln>
           </p:spPr>
           <p:txBody>
-            <a:bodyPr spcFirstLastPara="1" wrap="square" lIns="91425" tIns="91425" rIns="91425" bIns="91425" anchor="ctr" anchorCtr="0">
+            <a:bodyPr anchorCtr="0" anchor="ctr" bIns="91425" lIns="91425" spcFirstLastPara="1" rIns="91425" wrap="square" tIns="91425">
               <a:noAutofit/>
             </a:bodyPr>
             <a:lstStyle/>
             <a:p>
-              <a:pPr marL="0" lvl="0" indent="0" algn="l" rtl="0">
+              <a:pPr indent="0" lvl="0" marL="0" rtl="0" algn="l">
                 <a:spcBef>
                   <a:spcPts val="0"/>
                 </a:spcBef>
@@ -7229,6 +7251,9 @@
                 </a:spcAft>
                 <a:buNone/>
               </a:pPr>
+              <a:r>
+                <a:t/>
+              </a:r>
               <a:endParaRPr/>
             </a:p>
           </p:txBody>
@@ -7246,7 +7271,7 @@
             </a:xfrm>
             <a:prstGeom prst="diagStripe">
               <a:avLst>
-                <a:gd name="adj" fmla="val 50000"/>
+                <a:gd fmla="val 50000" name="adj"/>
               </a:avLst>
             </a:prstGeom>
             <a:solidFill>
@@ -7259,12 +7284,12 @@
             </a:ln>
           </p:spPr>
           <p:txBody>
-            <a:bodyPr spcFirstLastPara="1" wrap="square" lIns="91425" tIns="91425" rIns="91425" bIns="91425" anchor="ctr" anchorCtr="0">
+            <a:bodyPr anchorCtr="0" anchor="ctr" bIns="91425" lIns="91425" spcFirstLastPara="1" rIns="91425" wrap="square" tIns="91425">
               <a:noAutofit/>
             </a:bodyPr>
             <a:lstStyle/>
             <a:p>
-              <a:pPr marL="0" lvl="0" indent="0" algn="l" rtl="0">
+              <a:pPr indent="0" lvl="0" marL="0" rtl="0" algn="l">
                 <a:spcBef>
                   <a:spcPts val="0"/>
                 </a:spcBef>
@@ -7273,6 +7298,9 @@
                 </a:spcAft>
                 <a:buNone/>
               </a:pPr>
+              <a:r>
+                <a:t/>
+              </a:r>
               <a:endParaRPr/>
             </a:p>
           </p:txBody>
@@ -7290,7 +7318,7 @@
             </a:xfrm>
             <a:prstGeom prst="diagStripe">
               <a:avLst>
-                <a:gd name="adj" fmla="val 50000"/>
+                <a:gd fmla="val 50000" name="adj"/>
               </a:avLst>
             </a:prstGeom>
             <a:solidFill>
@@ -7303,12 +7331,12 @@
             </a:ln>
           </p:spPr>
           <p:txBody>
-            <a:bodyPr spcFirstLastPara="1" wrap="square" lIns="91425" tIns="91425" rIns="91425" bIns="91425" anchor="ctr" anchorCtr="0">
+            <a:bodyPr anchorCtr="0" anchor="ctr" bIns="91425" lIns="91425" spcFirstLastPara="1" rIns="91425" wrap="square" tIns="91425">
               <a:noAutofit/>
             </a:bodyPr>
             <a:lstStyle/>
             <a:p>
-              <a:pPr marL="0" lvl="0" indent="0" algn="l" rtl="0">
+              <a:pPr indent="0" lvl="0" marL="0" rtl="0" algn="l">
                 <a:spcBef>
                   <a:spcPts val="0"/>
                 </a:spcBef>
@@ -7317,6 +7345,9 @@
                 </a:spcAft>
                 <a:buNone/>
               </a:pPr>
+              <a:r>
+                <a:t/>
+              </a:r>
               <a:endParaRPr/>
             </a:p>
           </p:txBody>
@@ -7334,7 +7365,7 @@
             </a:xfrm>
             <a:prstGeom prst="diagStripe">
               <a:avLst>
-                <a:gd name="adj" fmla="val 50000"/>
+                <a:gd fmla="val 50000" name="adj"/>
               </a:avLst>
             </a:prstGeom>
             <a:solidFill>
@@ -7347,12 +7378,12 @@
             </a:ln>
           </p:spPr>
           <p:txBody>
-            <a:bodyPr spcFirstLastPara="1" wrap="square" lIns="91425" tIns="91425" rIns="91425" bIns="91425" anchor="ctr" anchorCtr="0">
+            <a:bodyPr anchorCtr="0" anchor="ctr" bIns="91425" lIns="91425" spcFirstLastPara="1" rIns="91425" wrap="square" tIns="91425">
               <a:noAutofit/>
             </a:bodyPr>
             <a:lstStyle/>
             <a:p>
-              <a:pPr marL="0" lvl="0" indent="0" algn="l" rtl="0">
+              <a:pPr indent="0" lvl="0" marL="0" rtl="0" algn="l">
                 <a:spcBef>
                   <a:spcPts val="0"/>
                 </a:spcBef>
@@ -7361,6 +7392,9 @@
                 </a:spcAft>
                 <a:buNone/>
               </a:pPr>
+              <a:r>
+                <a:t/>
+              </a:r>
               <a:endParaRPr/>
             </a:p>
           </p:txBody>
@@ -7378,7 +7412,7 @@
             </a:xfrm>
             <a:prstGeom prst="diagStripe">
               <a:avLst>
-                <a:gd name="adj" fmla="val 50000"/>
+                <a:gd fmla="val 50000" name="adj"/>
               </a:avLst>
             </a:prstGeom>
             <a:solidFill>
@@ -7391,12 +7425,12 @@
             </a:ln>
           </p:spPr>
           <p:txBody>
-            <a:bodyPr spcFirstLastPara="1" wrap="square" lIns="91425" tIns="91425" rIns="91425" bIns="91425" anchor="ctr" anchorCtr="0">
+            <a:bodyPr anchorCtr="0" anchor="ctr" bIns="91425" lIns="91425" spcFirstLastPara="1" rIns="91425" wrap="square" tIns="91425">
               <a:noAutofit/>
             </a:bodyPr>
             <a:lstStyle/>
             <a:p>
-              <a:pPr marL="0" lvl="0" indent="0" algn="l" rtl="0">
+              <a:pPr indent="0" lvl="0" marL="0" rtl="0" algn="l">
                 <a:spcBef>
                   <a:spcPts val="0"/>
                 </a:spcBef>
@@ -7405,6 +7439,9 @@
                 </a:spcAft>
                 <a:buNone/>
               </a:pPr>
+              <a:r>
+                <a:t/>
+              </a:r>
               <a:endParaRPr/>
             </a:p>
           </p:txBody>
@@ -7422,7 +7459,7 @@
             </a:xfrm>
             <a:prstGeom prst="diagStripe">
               <a:avLst>
-                <a:gd name="adj" fmla="val 50000"/>
+                <a:gd fmla="val 50000" name="adj"/>
               </a:avLst>
             </a:prstGeom>
             <a:solidFill>
@@ -7435,12 +7472,12 @@
             </a:ln>
           </p:spPr>
           <p:txBody>
-            <a:bodyPr spcFirstLastPara="1" wrap="square" lIns="91425" tIns="91425" rIns="91425" bIns="91425" anchor="ctr" anchorCtr="0">
+            <a:bodyPr anchorCtr="0" anchor="ctr" bIns="91425" lIns="91425" spcFirstLastPara="1" rIns="91425" wrap="square" tIns="91425">
               <a:noAutofit/>
             </a:bodyPr>
             <a:lstStyle/>
             <a:p>
-              <a:pPr marL="0" lvl="0" indent="0" algn="l" rtl="0">
+              <a:pPr indent="0" lvl="0" marL="0" rtl="0" algn="l">
                 <a:spcBef>
                   <a:spcPts val="0"/>
                 </a:spcBef>
@@ -7449,6 +7486,9 @@
                 </a:spcAft>
                 <a:buNone/>
               </a:pPr>
+              <a:r>
+                <a:t/>
+              </a:r>
               <a:endParaRPr/>
             </a:p>
           </p:txBody>
@@ -7466,7 +7506,7 @@
             </a:xfrm>
             <a:prstGeom prst="diagStripe">
               <a:avLst>
-                <a:gd name="adj" fmla="val 50000"/>
+                <a:gd fmla="val 50000" name="adj"/>
               </a:avLst>
             </a:prstGeom>
             <a:solidFill>
@@ -7477,12 +7517,12 @@
             </a:ln>
           </p:spPr>
           <p:txBody>
-            <a:bodyPr spcFirstLastPara="1" wrap="square" lIns="91425" tIns="91425" rIns="91425" bIns="91425" anchor="ctr" anchorCtr="0">
+            <a:bodyPr anchorCtr="0" anchor="ctr" bIns="91425" lIns="91425" spcFirstLastPara="1" rIns="91425" wrap="square" tIns="91425">
               <a:noAutofit/>
             </a:bodyPr>
             <a:lstStyle/>
             <a:p>
-              <a:pPr marL="0" lvl="0" indent="0" algn="l" rtl="0">
+              <a:pPr indent="0" lvl="0" marL="0" rtl="0" algn="l">
                 <a:spcBef>
                   <a:spcPts val="0"/>
                 </a:spcBef>
@@ -7491,6 +7531,9 @@
                 </a:spcAft>
                 <a:buNone/>
               </a:pPr>
+              <a:r>
+                <a:t/>
+              </a:r>
               <a:endParaRPr/>
             </a:p>
           </p:txBody>
@@ -7508,7 +7551,7 @@
             </a:xfrm>
             <a:prstGeom prst="diagStripe">
               <a:avLst>
-                <a:gd name="adj" fmla="val 50000"/>
+                <a:gd fmla="val 50000" name="adj"/>
               </a:avLst>
             </a:prstGeom>
             <a:solidFill>
@@ -7521,12 +7564,12 @@
             </a:ln>
           </p:spPr>
           <p:txBody>
-            <a:bodyPr spcFirstLastPara="1" wrap="square" lIns="91425" tIns="91425" rIns="91425" bIns="91425" anchor="ctr" anchorCtr="0">
+            <a:bodyPr anchorCtr="0" anchor="ctr" bIns="91425" lIns="91425" spcFirstLastPara="1" rIns="91425" wrap="square" tIns="91425">
               <a:noAutofit/>
             </a:bodyPr>
             <a:lstStyle/>
             <a:p>
-              <a:pPr marL="0" lvl="0" indent="0" algn="l" rtl="0">
+              <a:pPr indent="0" lvl="0" marL="0" rtl="0" algn="l">
                 <a:spcBef>
                   <a:spcPts val="0"/>
                 </a:spcBef>
@@ -7535,6 +7578,9 @@
                 </a:spcAft>
                 <a:buNone/>
               </a:pPr>
+              <a:r>
+                <a:t/>
+              </a:r>
               <a:endParaRPr/>
             </a:p>
           </p:txBody>
@@ -7552,7 +7598,7 @@
             </a:xfrm>
             <a:prstGeom prst="diagStripe">
               <a:avLst>
-                <a:gd name="adj" fmla="val 50000"/>
+                <a:gd fmla="val 50000" name="adj"/>
               </a:avLst>
             </a:prstGeom>
             <a:solidFill>
@@ -7565,12 +7611,12 @@
             </a:ln>
           </p:spPr>
           <p:txBody>
-            <a:bodyPr spcFirstLastPara="1" wrap="square" lIns="91425" tIns="91425" rIns="91425" bIns="91425" anchor="ctr" anchorCtr="0">
+            <a:bodyPr anchorCtr="0" anchor="ctr" bIns="91425" lIns="91425" spcFirstLastPara="1" rIns="91425" wrap="square" tIns="91425">
               <a:noAutofit/>
             </a:bodyPr>
             <a:lstStyle/>
             <a:p>
-              <a:pPr marL="0" lvl="0" indent="0" algn="l" rtl="0">
+              <a:pPr indent="0" lvl="0" marL="0" rtl="0" algn="l">
                 <a:spcBef>
                   <a:spcPts val="0"/>
                 </a:spcBef>
@@ -7579,6 +7625,9 @@
                 </a:spcAft>
                 <a:buNone/>
               </a:pPr>
+              <a:r>
+                <a:t/>
+              </a:r>
               <a:endParaRPr/>
             </a:p>
           </p:txBody>
@@ -7596,7 +7645,7 @@
             </a:xfrm>
             <a:prstGeom prst="diagStripe">
               <a:avLst>
-                <a:gd name="adj" fmla="val 50000"/>
+                <a:gd fmla="val 50000" name="adj"/>
               </a:avLst>
             </a:prstGeom>
             <a:solidFill>
@@ -7609,12 +7658,12 @@
             </a:ln>
           </p:spPr>
           <p:txBody>
-            <a:bodyPr spcFirstLastPara="1" wrap="square" lIns="91425" tIns="91425" rIns="91425" bIns="91425" anchor="ctr" anchorCtr="0">
+            <a:bodyPr anchorCtr="0" anchor="ctr" bIns="91425" lIns="91425" spcFirstLastPara="1" rIns="91425" wrap="square" tIns="91425">
               <a:noAutofit/>
             </a:bodyPr>
             <a:lstStyle/>
             <a:p>
-              <a:pPr marL="0" lvl="0" indent="0" algn="l" rtl="0">
+              <a:pPr indent="0" lvl="0" marL="0" rtl="0" algn="l">
                 <a:spcBef>
                   <a:spcPts val="0"/>
                 </a:spcBef>
@@ -7623,6 +7672,9 @@
                 </a:spcAft>
                 <a:buNone/>
               </a:pPr>
+              <a:r>
+                <a:t/>
+              </a:r>
               <a:endParaRPr/>
             </a:p>
           </p:txBody>
@@ -7640,7 +7692,7 @@
             </a:xfrm>
             <a:prstGeom prst="diagStripe">
               <a:avLst>
-                <a:gd name="adj" fmla="val 50000"/>
+                <a:gd fmla="val 50000" name="adj"/>
               </a:avLst>
             </a:prstGeom>
             <a:solidFill>
@@ -7653,12 +7705,12 @@
             </a:ln>
           </p:spPr>
           <p:txBody>
-            <a:bodyPr spcFirstLastPara="1" wrap="square" lIns="91425" tIns="91425" rIns="91425" bIns="91425" anchor="ctr" anchorCtr="0">
+            <a:bodyPr anchorCtr="0" anchor="ctr" bIns="91425" lIns="91425" spcFirstLastPara="1" rIns="91425" wrap="square" tIns="91425">
               <a:noAutofit/>
             </a:bodyPr>
             <a:lstStyle/>
             <a:p>
-              <a:pPr marL="0" lvl="0" indent="0" algn="l" rtl="0">
+              <a:pPr indent="0" lvl="0" marL="0" rtl="0" algn="l">
                 <a:spcBef>
                   <a:spcPts val="0"/>
                 </a:spcBef>
@@ -7667,6 +7719,9 @@
                 </a:spcAft>
                 <a:buNone/>
               </a:pPr>
+              <a:r>
+                <a:t/>
+              </a:r>
               <a:endParaRPr/>
             </a:p>
           </p:txBody>
@@ -7675,9 +7730,7 @@
       <p:sp>
         <p:nvSpPr>
           <p:cNvPr id="89" name="Google Shape;89;p8"/>
-          <p:cNvSpPr txBox="1">
-            <a:spLocks noGrp="1"/>
-          </p:cNvSpPr>
+          <p:cNvSpPr txBox="1"/>
           <p:nvPr>
             <p:ph type="title"/>
           </p:nvPr>
@@ -7692,7 +7745,7 @@
           </a:prstGeom>
         </p:spPr>
         <p:txBody>
-          <a:bodyPr spcFirstLastPara="1" wrap="square" lIns="91425" tIns="91425" rIns="91425" bIns="91425" anchor="ctr" anchorCtr="0">
+          <a:bodyPr anchorCtr="0" anchor="ctr" bIns="91425" lIns="91425" spcFirstLastPara="1" rIns="91425" wrap="square" tIns="91425">
             <a:normAutofit/>
           </a:bodyPr>
           <a:lstStyle>
@@ -7796,19 +7849,15 @@
               <a:defRPr/>
             </a:lvl9pPr>
           </a:lstStyle>
-          <a:p>
-            <a:endParaRPr/>
-          </a:p>
+          <a:p/>
         </p:txBody>
       </p:sp>
       <p:sp>
         <p:nvSpPr>
           <p:cNvPr id="90" name="Google Shape;90;p8"/>
-          <p:cNvSpPr txBox="1">
-            <a:spLocks noGrp="1"/>
-          </p:cNvSpPr>
+          <p:cNvSpPr txBox="1"/>
           <p:nvPr>
-            <p:ph type="sldNum" idx="12"/>
+            <p:ph idx="12" type="sldNum"/>
           </p:nvPr>
         </p:nvSpPr>
         <p:spPr>
@@ -7821,7 +7870,7 @@
           </a:prstGeom>
         </p:spPr>
         <p:txBody>
-          <a:bodyPr spcFirstLastPara="1" wrap="square" lIns="91425" tIns="91425" rIns="91425" bIns="91425" anchor="ctr" anchorCtr="0">
+          <a:bodyPr anchorCtr="0" anchor="ctr" bIns="91425" lIns="91425" spcFirstLastPara="1" rIns="91425" wrap="square" tIns="91425">
             <a:normAutofit/>
           </a:bodyPr>
           <a:lstStyle>
@@ -7863,7 +7912,7 @@
             </a:lvl9pPr>
           </a:lstStyle>
           <a:p>
-            <a:pPr marL="0" lvl="0" indent="0" algn="r" rtl="0">
+            <a:pPr indent="0" lvl="0" marL="0" rtl="0" algn="r">
               <a:spcBef>
                 <a:spcPts val="0"/>
               </a:spcBef>
@@ -7889,11 +7938,11 @@
 </file>
 
 <file path=ppt/slideLayouts/slideLayout8.xml><?xml version="1.0" encoding="utf-8"?>
-<p:sldLayout xmlns:a="http://schemas.openxmlformats.org/drawingml/2006/main" xmlns:r="http://schemas.openxmlformats.org/officeDocument/2006/relationships" xmlns:p="http://schemas.openxmlformats.org/presentationml/2006/main" matchingName="Section title and description">
+<p:sldLayout xmlns:a="http://schemas.openxmlformats.org/drawingml/2006/main" xmlns:r="http://schemas.openxmlformats.org/officeDocument/2006/relationships" xmlns:mc="http://schemas.openxmlformats.org/markup-compatibility/2006" xmlns:mv="urn:schemas-microsoft-com:mac:vml" xmlns:p="http://schemas.openxmlformats.org/presentationml/2006/main" xmlns:c="http://schemas.openxmlformats.org/drawingml/2006/chart" xmlns:dgm="http://schemas.openxmlformats.org/drawingml/2006/diagram" xmlns:o="urn:schemas-microsoft-com:office:office" xmlns:v="urn:schemas-microsoft-com:vml" xmlns:pvml="urn:schemas-microsoft-com:office:powerpoint" xmlns:com="http://schemas.openxmlformats.org/drawingml/2006/compatibility" xmlns:p14="http://schemas.microsoft.com/office/powerpoint/2010/main" xmlns:p15="http://schemas.microsoft.com/office/powerpoint/2012/main" xmlns:ahyp="http://schemas.microsoft.com/office/drawing/2018/hyperlinkcolor" matchingName="Section title and description">
   <p:cSld name="SECTION_TITLE_AND_DESCRIPTION">
     <p:spTree>
       <p:nvGrpSpPr>
-        <p:cNvPr id="1" name="Shape 91"/>
+        <p:cNvPr id="91" name="Shape 91"/>
         <p:cNvGrpSpPr/>
         <p:nvPr/>
       </p:nvGrpSpPr>
@@ -7932,7 +7981,7 @@
             </a:xfrm>
             <a:prstGeom prst="diagStripe">
               <a:avLst>
-                <a:gd name="adj" fmla="val 50000"/>
+                <a:gd fmla="val 50000" name="adj"/>
               </a:avLst>
             </a:prstGeom>
             <a:solidFill>
@@ -7943,12 +7992,12 @@
             </a:ln>
           </p:spPr>
           <p:txBody>
-            <a:bodyPr spcFirstLastPara="1" wrap="square" lIns="91425" tIns="91425" rIns="91425" bIns="91425" anchor="ctr" anchorCtr="0">
+            <a:bodyPr anchorCtr="0" anchor="ctr" bIns="91425" lIns="91425" spcFirstLastPara="1" rIns="91425" wrap="square" tIns="91425">
               <a:noAutofit/>
             </a:bodyPr>
             <a:lstStyle/>
             <a:p>
-              <a:pPr marL="0" lvl="0" indent="0" algn="l" rtl="0">
+              <a:pPr indent="0" lvl="0" marL="0" rtl="0" algn="l">
                 <a:spcBef>
                   <a:spcPts val="0"/>
                 </a:spcBef>
@@ -7957,6 +8006,9 @@
                 </a:spcAft>
                 <a:buNone/>
               </a:pPr>
+              <a:r>
+                <a:t/>
+              </a:r>
               <a:endParaRPr/>
             </a:p>
           </p:txBody>
@@ -7974,7 +8026,7 @@
             </a:xfrm>
             <a:prstGeom prst="diagStripe">
               <a:avLst>
-                <a:gd name="adj" fmla="val 50000"/>
+                <a:gd fmla="val 50000" name="adj"/>
               </a:avLst>
             </a:prstGeom>
             <a:solidFill>
@@ -7985,12 +8037,12 @@
             </a:ln>
           </p:spPr>
           <p:txBody>
-            <a:bodyPr spcFirstLastPara="1" wrap="square" lIns="91425" tIns="91425" rIns="91425" bIns="91425" anchor="ctr" anchorCtr="0">
+            <a:bodyPr anchorCtr="0" anchor="ctr" bIns="91425" lIns="91425" spcFirstLastPara="1" rIns="91425" wrap="square" tIns="91425">
               <a:noAutofit/>
             </a:bodyPr>
             <a:lstStyle/>
             <a:p>
-              <a:pPr marL="0" lvl="0" indent="0" algn="l" rtl="0">
+              <a:pPr indent="0" lvl="0" marL="0" rtl="0" algn="l">
                 <a:spcBef>
                   <a:spcPts val="0"/>
                 </a:spcBef>
@@ -7999,6 +8051,9 @@
                 </a:spcAft>
                 <a:buNone/>
               </a:pPr>
+              <a:r>
+                <a:t/>
+              </a:r>
               <a:endParaRPr/>
             </a:p>
           </p:txBody>
@@ -8007,9 +8062,7 @@
       <p:sp>
         <p:nvSpPr>
           <p:cNvPr id="95" name="Google Shape;95;p9"/>
-          <p:cNvSpPr txBox="1">
-            <a:spLocks noGrp="1"/>
-          </p:cNvSpPr>
+          <p:cNvSpPr txBox="1"/>
           <p:nvPr>
             <p:ph type="title"/>
           </p:nvPr>
@@ -8024,7 +8077,7 @@
           </a:prstGeom>
         </p:spPr>
         <p:txBody>
-          <a:bodyPr spcFirstLastPara="1" wrap="square" lIns="91425" tIns="91425" rIns="91425" bIns="91425" anchor="t" anchorCtr="0">
+          <a:bodyPr anchorCtr="0" anchor="t" bIns="91425" lIns="91425" spcFirstLastPara="1" rIns="91425" wrap="square" tIns="91425">
             <a:normAutofit/>
           </a:bodyPr>
           <a:lstStyle>
@@ -8128,19 +8181,15 @@
               <a:defRPr sz="2400"/>
             </a:lvl9pPr>
           </a:lstStyle>
-          <a:p>
-            <a:endParaRPr/>
-          </a:p>
+          <a:p/>
         </p:txBody>
       </p:sp>
       <p:sp>
         <p:nvSpPr>
           <p:cNvPr id="96" name="Google Shape;96;p9"/>
-          <p:cNvSpPr txBox="1">
-            <a:spLocks noGrp="1"/>
-          </p:cNvSpPr>
+          <p:cNvSpPr txBox="1"/>
           <p:nvPr>
-            <p:ph type="subTitle" idx="1"/>
+            <p:ph idx="1" type="subTitle"/>
           </p:nvPr>
         </p:nvSpPr>
         <p:spPr>
@@ -8153,7 +8202,7 @@
           </a:prstGeom>
         </p:spPr>
         <p:txBody>
-          <a:bodyPr spcFirstLastPara="1" wrap="square" lIns="91425" tIns="91425" rIns="91425" bIns="91425" anchor="t" anchorCtr="0">
+          <a:bodyPr anchorCtr="0" anchor="t" bIns="91425" lIns="91425" spcFirstLastPara="1" rIns="91425" wrap="square" tIns="91425">
             <a:normAutofit/>
           </a:bodyPr>
           <a:lstStyle>
@@ -8284,19 +8333,15 @@
               <a:defRPr sz="1300"/>
             </a:lvl9pPr>
           </a:lstStyle>
-          <a:p>
-            <a:endParaRPr/>
-          </a:p>
+          <a:p/>
         </p:txBody>
       </p:sp>
       <p:sp>
         <p:nvSpPr>
           <p:cNvPr id="97" name="Google Shape;97;p9"/>
-          <p:cNvSpPr txBox="1">
-            <a:spLocks noGrp="1"/>
-          </p:cNvSpPr>
+          <p:cNvSpPr txBox="1"/>
           <p:nvPr>
-            <p:ph type="body" idx="2"/>
+            <p:ph idx="2" type="body"/>
           </p:nvPr>
         </p:nvSpPr>
         <p:spPr>
@@ -8309,11 +8354,11 @@
           </a:prstGeom>
         </p:spPr>
         <p:txBody>
-          <a:bodyPr spcFirstLastPara="1" wrap="square" lIns="91425" tIns="91425" rIns="91425" bIns="91425" anchor="t" anchorCtr="0">
+          <a:bodyPr anchorCtr="0" anchor="t" bIns="91425" lIns="91425" spcFirstLastPara="1" rIns="91425" wrap="square" tIns="91425">
             <a:normAutofit/>
           </a:bodyPr>
           <a:lstStyle>
-            <a:lvl1pPr marL="457200" lvl="0" indent="-311150">
+            <a:lvl1pPr indent="-311150" lvl="0" marL="457200">
               <a:spcBef>
                 <a:spcPts val="0"/>
               </a:spcBef>
@@ -8324,7 +8369,7 @@
               <a:buChar char="●"/>
               <a:defRPr/>
             </a:lvl1pPr>
-            <a:lvl2pPr marL="914400" lvl="1" indent="-298450">
+            <a:lvl2pPr indent="-298450" lvl="1" marL="914400">
               <a:spcBef>
                 <a:spcPts val="0"/>
               </a:spcBef>
@@ -8335,7 +8380,7 @@
               <a:buChar char="○"/>
               <a:defRPr/>
             </a:lvl2pPr>
-            <a:lvl3pPr marL="1371600" lvl="2" indent="-298450">
+            <a:lvl3pPr indent="-298450" lvl="2" marL="1371600">
               <a:spcBef>
                 <a:spcPts val="0"/>
               </a:spcBef>
@@ -8346,7 +8391,7 @@
               <a:buChar char="■"/>
               <a:defRPr/>
             </a:lvl3pPr>
-            <a:lvl4pPr marL="1828800" lvl="3" indent="-298450">
+            <a:lvl4pPr indent="-298450" lvl="3" marL="1828800">
               <a:spcBef>
                 <a:spcPts val="0"/>
               </a:spcBef>
@@ -8357,7 +8402,7 @@
               <a:buChar char="●"/>
               <a:defRPr/>
             </a:lvl4pPr>
-            <a:lvl5pPr marL="2286000" lvl="4" indent="-298450">
+            <a:lvl5pPr indent="-298450" lvl="4" marL="2286000">
               <a:spcBef>
                 <a:spcPts val="0"/>
               </a:spcBef>
@@ -8368,7 +8413,7 @@
               <a:buChar char="○"/>
               <a:defRPr/>
             </a:lvl5pPr>
-            <a:lvl6pPr marL="2743200" lvl="5" indent="-298450">
+            <a:lvl6pPr indent="-298450" lvl="5" marL="2743200">
               <a:spcBef>
                 <a:spcPts val="0"/>
               </a:spcBef>
@@ -8379,7 +8424,7 @@
               <a:buChar char="■"/>
               <a:defRPr/>
             </a:lvl6pPr>
-            <a:lvl7pPr marL="3200400" lvl="6" indent="-298450">
+            <a:lvl7pPr indent="-298450" lvl="6" marL="3200400">
               <a:spcBef>
                 <a:spcPts val="0"/>
               </a:spcBef>
@@ -8390,7 +8435,7 @@
               <a:buChar char="●"/>
               <a:defRPr/>
             </a:lvl7pPr>
-            <a:lvl8pPr marL="3657600" lvl="7" indent="-298450">
+            <a:lvl8pPr indent="-298450" lvl="7" marL="3657600">
               <a:spcBef>
                 <a:spcPts val="0"/>
               </a:spcBef>
@@ -8401,7 +8446,7 @@
               <a:buChar char="○"/>
               <a:defRPr/>
             </a:lvl8pPr>
-            <a:lvl9pPr marL="4114800" lvl="8" indent="-298450">
+            <a:lvl9pPr indent="-298450" lvl="8" marL="4114800">
               <a:spcBef>
                 <a:spcPts val="0"/>
               </a:spcBef>
@@ -8413,19 +8458,15 @@
               <a:defRPr/>
             </a:lvl9pPr>
           </a:lstStyle>
-          <a:p>
-            <a:endParaRPr/>
-          </a:p>
+          <a:p/>
         </p:txBody>
       </p:sp>
       <p:sp>
         <p:nvSpPr>
           <p:cNvPr id="98" name="Google Shape;98;p9"/>
-          <p:cNvSpPr txBox="1">
-            <a:spLocks noGrp="1"/>
-          </p:cNvSpPr>
+          <p:cNvSpPr txBox="1"/>
           <p:nvPr>
-            <p:ph type="sldNum" idx="12"/>
+            <p:ph idx="12" type="sldNum"/>
           </p:nvPr>
         </p:nvSpPr>
         <p:spPr>
@@ -8438,7 +8479,7 @@
           </a:prstGeom>
         </p:spPr>
         <p:txBody>
-          <a:bodyPr spcFirstLastPara="1" wrap="square" lIns="91425" tIns="91425" rIns="91425" bIns="91425" anchor="ctr" anchorCtr="0">
+          <a:bodyPr anchorCtr="0" anchor="ctr" bIns="91425" lIns="91425" spcFirstLastPara="1" rIns="91425" wrap="square" tIns="91425">
             <a:normAutofit/>
           </a:bodyPr>
           <a:lstStyle>
@@ -8480,7 +8521,7 @@
             </a:lvl9pPr>
           </a:lstStyle>
           <a:p>
-            <a:pPr marL="0" lvl="0" indent="0" algn="r" rtl="0">
+            <a:pPr indent="0" lvl="0" marL="0" rtl="0" algn="r">
               <a:spcBef>
                 <a:spcPts val="0"/>
               </a:spcBef>
@@ -8506,11 +8547,11 @@
 </file>
 
 <file path=ppt/slideLayouts/slideLayout9.xml><?xml version="1.0" encoding="utf-8"?>
-<p:sldLayout xmlns:a="http://schemas.openxmlformats.org/drawingml/2006/main" xmlns:r="http://schemas.openxmlformats.org/officeDocument/2006/relationships" xmlns:p="http://schemas.openxmlformats.org/presentationml/2006/main" matchingName="Caption">
+<p:sldLayout xmlns:a="http://schemas.openxmlformats.org/drawingml/2006/main" xmlns:r="http://schemas.openxmlformats.org/officeDocument/2006/relationships" xmlns:mc="http://schemas.openxmlformats.org/markup-compatibility/2006" xmlns:mv="urn:schemas-microsoft-com:mac:vml" xmlns:p="http://schemas.openxmlformats.org/presentationml/2006/main" xmlns:c="http://schemas.openxmlformats.org/drawingml/2006/chart" xmlns:dgm="http://schemas.openxmlformats.org/drawingml/2006/diagram" xmlns:o="urn:schemas-microsoft-com:office:office" xmlns:v="urn:schemas-microsoft-com:vml" xmlns:pvml="urn:schemas-microsoft-com:office:powerpoint" xmlns:com="http://schemas.openxmlformats.org/drawingml/2006/compatibility" xmlns:p14="http://schemas.microsoft.com/office/powerpoint/2010/main" xmlns:p15="http://schemas.microsoft.com/office/powerpoint/2012/main" xmlns:ahyp="http://schemas.microsoft.com/office/drawing/2018/hyperlinkcolor" matchingName="Caption">
   <p:cSld name="CAPTION_ONLY">
     <p:spTree>
       <p:nvGrpSpPr>
-        <p:cNvPr id="1" name="Shape 99"/>
+        <p:cNvPr id="99" name="Shape 99"/>
         <p:cNvGrpSpPr/>
         <p:nvPr/>
       </p:nvGrpSpPr>
@@ -8549,7 +8590,7 @@
             </a:xfrm>
             <a:prstGeom prst="diagStripe">
               <a:avLst>
-                <a:gd name="adj" fmla="val 50000"/>
+                <a:gd fmla="val 50000" name="adj"/>
               </a:avLst>
             </a:prstGeom>
             <a:solidFill>
@@ -8562,12 +8603,12 @@
             </a:ln>
           </p:spPr>
           <p:txBody>
-            <a:bodyPr spcFirstLastPara="1" wrap="square" lIns="91425" tIns="91425" rIns="91425" bIns="91425" anchor="ctr" anchorCtr="0">
+            <a:bodyPr anchorCtr="0" anchor="ctr" bIns="91425" lIns="91425" spcFirstLastPara="1" rIns="91425" wrap="square" tIns="91425">
               <a:noAutofit/>
             </a:bodyPr>
             <a:lstStyle/>
             <a:p>
-              <a:pPr marL="0" lvl="0" indent="0" algn="l" rtl="0">
+              <a:pPr indent="0" lvl="0" marL="0" rtl="0" algn="l">
                 <a:spcBef>
                   <a:spcPts val="0"/>
                 </a:spcBef>
@@ -8576,6 +8617,9 @@
                 </a:spcAft>
                 <a:buNone/>
               </a:pPr>
+              <a:r>
+                <a:t/>
+              </a:r>
               <a:endParaRPr/>
             </a:p>
           </p:txBody>
@@ -8593,7 +8637,7 @@
             </a:xfrm>
             <a:prstGeom prst="diagStripe">
               <a:avLst>
-                <a:gd name="adj" fmla="val 50000"/>
+                <a:gd fmla="val 50000" name="adj"/>
               </a:avLst>
             </a:prstGeom>
             <a:solidFill>
@@ -8606,12 +8650,12 @@
             </a:ln>
           </p:spPr>
           <p:txBody>
-            <a:bodyPr spcFirstLastPara="1" wrap="square" lIns="91425" tIns="91425" rIns="91425" bIns="91425" anchor="ctr" anchorCtr="0">
+            <a:bodyPr anchorCtr="0" anchor="ctr" bIns="91425" lIns="91425" spcFirstLastPara="1" rIns="91425" wrap="square" tIns="91425">
               <a:noAutofit/>
             </a:bodyPr>
             <a:lstStyle/>
             <a:p>
-              <a:pPr marL="0" lvl="0" indent="0" algn="l" rtl="0">
+              <a:pPr indent="0" lvl="0" marL="0" rtl="0" algn="l">
                 <a:spcBef>
                   <a:spcPts val="0"/>
                 </a:spcBef>
@@ -8620,6 +8664,9 @@
                 </a:spcAft>
                 <a:buNone/>
               </a:pPr>
+              <a:r>
+                <a:t/>
+              </a:r>
               <a:endParaRPr/>
             </a:p>
           </p:txBody>
@@ -8628,11 +8675,9 @@
       <p:sp>
         <p:nvSpPr>
           <p:cNvPr id="103" name="Google Shape;103;p10"/>
-          <p:cNvSpPr txBox="1">
-            <a:spLocks noGrp="1"/>
-          </p:cNvSpPr>
+          <p:cNvSpPr txBox="1"/>
           <p:nvPr>
-            <p:ph type="body" idx="1"/>
+            <p:ph idx="1" type="body"/>
           </p:nvPr>
         </p:nvSpPr>
         <p:spPr>
@@ -8645,11 +8690,11 @@
           </a:prstGeom>
         </p:spPr>
         <p:txBody>
-          <a:bodyPr spcFirstLastPara="1" wrap="square" lIns="91425" tIns="91425" rIns="91425" bIns="91425" anchor="ctr" anchorCtr="0">
+          <a:bodyPr anchorCtr="0" anchor="ctr" bIns="91425" lIns="91425" spcFirstLastPara="1" rIns="91425" wrap="square" tIns="91425">
             <a:normAutofit/>
           </a:bodyPr>
           <a:lstStyle>
-            <a:lvl1pPr marL="457200" lvl="0" indent="-228600">
+            <a:lvl1pPr indent="-228600" lvl="0" marL="457200">
               <a:lnSpc>
                 <a:spcPct val="100000"/>
               </a:lnSpc>
@@ -8664,19 +8709,15 @@
               <a:defRPr/>
             </a:lvl1pPr>
           </a:lstStyle>
-          <a:p>
-            <a:endParaRPr/>
-          </a:p>
+          <a:p/>
         </p:txBody>
       </p:sp>
       <p:sp>
         <p:nvSpPr>
           <p:cNvPr id="104" name="Google Shape;104;p10"/>
-          <p:cNvSpPr txBox="1">
-            <a:spLocks noGrp="1"/>
-          </p:cNvSpPr>
+          <p:cNvSpPr txBox="1"/>
           <p:nvPr>
-            <p:ph type="sldNum" idx="12"/>
+            <p:ph idx="12" type="sldNum"/>
           </p:nvPr>
         </p:nvSpPr>
         <p:spPr>
@@ -8689,7 +8730,7 @@
           </a:prstGeom>
         </p:spPr>
         <p:txBody>
-          <a:bodyPr spcFirstLastPara="1" wrap="square" lIns="91425" tIns="91425" rIns="91425" bIns="91425" anchor="ctr" anchorCtr="0">
+          <a:bodyPr anchorCtr="0" anchor="ctr" bIns="91425" lIns="91425" spcFirstLastPara="1" rIns="91425" wrap="square" tIns="91425">
             <a:normAutofit/>
           </a:bodyPr>
           <a:lstStyle>
@@ -8731,7 +8772,7 @@
             </a:lvl9pPr>
           </a:lstStyle>
           <a:p>
-            <a:pPr marL="0" lvl="0" indent="0" algn="r" rtl="0">
+            <a:pPr indent="0" lvl="0" marL="0" rtl="0" algn="r">
               <a:spcBef>
                 <a:spcPts val="0"/>
               </a:spcBef>
@@ -8757,19 +8798,18 @@
 </file>
 
 <file path=ppt/slideMasters/slideMaster1.xml><?xml version="1.0" encoding="utf-8"?>
-<p:sldMaster xmlns:a="http://schemas.openxmlformats.org/drawingml/2006/main" xmlns:r="http://schemas.openxmlformats.org/officeDocument/2006/relationships" xmlns:p="http://schemas.openxmlformats.org/presentationml/2006/main">
+<p:sldMaster xmlns:a="http://schemas.openxmlformats.org/drawingml/2006/main" xmlns:r="http://schemas.openxmlformats.org/officeDocument/2006/relationships" xmlns:mc="http://schemas.openxmlformats.org/markup-compatibility/2006" xmlns:mv="urn:schemas-microsoft-com:mac:vml" xmlns:p="http://schemas.openxmlformats.org/presentationml/2006/main" xmlns:c="http://schemas.openxmlformats.org/drawingml/2006/chart" xmlns:dgm="http://schemas.openxmlformats.org/drawingml/2006/diagram" xmlns:o="urn:schemas-microsoft-com:office:office" xmlns:v="urn:schemas-microsoft-com:vml" xmlns:pvml="urn:schemas-microsoft-com:office:powerpoint" xmlns:com="http://schemas.openxmlformats.org/drawingml/2006/compatibility" xmlns:p14="http://schemas.microsoft.com/office/powerpoint/2010/main" xmlns:p15="http://schemas.microsoft.com/office/powerpoint/2012/main" xmlns:ahyp="http://schemas.microsoft.com/office/drawing/2018/hyperlinkcolor">
   <p:cSld name="focus">
     <p:bg>
       <p:bgPr>
         <a:solidFill>
           <a:schemeClr val="dk1"/>
         </a:solidFill>
-        <a:effectLst/>
       </p:bgPr>
     </p:bg>
     <p:spTree>
       <p:nvGrpSpPr>
-        <p:cNvPr id="1" name="Shape 5"/>
+        <p:cNvPr id="5" name="Shape 5"/>
         <p:cNvGrpSpPr/>
         <p:nvPr/>
       </p:nvGrpSpPr>
@@ -8784,9 +8824,7 @@
       <p:sp>
         <p:nvSpPr>
           <p:cNvPr id="6" name="Google Shape;6;p1"/>
-          <p:cNvSpPr txBox="1">
-            <a:spLocks noGrp="1"/>
-          </p:cNvSpPr>
+          <p:cNvSpPr txBox="1"/>
           <p:nvPr>
             <p:ph type="title"/>
           </p:nvPr>
@@ -8805,7 +8843,7 @@
           </a:ln>
         </p:spPr>
         <p:txBody>
-          <a:bodyPr spcFirstLastPara="1" wrap="square" lIns="91425" tIns="91425" rIns="91425" bIns="91425" anchor="t" anchorCtr="0">
+          <a:bodyPr anchorCtr="0" anchor="t" bIns="91425" lIns="91425" spcFirstLastPara="1" rIns="91425" wrap="square" tIns="91425">
             <a:normAutofit/>
           </a:bodyPr>
           <a:lstStyle>
@@ -9017,19 +9055,15 @@
               </a:defRPr>
             </a:lvl9pPr>
           </a:lstStyle>
-          <a:p>
-            <a:endParaRPr/>
-          </a:p>
+          <a:p/>
         </p:txBody>
       </p:sp>
       <p:sp>
         <p:nvSpPr>
           <p:cNvPr id="7" name="Google Shape;7;p1"/>
-          <p:cNvSpPr txBox="1">
-            <a:spLocks noGrp="1"/>
-          </p:cNvSpPr>
+          <p:cNvSpPr txBox="1"/>
           <p:nvPr>
-            <p:ph type="body" idx="1"/>
+            <p:ph idx="1" type="body"/>
           </p:nvPr>
         </p:nvSpPr>
         <p:spPr>
@@ -9046,11 +9080,11 @@
           </a:ln>
         </p:spPr>
         <p:txBody>
-          <a:bodyPr spcFirstLastPara="1" wrap="square" lIns="91425" tIns="91425" rIns="91425" bIns="91425" anchor="t" anchorCtr="0">
+          <a:bodyPr anchorCtr="0" anchor="t" bIns="91425" lIns="91425" spcFirstLastPara="1" rIns="91425" wrap="square" tIns="91425">
             <a:normAutofit/>
           </a:bodyPr>
           <a:lstStyle>
-            <a:lvl1pPr marL="457200" lvl="0" indent="-311150">
+            <a:lvl1pPr indent="-311150" lvl="0" marL="457200">
               <a:lnSpc>
                 <a:spcPct val="115000"/>
               </a:lnSpc>
@@ -9076,7 +9110,7 @@
                 <a:sym typeface="Lato"/>
               </a:defRPr>
             </a:lvl1pPr>
-            <a:lvl2pPr marL="914400" lvl="1" indent="-298450">
+            <a:lvl2pPr indent="-298450" lvl="1" marL="914400">
               <a:lnSpc>
                 <a:spcPct val="115000"/>
               </a:lnSpc>
@@ -9102,7 +9136,7 @@
                 <a:sym typeface="Lato"/>
               </a:defRPr>
             </a:lvl2pPr>
-            <a:lvl3pPr marL="1371600" lvl="2" indent="-298450">
+            <a:lvl3pPr indent="-298450" lvl="2" marL="1371600">
               <a:lnSpc>
                 <a:spcPct val="115000"/>
               </a:lnSpc>
@@ -9128,7 +9162,7 @@
                 <a:sym typeface="Lato"/>
               </a:defRPr>
             </a:lvl3pPr>
-            <a:lvl4pPr marL="1828800" lvl="3" indent="-298450">
+            <a:lvl4pPr indent="-298450" lvl="3" marL="1828800">
               <a:lnSpc>
                 <a:spcPct val="115000"/>
               </a:lnSpc>
@@ -9154,7 +9188,7 @@
                 <a:sym typeface="Lato"/>
               </a:defRPr>
             </a:lvl4pPr>
-            <a:lvl5pPr marL="2286000" lvl="4" indent="-298450">
+            <a:lvl5pPr indent="-298450" lvl="4" marL="2286000">
               <a:lnSpc>
                 <a:spcPct val="115000"/>
               </a:lnSpc>
@@ -9180,7 +9214,7 @@
                 <a:sym typeface="Lato"/>
               </a:defRPr>
             </a:lvl5pPr>
-            <a:lvl6pPr marL="2743200" lvl="5" indent="-298450">
+            <a:lvl6pPr indent="-298450" lvl="5" marL="2743200">
               <a:lnSpc>
                 <a:spcPct val="115000"/>
               </a:lnSpc>
@@ -9206,7 +9240,7 @@
                 <a:sym typeface="Lato"/>
               </a:defRPr>
             </a:lvl6pPr>
-            <a:lvl7pPr marL="3200400" lvl="6" indent="-298450">
+            <a:lvl7pPr indent="-298450" lvl="6" marL="3200400">
               <a:lnSpc>
                 <a:spcPct val="115000"/>
               </a:lnSpc>
@@ -9232,7 +9266,7 @@
                 <a:sym typeface="Lato"/>
               </a:defRPr>
             </a:lvl7pPr>
-            <a:lvl8pPr marL="3657600" lvl="7" indent="-298450">
+            <a:lvl8pPr indent="-298450" lvl="7" marL="3657600">
               <a:lnSpc>
                 <a:spcPct val="115000"/>
               </a:lnSpc>
@@ -9258,7 +9292,7 @@
                 <a:sym typeface="Lato"/>
               </a:defRPr>
             </a:lvl8pPr>
-            <a:lvl9pPr marL="4114800" lvl="8" indent="-298450">
+            <a:lvl9pPr indent="-298450" lvl="8" marL="4114800">
               <a:lnSpc>
                 <a:spcPct val="115000"/>
               </a:lnSpc>
@@ -9285,19 +9319,15 @@
               </a:defRPr>
             </a:lvl9pPr>
           </a:lstStyle>
-          <a:p>
-            <a:endParaRPr/>
-          </a:p>
+          <a:p/>
         </p:txBody>
       </p:sp>
       <p:sp>
         <p:nvSpPr>
           <p:cNvPr id="8" name="Google Shape;8;p1"/>
-          <p:cNvSpPr txBox="1">
-            <a:spLocks noGrp="1"/>
-          </p:cNvSpPr>
+          <p:cNvSpPr txBox="1"/>
           <p:nvPr>
-            <p:ph type="sldNum" idx="12"/>
+            <p:ph idx="12" type="sldNum"/>
           </p:nvPr>
         </p:nvSpPr>
         <p:spPr>
@@ -9314,7 +9344,7 @@
           </a:ln>
         </p:spPr>
         <p:txBody>
-          <a:bodyPr spcFirstLastPara="1" wrap="square" lIns="91425" tIns="91425" rIns="91425" bIns="91425" anchor="ctr" anchorCtr="0">
+          <a:bodyPr anchorCtr="0" anchor="ctr" bIns="91425" lIns="91425" spcFirstLastPara="1" rIns="91425" wrap="square" tIns="91425">
             <a:normAutofit/>
           </a:bodyPr>
           <a:lstStyle>
@@ -9428,7 +9458,7 @@
             </a:lvl9pPr>
           </a:lstStyle>
           <a:p>
-            <a:pPr marL="0" lvl="0" indent="0" algn="r" rtl="0">
+            <a:pPr indent="0" lvl="0" marL="0" rtl="0" algn="r">
               <a:spcBef>
                 <a:spcPts val="0"/>
               </a:spcBef>
@@ -9447,7 +9477,7 @@
       </p:sp>
     </p:spTree>
   </p:cSld>
-  <p:clrMap bg1="lt1" tx1="dk1" bg2="dk2" tx2="lt2" accent1="accent1" accent2="accent2" accent3="accent3" accent4="accent4" accent5="accent5" accent6="accent6" hlink="hlink" folHlink="folHlink"/>
+  <p:clrMap accent1="accent1" accent2="accent2" accent3="accent3" accent4="accent4" accent5="accent5" accent6="accent6" bg1="lt1" bg2="dk2" tx1="dk1" tx2="lt2" folHlink="folHlink" hlink="hlink"/>
   <p:sldLayoutIdLst>
     <p:sldLayoutId id="2147483648" r:id="rId1"/>
     <p:sldLayoutId id="2147483649" r:id="rId2"/>
@@ -9461,10 +9491,10 @@
     <p:sldLayoutId id="2147483657" r:id="rId10"/>
     <p:sldLayoutId id="2147483658" r:id="rId11"/>
   </p:sldLayoutIdLst>
-  <p:hf sldNum="0" hdr="0" ftr="0" dt="0"/>
+  <p:hf dt="0" ftr="0" hdr="0" sldNum="0"/>
   <p:txStyles>
     <p:titleStyle>
-      <a:defPPr marR="0" lvl="0" algn="l" rtl="0">
+      <a:defPPr lvl="0" marR="0" rtl="0" algn="l">
         <a:lnSpc>
           <a:spcPct val="100000"/>
         </a:lnSpc>
@@ -9475,7 +9505,7 @@
           <a:spcPts val="0"/>
         </a:spcAft>
       </a:defPPr>
-      <a:lvl1pPr marR="0" lvl="0" algn="l" rtl="0">
+      <a:lvl1pPr lvl="0" marR="0" rtl="0" algn="l">
         <a:lnSpc>
           <a:spcPct val="100000"/>
         </a:lnSpc>
@@ -9489,7 +9519,7 @@
           <a:srgbClr val="000000"/>
         </a:buClr>
         <a:buFont typeface="Arial"/>
-        <a:defRPr sz="1400" b="0" i="0" u="none" strike="noStrike" cap="none">
+        <a:defRPr b="0" i="0" sz="1400" u="none" cap="none" strike="noStrike">
           <a:solidFill>
             <a:srgbClr val="000000"/>
           </a:solidFill>
@@ -9499,7 +9529,7 @@
           <a:sym typeface="Arial"/>
         </a:defRPr>
       </a:lvl1pPr>
-      <a:lvl2pPr marR="0" lvl="1" algn="l" rtl="0">
+      <a:lvl2pPr lvl="1" marR="0" rtl="0" algn="l">
         <a:lnSpc>
           <a:spcPct val="100000"/>
         </a:lnSpc>
@@ -9513,7 +9543,7 @@
           <a:srgbClr val="000000"/>
         </a:buClr>
         <a:buFont typeface="Arial"/>
-        <a:defRPr sz="1400" b="0" i="0" u="none" strike="noStrike" cap="none">
+        <a:defRPr b="0" i="0" sz="1400" u="none" cap="none" strike="noStrike">
           <a:solidFill>
             <a:srgbClr val="000000"/>
           </a:solidFill>
@@ -9523,7 +9553,7 @@
           <a:sym typeface="Arial"/>
         </a:defRPr>
       </a:lvl2pPr>
-      <a:lvl3pPr marR="0" lvl="2" algn="l" rtl="0">
+      <a:lvl3pPr lvl="2" marR="0" rtl="0" algn="l">
         <a:lnSpc>
           <a:spcPct val="100000"/>
         </a:lnSpc>
@@ -9537,7 +9567,7 @@
           <a:srgbClr val="000000"/>
         </a:buClr>
         <a:buFont typeface="Arial"/>
-        <a:defRPr sz="1400" b="0" i="0" u="none" strike="noStrike" cap="none">
+        <a:defRPr b="0" i="0" sz="1400" u="none" cap="none" strike="noStrike">
           <a:solidFill>
             <a:srgbClr val="000000"/>
           </a:solidFill>
@@ -9547,7 +9577,7 @@
           <a:sym typeface="Arial"/>
         </a:defRPr>
       </a:lvl3pPr>
-      <a:lvl4pPr marR="0" lvl="3" algn="l" rtl="0">
+      <a:lvl4pPr lvl="3" marR="0" rtl="0" algn="l">
         <a:lnSpc>
           <a:spcPct val="100000"/>
         </a:lnSpc>
@@ -9561,7 +9591,7 @@
           <a:srgbClr val="000000"/>
         </a:buClr>
         <a:buFont typeface="Arial"/>
-        <a:defRPr sz="1400" b="0" i="0" u="none" strike="noStrike" cap="none">
+        <a:defRPr b="0" i="0" sz="1400" u="none" cap="none" strike="noStrike">
           <a:solidFill>
             <a:srgbClr val="000000"/>
           </a:solidFill>
@@ -9571,7 +9601,7 @@
           <a:sym typeface="Arial"/>
         </a:defRPr>
       </a:lvl4pPr>
-      <a:lvl5pPr marR="0" lvl="4" algn="l" rtl="0">
+      <a:lvl5pPr lvl="4" marR="0" rtl="0" algn="l">
         <a:lnSpc>
           <a:spcPct val="100000"/>
         </a:lnSpc>
@@ -9585,7 +9615,7 @@
           <a:srgbClr val="000000"/>
         </a:buClr>
         <a:buFont typeface="Arial"/>
-        <a:defRPr sz="1400" b="0" i="0" u="none" strike="noStrike" cap="none">
+        <a:defRPr b="0" i="0" sz="1400" u="none" cap="none" strike="noStrike">
           <a:solidFill>
             <a:srgbClr val="000000"/>
           </a:solidFill>
@@ -9595,7 +9625,7 @@
           <a:sym typeface="Arial"/>
         </a:defRPr>
       </a:lvl5pPr>
-      <a:lvl6pPr marR="0" lvl="5" algn="l" rtl="0">
+      <a:lvl6pPr lvl="5" marR="0" rtl="0" algn="l">
         <a:lnSpc>
           <a:spcPct val="100000"/>
         </a:lnSpc>
@@ -9609,7 +9639,7 @@
           <a:srgbClr val="000000"/>
         </a:buClr>
         <a:buFont typeface="Arial"/>
-        <a:defRPr sz="1400" b="0" i="0" u="none" strike="noStrike" cap="none">
+        <a:defRPr b="0" i="0" sz="1400" u="none" cap="none" strike="noStrike">
           <a:solidFill>
             <a:srgbClr val="000000"/>
           </a:solidFill>
@@ -9619,7 +9649,7 @@
           <a:sym typeface="Arial"/>
         </a:defRPr>
       </a:lvl6pPr>
-      <a:lvl7pPr marR="0" lvl="6" algn="l" rtl="0">
+      <a:lvl7pPr lvl="6" marR="0" rtl="0" algn="l">
         <a:lnSpc>
           <a:spcPct val="100000"/>
         </a:lnSpc>
@@ -9633,7 +9663,7 @@
           <a:srgbClr val="000000"/>
         </a:buClr>
         <a:buFont typeface="Arial"/>
-        <a:defRPr sz="1400" b="0" i="0" u="none" strike="noStrike" cap="none">
+        <a:defRPr b="0" i="0" sz="1400" u="none" cap="none" strike="noStrike">
           <a:solidFill>
             <a:srgbClr val="000000"/>
           </a:solidFill>
@@ -9643,7 +9673,7 @@
           <a:sym typeface="Arial"/>
         </a:defRPr>
       </a:lvl7pPr>
-      <a:lvl8pPr marR="0" lvl="7" algn="l" rtl="0">
+      <a:lvl8pPr lvl="7" marR="0" rtl="0" algn="l">
         <a:lnSpc>
           <a:spcPct val="100000"/>
         </a:lnSpc>
@@ -9657,7 +9687,7 @@
           <a:srgbClr val="000000"/>
         </a:buClr>
         <a:buFont typeface="Arial"/>
-        <a:defRPr sz="1400" b="0" i="0" u="none" strike="noStrike" cap="none">
+        <a:defRPr b="0" i="0" sz="1400" u="none" cap="none" strike="noStrike">
           <a:solidFill>
             <a:srgbClr val="000000"/>
           </a:solidFill>
@@ -9667,7 +9697,7 @@
           <a:sym typeface="Arial"/>
         </a:defRPr>
       </a:lvl8pPr>
-      <a:lvl9pPr marR="0" lvl="8" algn="l" rtl="0">
+      <a:lvl9pPr lvl="8" marR="0" rtl="0" algn="l">
         <a:lnSpc>
           <a:spcPct val="100000"/>
         </a:lnSpc>
@@ -9681,7 +9711,7 @@
           <a:srgbClr val="000000"/>
         </a:buClr>
         <a:buFont typeface="Arial"/>
-        <a:defRPr sz="1400" b="0" i="0" u="none" strike="noStrike" cap="none">
+        <a:defRPr b="0" i="0" sz="1400" u="none" cap="none" strike="noStrike">
           <a:solidFill>
             <a:srgbClr val="000000"/>
           </a:solidFill>
@@ -9693,7 +9723,7 @@
       </a:lvl9pPr>
     </p:titleStyle>
     <p:bodyStyle>
-      <a:defPPr marR="0" lvl="0" algn="l" rtl="0">
+      <a:defPPr lvl="0" marR="0" rtl="0" algn="l">
         <a:lnSpc>
           <a:spcPct val="100000"/>
         </a:lnSpc>
@@ -9704,7 +9734,7 @@
           <a:spcPts val="0"/>
         </a:spcAft>
       </a:defPPr>
-      <a:lvl1pPr marR="0" lvl="0" algn="l" rtl="0">
+      <a:lvl1pPr lvl="0" marR="0" rtl="0" algn="l">
         <a:lnSpc>
           <a:spcPct val="100000"/>
         </a:lnSpc>
@@ -9718,7 +9748,7 @@
           <a:srgbClr val="000000"/>
         </a:buClr>
         <a:buFont typeface="Arial"/>
-        <a:defRPr sz="1400" b="0" i="0" u="none" strike="noStrike" cap="none">
+        <a:defRPr b="0" i="0" sz="1400" u="none" cap="none" strike="noStrike">
           <a:solidFill>
             <a:srgbClr val="000000"/>
           </a:solidFill>
@@ -9728,7 +9758,7 @@
           <a:sym typeface="Arial"/>
         </a:defRPr>
       </a:lvl1pPr>
-      <a:lvl2pPr marR="0" lvl="1" algn="l" rtl="0">
+      <a:lvl2pPr lvl="1" marR="0" rtl="0" algn="l">
         <a:lnSpc>
           <a:spcPct val="100000"/>
         </a:lnSpc>
@@ -9742,7 +9772,7 @@
           <a:srgbClr val="000000"/>
         </a:buClr>
         <a:buFont typeface="Arial"/>
-        <a:defRPr sz="1400" b="0" i="0" u="none" strike="noStrike" cap="none">
+        <a:defRPr b="0" i="0" sz="1400" u="none" cap="none" strike="noStrike">
           <a:solidFill>
             <a:srgbClr val="000000"/>
           </a:solidFill>
@@ -9752,7 +9782,7 @@
           <a:sym typeface="Arial"/>
         </a:defRPr>
       </a:lvl2pPr>
-      <a:lvl3pPr marR="0" lvl="2" algn="l" rtl="0">
+      <a:lvl3pPr lvl="2" marR="0" rtl="0" algn="l">
         <a:lnSpc>
           <a:spcPct val="100000"/>
         </a:lnSpc>
@@ -9766,7 +9796,7 @@
           <a:srgbClr val="000000"/>
         </a:buClr>
         <a:buFont typeface="Arial"/>
-        <a:defRPr sz="1400" b="0" i="0" u="none" strike="noStrike" cap="none">
+        <a:defRPr b="0" i="0" sz="1400" u="none" cap="none" strike="noStrike">
           <a:solidFill>
             <a:srgbClr val="000000"/>
           </a:solidFill>
@@ -9776,7 +9806,7 @@
           <a:sym typeface="Arial"/>
         </a:defRPr>
       </a:lvl3pPr>
-      <a:lvl4pPr marR="0" lvl="3" algn="l" rtl="0">
+      <a:lvl4pPr lvl="3" marR="0" rtl="0" algn="l">
         <a:lnSpc>
           <a:spcPct val="100000"/>
         </a:lnSpc>
@@ -9790,7 +9820,7 @@
           <a:srgbClr val="000000"/>
         </a:buClr>
         <a:buFont typeface="Arial"/>
-        <a:defRPr sz="1400" b="0" i="0" u="none" strike="noStrike" cap="none">
+        <a:defRPr b="0" i="0" sz="1400" u="none" cap="none" strike="noStrike">
           <a:solidFill>
             <a:srgbClr val="000000"/>
           </a:solidFill>
@@ -9800,7 +9830,7 @@
           <a:sym typeface="Arial"/>
         </a:defRPr>
       </a:lvl4pPr>
-      <a:lvl5pPr marR="0" lvl="4" algn="l" rtl="0">
+      <a:lvl5pPr lvl="4" marR="0" rtl="0" algn="l">
         <a:lnSpc>
           <a:spcPct val="100000"/>
         </a:lnSpc>
@@ -9814,7 +9844,7 @@
           <a:srgbClr val="000000"/>
         </a:buClr>
         <a:buFont typeface="Arial"/>
-        <a:defRPr sz="1400" b="0" i="0" u="none" strike="noStrike" cap="none">
+        <a:defRPr b="0" i="0" sz="1400" u="none" cap="none" strike="noStrike">
           <a:solidFill>
             <a:srgbClr val="000000"/>
           </a:solidFill>
@@ -9824,7 +9854,7 @@
           <a:sym typeface="Arial"/>
         </a:defRPr>
       </a:lvl5pPr>
-      <a:lvl6pPr marR="0" lvl="5" algn="l" rtl="0">
+      <a:lvl6pPr lvl="5" marR="0" rtl="0" algn="l">
         <a:lnSpc>
           <a:spcPct val="100000"/>
         </a:lnSpc>
@@ -9838,7 +9868,7 @@
           <a:srgbClr val="000000"/>
         </a:buClr>
         <a:buFont typeface="Arial"/>
-        <a:defRPr sz="1400" b="0" i="0" u="none" strike="noStrike" cap="none">
+        <a:defRPr b="0" i="0" sz="1400" u="none" cap="none" strike="noStrike">
           <a:solidFill>
             <a:srgbClr val="000000"/>
           </a:solidFill>
@@ -9848,7 +9878,7 @@
           <a:sym typeface="Arial"/>
         </a:defRPr>
       </a:lvl6pPr>
-      <a:lvl7pPr marR="0" lvl="6" algn="l" rtl="0">
+      <a:lvl7pPr lvl="6" marR="0" rtl="0" algn="l">
         <a:lnSpc>
           <a:spcPct val="100000"/>
         </a:lnSpc>
@@ -9862,7 +9892,7 @@
           <a:srgbClr val="000000"/>
         </a:buClr>
         <a:buFont typeface="Arial"/>
-        <a:defRPr sz="1400" b="0" i="0" u="none" strike="noStrike" cap="none">
+        <a:defRPr b="0" i="0" sz="1400" u="none" cap="none" strike="noStrike">
           <a:solidFill>
             <a:srgbClr val="000000"/>
           </a:solidFill>
@@ -9872,7 +9902,7 @@
           <a:sym typeface="Arial"/>
         </a:defRPr>
       </a:lvl7pPr>
-      <a:lvl8pPr marR="0" lvl="7" algn="l" rtl="0">
+      <a:lvl8pPr lvl="7" marR="0" rtl="0" algn="l">
         <a:lnSpc>
           <a:spcPct val="100000"/>
         </a:lnSpc>
@@ -9886,7 +9916,7 @@
           <a:srgbClr val="000000"/>
         </a:buClr>
         <a:buFont typeface="Arial"/>
-        <a:defRPr sz="1400" b="0" i="0" u="none" strike="noStrike" cap="none">
+        <a:defRPr b="0" i="0" sz="1400" u="none" cap="none" strike="noStrike">
           <a:solidFill>
             <a:srgbClr val="000000"/>
           </a:solidFill>
@@ -9896,7 +9926,7 @@
           <a:sym typeface="Arial"/>
         </a:defRPr>
       </a:lvl8pPr>
-      <a:lvl9pPr marR="0" lvl="8" algn="l" rtl="0">
+      <a:lvl9pPr lvl="8" marR="0" rtl="0" algn="l">
         <a:lnSpc>
           <a:spcPct val="100000"/>
         </a:lnSpc>
@@ -9910,7 +9940,7 @@
           <a:srgbClr val="000000"/>
         </a:buClr>
         <a:buFont typeface="Arial"/>
-        <a:defRPr sz="1400" b="0" i="0" u="none" strike="noStrike" cap="none">
+        <a:defRPr b="0" i="0" sz="1400" u="none" cap="none" strike="noStrike">
           <a:solidFill>
             <a:srgbClr val="000000"/>
           </a:solidFill>
@@ -9922,7 +9952,7 @@
       </a:lvl9pPr>
     </p:bodyStyle>
     <p:otherStyle>
-      <a:defPPr marR="0" lvl="0" algn="l" rtl="0">
+      <a:defPPr lvl="0" marR="0" rtl="0" algn="l">
         <a:lnSpc>
           <a:spcPct val="100000"/>
         </a:lnSpc>
@@ -9933,7 +9963,7 @@
           <a:spcPts val="0"/>
         </a:spcAft>
       </a:defPPr>
-      <a:lvl1pPr marR="0" lvl="0" algn="l" rtl="0">
+      <a:lvl1pPr lvl="0" marR="0" rtl="0" algn="l">
         <a:lnSpc>
           <a:spcPct val="100000"/>
         </a:lnSpc>
@@ -9947,7 +9977,7 @@
           <a:srgbClr val="000000"/>
         </a:buClr>
         <a:buFont typeface="Arial"/>
-        <a:defRPr sz="1400" b="0" i="0" u="none" strike="noStrike" cap="none">
+        <a:defRPr b="0" i="0" sz="1400" u="none" cap="none" strike="noStrike">
           <a:solidFill>
             <a:srgbClr val="000000"/>
           </a:solidFill>
@@ -9957,7 +9987,7 @@
           <a:sym typeface="Arial"/>
         </a:defRPr>
       </a:lvl1pPr>
-      <a:lvl2pPr marR="0" lvl="1" algn="l" rtl="0">
+      <a:lvl2pPr lvl="1" marR="0" rtl="0" algn="l">
         <a:lnSpc>
           <a:spcPct val="100000"/>
         </a:lnSpc>
@@ -9971,7 +10001,7 @@
           <a:srgbClr val="000000"/>
         </a:buClr>
         <a:buFont typeface="Arial"/>
-        <a:defRPr sz="1400" b="0" i="0" u="none" strike="noStrike" cap="none">
+        <a:defRPr b="0" i="0" sz="1400" u="none" cap="none" strike="noStrike">
           <a:solidFill>
             <a:srgbClr val="000000"/>
           </a:solidFill>
@@ -9981,7 +10011,7 @@
           <a:sym typeface="Arial"/>
         </a:defRPr>
       </a:lvl2pPr>
-      <a:lvl3pPr marR="0" lvl="2" algn="l" rtl="0">
+      <a:lvl3pPr lvl="2" marR="0" rtl="0" algn="l">
         <a:lnSpc>
           <a:spcPct val="100000"/>
         </a:lnSpc>
@@ -9995,7 +10025,7 @@
           <a:srgbClr val="000000"/>
         </a:buClr>
         <a:buFont typeface="Arial"/>
-        <a:defRPr sz="1400" b="0" i="0" u="none" strike="noStrike" cap="none">
+        <a:defRPr b="0" i="0" sz="1400" u="none" cap="none" strike="noStrike">
           <a:solidFill>
             <a:srgbClr val="000000"/>
           </a:solidFill>
@@ -10005,7 +10035,7 @@
           <a:sym typeface="Arial"/>
         </a:defRPr>
       </a:lvl3pPr>
-      <a:lvl4pPr marR="0" lvl="3" algn="l" rtl="0">
+      <a:lvl4pPr lvl="3" marR="0" rtl="0" algn="l">
         <a:lnSpc>
           <a:spcPct val="100000"/>
         </a:lnSpc>
@@ -10019,7 +10049,7 @@
           <a:srgbClr val="000000"/>
         </a:buClr>
         <a:buFont typeface="Arial"/>
-        <a:defRPr sz="1400" b="0" i="0" u="none" strike="noStrike" cap="none">
+        <a:defRPr b="0" i="0" sz="1400" u="none" cap="none" strike="noStrike">
           <a:solidFill>
             <a:srgbClr val="000000"/>
           </a:solidFill>
@@ -10029,7 +10059,7 @@
           <a:sym typeface="Arial"/>
         </a:defRPr>
       </a:lvl4pPr>
-      <a:lvl5pPr marR="0" lvl="4" algn="l" rtl="0">
+      <a:lvl5pPr lvl="4" marR="0" rtl="0" algn="l">
         <a:lnSpc>
           <a:spcPct val="100000"/>
         </a:lnSpc>
@@ -10043,7 +10073,7 @@
           <a:srgbClr val="000000"/>
         </a:buClr>
         <a:buFont typeface="Arial"/>
-        <a:defRPr sz="1400" b="0" i="0" u="none" strike="noStrike" cap="none">
+        <a:defRPr b="0" i="0" sz="1400" u="none" cap="none" strike="noStrike">
           <a:solidFill>
             <a:srgbClr val="000000"/>
           </a:solidFill>
@@ -10053,7 +10083,7 @@
           <a:sym typeface="Arial"/>
         </a:defRPr>
       </a:lvl5pPr>
-      <a:lvl6pPr marR="0" lvl="5" algn="l" rtl="0">
+      <a:lvl6pPr lvl="5" marR="0" rtl="0" algn="l">
         <a:lnSpc>
           <a:spcPct val="100000"/>
         </a:lnSpc>
@@ -10067,7 +10097,7 @@
           <a:srgbClr val="000000"/>
         </a:buClr>
         <a:buFont typeface="Arial"/>
-        <a:defRPr sz="1400" b="0" i="0" u="none" strike="noStrike" cap="none">
+        <a:defRPr b="0" i="0" sz="1400" u="none" cap="none" strike="noStrike">
           <a:solidFill>
             <a:srgbClr val="000000"/>
           </a:solidFill>
@@ -10077,7 +10107,7 @@
           <a:sym typeface="Arial"/>
         </a:defRPr>
       </a:lvl6pPr>
-      <a:lvl7pPr marR="0" lvl="6" algn="l" rtl="0">
+      <a:lvl7pPr lvl="6" marR="0" rtl="0" algn="l">
         <a:lnSpc>
           <a:spcPct val="100000"/>
         </a:lnSpc>
@@ -10091,7 +10121,7 @@
           <a:srgbClr val="000000"/>
         </a:buClr>
         <a:buFont typeface="Arial"/>
-        <a:defRPr sz="1400" b="0" i="0" u="none" strike="noStrike" cap="none">
+        <a:defRPr b="0" i="0" sz="1400" u="none" cap="none" strike="noStrike">
           <a:solidFill>
             <a:srgbClr val="000000"/>
           </a:solidFill>
@@ -10101,7 +10131,7 @@
           <a:sym typeface="Arial"/>
         </a:defRPr>
       </a:lvl7pPr>
-      <a:lvl8pPr marR="0" lvl="7" algn="l" rtl="0">
+      <a:lvl8pPr lvl="7" marR="0" rtl="0" algn="l">
         <a:lnSpc>
           <a:spcPct val="100000"/>
         </a:lnSpc>
@@ -10115,7 +10145,7 @@
           <a:srgbClr val="000000"/>
         </a:buClr>
         <a:buFont typeface="Arial"/>
-        <a:defRPr sz="1400" b="0" i="0" u="none" strike="noStrike" cap="none">
+        <a:defRPr b="0" i="0" sz="1400" u="none" cap="none" strike="noStrike">
           <a:solidFill>
             <a:srgbClr val="000000"/>
           </a:solidFill>
@@ -10125,7 +10155,7 @@
           <a:sym typeface="Arial"/>
         </a:defRPr>
       </a:lvl8pPr>
-      <a:lvl9pPr marR="0" lvl="8" algn="l" rtl="0">
+      <a:lvl9pPr lvl="8" marR="0" rtl="0" algn="l">
         <a:lnSpc>
           <a:spcPct val="100000"/>
         </a:lnSpc>
@@ -10139,7 +10169,7 @@
           <a:srgbClr val="000000"/>
         </a:buClr>
         <a:buFont typeface="Arial"/>
-        <a:defRPr sz="1400" b="0" i="0" u="none" strike="noStrike" cap="none">
+        <a:defRPr b="0" i="0" sz="1400" u="none" cap="none" strike="noStrike">
           <a:solidFill>
             <a:srgbClr val="000000"/>
           </a:solidFill>
@@ -10155,11 +10185,11 @@
 </file>
 
 <file path=ppt/slides/slide1.xml><?xml version="1.0" encoding="utf-8"?>
-<p:sld xmlns:a="http://schemas.openxmlformats.org/drawingml/2006/main" xmlns:r="http://schemas.openxmlformats.org/officeDocument/2006/relationships" xmlns:p="http://schemas.openxmlformats.org/presentationml/2006/main">
+<p:sld xmlns:a="http://schemas.openxmlformats.org/drawingml/2006/main" xmlns:r="http://schemas.openxmlformats.org/officeDocument/2006/relationships" xmlns:mc="http://schemas.openxmlformats.org/markup-compatibility/2006" xmlns:mv="urn:schemas-microsoft-com:mac:vml" xmlns:p="http://schemas.openxmlformats.org/presentationml/2006/main" xmlns:c="http://schemas.openxmlformats.org/drawingml/2006/chart" xmlns:dgm="http://schemas.openxmlformats.org/drawingml/2006/diagram" xmlns:o="urn:schemas-microsoft-com:office:office" xmlns:v="urn:schemas-microsoft-com:vml" xmlns:pvml="urn:schemas-microsoft-com:office:powerpoint" xmlns:com="http://schemas.openxmlformats.org/drawingml/2006/compatibility" xmlns:p14="http://schemas.microsoft.com/office/powerpoint/2010/main" xmlns:p15="http://schemas.microsoft.com/office/powerpoint/2012/main" xmlns:ahyp="http://schemas.microsoft.com/office/drawing/2018/hyperlinkcolor">
   <p:cSld>
     <p:spTree>
       <p:nvGrpSpPr>
-        <p:cNvPr id="1" name="Shape 133"/>
+        <p:cNvPr id="133" name="Shape 133"/>
         <p:cNvGrpSpPr/>
         <p:nvPr/>
       </p:nvGrpSpPr>
@@ -10174,9 +10204,7 @@
       <p:sp>
         <p:nvSpPr>
           <p:cNvPr id="134" name="Google Shape;134;p13"/>
-          <p:cNvSpPr txBox="1">
-            <a:spLocks noGrp="1"/>
-          </p:cNvSpPr>
+          <p:cNvSpPr txBox="1"/>
           <p:nvPr>
             <p:ph type="ctrTitle"/>
           </p:nvPr>
@@ -10191,12 +10219,12 @@
           </a:prstGeom>
         </p:spPr>
         <p:txBody>
-          <a:bodyPr spcFirstLastPara="1" wrap="square" lIns="91425" tIns="91425" rIns="91425" bIns="91425" anchor="t" anchorCtr="0">
+          <a:bodyPr anchorCtr="0" anchor="t" bIns="91425" lIns="91425" spcFirstLastPara="1" rIns="91425" wrap="square" tIns="91425">
             <a:normAutofit/>
           </a:bodyPr>
           <a:lstStyle/>
           <a:p>
-            <a:pPr marL="0" lvl="0" indent="0" algn="l" rtl="0">
+            <a:pPr indent="0" lvl="0" marL="0" rtl="0" algn="l">
               <a:spcBef>
                 <a:spcPts val="0"/>
               </a:spcBef>
@@ -10216,11 +10244,9 @@
       <p:sp>
         <p:nvSpPr>
           <p:cNvPr id="135" name="Google Shape;135;p13"/>
-          <p:cNvSpPr txBox="1">
-            <a:spLocks noGrp="1"/>
-          </p:cNvSpPr>
+          <p:cNvSpPr txBox="1"/>
           <p:nvPr>
-            <p:ph type="subTitle" idx="1"/>
+            <p:ph idx="1" type="subTitle"/>
           </p:nvPr>
         </p:nvSpPr>
         <p:spPr>
@@ -10233,12 +10259,12 @@
           </a:prstGeom>
         </p:spPr>
         <p:txBody>
-          <a:bodyPr spcFirstLastPara="1" wrap="square" lIns="91425" tIns="91425" rIns="91425" bIns="91425" anchor="t" anchorCtr="0">
+          <a:bodyPr anchorCtr="0" anchor="t" bIns="91425" lIns="91425" spcFirstLastPara="1" rIns="91425" wrap="square" tIns="91425">
             <a:normAutofit fontScale="70000" lnSpcReduction="20000"/>
           </a:bodyPr>
           <a:lstStyle/>
           <a:p>
-            <a:pPr marL="0" lvl="0" indent="0" algn="l" rtl="0">
+            <a:pPr indent="0" lvl="0" marL="0" rtl="0" algn="l">
               <a:spcBef>
                 <a:spcPts val="0"/>
               </a:spcBef>
@@ -10265,11 +10291,11 @@
 </file>
 
 <file path=ppt/slides/slide10.xml><?xml version="1.0" encoding="utf-8"?>
-<p:sld xmlns:a="http://schemas.openxmlformats.org/drawingml/2006/main" xmlns:r="http://schemas.openxmlformats.org/officeDocument/2006/relationships" xmlns:p="http://schemas.openxmlformats.org/presentationml/2006/main">
+<p:sld xmlns:a="http://schemas.openxmlformats.org/drawingml/2006/main" xmlns:r="http://schemas.openxmlformats.org/officeDocument/2006/relationships" xmlns:mc="http://schemas.openxmlformats.org/markup-compatibility/2006" xmlns:mv="urn:schemas-microsoft-com:mac:vml" xmlns:p="http://schemas.openxmlformats.org/presentationml/2006/main" xmlns:c="http://schemas.openxmlformats.org/drawingml/2006/chart" xmlns:dgm="http://schemas.openxmlformats.org/drawingml/2006/diagram" xmlns:o="urn:schemas-microsoft-com:office:office" xmlns:v="urn:schemas-microsoft-com:vml" xmlns:pvml="urn:schemas-microsoft-com:office:powerpoint" xmlns:com="http://schemas.openxmlformats.org/drawingml/2006/compatibility" xmlns:p14="http://schemas.microsoft.com/office/powerpoint/2010/main" xmlns:p15="http://schemas.microsoft.com/office/powerpoint/2012/main" xmlns:ahyp="http://schemas.microsoft.com/office/drawing/2018/hyperlinkcolor">
   <p:cSld>
     <p:spTree>
       <p:nvGrpSpPr>
-        <p:cNvPr id="1" name="Shape 195"/>
+        <p:cNvPr id="197" name="Shape 197"/>
         <p:cNvGrpSpPr/>
         <p:nvPr/>
       </p:nvGrpSpPr>
@@ -10283,10 +10309,8 @@
       </p:grpSpPr>
       <p:sp>
         <p:nvSpPr>
-          <p:cNvPr id="196" name="Google Shape;196;p22"/>
-          <p:cNvSpPr txBox="1">
-            <a:spLocks noGrp="1"/>
-          </p:cNvSpPr>
+          <p:cNvPr id="198" name="Google Shape;198;p22"/>
+          <p:cNvSpPr txBox="1"/>
           <p:nvPr>
             <p:ph type="title"/>
           </p:nvPr>
@@ -10301,12 +10325,12 @@
           </a:prstGeom>
         </p:spPr>
         <p:txBody>
-          <a:bodyPr spcFirstLastPara="1" wrap="square" lIns="91425" tIns="91425" rIns="91425" bIns="91425" anchor="t" anchorCtr="0">
+          <a:bodyPr anchorCtr="0" anchor="t" bIns="91425" lIns="91425" spcFirstLastPara="1" rIns="91425" wrap="square" tIns="91425">
             <a:normAutofit/>
           </a:bodyPr>
           <a:lstStyle/>
           <a:p>
-            <a:pPr marL="0" lvl="0" indent="0" algn="l" rtl="0">
+            <a:pPr indent="0" lvl="0" marL="0" rtl="0" algn="l">
               <a:spcBef>
                 <a:spcPts val="0"/>
               </a:spcBef>
@@ -10315,18 +10339,19 @@
               </a:spcAft>
               <a:buNone/>
             </a:pPr>
+            <a:r>
+              <a:t/>
+            </a:r>
             <a:endParaRPr sz="600"/>
           </a:p>
         </p:txBody>
       </p:sp>
       <p:sp>
         <p:nvSpPr>
-          <p:cNvPr id="197" name="Google Shape;197;p22"/>
-          <p:cNvSpPr txBox="1">
-            <a:spLocks noGrp="1"/>
-          </p:cNvSpPr>
+          <p:cNvPr id="199" name="Google Shape;199;p22"/>
+          <p:cNvSpPr txBox="1"/>
           <p:nvPr>
-            <p:ph type="body" idx="1"/>
+            <p:ph idx="1" type="body"/>
           </p:nvPr>
         </p:nvSpPr>
         <p:spPr>
@@ -10350,12 +10375,12 @@
           </a:gradFill>
         </p:spPr>
         <p:txBody>
-          <a:bodyPr spcFirstLastPara="1" wrap="square" lIns="91425" tIns="91425" rIns="91425" bIns="91425" anchor="t" anchorCtr="0">
-            <a:normAutofit fontScale="92500" lnSpcReduction="10000"/>
+          <a:bodyPr anchorCtr="0" anchor="t" bIns="91425" lIns="91425" spcFirstLastPara="1" rIns="91425" wrap="square" tIns="91425">
+            <a:normAutofit fontScale="92500"/>
           </a:bodyPr>
           <a:lstStyle/>
           <a:p>
-            <a:pPr marL="457200" lvl="0" indent="-304958" algn="l" rtl="0">
+            <a:pPr indent="-304958" lvl="0" marL="457200" rtl="0" algn="l">
               <a:spcBef>
                 <a:spcPts val="1000"/>
               </a:spcBef>
@@ -10367,12 +10392,16 @@
             </a:pPr>
             <a:r>
               <a:rPr lang="en"/>
-              <a:t>Goal: to compare glacier metrics (mass, volume, area, and length) by century in terms of their relative sizes.</a:t>
+              <a:t>Goal: t</a:t>
+            </a:r>
+            <a:r>
+              <a:rPr lang="en"/>
+              <a:t>o compare glacier metrics (mass, volume, area, and length) by century in terms of their relative sizes.</a:t>
             </a:r>
             <a:endParaRPr/>
           </a:p>
           <a:p>
-            <a:pPr marL="457200" lvl="0" indent="-304958" algn="l" rtl="0">
+            <a:pPr indent="-304958" lvl="0" marL="457200" rtl="0" algn="l">
               <a:spcBef>
                 <a:spcPts val="1200"/>
               </a:spcBef>
@@ -10389,7 +10418,7 @@
             <a:endParaRPr/>
           </a:p>
           <a:p>
-            <a:pPr marL="457200" lvl="0" indent="-304958" algn="l" rtl="0">
+            <a:pPr indent="-304958" lvl="0" marL="457200" rtl="0" algn="l">
               <a:spcBef>
                 <a:spcPts val="1000"/>
               </a:spcBef>
@@ -10406,7 +10435,7 @@
             <a:endParaRPr/>
           </a:p>
           <a:p>
-            <a:pPr marL="457200" lvl="0" indent="-304958" algn="l" rtl="0">
+            <a:pPr indent="-304958" lvl="0" marL="457200" rtl="0" algn="l">
               <a:spcBef>
                 <a:spcPts val="1000"/>
               </a:spcBef>
@@ -10423,7 +10452,7 @@
             <a:endParaRPr/>
           </a:p>
           <a:p>
-            <a:pPr marL="457200" lvl="0" indent="-304958" algn="l" rtl="0">
+            <a:pPr indent="-304958" lvl="0" marL="457200" rtl="0" algn="l">
               <a:spcBef>
                 <a:spcPts val="1000"/>
               </a:spcBef>
@@ -10443,10 +10472,8 @@
       </p:sp>
       <p:sp>
         <p:nvSpPr>
-          <p:cNvPr id="198" name="Google Shape;198;p22"/>
-          <p:cNvSpPr txBox="1">
-            <a:spLocks noGrp="1"/>
-          </p:cNvSpPr>
+          <p:cNvPr id="200" name="Google Shape;200;p22"/>
+          <p:cNvSpPr txBox="1"/>
           <p:nvPr>
             <p:ph type="title"/>
           </p:nvPr>
@@ -10461,12 +10488,12 @@
           </a:prstGeom>
         </p:spPr>
         <p:txBody>
-          <a:bodyPr spcFirstLastPara="1" wrap="square" lIns="91425" tIns="91425" rIns="91425" bIns="91425" anchor="t" anchorCtr="0">
+          <a:bodyPr anchorCtr="0" anchor="t" bIns="91425" lIns="91425" spcFirstLastPara="1" rIns="91425" wrap="square" tIns="91425">
             <a:noAutofit/>
           </a:bodyPr>
           <a:lstStyle/>
           <a:p>
-            <a:pPr marL="0" lvl="0" indent="0" algn="l" rtl="0">
+            <a:pPr indent="0" lvl="0" marL="0" rtl="0" algn="l">
               <a:spcBef>
                 <a:spcPts val="0"/>
               </a:spcBef>
@@ -10486,7 +10513,7 @@
       </p:sp>
       <p:pic>
         <p:nvPicPr>
-          <p:cNvPr id="199" name="Google Shape;199;p22" title="treemap.png"/>
+          <p:cNvPr id="201" name="Google Shape;201;p22" title="treemap.png"/>
           <p:cNvPicPr preferRelativeResize="0"/>
           <p:nvPr/>
         </p:nvPicPr>
@@ -10521,11 +10548,11 @@
 </file>
 
 <file path=ppt/slides/slide11.xml><?xml version="1.0" encoding="utf-8"?>
-<p:sld xmlns:a="http://schemas.openxmlformats.org/drawingml/2006/main" xmlns:r="http://schemas.openxmlformats.org/officeDocument/2006/relationships" xmlns:p="http://schemas.openxmlformats.org/presentationml/2006/main">
+<p:sld xmlns:a="http://schemas.openxmlformats.org/drawingml/2006/main" xmlns:r="http://schemas.openxmlformats.org/officeDocument/2006/relationships" xmlns:mc="http://schemas.openxmlformats.org/markup-compatibility/2006" xmlns:mv="urn:schemas-microsoft-com:mac:vml" xmlns:p="http://schemas.openxmlformats.org/presentationml/2006/main" xmlns:c="http://schemas.openxmlformats.org/drawingml/2006/chart" xmlns:dgm="http://schemas.openxmlformats.org/drawingml/2006/diagram" xmlns:o="urn:schemas-microsoft-com:office:office" xmlns:v="urn:schemas-microsoft-com:vml" xmlns:pvml="urn:schemas-microsoft-com:office:powerpoint" xmlns:com="http://schemas.openxmlformats.org/drawingml/2006/compatibility" xmlns:p14="http://schemas.microsoft.com/office/powerpoint/2010/main" xmlns:p15="http://schemas.microsoft.com/office/powerpoint/2012/main" xmlns:ahyp="http://schemas.microsoft.com/office/drawing/2018/hyperlinkcolor">
   <p:cSld>
     <p:spTree>
       <p:nvGrpSpPr>
-        <p:cNvPr id="1" name="Shape 203"/>
+        <p:cNvPr id="205" name="Shape 205"/>
         <p:cNvGrpSpPr/>
         <p:nvPr/>
       </p:nvGrpSpPr>
@@ -10539,10 +10566,8 @@
       </p:grpSpPr>
       <p:sp>
         <p:nvSpPr>
-          <p:cNvPr id="204" name="Google Shape;204;p23"/>
-          <p:cNvSpPr txBox="1">
-            <a:spLocks noGrp="1"/>
-          </p:cNvSpPr>
+          <p:cNvPr id="206" name="Google Shape;206;p23"/>
+          <p:cNvSpPr txBox="1"/>
           <p:nvPr>
             <p:ph type="title"/>
           </p:nvPr>
@@ -10557,12 +10582,12 @@
           </a:prstGeom>
         </p:spPr>
         <p:txBody>
-          <a:bodyPr spcFirstLastPara="1" wrap="square" lIns="91425" tIns="91425" rIns="91425" bIns="91425" anchor="t" anchorCtr="0">
+          <a:bodyPr anchorCtr="0" anchor="t" bIns="91425" lIns="91425" spcFirstLastPara="1" rIns="91425" wrap="square" tIns="91425">
             <a:normAutofit fontScale="90000"/>
           </a:bodyPr>
           <a:lstStyle/>
           <a:p>
-            <a:pPr marL="0" lvl="0" indent="0" algn="l" rtl="0">
+            <a:pPr indent="0" lvl="0" marL="0" rtl="0" algn="l">
               <a:spcBef>
                 <a:spcPts val="0"/>
               </a:spcBef>
@@ -10572,18 +10597,19 @@
               <a:buSzPct val="165000"/>
               <a:buNone/>
             </a:pPr>
+            <a:r>
+              <a:t/>
+            </a:r>
             <a:endParaRPr sz="600"/>
           </a:p>
         </p:txBody>
       </p:sp>
       <p:sp>
         <p:nvSpPr>
-          <p:cNvPr id="205" name="Google Shape;205;p23"/>
-          <p:cNvSpPr txBox="1">
-            <a:spLocks noGrp="1"/>
-          </p:cNvSpPr>
+          <p:cNvPr id="207" name="Google Shape;207;p23"/>
+          <p:cNvSpPr txBox="1"/>
           <p:nvPr>
-            <p:ph type="body" idx="1"/>
+            <p:ph idx="1" type="body"/>
           </p:nvPr>
         </p:nvSpPr>
         <p:spPr>
@@ -10596,12 +10622,12 @@
           </a:prstGeom>
         </p:spPr>
         <p:txBody>
-          <a:bodyPr spcFirstLastPara="1" wrap="square" lIns="91425" tIns="91425" rIns="91425" bIns="91425" anchor="t" anchorCtr="0">
-            <a:normAutofit fontScale="85000" lnSpcReduction="20000"/>
+          <a:bodyPr anchorCtr="0" anchor="t" bIns="91425" lIns="91425" spcFirstLastPara="1" rIns="91425" wrap="square" tIns="91425">
+            <a:normAutofit fontScale="77500" lnSpcReduction="10000"/>
           </a:bodyPr>
           <a:lstStyle/>
           <a:p>
-            <a:pPr marL="457200" lvl="0" indent="-292576" algn="l" rtl="0">
+            <a:pPr indent="-292576" lvl="0" marL="457200" rtl="0" algn="l">
               <a:spcBef>
                 <a:spcPts val="1000"/>
               </a:spcBef>
@@ -10618,7 +10644,7 @@
             <a:endParaRPr/>
           </a:p>
           <a:p>
-            <a:pPr marL="457200" lvl="0" indent="-292576" algn="l" rtl="0">
+            <a:pPr indent="-292576" lvl="0" marL="457200" rtl="0" algn="l">
               <a:spcBef>
                 <a:spcPts val="1200"/>
               </a:spcBef>
@@ -10635,7 +10661,7 @@
             <a:endParaRPr/>
           </a:p>
           <a:p>
-            <a:pPr marL="457200" lvl="0" indent="-292576" algn="l" rtl="0">
+            <a:pPr indent="-292576" lvl="0" marL="457200" rtl="0" algn="l">
               <a:spcBef>
                 <a:spcPts val="1000"/>
               </a:spcBef>
@@ -10652,7 +10678,7 @@
             <a:endParaRPr/>
           </a:p>
           <a:p>
-            <a:pPr marL="457200" lvl="0" indent="-292576" algn="l" rtl="0">
+            <a:pPr indent="-292576" lvl="0" marL="457200" rtl="0" algn="l">
               <a:spcBef>
                 <a:spcPts val="1000"/>
               </a:spcBef>
@@ -10664,12 +10690,16 @@
             </a:pPr>
             <a:r>
               <a:rPr lang="en"/>
-              <a:t>Metrics: Even though different metric scales (such as mass vs. area) exist, normalization allows for fair comparison.</a:t>
+              <a:t>Metrics</a:t>
+            </a:r>
+            <a:r>
+              <a:rPr lang="en"/>
+              <a:t>: Even though different metric scales (such as mass vs. area) exist, normalization allows for fair comparison.</a:t>
             </a:r>
             <a:endParaRPr/>
           </a:p>
           <a:p>
-            <a:pPr marL="457200" lvl="0" indent="-292576" algn="l" rtl="0">
+            <a:pPr indent="-292576" lvl="0" marL="457200" rtl="0" algn="l">
               <a:spcBef>
                 <a:spcPts val="1000"/>
               </a:spcBef>
@@ -10689,10 +10719,8 @@
       </p:sp>
       <p:sp>
         <p:nvSpPr>
-          <p:cNvPr id="206" name="Google Shape;206;p23"/>
-          <p:cNvSpPr txBox="1">
-            <a:spLocks noGrp="1"/>
-          </p:cNvSpPr>
+          <p:cNvPr id="208" name="Google Shape;208;p23"/>
+          <p:cNvSpPr txBox="1"/>
           <p:nvPr>
             <p:ph type="title"/>
           </p:nvPr>
@@ -10707,12 +10735,12 @@
           </a:prstGeom>
         </p:spPr>
         <p:txBody>
-          <a:bodyPr spcFirstLastPara="1" wrap="square" lIns="91425" tIns="91425" rIns="91425" bIns="91425" anchor="t" anchorCtr="0">
+          <a:bodyPr anchorCtr="0" anchor="t" bIns="91425" lIns="91425" spcFirstLastPara="1" rIns="91425" wrap="square" tIns="91425">
             <a:noAutofit/>
           </a:bodyPr>
           <a:lstStyle/>
           <a:p>
-            <a:pPr marL="0" lvl="0" indent="0" algn="l" rtl="0">
+            <a:pPr indent="0" lvl="0" marL="0" rtl="0" algn="l">
               <a:spcBef>
                 <a:spcPts val="0"/>
               </a:spcBef>
@@ -10732,7 +10760,7 @@
       </p:sp>
       <p:pic>
         <p:nvPicPr>
-          <p:cNvPr id="207" name="Google Shape;207;p23" title="parallelPlot.png"/>
+          <p:cNvPr id="209" name="Google Shape;209;p23" title="parallelPlot.png"/>
           <p:cNvPicPr preferRelativeResize="0"/>
           <p:nvPr/>
         </p:nvPicPr>
@@ -10767,11 +10795,11 @@
 </file>
 
 <file path=ppt/slides/slide12.xml><?xml version="1.0" encoding="utf-8"?>
-<p:sld xmlns:a="http://schemas.openxmlformats.org/drawingml/2006/main" xmlns:r="http://schemas.openxmlformats.org/officeDocument/2006/relationships" xmlns:p="http://schemas.openxmlformats.org/presentationml/2006/main">
+<p:sld xmlns:a="http://schemas.openxmlformats.org/drawingml/2006/main" xmlns:r="http://schemas.openxmlformats.org/officeDocument/2006/relationships" xmlns:mc="http://schemas.openxmlformats.org/markup-compatibility/2006" xmlns:mv="urn:schemas-microsoft-com:mac:vml" xmlns:p="http://schemas.openxmlformats.org/presentationml/2006/main" xmlns:c="http://schemas.openxmlformats.org/drawingml/2006/chart" xmlns:dgm="http://schemas.openxmlformats.org/drawingml/2006/diagram" xmlns:o="urn:schemas-microsoft-com:office:office" xmlns:v="urn:schemas-microsoft-com:vml" xmlns:pvml="urn:schemas-microsoft-com:office:powerpoint" xmlns:com="http://schemas.openxmlformats.org/drawingml/2006/compatibility" xmlns:p14="http://schemas.microsoft.com/office/powerpoint/2010/main" xmlns:p15="http://schemas.microsoft.com/office/powerpoint/2012/main" xmlns:ahyp="http://schemas.microsoft.com/office/drawing/2018/hyperlinkcolor">
   <p:cSld>
     <p:spTree>
       <p:nvGrpSpPr>
-        <p:cNvPr id="1" name="Shape 211"/>
+        <p:cNvPr id="213" name="Shape 213"/>
         <p:cNvGrpSpPr/>
         <p:nvPr/>
       </p:nvGrpSpPr>
@@ -10785,10 +10813,8 @@
       </p:grpSpPr>
       <p:sp>
         <p:nvSpPr>
-          <p:cNvPr id="212" name="Google Shape;212;p24"/>
-          <p:cNvSpPr txBox="1">
-            <a:spLocks noGrp="1"/>
-          </p:cNvSpPr>
+          <p:cNvPr id="214" name="Google Shape;214;p24"/>
+          <p:cNvSpPr txBox="1"/>
           <p:nvPr>
             <p:ph type="title"/>
           </p:nvPr>
@@ -10803,12 +10829,12 @@
           </a:prstGeom>
         </p:spPr>
         <p:txBody>
-          <a:bodyPr spcFirstLastPara="1" wrap="square" lIns="91425" tIns="91425" rIns="91425" bIns="91425" anchor="t" anchorCtr="0">
+          <a:bodyPr anchorCtr="0" anchor="t" bIns="91425" lIns="91425" spcFirstLastPara="1" rIns="91425" wrap="square" tIns="91425">
             <a:normAutofit/>
           </a:bodyPr>
           <a:lstStyle/>
           <a:p>
-            <a:pPr marL="0" lvl="0" indent="0" algn="l" rtl="0">
+            <a:pPr indent="0" lvl="0" marL="0" rtl="0" algn="l">
               <a:spcBef>
                 <a:spcPts val="0"/>
               </a:spcBef>
@@ -10827,12 +10853,10 @@
       </p:sp>
       <p:sp>
         <p:nvSpPr>
-          <p:cNvPr id="213" name="Google Shape;213;p24"/>
-          <p:cNvSpPr txBox="1">
-            <a:spLocks noGrp="1"/>
-          </p:cNvSpPr>
+          <p:cNvPr id="215" name="Google Shape;215;p24"/>
+          <p:cNvSpPr txBox="1"/>
           <p:nvPr>
-            <p:ph type="body" idx="1"/>
+            <p:ph idx="1" type="body"/>
           </p:nvPr>
         </p:nvSpPr>
         <p:spPr>
@@ -10845,12 +10869,12 @@
           </a:prstGeom>
         </p:spPr>
         <p:txBody>
-          <a:bodyPr spcFirstLastPara="1" wrap="square" lIns="91425" tIns="91425" rIns="91425" bIns="91425" anchor="t" anchorCtr="0">
+          <a:bodyPr anchorCtr="0" anchor="t" bIns="91425" lIns="91425" spcFirstLastPara="1" rIns="91425" wrap="square" tIns="91425">
             <a:normAutofit/>
           </a:bodyPr>
           <a:lstStyle/>
           <a:p>
-            <a:pPr marL="0" lvl="0" indent="0" algn="l" rtl="0">
+            <a:pPr indent="0" lvl="0" marL="0" rtl="0" algn="l">
               <a:spcBef>
                 <a:spcPts val="0"/>
               </a:spcBef>
@@ -10861,12 +10885,16 @@
             </a:pPr>
             <a:r>
               <a:rPr lang="en"/>
-              <a:t>Overall most glaciers are melting faster than they’re gaining snow/ice, this demonstrates a global glacier retreat</a:t>
+              <a:t>Overall most glaciers are melting faster than they’re gaining snow/ice, this demonstrates a </a:t>
+            </a:r>
+            <a:r>
+              <a:rPr lang="en"/>
+              <a:t>global glacier retreat</a:t>
             </a:r>
             <a:endParaRPr/>
           </a:p>
           <a:p>
-            <a:pPr marL="0" lvl="0" indent="0" algn="l" rtl="0">
+            <a:pPr indent="0" lvl="0" marL="0" rtl="0" algn="l">
               <a:spcBef>
                 <a:spcPts val="1200"/>
               </a:spcBef>
@@ -10882,7 +10910,7 @@
             <a:endParaRPr/>
           </a:p>
           <a:p>
-            <a:pPr marL="0" lvl="0" indent="0" algn="l" rtl="0">
+            <a:pPr indent="0" lvl="0" marL="0" rtl="0" algn="l">
               <a:spcBef>
                 <a:spcPts val="1200"/>
               </a:spcBef>
@@ -10891,6 +10919,9 @@
               </a:spcAft>
               <a:buNone/>
             </a:pPr>
+            <a:r>
+              <a:t/>
+            </a:r>
             <a:endParaRPr/>
           </a:p>
         </p:txBody>
@@ -10904,11 +10935,11 @@
 </file>
 
 <file path=ppt/slides/slide13.xml><?xml version="1.0" encoding="utf-8"?>
-<p:sld xmlns:a="http://schemas.openxmlformats.org/drawingml/2006/main" xmlns:r="http://schemas.openxmlformats.org/officeDocument/2006/relationships" xmlns:p="http://schemas.openxmlformats.org/presentationml/2006/main">
+<p:sld xmlns:a="http://schemas.openxmlformats.org/drawingml/2006/main" xmlns:r="http://schemas.openxmlformats.org/officeDocument/2006/relationships" xmlns:mc="http://schemas.openxmlformats.org/markup-compatibility/2006" xmlns:mv="urn:schemas-microsoft-com:mac:vml" xmlns:p="http://schemas.openxmlformats.org/presentationml/2006/main" xmlns:c="http://schemas.openxmlformats.org/drawingml/2006/chart" xmlns:dgm="http://schemas.openxmlformats.org/drawingml/2006/diagram" xmlns:o="urn:schemas-microsoft-com:office:office" xmlns:v="urn:schemas-microsoft-com:vml" xmlns:pvml="urn:schemas-microsoft-com:office:powerpoint" xmlns:com="http://schemas.openxmlformats.org/drawingml/2006/compatibility" xmlns:p14="http://schemas.microsoft.com/office/powerpoint/2010/main" xmlns:p15="http://schemas.microsoft.com/office/powerpoint/2012/main" xmlns:ahyp="http://schemas.microsoft.com/office/drawing/2018/hyperlinkcolor">
   <p:cSld>
     <p:spTree>
       <p:nvGrpSpPr>
-        <p:cNvPr id="1" name="Shape 217"/>
+        <p:cNvPr id="219" name="Shape 219"/>
         <p:cNvGrpSpPr/>
         <p:nvPr/>
       </p:nvGrpSpPr>
@@ -10922,10 +10953,8 @@
       </p:grpSpPr>
       <p:sp>
         <p:nvSpPr>
-          <p:cNvPr id="218" name="Google Shape;218;p25"/>
-          <p:cNvSpPr txBox="1">
-            <a:spLocks noGrp="1"/>
-          </p:cNvSpPr>
+          <p:cNvPr id="220" name="Google Shape;220;p25"/>
+          <p:cNvSpPr txBox="1"/>
           <p:nvPr>
             <p:ph type="title"/>
           </p:nvPr>
@@ -10940,12 +10969,12 @@
           </a:prstGeom>
         </p:spPr>
         <p:txBody>
-          <a:bodyPr spcFirstLastPara="1" wrap="square" lIns="91425" tIns="91425" rIns="91425" bIns="91425" anchor="t" anchorCtr="0">
+          <a:bodyPr anchorCtr="0" anchor="t" bIns="91425" lIns="91425" spcFirstLastPara="1" rIns="91425" wrap="square" tIns="91425">
             <a:normAutofit/>
           </a:bodyPr>
           <a:lstStyle/>
           <a:p>
-            <a:pPr marL="0" lvl="0" indent="0" algn="l" rtl="0">
+            <a:pPr indent="0" lvl="0" marL="0" rtl="0" algn="l">
               <a:spcBef>
                 <a:spcPts val="0"/>
               </a:spcBef>
@@ -10964,12 +10993,10 @@
       </p:sp>
       <p:sp>
         <p:nvSpPr>
-          <p:cNvPr id="219" name="Google Shape;219;p25"/>
-          <p:cNvSpPr txBox="1">
-            <a:spLocks noGrp="1"/>
-          </p:cNvSpPr>
+          <p:cNvPr id="221" name="Google Shape;221;p25"/>
+          <p:cNvSpPr txBox="1"/>
           <p:nvPr>
-            <p:ph type="body" idx="1"/>
+            <p:ph idx="1" type="body"/>
           </p:nvPr>
         </p:nvSpPr>
         <p:spPr>
@@ -10982,12 +11009,12 @@
           </a:prstGeom>
         </p:spPr>
         <p:txBody>
-          <a:bodyPr spcFirstLastPara="1" wrap="square" lIns="91425" tIns="91425" rIns="91425" bIns="91425" anchor="t" anchorCtr="0">
+          <a:bodyPr anchorCtr="0" anchor="t" bIns="91425" lIns="91425" spcFirstLastPara="1" rIns="91425" wrap="square" tIns="91425">
             <a:normAutofit/>
           </a:bodyPr>
           <a:lstStyle/>
           <a:p>
-            <a:pPr marL="0" lvl="0" indent="0" algn="l" rtl="0">
+            <a:pPr indent="0" lvl="0" marL="0" rtl="0" algn="l">
               <a:spcBef>
                 <a:spcPts val="0"/>
               </a:spcBef>
@@ -11018,7 +11045,7 @@
                 <a:hlinkClick r:id="rId3">
                   <a:extLst>
                     <a:ext uri="{A12FA001-AC4F-418D-AE19-62706E023703}">
-                      <ahyp:hlinkClr xmlns:ahyp="http://schemas.microsoft.com/office/drawing/2018/hyperlinkcolor" val="tx"/>
+                      <ahyp:hlinkClr val="tx"/>
                     </a:ext>
                   </a:extLst>
                 </a:hlinkClick>
@@ -11038,11 +11065,11 @@
 </file>
 
 <file path=ppt/slides/slide2.xml><?xml version="1.0" encoding="utf-8"?>
-<p:sld xmlns:a="http://schemas.openxmlformats.org/drawingml/2006/main" xmlns:r="http://schemas.openxmlformats.org/officeDocument/2006/relationships" xmlns:p="http://schemas.openxmlformats.org/presentationml/2006/main">
+<p:sld xmlns:a="http://schemas.openxmlformats.org/drawingml/2006/main" xmlns:r="http://schemas.openxmlformats.org/officeDocument/2006/relationships" xmlns:mc="http://schemas.openxmlformats.org/markup-compatibility/2006" xmlns:mv="urn:schemas-microsoft-com:mac:vml" xmlns:p="http://schemas.openxmlformats.org/presentationml/2006/main" xmlns:c="http://schemas.openxmlformats.org/drawingml/2006/chart" xmlns:dgm="http://schemas.openxmlformats.org/drawingml/2006/diagram" xmlns:o="urn:schemas-microsoft-com:office:office" xmlns:v="urn:schemas-microsoft-com:vml" xmlns:pvml="urn:schemas-microsoft-com:office:powerpoint" xmlns:com="http://schemas.openxmlformats.org/drawingml/2006/compatibility" xmlns:p14="http://schemas.microsoft.com/office/powerpoint/2010/main" xmlns:p15="http://schemas.microsoft.com/office/powerpoint/2012/main" xmlns:ahyp="http://schemas.microsoft.com/office/drawing/2018/hyperlinkcolor">
   <p:cSld>
     <p:spTree>
       <p:nvGrpSpPr>
-        <p:cNvPr id="1" name="Shape 139"/>
+        <p:cNvPr id="139" name="Shape 139"/>
         <p:cNvGrpSpPr/>
         <p:nvPr/>
       </p:nvGrpSpPr>
@@ -11057,9 +11084,7 @@
       <p:sp>
         <p:nvSpPr>
           <p:cNvPr id="140" name="Google Shape;140;p14"/>
-          <p:cNvSpPr txBox="1">
-            <a:spLocks noGrp="1"/>
-          </p:cNvSpPr>
+          <p:cNvSpPr txBox="1"/>
           <p:nvPr>
             <p:ph type="title"/>
           </p:nvPr>
@@ -11074,12 +11099,12 @@
           </a:prstGeom>
         </p:spPr>
         <p:txBody>
-          <a:bodyPr spcFirstLastPara="1" wrap="square" lIns="91425" tIns="91425" rIns="91425" bIns="91425" anchor="t" anchorCtr="0">
+          <a:bodyPr anchorCtr="0" anchor="t" bIns="91425" lIns="91425" spcFirstLastPara="1" rIns="91425" wrap="square" tIns="91425">
             <a:normAutofit/>
           </a:bodyPr>
           <a:lstStyle/>
           <a:p>
-            <a:pPr marL="0" lvl="0" indent="0" algn="l" rtl="0">
+            <a:pPr indent="0" lvl="0" marL="0" rtl="0" algn="l">
               <a:spcBef>
                 <a:spcPts val="0"/>
               </a:spcBef>
@@ -11090,7 +11115,7 @@
             </a:pPr>
             <a:r>
               <a:rPr lang="en"/>
-              <a:t>Methodology</a:t>
+              <a:t>Why we chose our topic </a:t>
             </a:r>
             <a:endParaRPr/>
           </a:p>
@@ -11099,11 +11124,9 @@
       <p:sp>
         <p:nvSpPr>
           <p:cNvPr id="141" name="Google Shape;141;p14"/>
-          <p:cNvSpPr txBox="1">
-            <a:spLocks noGrp="1"/>
-          </p:cNvSpPr>
+          <p:cNvSpPr txBox="1"/>
           <p:nvPr>
-            <p:ph type="body" idx="1"/>
+            <p:ph idx="1" type="body"/>
           </p:nvPr>
         </p:nvSpPr>
         <p:spPr>
@@ -11114,14 +11137,18 @@
           <a:prstGeom prst="rect">
             <a:avLst/>
           </a:prstGeom>
+          <a:noFill/>
         </p:spPr>
         <p:txBody>
-          <a:bodyPr spcFirstLastPara="1" wrap="square" lIns="91425" tIns="91425" rIns="91425" bIns="91425" anchor="t" anchorCtr="0">
-            <a:normAutofit/>
+          <a:bodyPr anchorCtr="0" anchor="t" bIns="91425" lIns="91425" spcFirstLastPara="1" rIns="91425" wrap="square" tIns="91425">
+            <a:normAutofit lnSpcReduction="10000"/>
           </a:bodyPr>
           <a:lstStyle/>
           <a:p>
-            <a:pPr marL="0" lvl="0" indent="0" algn="l" rtl="0">
+            <a:pPr indent="0" lvl="0" marL="0" rtl="0" algn="l">
+              <a:lnSpc>
+                <a:spcPct val="100000"/>
+              </a:lnSpc>
               <a:spcBef>
                 <a:spcPts val="0"/>
               </a:spcBef>
@@ -11132,23 +11159,98 @@
             </a:pPr>
             <a:r>
               <a:rPr lang="en"/>
-              <a:t>We worked independently, with regular check-ins to stay aligned and on schedule. </a:t>
+              <a:t>Objective</a:t>
             </a:r>
             <a:endParaRPr/>
           </a:p>
           <a:p>
-            <a:pPr marL="0" lvl="0" indent="0" algn="l" rtl="0">
+            <a:pPr indent="0" lvl="0" marL="0" rtl="0" algn="l">
+              <a:lnSpc>
+                <a:spcPct val="100000"/>
+              </a:lnSpc>
               <a:spcBef>
                 <a:spcPts val="1200"/>
               </a:spcBef>
               <a:spcAft>
-                <a:spcPts val="1200"/>
+                <a:spcPts val="0"/>
               </a:spcAft>
               <a:buNone/>
             </a:pPr>
             <a:r>
               <a:rPr lang="en"/>
-              <a:t>We used Google docs to compile our work, we used discord for communication and, we used Github to compile our visualizations together.</a:t>
+              <a:t>By tracking glaciers we can understand patterns in Earth’s atmospheric temperature, sea level, and precipitation, making them the ideal way to track the evolution of global climate</a:t>
+            </a:r>
+            <a:endParaRPr/>
+          </a:p>
+          <a:p>
+            <a:pPr indent="0" lvl="0" marL="0" rtl="0" algn="l">
+              <a:lnSpc>
+                <a:spcPct val="100000"/>
+              </a:lnSpc>
+              <a:spcBef>
+                <a:spcPts val="1200"/>
+              </a:spcBef>
+              <a:spcAft>
+                <a:spcPts val="0"/>
+              </a:spcAft>
+              <a:buNone/>
+            </a:pPr>
+            <a:r>
+              <a:rPr lang="en"/>
+              <a:t>Significance</a:t>
+            </a:r>
+            <a:endParaRPr/>
+          </a:p>
+          <a:p>
+            <a:pPr indent="0" lvl="0" marL="0" rtl="0" algn="l">
+              <a:lnSpc>
+                <a:spcPct val="100000"/>
+              </a:lnSpc>
+              <a:spcBef>
+                <a:spcPts val="1200"/>
+              </a:spcBef>
+              <a:spcAft>
+                <a:spcPts val="0"/>
+              </a:spcAft>
+              <a:buNone/>
+            </a:pPr>
+            <a:r>
+              <a:rPr lang="en"/>
+              <a:t>Glaciers also play a vital role in regional water cycles, affecting many reaches of the world both in their acting as natural reservoirs for mountainous regions and in their influence on weather patterns across the globe</a:t>
+            </a:r>
+            <a:endParaRPr/>
+          </a:p>
+          <a:p>
+            <a:pPr indent="0" lvl="0" marL="0" rtl="0" algn="l">
+              <a:lnSpc>
+                <a:spcPct val="100000"/>
+              </a:lnSpc>
+              <a:spcBef>
+                <a:spcPts val="1200"/>
+              </a:spcBef>
+              <a:spcAft>
+                <a:spcPts val="0"/>
+              </a:spcAft>
+              <a:buNone/>
+            </a:pPr>
+            <a:r>
+              <a:rPr lang="en"/>
+              <a:t>Tracking the size of glaciers throughout the years helps researchers and the general public understand the significant impacts of climate change and global warming.</a:t>
+            </a:r>
+            <a:endParaRPr/>
+          </a:p>
+          <a:p>
+            <a:pPr indent="0" lvl="0" marL="0" rtl="0" algn="l">
+              <a:spcBef>
+                <a:spcPts val="1200"/>
+              </a:spcBef>
+              <a:spcAft>
+                <a:spcPts val="1200"/>
+              </a:spcAft>
+              <a:buNone/>
+            </a:pPr>
+            <a:r>
+              <a:t/>
             </a:r>
             <a:endParaRPr/>
           </a:p>
@@ -11163,11 +11265,11 @@
 </file>
 
 <file path=ppt/slides/slide3.xml><?xml version="1.0" encoding="utf-8"?>
-<p:sld xmlns:a="http://schemas.openxmlformats.org/drawingml/2006/main" xmlns:r="http://schemas.openxmlformats.org/officeDocument/2006/relationships" xmlns:p="http://schemas.openxmlformats.org/presentationml/2006/main">
+<p:sld xmlns:a="http://schemas.openxmlformats.org/drawingml/2006/main" xmlns:r="http://schemas.openxmlformats.org/officeDocument/2006/relationships" xmlns:mc="http://schemas.openxmlformats.org/markup-compatibility/2006" xmlns:mv="urn:schemas-microsoft-com:mac:vml" xmlns:p="http://schemas.openxmlformats.org/presentationml/2006/main" xmlns:c="http://schemas.openxmlformats.org/drawingml/2006/chart" xmlns:dgm="http://schemas.openxmlformats.org/drawingml/2006/diagram" xmlns:o="urn:schemas-microsoft-com:office:office" xmlns:v="urn:schemas-microsoft-com:vml" xmlns:pvml="urn:schemas-microsoft-com:office:powerpoint" xmlns:com="http://schemas.openxmlformats.org/drawingml/2006/compatibility" xmlns:p14="http://schemas.microsoft.com/office/powerpoint/2010/main" xmlns:p15="http://schemas.microsoft.com/office/powerpoint/2012/main" xmlns:ahyp="http://schemas.microsoft.com/office/drawing/2018/hyperlinkcolor">
   <p:cSld>
     <p:spTree>
       <p:nvGrpSpPr>
-        <p:cNvPr id="1" name="Shape 145"/>
+        <p:cNvPr id="145" name="Shape 145"/>
         <p:cNvGrpSpPr/>
         <p:nvPr/>
       </p:nvGrpSpPr>
@@ -11182,9 +11284,7 @@
       <p:sp>
         <p:nvSpPr>
           <p:cNvPr id="146" name="Google Shape;146;p15"/>
-          <p:cNvSpPr txBox="1">
-            <a:spLocks noGrp="1"/>
-          </p:cNvSpPr>
+          <p:cNvSpPr txBox="1"/>
           <p:nvPr>
             <p:ph type="title"/>
           </p:nvPr>
@@ -11199,12 +11299,12 @@
           </a:prstGeom>
         </p:spPr>
         <p:txBody>
-          <a:bodyPr spcFirstLastPara="1" wrap="square" lIns="91425" tIns="91425" rIns="91425" bIns="91425" anchor="t" anchorCtr="0">
+          <a:bodyPr anchorCtr="0" anchor="t" bIns="91425" lIns="91425" spcFirstLastPara="1" rIns="91425" wrap="square" tIns="91425">
             <a:normAutofit/>
           </a:bodyPr>
           <a:lstStyle/>
           <a:p>
-            <a:pPr marL="0" lvl="0" indent="0" algn="l" rtl="0">
+            <a:pPr indent="0" lvl="0" marL="0" rtl="0" algn="l">
               <a:spcBef>
                 <a:spcPts val="0"/>
               </a:spcBef>
@@ -11224,11 +11324,9 @@
       <p:sp>
         <p:nvSpPr>
           <p:cNvPr id="147" name="Google Shape;147;p15"/>
-          <p:cNvSpPr txBox="1">
-            <a:spLocks noGrp="1"/>
-          </p:cNvSpPr>
+          <p:cNvSpPr txBox="1"/>
           <p:nvPr>
-            <p:ph type="body" idx="1"/>
+            <p:ph idx="1" type="body"/>
           </p:nvPr>
         </p:nvSpPr>
         <p:spPr>
@@ -11241,12 +11339,12 @@
           </a:prstGeom>
         </p:spPr>
         <p:txBody>
-          <a:bodyPr spcFirstLastPara="1" wrap="square" lIns="91425" tIns="91425" rIns="91425" bIns="91425" anchor="t" anchorCtr="0">
+          <a:bodyPr anchorCtr="0" anchor="t" bIns="91425" lIns="91425" spcFirstLastPara="1" rIns="91425" wrap="square" tIns="91425">
             <a:normAutofit/>
           </a:bodyPr>
           <a:lstStyle/>
           <a:p>
-            <a:pPr marL="0" lvl="0" indent="0" algn="l" rtl="0">
+            <a:pPr indent="0" lvl="0" marL="0" rtl="0" algn="l">
               <a:spcBef>
                 <a:spcPts val="0"/>
               </a:spcBef>
@@ -11255,13 +11353,16 @@
               </a:spcAft>
               <a:buNone/>
             </a:pPr>
-            <a:endParaRPr dirty="0"/>
+            <a:r>
+              <a:t/>
+            </a:r>
+            <a:endParaRPr/>
           </a:p>
         </p:txBody>
       </p:sp>
       <p:pic>
         <p:nvPicPr>
-          <p:cNvPr id="148" name="Google Shape;148;p15" title="geospatial.png"/>
+          <p:cNvPr id="148" name="Google Shape;148;p15" title="geo1.png"/>
           <p:cNvPicPr preferRelativeResize="0"/>
           <p:nvPr/>
         </p:nvPicPr>
@@ -11275,8 +11376,8 @@
         </p:blipFill>
         <p:spPr>
           <a:xfrm>
-            <a:off x="280750" y="1152475"/>
-            <a:ext cx="3462175" cy="2070925"/>
+            <a:off x="455000" y="1453402"/>
+            <a:ext cx="2774051" cy="1862426"/>
           </a:xfrm>
           <a:prstGeom prst="rect">
             <a:avLst/>
@@ -11289,7 +11390,7 @@
       </p:pic>
       <p:pic>
         <p:nvPicPr>
-          <p:cNvPr id="149" name="Google Shape;149;p15" title="geospatial2.png"/>
+          <p:cNvPr id="149" name="Google Shape;149;p15" title="geo2.png"/>
           <p:cNvPicPr preferRelativeResize="0"/>
           <p:nvPr/>
         </p:nvPicPr>
@@ -11303,8 +11404,36 @@
         </p:blipFill>
         <p:spPr>
           <a:xfrm>
-            <a:off x="5370125" y="1151850"/>
-            <a:ext cx="3462175" cy="2072178"/>
+            <a:off x="3229050" y="1453400"/>
+            <a:ext cx="2774051" cy="1862426"/>
+          </a:xfrm>
+          <a:prstGeom prst="rect">
+            <a:avLst/>
+          </a:prstGeom>
+          <a:noFill/>
+          <a:ln>
+            <a:noFill/>
+          </a:ln>
+        </p:spPr>
+      </p:pic>
+      <p:pic>
+        <p:nvPicPr>
+          <p:cNvPr id="150" name="Google Shape;150;p15" title="geo3.png"/>
+          <p:cNvPicPr preferRelativeResize="0"/>
+          <p:nvPr/>
+        </p:nvPicPr>
+        <p:blipFill>
+          <a:blip r:embed="rId5">
+            <a:alphaModFix/>
+          </a:blip>
+          <a:stretch>
+            <a:fillRect/>
+          </a:stretch>
+        </p:blipFill>
+        <p:spPr>
+          <a:xfrm>
+            <a:off x="6003100" y="1452075"/>
+            <a:ext cx="2774051" cy="1862426"/>
           </a:xfrm>
           <a:prstGeom prst="rect">
             <a:avLst/>
@@ -11324,11 +11453,11 @@
 </file>
 
 <file path=ppt/slides/slide4.xml><?xml version="1.0" encoding="utf-8"?>
-<p:sld xmlns:a="http://schemas.openxmlformats.org/drawingml/2006/main" xmlns:r="http://schemas.openxmlformats.org/officeDocument/2006/relationships" xmlns:p="http://schemas.openxmlformats.org/presentationml/2006/main">
+<p:sld xmlns:a="http://schemas.openxmlformats.org/drawingml/2006/main" xmlns:r="http://schemas.openxmlformats.org/officeDocument/2006/relationships" xmlns:mc="http://schemas.openxmlformats.org/markup-compatibility/2006" xmlns:mv="urn:schemas-microsoft-com:mac:vml" xmlns:p="http://schemas.openxmlformats.org/presentationml/2006/main" xmlns:c="http://schemas.openxmlformats.org/drawingml/2006/chart" xmlns:dgm="http://schemas.openxmlformats.org/drawingml/2006/diagram" xmlns:o="urn:schemas-microsoft-com:office:office" xmlns:v="urn:schemas-microsoft-com:vml" xmlns:pvml="urn:schemas-microsoft-com:office:powerpoint" xmlns:com="http://schemas.openxmlformats.org/drawingml/2006/compatibility" xmlns:p14="http://schemas.microsoft.com/office/powerpoint/2010/main" xmlns:p15="http://schemas.microsoft.com/office/powerpoint/2012/main" xmlns:ahyp="http://schemas.microsoft.com/office/drawing/2018/hyperlinkcolor">
   <p:cSld>
     <p:spTree>
       <p:nvGrpSpPr>
-        <p:cNvPr id="1" name="Shape 153"/>
+        <p:cNvPr id="154" name="Shape 154"/>
         <p:cNvGrpSpPr/>
         <p:nvPr/>
       </p:nvGrpSpPr>
@@ -11340,48 +11469,6 @@
           <a:chExt cx="0" cy="0"/>
         </a:xfrm>
       </p:grpSpPr>
-      <p:sp>
-        <p:nvSpPr>
-          <p:cNvPr id="154" name="Google Shape;154;p16"/>
-          <p:cNvSpPr txBox="1">
-            <a:spLocks noGrp="1"/>
-          </p:cNvSpPr>
-          <p:nvPr>
-            <p:ph type="title"/>
-          </p:nvPr>
-        </p:nvSpPr>
-        <p:spPr>
-          <a:xfrm>
-            <a:off x="823850" y="2053000"/>
-            <a:ext cx="4587000" cy="1148700"/>
-          </a:xfrm>
-          <a:prstGeom prst="rect">
-            <a:avLst/>
-          </a:prstGeom>
-        </p:spPr>
-        <p:txBody>
-          <a:bodyPr spcFirstLastPara="1" wrap="square" lIns="91425" tIns="91425" rIns="91425" bIns="91425" anchor="ctr" anchorCtr="0">
-            <a:normAutofit/>
-          </a:bodyPr>
-          <a:lstStyle/>
-          <a:p>
-            <a:pPr marL="0" lvl="0" indent="0" algn="l" rtl="0">
-              <a:spcBef>
-                <a:spcPts val="0"/>
-              </a:spcBef>
-              <a:spcAft>
-                <a:spcPts val="0"/>
-              </a:spcAft>
-              <a:buNone/>
-            </a:pPr>
-            <a:r>
-              <a:rPr lang="en"/>
-              <a:t>Visual Results 2</a:t>
-            </a:r>
-            <a:endParaRPr/>
-          </a:p>
-        </p:txBody>
-      </p:sp>
       <p:pic>
         <p:nvPicPr>
           <p:cNvPr id="155" name="Google Shape;155;p16" title="time series.png"/>
@@ -11398,8 +11485,8 @@
         </p:blipFill>
         <p:spPr>
           <a:xfrm>
-            <a:off x="1067050" y="1206625"/>
-            <a:ext cx="5978176" cy="3461901"/>
+            <a:off x="1244425" y="1259675"/>
+            <a:ext cx="5948624" cy="3444800"/>
           </a:xfrm>
           <a:prstGeom prst="rect">
             <a:avLst/>
@@ -11430,12 +11517,12 @@
           </a:ln>
         </p:spPr>
         <p:txBody>
-          <a:bodyPr spcFirstLastPara="1" wrap="square" lIns="91425" tIns="91425" rIns="91425" bIns="91425" anchor="t" anchorCtr="0">
+          <a:bodyPr anchorCtr="0" anchor="t" bIns="91425" lIns="91425" spcFirstLastPara="1" rIns="91425" wrap="square" tIns="91425">
             <a:noAutofit/>
           </a:bodyPr>
           <a:lstStyle/>
           <a:p>
-            <a:pPr marL="0" lvl="0" indent="0" algn="l" rtl="0">
+            <a:pPr indent="0" lvl="0" marL="0" rtl="0" algn="l">
               <a:spcBef>
                 <a:spcPts val="0"/>
               </a:spcBef>
@@ -11468,37 +11555,10 @@
           </a:p>
         </p:txBody>
       </p:sp>
-    </p:spTree>
-  </p:cSld>
-  <p:clrMapOvr>
-    <a:masterClrMapping/>
-  </p:clrMapOvr>
-</p:sld>
-</file>
-
-<file path=ppt/slides/slide5.xml><?xml version="1.0" encoding="utf-8"?>
-<p:sld xmlns:a="http://schemas.openxmlformats.org/drawingml/2006/main" xmlns:r="http://schemas.openxmlformats.org/officeDocument/2006/relationships" xmlns:p="http://schemas.openxmlformats.org/presentationml/2006/main">
-  <p:cSld>
-    <p:spTree>
-      <p:nvGrpSpPr>
-        <p:cNvPr id="1" name="Shape 160"/>
-        <p:cNvGrpSpPr/>
-        <p:nvPr/>
-      </p:nvGrpSpPr>
-      <p:grpSpPr>
-        <a:xfrm>
-          <a:off x="0" y="0"/>
-          <a:ext cx="0" cy="0"/>
-          <a:chOff x="0" y="0"/>
-          <a:chExt cx="0" cy="0"/>
-        </a:xfrm>
-      </p:grpSpPr>
       <p:sp>
         <p:nvSpPr>
-          <p:cNvPr id="161" name="Google Shape;161;p17"/>
-          <p:cNvSpPr txBox="1">
-            <a:spLocks noGrp="1"/>
-          </p:cNvSpPr>
+          <p:cNvPr id="157" name="Google Shape;157;p16"/>
+          <p:cNvSpPr txBox="1"/>
           <p:nvPr>
             <p:ph type="title"/>
           </p:nvPr>
@@ -11513,12 +11573,12 @@
           </a:prstGeom>
         </p:spPr>
         <p:txBody>
-          <a:bodyPr spcFirstLastPara="1" wrap="square" lIns="91425" tIns="91425" rIns="91425" bIns="91425" anchor="t" anchorCtr="0">
+          <a:bodyPr anchorCtr="0" anchor="t" bIns="91425" lIns="91425" spcFirstLastPara="1" rIns="91425" wrap="square" tIns="91425">
             <a:normAutofit/>
           </a:bodyPr>
           <a:lstStyle/>
           <a:p>
-            <a:pPr marL="0" lvl="0" indent="0" algn="l" rtl="0">
+            <a:pPr indent="0" lvl="0" marL="0" rtl="0" algn="l">
               <a:spcBef>
                 <a:spcPts val="0"/>
               </a:spcBef>
@@ -11528,8 +11588,7 @@
               <a:buNone/>
             </a:pPr>
             <a:r>
-              <a:rPr lang="en"/>
-              <a:t>Visual Results 3</a:t>
+              <a:t/>
             </a:r>
             <a:endParaRPr/>
           </a:p>
@@ -11537,12 +11596,10 @@
       </p:sp>
       <p:sp>
         <p:nvSpPr>
-          <p:cNvPr id="162" name="Google Shape;162;p17"/>
-          <p:cNvSpPr txBox="1">
-            <a:spLocks noGrp="1"/>
-          </p:cNvSpPr>
+          <p:cNvPr id="158" name="Google Shape;158;p16"/>
+          <p:cNvSpPr txBox="1"/>
           <p:nvPr>
-            <p:ph type="body" idx="1"/>
+            <p:ph idx="1" type="body"/>
           </p:nvPr>
         </p:nvSpPr>
         <p:spPr>
@@ -11555,12 +11612,12 @@
           </a:prstGeom>
         </p:spPr>
         <p:txBody>
-          <a:bodyPr spcFirstLastPara="1" wrap="square" lIns="91425" tIns="91425" rIns="91425" bIns="91425" anchor="t" anchorCtr="0">
+          <a:bodyPr anchorCtr="0" anchor="t" bIns="91425" lIns="91425" spcFirstLastPara="1" rIns="91425" wrap="square" tIns="91425">
             <a:normAutofit/>
           </a:bodyPr>
           <a:lstStyle/>
           <a:p>
-            <a:pPr marL="0" lvl="0" indent="0" algn="l" rtl="0">
+            <a:pPr indent="0" lvl="0" marL="0" rtl="0" algn="l">
               <a:spcBef>
                 <a:spcPts val="0"/>
               </a:spcBef>
@@ -11569,13 +11626,120 @@
               </a:spcAft>
               <a:buNone/>
             </a:pPr>
+            <a:r>
+              <a:t/>
+            </a:r>
+            <a:endParaRPr/>
+          </a:p>
+        </p:txBody>
+      </p:sp>
+    </p:spTree>
+  </p:cSld>
+  <p:clrMapOvr>
+    <a:masterClrMapping/>
+  </p:clrMapOvr>
+</p:sld>
+</file>
+
+<file path=ppt/slides/slide5.xml><?xml version="1.0" encoding="utf-8"?>
+<p:sld xmlns:a="http://schemas.openxmlformats.org/drawingml/2006/main" xmlns:r="http://schemas.openxmlformats.org/officeDocument/2006/relationships" xmlns:mc="http://schemas.openxmlformats.org/markup-compatibility/2006" xmlns:mv="urn:schemas-microsoft-com:mac:vml" xmlns:p="http://schemas.openxmlformats.org/presentationml/2006/main" xmlns:c="http://schemas.openxmlformats.org/drawingml/2006/chart" xmlns:dgm="http://schemas.openxmlformats.org/drawingml/2006/diagram" xmlns:o="urn:schemas-microsoft-com:office:office" xmlns:v="urn:schemas-microsoft-com:vml" xmlns:pvml="urn:schemas-microsoft-com:office:powerpoint" xmlns:com="http://schemas.openxmlformats.org/drawingml/2006/compatibility" xmlns:p14="http://schemas.microsoft.com/office/powerpoint/2010/main" xmlns:p15="http://schemas.microsoft.com/office/powerpoint/2012/main" xmlns:ahyp="http://schemas.microsoft.com/office/drawing/2018/hyperlinkcolor">
+  <p:cSld>
+    <p:spTree>
+      <p:nvGrpSpPr>
+        <p:cNvPr id="162" name="Shape 162"/>
+        <p:cNvGrpSpPr/>
+        <p:nvPr/>
+      </p:nvGrpSpPr>
+      <p:grpSpPr>
+        <a:xfrm>
+          <a:off x="0" y="0"/>
+          <a:ext cx="0" cy="0"/>
+          <a:chOff x="0" y="0"/>
+          <a:chExt cx="0" cy="0"/>
+        </a:xfrm>
+      </p:grpSpPr>
+      <p:sp>
+        <p:nvSpPr>
+          <p:cNvPr id="163" name="Google Shape;163;p17"/>
+          <p:cNvSpPr txBox="1"/>
+          <p:nvPr>
+            <p:ph type="title"/>
+          </p:nvPr>
+        </p:nvSpPr>
+        <p:spPr>
+          <a:xfrm>
+            <a:off x="1297500" y="393750"/>
+            <a:ext cx="7038900" cy="914100"/>
+          </a:xfrm>
+          <a:prstGeom prst="rect">
+            <a:avLst/>
+          </a:prstGeom>
+        </p:spPr>
+        <p:txBody>
+          <a:bodyPr anchorCtr="0" anchor="t" bIns="91425" lIns="91425" spcFirstLastPara="1" rIns="91425" wrap="square" tIns="91425">
+            <a:normAutofit/>
+          </a:bodyPr>
+          <a:lstStyle/>
+          <a:p>
+            <a:pPr indent="0" lvl="0" marL="0" rtl="0" algn="l">
+              <a:spcBef>
+                <a:spcPts val="0"/>
+              </a:spcBef>
+              <a:spcAft>
+                <a:spcPts val="0"/>
+              </a:spcAft>
+              <a:buNone/>
+            </a:pPr>
+            <a:r>
+              <a:rPr lang="en"/>
+              <a:t>Visual Results 3</a:t>
+            </a:r>
+            <a:endParaRPr/>
+          </a:p>
+        </p:txBody>
+      </p:sp>
+      <p:sp>
+        <p:nvSpPr>
+          <p:cNvPr id="164" name="Google Shape;164;p17"/>
+          <p:cNvSpPr txBox="1"/>
+          <p:nvPr>
+            <p:ph idx="1" type="body"/>
+          </p:nvPr>
+        </p:nvSpPr>
+        <p:spPr>
+          <a:xfrm>
+            <a:off x="1297500" y="1567550"/>
+            <a:ext cx="7038900" cy="2911200"/>
+          </a:xfrm>
+          <a:prstGeom prst="rect">
+            <a:avLst/>
+          </a:prstGeom>
+        </p:spPr>
+        <p:txBody>
+          <a:bodyPr anchorCtr="0" anchor="t" bIns="91425" lIns="91425" spcFirstLastPara="1" rIns="91425" wrap="square" tIns="91425">
+            <a:normAutofit/>
+          </a:bodyPr>
+          <a:lstStyle/>
+          <a:p>
+            <a:pPr indent="0" lvl="0" marL="0" rtl="0" algn="l">
+              <a:spcBef>
+                <a:spcPts val="0"/>
+              </a:spcBef>
+              <a:spcAft>
+                <a:spcPts val="1200"/>
+              </a:spcAft>
+              <a:buNone/>
+            </a:pPr>
+            <a:r>
+              <a:t/>
+            </a:r>
             <a:endParaRPr/>
           </a:p>
         </p:txBody>
       </p:sp>
       <p:pic>
         <p:nvPicPr>
-          <p:cNvPr id="163" name="Google Shape;163;p17" title="bar chart.png"/>
+          <p:cNvPr id="165" name="Google Shape;165;p17" title="bar chart.png"/>
           <p:cNvPicPr preferRelativeResize="0"/>
           <p:nvPr/>
         </p:nvPicPr>
@@ -11610,11 +11774,11 @@
 </file>
 
 <file path=ppt/slides/slide6.xml><?xml version="1.0" encoding="utf-8"?>
-<p:sld xmlns:a="http://schemas.openxmlformats.org/drawingml/2006/main" xmlns:r="http://schemas.openxmlformats.org/officeDocument/2006/relationships" xmlns:p="http://schemas.openxmlformats.org/presentationml/2006/main">
+<p:sld xmlns:a="http://schemas.openxmlformats.org/drawingml/2006/main" xmlns:r="http://schemas.openxmlformats.org/officeDocument/2006/relationships" xmlns:mc="http://schemas.openxmlformats.org/markup-compatibility/2006" xmlns:mv="urn:schemas-microsoft-com:mac:vml" xmlns:p="http://schemas.openxmlformats.org/presentationml/2006/main" xmlns:c="http://schemas.openxmlformats.org/drawingml/2006/chart" xmlns:dgm="http://schemas.openxmlformats.org/drawingml/2006/diagram" xmlns:o="urn:schemas-microsoft-com:office:office" xmlns:v="urn:schemas-microsoft-com:vml" xmlns:pvml="urn:schemas-microsoft-com:office:powerpoint" xmlns:com="http://schemas.openxmlformats.org/drawingml/2006/compatibility" xmlns:p14="http://schemas.microsoft.com/office/powerpoint/2010/main" xmlns:p15="http://schemas.microsoft.com/office/powerpoint/2012/main" xmlns:ahyp="http://schemas.microsoft.com/office/drawing/2018/hyperlinkcolor">
   <p:cSld>
     <p:spTree>
       <p:nvGrpSpPr>
-        <p:cNvPr id="1" name="Shape 167"/>
+        <p:cNvPr id="169" name="Shape 169"/>
         <p:cNvGrpSpPr/>
         <p:nvPr/>
       </p:nvGrpSpPr>
@@ -11628,10 +11792,8 @@
       </p:grpSpPr>
       <p:sp>
         <p:nvSpPr>
-          <p:cNvPr id="168" name="Google Shape;168;p18"/>
-          <p:cNvSpPr txBox="1">
-            <a:spLocks noGrp="1"/>
-          </p:cNvSpPr>
+          <p:cNvPr id="170" name="Google Shape;170;p18"/>
+          <p:cNvSpPr txBox="1"/>
           <p:nvPr>
             <p:ph type="title"/>
           </p:nvPr>
@@ -11646,12 +11808,12 @@
           </a:prstGeom>
         </p:spPr>
         <p:txBody>
-          <a:bodyPr spcFirstLastPara="1" wrap="square" lIns="91425" tIns="91425" rIns="91425" bIns="91425" anchor="t" anchorCtr="0">
+          <a:bodyPr anchorCtr="0" anchor="t" bIns="91425" lIns="91425" spcFirstLastPara="1" rIns="91425" wrap="square" tIns="91425">
             <a:normAutofit/>
           </a:bodyPr>
           <a:lstStyle/>
           <a:p>
-            <a:pPr marL="0" lvl="0" indent="0" algn="l" rtl="0">
+            <a:pPr indent="0" lvl="0" marL="0" rtl="0" algn="l">
               <a:spcBef>
                 <a:spcPts val="0"/>
               </a:spcBef>
@@ -11670,108 +11832,46 @@
       </p:sp>
       <p:sp>
         <p:nvSpPr>
-          <p:cNvPr id="169" name="Google Shape;169;p18"/>
-          <p:cNvSpPr txBox="1">
-            <a:spLocks noGrp="1"/>
-          </p:cNvSpPr>
+          <p:cNvPr id="171" name="Google Shape;171;p18"/>
+          <p:cNvSpPr txBox="1"/>
           <p:nvPr>
-            <p:ph type="body" idx="1"/>
+            <p:ph idx="1" type="body"/>
           </p:nvPr>
         </p:nvSpPr>
         <p:spPr>
           <a:xfrm>
-            <a:off x="149726" y="850900"/>
-            <a:ext cx="4085724" cy="4044950"/>
+            <a:off x="1297500" y="1567550"/>
+            <a:ext cx="7038900" cy="2911200"/>
           </a:xfrm>
           <a:prstGeom prst="rect">
             <a:avLst/>
           </a:prstGeom>
         </p:spPr>
         <p:txBody>
-          <a:bodyPr spcFirstLastPara="1" wrap="square" lIns="91425" tIns="91425" rIns="91425" bIns="91425" anchor="t" anchorCtr="0">
+          <a:bodyPr anchorCtr="0" anchor="t" bIns="91425" lIns="91425" spcFirstLastPara="1" rIns="91425" wrap="square" tIns="91425">
             <a:normAutofit/>
           </a:bodyPr>
           <a:lstStyle/>
           <a:p>
-            <a:pPr lvl="0" indent="-304958">
-              <a:spcBef>
-                <a:spcPts val="1000"/>
-              </a:spcBef>
-              <a:buSzPct val="100000"/>
+            <a:pPr indent="0" lvl="0" marL="0" rtl="0" algn="l">
+              <a:spcBef>
+                <a:spcPts val="0"/>
+              </a:spcBef>
+              <a:spcAft>
+                <a:spcPts val="1200"/>
+              </a:spcAft>
+              <a:buNone/>
             </a:pPr>
             <a:r>
-              <a:rPr lang="en-US" dirty="0"/>
-              <a:t>Goal: Understand the average glacier elevation change by each country in the last year.</a:t>
+              <a:t/>
             </a:r>
-          </a:p>
-          <a:p>
-            <a:pPr lvl="0" indent="-304958">
-              <a:spcBef>
-                <a:spcPts val="1000"/>
-              </a:spcBef>
-              <a:buSzPct val="100000"/>
-            </a:pPr>
-            <a:r>
-              <a:rPr lang="en-US" dirty="0"/>
-              <a:t>Structure: Horizontal Bar Chart sorted by  change  in elevation, glacier name and country.</a:t>
-            </a:r>
-          </a:p>
-          <a:p>
-            <a:pPr lvl="0" indent="-304958">
-              <a:spcBef>
-                <a:spcPts val="1000"/>
-              </a:spcBef>
-              <a:buSzPct val="100000"/>
-            </a:pPr>
-            <a:r>
-              <a:rPr lang="en-US" dirty="0"/>
-              <a:t>Color mapping: Red indicates a gain in elevation and blue indicated a loss in elevation.</a:t>
-            </a:r>
-          </a:p>
-          <a:p>
-            <a:pPr lvl="0" indent="-304958">
-              <a:spcBef>
-                <a:spcPts val="1000"/>
-              </a:spcBef>
-              <a:buSzPct val="100000"/>
-            </a:pPr>
-            <a:r>
-              <a:rPr lang="en-US" dirty="0"/>
-              <a:t>Insight: Elevation change trends in the past year in different countries.</a:t>
-            </a:r>
-          </a:p>
-          <a:p>
-            <a:pPr lvl="0" indent="-304958">
-              <a:spcBef>
-                <a:spcPts val="1000"/>
-              </a:spcBef>
-              <a:spcAft>
-                <a:spcPts val="1200"/>
-              </a:spcAft>
-              <a:buSzPct val="100000"/>
-            </a:pPr>
-            <a:r>
-              <a:rPr lang="en-US" dirty="0"/>
-              <a:t>Why It Is Important: Allows us to find trends in elevation change and find the factors in the past year that influence the change.</a:t>
-            </a:r>
-          </a:p>
-          <a:p>
-            <a:pPr marL="0" lvl="0" indent="0" algn="l" rtl="0">
-              <a:spcBef>
-                <a:spcPts val="0"/>
-              </a:spcBef>
-              <a:spcAft>
-                <a:spcPts val="1200"/>
-              </a:spcAft>
-              <a:buNone/>
-            </a:pPr>
-            <a:endParaRPr dirty="0"/>
+            <a:endParaRPr/>
           </a:p>
         </p:txBody>
       </p:sp>
       <p:pic>
         <p:nvPicPr>
-          <p:cNvPr id="170" name="Google Shape;170;p18"/>
+          <p:cNvPr id="172" name="Google Shape;172;p18"/>
           <p:cNvPicPr preferRelativeResize="0"/>
           <p:nvPr/>
         </p:nvPicPr>
@@ -11785,8 +11885,8 @@
         </p:blipFill>
         <p:spPr>
           <a:xfrm>
-            <a:off x="4305300" y="139700"/>
-            <a:ext cx="4688974" cy="4756150"/>
+            <a:off x="295775" y="913725"/>
+            <a:ext cx="8552449" cy="4229775"/>
           </a:xfrm>
           <a:prstGeom prst="rect">
             <a:avLst/>
@@ -11806,11 +11906,11 @@
 </file>
 
 <file path=ppt/slides/slide7.xml><?xml version="1.0" encoding="utf-8"?>
-<p:sld xmlns:a="http://schemas.openxmlformats.org/drawingml/2006/main" xmlns:r="http://schemas.openxmlformats.org/officeDocument/2006/relationships" xmlns:p="http://schemas.openxmlformats.org/presentationml/2006/main">
+<p:sld xmlns:a="http://schemas.openxmlformats.org/drawingml/2006/main" xmlns:r="http://schemas.openxmlformats.org/officeDocument/2006/relationships" xmlns:mc="http://schemas.openxmlformats.org/markup-compatibility/2006" xmlns:mv="urn:schemas-microsoft-com:mac:vml" xmlns:p="http://schemas.openxmlformats.org/presentationml/2006/main" xmlns:c="http://schemas.openxmlformats.org/drawingml/2006/chart" xmlns:dgm="http://schemas.openxmlformats.org/drawingml/2006/diagram" xmlns:o="urn:schemas-microsoft-com:office:office" xmlns:v="urn:schemas-microsoft-com:vml" xmlns:pvml="urn:schemas-microsoft-com:office:powerpoint" xmlns:com="http://schemas.openxmlformats.org/drawingml/2006/compatibility" xmlns:p14="http://schemas.microsoft.com/office/powerpoint/2010/main" xmlns:p15="http://schemas.microsoft.com/office/powerpoint/2012/main" xmlns:ahyp="http://schemas.microsoft.com/office/drawing/2018/hyperlinkcolor">
   <p:cSld>
     <p:spTree>
       <p:nvGrpSpPr>
-        <p:cNvPr id="1" name="Shape 174"/>
+        <p:cNvPr id="176" name="Shape 176"/>
         <p:cNvGrpSpPr/>
         <p:nvPr/>
       </p:nvGrpSpPr>
@@ -11824,10 +11924,8 @@
       </p:grpSpPr>
       <p:sp>
         <p:nvSpPr>
-          <p:cNvPr id="175" name="Google Shape;175;p19"/>
-          <p:cNvSpPr txBox="1">
-            <a:spLocks noGrp="1"/>
-          </p:cNvSpPr>
+          <p:cNvPr id="177" name="Google Shape;177;p19"/>
+          <p:cNvSpPr txBox="1"/>
           <p:nvPr>
             <p:ph type="title"/>
           </p:nvPr>
@@ -11842,12 +11940,12 @@
           </a:prstGeom>
         </p:spPr>
         <p:txBody>
-          <a:bodyPr spcFirstLastPara="1" wrap="square" lIns="91425" tIns="91425" rIns="91425" bIns="91425" anchor="t" anchorCtr="0">
+          <a:bodyPr anchorCtr="0" anchor="t" bIns="91425" lIns="91425" spcFirstLastPara="1" rIns="91425" wrap="square" tIns="91425">
             <a:normAutofit/>
           </a:bodyPr>
           <a:lstStyle/>
           <a:p>
-            <a:pPr marL="0" lvl="0" indent="0" algn="l" rtl="0">
+            <a:pPr indent="0" lvl="0" marL="0" rtl="0" algn="l">
               <a:spcBef>
                 <a:spcPts val="0"/>
               </a:spcBef>
@@ -11866,108 +11964,46 @@
       </p:sp>
       <p:sp>
         <p:nvSpPr>
-          <p:cNvPr id="176" name="Google Shape;176;p19"/>
-          <p:cNvSpPr txBox="1">
-            <a:spLocks noGrp="1"/>
-          </p:cNvSpPr>
+          <p:cNvPr id="178" name="Google Shape;178;p19"/>
+          <p:cNvSpPr txBox="1"/>
           <p:nvPr>
-            <p:ph type="body" idx="1"/>
+            <p:ph idx="1" type="body"/>
           </p:nvPr>
         </p:nvSpPr>
         <p:spPr>
           <a:xfrm>
-            <a:off x="138546" y="852055"/>
-            <a:ext cx="3657599" cy="4204853"/>
+            <a:off x="1297500" y="1567550"/>
+            <a:ext cx="7038900" cy="2911200"/>
           </a:xfrm>
           <a:prstGeom prst="rect">
             <a:avLst/>
           </a:prstGeom>
         </p:spPr>
         <p:txBody>
-          <a:bodyPr spcFirstLastPara="1" wrap="square" lIns="91425" tIns="91425" rIns="91425" bIns="91425" anchor="t" anchorCtr="0">
+          <a:bodyPr anchorCtr="0" anchor="t" bIns="91425" lIns="91425" spcFirstLastPara="1" rIns="91425" wrap="square" tIns="91425">
             <a:normAutofit/>
           </a:bodyPr>
           <a:lstStyle/>
           <a:p>
-            <a:pPr lvl="0" indent="-304958">
-              <a:spcBef>
-                <a:spcPts val="1000"/>
-              </a:spcBef>
-              <a:buSzPct val="100000"/>
+            <a:pPr indent="0" lvl="0" marL="0" rtl="0" algn="l">
+              <a:spcBef>
+                <a:spcPts val="0"/>
+              </a:spcBef>
+              <a:spcAft>
+                <a:spcPts val="1200"/>
+              </a:spcAft>
+              <a:buNone/>
             </a:pPr>
             <a:r>
-              <a:rPr lang="en-US" dirty="0"/>
-              <a:t>Goal: Highlight geographical clusters and trends directly on top of a world map.</a:t>
+              <a:t/>
             </a:r>
-          </a:p>
-          <a:p>
-            <a:pPr lvl="0" indent="-304958">
-              <a:spcBef>
-                <a:spcPts val="1000"/>
-              </a:spcBef>
-              <a:buSzPct val="100000"/>
-            </a:pPr>
-            <a:r>
-              <a:rPr lang="en-US" dirty="0"/>
-              <a:t>Structure: A world map with glaciers marked by country on top.</a:t>
-            </a:r>
-          </a:p>
-          <a:p>
-            <a:pPr lvl="0" indent="-304958">
-              <a:spcBef>
-                <a:spcPts val="1000"/>
-              </a:spcBef>
-              <a:buSzPct val="100000"/>
-            </a:pPr>
-            <a:r>
-              <a:rPr lang="en-US" dirty="0"/>
-              <a:t>Color mapping: Each country is assigned a designated color for visual clarity.</a:t>
-            </a:r>
-          </a:p>
-          <a:p>
-            <a:pPr lvl="0" indent="-304958">
-              <a:spcBef>
-                <a:spcPts val="1000"/>
-              </a:spcBef>
-              <a:buSzPct val="100000"/>
-            </a:pPr>
-            <a:r>
-              <a:rPr lang="en-US" dirty="0"/>
-              <a:t>Insight: Reveals clusters on top of world map to better understand geographical trends.</a:t>
-            </a:r>
-          </a:p>
-          <a:p>
-            <a:pPr lvl="0" indent="-304958">
-              <a:spcBef>
-                <a:spcPts val="1000"/>
-              </a:spcBef>
-              <a:spcAft>
-                <a:spcPts val="1200"/>
-              </a:spcAft>
-              <a:buSzPct val="100000"/>
-            </a:pPr>
-            <a:r>
-              <a:rPr lang="en-US" dirty="0"/>
-              <a:t>Why It Is Important: Highlights regions that could have climate and geographical characteristics that could negatively impact glaciers.</a:t>
-            </a:r>
-          </a:p>
-          <a:p>
-            <a:pPr marL="0" lvl="0" indent="0" algn="l" rtl="0">
-              <a:spcBef>
-                <a:spcPts val="0"/>
-              </a:spcBef>
-              <a:spcAft>
-                <a:spcPts val="1200"/>
-              </a:spcAft>
-              <a:buNone/>
-            </a:pPr>
-            <a:endParaRPr dirty="0"/>
+            <a:endParaRPr/>
           </a:p>
         </p:txBody>
       </p:sp>
       <p:pic>
         <p:nvPicPr>
-          <p:cNvPr id="177" name="Google Shape;177;p19"/>
+          <p:cNvPr id="179" name="Google Shape;179;p19"/>
           <p:cNvPicPr preferRelativeResize="0"/>
           <p:nvPr/>
         </p:nvPicPr>
@@ -11981,8 +12017,8 @@
         </p:blipFill>
         <p:spPr>
           <a:xfrm>
-            <a:off x="3920836" y="90055"/>
-            <a:ext cx="5084618" cy="4966853"/>
+            <a:off x="0" y="1017725"/>
+            <a:ext cx="9143999" cy="4125774"/>
           </a:xfrm>
           <a:prstGeom prst="rect">
             <a:avLst/>
@@ -12002,11 +12038,11 @@
 </file>
 
 <file path=ppt/slides/slide8.xml><?xml version="1.0" encoding="utf-8"?>
-<p:sld xmlns:a="http://schemas.openxmlformats.org/drawingml/2006/main" xmlns:r="http://schemas.openxmlformats.org/officeDocument/2006/relationships" xmlns:p="http://schemas.openxmlformats.org/presentationml/2006/main">
+<p:sld xmlns:a="http://schemas.openxmlformats.org/drawingml/2006/main" xmlns:r="http://schemas.openxmlformats.org/officeDocument/2006/relationships" xmlns:mc="http://schemas.openxmlformats.org/markup-compatibility/2006" xmlns:mv="urn:schemas-microsoft-com:mac:vml" xmlns:p="http://schemas.openxmlformats.org/presentationml/2006/main" xmlns:c="http://schemas.openxmlformats.org/drawingml/2006/chart" xmlns:dgm="http://schemas.openxmlformats.org/drawingml/2006/diagram" xmlns:o="urn:schemas-microsoft-com:office:office" xmlns:v="urn:schemas-microsoft-com:vml" xmlns:pvml="urn:schemas-microsoft-com:office:powerpoint" xmlns:com="http://schemas.openxmlformats.org/drawingml/2006/compatibility" xmlns:p14="http://schemas.microsoft.com/office/powerpoint/2010/main" xmlns:p15="http://schemas.microsoft.com/office/powerpoint/2012/main" xmlns:ahyp="http://schemas.microsoft.com/office/drawing/2018/hyperlinkcolor">
   <p:cSld>
     <p:spTree>
       <p:nvGrpSpPr>
-        <p:cNvPr id="1" name="Shape 181"/>
+        <p:cNvPr id="183" name="Shape 183"/>
         <p:cNvGrpSpPr/>
         <p:nvPr/>
       </p:nvGrpSpPr>
@@ -12020,10 +12056,8 @@
       </p:grpSpPr>
       <p:sp>
         <p:nvSpPr>
-          <p:cNvPr id="182" name="Google Shape;182;p20"/>
-          <p:cNvSpPr txBox="1">
-            <a:spLocks noGrp="1"/>
-          </p:cNvSpPr>
+          <p:cNvPr id="184" name="Google Shape;184;p20"/>
+          <p:cNvSpPr txBox="1"/>
           <p:nvPr>
             <p:ph type="title"/>
           </p:nvPr>
@@ -12038,12 +12072,12 @@
           </a:prstGeom>
         </p:spPr>
         <p:txBody>
-          <a:bodyPr spcFirstLastPara="1" wrap="square" lIns="91425" tIns="91425" rIns="91425" bIns="91425" anchor="t" anchorCtr="0">
+          <a:bodyPr anchorCtr="0" anchor="t" bIns="91425" lIns="91425" spcFirstLastPara="1" rIns="91425" wrap="square" tIns="91425">
             <a:normAutofit/>
           </a:bodyPr>
           <a:lstStyle/>
           <a:p>
-            <a:pPr marL="0" lvl="0" indent="0" algn="l" rtl="0">
+            <a:pPr indent="0" lvl="0" marL="0" rtl="0" algn="l">
               <a:spcBef>
                 <a:spcPts val="0"/>
               </a:spcBef>
@@ -12062,104 +12096,46 @@
       </p:sp>
       <p:sp>
         <p:nvSpPr>
-          <p:cNvPr id="183" name="Google Shape;183;p20"/>
-          <p:cNvSpPr txBox="1">
-            <a:spLocks noGrp="1"/>
-          </p:cNvSpPr>
+          <p:cNvPr id="185" name="Google Shape;185;p20"/>
+          <p:cNvSpPr txBox="1"/>
           <p:nvPr>
-            <p:ph type="body" idx="1"/>
+            <p:ph idx="1" type="body"/>
           </p:nvPr>
         </p:nvSpPr>
         <p:spPr>
           <a:xfrm>
-            <a:off x="152400" y="968798"/>
-            <a:ext cx="3780971" cy="4081184"/>
+            <a:off x="1297500" y="1567550"/>
+            <a:ext cx="7038900" cy="2911200"/>
           </a:xfrm>
           <a:prstGeom prst="rect">
             <a:avLst/>
           </a:prstGeom>
         </p:spPr>
         <p:txBody>
-          <a:bodyPr spcFirstLastPara="1" wrap="square" lIns="91425" tIns="91425" rIns="91425" bIns="91425" anchor="t" anchorCtr="0">
-            <a:normAutofit fontScale="92500" lnSpcReduction="10000"/>
+          <a:bodyPr anchorCtr="0" anchor="t" bIns="91425" lIns="91425" spcFirstLastPara="1" rIns="91425" wrap="square" tIns="91425">
+            <a:normAutofit/>
           </a:bodyPr>
           <a:lstStyle/>
           <a:p>
-            <a:pPr lvl="0" indent="-304958">
-              <a:spcBef>
-                <a:spcPts val="1000"/>
-              </a:spcBef>
-              <a:buSzPct val="100000"/>
+            <a:pPr indent="0" lvl="0" marL="0" rtl="0" algn="l">
+              <a:spcBef>
+                <a:spcPts val="0"/>
+              </a:spcBef>
+              <a:spcAft>
+                <a:spcPts val="1200"/>
+              </a:spcAft>
+              <a:buNone/>
             </a:pPr>
             <a:r>
-              <a:rPr lang="en-US" dirty="0"/>
-              <a:t>Goal: Highlights the distribution of glaciers with clearly outlined outliers in the 5 countries with the most glaciers</a:t>
+              <a:t/>
             </a:r>
-          </a:p>
-          <a:p>
-            <a:pPr lvl="0" indent="-304958">
-              <a:spcBef>
-                <a:spcPts val="1200"/>
-              </a:spcBef>
-              <a:buSzPct val="100000"/>
-            </a:pPr>
-            <a:r>
-              <a:rPr lang="en-US" dirty="0"/>
-              <a:t>Structure: The Latitude and Longitude data being separate allows for direct visualization of north-south vs east-west glacier distributions.</a:t>
-            </a:r>
-          </a:p>
-          <a:p>
-            <a:pPr lvl="0" indent="-304958">
-              <a:spcBef>
-                <a:spcPts val="1000"/>
-              </a:spcBef>
-              <a:buSzPct val="100000"/>
-            </a:pPr>
-            <a:r>
-              <a:rPr lang="en-US" dirty="0"/>
-              <a:t>Color mapping: Each country is assigned a designated color for visual clarity.</a:t>
-            </a:r>
-          </a:p>
-          <a:p>
-            <a:pPr lvl="0" indent="-304958">
-              <a:spcBef>
-                <a:spcPts val="1000"/>
-              </a:spcBef>
-              <a:buSzPct val="100000"/>
-            </a:pPr>
-            <a:r>
-              <a:rPr lang="en-US" dirty="0"/>
-              <a:t>Insight: The interquartile range shows the center of glacier clusters in each country.</a:t>
-            </a:r>
-          </a:p>
-          <a:p>
-            <a:pPr lvl="0" indent="-304958">
-              <a:spcBef>
-                <a:spcPts val="1000"/>
-              </a:spcBef>
-              <a:spcAft>
-                <a:spcPts val="1200"/>
-              </a:spcAft>
-              <a:buSzPct val="100000"/>
-            </a:pPr>
-            <a:r>
-              <a:rPr lang="en-US" dirty="0"/>
-              <a:t>Why It Is Important: This visualization is important because it allows for us to understand these distributions to understand geographic patterns and climate influences in each country.</a:t>
-            </a:r>
-          </a:p>
-          <a:p>
-            <a:pPr marL="285750" indent="-285750">
-              <a:spcAft>
-                <a:spcPts val="1200"/>
-              </a:spcAft>
-            </a:pPr>
-            <a:endParaRPr dirty="0"/>
+            <a:endParaRPr/>
           </a:p>
         </p:txBody>
       </p:sp>
       <p:pic>
         <p:nvPicPr>
-          <p:cNvPr id="184" name="Google Shape;184;p20"/>
+          <p:cNvPr id="186" name="Google Shape;186;p20"/>
           <p:cNvPicPr preferRelativeResize="0"/>
           <p:nvPr/>
         </p:nvPicPr>
@@ -12173,8 +12149,8 @@
         </p:blipFill>
         <p:spPr>
           <a:xfrm>
-            <a:off x="4031672" y="131618"/>
-            <a:ext cx="5036127" cy="4918364"/>
+            <a:off x="0" y="1017725"/>
+            <a:ext cx="9144001" cy="4125774"/>
           </a:xfrm>
           <a:prstGeom prst="rect">
             <a:avLst/>
@@ -12194,11 +12170,11 @@
 </file>
 
 <file path=ppt/slides/slide9.xml><?xml version="1.0" encoding="utf-8"?>
-<p:sld xmlns:a="http://schemas.openxmlformats.org/drawingml/2006/main" xmlns:r="http://schemas.openxmlformats.org/officeDocument/2006/relationships" xmlns:p="http://schemas.openxmlformats.org/presentationml/2006/main">
+<p:sld xmlns:a="http://schemas.openxmlformats.org/drawingml/2006/main" xmlns:r="http://schemas.openxmlformats.org/officeDocument/2006/relationships" xmlns:mc="http://schemas.openxmlformats.org/markup-compatibility/2006" xmlns:mv="urn:schemas-microsoft-com:mac:vml" xmlns:p="http://schemas.openxmlformats.org/presentationml/2006/main" xmlns:c="http://schemas.openxmlformats.org/drawingml/2006/chart" xmlns:dgm="http://schemas.openxmlformats.org/drawingml/2006/diagram" xmlns:o="urn:schemas-microsoft-com:office:office" xmlns:v="urn:schemas-microsoft-com:vml" xmlns:pvml="urn:schemas-microsoft-com:office:powerpoint" xmlns:com="http://schemas.openxmlformats.org/drawingml/2006/compatibility" xmlns:p14="http://schemas.microsoft.com/office/powerpoint/2010/main" xmlns:p15="http://schemas.microsoft.com/office/powerpoint/2012/main" xmlns:ahyp="http://schemas.microsoft.com/office/drawing/2018/hyperlinkcolor">
   <p:cSld>
     <p:spTree>
       <p:nvGrpSpPr>
-        <p:cNvPr id="1" name="Shape 188"/>
+        <p:cNvPr id="190" name="Shape 190"/>
         <p:cNvGrpSpPr/>
         <p:nvPr/>
       </p:nvGrpSpPr>
@@ -12212,10 +12188,8 @@
       </p:grpSpPr>
       <p:sp>
         <p:nvSpPr>
-          <p:cNvPr id="189" name="Google Shape;189;p21"/>
-          <p:cNvSpPr txBox="1">
-            <a:spLocks noGrp="1"/>
-          </p:cNvSpPr>
+          <p:cNvPr id="191" name="Google Shape;191;p21"/>
+          <p:cNvSpPr txBox="1"/>
           <p:nvPr>
             <p:ph type="title"/>
           </p:nvPr>
@@ -12230,12 +12204,12 @@
           </a:prstGeom>
         </p:spPr>
         <p:txBody>
-          <a:bodyPr spcFirstLastPara="1" wrap="square" lIns="91425" tIns="91425" rIns="91425" bIns="91425" anchor="t" anchorCtr="0">
+          <a:bodyPr anchorCtr="0" anchor="t" bIns="91425" lIns="91425" spcFirstLastPara="1" rIns="91425" wrap="square" tIns="91425">
             <a:noAutofit/>
           </a:bodyPr>
           <a:lstStyle/>
           <a:p>
-            <a:pPr marL="0" lvl="0" indent="0" algn="l" rtl="0">
+            <a:pPr indent="0" lvl="0" marL="0" rtl="0" algn="l">
               <a:spcBef>
                 <a:spcPts val="0"/>
               </a:spcBef>
@@ -12252,7 +12226,7 @@
             <a:endParaRPr sz="3000"/>
           </a:p>
           <a:p>
-            <a:pPr marL="0" lvl="0" indent="0" algn="l" rtl="0">
+            <a:pPr indent="0" lvl="0" marL="0" rtl="0" algn="l">
               <a:spcBef>
                 <a:spcPts val="0"/>
               </a:spcBef>
@@ -12272,12 +12246,10 @@
       </p:sp>
       <p:sp>
         <p:nvSpPr>
-          <p:cNvPr id="190" name="Google Shape;190;p21"/>
-          <p:cNvSpPr txBox="1">
-            <a:spLocks noGrp="1"/>
-          </p:cNvSpPr>
+          <p:cNvPr id="192" name="Google Shape;192;p21"/>
+          <p:cNvSpPr txBox="1"/>
           <p:nvPr>
-            <p:ph type="body" idx="1"/>
+            <p:ph idx="1" type="body"/>
           </p:nvPr>
         </p:nvSpPr>
         <p:spPr>
@@ -12290,12 +12262,12 @@
           </a:prstGeom>
         </p:spPr>
         <p:txBody>
-          <a:bodyPr spcFirstLastPara="1" wrap="square" lIns="91425" tIns="91425" rIns="91425" bIns="91425" anchor="t" anchorCtr="0">
-            <a:normAutofit fontScale="85000" lnSpcReduction="10000"/>
+          <a:bodyPr anchorCtr="0" anchor="t" bIns="91425" lIns="91425" spcFirstLastPara="1" rIns="91425" wrap="square" tIns="91425">
+            <a:normAutofit fontScale="92500" lnSpcReduction="20000"/>
           </a:bodyPr>
           <a:lstStyle/>
           <a:p>
-            <a:pPr marL="457200" lvl="0" indent="-304958" algn="l" rtl="0">
+            <a:pPr indent="-304958" lvl="0" marL="457200" rtl="0" algn="l">
               <a:spcBef>
                 <a:spcPts val="1000"/>
               </a:spcBef>
@@ -12306,13 +12278,13 @@
               <a:buChar char="●"/>
             </a:pPr>
             <a:r>
-              <a:rPr lang="en" dirty="0"/>
+              <a:rPr lang="en"/>
               <a:t>Goal: Highlights cyclical or abrupt changes in mass by displaying glacier mass changes over centuries in a circular timeline.</a:t>
             </a:r>
-            <a:endParaRPr dirty="0"/>
+            <a:endParaRPr/>
           </a:p>
           <a:p>
-            <a:pPr marL="457200" lvl="0" indent="-304958" algn="l" rtl="0">
+            <a:pPr indent="-304958" lvl="0" marL="457200" rtl="0" algn="l">
               <a:spcBef>
                 <a:spcPts val="1200"/>
               </a:spcBef>
@@ -12323,13 +12295,13 @@
               <a:buChar char="●"/>
             </a:pPr>
             <a:r>
-              <a:rPr lang="en" dirty="0"/>
+              <a:rPr lang="en"/>
               <a:t>Structure: To illustrate temporal patterns, each bar is positioned radially by time and represents the mass change in a particular year.</a:t>
             </a:r>
-            <a:endParaRPr dirty="0"/>
+            <a:endParaRPr/>
           </a:p>
           <a:p>
-            <a:pPr marL="457200" lvl="0" indent="-304958" algn="l" rtl="0">
+            <a:pPr indent="-304958" lvl="0" marL="457200" rtl="0" algn="l">
               <a:spcBef>
                 <a:spcPts val="1000"/>
               </a:spcBef>
@@ -12340,13 +12312,13 @@
               <a:buChar char="●"/>
             </a:pPr>
             <a:r>
-              <a:rPr lang="en" dirty="0"/>
+              <a:rPr lang="en"/>
               <a:t>Color mapping: The degree of mass gain or loss is conveyed by a cool-to-warm color gradient (red = loss, blue = gain).</a:t>
             </a:r>
-            <a:endParaRPr dirty="0"/>
+            <a:endParaRPr/>
           </a:p>
           <a:p>
-            <a:pPr marL="457200" lvl="0" indent="-304958" algn="l" rtl="0">
+            <a:pPr indent="-304958" lvl="0" marL="457200" rtl="0" algn="l">
               <a:spcBef>
                 <a:spcPts val="1000"/>
               </a:spcBef>
@@ -12357,13 +12329,17 @@
               <a:buChar char="●"/>
             </a:pPr>
             <a:r>
-              <a:rPr lang="en" dirty="0"/>
-              <a:t>Insight: Shows that the glacier mass balance has decreased significantly since the mid-20th century</a:t>
+              <a:rPr lang="en"/>
+              <a:t>I</a:t>
             </a:r>
-            <a:endParaRPr dirty="0"/>
+            <a:r>
+              <a:rPr lang="en"/>
+              <a:t>nsight: Shows that the glacier mass balance has decreased significantly since the mid-20th century</a:t>
+            </a:r>
+            <a:endParaRPr/>
           </a:p>
           <a:p>
-            <a:pPr marL="457200" lvl="0" indent="-304958" algn="l" rtl="0">
+            <a:pPr indent="-304958" lvl="0" marL="457200" rtl="0" algn="l">
               <a:spcBef>
                 <a:spcPts val="1000"/>
               </a:spcBef>
@@ -12374,16 +12350,16 @@
               <a:buChar char="●"/>
             </a:pPr>
             <a:r>
-              <a:rPr lang="en" dirty="0"/>
+              <a:rPr lang="en"/>
               <a:t>Why It Is Important: valuable for pinpointing periods of rapid melting or stabilization, particularly in the context of long-term climate monitoring.</a:t>
             </a:r>
-            <a:endParaRPr dirty="0"/>
+            <a:endParaRPr/>
           </a:p>
         </p:txBody>
       </p:sp>
       <p:pic>
         <p:nvPicPr>
-          <p:cNvPr id="191" name="Google Shape;191;p21" title="glacier_radial_timeline.png"/>
+          <p:cNvPr id="193" name="Google Shape;193;p21" title="glacier_radial_timeline.png"/>
           <p:cNvPicPr preferRelativeResize="0"/>
           <p:nvPr/>
         </p:nvPicPr>
@@ -12418,7 +12394,286 @@
 </file>
 
 <file path=ppt/theme/theme1.xml><?xml version="1.0" encoding="utf-8"?>
-<a:theme xmlns:a="http://schemas.openxmlformats.org/drawingml/2006/main" name="Focus">
+<a:theme xmlns:a="http://schemas.openxmlformats.org/drawingml/2006/main" xmlns:r="http://schemas.openxmlformats.org/officeDocument/2006/relationships">
+  <a:themeElements>
+    <a:clrScheme name="Default">
+      <a:dk1>
+        <a:srgbClr val="000000"/>
+      </a:dk1>
+      <a:lt1>
+        <a:srgbClr val="FFFFFF"/>
+      </a:lt1>
+      <a:dk2>
+        <a:srgbClr val="158158"/>
+      </a:dk2>
+      <a:lt2>
+        <a:srgbClr val="F3F3F3"/>
+      </a:lt2>
+      <a:accent1>
+        <a:srgbClr val="058DC7"/>
+      </a:accent1>
+      <a:accent2>
+        <a:srgbClr val="50B432"/>
+      </a:accent2>
+      <a:accent3>
+        <a:srgbClr val="ED561B"/>
+      </a:accent3>
+      <a:accent4>
+        <a:srgbClr val="EDEF00"/>
+      </a:accent4>
+      <a:accent5>
+        <a:srgbClr val="24CBE5"/>
+      </a:accent5>
+      <a:accent6>
+        <a:srgbClr val="64E572"/>
+      </a:accent6>
+      <a:hlink>
+        <a:srgbClr val="2200CC"/>
+      </a:hlink>
+      <a:folHlink>
+        <a:srgbClr val="551A8B"/>
+      </a:folHlink>
+    </a:clrScheme>
+    <a:fontScheme name="Office">
+      <a:majorFont>
+        <a:latin typeface="Arial"/>
+        <a:ea typeface=""/>
+        <a:cs typeface=""/>
+        <a:font script="Jpan" typeface="ＭＳ Ｐゴシック"/>
+        <a:font script="Hang" typeface="맑은 고딕"/>
+        <a:font script="Hans" typeface="宋体"/>
+        <a:font script="Hant" typeface="新細明體"/>
+        <a:font script="Arab" typeface="Times New Roman"/>
+        <a:font script="Hebr" typeface="Times New Roman"/>
+        <a:font script="Thai" typeface="Angsana New"/>
+        <a:font script="Ethi" typeface="Nyala"/>
+        <a:font script="Beng" typeface="Vrinda"/>
+        <a:font script="Gujr" typeface="Shruti"/>
+        <a:font script="Khmr" typeface="MoolBoran"/>
+        <a:font script="Knda" typeface="Tunga"/>
+        <a:font script="Guru" typeface="Raavi"/>
+        <a:font script="Cans" typeface="Euphemia"/>
+        <a:font script="Cher" typeface="Plantagenet Cherokee"/>
+        <a:font script="Yiii" typeface="Microsoft Yi Baiti"/>
+        <a:font script="Tibt" typeface="Microsoft Himalaya"/>
+        <a:font script="Thaa" typeface="MV Boli"/>
+        <a:font script="Deva" typeface="Mangal"/>
+        <a:font script="Telu" typeface="Gautami"/>
+        <a:font script="Taml" typeface="Latha"/>
+        <a:font script="Syrc" typeface="Estrangelo Edessa"/>
+        <a:font script="Orya" typeface="Kalinga"/>
+        <a:font script="Mlym" typeface="Kartika"/>
+        <a:font script="Laoo" typeface="DokChampa"/>
+        <a:font script="Sinh" typeface="Iskoola Pota"/>
+        <a:font script="Mong" typeface="Mongolian Baiti"/>
+        <a:font script="Viet" typeface="Times New Roman"/>
+        <a:font script="Uigh" typeface="Microsoft Uighur"/>
+        <a:font script="Geor" typeface="Sylfaen"/>
+      </a:majorFont>
+      <a:minorFont>
+        <a:latin typeface="Arial"/>
+        <a:ea typeface=""/>
+        <a:cs typeface=""/>
+        <a:font script="Jpan" typeface="ＭＳ Ｐゴシック"/>
+        <a:font script="Hang" typeface="맑은 고딕"/>
+        <a:font script="Hans" typeface="宋体"/>
+        <a:font script="Hant" typeface="新細明體"/>
+        <a:font script="Arab" typeface="Arial"/>
+        <a:font script="Hebr" typeface="Arial"/>
+        <a:font script="Thai" typeface="Cordia New"/>
+        <a:font script="Ethi" typeface="Nyala"/>
+        <a:font script="Beng" typeface="Vrinda"/>
+        <a:font script="Gujr" typeface="Shruti"/>
+        <a:font script="Khmr" typeface="DaunPenh"/>
+        <a:font script="Knda" typeface="Tunga"/>
+        <a:font script="Guru" typeface="Raavi"/>
+        <a:font script="Cans" typeface="Euphemia"/>
+        <a:font script="Cher" typeface="Plantagenet Cherokee"/>
+        <a:font script="Yiii" typeface="Microsoft Yi Baiti"/>
+        <a:font script="Tibt" typeface="Microsoft Himalaya"/>
+        <a:font script="Thaa" typeface="MV Boli"/>
+        <a:font script="Deva" typeface="Mangal"/>
+        <a:font script="Telu" typeface="Gautami"/>
+        <a:font script="Taml" typeface="Latha"/>
+        <a:font script="Syrc" typeface="Estrangelo Edessa"/>
+        <a:font script="Orya" typeface="Kalinga"/>
+        <a:font script="Mlym" typeface="Kartika"/>
+        <a:font script="Laoo" typeface="DokChampa"/>
+        <a:font script="Sinh" typeface="Iskoola Pota"/>
+        <a:font script="Mong" typeface="Mongolian Baiti"/>
+        <a:font script="Viet" typeface="Arial"/>
+        <a:font script="Uigh" typeface="Microsoft Uighur"/>
+        <a:font script="Geor" typeface="Sylfaen"/>
+      </a:minorFont>
+    </a:fontScheme>
+    <a:fmtScheme name="Office">
+      <a:fillStyleLst>
+        <a:solidFill>
+          <a:schemeClr val="phClr"/>
+        </a:solidFill>
+        <a:gradFill rotWithShape="1">
+          <a:gsLst>
+            <a:gs pos="0">
+              <a:schemeClr val="phClr">
+                <a:tint val="50000"/>
+                <a:satMod val="300000"/>
+              </a:schemeClr>
+            </a:gs>
+            <a:gs pos="35000">
+              <a:schemeClr val="phClr">
+                <a:tint val="37000"/>
+                <a:satMod val="300000"/>
+              </a:schemeClr>
+            </a:gs>
+            <a:gs pos="100000">
+              <a:schemeClr val="phClr">
+                <a:tint val="15000"/>
+                <a:satMod val="350000"/>
+              </a:schemeClr>
+            </a:gs>
+          </a:gsLst>
+          <a:lin ang="16200000" scaled="1"/>
+        </a:gradFill>
+        <a:gradFill rotWithShape="1">
+          <a:gsLst>
+            <a:gs pos="0">
+              <a:schemeClr val="phClr">
+                <a:tint val="100000"/>
+                <a:shade val="100000"/>
+                <a:satMod val="130000"/>
+              </a:schemeClr>
+            </a:gs>
+            <a:gs pos="100000">
+              <a:schemeClr val="phClr">
+                <a:tint val="50000"/>
+                <a:shade val="100000"/>
+                <a:satMod val="350000"/>
+              </a:schemeClr>
+            </a:gs>
+          </a:gsLst>
+          <a:lin ang="16200000" scaled="0"/>
+        </a:gradFill>
+      </a:fillStyleLst>
+      <a:lnStyleLst>
+        <a:ln w="9525" cap="flat" cmpd="sng" algn="ctr">
+          <a:solidFill>
+            <a:schemeClr val="phClr">
+              <a:shade val="95000"/>
+              <a:satMod val="105000"/>
+            </a:schemeClr>
+          </a:solidFill>
+          <a:prstDash val="solid"/>
+        </a:ln>
+        <a:ln w="25400" cap="flat" cmpd="sng" algn="ctr">
+          <a:solidFill>
+            <a:schemeClr val="phClr"/>
+          </a:solidFill>
+          <a:prstDash val="solid"/>
+        </a:ln>
+        <a:ln w="38100" cap="flat" cmpd="sng" algn="ctr">
+          <a:solidFill>
+            <a:schemeClr val="phClr"/>
+          </a:solidFill>
+          <a:prstDash val="solid"/>
+        </a:ln>
+      </a:lnStyleLst>
+      <a:effectStyleLst>
+        <a:effectStyle>
+          <a:effectLst>
+            <a:outerShdw blurRad="40000" dist="20000" dir="5400000" rotWithShape="0">
+              <a:srgbClr val="000000">
+                <a:alpha val="38000"/>
+              </a:srgbClr>
+            </a:outerShdw>
+          </a:effectLst>
+        </a:effectStyle>
+        <a:effectStyle>
+          <a:effectLst>
+            <a:outerShdw blurRad="40000" dist="23000" dir="5400000" rotWithShape="0">
+              <a:srgbClr val="000000">
+                <a:alpha val="35000"/>
+              </a:srgbClr>
+            </a:outerShdw>
+          </a:effectLst>
+        </a:effectStyle>
+        <a:effectStyle>
+          <a:effectLst>
+            <a:outerShdw blurRad="40000" dist="23000" dir="5400000" rotWithShape="0">
+              <a:srgbClr val="000000">
+                <a:alpha val="35000"/>
+              </a:srgbClr>
+            </a:outerShdw>
+          </a:effectLst>
+          <a:scene3d>
+            <a:camera prst="orthographicFront">
+              <a:rot lat="0" lon="0" rev="0"/>
+            </a:camera>
+            <a:lightRig rig="threePt" dir="t">
+              <a:rot lat="0" lon="0" rev="1200000"/>
+            </a:lightRig>
+          </a:scene3d>
+          <a:sp3d>
+            <a:bevelT w="63500" h="25400"/>
+          </a:sp3d>
+        </a:effectStyle>
+      </a:effectStyleLst>
+      <a:bgFillStyleLst>
+        <a:solidFill>
+          <a:schemeClr val="phClr"/>
+        </a:solidFill>
+        <a:gradFill rotWithShape="1">
+          <a:gsLst>
+            <a:gs pos="0">
+              <a:schemeClr val="phClr">
+                <a:tint val="40000"/>
+                <a:satMod val="350000"/>
+              </a:schemeClr>
+            </a:gs>
+            <a:gs pos="40000">
+              <a:schemeClr val="phClr">
+                <a:tint val="45000"/>
+                <a:shade val="99000"/>
+                <a:satMod val="350000"/>
+              </a:schemeClr>
+            </a:gs>
+            <a:gs pos="100000">
+              <a:schemeClr val="phClr">
+                <a:shade val="20000"/>
+                <a:satMod val="255000"/>
+              </a:schemeClr>
+            </a:gs>
+          </a:gsLst>
+          <a:path path="circle">
+            <a:fillToRect l="50000" t="-80000" r="50000" b="180000"/>
+          </a:path>
+        </a:gradFill>
+        <a:gradFill rotWithShape="1">
+          <a:gsLst>
+            <a:gs pos="0">
+              <a:schemeClr val="phClr">
+                <a:tint val="80000"/>
+                <a:satMod val="300000"/>
+              </a:schemeClr>
+            </a:gs>
+            <a:gs pos="100000">
+              <a:schemeClr val="phClr">
+                <a:shade val="30000"/>
+                <a:satMod val="200000"/>
+              </a:schemeClr>
+            </a:gs>
+          </a:gsLst>
+          <a:path path="circle">
+            <a:fillToRect l="50000" t="50000" r="50000" b="50000"/>
+          </a:path>
+        </a:gradFill>
+      </a:bgFillStyleLst>
+    </a:fmtScheme>
+  </a:themeElements>
+</a:theme>
+</file>
+
+<file path=ppt/theme/theme2.xml><?xml version="1.0" encoding="utf-8"?>
+<a:theme xmlns:a="http://schemas.openxmlformats.org/drawingml/2006/main" xmlns:r="http://schemas.openxmlformats.org/officeDocument/2006/relationships" name="Focus">
   <a:themeElements>
     <a:clrScheme name="Focus">
       <a:dk1>
@@ -12693,288 +12948,5 @@
       </a:bgFillStyleLst>
     </a:fmtScheme>
   </a:themeElements>
-  <a:objectDefaults/>
-  <a:extraClrSchemeLst/>
-</a:theme>
-</file>
-
-<file path=ppt/theme/theme2.xml><?xml version="1.0" encoding="utf-8"?>
-<a:theme xmlns:a="http://schemas.openxmlformats.org/drawingml/2006/main">
-  <a:themeElements>
-    <a:clrScheme name="Default">
-      <a:dk1>
-        <a:srgbClr val="000000"/>
-      </a:dk1>
-      <a:lt1>
-        <a:srgbClr val="FFFFFF"/>
-      </a:lt1>
-      <a:dk2>
-        <a:srgbClr val="158158"/>
-      </a:dk2>
-      <a:lt2>
-        <a:srgbClr val="F3F3F3"/>
-      </a:lt2>
-      <a:accent1>
-        <a:srgbClr val="058DC7"/>
-      </a:accent1>
-      <a:accent2>
-        <a:srgbClr val="50B432"/>
-      </a:accent2>
-      <a:accent3>
-        <a:srgbClr val="ED561B"/>
-      </a:accent3>
-      <a:accent4>
-        <a:srgbClr val="EDEF00"/>
-      </a:accent4>
-      <a:accent5>
-        <a:srgbClr val="24CBE5"/>
-      </a:accent5>
-      <a:accent6>
-        <a:srgbClr val="64E572"/>
-      </a:accent6>
-      <a:hlink>
-        <a:srgbClr val="2200CC"/>
-      </a:hlink>
-      <a:folHlink>
-        <a:srgbClr val="551A8B"/>
-      </a:folHlink>
-    </a:clrScheme>
-    <a:fontScheme name="Office">
-      <a:majorFont>
-        <a:latin typeface="Arial"/>
-        <a:ea typeface=""/>
-        <a:cs typeface=""/>
-        <a:font script="Jpan" typeface="ＭＳ Ｐゴシック"/>
-        <a:font script="Hang" typeface="맑은 고딕"/>
-        <a:font script="Hans" typeface="宋体"/>
-        <a:font script="Hant" typeface="新細明體"/>
-        <a:font script="Arab" typeface="Times New Roman"/>
-        <a:font script="Hebr" typeface="Times New Roman"/>
-        <a:font script="Thai" typeface="Angsana New"/>
-        <a:font script="Ethi" typeface="Nyala"/>
-        <a:font script="Beng" typeface="Vrinda"/>
-        <a:font script="Gujr" typeface="Shruti"/>
-        <a:font script="Khmr" typeface="MoolBoran"/>
-        <a:font script="Knda" typeface="Tunga"/>
-        <a:font script="Guru" typeface="Raavi"/>
-        <a:font script="Cans" typeface="Euphemia"/>
-        <a:font script="Cher" typeface="Plantagenet Cherokee"/>
-        <a:font script="Yiii" typeface="Microsoft Yi Baiti"/>
-        <a:font script="Tibt" typeface="Microsoft Himalaya"/>
-        <a:font script="Thaa" typeface="MV Boli"/>
-        <a:font script="Deva" typeface="Mangal"/>
-        <a:font script="Telu" typeface="Gautami"/>
-        <a:font script="Taml" typeface="Latha"/>
-        <a:font script="Syrc" typeface="Estrangelo Edessa"/>
-        <a:font script="Orya" typeface="Kalinga"/>
-        <a:font script="Mlym" typeface="Kartika"/>
-        <a:font script="Laoo" typeface="DokChampa"/>
-        <a:font script="Sinh" typeface="Iskoola Pota"/>
-        <a:font script="Mong" typeface="Mongolian Baiti"/>
-        <a:font script="Viet" typeface="Times New Roman"/>
-        <a:font script="Uigh" typeface="Microsoft Uighur"/>
-        <a:font script="Geor" typeface="Sylfaen"/>
-      </a:majorFont>
-      <a:minorFont>
-        <a:latin typeface="Arial"/>
-        <a:ea typeface=""/>
-        <a:cs typeface=""/>
-        <a:font script="Jpan" typeface="ＭＳ Ｐゴシック"/>
-        <a:font script="Hang" typeface="맑은 고딕"/>
-        <a:font script="Hans" typeface="宋体"/>
-        <a:font script="Hant" typeface="新細明體"/>
-        <a:font script="Arab" typeface="Arial"/>
-        <a:font script="Hebr" typeface="Arial"/>
-        <a:font script="Thai" typeface="Cordia New"/>
-        <a:font script="Ethi" typeface="Nyala"/>
-        <a:font script="Beng" typeface="Vrinda"/>
-        <a:font script="Gujr" typeface="Shruti"/>
-        <a:font script="Khmr" typeface="DaunPenh"/>
-        <a:font script="Knda" typeface="Tunga"/>
-        <a:font script="Guru" typeface="Raavi"/>
-        <a:font script="Cans" typeface="Euphemia"/>
-        <a:font script="Cher" typeface="Plantagenet Cherokee"/>
-        <a:font script="Yiii" typeface="Microsoft Yi Baiti"/>
-        <a:font script="Tibt" typeface="Microsoft Himalaya"/>
-        <a:font script="Thaa" typeface="MV Boli"/>
-        <a:font script="Deva" typeface="Mangal"/>
-        <a:font script="Telu" typeface="Gautami"/>
-        <a:font script="Taml" typeface="Latha"/>
-        <a:font script="Syrc" typeface="Estrangelo Edessa"/>
-        <a:font script="Orya" typeface="Kalinga"/>
-        <a:font script="Mlym" typeface="Kartika"/>
-        <a:font script="Laoo" typeface="DokChampa"/>
-        <a:font script="Sinh" typeface="Iskoola Pota"/>
-        <a:font script="Mong" typeface="Mongolian Baiti"/>
-        <a:font script="Viet" typeface="Arial"/>
-        <a:font script="Uigh" typeface="Microsoft Uighur"/>
-        <a:font script="Geor" typeface="Sylfaen"/>
-      </a:minorFont>
-    </a:fontScheme>
-    <a:fmtScheme name="Office">
-      <a:fillStyleLst>
-        <a:solidFill>
-          <a:schemeClr val="phClr"/>
-        </a:solidFill>
-        <a:gradFill rotWithShape="1">
-          <a:gsLst>
-            <a:gs pos="0">
-              <a:schemeClr val="phClr">
-                <a:tint val="50000"/>
-                <a:satMod val="300000"/>
-              </a:schemeClr>
-            </a:gs>
-            <a:gs pos="35000">
-              <a:schemeClr val="phClr">
-                <a:tint val="37000"/>
-                <a:satMod val="300000"/>
-              </a:schemeClr>
-            </a:gs>
-            <a:gs pos="100000">
-              <a:schemeClr val="phClr">
-                <a:tint val="15000"/>
-                <a:satMod val="350000"/>
-              </a:schemeClr>
-            </a:gs>
-          </a:gsLst>
-          <a:lin ang="16200000" scaled="1"/>
-        </a:gradFill>
-        <a:gradFill rotWithShape="1">
-          <a:gsLst>
-            <a:gs pos="0">
-              <a:schemeClr val="phClr">
-                <a:tint val="100000"/>
-                <a:shade val="100000"/>
-                <a:satMod val="130000"/>
-              </a:schemeClr>
-            </a:gs>
-            <a:gs pos="100000">
-              <a:schemeClr val="phClr">
-                <a:tint val="50000"/>
-                <a:shade val="100000"/>
-                <a:satMod val="350000"/>
-              </a:schemeClr>
-            </a:gs>
-          </a:gsLst>
-          <a:lin ang="16200000" scaled="0"/>
-        </a:gradFill>
-      </a:fillStyleLst>
-      <a:lnStyleLst>
-        <a:ln w="9525" cap="flat" cmpd="sng" algn="ctr">
-          <a:solidFill>
-            <a:schemeClr val="phClr">
-              <a:shade val="95000"/>
-              <a:satMod val="105000"/>
-            </a:schemeClr>
-          </a:solidFill>
-          <a:prstDash val="solid"/>
-        </a:ln>
-        <a:ln w="25400" cap="flat" cmpd="sng" algn="ctr">
-          <a:solidFill>
-            <a:schemeClr val="phClr"/>
-          </a:solidFill>
-          <a:prstDash val="solid"/>
-        </a:ln>
-        <a:ln w="38100" cap="flat" cmpd="sng" algn="ctr">
-          <a:solidFill>
-            <a:schemeClr val="phClr"/>
-          </a:solidFill>
-          <a:prstDash val="solid"/>
-        </a:ln>
-      </a:lnStyleLst>
-      <a:effectStyleLst>
-        <a:effectStyle>
-          <a:effectLst>
-            <a:outerShdw blurRad="40000" dist="20000" dir="5400000" rotWithShape="0">
-              <a:srgbClr val="000000">
-                <a:alpha val="38000"/>
-              </a:srgbClr>
-            </a:outerShdw>
-          </a:effectLst>
-        </a:effectStyle>
-        <a:effectStyle>
-          <a:effectLst>
-            <a:outerShdw blurRad="40000" dist="23000" dir="5400000" rotWithShape="0">
-              <a:srgbClr val="000000">
-                <a:alpha val="35000"/>
-              </a:srgbClr>
-            </a:outerShdw>
-          </a:effectLst>
-        </a:effectStyle>
-        <a:effectStyle>
-          <a:effectLst>
-            <a:outerShdw blurRad="40000" dist="23000" dir="5400000" rotWithShape="0">
-              <a:srgbClr val="000000">
-                <a:alpha val="35000"/>
-              </a:srgbClr>
-            </a:outerShdw>
-          </a:effectLst>
-          <a:scene3d>
-            <a:camera prst="orthographicFront">
-              <a:rot lat="0" lon="0" rev="0"/>
-            </a:camera>
-            <a:lightRig rig="threePt" dir="t">
-              <a:rot lat="0" lon="0" rev="1200000"/>
-            </a:lightRig>
-          </a:scene3d>
-          <a:sp3d>
-            <a:bevelT w="63500" h="25400"/>
-          </a:sp3d>
-        </a:effectStyle>
-      </a:effectStyleLst>
-      <a:bgFillStyleLst>
-        <a:solidFill>
-          <a:schemeClr val="phClr"/>
-        </a:solidFill>
-        <a:gradFill rotWithShape="1">
-          <a:gsLst>
-            <a:gs pos="0">
-              <a:schemeClr val="phClr">
-                <a:tint val="40000"/>
-                <a:satMod val="350000"/>
-              </a:schemeClr>
-            </a:gs>
-            <a:gs pos="40000">
-              <a:schemeClr val="phClr">
-                <a:tint val="45000"/>
-                <a:shade val="99000"/>
-                <a:satMod val="350000"/>
-              </a:schemeClr>
-            </a:gs>
-            <a:gs pos="100000">
-              <a:schemeClr val="phClr">
-                <a:shade val="20000"/>
-                <a:satMod val="255000"/>
-              </a:schemeClr>
-            </a:gs>
-          </a:gsLst>
-          <a:path path="circle">
-            <a:fillToRect l="50000" t="-80000" r="50000" b="180000"/>
-          </a:path>
-        </a:gradFill>
-        <a:gradFill rotWithShape="1">
-          <a:gsLst>
-            <a:gs pos="0">
-              <a:schemeClr val="phClr">
-                <a:tint val="80000"/>
-                <a:satMod val="300000"/>
-              </a:schemeClr>
-            </a:gs>
-            <a:gs pos="100000">
-              <a:schemeClr val="phClr">
-                <a:shade val="30000"/>
-                <a:satMod val="200000"/>
-              </a:schemeClr>
-            </a:gs>
-          </a:gsLst>
-          <a:path path="circle">
-            <a:fillToRect l="50000" t="50000" r="50000" b="50000"/>
-          </a:path>
-        </a:gradFill>
-      </a:bgFillStyleLst>
-    </a:fmtScheme>
-  </a:themeElements>
-  <a:objectDefaults/>
-  <a:extraClrSchemeLst/>
 </a:theme>
 </file>